--- a/Work_In_Progress/CS/SPMP_Presentation.pptx
+++ b/Work_In_Progress/CS/SPMP_Presentation.pptx
@@ -2,7 +2,7 @@
 <file path=ppt/presentation.xml><?xml version="1.0" encoding="utf-8"?>
 <p:presentation xmlns:a="http://schemas.openxmlformats.org/drawingml/2006/main" xmlns:r="http://schemas.openxmlformats.org/officeDocument/2006/relationships" xmlns:p="http://schemas.openxmlformats.org/presentationml/2006/main" autoCompressPictures="0">
   <p:sldMasterIdLst>
-    <p:sldMasterId id="2147483665" r:id="rId1"/>
+    <p:sldMasterId id="2147483731" r:id="rId1"/>
   </p:sldMasterIdLst>
   <p:sldIdLst>
     <p:sldId id="256" r:id="rId2"/>
@@ -10,15 +10,14 @@
     <p:sldId id="266" r:id="rId4"/>
     <p:sldId id="265" r:id="rId5"/>
     <p:sldId id="257" r:id="rId6"/>
-    <p:sldId id="262" r:id="rId7"/>
-    <p:sldId id="260" r:id="rId8"/>
-    <p:sldId id="261" r:id="rId9"/>
-    <p:sldId id="259" r:id="rId10"/>
-    <p:sldId id="269" r:id="rId11"/>
-    <p:sldId id="268" r:id="rId12"/>
-    <p:sldId id="264" r:id="rId13"/>
-    <p:sldId id="267" r:id="rId14"/>
-    <p:sldId id="258" r:id="rId15"/>
+    <p:sldId id="264" r:id="rId7"/>
+    <p:sldId id="270" r:id="rId8"/>
+    <p:sldId id="260" r:id="rId9"/>
+    <p:sldId id="261" r:id="rId10"/>
+    <p:sldId id="268" r:id="rId11"/>
+    <p:sldId id="259" r:id="rId12"/>
+    <p:sldId id="269" r:id="rId13"/>
+    <p:sldId id="271" r:id="rId14"/>
   </p:sldIdLst>
   <p:sldSz cx="12192000" cy="6858000"/>
   <p:notesSz cx="6858000" cy="9144000"/>
@@ -144,25 +143,76 @@
       </p:grpSpPr>
       <p:sp>
         <p:nvSpPr>
-          <p:cNvPr id="2" name="Title 1"/>
-          <p:cNvSpPr>
-            <a:spLocks noGrp="1"/>
-          </p:cNvSpPr>
-          <p:nvPr>
-            <p:ph type="ctrTitle"/>
-          </p:nvPr>
+          <p:cNvPr id="7" name="Rectangle 6"/>
+          <p:cNvSpPr>
+            <a:spLocks noChangeAspect="1"/>
+          </p:cNvSpPr>
+          <p:nvPr/>
         </p:nvSpPr>
         <p:spPr>
           <a:xfrm>
-            <a:off x="1154955" y="1447800"/>
-            <a:ext cx="8825658" cy="3329581"/>
+            <a:off x="231140" y="243840"/>
+            <a:ext cx="11724640" cy="6377939"/>
+          </a:xfrm>
+          <a:prstGeom prst="rect">
+            <a:avLst/>
+          </a:prstGeom>
+          <a:solidFill>
+            <a:schemeClr val="bg1"/>
+          </a:solidFill>
+          <a:ln w="12700">
+            <a:solidFill>
+              <a:schemeClr val="tx1"/>
+            </a:solidFill>
+          </a:ln>
+        </p:spPr>
+        <p:style>
+          <a:lnRef idx="2">
+            <a:schemeClr val="accent1">
+              <a:shade val="50000"/>
+            </a:schemeClr>
+          </a:lnRef>
+          <a:fillRef idx="1">
+            <a:schemeClr val="accent1"/>
+          </a:fillRef>
+          <a:effectRef idx="0">
+            <a:schemeClr val="accent1"/>
+          </a:effectRef>
+          <a:fontRef idx="minor">
+            <a:schemeClr val="lt1"/>
+          </a:fontRef>
+        </p:style>
+      </p:sp>
+      <p:sp>
+        <p:nvSpPr>
+          <p:cNvPr id="2" name="Title 1"/>
+          <p:cNvSpPr>
+            <a:spLocks noGrp="1"/>
+          </p:cNvSpPr>
+          <p:nvPr>
+            <p:ph type="ctrTitle"/>
+          </p:nvPr>
+        </p:nvSpPr>
+        <p:spPr>
+          <a:xfrm>
+            <a:off x="1109980" y="882376"/>
+            <a:ext cx="9966960" cy="2926080"/>
           </a:xfrm>
         </p:spPr>
         <p:txBody>
-          <a:bodyPr anchor="b"/>
+          <a:bodyPr anchor="b">
+            <a:normAutofit/>
+          </a:bodyPr>
           <a:lstStyle>
-            <a:lvl1pPr>
-              <a:defRPr sz="7200"/>
+            <a:lvl1pPr algn="ctr">
+              <a:lnSpc>
+                <a:spcPct val="85000"/>
+              </a:lnSpc>
+              <a:defRPr sz="7200" b="1" cap="all" baseline="0">
+                <a:solidFill>
+                  <a:schemeClr val="tx1"/>
+                </a:solidFill>
+              </a:defRPr>
             </a:lvl1pPr>
           </a:lstStyle>
           <a:p>
@@ -186,128 +236,87 @@
         </p:nvSpPr>
         <p:spPr>
           <a:xfrm>
-            <a:off x="1154955" y="4777380"/>
-            <a:ext cx="8825658" cy="861420"/>
+            <a:off x="1709530" y="3869634"/>
+            <a:ext cx="8767860" cy="1388165"/>
           </a:xfrm>
         </p:spPr>
         <p:txBody>
-          <a:bodyPr anchor="t"/>
+          <a:bodyPr>
+            <a:normAutofit/>
+          </a:bodyPr>
           <a:lstStyle>
-            <a:lvl1pPr marL="0" indent="0" algn="l">
-              <a:buNone/>
-              <a:defRPr cap="all">
+            <a:lvl1pPr marL="0" indent="0" algn="ctr">
+              <a:buNone/>
+              <a:defRPr sz="2200">
                 <a:solidFill>
-                  <a:schemeClr val="bg2">
-                    <a:lumMod val="40000"/>
-                    <a:lumOff val="60000"/>
-                  </a:schemeClr>
+                  <a:schemeClr val="tx1"/>
                 </a:solidFill>
               </a:defRPr>
             </a:lvl1pPr>
             <a:lvl2pPr marL="457200" indent="0" algn="ctr">
               <a:buNone/>
+              <a:defRPr sz="2200"/>
+            </a:lvl2pPr>
+            <a:lvl3pPr marL="914400" indent="0" algn="ctr">
+              <a:buNone/>
+              <a:defRPr sz="2200"/>
+            </a:lvl3pPr>
+            <a:lvl4pPr marL="1371600" indent="0" algn="ctr">
+              <a:buNone/>
+              <a:defRPr sz="2000"/>
+            </a:lvl4pPr>
+            <a:lvl5pPr marL="1828800" indent="0" algn="ctr">
+              <a:buNone/>
+              <a:defRPr sz="2000"/>
+            </a:lvl5pPr>
+            <a:lvl6pPr marL="2286000" indent="0" algn="ctr">
+              <a:buNone/>
+              <a:defRPr sz="2000"/>
+            </a:lvl6pPr>
+            <a:lvl7pPr marL="2743200" indent="0" algn="ctr">
+              <a:buNone/>
+              <a:defRPr sz="2000"/>
+            </a:lvl7pPr>
+            <a:lvl8pPr marL="3200400" indent="0" algn="ctr">
+              <a:buNone/>
+              <a:defRPr sz="2000"/>
+            </a:lvl8pPr>
+            <a:lvl9pPr marL="3657600" indent="0" algn="ctr">
+              <a:buNone/>
+              <a:defRPr sz="2000"/>
+            </a:lvl9pPr>
+          </a:lstStyle>
+          <a:p>
+            <a:r>
+              <a:rPr lang="en-US"/>
+              <a:t>Click to edit Master subtitle style</a:t>
+            </a:r>
+            <a:endParaRPr lang="en-US" dirty="0"/>
+          </a:p>
+        </p:txBody>
+      </p:sp>
+      <p:sp>
+        <p:nvSpPr>
+          <p:cNvPr id="4" name="Date Placeholder 3"/>
+          <p:cNvSpPr>
+            <a:spLocks noGrp="1"/>
+          </p:cNvSpPr>
+          <p:nvPr>
+            <p:ph type="dt" sz="half" idx="10"/>
+          </p:nvPr>
+        </p:nvSpPr>
+        <p:spPr/>
+        <p:txBody>
+          <a:bodyPr/>
+          <a:lstStyle>
+            <a:lvl1pPr>
               <a:defRPr>
                 <a:solidFill>
-                  <a:schemeClr val="tx1">
-                    <a:tint val="75000"/>
-                  </a:schemeClr>
+                  <a:schemeClr val="tx1"/>
                 </a:solidFill>
               </a:defRPr>
-            </a:lvl2pPr>
-            <a:lvl3pPr marL="914400" indent="0" algn="ctr">
-              <a:buNone/>
-              <a:defRPr>
-                <a:solidFill>
-                  <a:schemeClr val="tx1">
-                    <a:tint val="75000"/>
-                  </a:schemeClr>
-                </a:solidFill>
-              </a:defRPr>
-            </a:lvl3pPr>
-            <a:lvl4pPr marL="1371600" indent="0" algn="ctr">
-              <a:buNone/>
-              <a:defRPr>
-                <a:solidFill>
-                  <a:schemeClr val="tx1">
-                    <a:tint val="75000"/>
-                  </a:schemeClr>
-                </a:solidFill>
-              </a:defRPr>
-            </a:lvl4pPr>
-            <a:lvl5pPr marL="1828800" indent="0" algn="ctr">
-              <a:buNone/>
-              <a:defRPr>
-                <a:solidFill>
-                  <a:schemeClr val="tx1">
-                    <a:tint val="75000"/>
-                  </a:schemeClr>
-                </a:solidFill>
-              </a:defRPr>
-            </a:lvl5pPr>
-            <a:lvl6pPr marL="2286000" indent="0" algn="ctr">
-              <a:buNone/>
-              <a:defRPr>
-                <a:solidFill>
-                  <a:schemeClr val="tx1">
-                    <a:tint val="75000"/>
-                  </a:schemeClr>
-                </a:solidFill>
-              </a:defRPr>
-            </a:lvl6pPr>
-            <a:lvl7pPr marL="2743200" indent="0" algn="ctr">
-              <a:buNone/>
-              <a:defRPr>
-                <a:solidFill>
-                  <a:schemeClr val="tx1">
-                    <a:tint val="75000"/>
-                  </a:schemeClr>
-                </a:solidFill>
-              </a:defRPr>
-            </a:lvl7pPr>
-            <a:lvl8pPr marL="3200400" indent="0" algn="ctr">
-              <a:buNone/>
-              <a:defRPr>
-                <a:solidFill>
-                  <a:schemeClr val="tx1">
-                    <a:tint val="75000"/>
-                  </a:schemeClr>
-                </a:solidFill>
-              </a:defRPr>
-            </a:lvl8pPr>
-            <a:lvl9pPr marL="3657600" indent="0" algn="ctr">
-              <a:buNone/>
-              <a:defRPr>
-                <a:solidFill>
-                  <a:schemeClr val="tx1">
-                    <a:tint val="75000"/>
-                  </a:schemeClr>
-                </a:solidFill>
-              </a:defRPr>
-            </a:lvl9pPr>
+            </a:lvl1pPr>
           </a:lstStyle>
-          <a:p>
-            <a:r>
-              <a:rPr lang="en-US"/>
-              <a:t>Click to edit Master subtitle style</a:t>
-            </a:r>
-            <a:endParaRPr lang="en-US" dirty="0"/>
-          </a:p>
-        </p:txBody>
-      </p:sp>
-      <p:sp>
-        <p:nvSpPr>
-          <p:cNvPr id="4" name="Date Placeholder 3"/>
-          <p:cNvSpPr>
-            <a:spLocks noGrp="1"/>
-          </p:cNvSpPr>
-          <p:nvPr>
-            <p:ph type="dt" sz="half" idx="10"/>
-          </p:nvPr>
-        </p:nvSpPr>
-        <p:spPr/>
-        <p:txBody>
-          <a:bodyPr/>
-          <a:lstStyle/>
           <a:p>
             <a:fld id="{B61BEF0D-F0BB-DE4B-95CE-6DB70DBA9567}" type="datetimeFigureOut">
               <a:rPr lang="en-US" smtClean="0"/>
@@ -331,7 +340,15 @@
         <p:spPr/>
         <p:txBody>
           <a:bodyPr/>
-          <a:lstStyle/>
+          <a:lstStyle>
+            <a:lvl1pPr>
+              <a:defRPr>
+                <a:solidFill>
+                  <a:schemeClr val="tx1"/>
+                </a:solidFill>
+              </a:defRPr>
+            </a:lvl1pPr>
+          </a:lstStyle>
           <a:p>
             <a:endParaRPr lang="en-US" dirty="0"/>
           </a:p>
@@ -350,7 +367,15 @@
         <p:spPr/>
         <p:txBody>
           <a:bodyPr/>
-          <a:lstStyle/>
+          <a:lstStyle>
+            <a:lvl1pPr>
+              <a:defRPr>
+                <a:solidFill>
+                  <a:schemeClr val="tx1"/>
+                </a:solidFill>
+              </a:defRPr>
+            </a:lvl1pPr>
+          </a:lstStyle>
           <a:p>
             <a:fld id="{D57F1E4F-1CFF-5643-939E-217C01CDF565}" type="slidenum">
               <a:rPr lang="en-US" smtClean="0"/>
@@ -361,10 +386,45 @@
           </a:p>
         </p:txBody>
       </p:sp>
+      <p:cxnSp>
+        <p:nvCxnSpPr>
+          <p:cNvPr id="8" name="Straight Connector 7"/>
+          <p:cNvCxnSpPr/>
+          <p:nvPr/>
+        </p:nvCxnSpPr>
+        <p:spPr>
+          <a:xfrm>
+            <a:off x="1978660" y="3733800"/>
+            <a:ext cx="8229601" cy="0"/>
+          </a:xfrm>
+          <a:prstGeom prst="line">
+            <a:avLst/>
+          </a:prstGeom>
+          <a:ln>
+            <a:solidFill>
+              <a:schemeClr val="tx1"/>
+            </a:solidFill>
+          </a:ln>
+        </p:spPr>
+        <p:style>
+          <a:lnRef idx="1">
+            <a:schemeClr val="accent1"/>
+          </a:lnRef>
+          <a:fillRef idx="0">
+            <a:schemeClr val="accent1"/>
+          </a:fillRef>
+          <a:effectRef idx="0">
+            <a:schemeClr val="accent1"/>
+          </a:effectRef>
+          <a:fontRef idx="minor">
+            <a:schemeClr val="tx1"/>
+          </a:fontRef>
+        </p:style>
+      </p:cxnSp>
     </p:spTree>
     <p:extLst>
       <p:ext uri="{BB962C8B-B14F-4D97-AF65-F5344CB8AC3E}">
-        <p14:creationId xmlns:p14="http://schemas.microsoft.com/office/powerpoint/2010/main" val="3904460105"/>
+        <p14:creationId xmlns:p14="http://schemas.microsoft.com/office/powerpoint/2010/main" val="3659937657"/>
       </p:ext>
     </p:extLst>
   </p:cSld>
@@ -375,2584 +435,6 @@
 </file>
 
 <file path=ppt/slideLayouts/slideLayout10.xml><?xml version="1.0" encoding="utf-8"?>
-<p:sldLayout xmlns:a="http://schemas.openxmlformats.org/drawingml/2006/main" xmlns:r="http://schemas.openxmlformats.org/officeDocument/2006/relationships" xmlns:p="http://schemas.openxmlformats.org/presentationml/2006/main" preserve="1">
-  <p:cSld name="Panoramic Picture with Caption">
-    <p:spTree>
-      <p:nvGrpSpPr>
-        <p:cNvPr id="1" name=""/>
-        <p:cNvGrpSpPr/>
-        <p:nvPr/>
-      </p:nvGrpSpPr>
-      <p:grpSpPr>
-        <a:xfrm>
-          <a:off x="0" y="0"/>
-          <a:ext cx="0" cy="0"/>
-          <a:chOff x="0" y="0"/>
-          <a:chExt cx="0" cy="0"/>
-        </a:xfrm>
-      </p:grpSpPr>
-      <p:sp>
-        <p:nvSpPr>
-          <p:cNvPr id="2" name="Title 1"/>
-          <p:cNvSpPr>
-            <a:spLocks noGrp="1"/>
-          </p:cNvSpPr>
-          <p:nvPr>
-            <p:ph type="title"/>
-          </p:nvPr>
-        </p:nvSpPr>
-        <p:spPr>
-          <a:xfrm>
-            <a:off x="1154956" y="4800587"/>
-            <a:ext cx="8825657" cy="566738"/>
-          </a:xfrm>
-        </p:spPr>
-        <p:txBody>
-          <a:bodyPr anchor="b">
-            <a:normAutofit/>
-          </a:bodyPr>
-          <a:lstStyle>
-            <a:lvl1pPr algn="l">
-              <a:defRPr sz="2400" b="0"/>
-            </a:lvl1pPr>
-          </a:lstStyle>
-          <a:p>
-            <a:r>
-              <a:rPr lang="en-US"/>
-              <a:t>Click to edit Master title style</a:t>
-            </a:r>
-            <a:endParaRPr lang="en-US" dirty="0"/>
-          </a:p>
-        </p:txBody>
-      </p:sp>
-      <p:sp>
-        <p:nvSpPr>
-          <p:cNvPr id="3" name="Picture Placeholder 2"/>
-          <p:cNvSpPr>
-            <a:spLocks noGrp="1" noChangeAspect="1"/>
-          </p:cNvSpPr>
-          <p:nvPr>
-            <p:ph type="pic" idx="1"/>
-          </p:nvPr>
-        </p:nvSpPr>
-        <p:spPr>
-          <a:xfrm>
-            <a:off x="1154955" y="685800"/>
-            <a:ext cx="8825658" cy="3640666"/>
-          </a:xfrm>
-          <a:prstGeom prst="roundRect">
-            <a:avLst>
-              <a:gd name="adj" fmla="val 1858"/>
-            </a:avLst>
-          </a:prstGeom>
-          <a:effectLst>
-            <a:outerShdw blurRad="50800" dist="50800" dir="5400000" algn="tl" rotWithShape="0">
-              <a:srgbClr val="000000">
-                <a:alpha val="43000"/>
-              </a:srgbClr>
-            </a:outerShdw>
-          </a:effectLst>
-        </p:spPr>
-        <p:txBody>
-          <a:bodyPr anchor="t">
-            <a:normAutofit/>
-          </a:bodyPr>
-          <a:lstStyle>
-            <a:lvl1pPr marL="0" indent="0" algn="ctr">
-              <a:buNone/>
-              <a:defRPr sz="1600"/>
-            </a:lvl1pPr>
-            <a:lvl2pPr marL="457200" indent="0">
-              <a:buNone/>
-              <a:defRPr sz="1600"/>
-            </a:lvl2pPr>
-            <a:lvl3pPr marL="914400" indent="0">
-              <a:buNone/>
-              <a:defRPr sz="1600"/>
-            </a:lvl3pPr>
-            <a:lvl4pPr marL="1371600" indent="0">
-              <a:buNone/>
-              <a:defRPr sz="1600"/>
-            </a:lvl4pPr>
-            <a:lvl5pPr marL="1828800" indent="0">
-              <a:buNone/>
-              <a:defRPr sz="1600"/>
-            </a:lvl5pPr>
-            <a:lvl6pPr marL="2286000" indent="0">
-              <a:buNone/>
-              <a:defRPr sz="1600"/>
-            </a:lvl6pPr>
-            <a:lvl7pPr marL="2743200" indent="0">
-              <a:buNone/>
-              <a:defRPr sz="1600"/>
-            </a:lvl7pPr>
-            <a:lvl8pPr marL="3200400" indent="0">
-              <a:buNone/>
-              <a:defRPr sz="1600"/>
-            </a:lvl8pPr>
-            <a:lvl9pPr marL="3657600" indent="0">
-              <a:buNone/>
-              <a:defRPr sz="1600"/>
-            </a:lvl9pPr>
-          </a:lstStyle>
-          <a:p>
-            <a:r>
-              <a:rPr lang="en-US"/>
-              <a:t>Click icon to add picture</a:t>
-            </a:r>
-            <a:endParaRPr lang="en-US" dirty="0"/>
-          </a:p>
-        </p:txBody>
-      </p:sp>
-      <p:sp>
-        <p:nvSpPr>
-          <p:cNvPr id="4" name="Text Placeholder 3"/>
-          <p:cNvSpPr>
-            <a:spLocks noGrp="1"/>
-          </p:cNvSpPr>
-          <p:nvPr>
-            <p:ph type="body" sz="half" idx="2"/>
-          </p:nvPr>
-        </p:nvSpPr>
-        <p:spPr>
-          <a:xfrm>
-            <a:off x="1154956" y="5367325"/>
-            <a:ext cx="8825656" cy="493712"/>
-          </a:xfrm>
-        </p:spPr>
-        <p:txBody>
-          <a:bodyPr>
-            <a:normAutofit/>
-          </a:bodyPr>
-          <a:lstStyle>
-            <a:lvl1pPr marL="0" indent="0">
-              <a:buNone/>
-              <a:defRPr sz="1200"/>
-            </a:lvl1pPr>
-            <a:lvl2pPr marL="457200" indent="0">
-              <a:buNone/>
-              <a:defRPr sz="1200"/>
-            </a:lvl2pPr>
-            <a:lvl3pPr marL="914400" indent="0">
-              <a:buNone/>
-              <a:defRPr sz="1000"/>
-            </a:lvl3pPr>
-            <a:lvl4pPr marL="1371600" indent="0">
-              <a:buNone/>
-              <a:defRPr sz="900"/>
-            </a:lvl4pPr>
-            <a:lvl5pPr marL="1828800" indent="0">
-              <a:buNone/>
-              <a:defRPr sz="900"/>
-            </a:lvl5pPr>
-            <a:lvl6pPr marL="2286000" indent="0">
-              <a:buNone/>
-              <a:defRPr sz="900"/>
-            </a:lvl6pPr>
-            <a:lvl7pPr marL="2743200" indent="0">
-              <a:buNone/>
-              <a:defRPr sz="900"/>
-            </a:lvl7pPr>
-            <a:lvl8pPr marL="3200400" indent="0">
-              <a:buNone/>
-              <a:defRPr sz="900"/>
-            </a:lvl8pPr>
-            <a:lvl9pPr marL="3657600" indent="0">
-              <a:buNone/>
-              <a:defRPr sz="900"/>
-            </a:lvl9pPr>
-          </a:lstStyle>
-          <a:p>
-            <a:pPr lvl="0"/>
-            <a:r>
-              <a:rPr lang="en-US"/>
-              <a:t>Edit Master text styles</a:t>
-            </a:r>
-          </a:p>
-        </p:txBody>
-      </p:sp>
-      <p:sp>
-        <p:nvSpPr>
-          <p:cNvPr id="5" name="Date Placeholder 4"/>
-          <p:cNvSpPr>
-            <a:spLocks noGrp="1"/>
-          </p:cNvSpPr>
-          <p:nvPr>
-            <p:ph type="dt" sz="half" idx="10"/>
-          </p:nvPr>
-        </p:nvSpPr>
-        <p:spPr/>
-        <p:txBody>
-          <a:bodyPr/>
-          <a:lstStyle/>
-          <a:p>
-            <a:fld id="{B61BEF0D-F0BB-DE4B-95CE-6DB70DBA9567}" type="datetimeFigureOut">
-              <a:rPr lang="en-US" smtClean="0"/>
-              <a:pPr/>
-              <a:t>2/28/2017</a:t>
-            </a:fld>
-            <a:endParaRPr lang="en-US" dirty="0"/>
-          </a:p>
-        </p:txBody>
-      </p:sp>
-      <p:sp>
-        <p:nvSpPr>
-          <p:cNvPr id="6" name="Footer Placeholder 5"/>
-          <p:cNvSpPr>
-            <a:spLocks noGrp="1"/>
-          </p:cNvSpPr>
-          <p:nvPr>
-            <p:ph type="ftr" sz="quarter" idx="11"/>
-          </p:nvPr>
-        </p:nvSpPr>
-        <p:spPr/>
-        <p:txBody>
-          <a:bodyPr/>
-          <a:lstStyle/>
-          <a:p>
-            <a:endParaRPr lang="en-US" dirty="0"/>
-          </a:p>
-        </p:txBody>
-      </p:sp>
-      <p:sp>
-        <p:nvSpPr>
-          <p:cNvPr id="7" name="Slide Number Placeholder 6"/>
-          <p:cNvSpPr>
-            <a:spLocks noGrp="1"/>
-          </p:cNvSpPr>
-          <p:nvPr>
-            <p:ph type="sldNum" sz="quarter" idx="12"/>
-          </p:nvPr>
-        </p:nvSpPr>
-        <p:spPr/>
-        <p:txBody>
-          <a:bodyPr/>
-          <a:lstStyle/>
-          <a:p>
-            <a:fld id="{D57F1E4F-1CFF-5643-939E-217C01CDF565}" type="slidenum">
-              <a:rPr lang="en-US" smtClean="0"/>
-              <a:pPr/>
-              <a:t>‹#›</a:t>
-            </a:fld>
-            <a:endParaRPr lang="en-US" dirty="0"/>
-          </a:p>
-        </p:txBody>
-      </p:sp>
-    </p:spTree>
-    <p:extLst>
-      <p:ext uri="{BB962C8B-B14F-4D97-AF65-F5344CB8AC3E}">
-        <p14:creationId xmlns:p14="http://schemas.microsoft.com/office/powerpoint/2010/main" val="1021385886"/>
-      </p:ext>
-    </p:extLst>
-  </p:cSld>
-  <p:clrMapOvr>
-    <a:masterClrMapping/>
-  </p:clrMapOvr>
-</p:sldLayout>
-</file>
-
-<file path=ppt/slideLayouts/slideLayout11.xml><?xml version="1.0" encoding="utf-8"?>
-<p:sldLayout xmlns:a="http://schemas.openxmlformats.org/drawingml/2006/main" xmlns:r="http://schemas.openxmlformats.org/officeDocument/2006/relationships" xmlns:p="http://schemas.openxmlformats.org/presentationml/2006/main" preserve="1">
-  <p:cSld name="Title and Caption">
-    <p:spTree>
-      <p:nvGrpSpPr>
-        <p:cNvPr id="1" name=""/>
-        <p:cNvGrpSpPr/>
-        <p:nvPr/>
-      </p:nvGrpSpPr>
-      <p:grpSpPr>
-        <a:xfrm>
-          <a:off x="0" y="0"/>
-          <a:ext cx="0" cy="0"/>
-          <a:chOff x="0" y="0"/>
-          <a:chExt cx="0" cy="0"/>
-        </a:xfrm>
-      </p:grpSpPr>
-      <p:sp>
-        <p:nvSpPr>
-          <p:cNvPr id="2" name="Title 1"/>
-          <p:cNvSpPr>
-            <a:spLocks noGrp="1"/>
-          </p:cNvSpPr>
-          <p:nvPr>
-            <p:ph type="title"/>
-          </p:nvPr>
-        </p:nvSpPr>
-        <p:spPr>
-          <a:xfrm>
-            <a:off x="1154954" y="1447800"/>
-            <a:ext cx="8825659" cy="1981200"/>
-          </a:xfrm>
-        </p:spPr>
-        <p:txBody>
-          <a:bodyPr/>
-          <a:lstStyle>
-            <a:lvl1pPr>
-              <a:defRPr sz="4800"/>
-            </a:lvl1pPr>
-          </a:lstStyle>
-          <a:p>
-            <a:r>
-              <a:rPr lang="en-US"/>
-              <a:t>Click to edit Master title style</a:t>
-            </a:r>
-            <a:endParaRPr lang="en-US" dirty="0"/>
-          </a:p>
-        </p:txBody>
-      </p:sp>
-      <p:sp>
-        <p:nvSpPr>
-          <p:cNvPr id="8" name="Text Placeholder 3"/>
-          <p:cNvSpPr>
-            <a:spLocks noGrp="1"/>
-          </p:cNvSpPr>
-          <p:nvPr>
-            <p:ph type="body" sz="half" idx="2"/>
-          </p:nvPr>
-        </p:nvSpPr>
-        <p:spPr>
-          <a:xfrm>
-            <a:off x="1154954" y="3657600"/>
-            <a:ext cx="8825659" cy="2362200"/>
-          </a:xfrm>
-        </p:spPr>
-        <p:txBody>
-          <a:bodyPr anchor="ctr">
-            <a:normAutofit/>
-          </a:bodyPr>
-          <a:lstStyle>
-            <a:lvl1pPr marL="0" indent="0">
-              <a:buNone/>
-              <a:defRPr sz="1800"/>
-            </a:lvl1pPr>
-            <a:lvl2pPr marL="457200" indent="0">
-              <a:buNone/>
-              <a:defRPr sz="1200"/>
-            </a:lvl2pPr>
-            <a:lvl3pPr marL="914400" indent="0">
-              <a:buNone/>
-              <a:defRPr sz="1000"/>
-            </a:lvl3pPr>
-            <a:lvl4pPr marL="1371600" indent="0">
-              <a:buNone/>
-              <a:defRPr sz="900"/>
-            </a:lvl4pPr>
-            <a:lvl5pPr marL="1828800" indent="0">
-              <a:buNone/>
-              <a:defRPr sz="900"/>
-            </a:lvl5pPr>
-            <a:lvl6pPr marL="2286000" indent="0">
-              <a:buNone/>
-              <a:defRPr sz="900"/>
-            </a:lvl6pPr>
-            <a:lvl7pPr marL="2743200" indent="0">
-              <a:buNone/>
-              <a:defRPr sz="900"/>
-            </a:lvl7pPr>
-            <a:lvl8pPr marL="3200400" indent="0">
-              <a:buNone/>
-              <a:defRPr sz="900"/>
-            </a:lvl8pPr>
-            <a:lvl9pPr marL="3657600" indent="0">
-              <a:buNone/>
-              <a:defRPr sz="900"/>
-            </a:lvl9pPr>
-          </a:lstStyle>
-          <a:p>
-            <a:pPr lvl="0"/>
-            <a:r>
-              <a:rPr lang="en-US"/>
-              <a:t>Edit Master text styles</a:t>
-            </a:r>
-          </a:p>
-        </p:txBody>
-      </p:sp>
-      <p:sp>
-        <p:nvSpPr>
-          <p:cNvPr id="4" name="Date Placeholder 3"/>
-          <p:cNvSpPr>
-            <a:spLocks noGrp="1"/>
-          </p:cNvSpPr>
-          <p:nvPr>
-            <p:ph type="dt" sz="half" idx="10"/>
-          </p:nvPr>
-        </p:nvSpPr>
-        <p:spPr/>
-        <p:txBody>
-          <a:bodyPr/>
-          <a:lstStyle/>
-          <a:p>
-            <a:fld id="{B61BEF0D-F0BB-DE4B-95CE-6DB70DBA9567}" type="datetimeFigureOut">
-              <a:rPr lang="en-US" smtClean="0"/>
-              <a:pPr/>
-              <a:t>2/28/2017</a:t>
-            </a:fld>
-            <a:endParaRPr lang="en-US" dirty="0"/>
-          </a:p>
-        </p:txBody>
-      </p:sp>
-      <p:sp>
-        <p:nvSpPr>
-          <p:cNvPr id="5" name="Footer Placeholder 4"/>
-          <p:cNvSpPr>
-            <a:spLocks noGrp="1"/>
-          </p:cNvSpPr>
-          <p:nvPr>
-            <p:ph type="ftr" sz="quarter" idx="11"/>
-          </p:nvPr>
-        </p:nvSpPr>
-        <p:spPr/>
-        <p:txBody>
-          <a:bodyPr/>
-          <a:lstStyle/>
-          <a:p>
-            <a:endParaRPr lang="en-US" dirty="0"/>
-          </a:p>
-        </p:txBody>
-      </p:sp>
-      <p:sp>
-        <p:nvSpPr>
-          <p:cNvPr id="6" name="Slide Number Placeholder 5"/>
-          <p:cNvSpPr>
-            <a:spLocks noGrp="1"/>
-          </p:cNvSpPr>
-          <p:nvPr>
-            <p:ph type="sldNum" sz="quarter" idx="12"/>
-          </p:nvPr>
-        </p:nvSpPr>
-        <p:spPr/>
-        <p:txBody>
-          <a:bodyPr/>
-          <a:lstStyle/>
-          <a:p>
-            <a:fld id="{D57F1E4F-1CFF-5643-939E-217C01CDF565}" type="slidenum">
-              <a:rPr lang="en-US" smtClean="0"/>
-              <a:pPr/>
-              <a:t>‹#›</a:t>
-            </a:fld>
-            <a:endParaRPr lang="en-US" dirty="0"/>
-          </a:p>
-        </p:txBody>
-      </p:sp>
-    </p:spTree>
-    <p:extLst>
-      <p:ext uri="{BB962C8B-B14F-4D97-AF65-F5344CB8AC3E}">
-        <p14:creationId xmlns:p14="http://schemas.microsoft.com/office/powerpoint/2010/main" val="649128872"/>
-      </p:ext>
-    </p:extLst>
-  </p:cSld>
-  <p:clrMapOvr>
-    <a:masterClrMapping/>
-  </p:clrMapOvr>
-</p:sldLayout>
-</file>
-
-<file path=ppt/slideLayouts/slideLayout12.xml><?xml version="1.0" encoding="utf-8"?>
-<p:sldLayout xmlns:a="http://schemas.openxmlformats.org/drawingml/2006/main" xmlns:r="http://schemas.openxmlformats.org/officeDocument/2006/relationships" xmlns:p="http://schemas.openxmlformats.org/presentationml/2006/main" preserve="1">
-  <p:cSld name="Quote with Caption">
-    <p:spTree>
-      <p:nvGrpSpPr>
-        <p:cNvPr id="1" name=""/>
-        <p:cNvGrpSpPr/>
-        <p:nvPr/>
-      </p:nvGrpSpPr>
-      <p:grpSpPr>
-        <a:xfrm>
-          <a:off x="0" y="0"/>
-          <a:ext cx="0" cy="0"/>
-          <a:chOff x="0" y="0"/>
-          <a:chExt cx="0" cy="0"/>
-        </a:xfrm>
-      </p:grpSpPr>
-      <p:sp>
-        <p:nvSpPr>
-          <p:cNvPr id="2" name="Title 1"/>
-          <p:cNvSpPr>
-            <a:spLocks noGrp="1"/>
-          </p:cNvSpPr>
-          <p:nvPr>
-            <p:ph type="title"/>
-          </p:nvPr>
-        </p:nvSpPr>
-        <p:spPr>
-          <a:xfrm>
-            <a:off x="1574801" y="1447800"/>
-            <a:ext cx="7999315" cy="2323374"/>
-          </a:xfrm>
-        </p:spPr>
-        <p:txBody>
-          <a:bodyPr/>
-          <a:lstStyle>
-            <a:lvl1pPr>
-              <a:defRPr sz="4800"/>
-            </a:lvl1pPr>
-          </a:lstStyle>
-          <a:p>
-            <a:r>
-              <a:rPr lang="en-US"/>
-              <a:t>Click to edit Master title style</a:t>
-            </a:r>
-            <a:endParaRPr lang="en-US" dirty="0"/>
-          </a:p>
-        </p:txBody>
-      </p:sp>
-      <p:sp>
-        <p:nvSpPr>
-          <p:cNvPr id="11" name="Text Placeholder 3"/>
-          <p:cNvSpPr>
-            <a:spLocks noGrp="1"/>
-          </p:cNvSpPr>
-          <p:nvPr>
-            <p:ph type="body" sz="half" idx="14"/>
-          </p:nvPr>
-        </p:nvSpPr>
-        <p:spPr>
-          <a:xfrm>
-            <a:off x="1930400" y="3771174"/>
-            <a:ext cx="7279649" cy="342174"/>
-          </a:xfrm>
-        </p:spPr>
-        <p:txBody>
-          <a:bodyPr vert="horz" lIns="91440" tIns="45720" rIns="91440" bIns="45720" rtlCol="0" anchor="t">
-            <a:normAutofit/>
-          </a:bodyPr>
-          <a:lstStyle>
-            <a:lvl1pPr marL="0" indent="0">
-              <a:buNone/>
-              <a:defRPr lang="en-US" sz="1400" b="0" i="0" kern="1200" cap="small" dirty="0">
-                <a:solidFill>
-                  <a:schemeClr val="bg2">
-                    <a:lumMod val="40000"/>
-                    <a:lumOff val="60000"/>
-                  </a:schemeClr>
-                </a:solidFill>
-                <a:latin typeface="+mj-lt"/>
-                <a:ea typeface="+mj-ea"/>
-                <a:cs typeface="+mj-cs"/>
-              </a:defRPr>
-            </a:lvl1pPr>
-            <a:lvl2pPr marL="457200" indent="0">
-              <a:buNone/>
-              <a:defRPr sz="1200"/>
-            </a:lvl2pPr>
-            <a:lvl3pPr marL="914400" indent="0">
-              <a:buNone/>
-              <a:defRPr sz="1000"/>
-            </a:lvl3pPr>
-            <a:lvl4pPr marL="1371600" indent="0">
-              <a:buNone/>
-              <a:defRPr sz="900"/>
-            </a:lvl4pPr>
-            <a:lvl5pPr marL="1828800" indent="0">
-              <a:buNone/>
-              <a:defRPr sz="900"/>
-            </a:lvl5pPr>
-            <a:lvl6pPr marL="2286000" indent="0">
-              <a:buNone/>
-              <a:defRPr sz="900"/>
-            </a:lvl6pPr>
-            <a:lvl7pPr marL="2743200" indent="0">
-              <a:buNone/>
-              <a:defRPr sz="900"/>
-            </a:lvl7pPr>
-            <a:lvl8pPr marL="3200400" indent="0">
-              <a:buNone/>
-              <a:defRPr sz="900"/>
-            </a:lvl8pPr>
-            <a:lvl9pPr marL="3657600" indent="0">
-              <a:buNone/>
-              <a:defRPr sz="900"/>
-            </a:lvl9pPr>
-          </a:lstStyle>
-          <a:p>
-            <a:pPr marL="0" lvl="0" indent="0">
-              <a:buNone/>
-            </a:pPr>
-            <a:r>
-              <a:rPr lang="en-US"/>
-              <a:t>Edit Master text styles</a:t>
-            </a:r>
-          </a:p>
-        </p:txBody>
-      </p:sp>
-      <p:sp>
-        <p:nvSpPr>
-          <p:cNvPr id="10" name="Text Placeholder 3"/>
-          <p:cNvSpPr>
-            <a:spLocks noGrp="1"/>
-          </p:cNvSpPr>
-          <p:nvPr>
-            <p:ph type="body" sz="half" idx="2"/>
-          </p:nvPr>
-        </p:nvSpPr>
-        <p:spPr>
-          <a:xfrm>
-            <a:off x="1154954" y="4350657"/>
-            <a:ext cx="8825659" cy="1676400"/>
-          </a:xfrm>
-        </p:spPr>
-        <p:txBody>
-          <a:bodyPr anchor="ctr">
-            <a:normAutofit/>
-          </a:bodyPr>
-          <a:lstStyle>
-            <a:lvl1pPr marL="0" indent="0">
-              <a:buNone/>
-              <a:defRPr sz="1800"/>
-            </a:lvl1pPr>
-            <a:lvl2pPr marL="457200" indent="0">
-              <a:buNone/>
-              <a:defRPr sz="1200"/>
-            </a:lvl2pPr>
-            <a:lvl3pPr marL="914400" indent="0">
-              <a:buNone/>
-              <a:defRPr sz="1000"/>
-            </a:lvl3pPr>
-            <a:lvl4pPr marL="1371600" indent="0">
-              <a:buNone/>
-              <a:defRPr sz="900"/>
-            </a:lvl4pPr>
-            <a:lvl5pPr marL="1828800" indent="0">
-              <a:buNone/>
-              <a:defRPr sz="900"/>
-            </a:lvl5pPr>
-            <a:lvl6pPr marL="2286000" indent="0">
-              <a:buNone/>
-              <a:defRPr sz="900"/>
-            </a:lvl6pPr>
-            <a:lvl7pPr marL="2743200" indent="0">
-              <a:buNone/>
-              <a:defRPr sz="900"/>
-            </a:lvl7pPr>
-            <a:lvl8pPr marL="3200400" indent="0">
-              <a:buNone/>
-              <a:defRPr sz="900"/>
-            </a:lvl8pPr>
-            <a:lvl9pPr marL="3657600" indent="0">
-              <a:buNone/>
-              <a:defRPr sz="900"/>
-            </a:lvl9pPr>
-          </a:lstStyle>
-          <a:p>
-            <a:pPr lvl="0"/>
-            <a:r>
-              <a:rPr lang="en-US"/>
-              <a:t>Edit Master text styles</a:t>
-            </a:r>
-          </a:p>
-        </p:txBody>
-      </p:sp>
-      <p:sp>
-        <p:nvSpPr>
-          <p:cNvPr id="4" name="Date Placeholder 3"/>
-          <p:cNvSpPr>
-            <a:spLocks noGrp="1"/>
-          </p:cNvSpPr>
-          <p:nvPr>
-            <p:ph type="dt" sz="half" idx="10"/>
-          </p:nvPr>
-        </p:nvSpPr>
-        <p:spPr/>
-        <p:txBody>
-          <a:bodyPr/>
-          <a:lstStyle/>
-          <a:p>
-            <a:fld id="{B61BEF0D-F0BB-DE4B-95CE-6DB70DBA9567}" type="datetimeFigureOut">
-              <a:rPr lang="en-US" smtClean="0"/>
-              <a:pPr/>
-              <a:t>2/28/2017</a:t>
-            </a:fld>
-            <a:endParaRPr lang="en-US" dirty="0"/>
-          </a:p>
-        </p:txBody>
-      </p:sp>
-      <p:sp>
-        <p:nvSpPr>
-          <p:cNvPr id="5" name="Footer Placeholder 4"/>
-          <p:cNvSpPr>
-            <a:spLocks noGrp="1"/>
-          </p:cNvSpPr>
-          <p:nvPr>
-            <p:ph type="ftr" sz="quarter" idx="11"/>
-          </p:nvPr>
-        </p:nvSpPr>
-        <p:spPr/>
-        <p:txBody>
-          <a:bodyPr/>
-          <a:lstStyle/>
-          <a:p>
-            <a:endParaRPr lang="en-US" dirty="0"/>
-          </a:p>
-        </p:txBody>
-      </p:sp>
-      <p:sp>
-        <p:nvSpPr>
-          <p:cNvPr id="6" name="Slide Number Placeholder 5"/>
-          <p:cNvSpPr>
-            <a:spLocks noGrp="1"/>
-          </p:cNvSpPr>
-          <p:nvPr>
-            <p:ph type="sldNum" sz="quarter" idx="12"/>
-          </p:nvPr>
-        </p:nvSpPr>
-        <p:spPr/>
-        <p:txBody>
-          <a:bodyPr/>
-          <a:lstStyle/>
-          <a:p>
-            <a:fld id="{D57F1E4F-1CFF-5643-939E-217C01CDF565}" type="slidenum">
-              <a:rPr lang="en-US" smtClean="0"/>
-              <a:pPr/>
-              <a:t>‹#›</a:t>
-            </a:fld>
-            <a:endParaRPr lang="en-US" dirty="0"/>
-          </a:p>
-        </p:txBody>
-      </p:sp>
-      <p:sp>
-        <p:nvSpPr>
-          <p:cNvPr id="12" name="TextBox 11"/>
-          <p:cNvSpPr txBox="1"/>
-          <p:nvPr/>
-        </p:nvSpPr>
-        <p:spPr>
-          <a:xfrm>
-            <a:off x="898295" y="971253"/>
-            <a:ext cx="801912" cy="1969770"/>
-          </a:xfrm>
-          <a:prstGeom prst="rect">
-            <a:avLst/>
-          </a:prstGeom>
-          <a:noFill/>
-        </p:spPr>
-        <p:txBody>
-          <a:bodyPr wrap="square" rtlCol="0">
-            <a:spAutoFit/>
-          </a:bodyPr>
-          <a:lstStyle>
-            <a:defPPr>
-              <a:defRPr lang="en-US"/>
-            </a:defPPr>
-            <a:lvl1pPr algn="r">
-              <a:defRPr sz="12200" b="0" i="0">
-                <a:solidFill>
-                  <a:schemeClr val="bg2">
-                    <a:lumMod val="40000"/>
-                    <a:lumOff val="60000"/>
-                  </a:schemeClr>
-                </a:solidFill>
-                <a:latin typeface="Arial"/>
-                <a:ea typeface="+mj-ea"/>
-                <a:cs typeface="+mj-cs"/>
-              </a:defRPr>
-            </a:lvl1pPr>
-          </a:lstStyle>
-          <a:p>
-            <a:pPr lvl="0"/>
-            <a:r>
-              <a:rPr lang="en-US" dirty="0"/>
-              <a:t>“</a:t>
-            </a:r>
-          </a:p>
-        </p:txBody>
-      </p:sp>
-      <p:sp>
-        <p:nvSpPr>
-          <p:cNvPr id="15" name="TextBox 14"/>
-          <p:cNvSpPr txBox="1"/>
-          <p:nvPr/>
-        </p:nvSpPr>
-        <p:spPr>
-          <a:xfrm>
-            <a:off x="9330490" y="2613787"/>
-            <a:ext cx="801912" cy="1969770"/>
-          </a:xfrm>
-          <a:prstGeom prst="rect">
-            <a:avLst/>
-          </a:prstGeom>
-          <a:noFill/>
-        </p:spPr>
-        <p:txBody>
-          <a:bodyPr wrap="square" rtlCol="0">
-            <a:spAutoFit/>
-          </a:bodyPr>
-          <a:lstStyle>
-            <a:defPPr>
-              <a:defRPr lang="en-US"/>
-            </a:defPPr>
-            <a:lvl1pPr algn="r">
-              <a:defRPr sz="12200" b="0" i="0">
-                <a:solidFill>
-                  <a:schemeClr val="bg2">
-                    <a:lumMod val="40000"/>
-                    <a:lumOff val="60000"/>
-                  </a:schemeClr>
-                </a:solidFill>
-                <a:latin typeface="Arial"/>
-                <a:ea typeface="+mj-ea"/>
-                <a:cs typeface="+mj-cs"/>
-              </a:defRPr>
-            </a:lvl1pPr>
-          </a:lstStyle>
-          <a:p>
-            <a:pPr lvl="0"/>
-            <a:r>
-              <a:rPr lang="en-US" dirty="0"/>
-              <a:t>”</a:t>
-            </a:r>
-          </a:p>
-        </p:txBody>
-      </p:sp>
-    </p:spTree>
-    <p:extLst>
-      <p:ext uri="{BB962C8B-B14F-4D97-AF65-F5344CB8AC3E}">
-        <p14:creationId xmlns:p14="http://schemas.microsoft.com/office/powerpoint/2010/main" val="2018164176"/>
-      </p:ext>
-    </p:extLst>
-  </p:cSld>
-  <p:clrMapOvr>
-    <a:masterClrMapping/>
-  </p:clrMapOvr>
-</p:sldLayout>
-</file>
-
-<file path=ppt/slideLayouts/slideLayout13.xml><?xml version="1.0" encoding="utf-8"?>
-<p:sldLayout xmlns:a="http://schemas.openxmlformats.org/drawingml/2006/main" xmlns:r="http://schemas.openxmlformats.org/officeDocument/2006/relationships" xmlns:p="http://schemas.openxmlformats.org/presentationml/2006/main" preserve="1">
-  <p:cSld name="Name Card">
-    <p:spTree>
-      <p:nvGrpSpPr>
-        <p:cNvPr id="1" name=""/>
-        <p:cNvGrpSpPr/>
-        <p:nvPr/>
-      </p:nvGrpSpPr>
-      <p:grpSpPr>
-        <a:xfrm>
-          <a:off x="0" y="0"/>
-          <a:ext cx="0" cy="0"/>
-          <a:chOff x="0" y="0"/>
-          <a:chExt cx="0" cy="0"/>
-        </a:xfrm>
-      </p:grpSpPr>
-      <p:sp>
-        <p:nvSpPr>
-          <p:cNvPr id="2" name="Title 1"/>
-          <p:cNvSpPr>
-            <a:spLocks noGrp="1"/>
-          </p:cNvSpPr>
-          <p:nvPr>
-            <p:ph type="title"/>
-          </p:nvPr>
-        </p:nvSpPr>
-        <p:spPr>
-          <a:xfrm>
-            <a:off x="1154954" y="3124201"/>
-            <a:ext cx="8825660" cy="1653180"/>
-          </a:xfrm>
-        </p:spPr>
-        <p:txBody>
-          <a:bodyPr anchor="b"/>
-          <a:lstStyle>
-            <a:lvl1pPr algn="l">
-              <a:defRPr sz="4000" b="0" cap="none"/>
-            </a:lvl1pPr>
-          </a:lstStyle>
-          <a:p>
-            <a:r>
-              <a:rPr lang="en-US"/>
-              <a:t>Click to edit Master title style</a:t>
-            </a:r>
-            <a:endParaRPr lang="en-US" dirty="0"/>
-          </a:p>
-        </p:txBody>
-      </p:sp>
-      <p:sp>
-        <p:nvSpPr>
-          <p:cNvPr id="3" name="Text Placeholder 2"/>
-          <p:cNvSpPr>
-            <a:spLocks noGrp="1"/>
-          </p:cNvSpPr>
-          <p:nvPr>
-            <p:ph type="body" idx="1"/>
-          </p:nvPr>
-        </p:nvSpPr>
-        <p:spPr>
-          <a:xfrm>
-            <a:off x="1154954" y="4777381"/>
-            <a:ext cx="8825659" cy="860400"/>
-          </a:xfrm>
-        </p:spPr>
-        <p:txBody>
-          <a:bodyPr anchor="t"/>
-          <a:lstStyle>
-            <a:lvl1pPr marL="0" indent="0" algn="l">
-              <a:buNone/>
-              <a:defRPr sz="2000" cap="none">
-                <a:solidFill>
-                  <a:schemeClr val="bg2">
-                    <a:lumMod val="40000"/>
-                    <a:lumOff val="60000"/>
-                  </a:schemeClr>
-                </a:solidFill>
-              </a:defRPr>
-            </a:lvl1pPr>
-            <a:lvl2pPr marL="457200" indent="0">
-              <a:buNone/>
-              <a:defRPr sz="1800">
-                <a:solidFill>
-                  <a:schemeClr val="tx1">
-                    <a:tint val="75000"/>
-                  </a:schemeClr>
-                </a:solidFill>
-              </a:defRPr>
-            </a:lvl2pPr>
-            <a:lvl3pPr marL="914400" indent="0">
-              <a:buNone/>
-              <a:defRPr sz="1600">
-                <a:solidFill>
-                  <a:schemeClr val="tx1">
-                    <a:tint val="75000"/>
-                  </a:schemeClr>
-                </a:solidFill>
-              </a:defRPr>
-            </a:lvl3pPr>
-            <a:lvl4pPr marL="1371600" indent="0">
-              <a:buNone/>
-              <a:defRPr sz="1400">
-                <a:solidFill>
-                  <a:schemeClr val="tx1">
-                    <a:tint val="75000"/>
-                  </a:schemeClr>
-                </a:solidFill>
-              </a:defRPr>
-            </a:lvl4pPr>
-            <a:lvl5pPr marL="1828800" indent="0">
-              <a:buNone/>
-              <a:defRPr sz="1400">
-                <a:solidFill>
-                  <a:schemeClr val="tx1">
-                    <a:tint val="75000"/>
-                  </a:schemeClr>
-                </a:solidFill>
-              </a:defRPr>
-            </a:lvl5pPr>
-            <a:lvl6pPr marL="2286000" indent="0">
-              <a:buNone/>
-              <a:defRPr sz="1400">
-                <a:solidFill>
-                  <a:schemeClr val="tx1">
-                    <a:tint val="75000"/>
-                  </a:schemeClr>
-                </a:solidFill>
-              </a:defRPr>
-            </a:lvl6pPr>
-            <a:lvl7pPr marL="2743200" indent="0">
-              <a:buNone/>
-              <a:defRPr sz="1400">
-                <a:solidFill>
-                  <a:schemeClr val="tx1">
-                    <a:tint val="75000"/>
-                  </a:schemeClr>
-                </a:solidFill>
-              </a:defRPr>
-            </a:lvl7pPr>
-            <a:lvl8pPr marL="3200400" indent="0">
-              <a:buNone/>
-              <a:defRPr sz="1400">
-                <a:solidFill>
-                  <a:schemeClr val="tx1">
-                    <a:tint val="75000"/>
-                  </a:schemeClr>
-                </a:solidFill>
-              </a:defRPr>
-            </a:lvl8pPr>
-            <a:lvl9pPr marL="3657600" indent="0">
-              <a:buNone/>
-              <a:defRPr sz="1400">
-                <a:solidFill>
-                  <a:schemeClr val="tx1">
-                    <a:tint val="75000"/>
-                  </a:schemeClr>
-                </a:solidFill>
-              </a:defRPr>
-            </a:lvl9pPr>
-          </a:lstStyle>
-          <a:p>
-            <a:pPr lvl="0"/>
-            <a:r>
-              <a:rPr lang="en-US"/>
-              <a:t>Edit Master text styles</a:t>
-            </a:r>
-          </a:p>
-        </p:txBody>
-      </p:sp>
-      <p:sp>
-        <p:nvSpPr>
-          <p:cNvPr id="4" name="Date Placeholder 3"/>
-          <p:cNvSpPr>
-            <a:spLocks noGrp="1"/>
-          </p:cNvSpPr>
-          <p:nvPr>
-            <p:ph type="dt" sz="half" idx="10"/>
-          </p:nvPr>
-        </p:nvSpPr>
-        <p:spPr/>
-        <p:txBody>
-          <a:bodyPr/>
-          <a:lstStyle/>
-          <a:p>
-            <a:fld id="{B61BEF0D-F0BB-DE4B-95CE-6DB70DBA9567}" type="datetimeFigureOut">
-              <a:rPr lang="en-US" smtClean="0"/>
-              <a:pPr/>
-              <a:t>2/28/2017</a:t>
-            </a:fld>
-            <a:endParaRPr lang="en-US" dirty="0"/>
-          </a:p>
-        </p:txBody>
-      </p:sp>
-      <p:sp>
-        <p:nvSpPr>
-          <p:cNvPr id="5" name="Footer Placeholder 4"/>
-          <p:cNvSpPr>
-            <a:spLocks noGrp="1"/>
-          </p:cNvSpPr>
-          <p:nvPr>
-            <p:ph type="ftr" sz="quarter" idx="11"/>
-          </p:nvPr>
-        </p:nvSpPr>
-        <p:spPr/>
-        <p:txBody>
-          <a:bodyPr/>
-          <a:lstStyle/>
-          <a:p>
-            <a:endParaRPr lang="en-US" dirty="0"/>
-          </a:p>
-        </p:txBody>
-      </p:sp>
-      <p:sp>
-        <p:nvSpPr>
-          <p:cNvPr id="6" name="Slide Number Placeholder 5"/>
-          <p:cNvSpPr>
-            <a:spLocks noGrp="1"/>
-          </p:cNvSpPr>
-          <p:nvPr>
-            <p:ph type="sldNum" sz="quarter" idx="12"/>
-          </p:nvPr>
-        </p:nvSpPr>
-        <p:spPr/>
-        <p:txBody>
-          <a:bodyPr/>
-          <a:lstStyle/>
-          <a:p>
-            <a:fld id="{D57F1E4F-1CFF-5643-939E-217C01CDF565}" type="slidenum">
-              <a:rPr lang="en-US" smtClean="0"/>
-              <a:pPr/>
-              <a:t>‹#›</a:t>
-            </a:fld>
-            <a:endParaRPr lang="en-US" dirty="0"/>
-          </a:p>
-        </p:txBody>
-      </p:sp>
-    </p:spTree>
-    <p:extLst>
-      <p:ext uri="{BB962C8B-B14F-4D97-AF65-F5344CB8AC3E}">
-        <p14:creationId xmlns:p14="http://schemas.microsoft.com/office/powerpoint/2010/main" val="2095031901"/>
-      </p:ext>
-    </p:extLst>
-  </p:cSld>
-  <p:clrMapOvr>
-    <a:masterClrMapping/>
-  </p:clrMapOvr>
-</p:sldLayout>
-</file>
-
-<file path=ppt/slideLayouts/slideLayout14.xml><?xml version="1.0" encoding="utf-8"?>
-<p:sldLayout xmlns:a="http://schemas.openxmlformats.org/drawingml/2006/main" xmlns:r="http://schemas.openxmlformats.org/officeDocument/2006/relationships" xmlns:p="http://schemas.openxmlformats.org/presentationml/2006/main" preserve="1">
-  <p:cSld name="3 Column">
-    <p:spTree>
-      <p:nvGrpSpPr>
-        <p:cNvPr id="1" name=""/>
-        <p:cNvGrpSpPr/>
-        <p:nvPr/>
-      </p:nvGrpSpPr>
-      <p:grpSpPr>
-        <a:xfrm>
-          <a:off x="0" y="0"/>
-          <a:ext cx="0" cy="0"/>
-          <a:chOff x="0" y="0"/>
-          <a:chExt cx="0" cy="0"/>
-        </a:xfrm>
-      </p:grpSpPr>
-      <p:sp>
-        <p:nvSpPr>
-          <p:cNvPr id="2" name="Title 1"/>
-          <p:cNvSpPr>
-            <a:spLocks noGrp="1"/>
-          </p:cNvSpPr>
-          <p:nvPr>
-            <p:ph type="title"/>
-          </p:nvPr>
-        </p:nvSpPr>
-        <p:spPr/>
-        <p:txBody>
-          <a:bodyPr/>
-          <a:lstStyle>
-            <a:lvl1pPr>
-              <a:defRPr sz="4200"/>
-            </a:lvl1pPr>
-          </a:lstStyle>
-          <a:p>
-            <a:r>
-              <a:rPr lang="en-US"/>
-              <a:t>Click to edit Master title style</a:t>
-            </a:r>
-            <a:endParaRPr lang="en-US" dirty="0"/>
-          </a:p>
-        </p:txBody>
-      </p:sp>
-      <p:sp>
-        <p:nvSpPr>
-          <p:cNvPr id="3" name="Text Placeholder 2"/>
-          <p:cNvSpPr>
-            <a:spLocks noGrp="1"/>
-          </p:cNvSpPr>
-          <p:nvPr>
-            <p:ph type="body" idx="1"/>
-          </p:nvPr>
-        </p:nvSpPr>
-        <p:spPr>
-          <a:xfrm>
-            <a:off x="632947" y="1981200"/>
-            <a:ext cx="2946866" cy="576262"/>
-          </a:xfrm>
-        </p:spPr>
-        <p:txBody>
-          <a:bodyPr anchor="b">
-            <a:noAutofit/>
-          </a:bodyPr>
-          <a:lstStyle>
-            <a:lvl1pPr marL="0" indent="0">
-              <a:buNone/>
-              <a:defRPr sz="2400" b="0">
-                <a:solidFill>
-                  <a:schemeClr val="bg2">
-                    <a:lumMod val="40000"/>
-                    <a:lumOff val="60000"/>
-                  </a:schemeClr>
-                </a:solidFill>
-              </a:defRPr>
-            </a:lvl1pPr>
-            <a:lvl2pPr marL="457200" indent="0">
-              <a:buNone/>
-              <a:defRPr sz="2000" b="1"/>
-            </a:lvl2pPr>
-            <a:lvl3pPr marL="914400" indent="0">
-              <a:buNone/>
-              <a:defRPr sz="1800" b="1"/>
-            </a:lvl3pPr>
-            <a:lvl4pPr marL="1371600" indent="0">
-              <a:buNone/>
-              <a:defRPr sz="1600" b="1"/>
-            </a:lvl4pPr>
-            <a:lvl5pPr marL="1828800" indent="0">
-              <a:buNone/>
-              <a:defRPr sz="1600" b="1"/>
-            </a:lvl5pPr>
-            <a:lvl6pPr marL="2286000" indent="0">
-              <a:buNone/>
-              <a:defRPr sz="1600" b="1"/>
-            </a:lvl6pPr>
-            <a:lvl7pPr marL="2743200" indent="0">
-              <a:buNone/>
-              <a:defRPr sz="1600" b="1"/>
-            </a:lvl7pPr>
-            <a:lvl8pPr marL="3200400" indent="0">
-              <a:buNone/>
-              <a:defRPr sz="1600" b="1"/>
-            </a:lvl8pPr>
-            <a:lvl9pPr marL="3657600" indent="0">
-              <a:buNone/>
-              <a:defRPr sz="1600" b="1"/>
-            </a:lvl9pPr>
-          </a:lstStyle>
-          <a:p>
-            <a:pPr lvl="0"/>
-            <a:r>
-              <a:rPr lang="en-US"/>
-              <a:t>Edit Master text styles</a:t>
-            </a:r>
-          </a:p>
-        </p:txBody>
-      </p:sp>
-      <p:sp>
-        <p:nvSpPr>
-          <p:cNvPr id="16" name="Text Placeholder 3"/>
-          <p:cNvSpPr>
-            <a:spLocks noGrp="1"/>
-          </p:cNvSpPr>
-          <p:nvPr>
-            <p:ph type="body" sz="half" idx="15"/>
-          </p:nvPr>
-        </p:nvSpPr>
-        <p:spPr>
-          <a:xfrm>
-            <a:off x="652463" y="2667000"/>
-            <a:ext cx="2927350" cy="3589338"/>
-          </a:xfrm>
-        </p:spPr>
-        <p:txBody>
-          <a:bodyPr anchor="t">
-            <a:normAutofit/>
-          </a:bodyPr>
-          <a:lstStyle>
-            <a:lvl1pPr marL="0" indent="0">
-              <a:buNone/>
-              <a:defRPr sz="1400"/>
-            </a:lvl1pPr>
-            <a:lvl2pPr marL="457200" indent="0">
-              <a:buNone/>
-              <a:defRPr sz="1200"/>
-            </a:lvl2pPr>
-            <a:lvl3pPr marL="914400" indent="0">
-              <a:buNone/>
-              <a:defRPr sz="1000"/>
-            </a:lvl3pPr>
-            <a:lvl4pPr marL="1371600" indent="0">
-              <a:buNone/>
-              <a:defRPr sz="900"/>
-            </a:lvl4pPr>
-            <a:lvl5pPr marL="1828800" indent="0">
-              <a:buNone/>
-              <a:defRPr sz="900"/>
-            </a:lvl5pPr>
-            <a:lvl6pPr marL="2286000" indent="0">
-              <a:buNone/>
-              <a:defRPr sz="900"/>
-            </a:lvl6pPr>
-            <a:lvl7pPr marL="2743200" indent="0">
-              <a:buNone/>
-              <a:defRPr sz="900"/>
-            </a:lvl7pPr>
-            <a:lvl8pPr marL="3200400" indent="0">
-              <a:buNone/>
-              <a:defRPr sz="900"/>
-            </a:lvl8pPr>
-            <a:lvl9pPr marL="3657600" indent="0">
-              <a:buNone/>
-              <a:defRPr sz="900"/>
-            </a:lvl9pPr>
-          </a:lstStyle>
-          <a:p>
-            <a:pPr lvl="0"/>
-            <a:r>
-              <a:rPr lang="en-US"/>
-              <a:t>Edit Master text styles</a:t>
-            </a:r>
-          </a:p>
-        </p:txBody>
-      </p:sp>
-      <p:sp>
-        <p:nvSpPr>
-          <p:cNvPr id="5" name="Text Placeholder 4"/>
-          <p:cNvSpPr>
-            <a:spLocks noGrp="1"/>
-          </p:cNvSpPr>
-          <p:nvPr>
-            <p:ph type="body" sz="quarter" idx="3"/>
-          </p:nvPr>
-        </p:nvSpPr>
-        <p:spPr>
-          <a:xfrm>
-            <a:off x="3883659" y="1981200"/>
-            <a:ext cx="2936241" cy="576262"/>
-          </a:xfrm>
-        </p:spPr>
-        <p:txBody>
-          <a:bodyPr anchor="b">
-            <a:noAutofit/>
-          </a:bodyPr>
-          <a:lstStyle>
-            <a:lvl1pPr marL="0" indent="0">
-              <a:buNone/>
-              <a:defRPr sz="2400" b="0">
-                <a:solidFill>
-                  <a:schemeClr val="bg2">
-                    <a:lumMod val="40000"/>
-                    <a:lumOff val="60000"/>
-                  </a:schemeClr>
-                </a:solidFill>
-              </a:defRPr>
-            </a:lvl1pPr>
-            <a:lvl2pPr marL="457200" indent="0">
-              <a:buNone/>
-              <a:defRPr sz="2000" b="1"/>
-            </a:lvl2pPr>
-            <a:lvl3pPr marL="914400" indent="0">
-              <a:buNone/>
-              <a:defRPr sz="1800" b="1"/>
-            </a:lvl3pPr>
-            <a:lvl4pPr marL="1371600" indent="0">
-              <a:buNone/>
-              <a:defRPr sz="1600" b="1"/>
-            </a:lvl4pPr>
-            <a:lvl5pPr marL="1828800" indent="0">
-              <a:buNone/>
-              <a:defRPr sz="1600" b="1"/>
-            </a:lvl5pPr>
-            <a:lvl6pPr marL="2286000" indent="0">
-              <a:buNone/>
-              <a:defRPr sz="1600" b="1"/>
-            </a:lvl6pPr>
-            <a:lvl7pPr marL="2743200" indent="0">
-              <a:buNone/>
-              <a:defRPr sz="1600" b="1"/>
-            </a:lvl7pPr>
-            <a:lvl8pPr marL="3200400" indent="0">
-              <a:buNone/>
-              <a:defRPr sz="1600" b="1"/>
-            </a:lvl8pPr>
-            <a:lvl9pPr marL="3657600" indent="0">
-              <a:buNone/>
-              <a:defRPr sz="1600" b="1"/>
-            </a:lvl9pPr>
-          </a:lstStyle>
-          <a:p>
-            <a:pPr lvl="0"/>
-            <a:r>
-              <a:rPr lang="en-US"/>
-              <a:t>Edit Master text styles</a:t>
-            </a:r>
-          </a:p>
-        </p:txBody>
-      </p:sp>
-      <p:sp>
-        <p:nvSpPr>
-          <p:cNvPr id="19" name="Text Placeholder 3"/>
-          <p:cNvSpPr>
-            <a:spLocks noGrp="1"/>
-          </p:cNvSpPr>
-          <p:nvPr>
-            <p:ph type="body" sz="half" idx="16"/>
-          </p:nvPr>
-        </p:nvSpPr>
-        <p:spPr>
-          <a:xfrm>
-            <a:off x="3873106" y="2667000"/>
-            <a:ext cx="2946794" cy="3589338"/>
-          </a:xfrm>
-        </p:spPr>
-        <p:txBody>
-          <a:bodyPr anchor="t">
-            <a:normAutofit/>
-          </a:bodyPr>
-          <a:lstStyle>
-            <a:lvl1pPr marL="0" indent="0">
-              <a:buNone/>
-              <a:defRPr sz="1400"/>
-            </a:lvl1pPr>
-            <a:lvl2pPr marL="457200" indent="0">
-              <a:buNone/>
-              <a:defRPr sz="1200"/>
-            </a:lvl2pPr>
-            <a:lvl3pPr marL="914400" indent="0">
-              <a:buNone/>
-              <a:defRPr sz="1000"/>
-            </a:lvl3pPr>
-            <a:lvl4pPr marL="1371600" indent="0">
-              <a:buNone/>
-              <a:defRPr sz="900"/>
-            </a:lvl4pPr>
-            <a:lvl5pPr marL="1828800" indent="0">
-              <a:buNone/>
-              <a:defRPr sz="900"/>
-            </a:lvl5pPr>
-            <a:lvl6pPr marL="2286000" indent="0">
-              <a:buNone/>
-              <a:defRPr sz="900"/>
-            </a:lvl6pPr>
-            <a:lvl7pPr marL="2743200" indent="0">
-              <a:buNone/>
-              <a:defRPr sz="900"/>
-            </a:lvl7pPr>
-            <a:lvl8pPr marL="3200400" indent="0">
-              <a:buNone/>
-              <a:defRPr sz="900"/>
-            </a:lvl8pPr>
-            <a:lvl9pPr marL="3657600" indent="0">
-              <a:buNone/>
-              <a:defRPr sz="900"/>
-            </a:lvl9pPr>
-          </a:lstStyle>
-          <a:p>
-            <a:pPr lvl="0"/>
-            <a:r>
-              <a:rPr lang="en-US"/>
-              <a:t>Edit Master text styles</a:t>
-            </a:r>
-          </a:p>
-        </p:txBody>
-      </p:sp>
-      <p:sp>
-        <p:nvSpPr>
-          <p:cNvPr id="14" name="Text Placeholder 4"/>
-          <p:cNvSpPr>
-            <a:spLocks noGrp="1"/>
-          </p:cNvSpPr>
-          <p:nvPr>
-            <p:ph type="body" sz="quarter" idx="13"/>
-          </p:nvPr>
-        </p:nvSpPr>
-        <p:spPr>
-          <a:xfrm>
-            <a:off x="7124700" y="1981200"/>
-            <a:ext cx="2932113" cy="576262"/>
-          </a:xfrm>
-        </p:spPr>
-        <p:txBody>
-          <a:bodyPr anchor="b">
-            <a:noAutofit/>
-          </a:bodyPr>
-          <a:lstStyle>
-            <a:lvl1pPr marL="0" indent="0">
-              <a:buNone/>
-              <a:defRPr sz="2400" b="0">
-                <a:solidFill>
-                  <a:schemeClr val="bg2">
-                    <a:lumMod val="40000"/>
-                    <a:lumOff val="60000"/>
-                  </a:schemeClr>
-                </a:solidFill>
-              </a:defRPr>
-            </a:lvl1pPr>
-            <a:lvl2pPr marL="457200" indent="0">
-              <a:buNone/>
-              <a:defRPr sz="2000" b="1"/>
-            </a:lvl2pPr>
-            <a:lvl3pPr marL="914400" indent="0">
-              <a:buNone/>
-              <a:defRPr sz="1800" b="1"/>
-            </a:lvl3pPr>
-            <a:lvl4pPr marL="1371600" indent="0">
-              <a:buNone/>
-              <a:defRPr sz="1600" b="1"/>
-            </a:lvl4pPr>
-            <a:lvl5pPr marL="1828800" indent="0">
-              <a:buNone/>
-              <a:defRPr sz="1600" b="1"/>
-            </a:lvl5pPr>
-            <a:lvl6pPr marL="2286000" indent="0">
-              <a:buNone/>
-              <a:defRPr sz="1600" b="1"/>
-            </a:lvl6pPr>
-            <a:lvl7pPr marL="2743200" indent="0">
-              <a:buNone/>
-              <a:defRPr sz="1600" b="1"/>
-            </a:lvl7pPr>
-            <a:lvl8pPr marL="3200400" indent="0">
-              <a:buNone/>
-              <a:defRPr sz="1600" b="1"/>
-            </a:lvl8pPr>
-            <a:lvl9pPr marL="3657600" indent="0">
-              <a:buNone/>
-              <a:defRPr sz="1600" b="1"/>
-            </a:lvl9pPr>
-          </a:lstStyle>
-          <a:p>
-            <a:pPr lvl="0"/>
-            <a:r>
-              <a:rPr lang="en-US"/>
-              <a:t>Edit Master text styles</a:t>
-            </a:r>
-          </a:p>
-        </p:txBody>
-      </p:sp>
-      <p:sp>
-        <p:nvSpPr>
-          <p:cNvPr id="20" name="Text Placeholder 3"/>
-          <p:cNvSpPr>
-            <a:spLocks noGrp="1"/>
-          </p:cNvSpPr>
-          <p:nvPr>
-            <p:ph type="body" sz="half" idx="17"/>
-          </p:nvPr>
-        </p:nvSpPr>
-        <p:spPr>
-          <a:xfrm>
-            <a:off x="7124700" y="2667000"/>
-            <a:ext cx="2932113" cy="3589338"/>
-          </a:xfrm>
-        </p:spPr>
-        <p:txBody>
-          <a:bodyPr anchor="t">
-            <a:normAutofit/>
-          </a:bodyPr>
-          <a:lstStyle>
-            <a:lvl1pPr marL="0" indent="0">
-              <a:buNone/>
-              <a:defRPr sz="1400"/>
-            </a:lvl1pPr>
-            <a:lvl2pPr marL="457200" indent="0">
-              <a:buNone/>
-              <a:defRPr sz="1200"/>
-            </a:lvl2pPr>
-            <a:lvl3pPr marL="914400" indent="0">
-              <a:buNone/>
-              <a:defRPr sz="1000"/>
-            </a:lvl3pPr>
-            <a:lvl4pPr marL="1371600" indent="0">
-              <a:buNone/>
-              <a:defRPr sz="900"/>
-            </a:lvl4pPr>
-            <a:lvl5pPr marL="1828800" indent="0">
-              <a:buNone/>
-              <a:defRPr sz="900"/>
-            </a:lvl5pPr>
-            <a:lvl6pPr marL="2286000" indent="0">
-              <a:buNone/>
-              <a:defRPr sz="900"/>
-            </a:lvl6pPr>
-            <a:lvl7pPr marL="2743200" indent="0">
-              <a:buNone/>
-              <a:defRPr sz="900"/>
-            </a:lvl7pPr>
-            <a:lvl8pPr marL="3200400" indent="0">
-              <a:buNone/>
-              <a:defRPr sz="900"/>
-            </a:lvl8pPr>
-            <a:lvl9pPr marL="3657600" indent="0">
-              <a:buNone/>
-              <a:defRPr sz="900"/>
-            </a:lvl9pPr>
-          </a:lstStyle>
-          <a:p>
-            <a:pPr lvl="0"/>
-            <a:r>
-              <a:rPr lang="en-US"/>
-              <a:t>Edit Master text styles</a:t>
-            </a:r>
-          </a:p>
-        </p:txBody>
-      </p:sp>
-      <p:cxnSp>
-        <p:nvCxnSpPr>
-          <p:cNvPr id="17" name="Straight Connector 16"/>
-          <p:cNvCxnSpPr/>
-          <p:nvPr/>
-        </p:nvCxnSpPr>
-        <p:spPr>
-          <a:xfrm>
-            <a:off x="3726142" y="2133600"/>
-            <a:ext cx="0" cy="3962400"/>
-          </a:xfrm>
-          <a:prstGeom prst="line">
-            <a:avLst/>
-          </a:prstGeom>
-          <a:ln w="12700" cmpd="sng">
-            <a:solidFill>
-              <a:schemeClr val="bg2">
-                <a:lumMod val="40000"/>
-                <a:lumOff val="60000"/>
-                <a:alpha val="40000"/>
-              </a:schemeClr>
-            </a:solidFill>
-          </a:ln>
-        </p:spPr>
-        <p:style>
-          <a:lnRef idx="2">
-            <a:schemeClr val="accent1"/>
-          </a:lnRef>
-          <a:fillRef idx="0">
-            <a:schemeClr val="accent1"/>
-          </a:fillRef>
-          <a:effectRef idx="1">
-            <a:schemeClr val="accent1"/>
-          </a:effectRef>
-          <a:fontRef idx="minor">
-            <a:schemeClr val="tx1"/>
-          </a:fontRef>
-        </p:style>
-      </p:cxnSp>
-      <p:cxnSp>
-        <p:nvCxnSpPr>
-          <p:cNvPr id="18" name="Straight Connector 17"/>
-          <p:cNvCxnSpPr/>
-          <p:nvPr/>
-        </p:nvCxnSpPr>
-        <p:spPr>
-          <a:xfrm>
-            <a:off x="6962227" y="2133600"/>
-            <a:ext cx="0" cy="3966882"/>
-          </a:xfrm>
-          <a:prstGeom prst="line">
-            <a:avLst/>
-          </a:prstGeom>
-          <a:ln w="12700" cmpd="sng">
-            <a:solidFill>
-              <a:schemeClr val="bg2">
-                <a:lumMod val="40000"/>
-                <a:lumOff val="60000"/>
-                <a:alpha val="40000"/>
-              </a:schemeClr>
-            </a:solidFill>
-          </a:ln>
-        </p:spPr>
-        <p:style>
-          <a:lnRef idx="2">
-            <a:schemeClr val="accent1"/>
-          </a:lnRef>
-          <a:fillRef idx="0">
-            <a:schemeClr val="accent1"/>
-          </a:fillRef>
-          <a:effectRef idx="1">
-            <a:schemeClr val="accent1"/>
-          </a:effectRef>
-          <a:fontRef idx="minor">
-            <a:schemeClr val="tx1"/>
-          </a:fontRef>
-        </p:style>
-      </p:cxnSp>
-      <p:sp>
-        <p:nvSpPr>
-          <p:cNvPr id="7" name="Date Placeholder 3"/>
-          <p:cNvSpPr>
-            <a:spLocks noGrp="1"/>
-          </p:cNvSpPr>
-          <p:nvPr>
-            <p:ph type="dt" sz="half" idx="10"/>
-          </p:nvPr>
-        </p:nvSpPr>
-        <p:spPr/>
-        <p:txBody>
-          <a:bodyPr/>
-          <a:lstStyle/>
-          <a:p>
-            <a:fld id="{B61BEF0D-F0BB-DE4B-95CE-6DB70DBA9567}" type="datetimeFigureOut">
-              <a:rPr lang="en-US" smtClean="0"/>
-              <a:pPr/>
-              <a:t>2/28/2017</a:t>
-            </a:fld>
-            <a:endParaRPr lang="en-US" dirty="0"/>
-          </a:p>
-        </p:txBody>
-      </p:sp>
-      <p:sp>
-        <p:nvSpPr>
-          <p:cNvPr id="4" name="Footer Placeholder 4"/>
-          <p:cNvSpPr>
-            <a:spLocks noGrp="1"/>
-          </p:cNvSpPr>
-          <p:nvPr>
-            <p:ph type="ftr" sz="quarter" idx="11"/>
-          </p:nvPr>
-        </p:nvSpPr>
-        <p:spPr/>
-        <p:txBody>
-          <a:bodyPr/>
-          <a:lstStyle/>
-          <a:p>
-            <a:endParaRPr lang="en-US" dirty="0"/>
-          </a:p>
-        </p:txBody>
-      </p:sp>
-      <p:sp>
-        <p:nvSpPr>
-          <p:cNvPr id="6" name="Slide Number Placeholder 5"/>
-          <p:cNvSpPr>
-            <a:spLocks noGrp="1"/>
-          </p:cNvSpPr>
-          <p:nvPr>
-            <p:ph type="sldNum" sz="quarter" idx="12"/>
-          </p:nvPr>
-        </p:nvSpPr>
-        <p:spPr/>
-        <p:txBody>
-          <a:bodyPr/>
-          <a:lstStyle/>
-          <a:p>
-            <a:fld id="{D57F1E4F-1CFF-5643-939E-217C01CDF565}" type="slidenum">
-              <a:rPr lang="en-US" smtClean="0"/>
-              <a:pPr/>
-              <a:t>‹#›</a:t>
-            </a:fld>
-            <a:endParaRPr lang="en-US" dirty="0"/>
-          </a:p>
-        </p:txBody>
-      </p:sp>
-    </p:spTree>
-    <p:extLst>
-      <p:ext uri="{BB962C8B-B14F-4D97-AF65-F5344CB8AC3E}">
-        <p14:creationId xmlns:p14="http://schemas.microsoft.com/office/powerpoint/2010/main" val="3562688624"/>
-      </p:ext>
-    </p:extLst>
-  </p:cSld>
-  <p:clrMapOvr>
-    <a:masterClrMapping/>
-  </p:clrMapOvr>
-</p:sldLayout>
-</file>
-
-<file path=ppt/slideLayouts/slideLayout15.xml><?xml version="1.0" encoding="utf-8"?>
-<p:sldLayout xmlns:a="http://schemas.openxmlformats.org/drawingml/2006/main" xmlns:r="http://schemas.openxmlformats.org/officeDocument/2006/relationships" xmlns:p="http://schemas.openxmlformats.org/presentationml/2006/main" preserve="1">
-  <p:cSld name="3 Picture Column">
-    <p:spTree>
-      <p:nvGrpSpPr>
-        <p:cNvPr id="1" name=""/>
-        <p:cNvGrpSpPr/>
-        <p:nvPr/>
-      </p:nvGrpSpPr>
-      <p:grpSpPr>
-        <a:xfrm>
-          <a:off x="0" y="0"/>
-          <a:ext cx="0" cy="0"/>
-          <a:chOff x="0" y="0"/>
-          <a:chExt cx="0" cy="0"/>
-        </a:xfrm>
-      </p:grpSpPr>
-      <p:sp>
-        <p:nvSpPr>
-          <p:cNvPr id="2" name="Title 1"/>
-          <p:cNvSpPr>
-            <a:spLocks noGrp="1"/>
-          </p:cNvSpPr>
-          <p:nvPr>
-            <p:ph type="title"/>
-          </p:nvPr>
-        </p:nvSpPr>
-        <p:spPr/>
-        <p:txBody>
-          <a:bodyPr/>
-          <a:lstStyle>
-            <a:lvl1pPr>
-              <a:defRPr sz="4200"/>
-            </a:lvl1pPr>
-          </a:lstStyle>
-          <a:p>
-            <a:r>
-              <a:rPr lang="en-US"/>
-              <a:t>Click to edit Master title style</a:t>
-            </a:r>
-            <a:endParaRPr lang="en-US" dirty="0"/>
-          </a:p>
-        </p:txBody>
-      </p:sp>
-      <p:sp>
-        <p:nvSpPr>
-          <p:cNvPr id="3" name="Text Placeholder 2"/>
-          <p:cNvSpPr>
-            <a:spLocks noGrp="1"/>
-          </p:cNvSpPr>
-          <p:nvPr>
-            <p:ph type="body" idx="1"/>
-          </p:nvPr>
-        </p:nvSpPr>
-        <p:spPr>
-          <a:xfrm>
-            <a:off x="652463" y="4250949"/>
-            <a:ext cx="2940050" cy="576262"/>
-          </a:xfrm>
-        </p:spPr>
-        <p:txBody>
-          <a:bodyPr anchor="b">
-            <a:noAutofit/>
-          </a:bodyPr>
-          <a:lstStyle>
-            <a:lvl1pPr marL="0" indent="0">
-              <a:buNone/>
-              <a:defRPr sz="2400" b="0">
-                <a:solidFill>
-                  <a:schemeClr val="bg2">
-                    <a:lumMod val="40000"/>
-                    <a:lumOff val="60000"/>
-                  </a:schemeClr>
-                </a:solidFill>
-              </a:defRPr>
-            </a:lvl1pPr>
-            <a:lvl2pPr marL="457200" indent="0">
-              <a:buNone/>
-              <a:defRPr sz="2000" b="1"/>
-            </a:lvl2pPr>
-            <a:lvl3pPr marL="914400" indent="0">
-              <a:buNone/>
-              <a:defRPr sz="1800" b="1"/>
-            </a:lvl3pPr>
-            <a:lvl4pPr marL="1371600" indent="0">
-              <a:buNone/>
-              <a:defRPr sz="1600" b="1"/>
-            </a:lvl4pPr>
-            <a:lvl5pPr marL="1828800" indent="0">
-              <a:buNone/>
-              <a:defRPr sz="1600" b="1"/>
-            </a:lvl5pPr>
-            <a:lvl6pPr marL="2286000" indent="0">
-              <a:buNone/>
-              <a:defRPr sz="1600" b="1"/>
-            </a:lvl6pPr>
-            <a:lvl7pPr marL="2743200" indent="0">
-              <a:buNone/>
-              <a:defRPr sz="1600" b="1"/>
-            </a:lvl7pPr>
-            <a:lvl8pPr marL="3200400" indent="0">
-              <a:buNone/>
-              <a:defRPr sz="1600" b="1"/>
-            </a:lvl8pPr>
-            <a:lvl9pPr marL="3657600" indent="0">
-              <a:buNone/>
-              <a:defRPr sz="1600" b="1"/>
-            </a:lvl9pPr>
-          </a:lstStyle>
-          <a:p>
-            <a:pPr lvl="0"/>
-            <a:r>
-              <a:rPr lang="en-US"/>
-              <a:t>Edit Master text styles</a:t>
-            </a:r>
-          </a:p>
-        </p:txBody>
-      </p:sp>
-      <p:sp>
-        <p:nvSpPr>
-          <p:cNvPr id="29" name="Picture Placeholder 2"/>
-          <p:cNvSpPr>
-            <a:spLocks noGrp="1" noChangeAspect="1"/>
-          </p:cNvSpPr>
-          <p:nvPr>
-            <p:ph type="pic" idx="15"/>
-          </p:nvPr>
-        </p:nvSpPr>
-        <p:spPr>
-          <a:xfrm>
-            <a:off x="652463" y="2209800"/>
-            <a:ext cx="2940050" cy="1524000"/>
-          </a:xfrm>
-          <a:prstGeom prst="roundRect">
-            <a:avLst>
-              <a:gd name="adj" fmla="val 1858"/>
-            </a:avLst>
-          </a:prstGeom>
-          <a:effectLst>
-            <a:outerShdw blurRad="50800" dist="50800" dir="5400000" algn="tl" rotWithShape="0">
-              <a:srgbClr val="000000">
-                <a:alpha val="43000"/>
-              </a:srgbClr>
-            </a:outerShdw>
-          </a:effectLst>
-        </p:spPr>
-        <p:txBody>
-          <a:bodyPr anchor="t">
-            <a:normAutofit/>
-          </a:bodyPr>
-          <a:lstStyle>
-            <a:lvl1pPr marL="0" indent="0" algn="ctr">
-              <a:buNone/>
-              <a:defRPr sz="1600"/>
-            </a:lvl1pPr>
-            <a:lvl2pPr marL="457200" indent="0">
-              <a:buNone/>
-              <a:defRPr sz="1600"/>
-            </a:lvl2pPr>
-            <a:lvl3pPr marL="914400" indent="0">
-              <a:buNone/>
-              <a:defRPr sz="1600"/>
-            </a:lvl3pPr>
-            <a:lvl4pPr marL="1371600" indent="0">
-              <a:buNone/>
-              <a:defRPr sz="1600"/>
-            </a:lvl4pPr>
-            <a:lvl5pPr marL="1828800" indent="0">
-              <a:buNone/>
-              <a:defRPr sz="1600"/>
-            </a:lvl5pPr>
-            <a:lvl6pPr marL="2286000" indent="0">
-              <a:buNone/>
-              <a:defRPr sz="1600"/>
-            </a:lvl6pPr>
-            <a:lvl7pPr marL="2743200" indent="0">
-              <a:buNone/>
-              <a:defRPr sz="1600"/>
-            </a:lvl7pPr>
-            <a:lvl8pPr marL="3200400" indent="0">
-              <a:buNone/>
-              <a:defRPr sz="1600"/>
-            </a:lvl8pPr>
-            <a:lvl9pPr marL="3657600" indent="0">
-              <a:buNone/>
-              <a:defRPr sz="1600"/>
-            </a:lvl9pPr>
-          </a:lstStyle>
-          <a:p>
-            <a:r>
-              <a:rPr lang="en-US"/>
-              <a:t>Click icon to add picture</a:t>
-            </a:r>
-            <a:endParaRPr lang="en-US" dirty="0"/>
-          </a:p>
-        </p:txBody>
-      </p:sp>
-      <p:sp>
-        <p:nvSpPr>
-          <p:cNvPr id="22" name="Text Placeholder 3"/>
-          <p:cNvSpPr>
-            <a:spLocks noGrp="1"/>
-          </p:cNvSpPr>
-          <p:nvPr>
-            <p:ph type="body" sz="half" idx="18"/>
-          </p:nvPr>
-        </p:nvSpPr>
-        <p:spPr>
-          <a:xfrm>
-            <a:off x="652463" y="4827211"/>
-            <a:ext cx="2940050" cy="659189"/>
-          </a:xfrm>
-        </p:spPr>
-        <p:txBody>
-          <a:bodyPr anchor="t">
-            <a:normAutofit/>
-          </a:bodyPr>
-          <a:lstStyle>
-            <a:lvl1pPr marL="0" indent="0">
-              <a:buNone/>
-              <a:defRPr sz="1400"/>
-            </a:lvl1pPr>
-            <a:lvl2pPr marL="457200" indent="0">
-              <a:buNone/>
-              <a:defRPr sz="1200"/>
-            </a:lvl2pPr>
-            <a:lvl3pPr marL="914400" indent="0">
-              <a:buNone/>
-              <a:defRPr sz="1000"/>
-            </a:lvl3pPr>
-            <a:lvl4pPr marL="1371600" indent="0">
-              <a:buNone/>
-              <a:defRPr sz="900"/>
-            </a:lvl4pPr>
-            <a:lvl5pPr marL="1828800" indent="0">
-              <a:buNone/>
-              <a:defRPr sz="900"/>
-            </a:lvl5pPr>
-            <a:lvl6pPr marL="2286000" indent="0">
-              <a:buNone/>
-              <a:defRPr sz="900"/>
-            </a:lvl6pPr>
-            <a:lvl7pPr marL="2743200" indent="0">
-              <a:buNone/>
-              <a:defRPr sz="900"/>
-            </a:lvl7pPr>
-            <a:lvl8pPr marL="3200400" indent="0">
-              <a:buNone/>
-              <a:defRPr sz="900"/>
-            </a:lvl8pPr>
-            <a:lvl9pPr marL="3657600" indent="0">
-              <a:buNone/>
-              <a:defRPr sz="900"/>
-            </a:lvl9pPr>
-          </a:lstStyle>
-          <a:p>
-            <a:pPr lvl="0"/>
-            <a:r>
-              <a:rPr lang="en-US"/>
-              <a:t>Edit Master text styles</a:t>
-            </a:r>
-          </a:p>
-        </p:txBody>
-      </p:sp>
-      <p:sp>
-        <p:nvSpPr>
-          <p:cNvPr id="5" name="Text Placeholder 4"/>
-          <p:cNvSpPr>
-            <a:spLocks noGrp="1"/>
-          </p:cNvSpPr>
-          <p:nvPr>
-            <p:ph type="body" sz="quarter" idx="3"/>
-          </p:nvPr>
-        </p:nvSpPr>
-        <p:spPr>
-          <a:xfrm>
-            <a:off x="3889375" y="4250949"/>
-            <a:ext cx="2930525" cy="576262"/>
-          </a:xfrm>
-        </p:spPr>
-        <p:txBody>
-          <a:bodyPr anchor="b">
-            <a:noAutofit/>
-          </a:bodyPr>
-          <a:lstStyle>
-            <a:lvl1pPr marL="0" indent="0">
-              <a:buNone/>
-              <a:defRPr sz="2400" b="0">
-                <a:solidFill>
-                  <a:schemeClr val="bg2">
-                    <a:lumMod val="40000"/>
-                    <a:lumOff val="60000"/>
-                  </a:schemeClr>
-                </a:solidFill>
-              </a:defRPr>
-            </a:lvl1pPr>
-            <a:lvl2pPr marL="457200" indent="0">
-              <a:buNone/>
-              <a:defRPr sz="2000" b="1"/>
-            </a:lvl2pPr>
-            <a:lvl3pPr marL="914400" indent="0">
-              <a:buNone/>
-              <a:defRPr sz="1800" b="1"/>
-            </a:lvl3pPr>
-            <a:lvl4pPr marL="1371600" indent="0">
-              <a:buNone/>
-              <a:defRPr sz="1600" b="1"/>
-            </a:lvl4pPr>
-            <a:lvl5pPr marL="1828800" indent="0">
-              <a:buNone/>
-              <a:defRPr sz="1600" b="1"/>
-            </a:lvl5pPr>
-            <a:lvl6pPr marL="2286000" indent="0">
-              <a:buNone/>
-              <a:defRPr sz="1600" b="1"/>
-            </a:lvl6pPr>
-            <a:lvl7pPr marL="2743200" indent="0">
-              <a:buNone/>
-              <a:defRPr sz="1600" b="1"/>
-            </a:lvl7pPr>
-            <a:lvl8pPr marL="3200400" indent="0">
-              <a:buNone/>
-              <a:defRPr sz="1600" b="1"/>
-            </a:lvl8pPr>
-            <a:lvl9pPr marL="3657600" indent="0">
-              <a:buNone/>
-              <a:defRPr sz="1600" b="1"/>
-            </a:lvl9pPr>
-          </a:lstStyle>
-          <a:p>
-            <a:pPr lvl="0"/>
-            <a:r>
-              <a:rPr lang="en-US"/>
-              <a:t>Edit Master text styles</a:t>
-            </a:r>
-          </a:p>
-        </p:txBody>
-      </p:sp>
-      <p:sp>
-        <p:nvSpPr>
-          <p:cNvPr id="30" name="Picture Placeholder 2"/>
-          <p:cNvSpPr>
-            <a:spLocks noGrp="1" noChangeAspect="1"/>
-          </p:cNvSpPr>
-          <p:nvPr>
-            <p:ph type="pic" idx="21"/>
-          </p:nvPr>
-        </p:nvSpPr>
-        <p:spPr>
-          <a:xfrm>
-            <a:off x="3889374" y="2209800"/>
-            <a:ext cx="2930525" cy="1524000"/>
-          </a:xfrm>
-          <a:prstGeom prst="roundRect">
-            <a:avLst>
-              <a:gd name="adj" fmla="val 1858"/>
-            </a:avLst>
-          </a:prstGeom>
-          <a:effectLst>
-            <a:outerShdw blurRad="50800" dist="50800" dir="5400000" algn="tl" rotWithShape="0">
-              <a:srgbClr val="000000">
-                <a:alpha val="43000"/>
-              </a:srgbClr>
-            </a:outerShdw>
-          </a:effectLst>
-        </p:spPr>
-        <p:txBody>
-          <a:bodyPr anchor="t">
-            <a:normAutofit/>
-          </a:bodyPr>
-          <a:lstStyle>
-            <a:lvl1pPr marL="0" indent="0" algn="ctr">
-              <a:buNone/>
-              <a:defRPr sz="1600"/>
-            </a:lvl1pPr>
-            <a:lvl2pPr marL="457200" indent="0">
-              <a:buNone/>
-              <a:defRPr sz="1600"/>
-            </a:lvl2pPr>
-            <a:lvl3pPr marL="914400" indent="0">
-              <a:buNone/>
-              <a:defRPr sz="1600"/>
-            </a:lvl3pPr>
-            <a:lvl4pPr marL="1371600" indent="0">
-              <a:buNone/>
-              <a:defRPr sz="1600"/>
-            </a:lvl4pPr>
-            <a:lvl5pPr marL="1828800" indent="0">
-              <a:buNone/>
-              <a:defRPr sz="1600"/>
-            </a:lvl5pPr>
-            <a:lvl6pPr marL="2286000" indent="0">
-              <a:buNone/>
-              <a:defRPr sz="1600"/>
-            </a:lvl6pPr>
-            <a:lvl7pPr marL="2743200" indent="0">
-              <a:buNone/>
-              <a:defRPr sz="1600"/>
-            </a:lvl7pPr>
-            <a:lvl8pPr marL="3200400" indent="0">
-              <a:buNone/>
-              <a:defRPr sz="1600"/>
-            </a:lvl8pPr>
-            <a:lvl9pPr marL="3657600" indent="0">
-              <a:buNone/>
-              <a:defRPr sz="1600"/>
-            </a:lvl9pPr>
-          </a:lstStyle>
-          <a:p>
-            <a:r>
-              <a:rPr lang="en-US"/>
-              <a:t>Click icon to add picture</a:t>
-            </a:r>
-            <a:endParaRPr lang="en-US" dirty="0"/>
-          </a:p>
-        </p:txBody>
-      </p:sp>
-      <p:sp>
-        <p:nvSpPr>
-          <p:cNvPr id="23" name="Text Placeholder 3"/>
-          <p:cNvSpPr>
-            <a:spLocks noGrp="1"/>
-          </p:cNvSpPr>
-          <p:nvPr>
-            <p:ph type="body" sz="half" idx="19"/>
-          </p:nvPr>
-        </p:nvSpPr>
-        <p:spPr>
-          <a:xfrm>
-            <a:off x="3888022" y="4827210"/>
-            <a:ext cx="2934406" cy="659189"/>
-          </a:xfrm>
-        </p:spPr>
-        <p:txBody>
-          <a:bodyPr anchor="t">
-            <a:normAutofit/>
-          </a:bodyPr>
-          <a:lstStyle>
-            <a:lvl1pPr marL="0" indent="0">
-              <a:buNone/>
-              <a:defRPr sz="1400"/>
-            </a:lvl1pPr>
-            <a:lvl2pPr marL="457200" indent="0">
-              <a:buNone/>
-              <a:defRPr sz="1200"/>
-            </a:lvl2pPr>
-            <a:lvl3pPr marL="914400" indent="0">
-              <a:buNone/>
-              <a:defRPr sz="1000"/>
-            </a:lvl3pPr>
-            <a:lvl4pPr marL="1371600" indent="0">
-              <a:buNone/>
-              <a:defRPr sz="900"/>
-            </a:lvl4pPr>
-            <a:lvl5pPr marL="1828800" indent="0">
-              <a:buNone/>
-              <a:defRPr sz="900"/>
-            </a:lvl5pPr>
-            <a:lvl6pPr marL="2286000" indent="0">
-              <a:buNone/>
-              <a:defRPr sz="900"/>
-            </a:lvl6pPr>
-            <a:lvl7pPr marL="2743200" indent="0">
-              <a:buNone/>
-              <a:defRPr sz="900"/>
-            </a:lvl7pPr>
-            <a:lvl8pPr marL="3200400" indent="0">
-              <a:buNone/>
-              <a:defRPr sz="900"/>
-            </a:lvl8pPr>
-            <a:lvl9pPr marL="3657600" indent="0">
-              <a:buNone/>
-              <a:defRPr sz="900"/>
-            </a:lvl9pPr>
-          </a:lstStyle>
-          <a:p>
-            <a:pPr lvl="0"/>
-            <a:r>
-              <a:rPr lang="en-US"/>
-              <a:t>Edit Master text styles</a:t>
-            </a:r>
-          </a:p>
-        </p:txBody>
-      </p:sp>
-      <p:sp>
-        <p:nvSpPr>
-          <p:cNvPr id="14" name="Text Placeholder 4"/>
-          <p:cNvSpPr>
-            <a:spLocks noGrp="1"/>
-          </p:cNvSpPr>
-          <p:nvPr>
-            <p:ph type="body" sz="quarter" idx="13"/>
-          </p:nvPr>
-        </p:nvSpPr>
-        <p:spPr>
-          <a:xfrm>
-            <a:off x="7124700" y="4250949"/>
-            <a:ext cx="2932113" cy="576262"/>
-          </a:xfrm>
-        </p:spPr>
-        <p:txBody>
-          <a:bodyPr anchor="b">
-            <a:noAutofit/>
-          </a:bodyPr>
-          <a:lstStyle>
-            <a:lvl1pPr marL="0" indent="0">
-              <a:buNone/>
-              <a:defRPr sz="2400" b="0">
-                <a:solidFill>
-                  <a:schemeClr val="bg2">
-                    <a:lumMod val="40000"/>
-                    <a:lumOff val="60000"/>
-                  </a:schemeClr>
-                </a:solidFill>
-              </a:defRPr>
-            </a:lvl1pPr>
-            <a:lvl2pPr marL="457200" indent="0">
-              <a:buNone/>
-              <a:defRPr sz="2000" b="1"/>
-            </a:lvl2pPr>
-            <a:lvl3pPr marL="914400" indent="0">
-              <a:buNone/>
-              <a:defRPr sz="1800" b="1"/>
-            </a:lvl3pPr>
-            <a:lvl4pPr marL="1371600" indent="0">
-              <a:buNone/>
-              <a:defRPr sz="1600" b="1"/>
-            </a:lvl4pPr>
-            <a:lvl5pPr marL="1828800" indent="0">
-              <a:buNone/>
-              <a:defRPr sz="1600" b="1"/>
-            </a:lvl5pPr>
-            <a:lvl6pPr marL="2286000" indent="0">
-              <a:buNone/>
-              <a:defRPr sz="1600" b="1"/>
-            </a:lvl6pPr>
-            <a:lvl7pPr marL="2743200" indent="0">
-              <a:buNone/>
-              <a:defRPr sz="1600" b="1"/>
-            </a:lvl7pPr>
-            <a:lvl8pPr marL="3200400" indent="0">
-              <a:buNone/>
-              <a:defRPr sz="1600" b="1"/>
-            </a:lvl8pPr>
-            <a:lvl9pPr marL="3657600" indent="0">
-              <a:buNone/>
-              <a:defRPr sz="1600" b="1"/>
-            </a:lvl9pPr>
-          </a:lstStyle>
-          <a:p>
-            <a:pPr lvl="0"/>
-            <a:r>
-              <a:rPr lang="en-US"/>
-              <a:t>Edit Master text styles</a:t>
-            </a:r>
-          </a:p>
-        </p:txBody>
-      </p:sp>
-      <p:sp>
-        <p:nvSpPr>
-          <p:cNvPr id="31" name="Picture Placeholder 2"/>
-          <p:cNvSpPr>
-            <a:spLocks noGrp="1" noChangeAspect="1"/>
-          </p:cNvSpPr>
-          <p:nvPr>
-            <p:ph type="pic" idx="22"/>
-          </p:nvPr>
-        </p:nvSpPr>
-        <p:spPr>
-          <a:xfrm>
-            <a:off x="7124699" y="2209800"/>
-            <a:ext cx="2932113" cy="1524000"/>
-          </a:xfrm>
-          <a:prstGeom prst="roundRect">
-            <a:avLst>
-              <a:gd name="adj" fmla="val 1858"/>
-            </a:avLst>
-          </a:prstGeom>
-          <a:effectLst>
-            <a:outerShdw blurRad="50800" dist="50800" dir="5400000" algn="tl" rotWithShape="0">
-              <a:srgbClr val="000000">
-                <a:alpha val="43000"/>
-              </a:srgbClr>
-            </a:outerShdw>
-          </a:effectLst>
-        </p:spPr>
-        <p:txBody>
-          <a:bodyPr anchor="t">
-            <a:normAutofit/>
-          </a:bodyPr>
-          <a:lstStyle>
-            <a:lvl1pPr marL="0" indent="0" algn="ctr">
-              <a:buNone/>
-              <a:defRPr sz="1600"/>
-            </a:lvl1pPr>
-            <a:lvl2pPr marL="457200" indent="0">
-              <a:buNone/>
-              <a:defRPr sz="1600"/>
-            </a:lvl2pPr>
-            <a:lvl3pPr marL="914400" indent="0">
-              <a:buNone/>
-              <a:defRPr sz="1600"/>
-            </a:lvl3pPr>
-            <a:lvl4pPr marL="1371600" indent="0">
-              <a:buNone/>
-              <a:defRPr sz="1600"/>
-            </a:lvl4pPr>
-            <a:lvl5pPr marL="1828800" indent="0">
-              <a:buNone/>
-              <a:defRPr sz="1600"/>
-            </a:lvl5pPr>
-            <a:lvl6pPr marL="2286000" indent="0">
-              <a:buNone/>
-              <a:defRPr sz="1600"/>
-            </a:lvl6pPr>
-            <a:lvl7pPr marL="2743200" indent="0">
-              <a:buNone/>
-              <a:defRPr sz="1600"/>
-            </a:lvl7pPr>
-            <a:lvl8pPr marL="3200400" indent="0">
-              <a:buNone/>
-              <a:defRPr sz="1600"/>
-            </a:lvl8pPr>
-            <a:lvl9pPr marL="3657600" indent="0">
-              <a:buNone/>
-              <a:defRPr sz="1600"/>
-            </a:lvl9pPr>
-          </a:lstStyle>
-          <a:p>
-            <a:r>
-              <a:rPr lang="en-US"/>
-              <a:t>Click icon to add picture</a:t>
-            </a:r>
-            <a:endParaRPr lang="en-US" dirty="0"/>
-          </a:p>
-        </p:txBody>
-      </p:sp>
-      <p:sp>
-        <p:nvSpPr>
-          <p:cNvPr id="24" name="Text Placeholder 3"/>
-          <p:cNvSpPr>
-            <a:spLocks noGrp="1"/>
-          </p:cNvSpPr>
-          <p:nvPr>
-            <p:ph type="body" sz="half" idx="20"/>
-          </p:nvPr>
-        </p:nvSpPr>
-        <p:spPr>
-          <a:xfrm>
-            <a:off x="7124575" y="4827208"/>
-            <a:ext cx="2935997" cy="659189"/>
-          </a:xfrm>
-        </p:spPr>
-        <p:txBody>
-          <a:bodyPr anchor="t">
-            <a:normAutofit/>
-          </a:bodyPr>
-          <a:lstStyle>
-            <a:lvl1pPr marL="0" indent="0">
-              <a:buNone/>
-              <a:defRPr sz="1400"/>
-            </a:lvl1pPr>
-            <a:lvl2pPr marL="457200" indent="0">
-              <a:buNone/>
-              <a:defRPr sz="1200"/>
-            </a:lvl2pPr>
-            <a:lvl3pPr marL="914400" indent="0">
-              <a:buNone/>
-              <a:defRPr sz="1000"/>
-            </a:lvl3pPr>
-            <a:lvl4pPr marL="1371600" indent="0">
-              <a:buNone/>
-              <a:defRPr sz="900"/>
-            </a:lvl4pPr>
-            <a:lvl5pPr marL="1828800" indent="0">
-              <a:buNone/>
-              <a:defRPr sz="900"/>
-            </a:lvl5pPr>
-            <a:lvl6pPr marL="2286000" indent="0">
-              <a:buNone/>
-              <a:defRPr sz="900"/>
-            </a:lvl6pPr>
-            <a:lvl7pPr marL="2743200" indent="0">
-              <a:buNone/>
-              <a:defRPr sz="900"/>
-            </a:lvl7pPr>
-            <a:lvl8pPr marL="3200400" indent="0">
-              <a:buNone/>
-              <a:defRPr sz="900"/>
-            </a:lvl8pPr>
-            <a:lvl9pPr marL="3657600" indent="0">
-              <a:buNone/>
-              <a:defRPr sz="900"/>
-            </a:lvl9pPr>
-          </a:lstStyle>
-          <a:p>
-            <a:pPr lvl="0"/>
-            <a:r>
-              <a:rPr lang="en-US"/>
-              <a:t>Edit Master text styles</a:t>
-            </a:r>
-          </a:p>
-        </p:txBody>
-      </p:sp>
-      <p:cxnSp>
-        <p:nvCxnSpPr>
-          <p:cNvPr id="19" name="Straight Connector 18"/>
-          <p:cNvCxnSpPr/>
-          <p:nvPr/>
-        </p:nvCxnSpPr>
-        <p:spPr>
-          <a:xfrm>
-            <a:off x="3726142" y="2133600"/>
-            <a:ext cx="0" cy="3962400"/>
-          </a:xfrm>
-          <a:prstGeom prst="line">
-            <a:avLst/>
-          </a:prstGeom>
-          <a:ln w="12700" cmpd="sng">
-            <a:solidFill>
-              <a:schemeClr val="bg2">
-                <a:lumMod val="40000"/>
-                <a:lumOff val="60000"/>
-                <a:alpha val="40000"/>
-              </a:schemeClr>
-            </a:solidFill>
-          </a:ln>
-        </p:spPr>
-        <p:style>
-          <a:lnRef idx="2">
-            <a:schemeClr val="accent1"/>
-          </a:lnRef>
-          <a:fillRef idx="0">
-            <a:schemeClr val="accent1"/>
-          </a:fillRef>
-          <a:effectRef idx="1">
-            <a:schemeClr val="accent1"/>
-          </a:effectRef>
-          <a:fontRef idx="minor">
-            <a:schemeClr val="tx1"/>
-          </a:fontRef>
-        </p:style>
-      </p:cxnSp>
-      <p:cxnSp>
-        <p:nvCxnSpPr>
-          <p:cNvPr id="20" name="Straight Connector 19"/>
-          <p:cNvCxnSpPr/>
-          <p:nvPr/>
-        </p:nvCxnSpPr>
-        <p:spPr>
-          <a:xfrm>
-            <a:off x="6962227" y="2133600"/>
-            <a:ext cx="0" cy="3966882"/>
-          </a:xfrm>
-          <a:prstGeom prst="line">
-            <a:avLst/>
-          </a:prstGeom>
-          <a:ln w="12700" cmpd="sng">
-            <a:solidFill>
-              <a:schemeClr val="bg2">
-                <a:lumMod val="40000"/>
-                <a:lumOff val="60000"/>
-                <a:alpha val="40000"/>
-              </a:schemeClr>
-            </a:solidFill>
-          </a:ln>
-        </p:spPr>
-        <p:style>
-          <a:lnRef idx="2">
-            <a:schemeClr val="accent1"/>
-          </a:lnRef>
-          <a:fillRef idx="0">
-            <a:schemeClr val="accent1"/>
-          </a:fillRef>
-          <a:effectRef idx="1">
-            <a:schemeClr val="accent1"/>
-          </a:effectRef>
-          <a:fontRef idx="minor">
-            <a:schemeClr val="tx1"/>
-          </a:fontRef>
-        </p:style>
-      </p:cxnSp>
-      <p:sp>
-        <p:nvSpPr>
-          <p:cNvPr id="7" name="Date Placeholder 3"/>
-          <p:cNvSpPr>
-            <a:spLocks noGrp="1"/>
-          </p:cNvSpPr>
-          <p:nvPr>
-            <p:ph type="dt" sz="half" idx="10"/>
-          </p:nvPr>
-        </p:nvSpPr>
-        <p:spPr/>
-        <p:txBody>
-          <a:bodyPr/>
-          <a:lstStyle/>
-          <a:p>
-            <a:fld id="{B61BEF0D-F0BB-DE4B-95CE-6DB70DBA9567}" type="datetimeFigureOut">
-              <a:rPr lang="en-US" smtClean="0"/>
-              <a:pPr/>
-              <a:t>2/28/2017</a:t>
-            </a:fld>
-            <a:endParaRPr lang="en-US" dirty="0"/>
-          </a:p>
-        </p:txBody>
-      </p:sp>
-      <p:sp>
-        <p:nvSpPr>
-          <p:cNvPr id="4" name="Footer Placeholder 4"/>
-          <p:cNvSpPr>
-            <a:spLocks noGrp="1"/>
-          </p:cNvSpPr>
-          <p:nvPr>
-            <p:ph type="ftr" sz="quarter" idx="11"/>
-          </p:nvPr>
-        </p:nvSpPr>
-        <p:spPr/>
-        <p:txBody>
-          <a:bodyPr/>
-          <a:lstStyle/>
-          <a:p>
-            <a:endParaRPr lang="en-US" dirty="0"/>
-          </a:p>
-        </p:txBody>
-      </p:sp>
-      <p:sp>
-        <p:nvSpPr>
-          <p:cNvPr id="6" name="Slide Number Placeholder 5"/>
-          <p:cNvSpPr>
-            <a:spLocks noGrp="1"/>
-          </p:cNvSpPr>
-          <p:nvPr>
-            <p:ph type="sldNum" sz="quarter" idx="12"/>
-          </p:nvPr>
-        </p:nvSpPr>
-        <p:spPr/>
-        <p:txBody>
-          <a:bodyPr/>
-          <a:lstStyle/>
-          <a:p>
-            <a:fld id="{D57F1E4F-1CFF-5643-939E-217C01CDF565}" type="slidenum">
-              <a:rPr lang="en-US" smtClean="0"/>
-              <a:pPr/>
-              <a:t>‹#›</a:t>
-            </a:fld>
-            <a:endParaRPr lang="en-US" dirty="0"/>
-          </a:p>
-        </p:txBody>
-      </p:sp>
-    </p:spTree>
-    <p:extLst>
-      <p:ext uri="{BB962C8B-B14F-4D97-AF65-F5344CB8AC3E}">
-        <p14:creationId xmlns:p14="http://schemas.microsoft.com/office/powerpoint/2010/main" val="3087774848"/>
-      </p:ext>
-    </p:extLst>
-  </p:cSld>
-  <p:clrMapOvr>
-    <a:masterClrMapping/>
-  </p:clrMapOvr>
-</p:sldLayout>
-</file>
-
-<file path=ppt/slideLayouts/slideLayout16.xml><?xml version="1.0" encoding="utf-8"?>
 <p:sldLayout xmlns:a="http://schemas.openxmlformats.org/drawingml/2006/main" xmlns:r="http://schemas.openxmlformats.org/officeDocument/2006/relationships" xmlns:p="http://schemas.openxmlformats.org/presentationml/2006/main" type="vertTx" preserve="1">
   <p:cSld name="Title and Vertical Text">
     <p:spTree>
@@ -3004,7 +486,7 @@
         </p:nvSpPr>
         <p:spPr/>
         <p:txBody>
-          <a:bodyPr vert="eaVert" anchor="t" anchorCtr="0"/>
+          <a:bodyPr vert="eaVert"/>
           <a:lstStyle/>
           <a:p>
             <a:pPr lvl="0"/>
@@ -3114,7 +596,7 @@
     </p:spTree>
     <p:extLst>
       <p:ext uri="{BB962C8B-B14F-4D97-AF65-F5344CB8AC3E}">
-        <p14:creationId xmlns:p14="http://schemas.microsoft.com/office/powerpoint/2010/main" val="267390782"/>
+        <p14:creationId xmlns:p14="http://schemas.microsoft.com/office/powerpoint/2010/main" val="3678128538"/>
       </p:ext>
     </p:extLst>
   </p:cSld>
@@ -3124,7 +606,7 @@
 </p:sldLayout>
 </file>
 
-<file path=ppt/slideLayouts/slideLayout17.xml><?xml version="1.0" encoding="utf-8"?>
+<file path=ppt/slideLayouts/slideLayout11.xml><?xml version="1.0" encoding="utf-8"?>
 <p:sldLayout xmlns:a="http://schemas.openxmlformats.org/drawingml/2006/main" xmlns:r="http://schemas.openxmlformats.org/officeDocument/2006/relationships" xmlns:p="http://schemas.openxmlformats.org/presentationml/2006/main" type="vertTitleAndTx" preserve="1">
   <p:cSld name="Vertical Title and Text">
     <p:spTree>
@@ -3153,12 +635,12 @@
         </p:nvSpPr>
         <p:spPr>
           <a:xfrm>
-            <a:off x="8304212" y="430213"/>
-            <a:ext cx="1752601" cy="5826125"/>
+            <a:off x="8724900" y="762000"/>
+            <a:ext cx="2324100" cy="5410200"/>
           </a:xfrm>
         </p:spPr>
         <p:txBody>
-          <a:bodyPr vert="eaVert" anchor="b" anchorCtr="0"/>
+          <a:bodyPr vert="eaVert"/>
           <a:lstStyle/>
           <a:p>
             <a:r>
@@ -3181,8 +663,8 @@
         </p:nvSpPr>
         <p:spPr>
           <a:xfrm>
-            <a:off x="652463" y="887414"/>
-            <a:ext cx="7423149" cy="5368924"/>
+            <a:off x="1143000" y="762000"/>
+            <a:ext cx="7429500" cy="5410200"/>
           </a:xfrm>
         </p:spPr>
         <p:txBody>
@@ -3296,7 +778,7 @@
     </p:spTree>
     <p:extLst>
       <p:ext uri="{BB962C8B-B14F-4D97-AF65-F5344CB8AC3E}">
-        <p14:creationId xmlns:p14="http://schemas.microsoft.com/office/powerpoint/2010/main" val="1793756362"/>
+        <p14:creationId xmlns:p14="http://schemas.microsoft.com/office/powerpoint/2010/main" val="1991533640"/>
       </p:ext>
     </p:extLst>
   </p:cSld>
@@ -3400,7 +882,7 @@
       </p:sp>
       <p:sp>
         <p:nvSpPr>
-          <p:cNvPr id="7" name="Date Placeholder 3"/>
+          <p:cNvPr id="4" name="Date Placeholder 3"/>
           <p:cNvSpPr>
             <a:spLocks noGrp="1"/>
           </p:cNvSpPr>
@@ -3468,7 +950,7 @@
     </p:spTree>
     <p:extLst>
       <p:ext uri="{BB962C8B-B14F-4D97-AF65-F5344CB8AC3E}">
-        <p14:creationId xmlns:p14="http://schemas.microsoft.com/office/powerpoint/2010/main" val="2839168855"/>
+        <p14:creationId xmlns:p14="http://schemas.microsoft.com/office/powerpoint/2010/main" val="3716675225"/>
       </p:ext>
     </p:extLst>
   </p:cSld>
@@ -3507,15 +989,20 @@
         </p:nvSpPr>
         <p:spPr>
           <a:xfrm>
-            <a:off x="1154956" y="2861733"/>
-            <a:ext cx="8825657" cy="1915647"/>
+            <a:off x="1106424" y="1173575"/>
+            <a:ext cx="9966960" cy="2926080"/>
           </a:xfrm>
         </p:spPr>
         <p:txBody>
-          <a:bodyPr anchor="b"/>
+          <a:bodyPr anchor="b">
+            <a:noAutofit/>
+          </a:bodyPr>
           <a:lstStyle>
-            <a:lvl1pPr algn="l">
-              <a:defRPr sz="4000" b="0" cap="none"/>
+            <a:lvl1pPr algn="ctr">
+              <a:lnSpc>
+                <a:spcPct val="85000"/>
+              </a:lnSpc>
+              <a:defRPr sz="7200" b="0" cap="all" baseline="0"/>
             </a:lvl1pPr>
           </a:lstStyle>
           <a:p>
@@ -3539,21 +1026,20 @@
         </p:nvSpPr>
         <p:spPr>
           <a:xfrm>
-            <a:off x="1154955" y="4777381"/>
-            <a:ext cx="8825658" cy="860400"/>
+            <a:off x="1709928" y="4154520"/>
+            <a:ext cx="8769096" cy="1363806"/>
           </a:xfrm>
         </p:spPr>
         <p:txBody>
-          <a:bodyPr anchor="t"/>
+          <a:bodyPr anchor="t">
+            <a:normAutofit/>
+          </a:bodyPr>
           <a:lstStyle>
-            <a:lvl1pPr marL="0" indent="0" algn="l">
-              <a:buNone/>
-              <a:defRPr sz="2000" cap="all">
+            <a:lvl1pPr marL="0" indent="0" algn="ctr">
+              <a:buNone/>
+              <a:defRPr sz="2200">
                 <a:solidFill>
-                  <a:schemeClr val="bg2">
-                    <a:lumMod val="40000"/>
-                    <a:lumOff val="60000"/>
-                  </a:schemeClr>
+                  <a:schemeClr val="tx1"/>
                 </a:solidFill>
               </a:defRPr>
             </a:lvl1pPr>
@@ -3714,10 +1200,45 @@
           </a:p>
         </p:txBody>
       </p:sp>
+      <p:cxnSp>
+        <p:nvCxnSpPr>
+          <p:cNvPr id="7" name="Straight Connector 6"/>
+          <p:cNvCxnSpPr/>
+          <p:nvPr/>
+        </p:nvCxnSpPr>
+        <p:spPr>
+          <a:xfrm>
+            <a:off x="1981200" y="4020408"/>
+            <a:ext cx="8229601" cy="0"/>
+          </a:xfrm>
+          <a:prstGeom prst="line">
+            <a:avLst/>
+          </a:prstGeom>
+          <a:ln>
+            <a:solidFill>
+              <a:schemeClr val="tx1"/>
+            </a:solidFill>
+          </a:ln>
+        </p:spPr>
+        <p:style>
+          <a:lnRef idx="1">
+            <a:schemeClr val="accent1"/>
+          </a:lnRef>
+          <a:fillRef idx="0">
+            <a:schemeClr val="accent1"/>
+          </a:fillRef>
+          <a:effectRef idx="0">
+            <a:schemeClr val="accent1"/>
+          </a:effectRef>
+          <a:fontRef idx="minor">
+            <a:schemeClr val="tx1"/>
+          </a:fontRef>
+        </p:style>
+      </p:cxnSp>
     </p:spTree>
     <p:extLst>
       <p:ext uri="{BB962C8B-B14F-4D97-AF65-F5344CB8AC3E}">
-        <p14:creationId xmlns:p14="http://schemas.microsoft.com/office/powerpoint/2010/main" val="2698022066"/>
+        <p14:creationId xmlns:p14="http://schemas.microsoft.com/office/powerpoint/2010/main" val="3806417042"/>
       </p:ext>
     </p:extLst>
   </p:cSld>
@@ -3746,7 +1267,7 @@
       </p:grpSpPr>
       <p:sp>
         <p:nvSpPr>
-          <p:cNvPr id="2" name="Title 1"/>
+          <p:cNvPr id="8" name="Title 7"/>
           <p:cNvSpPr>
             <a:spLocks noGrp="1"/>
           </p:cNvSpPr>
@@ -3779,41 +1300,39 @@
         </p:nvSpPr>
         <p:spPr>
           <a:xfrm>
-            <a:off x="1103312" y="2060575"/>
-            <a:ext cx="4396339" cy="4195763"/>
+            <a:off x="1143000" y="2057399"/>
+            <a:ext cx="4754880" cy="4023360"/>
           </a:xfrm>
         </p:spPr>
         <p:txBody>
-          <a:bodyPr>
-            <a:normAutofit/>
-          </a:bodyPr>
+          <a:bodyPr/>
           <a:lstStyle>
             <a:lvl1pPr>
-              <a:defRPr sz="1800"/>
+              <a:defRPr sz="2200"/>
             </a:lvl1pPr>
             <a:lvl2pPr>
-              <a:defRPr sz="1600"/>
+              <a:defRPr sz="2000"/>
             </a:lvl2pPr>
             <a:lvl3pPr>
-              <a:defRPr sz="1400"/>
+              <a:defRPr sz="1800"/>
             </a:lvl3pPr>
             <a:lvl4pPr>
-              <a:defRPr sz="1200"/>
+              <a:defRPr sz="1600"/>
             </a:lvl4pPr>
             <a:lvl5pPr>
-              <a:defRPr sz="1200"/>
+              <a:defRPr sz="1600"/>
             </a:lvl5pPr>
             <a:lvl6pPr>
-              <a:defRPr sz="1200"/>
+              <a:defRPr sz="1600"/>
             </a:lvl6pPr>
             <a:lvl7pPr>
-              <a:defRPr sz="1200"/>
+              <a:defRPr sz="1600"/>
             </a:lvl7pPr>
             <a:lvl8pPr>
-              <a:defRPr sz="1200"/>
+              <a:defRPr sz="1600"/>
             </a:lvl8pPr>
             <a:lvl9pPr>
-              <a:defRPr sz="1200"/>
+              <a:defRPr sz="1600"/>
             </a:lvl9pPr>
           </a:lstStyle>
           <a:p>
@@ -3866,41 +1385,39 @@
         </p:nvSpPr>
         <p:spPr>
           <a:xfrm>
-            <a:off x="5654493" y="2056092"/>
-            <a:ext cx="4396341" cy="4200245"/>
+            <a:off x="6267612" y="2057400"/>
+            <a:ext cx="4754880" cy="4023360"/>
           </a:xfrm>
         </p:spPr>
         <p:txBody>
-          <a:bodyPr>
-            <a:normAutofit/>
-          </a:bodyPr>
+          <a:bodyPr/>
           <a:lstStyle>
             <a:lvl1pPr>
-              <a:defRPr sz="1800"/>
+              <a:defRPr sz="2200"/>
             </a:lvl1pPr>
             <a:lvl2pPr>
-              <a:defRPr sz="1600"/>
+              <a:defRPr sz="2000"/>
             </a:lvl2pPr>
             <a:lvl3pPr>
-              <a:defRPr sz="1400"/>
+              <a:defRPr sz="1800"/>
             </a:lvl3pPr>
             <a:lvl4pPr>
-              <a:defRPr sz="1200"/>
+              <a:defRPr sz="1600"/>
             </a:lvl4pPr>
             <a:lvl5pPr>
-              <a:defRPr sz="1200"/>
+              <a:defRPr sz="1600"/>
             </a:lvl5pPr>
             <a:lvl6pPr>
-              <a:defRPr sz="1200"/>
+              <a:defRPr sz="1600"/>
             </a:lvl6pPr>
             <a:lvl7pPr>
-              <a:defRPr sz="1200"/>
+              <a:defRPr sz="1600"/>
             </a:lvl7pPr>
             <a:lvl8pPr>
-              <a:defRPr sz="1200"/>
+              <a:defRPr sz="1600"/>
             </a:lvl8pPr>
             <a:lvl9pPr>
-              <a:defRPr sz="1200"/>
+              <a:defRPr sz="1600"/>
             </a:lvl9pPr>
           </a:lstStyle>
           <a:p>
@@ -4011,7 +1528,7 @@
     </p:spTree>
     <p:extLst>
       <p:ext uri="{BB962C8B-B14F-4D97-AF65-F5344CB8AC3E}">
-        <p14:creationId xmlns:p14="http://schemas.microsoft.com/office/powerpoint/2010/main" val="1690516994"/>
+        <p14:creationId xmlns:p14="http://schemas.microsoft.com/office/powerpoint/2010/main" val="2397740651"/>
       </p:ext>
     </p:extLst>
   </p:cSld>
@@ -4040,7 +1557,7 @@
       </p:grpSpPr>
       <p:sp>
         <p:nvSpPr>
-          <p:cNvPr id="2" name="Title 1"/>
+          <p:cNvPr id="10" name="Title 9"/>
           <p:cNvSpPr>
             <a:spLocks noGrp="1"/>
           </p:cNvSpPr>
@@ -4049,17 +1566,166 @@
           </p:nvPr>
         </p:nvSpPr>
         <p:spPr/>
+        <p:txBody>
+          <a:bodyPr/>
+          <a:lstStyle/>
+          <a:p>
+            <a:r>
+              <a:rPr lang="en-US"/>
+              <a:t>Click to edit Master title style</a:t>
+            </a:r>
+            <a:endParaRPr lang="en-US" dirty="0"/>
+          </a:p>
+        </p:txBody>
+      </p:sp>
+      <p:sp>
+        <p:nvSpPr>
+          <p:cNvPr id="3" name="Text Placeholder 2"/>
+          <p:cNvSpPr>
+            <a:spLocks noGrp="1"/>
+          </p:cNvSpPr>
+          <p:nvPr>
+            <p:ph type="body" idx="1"/>
+          </p:nvPr>
+        </p:nvSpPr>
+        <p:spPr>
+          <a:xfrm>
+            <a:off x="1143000" y="2001511"/>
+            <a:ext cx="4754880" cy="777240"/>
+          </a:xfrm>
+        </p:spPr>
+        <p:txBody>
+          <a:bodyPr anchor="ctr"/>
+          <a:lstStyle>
+            <a:lvl1pPr marL="0" indent="0">
+              <a:spcBef>
+                <a:spcPts val="0"/>
+              </a:spcBef>
+              <a:buNone/>
+              <a:defRPr sz="2400" b="1"/>
+            </a:lvl1pPr>
+            <a:lvl2pPr marL="457200" indent="0">
+              <a:buNone/>
+              <a:defRPr sz="2000" b="1"/>
+            </a:lvl2pPr>
+            <a:lvl3pPr marL="914400" indent="0">
+              <a:buNone/>
+              <a:defRPr sz="1800" b="1"/>
+            </a:lvl3pPr>
+            <a:lvl4pPr marL="1371600" indent="0">
+              <a:buNone/>
+              <a:defRPr sz="1600" b="1"/>
+            </a:lvl4pPr>
+            <a:lvl5pPr marL="1828800" indent="0">
+              <a:buNone/>
+              <a:defRPr sz="1600" b="1"/>
+            </a:lvl5pPr>
+            <a:lvl6pPr marL="2286000" indent="0">
+              <a:buNone/>
+              <a:defRPr sz="1600" b="1"/>
+            </a:lvl6pPr>
+            <a:lvl7pPr marL="2743200" indent="0">
+              <a:buNone/>
+              <a:defRPr sz="1600" b="1"/>
+            </a:lvl7pPr>
+            <a:lvl8pPr marL="3200400" indent="0">
+              <a:buNone/>
+              <a:defRPr sz="1600" b="1"/>
+            </a:lvl8pPr>
+            <a:lvl9pPr marL="3657600" indent="0">
+              <a:buNone/>
+              <a:defRPr sz="1600" b="1"/>
+            </a:lvl9pPr>
+          </a:lstStyle>
+          <a:p>
+            <a:pPr lvl="0"/>
+            <a:r>
+              <a:rPr lang="en-US"/>
+              <a:t>Edit Master text styles</a:t>
+            </a:r>
+          </a:p>
+        </p:txBody>
+      </p:sp>
+      <p:sp>
+        <p:nvSpPr>
+          <p:cNvPr id="4" name="Content Placeholder 3"/>
+          <p:cNvSpPr>
+            <a:spLocks noGrp="1"/>
+          </p:cNvSpPr>
+          <p:nvPr>
+            <p:ph sz="half" idx="2"/>
+          </p:nvPr>
+        </p:nvSpPr>
+        <p:spPr>
+          <a:xfrm>
+            <a:off x="1143000" y="2721483"/>
+            <a:ext cx="4754880" cy="3383280"/>
+          </a:xfrm>
+        </p:spPr>
         <p:txBody>
           <a:bodyPr/>
           <a:lstStyle>
             <a:lvl1pPr>
-              <a:defRPr/>
+              <a:defRPr sz="2200"/>
             </a:lvl1pPr>
+            <a:lvl2pPr>
+              <a:defRPr sz="2000"/>
+            </a:lvl2pPr>
+            <a:lvl3pPr>
+              <a:defRPr sz="1800"/>
+            </a:lvl3pPr>
+            <a:lvl4pPr>
+              <a:defRPr sz="1600"/>
+            </a:lvl4pPr>
+            <a:lvl5pPr>
+              <a:defRPr sz="1600"/>
+            </a:lvl5pPr>
+            <a:lvl6pPr>
+              <a:defRPr sz="1600"/>
+            </a:lvl6pPr>
+            <a:lvl7pPr>
+              <a:defRPr sz="1600"/>
+            </a:lvl7pPr>
+            <a:lvl8pPr>
+              <a:defRPr sz="1600"/>
+            </a:lvl8pPr>
+            <a:lvl9pPr>
+              <a:defRPr sz="1600"/>
+            </a:lvl9pPr>
           </a:lstStyle>
           <a:p>
+            <a:pPr lvl="0"/>
             <a:r>
               <a:rPr lang="en-US"/>
-              <a:t>Click to edit Master title style</a:t>
+              <a:t>Edit Master text styles</a:t>
+            </a:r>
+          </a:p>
+          <a:p>
+            <a:pPr lvl="1"/>
+            <a:r>
+              <a:rPr lang="en-US"/>
+              <a:t>Second level</a:t>
+            </a:r>
+          </a:p>
+          <a:p>
+            <a:pPr lvl="2"/>
+            <a:r>
+              <a:rPr lang="en-US"/>
+              <a:t>Third level</a:t>
+            </a:r>
+          </a:p>
+          <a:p>
+            <a:pPr lvl="3"/>
+            <a:r>
+              <a:rPr lang="en-US"/>
+              <a:t>Fourth level</a:t>
+            </a:r>
+          </a:p>
+          <a:p>
+            <a:pPr lvl="4"/>
+            <a:r>
+              <a:rPr lang="en-US"/>
+              <a:t>Fifth level</a:t>
             </a:r>
             <a:endParaRPr lang="en-US" dirty="0"/>
           </a:p>
@@ -4067,35 +1733,29 @@
       </p:sp>
       <p:sp>
         <p:nvSpPr>
-          <p:cNvPr id="3" name="Text Placeholder 2"/>
-          <p:cNvSpPr>
-            <a:spLocks noGrp="1"/>
-          </p:cNvSpPr>
-          <p:nvPr>
-            <p:ph type="body" idx="1"/>
+          <p:cNvPr id="5" name="Text Placeholder 4"/>
+          <p:cNvSpPr>
+            <a:spLocks noGrp="1"/>
+          </p:cNvSpPr>
+          <p:nvPr>
+            <p:ph type="body" sz="quarter" idx="3"/>
           </p:nvPr>
         </p:nvSpPr>
         <p:spPr>
           <a:xfrm>
-            <a:off x="1103313" y="1905000"/>
-            <a:ext cx="4396338" cy="576262"/>
+            <a:off x="6269173" y="1999032"/>
+            <a:ext cx="4754880" cy="777240"/>
           </a:xfrm>
         </p:spPr>
         <p:txBody>
-          <a:bodyPr anchor="b">
-            <a:noAutofit/>
-          </a:bodyPr>
+          <a:bodyPr anchor="ctr"/>
           <a:lstStyle>
             <a:lvl1pPr marL="0" indent="0">
-              <a:buNone/>
-              <a:defRPr sz="2400" b="0">
-                <a:solidFill>
-                  <a:schemeClr val="bg2">
-                    <a:lumMod val="40000"/>
-                    <a:lumOff val="60000"/>
-                  </a:schemeClr>
-                </a:solidFill>
-              </a:defRPr>
+              <a:spcBef>
+                <a:spcPts val="0"/>
+              </a:spcBef>
+              <a:buNone/>
+              <a:defRPr sz="2400" b="1"/>
             </a:lvl1pPr>
             <a:lvl2pPr marL="457200" indent="0">
               <a:buNone/>
@@ -4141,212 +1801,49 @@
       </p:sp>
       <p:sp>
         <p:nvSpPr>
-          <p:cNvPr id="4" name="Content Placeholder 3"/>
-          <p:cNvSpPr>
-            <a:spLocks noGrp="1"/>
-          </p:cNvSpPr>
-          <p:nvPr>
-            <p:ph sz="half" idx="2"/>
+          <p:cNvPr id="6" name="Content Placeholder 5"/>
+          <p:cNvSpPr>
+            <a:spLocks noGrp="1"/>
+          </p:cNvSpPr>
+          <p:nvPr>
+            <p:ph sz="quarter" idx="4"/>
           </p:nvPr>
         </p:nvSpPr>
         <p:spPr>
           <a:xfrm>
-            <a:off x="1103312" y="2514600"/>
-            <a:ext cx="4396339" cy="3741738"/>
+            <a:off x="6269173" y="2719322"/>
+            <a:ext cx="4754880" cy="3383280"/>
           </a:xfrm>
         </p:spPr>
         <p:txBody>
-          <a:bodyPr>
-            <a:normAutofit/>
-          </a:bodyPr>
+          <a:bodyPr/>
           <a:lstStyle>
             <a:lvl1pPr>
-              <a:defRPr sz="1800"/>
+              <a:defRPr sz="2200"/>
             </a:lvl1pPr>
             <a:lvl2pPr>
-              <a:defRPr sz="1600"/>
+              <a:defRPr sz="2000"/>
             </a:lvl2pPr>
             <a:lvl3pPr>
-              <a:defRPr sz="1400"/>
+              <a:defRPr sz="1800"/>
             </a:lvl3pPr>
             <a:lvl4pPr>
-              <a:defRPr sz="1200"/>
+              <a:defRPr sz="1600"/>
             </a:lvl4pPr>
             <a:lvl5pPr>
-              <a:defRPr sz="1200"/>
+              <a:defRPr sz="1600"/>
             </a:lvl5pPr>
             <a:lvl6pPr>
-              <a:defRPr sz="1200"/>
+              <a:defRPr sz="1600"/>
             </a:lvl6pPr>
             <a:lvl7pPr>
-              <a:defRPr sz="1200"/>
+              <a:defRPr sz="1600"/>
             </a:lvl7pPr>
             <a:lvl8pPr>
-              <a:defRPr sz="1200"/>
+              <a:defRPr sz="1600"/>
             </a:lvl8pPr>
             <a:lvl9pPr>
-              <a:defRPr sz="1200"/>
-            </a:lvl9pPr>
-          </a:lstStyle>
-          <a:p>
-            <a:pPr lvl="0"/>
-            <a:r>
-              <a:rPr lang="en-US"/>
-              <a:t>Edit Master text styles</a:t>
-            </a:r>
-          </a:p>
-          <a:p>
-            <a:pPr lvl="1"/>
-            <a:r>
-              <a:rPr lang="en-US"/>
-              <a:t>Second level</a:t>
-            </a:r>
-          </a:p>
-          <a:p>
-            <a:pPr lvl="2"/>
-            <a:r>
-              <a:rPr lang="en-US"/>
-              <a:t>Third level</a:t>
-            </a:r>
-          </a:p>
-          <a:p>
-            <a:pPr lvl="3"/>
-            <a:r>
-              <a:rPr lang="en-US"/>
-              <a:t>Fourth level</a:t>
-            </a:r>
-          </a:p>
-          <a:p>
-            <a:pPr lvl="4"/>
-            <a:r>
-              <a:rPr lang="en-US"/>
-              <a:t>Fifth level</a:t>
-            </a:r>
-            <a:endParaRPr lang="en-US" dirty="0"/>
-          </a:p>
-        </p:txBody>
-      </p:sp>
-      <p:sp>
-        <p:nvSpPr>
-          <p:cNvPr id="5" name="Text Placeholder 4"/>
-          <p:cNvSpPr>
-            <a:spLocks noGrp="1"/>
-          </p:cNvSpPr>
-          <p:nvPr>
-            <p:ph type="body" sz="quarter" idx="3"/>
-          </p:nvPr>
-        </p:nvSpPr>
-        <p:spPr>
-          <a:xfrm>
-            <a:off x="5654495" y="1905000"/>
-            <a:ext cx="4396339" cy="576262"/>
-          </a:xfrm>
-        </p:spPr>
-        <p:txBody>
-          <a:bodyPr anchor="b">
-            <a:noAutofit/>
-          </a:bodyPr>
-          <a:lstStyle>
-            <a:lvl1pPr marL="0" indent="0">
-              <a:buNone/>
-              <a:defRPr sz="2400" b="0">
-                <a:solidFill>
-                  <a:schemeClr val="bg2">
-                    <a:lumMod val="40000"/>
-                    <a:lumOff val="60000"/>
-                  </a:schemeClr>
-                </a:solidFill>
-              </a:defRPr>
-            </a:lvl1pPr>
-            <a:lvl2pPr marL="457200" indent="0">
-              <a:buNone/>
-              <a:defRPr sz="2000" b="1"/>
-            </a:lvl2pPr>
-            <a:lvl3pPr marL="914400" indent="0">
-              <a:buNone/>
-              <a:defRPr sz="1800" b="1"/>
-            </a:lvl3pPr>
-            <a:lvl4pPr marL="1371600" indent="0">
-              <a:buNone/>
-              <a:defRPr sz="1600" b="1"/>
-            </a:lvl4pPr>
-            <a:lvl5pPr marL="1828800" indent="0">
-              <a:buNone/>
-              <a:defRPr sz="1600" b="1"/>
-            </a:lvl5pPr>
-            <a:lvl6pPr marL="2286000" indent="0">
-              <a:buNone/>
-              <a:defRPr sz="1600" b="1"/>
-            </a:lvl6pPr>
-            <a:lvl7pPr marL="2743200" indent="0">
-              <a:buNone/>
-              <a:defRPr sz="1600" b="1"/>
-            </a:lvl7pPr>
-            <a:lvl8pPr marL="3200400" indent="0">
-              <a:buNone/>
-              <a:defRPr sz="1600" b="1"/>
-            </a:lvl8pPr>
-            <a:lvl9pPr marL="3657600" indent="0">
-              <a:buNone/>
-              <a:defRPr sz="1600" b="1"/>
-            </a:lvl9pPr>
-          </a:lstStyle>
-          <a:p>
-            <a:pPr lvl="0"/>
-            <a:r>
-              <a:rPr lang="en-US"/>
-              <a:t>Edit Master text styles</a:t>
-            </a:r>
-          </a:p>
-        </p:txBody>
-      </p:sp>
-      <p:sp>
-        <p:nvSpPr>
-          <p:cNvPr id="6" name="Content Placeholder 5"/>
-          <p:cNvSpPr>
-            <a:spLocks noGrp="1"/>
-          </p:cNvSpPr>
-          <p:nvPr>
-            <p:ph sz="quarter" idx="4"/>
-          </p:nvPr>
-        </p:nvSpPr>
-        <p:spPr>
-          <a:xfrm>
-            <a:off x="5654495" y="2514600"/>
-            <a:ext cx="4396339" cy="3741738"/>
-          </a:xfrm>
-        </p:spPr>
-        <p:txBody>
-          <a:bodyPr>
-            <a:normAutofit/>
-          </a:bodyPr>
-          <a:lstStyle>
-            <a:lvl1pPr>
-              <a:defRPr sz="1800"/>
-            </a:lvl1pPr>
-            <a:lvl2pPr>
               <a:defRPr sz="1600"/>
-            </a:lvl2pPr>
-            <a:lvl3pPr>
-              <a:defRPr sz="1400"/>
-            </a:lvl3pPr>
-            <a:lvl4pPr>
-              <a:defRPr sz="1200"/>
-            </a:lvl4pPr>
-            <a:lvl5pPr>
-              <a:defRPr sz="1200"/>
-            </a:lvl5pPr>
-            <a:lvl6pPr>
-              <a:defRPr sz="1200"/>
-            </a:lvl6pPr>
-            <a:lvl7pPr>
-              <a:defRPr sz="1200"/>
-            </a:lvl7pPr>
-            <a:lvl8pPr>
-              <a:defRPr sz="1200"/>
-            </a:lvl8pPr>
-            <a:lvl9pPr>
-              <a:defRPr sz="1200"/>
             </a:lvl9pPr>
           </a:lstStyle>
           <a:p>
@@ -4457,7 +1954,7 @@
     </p:spTree>
     <p:extLst>
       <p:ext uri="{BB962C8B-B14F-4D97-AF65-F5344CB8AC3E}">
-        <p14:creationId xmlns:p14="http://schemas.microsoft.com/office/powerpoint/2010/main" val="3597124483"/>
+        <p14:creationId xmlns:p14="http://schemas.microsoft.com/office/powerpoint/2010/main" val="2269508246"/>
       </p:ext>
     </p:extLst>
   </p:cSld>
@@ -4509,7 +2006,7 @@
       </p:sp>
       <p:sp>
         <p:nvSpPr>
-          <p:cNvPr id="7" name="Date Placeholder 2"/>
+          <p:cNvPr id="3" name="Date Placeholder 2"/>
           <p:cNvSpPr>
             <a:spLocks noGrp="1"/>
           </p:cNvSpPr>
@@ -4533,7 +2030,7 @@
       </p:sp>
       <p:sp>
         <p:nvSpPr>
-          <p:cNvPr id="5" name="Footer Placeholder 3"/>
+          <p:cNvPr id="4" name="Footer Placeholder 3"/>
           <p:cNvSpPr>
             <a:spLocks noGrp="1"/>
           </p:cNvSpPr>
@@ -4552,7 +2049,7 @@
       </p:sp>
       <p:sp>
         <p:nvSpPr>
-          <p:cNvPr id="6" name="Slide Number Placeholder 4"/>
+          <p:cNvPr id="5" name="Slide Number Placeholder 4"/>
           <p:cNvSpPr>
             <a:spLocks noGrp="1"/>
           </p:cNvSpPr>
@@ -4577,7 +2074,7 @@
     </p:spTree>
     <p:extLst>
       <p:ext uri="{BB962C8B-B14F-4D97-AF65-F5344CB8AC3E}">
-        <p14:creationId xmlns:p14="http://schemas.microsoft.com/office/powerpoint/2010/main" val="2087371910"/>
+        <p14:creationId xmlns:p14="http://schemas.microsoft.com/office/powerpoint/2010/main" val="701268639"/>
       </p:ext>
     </p:extLst>
   </p:cSld>
@@ -4606,7 +2103,7 @@
       </p:grpSpPr>
       <p:sp>
         <p:nvSpPr>
-          <p:cNvPr id="7" name="Date Placeholder 1"/>
+          <p:cNvPr id="2" name="Date Placeholder 1"/>
           <p:cNvSpPr>
             <a:spLocks noGrp="1"/>
           </p:cNvSpPr>
@@ -4630,7 +2127,7 @@
       </p:sp>
       <p:sp>
         <p:nvSpPr>
-          <p:cNvPr id="5" name="Footer Placeholder 2"/>
+          <p:cNvPr id="3" name="Footer Placeholder 2"/>
           <p:cNvSpPr>
             <a:spLocks noGrp="1"/>
           </p:cNvSpPr>
@@ -4649,7 +2146,7 @@
       </p:sp>
       <p:sp>
         <p:nvSpPr>
-          <p:cNvPr id="6" name="Slide Number Placeholder 3"/>
+          <p:cNvPr id="4" name="Slide Number Placeholder 3"/>
           <p:cNvSpPr>
             <a:spLocks noGrp="1"/>
           </p:cNvSpPr>
@@ -4674,7 +2171,7 @@
     </p:spTree>
     <p:extLst>
       <p:ext uri="{BB962C8B-B14F-4D97-AF65-F5344CB8AC3E}">
-        <p14:creationId xmlns:p14="http://schemas.microsoft.com/office/powerpoint/2010/main" val="528372217"/>
+        <p14:creationId xmlns:p14="http://schemas.microsoft.com/office/powerpoint/2010/main" val="78866170"/>
       </p:ext>
     </p:extLst>
   </p:cSld>
@@ -4713,15 +2210,20 @@
         </p:nvSpPr>
         <p:spPr>
           <a:xfrm>
-            <a:off x="1154953" y="1447800"/>
-            <a:ext cx="3401064" cy="1447800"/>
+            <a:off x="1143000" y="1097280"/>
+            <a:ext cx="3931920" cy="1737360"/>
           </a:xfrm>
         </p:spPr>
         <p:txBody>
-          <a:bodyPr anchor="b"/>
+          <a:bodyPr anchor="b">
+            <a:noAutofit/>
+          </a:bodyPr>
           <a:lstStyle>
-            <a:lvl1pPr algn="l">
-              <a:defRPr sz="2400" b="0"/>
+            <a:lvl1pPr>
+              <a:lnSpc>
+                <a:spcPct val="90000"/>
+              </a:lnSpc>
+              <a:defRPr sz="4000" b="0"/>
             </a:lvl1pPr>
           </a:lstStyle>
           <a:p>
@@ -4745,103 +2247,109 @@
         </p:nvSpPr>
         <p:spPr>
           <a:xfrm>
-            <a:off x="4784616" y="1447800"/>
-            <a:ext cx="5195997" cy="4572000"/>
+            <a:off x="5852159" y="1097280"/>
+            <a:ext cx="5212080" cy="4663440"/>
           </a:xfrm>
         </p:spPr>
         <p:txBody>
-          <a:bodyPr anchor="ctr">
+          <a:bodyPr/>
+          <a:lstStyle>
+            <a:lvl1pPr>
+              <a:defRPr sz="3200"/>
+            </a:lvl1pPr>
+            <a:lvl2pPr>
+              <a:defRPr sz="2800"/>
+            </a:lvl2pPr>
+            <a:lvl3pPr>
+              <a:defRPr sz="2400"/>
+            </a:lvl3pPr>
+            <a:lvl4pPr>
+              <a:defRPr sz="2000"/>
+            </a:lvl4pPr>
+            <a:lvl5pPr>
+              <a:defRPr sz="2000"/>
+            </a:lvl5pPr>
+            <a:lvl6pPr>
+              <a:defRPr sz="2000"/>
+            </a:lvl6pPr>
+            <a:lvl7pPr>
+              <a:defRPr sz="2000"/>
+            </a:lvl7pPr>
+            <a:lvl8pPr>
+              <a:defRPr sz="2000"/>
+            </a:lvl8pPr>
+            <a:lvl9pPr>
+              <a:defRPr sz="2000"/>
+            </a:lvl9pPr>
+          </a:lstStyle>
+          <a:p>
+            <a:pPr lvl="0"/>
+            <a:r>
+              <a:rPr lang="en-US"/>
+              <a:t>Edit Master text styles</a:t>
+            </a:r>
+          </a:p>
+          <a:p>
+            <a:pPr lvl="1"/>
+            <a:r>
+              <a:rPr lang="en-US"/>
+              <a:t>Second level</a:t>
+            </a:r>
+          </a:p>
+          <a:p>
+            <a:pPr lvl="2"/>
+            <a:r>
+              <a:rPr lang="en-US"/>
+              <a:t>Third level</a:t>
+            </a:r>
+          </a:p>
+          <a:p>
+            <a:pPr lvl="3"/>
+            <a:r>
+              <a:rPr lang="en-US"/>
+              <a:t>Fourth level</a:t>
+            </a:r>
+          </a:p>
+          <a:p>
+            <a:pPr lvl="4"/>
+            <a:r>
+              <a:rPr lang="en-US"/>
+              <a:t>Fifth level</a:t>
+            </a:r>
+            <a:endParaRPr lang="en-US" dirty="0"/>
+          </a:p>
+        </p:txBody>
+      </p:sp>
+      <p:sp>
+        <p:nvSpPr>
+          <p:cNvPr id="4" name="Text Placeholder 3"/>
+          <p:cNvSpPr>
+            <a:spLocks noGrp="1"/>
+          </p:cNvSpPr>
+          <p:nvPr>
+            <p:ph type="body" sz="half" idx="2"/>
+          </p:nvPr>
+        </p:nvSpPr>
+        <p:spPr>
+          <a:xfrm>
+            <a:off x="1143000" y="2834640"/>
+            <a:ext cx="3931920" cy="3017520"/>
+          </a:xfrm>
+        </p:spPr>
+        <p:txBody>
+          <a:bodyPr>
             <a:normAutofit/>
           </a:bodyPr>
           <a:lstStyle>
-            <a:lvl1pPr>
-              <a:defRPr sz="2000"/>
-            </a:lvl1pPr>
-            <a:lvl2pPr>
-              <a:defRPr sz="1800"/>
-            </a:lvl2pPr>
-            <a:lvl3pPr>
-              <a:defRPr sz="1600"/>
-            </a:lvl3pPr>
-            <a:lvl4pPr>
-              <a:defRPr sz="1400"/>
-            </a:lvl4pPr>
-            <a:lvl5pPr>
-              <a:defRPr sz="1400"/>
-            </a:lvl5pPr>
-            <a:lvl6pPr>
-              <a:defRPr sz="1400"/>
-            </a:lvl6pPr>
-            <a:lvl7pPr>
-              <a:defRPr sz="1400"/>
-            </a:lvl7pPr>
-            <a:lvl8pPr>
-              <a:defRPr sz="1400"/>
-            </a:lvl8pPr>
-            <a:lvl9pPr>
-              <a:defRPr sz="1400"/>
-            </a:lvl9pPr>
-          </a:lstStyle>
-          <a:p>
-            <a:pPr lvl="0"/>
-            <a:r>
-              <a:rPr lang="en-US"/>
-              <a:t>Edit Master text styles</a:t>
-            </a:r>
-          </a:p>
-          <a:p>
-            <a:pPr lvl="1"/>
-            <a:r>
-              <a:rPr lang="en-US"/>
-              <a:t>Second level</a:t>
-            </a:r>
-          </a:p>
-          <a:p>
-            <a:pPr lvl="2"/>
-            <a:r>
-              <a:rPr lang="en-US"/>
-              <a:t>Third level</a:t>
-            </a:r>
-          </a:p>
-          <a:p>
-            <a:pPr lvl="3"/>
-            <a:r>
-              <a:rPr lang="en-US"/>
-              <a:t>Fourth level</a:t>
-            </a:r>
-          </a:p>
-          <a:p>
-            <a:pPr lvl="4"/>
-            <a:r>
-              <a:rPr lang="en-US"/>
-              <a:t>Fifth level</a:t>
-            </a:r>
-            <a:endParaRPr lang="en-US" dirty="0"/>
-          </a:p>
-        </p:txBody>
-      </p:sp>
-      <p:sp>
-        <p:nvSpPr>
-          <p:cNvPr id="4" name="Text Placeholder 3"/>
-          <p:cNvSpPr>
-            <a:spLocks noGrp="1"/>
-          </p:cNvSpPr>
-          <p:nvPr>
-            <p:ph type="body" sz="half" idx="2"/>
-          </p:nvPr>
-        </p:nvSpPr>
-        <p:spPr>
-          <a:xfrm>
-            <a:off x="1154953" y="3129280"/>
-            <a:ext cx="3401063" cy="2895599"/>
-          </a:xfrm>
-        </p:spPr>
-        <p:txBody>
-          <a:bodyPr/>
-          <a:lstStyle>
             <a:lvl1pPr marL="0" indent="0">
-              <a:buNone/>
-              <a:defRPr sz="1400"/>
+              <a:lnSpc>
+                <a:spcPct val="100000"/>
+              </a:lnSpc>
+              <a:spcBef>
+                <a:spcPts val="1000"/>
+              </a:spcBef>
+              <a:buNone/>
+              <a:defRPr sz="1700"/>
             </a:lvl1pPr>
             <a:lvl2pPr marL="457200" indent="0">
               <a:buNone/>
@@ -4887,7 +2395,7 @@
       </p:sp>
       <p:sp>
         <p:nvSpPr>
-          <p:cNvPr id="7" name="Date Placeholder 4"/>
+          <p:cNvPr id="5" name="Date Placeholder 4"/>
           <p:cNvSpPr>
             <a:spLocks noGrp="1"/>
           </p:cNvSpPr>
@@ -4911,7 +2419,7 @@
       </p:sp>
       <p:sp>
         <p:nvSpPr>
-          <p:cNvPr id="5" name="Footer Placeholder 5"/>
+          <p:cNvPr id="6" name="Footer Placeholder 5"/>
           <p:cNvSpPr>
             <a:spLocks noGrp="1"/>
           </p:cNvSpPr>
@@ -4930,7 +2438,7 @@
       </p:sp>
       <p:sp>
         <p:nvSpPr>
-          <p:cNvPr id="6" name="Slide Number Placeholder 6"/>
+          <p:cNvPr id="7" name="Slide Number Placeholder 6"/>
           <p:cNvSpPr>
             <a:spLocks noGrp="1"/>
           </p:cNvSpPr>
@@ -4955,7 +2463,7 @@
     </p:spTree>
     <p:extLst>
       <p:ext uri="{BB962C8B-B14F-4D97-AF65-F5344CB8AC3E}">
-        <p14:creationId xmlns:p14="http://schemas.microsoft.com/office/powerpoint/2010/main" val="3753070629"/>
+        <p14:creationId xmlns:p14="http://schemas.microsoft.com/office/powerpoint/2010/main" val="3065325862"/>
       </p:ext>
     </p:extLst>
   </p:cSld>
@@ -4994,23 +2502,93 @@
         </p:nvSpPr>
         <p:spPr>
           <a:xfrm>
-            <a:off x="1153907" y="1854192"/>
-            <a:ext cx="5092906" cy="1574808"/>
+            <a:off x="1143000" y="1097280"/>
+            <a:ext cx="3931920" cy="1737360"/>
           </a:xfrm>
         </p:spPr>
         <p:txBody>
           <a:bodyPr anchor="b">
+            <a:noAutofit/>
+          </a:bodyPr>
+          <a:lstStyle>
+            <a:lvl1pPr>
+              <a:lnSpc>
+                <a:spcPct val="90000"/>
+              </a:lnSpc>
+              <a:defRPr sz="4000" b="0"/>
+            </a:lvl1pPr>
+          </a:lstStyle>
+          <a:p>
+            <a:r>
+              <a:rPr lang="en-US"/>
+              <a:t>Click to edit Master title style</a:t>
+            </a:r>
+            <a:endParaRPr lang="en-US" dirty="0"/>
+          </a:p>
+        </p:txBody>
+      </p:sp>
+      <p:sp>
+        <p:nvSpPr>
+          <p:cNvPr id="3" name="Picture Placeholder 2"/>
+          <p:cNvSpPr>
+            <a:spLocks noGrp="1" noChangeAspect="1"/>
+          </p:cNvSpPr>
+          <p:nvPr>
+            <p:ph type="pic" idx="1"/>
+          </p:nvPr>
+        </p:nvSpPr>
+        <p:spPr>
+          <a:xfrm>
+            <a:off x="5413248" y="1069847"/>
+            <a:ext cx="6099048" cy="4800600"/>
+          </a:xfrm>
+        </p:spPr>
+        <p:txBody>
+          <a:bodyPr lIns="274320" tIns="182880" anchor="t">
             <a:normAutofit/>
           </a:bodyPr>
           <a:lstStyle>
-            <a:lvl1pPr algn="l">
-              <a:defRPr sz="3600" b="0"/>
+            <a:lvl1pPr marL="0" indent="0">
+              <a:buNone/>
+              <a:defRPr sz="2800"/>
             </a:lvl1pPr>
+            <a:lvl2pPr marL="457200" indent="0">
+              <a:buNone/>
+              <a:defRPr sz="2800"/>
+            </a:lvl2pPr>
+            <a:lvl3pPr marL="914400" indent="0">
+              <a:buNone/>
+              <a:defRPr sz="2400"/>
+            </a:lvl3pPr>
+            <a:lvl4pPr marL="1371600" indent="0">
+              <a:buNone/>
+              <a:defRPr sz="2000"/>
+            </a:lvl4pPr>
+            <a:lvl5pPr marL="1828800" indent="0">
+              <a:buNone/>
+              <a:defRPr sz="2000"/>
+            </a:lvl5pPr>
+            <a:lvl6pPr marL="2286000" indent="0">
+              <a:buNone/>
+              <a:defRPr sz="2000"/>
+            </a:lvl6pPr>
+            <a:lvl7pPr marL="2743200" indent="0">
+              <a:buNone/>
+              <a:defRPr sz="2000"/>
+            </a:lvl7pPr>
+            <a:lvl8pPr marL="3200400" indent="0">
+              <a:buNone/>
+              <a:defRPr sz="2000"/>
+            </a:lvl8pPr>
+            <a:lvl9pPr marL="3657600" indent="0">
+              <a:buNone/>
+              <a:defRPr sz="2000"/>
+            </a:lvl9pPr>
           </a:lstStyle>
           <a:p>
             <a:r>
               <a:rPr lang="en-US"/>
-              <a:t>Click to edit Master title style</a:t>
+              <a:t>Click icon to add picture</a:t>
             </a:r>
             <a:endParaRPr lang="en-US" dirty="0"/>
           </a:p>
@@ -5018,97 +2596,18 @@
       </p:sp>
       <p:sp>
         <p:nvSpPr>
-          <p:cNvPr id="3" name="Picture Placeholder 2"/>
-          <p:cNvSpPr>
-            <a:spLocks noGrp="1" noChangeAspect="1"/>
-          </p:cNvSpPr>
-          <p:nvPr>
-            <p:ph type="pic" idx="1"/>
+          <p:cNvPr id="4" name="Text Placeholder 3"/>
+          <p:cNvSpPr>
+            <a:spLocks noGrp="1"/>
+          </p:cNvSpPr>
+          <p:nvPr>
+            <p:ph type="body" sz="half" idx="2"/>
           </p:nvPr>
         </p:nvSpPr>
         <p:spPr>
           <a:xfrm>
-            <a:off x="6949546" y="1143000"/>
-            <a:ext cx="3200400" cy="4572000"/>
-          </a:xfrm>
-          <a:prstGeom prst="roundRect">
-            <a:avLst>
-              <a:gd name="adj" fmla="val 1858"/>
-            </a:avLst>
-          </a:prstGeom>
-          <a:effectLst>
-            <a:outerShdw blurRad="50800" dist="50800" dir="5400000" algn="tl" rotWithShape="0">
-              <a:srgbClr val="000000">
-                <a:alpha val="43000"/>
-              </a:srgbClr>
-            </a:outerShdw>
-          </a:effectLst>
-        </p:spPr>
-        <p:txBody>
-          <a:bodyPr anchor="t">
-            <a:normAutofit/>
-          </a:bodyPr>
-          <a:lstStyle>
-            <a:lvl1pPr marL="0" indent="0" algn="ctr">
-              <a:buNone/>
-              <a:defRPr sz="1600"/>
-            </a:lvl1pPr>
-            <a:lvl2pPr marL="457200" indent="0">
-              <a:buNone/>
-              <a:defRPr sz="1600"/>
-            </a:lvl2pPr>
-            <a:lvl3pPr marL="914400" indent="0">
-              <a:buNone/>
-              <a:defRPr sz="1600"/>
-            </a:lvl3pPr>
-            <a:lvl4pPr marL="1371600" indent="0">
-              <a:buNone/>
-              <a:defRPr sz="1600"/>
-            </a:lvl4pPr>
-            <a:lvl5pPr marL="1828800" indent="0">
-              <a:buNone/>
-              <a:defRPr sz="1600"/>
-            </a:lvl5pPr>
-            <a:lvl6pPr marL="2286000" indent="0">
-              <a:buNone/>
-              <a:defRPr sz="1600"/>
-            </a:lvl6pPr>
-            <a:lvl7pPr marL="2743200" indent="0">
-              <a:buNone/>
-              <a:defRPr sz="1600"/>
-            </a:lvl7pPr>
-            <a:lvl8pPr marL="3200400" indent="0">
-              <a:buNone/>
-              <a:defRPr sz="1600"/>
-            </a:lvl8pPr>
-            <a:lvl9pPr marL="3657600" indent="0">
-              <a:buNone/>
-              <a:defRPr sz="1600"/>
-            </a:lvl9pPr>
-          </a:lstStyle>
-          <a:p>
-            <a:r>
-              <a:rPr lang="en-US"/>
-              <a:t>Click icon to add picture</a:t>
-            </a:r>
-            <a:endParaRPr lang="en-US" dirty="0"/>
-          </a:p>
-        </p:txBody>
-      </p:sp>
-      <p:sp>
-        <p:nvSpPr>
-          <p:cNvPr id="4" name="Text Placeholder 3"/>
-          <p:cNvSpPr>
-            <a:spLocks noGrp="1"/>
-          </p:cNvSpPr>
-          <p:nvPr>
-            <p:ph type="body" sz="half" idx="2"/>
-          </p:nvPr>
-        </p:nvSpPr>
-        <p:spPr>
-          <a:xfrm>
-            <a:off x="1154954" y="3657600"/>
-            <a:ext cx="5084979" cy="1371600"/>
+            <a:off x="1143000" y="2834640"/>
+            <a:ext cx="3931920" cy="2880360"/>
           </a:xfrm>
         </p:spPr>
         <p:txBody>
@@ -5117,8 +2616,14 @@
           </a:bodyPr>
           <a:lstStyle>
             <a:lvl1pPr marL="0" indent="0">
-              <a:buNone/>
-              <a:defRPr sz="1400"/>
+              <a:lnSpc>
+                <a:spcPct val="100000"/>
+              </a:lnSpc>
+              <a:spcBef>
+                <a:spcPts val="1000"/>
+              </a:spcBef>
+              <a:buNone/>
+              <a:defRPr sz="1700"/>
             </a:lvl1pPr>
             <a:lvl2pPr marL="457200" indent="0">
               <a:buNone/>
@@ -5232,7 +2737,7 @@
     </p:spTree>
     <p:extLst>
       <p:ext uri="{BB962C8B-B14F-4D97-AF65-F5344CB8AC3E}">
-        <p14:creationId xmlns:p14="http://schemas.microsoft.com/office/powerpoint/2010/main" val="884725753"/>
+        <p14:creationId xmlns:p14="http://schemas.microsoft.com/office/powerpoint/2010/main" val="2597882872"/>
       </p:ext>
     </p:extLst>
   </p:cSld>
@@ -5246,8 +2751,8 @@
 <p:sldMaster xmlns:a="http://schemas.openxmlformats.org/drawingml/2006/main" xmlns:r="http://schemas.openxmlformats.org/officeDocument/2006/relationships" xmlns:p="http://schemas.openxmlformats.org/presentationml/2006/main">
   <p:cSld>
     <p:bg>
-      <p:bgRef idx="1003">
-        <a:schemeClr val="bg2"/>
+      <p:bgRef idx="1001">
+        <a:schemeClr val="bg1"/>
       </p:bgRef>
     </p:bg>
     <p:spTree>
@@ -5264,120 +2769,41 @@
           <a:chExt cx="0" cy="0"/>
         </a:xfrm>
       </p:grpSpPr>
-      <p:pic>
-        <p:nvPicPr>
-          <p:cNvPr id="8" name="Picture 7"/>
-          <p:cNvPicPr>
-            <a:picLocks noChangeAspect="1"/>
-          </p:cNvPicPr>
+      <p:sp>
+        <p:nvSpPr>
+          <p:cNvPr id="7" name="Rectangle 6"/>
+          <p:cNvSpPr>
+            <a:spLocks noChangeAspect="1"/>
+          </p:cNvSpPr>
           <p:nvPr/>
-        </p:nvPicPr>
-        <p:blipFill rotWithShape="1">
-          <a:blip r:embed="rId19">
-            <a:extLst>
-              <a:ext uri="{28A0092B-C50C-407E-A947-70E740481C1C}">
-                <a14:useLocalDpi xmlns:a14="http://schemas.microsoft.com/office/drawing/2010/main" val="0"/>
-              </a:ext>
-            </a:extLst>
-          </a:blip>
-          <a:srcRect l="3613"/>
-          <a:stretch/>
-        </p:blipFill>
+        </p:nvSpPr>
         <p:spPr>
           <a:xfrm>
-            <a:off x="0" y="2669685"/>
-            <a:ext cx="4037012" cy="4188315"/>
+            <a:off x="231140" y="243840"/>
+            <a:ext cx="11724640" cy="6377939"/>
           </a:xfrm>
           <a:prstGeom prst="rect">
             <a:avLst/>
           </a:prstGeom>
-        </p:spPr>
-      </p:pic>
-      <p:pic>
-        <p:nvPicPr>
-          <p:cNvPr id="7" name="Picture 6"/>
-          <p:cNvPicPr>
-            <a:picLocks noChangeAspect="1"/>
-          </p:cNvPicPr>
-          <p:nvPr/>
-        </p:nvPicPr>
-        <p:blipFill rotWithShape="1">
-          <a:blip r:embed="rId20">
-            <a:extLst>
-              <a:ext uri="{28A0092B-C50C-407E-A947-70E740481C1C}">
-                <a14:useLocalDpi xmlns:a14="http://schemas.microsoft.com/office/drawing/2010/main" val="0"/>
-              </a:ext>
-            </a:extLst>
-          </a:blip>
-          <a:srcRect l="35640"/>
-          <a:stretch/>
-        </p:blipFill>
-        <p:spPr>
-          <a:xfrm>
-            <a:off x="0" y="2892347"/>
-            <a:ext cx="1522412" cy="2365453"/>
-          </a:xfrm>
-          <a:prstGeom prst="rect">
-            <a:avLst/>
-          </a:prstGeom>
-        </p:spPr>
-      </p:pic>
-      <p:sp>
-        <p:nvSpPr>
-          <p:cNvPr id="16" name="Oval 15"/>
-          <p:cNvSpPr/>
-          <p:nvPr/>
-        </p:nvSpPr>
-        <p:spPr>
-          <a:xfrm>
-            <a:off x="8609012" y="1676400"/>
-            <a:ext cx="2819400" cy="2819400"/>
-          </a:xfrm>
-          <a:prstGeom prst="ellipse">
-            <a:avLst/>
-          </a:prstGeom>
-          <a:gradFill flip="none" rotWithShape="1">
-            <a:gsLst>
-              <a:gs pos="0">
-                <a:schemeClr val="bg2">
-                  <a:lumMod val="60000"/>
-                  <a:lumOff val="40000"/>
-                  <a:alpha val="7000"/>
-                </a:schemeClr>
-              </a:gs>
-              <a:gs pos="69000">
-                <a:schemeClr val="bg2">
-                  <a:lumMod val="60000"/>
-                  <a:lumOff val="40000"/>
-                  <a:alpha val="0"/>
-                </a:schemeClr>
-              </a:gs>
-              <a:gs pos="36000">
-                <a:schemeClr val="bg2">
-                  <a:lumMod val="60000"/>
-                  <a:lumOff val="40000"/>
-                  <a:alpha val="6000"/>
-                </a:schemeClr>
-              </a:gs>
-            </a:gsLst>
-            <a:path path="circle">
-              <a:fillToRect l="50000" t="50000" r="50000" b="50000"/>
-            </a:path>
-            <a:tileRect/>
-          </a:gradFill>
-          <a:ln>
-            <a:noFill/>
+          <a:solidFill>
+            <a:schemeClr val="bg1"/>
+          </a:solidFill>
+          <a:ln w="12700">
+            <a:solidFill>
+              <a:schemeClr val="tx1"/>
+            </a:solidFill>
           </a:ln>
-          <a:effectLst/>
         </p:spPr>
         <p:style>
-          <a:lnRef idx="1">
-            <a:schemeClr val="accent1"/>
+          <a:lnRef idx="2">
+            <a:schemeClr val="accent1">
+              <a:shade val="50000"/>
+            </a:schemeClr>
           </a:lnRef>
-          <a:fillRef idx="3">
+          <a:fillRef idx="1">
             <a:schemeClr val="accent1"/>
           </a:fillRef>
-          <a:effectRef idx="2">
+          <a:effectRef idx="0">
             <a:schemeClr val="accent1"/>
           </a:effectRef>
           <a:fontRef idx="minor">
@@ -5385,224 +2811,127 @@
           </a:fontRef>
         </p:style>
       </p:sp>
-      <p:pic>
-        <p:nvPicPr>
-          <p:cNvPr id="9" name="Picture 8"/>
-          <p:cNvPicPr>
-            <a:picLocks noChangeAspect="1"/>
-          </p:cNvPicPr>
-          <p:nvPr/>
-        </p:nvPicPr>
-        <p:blipFill rotWithShape="1">
-          <a:blip r:embed="rId21">
-            <a:extLst>
-              <a:ext uri="{28A0092B-C50C-407E-A947-70E740481C1C}">
-                <a14:useLocalDpi xmlns:a14="http://schemas.microsoft.com/office/drawing/2010/main" val="0"/>
-              </a:ext>
-            </a:extLst>
-          </a:blip>
-          <a:srcRect t="28813"/>
-          <a:stretch/>
-        </p:blipFill>
+      <p:sp>
+        <p:nvSpPr>
+          <p:cNvPr id="2" name="Title Placeholder 1"/>
+          <p:cNvSpPr>
+            <a:spLocks noGrp="1"/>
+          </p:cNvSpPr>
+          <p:nvPr>
+            <p:ph type="title"/>
+          </p:nvPr>
+        </p:nvSpPr>
         <p:spPr>
           <a:xfrm>
-            <a:off x="7999412" y="0"/>
-            <a:ext cx="1603387" cy="1141407"/>
+            <a:off x="1143000" y="609600"/>
+            <a:ext cx="9875520" cy="1356360"/>
           </a:xfrm>
           <a:prstGeom prst="rect">
             <a:avLst/>
           </a:prstGeom>
         </p:spPr>
-      </p:pic>
-      <p:pic>
-        <p:nvPicPr>
-          <p:cNvPr id="10" name="Picture 9"/>
-          <p:cNvPicPr>
-            <a:picLocks noChangeAspect="1"/>
-          </p:cNvPicPr>
-          <p:nvPr/>
-        </p:nvPicPr>
-        <p:blipFill rotWithShape="1">
-          <a:blip r:embed="rId22">
-            <a:extLst>
-              <a:ext uri="{28A0092B-C50C-407E-A947-70E740481C1C}">
-                <a14:useLocalDpi xmlns:a14="http://schemas.microsoft.com/office/drawing/2010/main" val="0"/>
-              </a:ext>
-            </a:extLst>
-          </a:blip>
-          <a:srcRect b="23320"/>
-          <a:stretch/>
-        </p:blipFill>
+        <p:txBody>
+          <a:bodyPr vert="horz" lIns="91440" tIns="45720" rIns="91440" bIns="45720" rtlCol="0" anchor="ctr">
+            <a:normAutofit/>
+          </a:bodyPr>
+          <a:lstStyle/>
+          <a:p>
+            <a:r>
+              <a:rPr lang="en-US"/>
+              <a:t>Click to edit Master title style</a:t>
+            </a:r>
+            <a:endParaRPr lang="en-US" dirty="0"/>
+          </a:p>
+        </p:txBody>
+      </p:sp>
+      <p:sp>
+        <p:nvSpPr>
+          <p:cNvPr id="3" name="Text Placeholder 2"/>
+          <p:cNvSpPr>
+            <a:spLocks noGrp="1"/>
+          </p:cNvSpPr>
+          <p:nvPr>
+            <p:ph type="body" idx="1"/>
+          </p:nvPr>
+        </p:nvSpPr>
         <p:spPr>
           <a:xfrm>
-            <a:off x="8605878" y="6096000"/>
-            <a:ext cx="993734" cy="762000"/>
+            <a:off x="1143000" y="2057400"/>
+            <a:ext cx="9872871" cy="4038600"/>
           </a:xfrm>
           <a:prstGeom prst="rect">
             <a:avLst/>
           </a:prstGeom>
         </p:spPr>
-      </p:pic>
-      <p:sp>
-        <p:nvSpPr>
-          <p:cNvPr id="14" name="Rectangle 13"/>
-          <p:cNvSpPr/>
-          <p:nvPr/>
+        <p:txBody>
+          <a:bodyPr vert="horz" lIns="91440" tIns="45720" rIns="91440" bIns="45720" rtlCol="0">
+            <a:normAutofit/>
+          </a:bodyPr>
+          <a:lstStyle/>
+          <a:p>
+            <a:pPr lvl="0"/>
+            <a:r>
+              <a:rPr lang="en-US"/>
+              <a:t>Edit Master text styles</a:t>
+            </a:r>
+          </a:p>
+          <a:p>
+            <a:pPr lvl="1"/>
+            <a:r>
+              <a:rPr lang="en-US"/>
+              <a:t>Second level</a:t>
+            </a:r>
+          </a:p>
+          <a:p>
+            <a:pPr lvl="2"/>
+            <a:r>
+              <a:rPr lang="en-US"/>
+              <a:t>Third level</a:t>
+            </a:r>
+          </a:p>
+          <a:p>
+            <a:pPr lvl="3"/>
+            <a:r>
+              <a:rPr lang="en-US"/>
+              <a:t>Fourth level</a:t>
+            </a:r>
+          </a:p>
+          <a:p>
+            <a:pPr lvl="4"/>
+            <a:r>
+              <a:rPr lang="en-US"/>
+              <a:t>Fifth level</a:t>
+            </a:r>
+            <a:endParaRPr lang="en-US" dirty="0"/>
+          </a:p>
+        </p:txBody>
+      </p:sp>
+      <p:sp>
+        <p:nvSpPr>
+          <p:cNvPr id="4" name="Date Placeholder 3"/>
+          <p:cNvSpPr>
+            <a:spLocks noGrp="1"/>
+          </p:cNvSpPr>
+          <p:nvPr>
+            <p:ph type="dt" sz="half" idx="2"/>
+          </p:nvPr>
         </p:nvSpPr>
         <p:spPr>
           <a:xfrm>
-            <a:off x="10437812" y="0"/>
-            <a:ext cx="685800" cy="1143000"/>
-          </a:xfrm>
-          <a:prstGeom prst="rect">
-            <a:avLst/>
-          </a:prstGeom>
-          <a:solidFill>
-            <a:schemeClr val="accent1"/>
-          </a:solidFill>
-          <a:ln>
-            <a:noFill/>
-          </a:ln>
-        </p:spPr>
-        <p:style>
-          <a:lnRef idx="1">
-            <a:schemeClr val="accent1"/>
-          </a:lnRef>
-          <a:fillRef idx="3">
-            <a:schemeClr val="accent1"/>
-          </a:fillRef>
-          <a:effectRef idx="2">
-            <a:schemeClr val="accent1"/>
-          </a:effectRef>
-          <a:fontRef idx="minor">
-            <a:schemeClr val="lt1"/>
-          </a:fontRef>
-        </p:style>
-      </p:sp>
-      <p:sp>
-        <p:nvSpPr>
-          <p:cNvPr id="2" name="Title Placeholder 1"/>
-          <p:cNvSpPr>
-            <a:spLocks noGrp="1"/>
-          </p:cNvSpPr>
-          <p:nvPr>
-            <p:ph type="title"/>
-          </p:nvPr>
-        </p:nvSpPr>
-        <p:spPr>
-          <a:xfrm>
-            <a:off x="646111" y="452718"/>
-            <a:ext cx="9404723" cy="1400530"/>
+            <a:off x="1142996" y="6223828"/>
+            <a:ext cx="2329074" cy="365125"/>
           </a:xfrm>
           <a:prstGeom prst="rect">
             <a:avLst/>
           </a:prstGeom>
         </p:spPr>
         <p:txBody>
-          <a:bodyPr vert="horz" lIns="91440" tIns="45720" rIns="91440" bIns="45720" rtlCol="0" anchor="t">
-            <a:noAutofit/>
-          </a:bodyPr>
-          <a:lstStyle/>
-          <a:p>
-            <a:r>
-              <a:rPr lang="en-US"/>
-              <a:t>Click to edit Master title style</a:t>
-            </a:r>
-            <a:endParaRPr lang="en-US" dirty="0"/>
-          </a:p>
-        </p:txBody>
-      </p:sp>
-      <p:sp>
-        <p:nvSpPr>
-          <p:cNvPr id="3" name="Text Placeholder 2"/>
-          <p:cNvSpPr>
-            <a:spLocks noGrp="1"/>
-          </p:cNvSpPr>
-          <p:nvPr>
-            <p:ph type="body" idx="1"/>
-          </p:nvPr>
-        </p:nvSpPr>
-        <p:spPr>
-          <a:xfrm>
-            <a:off x="1103312" y="2052918"/>
-            <a:ext cx="8946541" cy="4195481"/>
-          </a:xfrm>
-          <a:prstGeom prst="rect">
-            <a:avLst/>
-          </a:prstGeom>
-        </p:spPr>
-        <p:txBody>
-          <a:bodyPr vert="horz" lIns="91440" tIns="45720" rIns="91440" bIns="45720" rtlCol="0">
-            <a:normAutofit/>
-          </a:bodyPr>
-          <a:lstStyle/>
-          <a:p>
-            <a:pPr lvl="0"/>
-            <a:r>
-              <a:rPr lang="en-US"/>
-              <a:t>Edit Master text styles</a:t>
-            </a:r>
-          </a:p>
-          <a:p>
-            <a:pPr lvl="1"/>
-            <a:r>
-              <a:rPr lang="en-US"/>
-              <a:t>Second level</a:t>
-            </a:r>
-          </a:p>
-          <a:p>
-            <a:pPr lvl="2"/>
-            <a:r>
-              <a:rPr lang="en-US"/>
-              <a:t>Third level</a:t>
-            </a:r>
-          </a:p>
-          <a:p>
-            <a:pPr lvl="3"/>
-            <a:r>
-              <a:rPr lang="en-US"/>
-              <a:t>Fourth level</a:t>
-            </a:r>
-          </a:p>
-          <a:p>
-            <a:pPr lvl="4"/>
-            <a:r>
-              <a:rPr lang="en-US"/>
-              <a:t>Fifth level</a:t>
-            </a:r>
-            <a:endParaRPr lang="en-US" dirty="0"/>
-          </a:p>
-        </p:txBody>
-      </p:sp>
-      <p:sp>
-        <p:nvSpPr>
-          <p:cNvPr id="4" name="Date Placeholder 3"/>
-          <p:cNvSpPr>
-            <a:spLocks noGrp="1"/>
-          </p:cNvSpPr>
-          <p:nvPr>
-            <p:ph type="dt" sz="half" idx="2"/>
-          </p:nvPr>
-        </p:nvSpPr>
-        <p:spPr>
-          <a:xfrm rot="5400000">
-            <a:off x="10155639" y="1790701"/>
-            <a:ext cx="990599" cy="304799"/>
-          </a:xfrm>
-          <a:prstGeom prst="rect">
-            <a:avLst/>
-          </a:prstGeom>
-        </p:spPr>
-        <p:txBody>
-          <a:bodyPr vert="horz" lIns="91440" tIns="45720" rIns="91440" bIns="45720" rtlCol="0" anchor="t"/>
+          <a:bodyPr vert="horz" lIns="91440" tIns="45720" rIns="91440" bIns="45720" rtlCol="0" anchor="ctr"/>
           <a:lstStyle>
             <a:lvl1pPr algn="l">
-              <a:defRPr sz="1100" b="0" i="0">
+              <a:defRPr sz="1200">
                 <a:solidFill>
-                  <a:schemeClr val="tx1">
-                    <a:tint val="75000"/>
-                    <a:alpha val="60000"/>
-                  </a:schemeClr>
+                  <a:schemeClr val="tx1"/>
                 </a:solidFill>
               </a:defRPr>
             </a:lvl1pPr>
@@ -5628,24 +2957,21 @@
           </p:nvPr>
         </p:nvSpPr>
         <p:spPr>
-          <a:xfrm rot="5400000">
-            <a:off x="8951573" y="3225297"/>
-            <a:ext cx="3859795" cy="304801"/>
+          <a:xfrm>
+            <a:off x="3949148" y="6223828"/>
+            <a:ext cx="4717774" cy="365125"/>
           </a:xfrm>
           <a:prstGeom prst="rect">
             <a:avLst/>
           </a:prstGeom>
         </p:spPr>
         <p:txBody>
-          <a:bodyPr vert="horz" lIns="91440" tIns="45720" rIns="91440" bIns="45720" rtlCol="0" anchor="b"/>
+          <a:bodyPr vert="horz" lIns="91440" tIns="45720" rIns="91440" bIns="45720" rtlCol="0" anchor="ctr"/>
           <a:lstStyle>
-            <a:lvl1pPr algn="l">
-              <a:defRPr sz="1100" b="0" i="0">
+            <a:lvl1pPr algn="ctr">
+              <a:defRPr sz="1200">
                 <a:solidFill>
-                  <a:schemeClr val="tx1">
-                    <a:tint val="75000"/>
-                    <a:alpha val="60000"/>
-                  </a:schemeClr>
+                  <a:schemeClr val="tx1"/>
                 </a:solidFill>
               </a:defRPr>
             </a:lvl1pPr>
@@ -5665,24 +2991,22 @@
             <p:ph type="sldNum" sz="quarter" idx="4"/>
           </p:nvPr>
         </p:nvSpPr>
-        <p:spPr bwMode="gray">
+        <p:spPr>
           <a:xfrm>
-            <a:off x="10352540" y="295729"/>
-            <a:ext cx="838199" cy="767687"/>
+            <a:off x="9329530" y="6223828"/>
+            <a:ext cx="1706217" cy="365125"/>
           </a:xfrm>
           <a:prstGeom prst="rect">
             <a:avLst/>
           </a:prstGeom>
         </p:spPr>
         <p:txBody>
-          <a:bodyPr vert="horz" lIns="91440" tIns="45720" rIns="91440" bIns="45720" rtlCol="0" anchor="b"/>
+          <a:bodyPr vert="horz" lIns="91440" tIns="45720" rIns="91440" bIns="45720" rtlCol="0" anchor="ctr"/>
           <a:lstStyle>
-            <a:lvl1pPr algn="ctr">
-              <a:defRPr sz="2800" b="0" i="0">
+            <a:lvl1pPr algn="r">
+              <a:defRPr sz="1200">
                 <a:solidFill>
-                  <a:schemeClr val="tx1">
-                    <a:tint val="75000"/>
-                  </a:schemeClr>
+                  <a:schemeClr val="tx1"/>
                 </a:solidFill>
               </a:defRPr>
             </a:lvl1pPr>
@@ -5700,121 +3024,35 @@
     </p:spTree>
     <p:extLst>
       <p:ext uri="{BB962C8B-B14F-4D97-AF65-F5344CB8AC3E}">
-        <p14:creationId xmlns:p14="http://schemas.microsoft.com/office/powerpoint/2010/main" val="947437796"/>
+        <p14:creationId xmlns:p14="http://schemas.microsoft.com/office/powerpoint/2010/main" val="1336659796"/>
       </p:ext>
     </p:extLst>
   </p:cSld>
-  <p:clrMap bg1="dk1" tx1="lt1" bg2="dk2" tx2="lt2" accent1="accent1" accent2="accent2" accent3="accent3" accent4="accent4" accent5="accent5" accent6="accent6" hlink="hlink" folHlink="folHlink"/>
+  <p:clrMap bg1="lt1" tx1="dk1" bg2="lt2" tx2="dk2" accent1="accent1" accent2="accent2" accent3="accent3" accent4="accent4" accent5="accent5" accent6="accent6" hlink="hlink" folHlink="folHlink"/>
   <p:sldLayoutIdLst>
-    <p:sldLayoutId id="2147483666" r:id="rId1"/>
-    <p:sldLayoutId id="2147483667" r:id="rId2"/>
-    <p:sldLayoutId id="2147483668" r:id="rId3"/>
-    <p:sldLayoutId id="2147483669" r:id="rId4"/>
-    <p:sldLayoutId id="2147483670" r:id="rId5"/>
-    <p:sldLayoutId id="2147483671" r:id="rId6"/>
-    <p:sldLayoutId id="2147483672" r:id="rId7"/>
-    <p:sldLayoutId id="2147483673" r:id="rId8"/>
-    <p:sldLayoutId id="2147483674" r:id="rId9"/>
-    <p:sldLayoutId id="2147483675" r:id="rId10"/>
-    <p:sldLayoutId id="2147483676" r:id="rId11"/>
-    <p:sldLayoutId id="2147483677" r:id="rId12"/>
-    <p:sldLayoutId id="2147483678" r:id="rId13"/>
-    <p:sldLayoutId id="2147483679" r:id="rId14"/>
-    <p:sldLayoutId id="2147483680" r:id="rId15"/>
-    <p:sldLayoutId id="2147483681" r:id="rId16"/>
-    <p:sldLayoutId id="2147483682" r:id="rId17"/>
+    <p:sldLayoutId id="2147483732" r:id="rId1"/>
+    <p:sldLayoutId id="2147483733" r:id="rId2"/>
+    <p:sldLayoutId id="2147483734" r:id="rId3"/>
+    <p:sldLayoutId id="2147483735" r:id="rId4"/>
+    <p:sldLayoutId id="2147483736" r:id="rId5"/>
+    <p:sldLayoutId id="2147483737" r:id="rId6"/>
+    <p:sldLayoutId id="2147483738" r:id="rId7"/>
+    <p:sldLayoutId id="2147483739" r:id="rId8"/>
+    <p:sldLayoutId id="2147483740" r:id="rId9"/>
+    <p:sldLayoutId id="2147483741" r:id="rId10"/>
+    <p:sldLayoutId id="2147483742" r:id="rId11"/>
   </p:sldLayoutIdLst>
   <p:txStyles>
     <p:titleStyle>
-      <a:lvl1pPr algn="l" defTabSz="457200" rtl="0" eaLnBrk="1" latinLnBrk="0" hangingPunct="1">
+      <a:lvl1pPr algn="l" defTabSz="914400" rtl="0" eaLnBrk="1" latinLnBrk="0" hangingPunct="1">
+        <a:lnSpc>
+          <a:spcPct val="90000"/>
+        </a:lnSpc>
         <a:spcBef>
           <a:spcPct val="0"/>
         </a:spcBef>
         <a:buNone/>
-        <a:defRPr sz="4200" b="0" i="0" kern="1200">
-          <a:solidFill>
-            <a:schemeClr val="tx2"/>
-          </a:solidFill>
-          <a:latin typeface="+mj-lt"/>
-          <a:ea typeface="+mj-ea"/>
-          <a:cs typeface="+mj-cs"/>
-        </a:defRPr>
-      </a:lvl1pPr>
-      <a:lvl2pPr eaLnBrk="1" hangingPunct="1">
-        <a:defRPr>
-          <a:solidFill>
-            <a:schemeClr val="tx2"/>
-          </a:solidFill>
-        </a:defRPr>
-      </a:lvl2pPr>
-      <a:lvl3pPr eaLnBrk="1" hangingPunct="1">
-        <a:defRPr>
-          <a:solidFill>
-            <a:schemeClr val="tx2"/>
-          </a:solidFill>
-        </a:defRPr>
-      </a:lvl3pPr>
-      <a:lvl4pPr eaLnBrk="1" hangingPunct="1">
-        <a:defRPr>
-          <a:solidFill>
-            <a:schemeClr val="tx2"/>
-          </a:solidFill>
-        </a:defRPr>
-      </a:lvl4pPr>
-      <a:lvl5pPr eaLnBrk="1" hangingPunct="1">
-        <a:defRPr>
-          <a:solidFill>
-            <a:schemeClr val="tx2"/>
-          </a:solidFill>
-        </a:defRPr>
-      </a:lvl5pPr>
-      <a:lvl6pPr eaLnBrk="1" hangingPunct="1">
-        <a:defRPr>
-          <a:solidFill>
-            <a:schemeClr val="tx2"/>
-          </a:solidFill>
-        </a:defRPr>
-      </a:lvl6pPr>
-      <a:lvl7pPr eaLnBrk="1" hangingPunct="1">
-        <a:defRPr>
-          <a:solidFill>
-            <a:schemeClr val="tx2"/>
-          </a:solidFill>
-        </a:defRPr>
-      </a:lvl7pPr>
-      <a:lvl8pPr eaLnBrk="1" hangingPunct="1">
-        <a:defRPr>
-          <a:solidFill>
-            <a:schemeClr val="tx2"/>
-          </a:solidFill>
-        </a:defRPr>
-      </a:lvl8pPr>
-      <a:lvl9pPr eaLnBrk="1" hangingPunct="1">
-        <a:defRPr>
-          <a:solidFill>
-            <a:schemeClr val="tx2"/>
-          </a:solidFill>
-        </a:defRPr>
-      </a:lvl9pPr>
-    </p:titleStyle>
-    <p:bodyStyle>
-      <a:lvl1pPr marL="342900" indent="-342900" algn="l" defTabSz="457200" rtl="0" eaLnBrk="1" latinLnBrk="0" hangingPunct="1">
-        <a:spcBef>
-          <a:spcPts val="1000"/>
-        </a:spcBef>
-        <a:spcAft>
-          <a:spcPts val="0"/>
-        </a:spcAft>
-        <a:buClr>
-          <a:schemeClr val="bg2">
-            <a:lumMod val="40000"/>
-            <a:lumOff val="60000"/>
-          </a:schemeClr>
-        </a:buClr>
-        <a:buSzPct val="80000"/>
-        <a:buFont typeface="Wingdings 3" charset="2"/>
-        <a:buChar char=""/>
-        <a:defRPr sz="2000" b="0" i="0" kern="1200">
+        <a:defRPr sz="4400" kern="1200">
           <a:solidFill>
             <a:schemeClr val="tx1"/>
           </a:solidFill>
@@ -5823,204 +3061,228 @@
           <a:cs typeface="+mj-cs"/>
         </a:defRPr>
       </a:lvl1pPr>
-      <a:lvl2pPr marL="742950" indent="-285750" algn="l" defTabSz="457200" rtl="0" eaLnBrk="1" latinLnBrk="0" hangingPunct="1">
+    </p:titleStyle>
+    <p:bodyStyle>
+      <a:lvl1pPr marL="228600" indent="-182880" algn="l" defTabSz="914400" rtl="0" eaLnBrk="1" latinLnBrk="0" hangingPunct="1">
+        <a:lnSpc>
+          <a:spcPct val="90000"/>
+        </a:lnSpc>
         <a:spcBef>
-          <a:spcPts val="1000"/>
+          <a:spcPts val="1400"/>
         </a:spcBef>
-        <a:spcAft>
-          <a:spcPts val="0"/>
-        </a:spcAft>
         <a:buClr>
-          <a:schemeClr val="bg2">
-            <a:lumMod val="40000"/>
-            <a:lumOff val="60000"/>
-          </a:schemeClr>
+          <a:schemeClr val="tx1"/>
         </a:buClr>
         <a:buSzPct val="80000"/>
-        <a:buFont typeface="Wingdings 3" charset="2"/>
-        <a:buChar char=""/>
-        <a:defRPr sz="1800" b="0" i="0" kern="1200">
+        <a:buFont typeface="Corbel" pitchFamily="34" charset="0"/>
+        <a:buChar char="•"/>
+        <a:defRPr sz="2200" kern="1200">
           <a:solidFill>
             <a:schemeClr val="tx1"/>
           </a:solidFill>
-          <a:latin typeface="+mj-lt"/>
-          <a:ea typeface="+mj-ea"/>
-          <a:cs typeface="+mj-cs"/>
+          <a:latin typeface="+mn-lt"/>
+          <a:ea typeface="+mn-ea"/>
+          <a:cs typeface="+mn-cs"/>
         </a:defRPr>
-      </a:lvl2pPr>
-      <a:lvl3pPr marL="1143000" indent="-228600" algn="l" defTabSz="457200" rtl="0" eaLnBrk="1" latinLnBrk="0" hangingPunct="1">
+      </a:lvl1pPr>
+      <a:lvl2pPr marL="457200" indent="-182880" algn="l" defTabSz="914400" rtl="0" eaLnBrk="1" latinLnBrk="0" hangingPunct="1">
+        <a:lnSpc>
+          <a:spcPct val="90000"/>
+        </a:lnSpc>
         <a:spcBef>
-          <a:spcPts val="1000"/>
+          <a:spcPts val="200"/>
         </a:spcBef>
         <a:spcAft>
-          <a:spcPts val="0"/>
+          <a:spcPts val="400"/>
         </a:spcAft>
         <a:buClr>
-          <a:schemeClr val="bg2">
-            <a:lumMod val="40000"/>
-            <a:lumOff val="60000"/>
-          </a:schemeClr>
+          <a:schemeClr val="tx1"/>
         </a:buClr>
         <a:buSzPct val="80000"/>
-        <a:buFont typeface="Wingdings 3" charset="2"/>
-        <a:buChar char=""/>
-        <a:defRPr sz="1600" b="0" i="0" kern="1200">
+        <a:buFont typeface="Corbel" pitchFamily="34" charset="0"/>
+        <a:buChar char="•"/>
+        <a:defRPr sz="2000" kern="1200">
           <a:solidFill>
             <a:schemeClr val="tx1"/>
           </a:solidFill>
-          <a:latin typeface="+mj-lt"/>
-          <a:ea typeface="+mj-ea"/>
-          <a:cs typeface="+mj-cs"/>
+          <a:latin typeface="+mn-lt"/>
+          <a:ea typeface="+mn-ea"/>
+          <a:cs typeface="+mn-cs"/>
         </a:defRPr>
-      </a:lvl3pPr>
-      <a:lvl4pPr marL="1600200" indent="-228600" algn="l" defTabSz="457200" rtl="0" eaLnBrk="1" latinLnBrk="0" hangingPunct="1">
+      </a:lvl2pPr>
+      <a:lvl3pPr marL="731520" indent="-182880" algn="l" defTabSz="914400" rtl="0" eaLnBrk="1" latinLnBrk="0" hangingPunct="1">
+        <a:lnSpc>
+          <a:spcPct val="90000"/>
+        </a:lnSpc>
         <a:spcBef>
-          <a:spcPts val="1000"/>
+          <a:spcPts val="200"/>
         </a:spcBef>
         <a:spcAft>
-          <a:spcPts val="0"/>
+          <a:spcPts val="400"/>
         </a:spcAft>
         <a:buClr>
-          <a:schemeClr val="bg2">
-            <a:lumMod val="40000"/>
-            <a:lumOff val="60000"/>
-          </a:schemeClr>
+          <a:schemeClr val="tx1"/>
         </a:buClr>
         <a:buSzPct val="80000"/>
-        <a:buFont typeface="Wingdings 3" charset="2"/>
-        <a:buChar char=""/>
-        <a:defRPr sz="1400" b="0" i="0" kern="1200">
+        <a:buFont typeface="Corbel" pitchFamily="34" charset="0"/>
+        <a:buChar char="•"/>
+        <a:defRPr sz="1800" kern="1200">
           <a:solidFill>
             <a:schemeClr val="tx1"/>
           </a:solidFill>
-          <a:latin typeface="+mj-lt"/>
-          <a:ea typeface="+mj-ea"/>
-          <a:cs typeface="+mj-cs"/>
+          <a:latin typeface="+mn-lt"/>
+          <a:ea typeface="+mn-ea"/>
+          <a:cs typeface="+mn-cs"/>
         </a:defRPr>
-      </a:lvl4pPr>
-      <a:lvl5pPr marL="2057400" indent="-228600" algn="l" defTabSz="457200" rtl="0" eaLnBrk="1" latinLnBrk="0" hangingPunct="1">
+      </a:lvl3pPr>
+      <a:lvl4pPr marL="1005840" indent="-182880" algn="l" defTabSz="914400" rtl="0" eaLnBrk="1" latinLnBrk="0" hangingPunct="1">
+        <a:lnSpc>
+          <a:spcPct val="90000"/>
+        </a:lnSpc>
         <a:spcBef>
-          <a:spcPts val="1000"/>
+          <a:spcPts val="200"/>
         </a:spcBef>
         <a:spcAft>
-          <a:spcPts val="0"/>
+          <a:spcPts val="400"/>
         </a:spcAft>
         <a:buClr>
-          <a:schemeClr val="bg2">
-            <a:lumMod val="40000"/>
-            <a:lumOff val="60000"/>
-          </a:schemeClr>
+          <a:schemeClr val="tx1"/>
         </a:buClr>
         <a:buSzPct val="80000"/>
-        <a:buFont typeface="Wingdings 3" charset="2"/>
-        <a:buChar char=""/>
-        <a:defRPr sz="1400" b="0" i="0" kern="1200">
+        <a:buFont typeface="Corbel" pitchFamily="34" charset="0"/>
+        <a:buChar char="•"/>
+        <a:defRPr sz="1600" kern="1200">
           <a:solidFill>
             <a:schemeClr val="tx1"/>
           </a:solidFill>
-          <a:latin typeface="+mj-lt"/>
-          <a:ea typeface="+mj-ea"/>
-          <a:cs typeface="+mj-cs"/>
+          <a:latin typeface="+mn-lt"/>
+          <a:ea typeface="+mn-ea"/>
+          <a:cs typeface="+mn-cs"/>
         </a:defRPr>
-      </a:lvl5pPr>
-      <a:lvl6pPr marL="2506000" indent="-228600" algn="l" defTabSz="457200" rtl="0" eaLnBrk="1" latinLnBrk="0" hangingPunct="1">
+      </a:lvl4pPr>
+      <a:lvl5pPr marL="1280160" indent="-182880" algn="l" defTabSz="914400" rtl="0" eaLnBrk="1" latinLnBrk="0" hangingPunct="1">
+        <a:lnSpc>
+          <a:spcPct val="90000"/>
+        </a:lnSpc>
         <a:spcBef>
-          <a:spcPts val="1000"/>
+          <a:spcPts val="200"/>
         </a:spcBef>
         <a:spcAft>
-          <a:spcPts val="0"/>
+          <a:spcPts val="400"/>
         </a:spcAft>
         <a:buClr>
-          <a:schemeClr val="bg2">
-            <a:lumMod val="40000"/>
-            <a:lumOff val="60000"/>
-          </a:schemeClr>
+          <a:schemeClr val="tx1"/>
         </a:buClr>
         <a:buSzPct val="80000"/>
-        <a:buFont typeface="Wingdings 3" charset="2"/>
-        <a:buChar char=""/>
-        <a:defRPr sz="1400" b="0" i="0" kern="1200">
+        <a:buFont typeface="Corbel" pitchFamily="34" charset="0"/>
+        <a:buChar char="•"/>
+        <a:defRPr sz="1600" kern="1200">
           <a:solidFill>
             <a:schemeClr val="tx1"/>
           </a:solidFill>
-          <a:latin typeface="+mj-lt"/>
-          <a:ea typeface="+mj-ea"/>
-          <a:cs typeface="+mj-cs"/>
+          <a:latin typeface="+mn-lt"/>
+          <a:ea typeface="+mn-ea"/>
+          <a:cs typeface="+mn-cs"/>
         </a:defRPr>
-      </a:lvl6pPr>
-      <a:lvl7pPr marL="2971800" indent="-228600" algn="l" defTabSz="457200" rtl="0" eaLnBrk="1" latinLnBrk="0" hangingPunct="1">
+      </a:lvl5pPr>
+      <a:lvl6pPr marL="1600000" indent="-228600" algn="l" defTabSz="914400" rtl="0" eaLnBrk="1" latinLnBrk="0" hangingPunct="1">
+        <a:lnSpc>
+          <a:spcPct val="90000"/>
+        </a:lnSpc>
         <a:spcBef>
-          <a:spcPts val="1000"/>
+          <a:spcPts val="200"/>
         </a:spcBef>
         <a:spcAft>
-          <a:spcPts val="0"/>
+          <a:spcPts val="400"/>
         </a:spcAft>
         <a:buClr>
-          <a:schemeClr val="bg2">
-            <a:lumMod val="40000"/>
-            <a:lumOff val="60000"/>
-          </a:schemeClr>
+          <a:schemeClr val="tx1"/>
         </a:buClr>
         <a:buSzPct val="80000"/>
-        <a:buFont typeface="Wingdings 3" charset="2"/>
-        <a:buChar char=""/>
-        <a:defRPr sz="1400" b="0" i="0" kern="1200">
+        <a:buFont typeface="Corbel" pitchFamily="34" charset="0"/>
+        <a:buChar char="•"/>
+        <a:defRPr sz="1600" kern="1200">
           <a:solidFill>
             <a:schemeClr val="tx1"/>
           </a:solidFill>
-          <a:latin typeface="+mj-lt"/>
-          <a:ea typeface="+mj-ea"/>
-          <a:cs typeface="+mj-cs"/>
+          <a:latin typeface="+mn-lt"/>
+          <a:ea typeface="+mn-ea"/>
+          <a:cs typeface="+mn-cs"/>
         </a:defRPr>
-      </a:lvl7pPr>
-      <a:lvl8pPr marL="3429000" indent="-228600" algn="l" defTabSz="457200" rtl="0" eaLnBrk="1" latinLnBrk="0" hangingPunct="1">
+      </a:lvl6pPr>
+      <a:lvl7pPr marL="1900000" indent="-228600" algn="l" defTabSz="914400" rtl="0" eaLnBrk="1" latinLnBrk="0" hangingPunct="1">
+        <a:lnSpc>
+          <a:spcPct val="90000"/>
+        </a:lnSpc>
         <a:spcBef>
-          <a:spcPts val="1000"/>
+          <a:spcPts val="200"/>
         </a:spcBef>
         <a:spcAft>
-          <a:spcPts val="0"/>
+          <a:spcPts val="400"/>
         </a:spcAft>
         <a:buClr>
-          <a:schemeClr val="bg2">
-            <a:lumMod val="40000"/>
-            <a:lumOff val="60000"/>
-          </a:schemeClr>
+          <a:schemeClr val="tx1"/>
         </a:buClr>
         <a:buSzPct val="80000"/>
-        <a:buFont typeface="Wingdings 3" charset="2"/>
-        <a:buChar char=""/>
-        <a:defRPr sz="1400" b="0" i="0" kern="1200">
+        <a:buFont typeface="Corbel" pitchFamily="34" charset="0"/>
+        <a:buChar char="•"/>
+        <a:defRPr sz="1600" kern="1200">
           <a:solidFill>
             <a:schemeClr val="tx1"/>
           </a:solidFill>
-          <a:latin typeface="+mj-lt"/>
-          <a:ea typeface="+mj-ea"/>
-          <a:cs typeface="+mj-cs"/>
+          <a:latin typeface="+mn-lt"/>
+          <a:ea typeface="+mn-ea"/>
+          <a:cs typeface="+mn-cs"/>
         </a:defRPr>
-      </a:lvl8pPr>
-      <a:lvl9pPr marL="3886200" indent="-228600" algn="l" defTabSz="457200" rtl="0" eaLnBrk="1" latinLnBrk="0" hangingPunct="1">
+      </a:lvl7pPr>
+      <a:lvl8pPr marL="2200000" indent="-228600" algn="l" defTabSz="914400" rtl="0" eaLnBrk="1" latinLnBrk="0" hangingPunct="1">
+        <a:lnSpc>
+          <a:spcPct val="90000"/>
+        </a:lnSpc>
         <a:spcBef>
-          <a:spcPts val="1000"/>
+          <a:spcPts val="200"/>
         </a:spcBef>
         <a:spcAft>
-          <a:spcPts val="0"/>
+          <a:spcPts val="400"/>
         </a:spcAft>
         <a:buClr>
-          <a:schemeClr val="bg2">
-            <a:lumMod val="40000"/>
-            <a:lumOff val="60000"/>
-          </a:schemeClr>
+          <a:schemeClr val="tx1"/>
         </a:buClr>
         <a:buSzPct val="80000"/>
-        <a:buFont typeface="Wingdings 3" charset="2"/>
-        <a:buChar char=""/>
-        <a:defRPr sz="1400" b="0" i="0" kern="1200">
+        <a:buFont typeface="Corbel" pitchFamily="34" charset="0"/>
+        <a:buChar char="•"/>
+        <a:defRPr sz="1600" kern="1200">
           <a:solidFill>
             <a:schemeClr val="tx1"/>
           </a:solidFill>
-          <a:latin typeface="+mj-lt"/>
-          <a:ea typeface="+mj-ea"/>
-          <a:cs typeface="+mj-cs"/>
+          <a:latin typeface="+mn-lt"/>
+          <a:ea typeface="+mn-ea"/>
+          <a:cs typeface="+mn-cs"/>
+        </a:defRPr>
+      </a:lvl8pPr>
+      <a:lvl9pPr marL="2500000" indent="-228600" algn="l" defTabSz="914400" rtl="0" eaLnBrk="1" latinLnBrk="0" hangingPunct="1">
+        <a:lnSpc>
+          <a:spcPct val="90000"/>
+        </a:lnSpc>
+        <a:spcBef>
+          <a:spcPts val="200"/>
+        </a:spcBef>
+        <a:spcAft>
+          <a:spcPts val="400"/>
+        </a:spcAft>
+        <a:buClr>
+          <a:schemeClr val="tx1"/>
+        </a:buClr>
+        <a:buSzPct val="80000"/>
+        <a:buFont typeface="Corbel" pitchFamily="34" charset="0"/>
+        <a:buChar char="•"/>
+        <a:defRPr sz="1600" kern="1200">
+          <a:solidFill>
+            <a:schemeClr val="tx1"/>
+          </a:solidFill>
+          <a:latin typeface="+mn-lt"/>
+          <a:ea typeface="+mn-ea"/>
+          <a:cs typeface="+mn-cs"/>
         </a:defRPr>
       </a:lvl9pPr>
     </p:bodyStyle>
@@ -6028,7 +3290,7 @@
       <a:defPPr>
         <a:defRPr lang="en-US"/>
       </a:defPPr>
-      <a:lvl1pPr marL="0" algn="l" defTabSz="457200" rtl="0" eaLnBrk="1" latinLnBrk="0" hangingPunct="1">
+      <a:lvl1pPr marL="0" algn="l" defTabSz="914400" rtl="0" eaLnBrk="1" latinLnBrk="0" hangingPunct="1">
         <a:defRPr sz="1800" kern="1200">
           <a:solidFill>
             <a:schemeClr val="tx1"/>
@@ -6038,7 +3300,7 @@
           <a:cs typeface="+mn-cs"/>
         </a:defRPr>
       </a:lvl1pPr>
-      <a:lvl2pPr marL="457200" algn="l" defTabSz="457200" rtl="0" eaLnBrk="1" latinLnBrk="0" hangingPunct="1">
+      <a:lvl2pPr marL="457200" algn="l" defTabSz="914400" rtl="0" eaLnBrk="1" latinLnBrk="0" hangingPunct="1">
         <a:defRPr sz="1800" kern="1200">
           <a:solidFill>
             <a:schemeClr val="tx1"/>
@@ -6048,7 +3310,7 @@
           <a:cs typeface="+mn-cs"/>
         </a:defRPr>
       </a:lvl2pPr>
-      <a:lvl3pPr marL="914400" algn="l" defTabSz="457200" rtl="0" eaLnBrk="1" latinLnBrk="0" hangingPunct="1">
+      <a:lvl3pPr marL="914400" algn="l" defTabSz="914400" rtl="0" eaLnBrk="1" latinLnBrk="0" hangingPunct="1">
         <a:defRPr sz="1800" kern="1200">
           <a:solidFill>
             <a:schemeClr val="tx1"/>
@@ -6058,7 +3320,7 @@
           <a:cs typeface="+mn-cs"/>
         </a:defRPr>
       </a:lvl3pPr>
-      <a:lvl4pPr marL="1371600" algn="l" defTabSz="457200" rtl="0" eaLnBrk="1" latinLnBrk="0" hangingPunct="1">
+      <a:lvl4pPr marL="1371600" algn="l" defTabSz="914400" rtl="0" eaLnBrk="1" latinLnBrk="0" hangingPunct="1">
         <a:defRPr sz="1800" kern="1200">
           <a:solidFill>
             <a:schemeClr val="tx1"/>
@@ -6068,7 +3330,7 @@
           <a:cs typeface="+mn-cs"/>
         </a:defRPr>
       </a:lvl4pPr>
-      <a:lvl5pPr marL="1828800" algn="l" defTabSz="457200" rtl="0" eaLnBrk="1" latinLnBrk="0" hangingPunct="1">
+      <a:lvl5pPr marL="1828800" algn="l" defTabSz="914400" rtl="0" eaLnBrk="1" latinLnBrk="0" hangingPunct="1">
         <a:defRPr sz="1800" kern="1200">
           <a:solidFill>
             <a:schemeClr val="tx1"/>
@@ -6078,7 +3340,7 @@
           <a:cs typeface="+mn-cs"/>
         </a:defRPr>
       </a:lvl5pPr>
-      <a:lvl6pPr marL="2286000" algn="l" defTabSz="457200" rtl="0" eaLnBrk="1" latinLnBrk="0" hangingPunct="1">
+      <a:lvl6pPr marL="2286000" algn="l" defTabSz="914400" rtl="0" eaLnBrk="1" latinLnBrk="0" hangingPunct="1">
         <a:defRPr sz="1800" kern="1200">
           <a:solidFill>
             <a:schemeClr val="tx1"/>
@@ -6088,7 +3350,7 @@
           <a:cs typeface="+mn-cs"/>
         </a:defRPr>
       </a:lvl6pPr>
-      <a:lvl7pPr marL="2743200" algn="l" defTabSz="457200" rtl="0" eaLnBrk="1" latinLnBrk="0" hangingPunct="1">
+      <a:lvl7pPr marL="2743200" algn="l" defTabSz="914400" rtl="0" eaLnBrk="1" latinLnBrk="0" hangingPunct="1">
         <a:defRPr sz="1800" kern="1200">
           <a:solidFill>
             <a:schemeClr val="tx1"/>
@@ -6098,7 +3360,7 @@
           <a:cs typeface="+mn-cs"/>
         </a:defRPr>
       </a:lvl7pPr>
-      <a:lvl8pPr marL="3200400" algn="l" defTabSz="457200" rtl="0" eaLnBrk="1" latinLnBrk="0" hangingPunct="1">
+      <a:lvl8pPr marL="3200400" algn="l" defTabSz="914400" rtl="0" eaLnBrk="1" latinLnBrk="0" hangingPunct="1">
         <a:defRPr sz="1800" kern="1200">
           <a:solidFill>
             <a:schemeClr val="tx1"/>
@@ -6108,7 +3370,7 @@
           <a:cs typeface="+mn-cs"/>
         </a:defRPr>
       </a:lvl8pPr>
-      <a:lvl9pPr marL="3657600" algn="l" defTabSz="457200" rtl="0" eaLnBrk="1" latinLnBrk="0" hangingPunct="1">
+      <a:lvl9pPr marL="3657600" algn="l" defTabSz="914400" rtl="0" eaLnBrk="1" latinLnBrk="0" hangingPunct="1">
         <a:defRPr sz="1800" kern="1200">
           <a:solidFill>
             <a:schemeClr val="tx1"/>
@@ -6120,11 +3382,16 @@
       </a:lvl9pPr>
     </p:otherStyle>
   </p:txStyles>
+  <p:extLst>
+    <p:ext uri="{27BBF7A9-308A-43DC-89C8-2F10F3537804}">
+      <p15:sldGuideLst xmlns:p15="http://schemas.microsoft.com/office/powerpoint/2012/main"/>
+    </p:ext>
+  </p:extLst>
 </p:sldMaster>
 </file>
 
 <file path=ppt/slides/slide1.xml><?xml version="1.0" encoding="utf-8"?>
-<p:sld xmlns:a="http://schemas.openxmlformats.org/drawingml/2006/main" xmlns:r="http://schemas.openxmlformats.org/officeDocument/2006/relationships" xmlns:p="http://schemas.openxmlformats.org/presentationml/2006/main">
+<p:sld xmlns:a="http://schemas.openxmlformats.org/drawingml/2006/main" xmlns:r="http://schemas.openxmlformats.org/officeDocument/2006/relationships" xmlns:p="http://schemas.openxmlformats.org/presentationml/2006/main" showMasterSp="0">
   <p:cSld>
     <p:spTree>
       <p:nvGrpSpPr>
@@ -6140,28 +3407,103 @@
           <a:chExt cx="0" cy="0"/>
         </a:xfrm>
       </p:grpSpPr>
-      <p:sp>
-        <p:nvSpPr>
-          <p:cNvPr id="2" name="Title 1"/>
-          <p:cNvSpPr>
-            <a:spLocks noGrp="1"/>
-          </p:cNvSpPr>
-          <p:nvPr>
-            <p:ph type="ctrTitle"/>
-          </p:nvPr>
-        </p:nvSpPr>
-        <p:spPr/>
-        <p:txBody>
-          <a:bodyPr/>
-          <a:lstStyle/>
-          <a:p>
-            <a:r>
-              <a:rPr lang="en-US" dirty="0"/>
-              <a:t>	TEAM FEYNMEN</a:t>
-            </a:r>
-          </a:p>
-        </p:txBody>
-      </p:sp>
+      <p:grpSp>
+        <p:nvGrpSpPr>
+          <p:cNvPr id="10" name="Group 9"/>
+          <p:cNvGrpSpPr/>
+          <p:nvPr/>
+        </p:nvGrpSpPr>
+        <p:grpSpPr>
+          <a:xfrm>
+            <a:off x="3149601" y="3420418"/>
+            <a:ext cx="7649029" cy="1449004"/>
+            <a:chOff x="3149601" y="3420418"/>
+            <a:chExt cx="7649029" cy="1449004"/>
+          </a:xfrm>
+        </p:grpSpPr>
+        <p:pic>
+          <p:nvPicPr>
+            <p:cNvPr id="5" name="Picture 4"/>
+            <p:cNvPicPr>
+              <a:picLocks noChangeAspect="1"/>
+            </p:cNvPicPr>
+            <p:nvPr/>
+          </p:nvPicPr>
+          <p:blipFill>
+            <a:blip r:embed="rId2"/>
+            <a:stretch>
+              <a:fillRect/>
+            </a:stretch>
+          </p:blipFill>
+          <p:spPr>
+            <a:xfrm>
+              <a:off x="5353260" y="3420418"/>
+              <a:ext cx="1497484" cy="1449004"/>
+            </a:xfrm>
+            <a:prstGeom prst="rect">
+              <a:avLst/>
+            </a:prstGeom>
+          </p:spPr>
+        </p:pic>
+        <p:sp>
+          <p:nvSpPr>
+            <p:cNvPr id="6" name="TextBox 5"/>
+            <p:cNvSpPr txBox="1"/>
+            <p:nvPr/>
+          </p:nvSpPr>
+          <p:spPr>
+            <a:xfrm>
+              <a:off x="6691090" y="3588297"/>
+              <a:ext cx="4107540" cy="1200329"/>
+            </a:xfrm>
+            <a:prstGeom prst="rect">
+              <a:avLst/>
+            </a:prstGeom>
+            <a:noFill/>
+          </p:spPr>
+          <p:txBody>
+            <a:bodyPr wrap="square" rtlCol="0">
+              <a:spAutoFit/>
+            </a:bodyPr>
+            <a:lstStyle/>
+            <a:p>
+              <a:r>
+                <a:rPr lang="en-US" sz="7200" dirty="0"/>
+                <a:t>yman</a:t>
+              </a:r>
+            </a:p>
+          </p:txBody>
+        </p:sp>
+        <p:sp>
+          <p:nvSpPr>
+            <p:cNvPr id="8" name="TextBox 7"/>
+            <p:cNvSpPr txBox="1"/>
+            <p:nvPr/>
+          </p:nvSpPr>
+          <p:spPr>
+            <a:xfrm>
+              <a:off x="3149601" y="3588297"/>
+              <a:ext cx="2348802" cy="1200329"/>
+            </a:xfrm>
+            <a:prstGeom prst="rect">
+              <a:avLst/>
+            </a:prstGeom>
+            <a:noFill/>
+          </p:spPr>
+          <p:txBody>
+            <a:bodyPr wrap="square" rtlCol="0">
+              <a:spAutoFit/>
+            </a:bodyPr>
+            <a:lstStyle/>
+            <a:p>
+              <a:r>
+                <a:rPr lang="en-US" sz="7200" dirty="0"/>
+                <a:t>Team</a:t>
+              </a:r>
+            </a:p>
+          </p:txBody>
+        </p:sp>
+      </p:grpSp>
     </p:spTree>
     <p:extLst>
       <p:ext uri="{BB962C8B-B14F-4D97-AF65-F5344CB8AC3E}">
@@ -6209,7 +3551,7 @@
           <a:p>
             <a:r>
               <a:rPr lang="en-US" dirty="0"/>
-              <a:t>What to adjust</a:t>
+              <a:t>Relationship with Project Managers</a:t>
             </a:r>
           </a:p>
         </p:txBody>
@@ -6236,7 +3578,7 @@
     </p:spTree>
     <p:extLst>
       <p:ext uri="{BB962C8B-B14F-4D97-AF65-F5344CB8AC3E}">
-        <p14:creationId xmlns:p14="http://schemas.microsoft.com/office/powerpoint/2010/main" val="2241271766"/>
+        <p14:creationId xmlns:p14="http://schemas.microsoft.com/office/powerpoint/2010/main" val="3037143174"/>
       </p:ext>
     </p:extLst>
   </p:cSld>
@@ -6280,7 +3622,7 @@
           <a:p>
             <a:r>
               <a:rPr lang="en-US" dirty="0"/>
-              <a:t>Relationship with Project Managers</a:t>
+              <a:t>Justification of Decisions </a:t>
             </a:r>
           </a:p>
         </p:txBody>
@@ -6307,7 +3649,7 @@
     </p:spTree>
     <p:extLst>
       <p:ext uri="{BB962C8B-B14F-4D97-AF65-F5344CB8AC3E}">
-        <p14:creationId xmlns:p14="http://schemas.microsoft.com/office/powerpoint/2010/main" val="3037143174"/>
+        <p14:creationId xmlns:p14="http://schemas.microsoft.com/office/powerpoint/2010/main" val="1833733067"/>
       </p:ext>
     </p:extLst>
   </p:cSld>
@@ -6351,7 +3693,7 @@
           <a:p>
             <a:r>
               <a:rPr lang="en-US" dirty="0"/>
-              <a:t>Tools used</a:t>
+              <a:t>What to adjust</a:t>
             </a:r>
           </a:p>
         </p:txBody>
@@ -6371,14 +3713,23 @@
           <a:bodyPr/>
           <a:lstStyle/>
           <a:p>
-            <a:endParaRPr lang="en-US"/>
+            <a:r>
+              <a:rPr lang="en-US" dirty="0"/>
+              <a:t>Documentation format </a:t>
+            </a:r>
+          </a:p>
+          <a:p>
+            <a:r>
+              <a:rPr lang="en-US" dirty="0"/>
+              <a:t>Communication with Project Managers</a:t>
+            </a:r>
           </a:p>
         </p:txBody>
       </p:sp>
     </p:spTree>
     <p:extLst>
       <p:ext uri="{BB962C8B-B14F-4D97-AF65-F5344CB8AC3E}">
-        <p14:creationId xmlns:p14="http://schemas.microsoft.com/office/powerpoint/2010/main" val="1086206551"/>
+        <p14:creationId xmlns:p14="http://schemas.microsoft.com/office/powerpoint/2010/main" val="2241271766"/>
       </p:ext>
     </p:extLst>
   </p:cSld>
@@ -6420,7 +3771,10 @@
           <a:bodyPr/>
           <a:lstStyle/>
           <a:p>
-            <a:endParaRPr lang="en-US"/>
+            <a:r>
+              <a:rPr lang="en-US" dirty="0"/>
+              <a:t>Lines of Code Functionality</a:t>
+            </a:r>
           </a:p>
         </p:txBody>
       </p:sp>
@@ -6446,7 +3800,7 @@
     </p:spTree>
     <p:extLst>
       <p:ext uri="{BB962C8B-B14F-4D97-AF65-F5344CB8AC3E}">
-        <p14:creationId xmlns:p14="http://schemas.microsoft.com/office/powerpoint/2010/main" val="901707765"/>
+        <p14:creationId xmlns:p14="http://schemas.microsoft.com/office/powerpoint/2010/main" val="1956737946"/>
       </p:ext>
     </p:extLst>
   </p:cSld>
@@ -6456,9 +3810,17 @@
 </p:sld>
 </file>
 
-<file path=ppt/slides/slide14.xml><?xml version="1.0" encoding="utf-8"?>
+<file path=ppt/slides/slide2.xml><?xml version="1.0" encoding="utf-8"?>
 <p:sld xmlns:a="http://schemas.openxmlformats.org/drawingml/2006/main" xmlns:r="http://schemas.openxmlformats.org/officeDocument/2006/relationships" xmlns:p="http://schemas.openxmlformats.org/presentationml/2006/main">
   <p:cSld>
+    <p:bg>
+      <p:bgPr>
+        <a:solidFill>
+          <a:schemeClr val="bg1"/>
+        </a:solidFill>
+        <a:effectLst/>
+      </p:bgPr>
+    </p:bg>
     <p:spTree>
       <p:nvGrpSpPr>
         <p:cNvPr id="1" name=""/>
@@ -6489,78 +3851,6 @@
           <a:lstStyle/>
           <a:p>
             <a:r>
-              <a:rPr lang="en-US" dirty="0"/>
-              <a:t>How is it going</a:t>
-            </a:r>
-          </a:p>
-        </p:txBody>
-      </p:sp>
-      <p:sp>
-        <p:nvSpPr>
-          <p:cNvPr id="3" name="Content Placeholder 2"/>
-          <p:cNvSpPr>
-            <a:spLocks noGrp="1"/>
-          </p:cNvSpPr>
-          <p:nvPr>
-            <p:ph idx="1"/>
-          </p:nvPr>
-        </p:nvSpPr>
-        <p:spPr/>
-        <p:txBody>
-          <a:bodyPr/>
-          <a:lstStyle/>
-          <a:p>
-            <a:endParaRPr lang="en-US"/>
-          </a:p>
-        </p:txBody>
-      </p:sp>
-    </p:spTree>
-    <p:extLst>
-      <p:ext uri="{BB962C8B-B14F-4D97-AF65-F5344CB8AC3E}">
-        <p14:creationId xmlns:p14="http://schemas.microsoft.com/office/powerpoint/2010/main" val="1904395301"/>
-      </p:ext>
-    </p:extLst>
-  </p:cSld>
-  <p:clrMapOvr>
-    <a:masterClrMapping/>
-  </p:clrMapOvr>
-</p:sld>
-</file>
-
-<file path=ppt/slides/slide2.xml><?xml version="1.0" encoding="utf-8"?>
-<p:sld xmlns:a="http://schemas.openxmlformats.org/drawingml/2006/main" xmlns:r="http://schemas.openxmlformats.org/officeDocument/2006/relationships" xmlns:p="http://schemas.openxmlformats.org/presentationml/2006/main">
-  <p:cSld>
-    <p:spTree>
-      <p:nvGrpSpPr>
-        <p:cNvPr id="1" name=""/>
-        <p:cNvGrpSpPr/>
-        <p:nvPr/>
-      </p:nvGrpSpPr>
-      <p:grpSpPr>
-        <a:xfrm>
-          <a:off x="0" y="0"/>
-          <a:ext cx="0" cy="0"/>
-          <a:chOff x="0" y="0"/>
-          <a:chExt cx="0" cy="0"/>
-        </a:xfrm>
-      </p:grpSpPr>
-      <p:sp>
-        <p:nvSpPr>
-          <p:cNvPr id="2" name="Title 1"/>
-          <p:cNvSpPr>
-            <a:spLocks noGrp="1"/>
-          </p:cNvSpPr>
-          <p:nvPr>
-            <p:ph type="title"/>
-          </p:nvPr>
-        </p:nvSpPr>
-        <p:spPr/>
-        <p:txBody>
-          <a:bodyPr/>
-          <a:lstStyle/>
-          <a:p>
-            <a:pPr algn="ctr"/>
-            <a:r>
               <a:rPr lang="en-US" dirty="0">
                 <a:solidFill>
                   <a:schemeClr val="tx1"/>
@@ -6576,7 +3866,7 @@
               </a:rPr>
             </a:br>
             <a:r>
-              <a:rPr lang="en-US" dirty="0">
+              <a:rPr lang="en-US" sz="2800" dirty="0">
                 <a:solidFill>
                   <a:schemeClr val="tx1"/>
                 </a:solidFill>
@@ -6598,205 +3888,177 @@
         </p:nvSpPr>
         <p:spPr>
           <a:xfrm>
-            <a:off x="2589212" y="1853248"/>
+            <a:off x="1135434" y="1848667"/>
             <a:ext cx="8915400" cy="4748078"/>
           </a:xfrm>
         </p:spPr>
         <p:txBody>
           <a:bodyPr>
-            <a:normAutofit fontScale="40000" lnSpcReduction="20000"/>
+            <a:normAutofit fontScale="47500" lnSpcReduction="20000"/>
           </a:bodyPr>
           <a:lstStyle/>
           <a:p>
+            <a:pPr lvl="0"/>
+            <a:r>
+              <a:rPr lang="en-US" sz="3500" dirty="0"/>
+              <a:t>Erik Johnson</a:t>
+            </a:r>
+          </a:p>
+          <a:p>
+            <a:pPr lvl="1">
+              <a:buClr>
+                <a:schemeClr val="tx1"/>
+              </a:buClr>
+            </a:pPr>
+            <a:r>
+              <a:rPr lang="en-US" sz="3500" dirty="0"/>
+              <a:t>Language of choice: C++ </a:t>
+            </a:r>
+          </a:p>
+          <a:p>
+            <a:pPr lvl="1">
+              <a:buClr>
+                <a:schemeClr val="tx1"/>
+              </a:buClr>
+            </a:pPr>
+            <a:r>
+              <a:rPr lang="en-US" sz="3500" dirty="0"/>
+              <a:t>Other languages: VBScript, Bash, Windows Batch, </a:t>
+            </a:r>
+            <a:r>
+              <a:rPr lang="en-US" sz="3500" dirty="0" err="1"/>
+              <a:t>Javascript</a:t>
+            </a:r>
+            <a:r>
+              <a:rPr lang="en-US" sz="3500" dirty="0"/>
+              <a:t>, C#</a:t>
+            </a:r>
+          </a:p>
+          <a:p>
+            <a:pPr lvl="1">
+              <a:buClr>
+                <a:schemeClr val="tx1"/>
+              </a:buClr>
+            </a:pPr>
+            <a:r>
+              <a:rPr lang="en-US" sz="3500" dirty="0"/>
+              <a:t>Strengths: Project management experience, CS research experience, detail-oriented.</a:t>
+            </a:r>
+          </a:p>
+          <a:p>
             <a:pPr lvl="0">
               <a:buClr>
-                <a:srgbClr val="A53010"/>
+                <a:schemeClr val="tx1"/>
               </a:buClr>
             </a:pPr>
             <a:r>
+              <a:rPr lang="en-US" sz="3500" dirty="0" err="1"/>
+              <a:t>Durwin</a:t>
+            </a:r>
+            <a:r>
               <a:rPr lang="en-US" sz="3500" dirty="0"/>
-              <a:t>Erik Johnson</a:t>
+              <a:t> Johnson</a:t>
             </a:r>
           </a:p>
           <a:p>
             <a:pPr lvl="1">
               <a:buClr>
-                <a:srgbClr val="A53010"/>
+                <a:schemeClr val="tx1"/>
               </a:buClr>
             </a:pPr>
             <a:r>
               <a:rPr lang="en-US" sz="3500" dirty="0"/>
-              <a:t>Language of choice: C++ </a:t>
+              <a:t>Language of choice: C++</a:t>
             </a:r>
           </a:p>
           <a:p>
             <a:pPr lvl="1">
               <a:buClr>
-                <a:srgbClr val="A53010"/>
+                <a:schemeClr val="tx1"/>
               </a:buClr>
             </a:pPr>
             <a:r>
               <a:rPr lang="en-US" sz="3500" dirty="0"/>
-              <a:t>Other languages: VBScript, Bash, Windows Batch, </a:t>
-            </a:r>
-            <a:r>
-              <a:rPr lang="en-US" sz="3500" dirty="0" err="1"/>
-              <a:t>Javascript</a:t>
-            </a:r>
-            <a:r>
-              <a:rPr lang="en-US" sz="3500" dirty="0"/>
-              <a:t>, C#</a:t>
+              <a:t>Other languages:  lesser degrees of c#, visual basic, and Java</a:t>
             </a:r>
           </a:p>
           <a:p>
             <a:pPr lvl="1">
               <a:buClr>
-                <a:srgbClr val="A53010"/>
+                <a:schemeClr val="tx1"/>
               </a:buClr>
             </a:pPr>
             <a:r>
               <a:rPr lang="en-US" sz="3500" dirty="0"/>
-              <a:t>Strengths: Project management experience, CS research experience, detail-oriented.</a:t>
+              <a:t>Strengths:</a:t>
             </a:r>
           </a:p>
           <a:p>
             <a:pPr lvl="0">
               <a:buClr>
-                <a:srgbClr val="A53010"/>
+                <a:schemeClr val="tx1"/>
               </a:buClr>
             </a:pPr>
             <a:r>
-              <a:rPr lang="en-US" sz="3500" dirty="0" err="1"/>
-              <a:t>Durwin</a:t>
-            </a:r>
-            <a:r>
               <a:rPr lang="en-US" sz="3500" dirty="0"/>
-              <a:t> Johnson</a:t>
-            </a:r>
-          </a:p>
-          <a:p>
-            <a:pPr lvl="1">
+              <a:t>Alex Pope </a:t>
+            </a:r>
+          </a:p>
+          <a:p>
+            <a:pPr lvl="1"/>
+            <a:r>
+              <a:rPr lang="en-US" sz="3500" dirty="0"/>
+              <a:t>Language of choice: C++</a:t>
+            </a:r>
+          </a:p>
+          <a:p>
+            <a:pPr lvl="1"/>
+            <a:r>
+              <a:rPr lang="en-US" sz="3500" dirty="0"/>
+              <a:t>Other languages:</a:t>
+            </a:r>
+          </a:p>
+          <a:p>
+            <a:pPr lvl="1"/>
+            <a:r>
+              <a:rPr lang="en-US" sz="3500" dirty="0"/>
+              <a:t>Strengths: Organization </a:t>
+            </a:r>
+          </a:p>
+          <a:p>
+            <a:pPr lvl="0">
               <a:buClr>
-                <a:srgbClr val="A53010"/>
+                <a:schemeClr val="tx1"/>
               </a:buClr>
             </a:pPr>
             <a:r>
               <a:rPr lang="en-US" sz="3500" dirty="0"/>
-              <a:t>Language of choice: C++</a:t>
-            </a:r>
-          </a:p>
-          <a:p>
-            <a:pPr lvl="1">
-              <a:buClr>
-                <a:srgbClr val="A53010"/>
-              </a:buClr>
-            </a:pPr>
-            <a:r>
-              <a:rPr lang="en-US" sz="3500" dirty="0"/>
-              <a:t>Other languages:  lesser degrees of c#, visual basic, and Java</a:t>
-            </a:r>
-          </a:p>
-          <a:p>
-            <a:pPr lvl="1">
-              <a:buClr>
-                <a:srgbClr val="A53010"/>
-              </a:buClr>
-            </a:pPr>
-            <a:r>
-              <a:rPr lang="en-US" sz="3500" dirty="0"/>
-              <a:t>Strengths:</a:t>
-            </a:r>
-          </a:p>
-          <a:p>
-            <a:pPr lvl="0">
-              <a:buClr>
-                <a:srgbClr val="A53010"/>
-              </a:buClr>
-            </a:pPr>
-            <a:r>
-              <a:rPr lang="en-US" sz="3500" dirty="0"/>
-              <a:t>Alex Pope </a:t>
-            </a:r>
-          </a:p>
-          <a:p>
-            <a:pPr lvl="1">
-              <a:buClr>
-                <a:srgbClr val="A53010"/>
-              </a:buClr>
-            </a:pPr>
+              <a:t>Cindy Samano</a:t>
+            </a:r>
+          </a:p>
+          <a:p>
+            <a:pPr lvl="1"/>
             <a:r>
               <a:rPr lang="en-US" sz="3500" dirty="0"/>
               <a:t>Language of choice: C++</a:t>
             </a:r>
           </a:p>
           <a:p>
-            <a:pPr lvl="1">
-              <a:buClr>
-                <a:srgbClr val="A53010"/>
-              </a:buClr>
-            </a:pPr>
+            <a:pPr lvl="1"/>
             <a:r>
               <a:rPr lang="en-US" sz="3500" dirty="0"/>
               <a:t>Other languages:</a:t>
             </a:r>
           </a:p>
           <a:p>
-            <a:pPr lvl="1">
-              <a:buClr>
-                <a:srgbClr val="A53010"/>
-              </a:buClr>
-            </a:pPr>
-            <a:r>
-              <a:rPr lang="en-US" sz="3500" dirty="0"/>
-              <a:t>Strengths: Organization </a:t>
-            </a:r>
-          </a:p>
-          <a:p>
-            <a:pPr lvl="0">
-              <a:buClr>
-                <a:srgbClr val="A53010"/>
-              </a:buClr>
-            </a:pPr>
-            <a:r>
-              <a:rPr lang="en-US" sz="3500" dirty="0"/>
-              <a:t>Cindy Samano</a:t>
-            </a:r>
-          </a:p>
-          <a:p>
-            <a:pPr lvl="1">
-              <a:buClr>
-                <a:srgbClr val="A53010"/>
-              </a:buClr>
-            </a:pPr>
-            <a:r>
-              <a:rPr lang="en-US" sz="3500" dirty="0"/>
-              <a:t>Language of choice: C++</a:t>
-            </a:r>
-          </a:p>
-          <a:p>
-            <a:pPr lvl="1">
-              <a:buClr>
-                <a:srgbClr val="A53010"/>
-              </a:buClr>
-            </a:pPr>
-            <a:r>
-              <a:rPr lang="en-US" sz="3500" dirty="0"/>
-              <a:t>Other languages:</a:t>
-            </a:r>
-          </a:p>
-          <a:p>
-            <a:pPr lvl="1">
-              <a:buClr>
-                <a:srgbClr val="A53010"/>
-              </a:buClr>
-            </a:pPr>
+            <a:pPr lvl="1"/>
             <a:r>
               <a:rPr lang="en-US" sz="3500" dirty="0"/>
               <a:t>Strengths: Communication, methodical, goal-oriented.</a:t>
             </a:r>
           </a:p>
           <a:p>
-            <a:pPr marL="0" lvl="0" indent="0">
+            <a:pPr marL="0" indent="0">
               <a:buClr>
                 <a:srgbClr val="A53010"/>
               </a:buClr>
@@ -6859,7 +4121,6 @@
           <a:bodyPr/>
           <a:lstStyle/>
           <a:p>
-            <a:pPr algn="ctr"/>
             <a:r>
               <a:rPr lang="en-US" dirty="0">
                 <a:solidFill>
@@ -6876,7 +4137,7 @@
               </a:rPr>
             </a:br>
             <a:r>
-              <a:rPr lang="en-US" dirty="0">
+              <a:rPr lang="en-US" sz="2800" dirty="0">
                 <a:solidFill>
                   <a:schemeClr val="tx1"/>
                 </a:solidFill>
@@ -6898,7 +4159,7 @@
         </p:nvSpPr>
         <p:spPr>
           <a:xfrm>
-            <a:off x="2589212" y="2133600"/>
+            <a:off x="936397" y="2046515"/>
             <a:ext cx="8915400" cy="4467726"/>
           </a:xfrm>
         </p:spPr>
@@ -6910,7 +4171,7 @@
           <a:p>
             <a:pPr lvl="0">
               <a:buClr>
-                <a:srgbClr val="A53010"/>
+                <a:schemeClr val="tx1"/>
               </a:buClr>
             </a:pPr>
             <a:r>
@@ -6924,23 +4185,19 @@
             <a:endParaRPr lang="en-US" dirty="0"/>
           </a:p>
           <a:p>
-            <a:pPr lvl="1">
+            <a:pPr lvl="1"/>
+            <a:r>
+              <a:rPr lang="en-US" sz="2000" dirty="0"/>
+              <a:t>Strengths: </a:t>
+            </a:r>
+          </a:p>
+          <a:p>
+            <a:pPr lvl="0">
               <a:buClr>
-                <a:srgbClr val="A53010"/>
+                <a:schemeClr val="tx1"/>
               </a:buClr>
             </a:pPr>
             <a:r>
-              <a:rPr lang="en-US" sz="2000" dirty="0"/>
-              <a:t>Strengths: </a:t>
-            </a:r>
-          </a:p>
-          <a:p>
-            <a:pPr lvl="0">
-              <a:buClr>
-                <a:srgbClr val="A53010"/>
-              </a:buClr>
-            </a:pPr>
-            <a:r>
               <a:rPr lang="en-US" dirty="0" err="1"/>
               <a:t>Wenhao</a:t>
             </a:r>
@@ -6950,11 +4207,7 @@
             </a:r>
           </a:p>
           <a:p>
-            <a:pPr lvl="1">
-              <a:buClr>
-                <a:srgbClr val="A53010"/>
-              </a:buClr>
-            </a:pPr>
+            <a:pPr lvl="1"/>
             <a:r>
               <a:rPr lang="en-US" sz="2000" dirty="0"/>
               <a:t>Strengths:</a:t>
@@ -7013,7 +4266,6 @@
           <a:bodyPr/>
           <a:lstStyle/>
           <a:p>
-            <a:pPr algn="ctr"/>
             <a:r>
               <a:rPr lang="en-US" dirty="0">
                 <a:solidFill>
@@ -7030,12 +4282,12 @@
               </a:rPr>
             </a:br>
             <a:r>
-              <a:rPr lang="en-US" dirty="0">
+              <a:rPr lang="en-US" sz="2800" dirty="0">
                 <a:solidFill>
                   <a:schemeClr val="tx1"/>
                 </a:solidFill>
               </a:rPr>
-              <a:t>Team Skillsets</a:t>
+              <a:t>Team Skillsets and Functionality</a:t>
             </a:r>
           </a:p>
         </p:txBody>
@@ -7055,12 +4307,22 @@
           <a:bodyPr/>
           <a:lstStyle/>
           <a:p>
+            <a:pPr>
+              <a:buClr>
+                <a:schemeClr val="accent1"/>
+              </a:buClr>
+            </a:pPr>
             <a:r>
               <a:rPr lang="en-US" dirty="0"/>
               <a:t>Strengths:</a:t>
             </a:r>
           </a:p>
           <a:p>
+            <a:pPr>
+              <a:buClr>
+                <a:schemeClr val="accent1"/>
+              </a:buClr>
+            </a:pPr>
             <a:r>
               <a:rPr lang="en-US" dirty="0"/>
               <a:t>Weaknesses:</a:t>
@@ -7082,7 +4344,7 @@
 </file>
 
 <file path=ppt/slides/slide5.xml><?xml version="1.0" encoding="utf-8"?>
-<p:sld xmlns:a="http://schemas.openxmlformats.org/drawingml/2006/main" xmlns:r="http://schemas.openxmlformats.org/officeDocument/2006/relationships" xmlns:p="http://schemas.openxmlformats.org/presentationml/2006/main">
+<p:sld xmlns:a="http://schemas.openxmlformats.org/drawingml/2006/main" xmlns:r="http://schemas.openxmlformats.org/officeDocument/2006/relationships" xmlns:p="http://schemas.openxmlformats.org/presentationml/2006/main" showMasterSp="0">
   <p:cSld>
     <p:spTree>
       <p:nvGrpSpPr>
@@ -7138,14 +4400,14 @@
           <p:nvPr>
             <p:extLst>
               <p:ext uri="{D42A27DB-BD31-4B8C-83A1-F6EECF244321}">
-                <p14:modId xmlns:p14="http://schemas.microsoft.com/office/powerpoint/2010/main" val="3294658161"/>
+                <p14:modId xmlns:p14="http://schemas.microsoft.com/office/powerpoint/2010/main" val="3855040185"/>
               </p:ext>
             </p:extLst>
           </p:nvPr>
         </p:nvGraphicFramePr>
         <p:xfrm>
           <a:off x="2120" y="909425"/>
-          <a:ext cx="12189880" cy="6552000"/>
+          <a:ext cx="12189880" cy="6704400"/>
         </p:xfrm>
         <a:graphic>
           <a:graphicData uri="http://schemas.openxmlformats.org/drawingml/2006/table">
@@ -7192,7 +4454,7 @@
                       <a:r>
                         <a:rPr lang="en-US" sz="1800" dirty="0">
                           <a:solidFill>
-                            <a:schemeClr val="bg1"/>
+                            <a:schemeClr val="tx1"/>
                           </a:solidFill>
                         </a:rPr>
                         <a:t>Team Members</a:t>
@@ -7209,7 +4471,7 @@
                       <a:r>
                         <a:rPr lang="en-US" sz="1800" dirty="0">
                           <a:solidFill>
-                            <a:schemeClr val="bg1"/>
+                            <a:schemeClr val="tx1"/>
                           </a:solidFill>
                         </a:rPr>
                         <a:t>Role</a:t>
@@ -7226,7 +4488,7 @@
                       <a:r>
                         <a:rPr lang="en-US" dirty="0">
                           <a:solidFill>
-                            <a:schemeClr val="bg1"/>
+                            <a:schemeClr val="tx1"/>
                           </a:solidFill>
                         </a:rPr>
                         <a:t>Responsibility</a:t>
@@ -7234,14 +4496,14 @@
                       <a:r>
                         <a:rPr lang="en-US" baseline="0" dirty="0">
                           <a:solidFill>
-                            <a:schemeClr val="bg1"/>
+                            <a:schemeClr val="tx1"/>
                           </a:solidFill>
                         </a:rPr>
                         <a:t> </a:t>
                       </a:r>
                       <a:endParaRPr lang="en-US" dirty="0">
                         <a:solidFill>
-                          <a:schemeClr val="bg1"/>
+                          <a:schemeClr val="tx1"/>
                         </a:solidFill>
                       </a:endParaRPr>
                     </a:p>
@@ -7256,7 +4518,7 @@
                       <a:r>
                         <a:rPr lang="en-US" dirty="0">
                           <a:solidFill>
-                            <a:schemeClr val="bg1"/>
+                            <a:schemeClr val="tx1"/>
                           </a:solidFill>
                         </a:rPr>
                         <a:t>SPMP Task(s)</a:t>
@@ -7280,7 +4542,7 @@
                       <a:r>
                         <a:rPr lang="en-US" sz="1400" dirty="0">
                           <a:solidFill>
-                            <a:schemeClr val="bg1"/>
+                            <a:schemeClr val="tx1"/>
                           </a:solidFill>
                         </a:rPr>
                         <a:t>Erik Johnson</a:t>
@@ -7297,7 +4559,7 @@
                       <a:r>
                         <a:rPr lang="en-US" sz="1100" dirty="0">
                           <a:solidFill>
-                            <a:schemeClr val="bg1"/>
+                            <a:schemeClr val="tx1"/>
                           </a:solidFill>
                         </a:rPr>
                         <a:t>Team Leader and Developer</a:t>
@@ -7318,7 +4580,7 @@
                       <a:r>
                         <a:rPr lang="en-US" sz="1000" dirty="0">
                           <a:solidFill>
-                            <a:schemeClr val="bg1"/>
+                            <a:schemeClr val="tx1"/>
                           </a:solidFill>
                         </a:rPr>
                         <a:t>Coordinating</a:t>
@@ -7326,7 +4588,7 @@
                       <a:r>
                         <a:rPr lang="en-US" sz="1000" baseline="0" dirty="0">
                           <a:solidFill>
-                            <a:schemeClr val="bg1"/>
+                            <a:schemeClr val="tx1"/>
                           </a:solidFill>
                         </a:rPr>
                         <a:t> development team’s tasks.</a:t>
@@ -7340,7 +4602,7 @@
                       <a:r>
                         <a:rPr lang="en-US" sz="1000" baseline="0" dirty="0">
                           <a:solidFill>
-                            <a:schemeClr val="bg1"/>
+                            <a:schemeClr val="tx1"/>
                           </a:solidFill>
                         </a:rPr>
                         <a:t>Transcribing meeting minutes.</a:t>
@@ -7354,7 +4616,7 @@
                       <a:r>
                         <a:rPr lang="en-US" sz="1000" baseline="0" dirty="0">
                           <a:solidFill>
-                            <a:schemeClr val="bg1"/>
+                            <a:schemeClr val="tx1"/>
                           </a:solidFill>
                         </a:rPr>
                         <a:t>Submitting Progress report to customer and Project Managers</a:t>
@@ -7368,7 +4630,7 @@
                       <a:r>
                         <a:rPr lang="en-US" sz="1000" baseline="0" dirty="0">
                           <a:solidFill>
-                            <a:schemeClr val="bg1"/>
+                            <a:schemeClr val="tx1"/>
                           </a:solidFill>
                         </a:rPr>
                         <a:t>Team signoffs on artifacts.</a:t>
@@ -7389,7 +4651,7 @@
                       <a:r>
                         <a:rPr lang="en-US" sz="1000" baseline="0" dirty="0">
                           <a:solidFill>
-                            <a:schemeClr val="bg1"/>
+                            <a:schemeClr val="tx1"/>
                           </a:solidFill>
                         </a:rPr>
                         <a:t>1.4 Performance/Behavior Constraints</a:t>
@@ -7403,7 +4665,7 @@
                       <a:r>
                         <a:rPr lang="en-US" sz="1000" baseline="0" dirty="0">
                           <a:solidFill>
-                            <a:schemeClr val="bg1"/>
+                            <a:schemeClr val="tx1"/>
                           </a:solidFill>
                         </a:rPr>
                         <a:t>2.1 Historical Data Used for Estimates</a:t>
@@ -7417,7 +4679,7 @@
                       <a:r>
                         <a:rPr lang="en-US" sz="1000" baseline="0" dirty="0">
                           <a:solidFill>
-                            <a:schemeClr val="bg1"/>
+                            <a:schemeClr val="tx1"/>
                           </a:solidFill>
                         </a:rPr>
                         <a:t>2.2.1 SPMP Completion Estimate</a:t>
@@ -7431,7 +4693,7 @@
                       <a:r>
                         <a:rPr lang="en-US" sz="1000" baseline="0" dirty="0">
                           <a:solidFill>
-                            <a:schemeClr val="bg1"/>
+                            <a:schemeClr val="tx1"/>
                           </a:solidFill>
                         </a:rPr>
                         <a:t>2.2.2.1 Lines-of-Code Estimate</a:t>
@@ -7445,7 +4707,7 @@
                       <a:r>
                         <a:rPr lang="en-US" sz="1000" baseline="0" dirty="0">
                           <a:solidFill>
-                            <a:schemeClr val="bg1"/>
+                            <a:schemeClr val="tx1"/>
                           </a:solidFill>
                         </a:rPr>
                         <a:t>2.2.2.2 Function Estimate</a:t>
@@ -7459,7 +4721,7 @@
                       <a:r>
                         <a:rPr lang="en-US" sz="1000" baseline="0" dirty="0">
                           <a:solidFill>
-                            <a:schemeClr val="bg1"/>
+                            <a:schemeClr val="tx1"/>
                           </a:solidFill>
                         </a:rPr>
                         <a:t>5.0 Staff Organization (all)</a:t>
@@ -7473,7 +4735,7 @@
                       <a:r>
                         <a:rPr lang="en-US" sz="1000" baseline="0" dirty="0">
                           <a:solidFill>
-                            <a:schemeClr val="bg1"/>
+                            <a:schemeClr val="tx1"/>
                           </a:solidFill>
                         </a:rPr>
                         <a:t>Meeting Minutes</a:t>
@@ -7487,7 +4749,7 @@
                       <a:r>
                         <a:rPr lang="en-US" sz="1000" baseline="0" dirty="0">
                           <a:solidFill>
-                            <a:schemeClr val="bg1"/>
+                            <a:schemeClr val="tx1"/>
                           </a:solidFill>
                         </a:rPr>
                         <a:t>Tool Management</a:t>
@@ -7511,7 +4773,7 @@
                       <a:r>
                         <a:rPr lang="en-US" sz="1400" dirty="0" err="1">
                           <a:solidFill>
-                            <a:schemeClr val="bg1"/>
+                            <a:schemeClr val="tx1"/>
                           </a:solidFill>
                         </a:rPr>
                         <a:t>Durwin</a:t>
@@ -7519,14 +4781,14 @@
                       <a:r>
                         <a:rPr lang="en-US" sz="1400" baseline="0" dirty="0">
                           <a:solidFill>
-                            <a:schemeClr val="bg1"/>
+                            <a:schemeClr val="tx1"/>
                           </a:solidFill>
                         </a:rPr>
                         <a:t> Johnson</a:t>
                       </a:r>
                       <a:endParaRPr lang="en-US" sz="1400" dirty="0">
                         <a:solidFill>
-                          <a:schemeClr val="bg1"/>
+                          <a:schemeClr val="tx1"/>
                         </a:solidFill>
                       </a:endParaRPr>
                     </a:p>
@@ -7541,7 +4803,7 @@
                       <a:r>
                         <a:rPr lang="en-US" sz="1100" dirty="0">
                           <a:solidFill>
-                            <a:schemeClr val="bg1"/>
+                            <a:schemeClr val="tx1"/>
                           </a:solidFill>
                         </a:rPr>
                         <a:t>Developer</a:t>
@@ -7562,7 +4824,7 @@
                       <a:r>
                         <a:rPr lang="en-US" sz="1000" dirty="0">
                           <a:solidFill>
-                            <a:schemeClr val="bg1"/>
+                            <a:schemeClr val="tx1"/>
                           </a:solidFill>
                         </a:rPr>
                         <a:t>Producing</a:t>
@@ -7570,7 +4832,7 @@
                       <a:r>
                         <a:rPr lang="en-US" sz="1000" baseline="0" dirty="0">
                           <a:solidFill>
-                            <a:schemeClr val="bg1"/>
+                            <a:schemeClr val="tx1"/>
                           </a:solidFill>
                         </a:rPr>
                         <a:t> artifacts related to the project</a:t>
@@ -7584,7 +4846,7 @@
                       <a:r>
                         <a:rPr lang="en-US" sz="1000" baseline="0" dirty="0">
                           <a:solidFill>
-                            <a:schemeClr val="bg1"/>
+                            <a:schemeClr val="tx1"/>
                           </a:solidFill>
                         </a:rPr>
                         <a:t>Communicating with the Project Managers</a:t>
@@ -7598,7 +4860,7 @@
                       <a:r>
                         <a:rPr lang="en-US" sz="1000" baseline="0" dirty="0">
                           <a:solidFill>
-                            <a:schemeClr val="bg1"/>
+                            <a:schemeClr val="tx1"/>
                           </a:solidFill>
                         </a:rPr>
                         <a:t>Presenting finalized copy of the project </a:t>
@@ -7612,14 +4874,14 @@
                       <a:r>
                         <a:rPr lang="en-US" sz="1000" baseline="0" dirty="0">
                           <a:solidFill>
-                            <a:schemeClr val="bg1"/>
+                            <a:schemeClr val="tx1"/>
                           </a:solidFill>
                         </a:rPr>
                         <a:t>Completing tasks assigned by team lead</a:t>
                       </a:r>
                       <a:endParaRPr lang="en-US" sz="1000" dirty="0">
                         <a:solidFill>
-                          <a:schemeClr val="bg1"/>
+                          <a:schemeClr val="tx1"/>
                         </a:solidFill>
                       </a:endParaRPr>
                     </a:p>
@@ -7638,7 +4900,7 @@
                       <a:r>
                         <a:rPr lang="en-US" sz="1000" dirty="0">
                           <a:solidFill>
-                            <a:schemeClr val="bg1"/>
+                            <a:schemeClr val="tx1"/>
                           </a:solidFill>
                         </a:rPr>
                         <a:t>2.2.2.3 Tasks Estimate</a:t>
@@ -7652,7 +4914,7 @@
                       <a:r>
                         <a:rPr lang="en-US" sz="1000" dirty="0">
                           <a:solidFill>
-                            <a:schemeClr val="bg1"/>
+                            <a:schemeClr val="tx1"/>
                           </a:solidFill>
                         </a:rPr>
                         <a:t>2.2.2.4 Total Overall Project Time</a:t>
@@ -7660,7 +4922,7 @@
                       <a:r>
                         <a:rPr lang="en-US" sz="1000" baseline="0" dirty="0">
                           <a:solidFill>
-                            <a:schemeClr val="bg1"/>
+                            <a:schemeClr val="tx1"/>
                           </a:solidFill>
                         </a:rPr>
                         <a:t> </a:t>
@@ -7668,7 +4930,7 @@
                       <a:r>
                         <a:rPr lang="en-US" sz="1000" dirty="0">
                           <a:solidFill>
-                            <a:schemeClr val="bg1"/>
+                            <a:schemeClr val="tx1"/>
                           </a:solidFill>
                         </a:rPr>
                         <a:t>Estimate</a:t>
@@ -7682,7 +4944,7 @@
                       <a:r>
                         <a:rPr lang="en-US" sz="1000" dirty="0">
                           <a:solidFill>
-                            <a:schemeClr val="bg1"/>
+                            <a:schemeClr val="tx1"/>
                           </a:solidFill>
                         </a:rPr>
                         <a:t>2.5 Project Resource</a:t>
@@ -7696,7 +4958,7 @@
                       <a:r>
                         <a:rPr lang="en-US" sz="1000" dirty="0">
                           <a:solidFill>
-                            <a:schemeClr val="bg1"/>
+                            <a:schemeClr val="tx1"/>
                           </a:solidFill>
                         </a:rPr>
                         <a:t>4.1 Project Task Set</a:t>
@@ -7710,7 +4972,7 @@
                       <a:r>
                         <a:rPr lang="en-US" sz="1000" dirty="0">
                           <a:solidFill>
-                            <a:schemeClr val="bg1"/>
+                            <a:schemeClr val="tx1"/>
                           </a:solidFill>
                         </a:rPr>
                         <a:t>4.2 Task Network Diagram</a:t>
@@ -7724,7 +4986,7 @@
                       <a:r>
                         <a:rPr lang="en-US" sz="1000" dirty="0">
                           <a:solidFill>
-                            <a:schemeClr val="bg1"/>
+                            <a:schemeClr val="tx1"/>
                           </a:solidFill>
                         </a:rPr>
                         <a:t>4.3 Timeline Chart (Milestones)</a:t>
@@ -7748,7 +5010,7 @@
                       <a:r>
                         <a:rPr lang="en-US" sz="1400" dirty="0">
                           <a:solidFill>
-                            <a:schemeClr val="bg1"/>
+                            <a:schemeClr val="tx1"/>
                           </a:solidFill>
                         </a:rPr>
                         <a:t>Alex Pope</a:t>
@@ -7782,7 +5044,7 @@
                       <a:r>
                         <a:rPr lang="en-US" sz="1100" dirty="0">
                           <a:solidFill>
-                            <a:schemeClr val="bg1"/>
+                            <a:schemeClr val="tx1"/>
                           </a:solidFill>
                         </a:rPr>
                         <a:t>Developer</a:t>
@@ -7791,7 +5053,7 @@
                     <a:p>
                       <a:endParaRPr lang="en-US" sz="1100" dirty="0">
                         <a:solidFill>
-                          <a:schemeClr val="bg1"/>
+                          <a:schemeClr val="tx1"/>
                         </a:solidFill>
                       </a:endParaRPr>
                     </a:p>
@@ -7810,7 +5072,7 @@
                       <a:r>
                         <a:rPr lang="en-US" sz="1000" dirty="0">
                           <a:solidFill>
-                            <a:schemeClr val="bg1"/>
+                            <a:schemeClr val="tx1"/>
                           </a:solidFill>
                         </a:rPr>
                         <a:t>Producing</a:t>
@@ -7818,7 +5080,7 @@
                       <a:r>
                         <a:rPr lang="en-US" sz="1000" baseline="0" dirty="0">
                           <a:solidFill>
-                            <a:schemeClr val="bg1"/>
+                            <a:schemeClr val="tx1"/>
                           </a:solidFill>
                         </a:rPr>
                         <a:t> artifacts related to the project</a:t>
@@ -7832,7 +5094,7 @@
                       <a:r>
                         <a:rPr lang="en-US" sz="1000" baseline="0" dirty="0">
                           <a:solidFill>
-                            <a:schemeClr val="bg1"/>
+                            <a:schemeClr val="tx1"/>
                           </a:solidFill>
                         </a:rPr>
                         <a:t>Communicating with the Project Managers</a:t>
@@ -7846,7 +5108,7 @@
                       <a:r>
                         <a:rPr lang="en-US" sz="1000" baseline="0" dirty="0">
                           <a:solidFill>
-                            <a:schemeClr val="bg1"/>
+                            <a:schemeClr val="tx1"/>
                           </a:solidFill>
                         </a:rPr>
                         <a:t>Presenting finalized copy of the project</a:t>
@@ -7873,14 +5135,14 @@
                       <a:r>
                         <a:rPr lang="en-US" sz="1000" baseline="0" dirty="0">
                           <a:solidFill>
-                            <a:schemeClr val="bg1"/>
+                            <a:schemeClr val="tx1"/>
                           </a:solidFill>
                         </a:rPr>
                         <a:t>Completing tasks assigned by team lead</a:t>
                       </a:r>
                       <a:endParaRPr lang="en-US" sz="1000" dirty="0">
                         <a:solidFill>
-                          <a:schemeClr val="bg1"/>
+                          <a:schemeClr val="tx1"/>
                         </a:solidFill>
                       </a:endParaRPr>
                     </a:p>
@@ -7892,14 +5154,14 @@
                       <a:r>
                         <a:rPr lang="en-US" sz="1000" baseline="0" dirty="0">
                           <a:solidFill>
-                            <a:schemeClr val="bg1"/>
+                            <a:schemeClr val="tx1"/>
                           </a:solidFill>
                         </a:rPr>
                         <a:t> </a:t>
                       </a:r>
                       <a:endParaRPr lang="en-US" sz="1000" dirty="0">
                         <a:solidFill>
-                          <a:schemeClr val="bg1"/>
+                          <a:schemeClr val="tx1"/>
                         </a:solidFill>
                       </a:endParaRPr>
                     </a:p>
@@ -7918,7 +5180,7 @@
                       <a:r>
                         <a:rPr lang="en-US" sz="1000" dirty="0">
                           <a:solidFill>
-                            <a:schemeClr val="bg1"/>
+                            <a:schemeClr val="tx1"/>
                           </a:solidFill>
                         </a:rPr>
                         <a:t>1.2 Project Scope (all)</a:t>
@@ -7932,7 +5194,7 @@
                       <a:r>
                         <a:rPr lang="en-US" sz="1000" dirty="0">
                           <a:solidFill>
-                            <a:schemeClr val="bg1"/>
+                            <a:schemeClr val="tx1"/>
                           </a:solidFill>
                         </a:rPr>
                         <a:t>1.5 Management and Technical Constraints (all)</a:t>
@@ -7946,7 +5208,7 @@
                       <a:r>
                         <a:rPr lang="en-US" sz="1000" dirty="0">
                           <a:solidFill>
-                            <a:schemeClr val="bg1"/>
+                            <a:schemeClr val="tx1"/>
                           </a:solidFill>
                         </a:rPr>
                         <a:t>3.0 Risk Management (all)</a:t>
@@ -7960,7 +5222,7 @@
                       <a:r>
                         <a:rPr lang="en-US" sz="1000" dirty="0">
                           <a:solidFill>
-                            <a:schemeClr val="bg1"/>
+                            <a:schemeClr val="tx1"/>
                           </a:solidFill>
                         </a:rPr>
                         <a:t>2.3 Estimation Techniques Applied Results (all)</a:t>
@@ -7974,7 +5236,7 @@
                       <a:r>
                         <a:rPr lang="en-US" sz="1000" dirty="0">
                           <a:solidFill>
-                            <a:schemeClr val="bg1"/>
+                            <a:schemeClr val="tx1"/>
                           </a:solidFill>
                         </a:rPr>
                         <a:t>2.4 Reconciled Estimate </a:t>
@@ -7998,7 +5260,7 @@
                       <a:r>
                         <a:rPr lang="en-US" sz="1400" dirty="0">
                           <a:solidFill>
-                            <a:schemeClr val="bg1"/>
+                            <a:schemeClr val="tx1"/>
                           </a:solidFill>
                         </a:rPr>
                         <a:t>Cindy Samano</a:t>
@@ -8032,7 +5294,7 @@
                       <a:r>
                         <a:rPr lang="en-US" sz="1100" dirty="0">
                           <a:solidFill>
-                            <a:schemeClr val="bg1"/>
+                            <a:schemeClr val="tx1"/>
                           </a:solidFill>
                         </a:rPr>
                         <a:t>Developer</a:t>
@@ -8041,7 +5303,7 @@
                     <a:p>
                       <a:endParaRPr lang="en-US" sz="1100" dirty="0">
                         <a:solidFill>
-                          <a:schemeClr val="bg1"/>
+                          <a:schemeClr val="tx1"/>
                         </a:solidFill>
                       </a:endParaRPr>
                     </a:p>
@@ -8060,7 +5322,7 @@
                       <a:r>
                         <a:rPr lang="en-US" sz="1000" dirty="0">
                           <a:solidFill>
-                            <a:schemeClr val="bg1"/>
+                            <a:schemeClr val="tx1"/>
                           </a:solidFill>
                         </a:rPr>
                         <a:t>Producing</a:t>
@@ -8068,7 +5330,7 @@
                       <a:r>
                         <a:rPr lang="en-US" sz="1000" baseline="0" dirty="0">
                           <a:solidFill>
-                            <a:schemeClr val="bg1"/>
+                            <a:schemeClr val="tx1"/>
                           </a:solidFill>
                         </a:rPr>
                         <a:t> artifacts related to the project</a:t>
@@ -8082,7 +5344,7 @@
                       <a:r>
                         <a:rPr lang="en-US" sz="1000" baseline="0" dirty="0">
                           <a:solidFill>
-                            <a:schemeClr val="bg1"/>
+                            <a:schemeClr val="tx1"/>
                           </a:solidFill>
                         </a:rPr>
                         <a:t>Communicating with the Project Managers</a:t>
@@ -8096,7 +5358,7 @@
                       <a:r>
                         <a:rPr lang="en-US" sz="1000" baseline="0" dirty="0">
                           <a:solidFill>
-                            <a:schemeClr val="bg1"/>
+                            <a:schemeClr val="tx1"/>
                           </a:solidFill>
                         </a:rPr>
                         <a:t>Presenting finalized copy of the project</a:t>
@@ -8123,14 +5385,14 @@
                       <a:r>
                         <a:rPr lang="en-US" sz="1000" baseline="0" dirty="0">
                           <a:solidFill>
-                            <a:schemeClr val="bg1"/>
+                            <a:schemeClr val="tx1"/>
                           </a:solidFill>
                         </a:rPr>
                         <a:t>Completing tasks assigned by team lead</a:t>
                       </a:r>
                       <a:endParaRPr lang="en-US" sz="1000" dirty="0">
                         <a:solidFill>
-                          <a:schemeClr val="bg1"/>
+                          <a:schemeClr val="tx1"/>
                         </a:solidFill>
                       </a:endParaRPr>
                     </a:p>
@@ -8142,14 +5404,14 @@
                       <a:r>
                         <a:rPr lang="en-US" sz="1000" baseline="0" dirty="0">
                           <a:solidFill>
-                            <a:schemeClr val="bg1"/>
+                            <a:schemeClr val="tx1"/>
                           </a:solidFill>
                         </a:rPr>
                         <a:t> </a:t>
                       </a:r>
                       <a:endParaRPr lang="en-US" sz="1000" dirty="0">
                         <a:solidFill>
-                          <a:schemeClr val="bg1"/>
+                          <a:schemeClr val="tx1"/>
                         </a:solidFill>
                       </a:endParaRPr>
                     </a:p>
@@ -8168,7 +5430,7 @@
                       <a:r>
                         <a:rPr lang="en-US" sz="1000" dirty="0">
                           <a:solidFill>
-                            <a:schemeClr val="bg1"/>
+                            <a:schemeClr val="tx1"/>
                           </a:solidFill>
                         </a:rPr>
                         <a:t>Communication</a:t>
@@ -8176,7 +5438,7 @@
                       <a:r>
                         <a:rPr lang="en-US" sz="1000" baseline="0" dirty="0">
                           <a:solidFill>
-                            <a:schemeClr val="bg1"/>
+                            <a:schemeClr val="tx1"/>
                           </a:solidFill>
                         </a:rPr>
                         <a:t> plan</a:t>
@@ -8190,7 +5452,7 @@
                       <a:r>
                         <a:rPr lang="en-US" sz="1000" baseline="0" dirty="0">
                           <a:solidFill>
-                            <a:schemeClr val="bg1"/>
+                            <a:schemeClr val="tx1"/>
                           </a:solidFill>
                         </a:rPr>
                         <a:t>Exception calendar </a:t>
@@ -8204,7 +5466,7 @@
                       <a:r>
                         <a:rPr lang="en-US" sz="1000" baseline="0" dirty="0">
                           <a:solidFill>
-                            <a:schemeClr val="bg1"/>
+                            <a:schemeClr val="tx1"/>
                           </a:solidFill>
                         </a:rPr>
                         <a:t>Availability sheet</a:t>
@@ -8218,7 +5480,7 @@
                       <a:r>
                         <a:rPr lang="en-US" sz="1000" dirty="0">
                           <a:solidFill>
-                            <a:schemeClr val="bg1"/>
+                            <a:schemeClr val="tx1"/>
                           </a:solidFill>
                         </a:rPr>
                         <a:t>1.1 Problem Statement</a:t>
@@ -8232,7 +5494,7 @@
                       <a:r>
                         <a:rPr lang="en-US" sz="1000" dirty="0">
                           <a:solidFill>
-                            <a:schemeClr val="bg1"/>
+                            <a:schemeClr val="tx1"/>
                           </a:solidFill>
                         </a:rPr>
                         <a:t>1.3 Major Software Functions</a:t>
@@ -8246,10 +5508,52 @@
                       <a:r>
                         <a:rPr lang="en-US" sz="1000" dirty="0">
                           <a:solidFill>
-                            <a:schemeClr val="bg1"/>
+                            <a:schemeClr val="tx1"/>
                           </a:solidFill>
                         </a:rPr>
                         <a:t>6.0 (all)</a:t>
+                      </a:r>
+                    </a:p>
+                    <a:p>
+                      <a:pPr marL="171450" indent="-171450">
+                        <a:buFont typeface="Arial" panose="020B0604020202020204" pitchFamily="34" charset="0"/>
+                        <a:buChar char="•"/>
+                      </a:pPr>
+                      <a:r>
+                        <a:rPr lang="en-US" sz="1000" dirty="0">
+                          <a:solidFill>
+                            <a:schemeClr val="tx1"/>
+                          </a:solidFill>
+                        </a:rPr>
+                        <a:t> SPMP Reformatting</a:t>
+                      </a:r>
+                    </a:p>
+                    <a:p>
+                      <a:pPr marL="171450" indent="-171450">
+                        <a:buFont typeface="Arial" panose="020B0604020202020204" pitchFamily="34" charset="0"/>
+                        <a:buChar char="•"/>
+                      </a:pPr>
+                      <a:r>
+                        <a:rPr lang="en-US" sz="1000" dirty="0">
+                          <a:solidFill>
+                            <a:schemeClr val="tx1"/>
+                          </a:solidFill>
+                        </a:rPr>
+                        <a:t> SPMP Compilation</a:t>
+                      </a:r>
+                    </a:p>
+                    <a:p>
+                      <a:pPr marL="171450" indent="-171450">
+                        <a:buFont typeface="Arial" panose="020B0604020202020204" pitchFamily="34" charset="0"/>
+                        <a:buChar char="•"/>
+                      </a:pPr>
+                      <a:r>
+                        <a:rPr lang="en-US" sz="1000" dirty="0">
+                          <a:solidFill>
+                            <a:schemeClr val="tx1"/>
+                          </a:solidFill>
+                        </a:rPr>
+                        <a:t>Presentation Tasks</a:t>
                       </a:r>
                     </a:p>
                   </a:txBody>
@@ -8287,7 +5591,7 @@
                       <a:r>
                         <a:rPr lang="en-US" sz="1400" dirty="0">
                           <a:solidFill>
-                            <a:schemeClr val="bg1"/>
+                            <a:schemeClr val="tx1"/>
                           </a:solidFill>
                         </a:rPr>
                         <a:t>Reggie </a:t>
@@ -8295,21 +5599,21 @@
                       <a:r>
                         <a:rPr lang="en-US" sz="1400" dirty="0" err="1">
                           <a:solidFill>
-                            <a:schemeClr val="bg1"/>
+                            <a:schemeClr val="tx1"/>
                           </a:solidFill>
                         </a:rPr>
                         <a:t>Jirigesu</a:t>
                       </a:r>
                       <a:endParaRPr lang="en-US" sz="1400" dirty="0">
                         <a:solidFill>
-                          <a:schemeClr val="bg1"/>
+                          <a:schemeClr val="tx1"/>
                         </a:solidFill>
                       </a:endParaRPr>
                     </a:p>
                     <a:p>
                       <a:endParaRPr lang="en-US" sz="1100" dirty="0">
                         <a:solidFill>
-                          <a:schemeClr val="bg1"/>
+                          <a:schemeClr val="tx1"/>
                         </a:solidFill>
                       </a:endParaRPr>
                     </a:p>
@@ -8324,7 +5628,7 @@
                       <a:r>
                         <a:rPr lang="en-US" sz="1100" dirty="0">
                           <a:solidFill>
-                            <a:schemeClr val="bg1"/>
+                            <a:schemeClr val="tx1"/>
                           </a:solidFill>
                         </a:rPr>
                         <a:t>Project Manager</a:t>
@@ -8345,7 +5649,7 @@
                       <a:r>
                         <a:rPr lang="en-US" sz="1000" dirty="0">
                           <a:solidFill>
-                            <a:schemeClr val="bg1"/>
+                            <a:schemeClr val="tx1"/>
                           </a:solidFill>
                         </a:rPr>
                         <a:t>Review and sign off</a:t>
@@ -8353,7 +5657,7 @@
                       <a:r>
                         <a:rPr lang="en-US" sz="1000" baseline="0" dirty="0">
                           <a:solidFill>
-                            <a:schemeClr val="bg1"/>
+                            <a:schemeClr val="tx1"/>
                           </a:solidFill>
                         </a:rPr>
                         <a:t> on SPMP artifacts</a:t>
@@ -8367,7 +5671,7 @@
                       <a:r>
                         <a:rPr lang="en-US" sz="1000" baseline="0" dirty="0">
                           <a:solidFill>
-                            <a:schemeClr val="bg1"/>
+                            <a:schemeClr val="tx1"/>
                           </a:solidFill>
                         </a:rPr>
                         <a:t>Sign off on progress reports</a:t>
@@ -8381,14 +5685,14 @@
                       <a:r>
                         <a:rPr lang="en-US" sz="1000" baseline="0" dirty="0">
                           <a:solidFill>
-                            <a:schemeClr val="bg1"/>
+                            <a:schemeClr val="tx1"/>
                           </a:solidFill>
                         </a:rPr>
                         <a:t>Provide guidance and recommendations with all aspects of project.</a:t>
                       </a:r>
                       <a:endParaRPr lang="en-US" sz="1000" dirty="0">
                         <a:solidFill>
-                          <a:schemeClr val="bg1"/>
+                          <a:schemeClr val="tx1"/>
                         </a:solidFill>
                       </a:endParaRPr>
                     </a:p>
@@ -8402,7 +5706,7 @@
                     <a:p>
                       <a:endParaRPr lang="en-US" dirty="0">
                         <a:solidFill>
-                          <a:schemeClr val="bg1"/>
+                          <a:schemeClr val="tx1"/>
                         </a:solidFill>
                       </a:endParaRPr>
                     </a:p>
@@ -8441,7 +5745,7 @@
                       <a:r>
                         <a:rPr lang="en-US" sz="1400" dirty="0" err="1">
                           <a:solidFill>
-                            <a:schemeClr val="bg1"/>
+                            <a:schemeClr val="tx1"/>
                           </a:solidFill>
                         </a:rPr>
                         <a:t>Wenhao</a:t>
@@ -8449,7 +5753,7 @@
                       <a:r>
                         <a:rPr lang="en-US" sz="1400" dirty="0">
                           <a:solidFill>
-                            <a:schemeClr val="bg1"/>
+                            <a:schemeClr val="tx1"/>
                           </a:solidFill>
                         </a:rPr>
                         <a:t> Zhang</a:t>
@@ -8466,7 +5770,7 @@
                       <a:r>
                         <a:rPr lang="en-US" sz="1100" dirty="0">
                           <a:solidFill>
-                            <a:schemeClr val="bg1"/>
+                            <a:schemeClr val="tx1"/>
                           </a:solidFill>
                         </a:rPr>
                         <a:t>Project Manager</a:t>
@@ -8487,7 +5791,7 @@
                       <a:r>
                         <a:rPr lang="en-US" sz="1000" dirty="0">
                           <a:solidFill>
-                            <a:schemeClr val="bg1"/>
+                            <a:schemeClr val="tx1"/>
                           </a:solidFill>
                         </a:rPr>
                         <a:t>Review</a:t>
@@ -8495,7 +5799,7 @@
                       <a:r>
                         <a:rPr lang="en-US" sz="1000" baseline="0" dirty="0">
                           <a:solidFill>
-                            <a:schemeClr val="bg1"/>
+                            <a:schemeClr val="tx1"/>
                           </a:solidFill>
                         </a:rPr>
                         <a:t> and sign off</a:t>
@@ -8503,7 +5807,7 @@
                       <a:r>
                         <a:rPr lang="en-US" sz="1000" dirty="0">
                           <a:solidFill>
-                            <a:schemeClr val="bg1"/>
+                            <a:schemeClr val="tx1"/>
                           </a:solidFill>
                         </a:rPr>
                         <a:t> on SPMP artifacts</a:t>
@@ -8517,7 +5821,7 @@
                       <a:r>
                         <a:rPr lang="en-US" sz="1000" dirty="0">
                           <a:solidFill>
-                            <a:schemeClr val="bg1"/>
+                            <a:schemeClr val="tx1"/>
                           </a:solidFill>
                         </a:rPr>
                         <a:t>Sign off</a:t>
@@ -8525,7 +5829,7 @@
                       <a:r>
                         <a:rPr lang="en-US" sz="1000" baseline="0" dirty="0">
                           <a:solidFill>
-                            <a:schemeClr val="bg1"/>
+                            <a:schemeClr val="tx1"/>
                           </a:solidFill>
                         </a:rPr>
                         <a:t> on progress reports </a:t>
@@ -8552,14 +5856,14 @@
                       <a:r>
                         <a:rPr lang="en-US" sz="1000" baseline="0" dirty="0">
                           <a:solidFill>
-                            <a:schemeClr val="bg1"/>
+                            <a:schemeClr val="tx1"/>
                           </a:solidFill>
                         </a:rPr>
                         <a:t>Provide guidance and recommendations with all aspects of project.</a:t>
                       </a:r>
                       <a:endParaRPr lang="en-US" sz="1000" dirty="0">
                         <a:solidFill>
-                          <a:schemeClr val="bg1"/>
+                          <a:schemeClr val="tx1"/>
                         </a:solidFill>
                       </a:endParaRPr>
                     </a:p>
@@ -8573,7 +5877,7 @@
                     <a:p>
                       <a:endParaRPr lang="en-US" dirty="0">
                         <a:solidFill>
-                          <a:schemeClr val="bg1"/>
+                          <a:schemeClr val="tx1"/>
                         </a:solidFill>
                       </a:endParaRPr>
                     </a:p>
@@ -8637,7 +5941,14 @@
           <a:p>
             <a:r>
               <a:rPr lang="en-US" dirty="0"/>
-              <a:t>How we did it</a:t>
+              <a:t>How we did it:</a:t>
+            </a:r>
+            <a:br>
+              <a:rPr lang="en-US" dirty="0"/>
+            </a:br>
+            <a:r>
+              <a:rPr lang="en-US" sz="2800" dirty="0"/>
+              <a:t>Tools used</a:t>
             </a:r>
           </a:p>
         </p:txBody>
@@ -8657,28 +5968,72 @@
           <a:bodyPr/>
           <a:lstStyle/>
           <a:p>
+            <a:pPr marL="0" indent="0">
+              <a:buNone/>
+            </a:pPr>
             <a:r>
               <a:rPr lang="en-US" dirty="0"/>
-              <a:t>Establish meeting dates</a:t>
-            </a:r>
-            <a:r>
-              <a:rPr lang="en-US"/>
-              <a:t>: Recurring </a:t>
-            </a:r>
+              <a:t>Communication tools:</a:t>
+            </a:r>
+          </a:p>
+          <a:p>
+            <a:pPr lvl="1"/>
             <a:r>
               <a:rPr lang="en-US" dirty="0"/>
-              <a:t>Sunday </a:t>
-            </a:r>
-            <a:r>
-              <a:rPr lang="en-US"/>
-              <a:t>meetings in-Person.</a:t>
-            </a:r>
-            <a:endParaRPr lang="en-US" dirty="0"/>
-          </a:p>
-          <a:p>
+              <a:t>Slack: Main method of communication between team members.</a:t>
+            </a:r>
+          </a:p>
+          <a:p>
+            <a:pPr lvl="1"/>
             <a:r>
               <a:rPr lang="en-US" dirty="0"/>
-              <a:t>Establish communication tools</a:t>
+              <a:t>Google Docs and Google Calendar</a:t>
+            </a:r>
+          </a:p>
+          <a:p>
+            <a:pPr marL="0" indent="0">
+              <a:buNone/>
+            </a:pPr>
+            <a:r>
+              <a:rPr lang="en-US" dirty="0"/>
+              <a:t>Organization tools:</a:t>
+            </a:r>
+          </a:p>
+          <a:p>
+            <a:pPr lvl="1"/>
+            <a:r>
+              <a:rPr lang="en-US" dirty="0"/>
+              <a:t>Wrike Project Management</a:t>
+            </a:r>
+          </a:p>
+          <a:p>
+            <a:pPr lvl="1"/>
+            <a:r>
+              <a:rPr lang="en-US" dirty="0"/>
+              <a:t>Microsoft project</a:t>
+            </a:r>
+          </a:p>
+          <a:p>
+            <a:pPr lvl="1"/>
+            <a:r>
+              <a:rPr lang="en-US" dirty="0"/>
+              <a:t>GitHub</a:t>
+            </a:r>
+          </a:p>
+          <a:p>
+            <a:pPr marL="0" indent="0">
+              <a:buNone/>
+            </a:pPr>
+            <a:r>
+              <a:rPr lang="en-US" dirty="0"/>
+              <a:t>Time Tracking tool:</a:t>
+            </a:r>
+          </a:p>
+          <a:p>
+            <a:pPr lvl="1"/>
+            <a:r>
+              <a:rPr lang="en-US" dirty="0"/>
+              <a:t>Toggl</a:t>
             </a:r>
           </a:p>
         </p:txBody>
@@ -8686,7 +6041,7 @@
     </p:spTree>
     <p:extLst>
       <p:ext uri="{BB962C8B-B14F-4D97-AF65-F5344CB8AC3E}">
-        <p14:creationId xmlns:p14="http://schemas.microsoft.com/office/powerpoint/2010/main" val="3827384116"/>
+        <p14:creationId xmlns:p14="http://schemas.microsoft.com/office/powerpoint/2010/main" val="1086206551"/>
       </p:ext>
     </p:extLst>
   </p:cSld>
@@ -8730,7 +6085,14 @@
           <a:p>
             <a:r>
               <a:rPr lang="en-US" dirty="0"/>
-              <a:t>What worked</a:t>
+              <a:t>How we did it:</a:t>
+            </a:r>
+            <a:br>
+              <a:rPr lang="en-US" dirty="0"/>
+            </a:br>
+            <a:r>
+              <a:rPr lang="en-US" sz="2800" dirty="0"/>
+              <a:t>Communication Plan</a:t>
             </a:r>
           </a:p>
         </p:txBody>
@@ -8747,17 +6109,94 @@
         </p:nvSpPr>
         <p:spPr/>
         <p:txBody>
-          <a:bodyPr/>
+          <a:bodyPr>
+            <a:normAutofit lnSpcReduction="10000"/>
+          </a:bodyPr>
           <a:lstStyle/>
           <a:p>
-            <a:endParaRPr lang="en-US"/>
+            <a:pPr marL="0" indent="0">
+              <a:buNone/>
+            </a:pPr>
+            <a:r>
+              <a:rPr lang="en-US" dirty="0"/>
+              <a:t>Checking Slack once a day:</a:t>
+            </a:r>
+          </a:p>
+          <a:p>
+            <a:pPr lvl="1"/>
+            <a:r>
+              <a:rPr lang="en-US" dirty="0"/>
+              <a:t>Requiring Team members to check Slack at least once per day to stay up to date with project discussions.</a:t>
+            </a:r>
+          </a:p>
+          <a:p>
+            <a:pPr marL="0" indent="0">
+              <a:buNone/>
+            </a:pPr>
+            <a:r>
+              <a:rPr lang="en-US" dirty="0"/>
+              <a:t>Establish meeting dates: Recurring in-person meetings on Sundays</a:t>
+            </a:r>
+          </a:p>
+          <a:p>
+            <a:pPr lvl="1"/>
+            <a:r>
+              <a:rPr lang="en-US" dirty="0"/>
+              <a:t>Slack channel “</a:t>
+            </a:r>
+            <a:r>
+              <a:rPr lang="en-US" dirty="0" err="1"/>
+              <a:t>meeting_minutes</a:t>
+            </a:r>
+            <a:r>
+              <a:rPr lang="en-US" dirty="0"/>
+              <a:t>” contained an overview of the discussions from in-person meetings.</a:t>
+            </a:r>
+          </a:p>
+          <a:p>
+            <a:pPr marL="0" indent="0">
+              <a:buNone/>
+            </a:pPr>
+            <a:r>
+              <a:rPr lang="en-US" dirty="0"/>
+              <a:t>General Availability Doc:</a:t>
+            </a:r>
+          </a:p>
+          <a:p>
+            <a:pPr lvl="1"/>
+            <a:r>
+              <a:rPr lang="en-US" dirty="0"/>
+              <a:t>Requiring team members to fill in their general availability during the week.</a:t>
+            </a:r>
+          </a:p>
+          <a:p>
+            <a:pPr marL="0" indent="0">
+              <a:buNone/>
+            </a:pPr>
+            <a:r>
+              <a:rPr lang="en-US" dirty="0"/>
+              <a:t>Exceptions Calendar:</a:t>
+            </a:r>
+          </a:p>
+          <a:p>
+            <a:pPr lvl="1"/>
+            <a:r>
+              <a:rPr lang="en-US" dirty="0"/>
+              <a:t>If team member had a change to their general availability and were not available on a specific say, they has to report it to this calendar.</a:t>
+            </a:r>
+          </a:p>
+          <a:p>
+            <a:pPr marL="0" indent="0">
+              <a:buNone/>
+            </a:pPr>
+            <a:endParaRPr lang="en-US" dirty="0"/>
           </a:p>
         </p:txBody>
       </p:sp>
     </p:spTree>
     <p:extLst>
       <p:ext uri="{BB962C8B-B14F-4D97-AF65-F5344CB8AC3E}">
-        <p14:creationId xmlns:p14="http://schemas.microsoft.com/office/powerpoint/2010/main" val="1878087913"/>
+        <p14:creationId xmlns:p14="http://schemas.microsoft.com/office/powerpoint/2010/main" val="169307868"/>
       </p:ext>
     </p:extLst>
   </p:cSld>
@@ -8801,7 +6240,7 @@
           <a:p>
             <a:r>
               <a:rPr lang="en-US" dirty="0"/>
-              <a:t>What did not work</a:t>
+              <a:t>What worked</a:t>
             </a:r>
           </a:p>
         </p:txBody>
@@ -8821,14 +6260,41 @@
           <a:bodyPr/>
           <a:lstStyle/>
           <a:p>
-            <a:endParaRPr lang="en-US"/>
+            <a:r>
+              <a:rPr lang="en-US" dirty="0"/>
+              <a:t>In-person meetings</a:t>
+            </a:r>
+          </a:p>
+          <a:p>
+            <a:r>
+              <a:rPr lang="en-US" dirty="0"/>
+              <a:t>Team structure</a:t>
+            </a:r>
+          </a:p>
+          <a:p>
+            <a:r>
+              <a:rPr lang="en-US" dirty="0"/>
+              <a:t>Team communication (excluding Project Managers)</a:t>
+            </a:r>
+          </a:p>
+          <a:p>
+            <a:r>
+              <a:rPr lang="en-US" dirty="0"/>
+              <a:t>Risk management</a:t>
+            </a:r>
+          </a:p>
+          <a:p>
+            <a:r>
+              <a:rPr lang="en-US" dirty="0"/>
+              <a:t>Tracking and Control Mechanisms</a:t>
+            </a:r>
           </a:p>
         </p:txBody>
       </p:sp>
     </p:spTree>
     <p:extLst>
       <p:ext uri="{BB962C8B-B14F-4D97-AF65-F5344CB8AC3E}">
-        <p14:creationId xmlns:p14="http://schemas.microsoft.com/office/powerpoint/2010/main" val="4030846354"/>
+        <p14:creationId xmlns:p14="http://schemas.microsoft.com/office/powerpoint/2010/main" val="1878087913"/>
       </p:ext>
     </p:extLst>
   </p:cSld>
@@ -8872,7 +6338,7 @@
           <a:p>
             <a:r>
               <a:rPr lang="en-US" dirty="0"/>
-              <a:t>Justification of Decisions </a:t>
+              <a:t>What did not work</a:t>
             </a:r>
           </a:p>
         </p:txBody>
@@ -8892,14 +6358,14 @@
           <a:bodyPr/>
           <a:lstStyle/>
           <a:p>
-            <a:endParaRPr lang="en-US"/>
+            <a:endParaRPr lang="en-US" dirty="0"/>
           </a:p>
         </p:txBody>
       </p:sp>
     </p:spTree>
     <p:extLst>
       <p:ext uri="{BB962C8B-B14F-4D97-AF65-F5344CB8AC3E}">
-        <p14:creationId xmlns:p14="http://schemas.microsoft.com/office/powerpoint/2010/main" val="1833733067"/>
+        <p14:creationId xmlns:p14="http://schemas.microsoft.com/office/powerpoint/2010/main" val="4030846354"/>
       </p:ext>
     </p:extLst>
   </p:cSld>
@@ -8910,9 +6376,9 @@
 </file>
 
 <file path=ppt/theme/theme1.xml><?xml version="1.0" encoding="utf-8"?>
-<a:theme xmlns:a="http://schemas.openxmlformats.org/drawingml/2006/main" name="Ion">
+<a:theme xmlns:a="http://schemas.openxmlformats.org/drawingml/2006/main" name="Basis">
   <a:themeElements>
-    <a:clrScheme name="Ion">
+    <a:clrScheme name="Office 2007-2010">
       <a:dk1>
         <a:sysClr val="windowText" lastClr="000000"/>
       </a:dk1>
@@ -8920,83 +6386,48 @@
         <a:sysClr val="window" lastClr="FFFFFF"/>
       </a:lt1>
       <a:dk2>
-        <a:srgbClr val="1E5155"/>
+        <a:srgbClr val="1F497D"/>
       </a:dk2>
       <a:lt2>
-        <a:srgbClr val="EBEBEB"/>
+        <a:srgbClr val="EEECE1"/>
       </a:lt2>
       <a:accent1>
-        <a:srgbClr val="B01513"/>
+        <a:srgbClr val="4F81BD"/>
       </a:accent1>
       <a:accent2>
-        <a:srgbClr val="EA6312"/>
+        <a:srgbClr val="C0504D"/>
       </a:accent2>
       <a:accent3>
-        <a:srgbClr val="E6B729"/>
+        <a:srgbClr val="9BBB59"/>
       </a:accent3>
       <a:accent4>
-        <a:srgbClr val="6AAC90"/>
+        <a:srgbClr val="8064A2"/>
       </a:accent4>
       <a:accent5>
-        <a:srgbClr val="54849A"/>
+        <a:srgbClr val="4BACC6"/>
       </a:accent5>
       <a:accent6>
-        <a:srgbClr val="9E5E9B"/>
+        <a:srgbClr val="F79646"/>
       </a:accent6>
       <a:hlink>
-        <a:srgbClr val="58C1BA"/>
+        <a:srgbClr val="0000FF"/>
       </a:hlink>
       <a:folHlink>
-        <a:srgbClr val="9DFFCB"/>
+        <a:srgbClr val="800080"/>
       </a:folHlink>
     </a:clrScheme>
-    <a:fontScheme name="Ion">
+    <a:fontScheme name="Basis">
       <a:majorFont>
-        <a:latin typeface="Century Gothic" panose="020B0502020202020204"/>
+        <a:latin typeface="Corbel" panose="020B0503020204020204"/>
         <a:ea typeface=""/>
         <a:cs typeface=""/>
-        <a:font script="Jpan" typeface="メイリオ"/>
+        <a:font script="Jpan" typeface="ＭＳ ゴシック"/>
         <a:font script="Hang" typeface="맑은 고딕"/>
         <a:font script="Hans" typeface="宋体"/>
         <a:font script="Hant" typeface="新細明體"/>
-        <a:font script="Arab" typeface="Times New Roman"/>
-        <a:font script="Hebr" typeface="Times New Roman"/>
-        <a:font script="Thai" typeface="Angsana New"/>
-        <a:font script="Ethi" typeface="Nyala"/>
-        <a:font script="Beng" typeface="Vrinda"/>
-        <a:font script="Gujr" typeface="Shruti"/>
-        <a:font script="Khmr" typeface="MoolBoran"/>
-        <a:font script="Knda" typeface="Tunga"/>
-        <a:font script="Guru" typeface="Raavi"/>
-        <a:font script="Cans" typeface="Euphemia"/>
-        <a:font script="Cher" typeface="Plantagenet Cherokee"/>
-        <a:font script="Yiii" typeface="Microsoft Yi Baiti"/>
-        <a:font script="Tibt" typeface="Microsoft Himalaya"/>
-        <a:font script="Thaa" typeface="MV Boli"/>
-        <a:font script="Deva" typeface="Mangal"/>
-        <a:font script="Telu" typeface="Gautami"/>
-        <a:font script="Taml" typeface="Latha"/>
-        <a:font script="Syrc" typeface="Estrangelo Edessa"/>
-        <a:font script="Orya" typeface="Kalinga"/>
-        <a:font script="Mlym" typeface="Kartika"/>
-        <a:font script="Laoo" typeface="DokChampa"/>
-        <a:font script="Sinh" typeface="Iskoola Pota"/>
-        <a:font script="Mong" typeface="Mongolian Baiti"/>
-        <a:font script="Viet" typeface="Times New Roman"/>
-        <a:font script="Uigh" typeface="Microsoft Uighur"/>
-        <a:font script="Geor" typeface="Sylfaen"/>
-      </a:majorFont>
-      <a:minorFont>
-        <a:latin typeface="Century Gothic" panose="020B0502020202020204"/>
-        <a:ea typeface=""/>
-        <a:cs typeface=""/>
-        <a:font script="Jpan" typeface="メイリオ"/>
-        <a:font script="Hang" typeface="맑은 고딕"/>
-        <a:font script="Hans" typeface="宋体"/>
-        <a:font script="Hant" typeface="新細明體"/>
-        <a:font script="Arab" typeface="Arial"/>
-        <a:font script="Hebr" typeface="Arial"/>
-        <a:font script="Thai" typeface="Cordia New"/>
+        <a:font script="Arab" typeface="Tahoma"/>
+        <a:font script="Hebr" typeface="Gisha"/>
+        <a:font script="Thai" typeface="DilleniaUPC"/>
         <a:font script="Ethi" typeface="Nyala"/>
         <a:font script="Beng" typeface="Vrinda"/>
         <a:font script="Gujr" typeface="Shruti"/>
@@ -9017,66 +6448,94 @@
         <a:font script="Laoo" typeface="DokChampa"/>
         <a:font script="Sinh" typeface="Iskoola Pota"/>
         <a:font script="Mong" typeface="Mongolian Baiti"/>
-        <a:font script="Viet" typeface="Arial"/>
+        <a:font script="Viet" typeface="Tahoma"/>
+        <a:font script="Uigh" typeface="Microsoft Uighur"/>
+        <a:font script="Geor" typeface="Sylfaen"/>
+      </a:majorFont>
+      <a:minorFont>
+        <a:latin typeface="Corbel" panose="020B0503020204020204"/>
+        <a:ea typeface=""/>
+        <a:cs typeface=""/>
+        <a:font script="Jpan" typeface="ＭＳ ゴシック"/>
+        <a:font script="Hang" typeface="맑은 고딕"/>
+        <a:font script="Hans" typeface="宋体"/>
+        <a:font script="Hant" typeface="新細明體"/>
+        <a:font script="Arab" typeface="Tahoma"/>
+        <a:font script="Hebr" typeface="Gisha"/>
+        <a:font script="Thai" typeface="DilleniaUPC"/>
+        <a:font script="Ethi" typeface="Nyala"/>
+        <a:font script="Beng" typeface="Vrinda"/>
+        <a:font script="Gujr" typeface="Shruti"/>
+        <a:font script="Khmr" typeface="DaunPenh"/>
+        <a:font script="Knda" typeface="Tunga"/>
+        <a:font script="Guru" typeface="Raavi"/>
+        <a:font script="Cans" typeface="Euphemia"/>
+        <a:font script="Cher" typeface="Plantagenet Cherokee"/>
+        <a:font script="Yiii" typeface="Microsoft Yi Baiti"/>
+        <a:font script="Tibt" typeface="Microsoft Himalaya"/>
+        <a:font script="Thaa" typeface="MV Boli"/>
+        <a:font script="Deva" typeface="Mangal"/>
+        <a:font script="Telu" typeface="Gautami"/>
+        <a:font script="Taml" typeface="Latha"/>
+        <a:font script="Syrc" typeface="Estrangelo Edessa"/>
+        <a:font script="Orya" typeface="Kalinga"/>
+        <a:font script="Mlym" typeface="Kartika"/>
+        <a:font script="Laoo" typeface="DokChampa"/>
+        <a:font script="Sinh" typeface="Iskoola Pota"/>
+        <a:font script="Mong" typeface="Mongolian Baiti"/>
+        <a:font script="Viet" typeface="Verdana"/>
         <a:font script="Uigh" typeface="Microsoft Uighur"/>
         <a:font script="Geor" typeface="Sylfaen"/>
       </a:minorFont>
     </a:fontScheme>
-    <a:fmtScheme name="Ion">
+    <a:fmtScheme name="Basis">
       <a:fillStyleLst>
         <a:solidFill>
           <a:schemeClr val="phClr"/>
         </a:solidFill>
+        <a:solidFill>
+          <a:schemeClr val="phClr">
+            <a:tint val="55000"/>
+            <a:satMod val="130000"/>
+          </a:schemeClr>
+        </a:solidFill>
         <a:gradFill rotWithShape="1">
           <a:gsLst>
             <a:gs pos="0">
+              <a:schemeClr val="phClr"/>
+            </a:gs>
+            <a:gs pos="90000">
               <a:schemeClr val="phClr">
-                <a:tint val="64000"/>
-                <a:lumMod val="118000"/>
+                <a:shade val="100000"/>
+                <a:satMod val="105000"/>
               </a:schemeClr>
             </a:gs>
             <a:gs pos="100000">
               <a:schemeClr val="phClr">
-                <a:tint val="92000"/>
-                <a:alpha val="100000"/>
-                <a:lumMod val="110000"/>
+                <a:shade val="80000"/>
+                <a:satMod val="120000"/>
               </a:schemeClr>
             </a:gs>
           </a:gsLst>
-          <a:lin ang="5400000" scaled="0"/>
-        </a:gradFill>
-        <a:gradFill rotWithShape="1">
-          <a:gsLst>
-            <a:gs pos="0">
-              <a:schemeClr val="phClr">
-                <a:tint val="98000"/>
-                <a:lumMod val="114000"/>
-              </a:schemeClr>
-            </a:gs>
-            <a:gs pos="100000">
-              <a:schemeClr val="phClr">
-                <a:shade val="90000"/>
-                <a:lumMod val="84000"/>
-              </a:schemeClr>
-            </a:gs>
-          </a:gsLst>
-          <a:lin ang="5400000" scaled="0"/>
+          <a:path path="circle">
+            <a:fillToRect l="100000" t="100000" r="100000" b="100000"/>
+          </a:path>
         </a:gradFill>
       </a:fillStyleLst>
       <a:lnStyleLst>
-        <a:ln w="9525" cap="rnd" cmpd="sng" algn="ctr">
+        <a:ln w="10000" cap="flat" cmpd="sng" algn="ctr">
           <a:solidFill>
             <a:schemeClr val="phClr"/>
           </a:solidFill>
           <a:prstDash val="solid"/>
         </a:ln>
-        <a:ln w="19050" cap="rnd" cmpd="sng" algn="ctr">
+        <a:ln w="19050" cap="flat" cmpd="sng" algn="ctr">
           <a:solidFill>
             <a:schemeClr val="phClr"/>
           </a:solidFill>
           <a:prstDash val="solid"/>
         </a:ln>
-        <a:ln w="28575" cap="rnd" cmpd="sng" algn="ctr">
+        <a:ln w="53975" cap="flat" cmpd="dbl" algn="ctr">
           <a:solidFill>
             <a:schemeClr val="phClr"/>
           </a:solidFill>
@@ -9098,9 +6557,9 @@
         </a:effectStyle>
         <a:effectStyle>
           <a:effectLst>
-            <a:outerShdw blurRad="63500" dist="38100" dir="5400000" rotWithShape="0">
+            <a:outerShdw blurRad="38100" dist="25400" dir="5400000" rotWithShape="0">
               <a:srgbClr val="000000">
-                <a:alpha val="60000"/>
+                <a:alpha val="45000"/>
               </a:srgbClr>
             </a:outerShdw>
           </a:effectLst>
@@ -9108,10 +6567,16 @@
             <a:camera prst="orthographicFront">
               <a:rot lat="0" lon="0" rev="0"/>
             </a:camera>
-            <a:lightRig rig="threePt" dir="tl"/>
+            <a:lightRig rig="brightRoom" dir="t"/>
           </a:scene3d>
-          <a:sp3d prstMaterial="plastic">
-            <a:bevelT w="0" h="0"/>
+          <a:sp3d extrusionH="12700" contourW="25400" prstMaterial="flat">
+            <a:bevelT w="63500" h="152400" prst="angle"/>
+            <a:contourClr>
+              <a:schemeClr val="phClr">
+                <a:shade val="27000"/>
+                <a:satMod val="120000"/>
+              </a:schemeClr>
+            </a:contourClr>
           </a:sp3d>
         </a:effectStyle>
       </a:effectStyleLst>
@@ -9119,49 +6584,21 @@
         <a:solidFill>
           <a:schemeClr val="phClr"/>
         </a:solidFill>
-        <a:gradFill rotWithShape="1">
-          <a:gsLst>
-            <a:gs pos="0">
-              <a:schemeClr val="phClr">
-                <a:tint val="97000"/>
-                <a:hueMod val="88000"/>
-                <a:satMod val="130000"/>
-                <a:lumMod val="124000"/>
-              </a:schemeClr>
-            </a:gs>
-            <a:gs pos="100000">
-              <a:schemeClr val="phClr">
-                <a:tint val="96000"/>
-                <a:shade val="88000"/>
-                <a:hueMod val="108000"/>
-                <a:satMod val="164000"/>
-                <a:lumMod val="76000"/>
-              </a:schemeClr>
-            </a:gs>
-          </a:gsLst>
-          <a:path path="circle">
-            <a:fillToRect l="45000" t="65000" r="125000" b="100000"/>
-          </a:path>
-        </a:gradFill>
-        <a:blipFill rotWithShape="1">
-          <a:blip xmlns:r="http://schemas.openxmlformats.org/officeDocument/2006/relationships" r:embed="rId1">
-            <a:duotone>
-              <a:schemeClr val="phClr">
-                <a:shade val="69000"/>
-                <a:hueMod val="108000"/>
-                <a:satMod val="164000"/>
-                <a:lumMod val="74000"/>
-              </a:schemeClr>
-              <a:schemeClr val="phClr">
-                <a:tint val="96000"/>
-                <a:hueMod val="88000"/>
-                <a:satMod val="140000"/>
-                <a:lumMod val="132000"/>
-              </a:schemeClr>
-            </a:duotone>
-          </a:blip>
-          <a:stretch/>
-        </a:blipFill>
+        <a:solidFill>
+          <a:schemeClr val="phClr">
+            <a:tint val="95000"/>
+            <a:shade val="95000"/>
+            <a:satMod val="140000"/>
+          </a:schemeClr>
+        </a:solidFill>
+        <a:solidFill>
+          <a:schemeClr val="phClr">
+            <a:tint val="90000"/>
+            <a:shade val="85000"/>
+            <a:satMod val="160000"/>
+            <a:lumMod val="110000"/>
+          </a:schemeClr>
+        </a:solidFill>
       </a:bgFillStyleLst>
     </a:fmtScheme>
   </a:themeElements>
@@ -9169,7 +6606,7 @@
   <a:extraClrSchemeLst/>
   <a:extLst>
     <a:ext uri="{05A4C25C-085E-4340-85A3-A5531E510DB2}">
-      <thm15:themeFamily xmlns:thm15="http://schemas.microsoft.com/office/thememl/2012/main" name="Ion" id="{B8441ADB-2E43-4AF7-B97A-BD870242C6A8}" vid="{292E63A9-BB86-4E3D-B92A-7223C6510D2E}"/>
+      <thm15:themeFamily xmlns:thm15="http://schemas.microsoft.com/office/thememl/2012/main" name="Basis" id="{5665723A-49BA-4B57-8411-A56F8F207965}" vid="{ACC63D00-1EE0-4159-BF5A-6FF02000B710}"/>
     </a:ext>
   </a:extLst>
 </a:theme>

--- a/Work_In_Progress/CS/SPMP_Presentation.pptx
+++ b/Work_In_Progress/CS/SPMP_Presentation.pptx
@@ -4,6 +4,9 @@
   <p:sldMasterIdLst>
     <p:sldMasterId id="2147483731" r:id="rId1"/>
   </p:sldMasterIdLst>
+  <p:notesMasterIdLst>
+    <p:notesMasterId r:id="rId18"/>
+  </p:notesMasterIdLst>
   <p:sldIdLst>
     <p:sldId id="256" r:id="rId2"/>
     <p:sldId id="263" r:id="rId3"/>
@@ -16,8 +19,11 @@
     <p:sldId id="261" r:id="rId10"/>
     <p:sldId id="268" r:id="rId11"/>
     <p:sldId id="259" r:id="rId12"/>
-    <p:sldId id="269" r:id="rId13"/>
-    <p:sldId id="271" r:id="rId14"/>
+    <p:sldId id="272" r:id="rId13"/>
+    <p:sldId id="273" r:id="rId14"/>
+    <p:sldId id="274" r:id="rId15"/>
+    <p:sldId id="269" r:id="rId16"/>
+    <p:sldId id="275" r:id="rId17"/>
   </p:sldIdLst>
   <p:sldSz cx="12192000" cy="6858000"/>
   <p:notesSz cx="6858000" cy="9144000"/>
@@ -124,6 +130,2241 @@
 </p:presentation>
 </file>
 
+<file path=ppt/notesMasters/notesMaster1.xml><?xml version="1.0" encoding="utf-8"?>
+<p:notesMaster xmlns:a="http://schemas.openxmlformats.org/drawingml/2006/main" xmlns:r="http://schemas.openxmlformats.org/officeDocument/2006/relationships" xmlns:p="http://schemas.openxmlformats.org/presentationml/2006/main">
+  <p:cSld>
+    <p:bg>
+      <p:bgRef idx="1001">
+        <a:schemeClr val="bg1"/>
+      </p:bgRef>
+    </p:bg>
+    <p:spTree>
+      <p:nvGrpSpPr>
+        <p:cNvPr id="1" name=""/>
+        <p:cNvGrpSpPr/>
+        <p:nvPr/>
+      </p:nvGrpSpPr>
+      <p:grpSpPr>
+        <a:xfrm>
+          <a:off x="0" y="0"/>
+          <a:ext cx="0" cy="0"/>
+          <a:chOff x="0" y="0"/>
+          <a:chExt cx="0" cy="0"/>
+        </a:xfrm>
+      </p:grpSpPr>
+      <p:sp>
+        <p:nvSpPr>
+          <p:cNvPr id="2" name="Header Placeholder 1"/>
+          <p:cNvSpPr>
+            <a:spLocks noGrp="1"/>
+          </p:cNvSpPr>
+          <p:nvPr>
+            <p:ph type="hdr" sz="quarter"/>
+          </p:nvPr>
+        </p:nvSpPr>
+        <p:spPr>
+          <a:xfrm>
+            <a:off x="0" y="0"/>
+            <a:ext cx="2971800" cy="458788"/>
+          </a:xfrm>
+          <a:prstGeom prst="rect">
+            <a:avLst/>
+          </a:prstGeom>
+        </p:spPr>
+        <p:txBody>
+          <a:bodyPr vert="horz" lIns="91440" tIns="45720" rIns="91440" bIns="45720" rtlCol="0"/>
+          <a:lstStyle>
+            <a:lvl1pPr algn="l">
+              <a:defRPr sz="1200"/>
+            </a:lvl1pPr>
+          </a:lstStyle>
+          <a:p>
+            <a:endParaRPr lang="en-US"/>
+          </a:p>
+        </p:txBody>
+      </p:sp>
+      <p:sp>
+        <p:nvSpPr>
+          <p:cNvPr id="3" name="Date Placeholder 2"/>
+          <p:cNvSpPr>
+            <a:spLocks noGrp="1"/>
+          </p:cNvSpPr>
+          <p:nvPr>
+            <p:ph type="dt" idx="1"/>
+          </p:nvPr>
+        </p:nvSpPr>
+        <p:spPr>
+          <a:xfrm>
+            <a:off x="3884613" y="0"/>
+            <a:ext cx="2971800" cy="458788"/>
+          </a:xfrm>
+          <a:prstGeom prst="rect">
+            <a:avLst/>
+          </a:prstGeom>
+        </p:spPr>
+        <p:txBody>
+          <a:bodyPr vert="horz" lIns="91440" tIns="45720" rIns="91440" bIns="45720" rtlCol="0"/>
+          <a:lstStyle>
+            <a:lvl1pPr algn="r">
+              <a:defRPr sz="1200"/>
+            </a:lvl1pPr>
+          </a:lstStyle>
+          <a:p>
+            <a:fld id="{ADE42F8C-8B25-4C7D-B938-A4924DE58183}" type="datetimeFigureOut">
+              <a:rPr lang="en-US" smtClean="0"/>
+              <a:t>3/1/2017</a:t>
+            </a:fld>
+            <a:endParaRPr lang="en-US"/>
+          </a:p>
+        </p:txBody>
+      </p:sp>
+      <p:sp>
+        <p:nvSpPr>
+          <p:cNvPr id="4" name="Slide Image Placeholder 3"/>
+          <p:cNvSpPr>
+            <a:spLocks noGrp="1" noRot="1" noChangeAspect="1"/>
+          </p:cNvSpPr>
+          <p:nvPr>
+            <p:ph type="sldImg" idx="2"/>
+          </p:nvPr>
+        </p:nvSpPr>
+        <p:spPr>
+          <a:xfrm>
+            <a:off x="685800" y="1143000"/>
+            <a:ext cx="5486400" cy="3086100"/>
+          </a:xfrm>
+          <a:prstGeom prst="rect">
+            <a:avLst/>
+          </a:prstGeom>
+          <a:noFill/>
+          <a:ln w="12700">
+            <a:solidFill>
+              <a:prstClr val="black"/>
+            </a:solidFill>
+          </a:ln>
+        </p:spPr>
+        <p:txBody>
+          <a:bodyPr vert="horz" lIns="91440" tIns="45720" rIns="91440" bIns="45720" rtlCol="0" anchor="ctr"/>
+          <a:lstStyle/>
+          <a:p>
+            <a:endParaRPr lang="en-US"/>
+          </a:p>
+        </p:txBody>
+      </p:sp>
+      <p:sp>
+        <p:nvSpPr>
+          <p:cNvPr id="5" name="Notes Placeholder 4"/>
+          <p:cNvSpPr>
+            <a:spLocks noGrp="1"/>
+          </p:cNvSpPr>
+          <p:nvPr>
+            <p:ph type="body" sz="quarter" idx="3"/>
+          </p:nvPr>
+        </p:nvSpPr>
+        <p:spPr>
+          <a:xfrm>
+            <a:off x="685800" y="4400550"/>
+            <a:ext cx="5486400" cy="3600450"/>
+          </a:xfrm>
+          <a:prstGeom prst="rect">
+            <a:avLst/>
+          </a:prstGeom>
+        </p:spPr>
+        <p:txBody>
+          <a:bodyPr vert="horz" lIns="91440" tIns="45720" rIns="91440" bIns="45720" rtlCol="0"/>
+          <a:lstStyle/>
+          <a:p>
+            <a:pPr lvl="0"/>
+            <a:r>
+              <a:rPr lang="en-US"/>
+              <a:t>Edit Master text styles</a:t>
+            </a:r>
+          </a:p>
+          <a:p>
+            <a:pPr lvl="1"/>
+            <a:r>
+              <a:rPr lang="en-US"/>
+              <a:t>Second level</a:t>
+            </a:r>
+          </a:p>
+          <a:p>
+            <a:pPr lvl="2"/>
+            <a:r>
+              <a:rPr lang="en-US"/>
+              <a:t>Third level</a:t>
+            </a:r>
+          </a:p>
+          <a:p>
+            <a:pPr lvl="3"/>
+            <a:r>
+              <a:rPr lang="en-US"/>
+              <a:t>Fourth level</a:t>
+            </a:r>
+          </a:p>
+          <a:p>
+            <a:pPr lvl="4"/>
+            <a:r>
+              <a:rPr lang="en-US"/>
+              <a:t>Fifth level</a:t>
+            </a:r>
+          </a:p>
+        </p:txBody>
+      </p:sp>
+      <p:sp>
+        <p:nvSpPr>
+          <p:cNvPr id="6" name="Footer Placeholder 5"/>
+          <p:cNvSpPr>
+            <a:spLocks noGrp="1"/>
+          </p:cNvSpPr>
+          <p:nvPr>
+            <p:ph type="ftr" sz="quarter" idx="4"/>
+          </p:nvPr>
+        </p:nvSpPr>
+        <p:spPr>
+          <a:xfrm>
+            <a:off x="0" y="8685213"/>
+            <a:ext cx="2971800" cy="458787"/>
+          </a:xfrm>
+          <a:prstGeom prst="rect">
+            <a:avLst/>
+          </a:prstGeom>
+        </p:spPr>
+        <p:txBody>
+          <a:bodyPr vert="horz" lIns="91440" tIns="45720" rIns="91440" bIns="45720" rtlCol="0" anchor="b"/>
+          <a:lstStyle>
+            <a:lvl1pPr algn="l">
+              <a:defRPr sz="1200"/>
+            </a:lvl1pPr>
+          </a:lstStyle>
+          <a:p>
+            <a:endParaRPr lang="en-US"/>
+          </a:p>
+        </p:txBody>
+      </p:sp>
+      <p:sp>
+        <p:nvSpPr>
+          <p:cNvPr id="7" name="Slide Number Placeholder 6"/>
+          <p:cNvSpPr>
+            <a:spLocks noGrp="1"/>
+          </p:cNvSpPr>
+          <p:nvPr>
+            <p:ph type="sldNum" sz="quarter" idx="5"/>
+          </p:nvPr>
+        </p:nvSpPr>
+        <p:spPr>
+          <a:xfrm>
+            <a:off x="3884613" y="8685213"/>
+            <a:ext cx="2971800" cy="458787"/>
+          </a:xfrm>
+          <a:prstGeom prst="rect">
+            <a:avLst/>
+          </a:prstGeom>
+        </p:spPr>
+        <p:txBody>
+          <a:bodyPr vert="horz" lIns="91440" tIns="45720" rIns="91440" bIns="45720" rtlCol="0" anchor="b"/>
+          <a:lstStyle>
+            <a:lvl1pPr algn="r">
+              <a:defRPr sz="1200"/>
+            </a:lvl1pPr>
+          </a:lstStyle>
+          <a:p>
+            <a:fld id="{B621E0F3-BCE5-4552-9E75-AD4D9ACB2A2B}" type="slidenum">
+              <a:rPr lang="en-US" smtClean="0"/>
+              <a:t>‹#›</a:t>
+            </a:fld>
+            <a:endParaRPr lang="en-US"/>
+          </a:p>
+        </p:txBody>
+      </p:sp>
+    </p:spTree>
+    <p:extLst>
+      <p:ext uri="{BB962C8B-B14F-4D97-AF65-F5344CB8AC3E}">
+        <p14:creationId xmlns:p14="http://schemas.microsoft.com/office/powerpoint/2010/main" val="3972233002"/>
+      </p:ext>
+    </p:extLst>
+  </p:cSld>
+  <p:clrMap bg1="lt1" tx1="dk1" bg2="lt2" tx2="dk2" accent1="accent1" accent2="accent2" accent3="accent3" accent4="accent4" accent5="accent5" accent6="accent6" hlink="hlink" folHlink="folHlink"/>
+  <p:notesStyle>
+    <a:lvl1pPr marL="0" algn="l" defTabSz="914400" rtl="0" eaLnBrk="1" latinLnBrk="0" hangingPunct="1">
+      <a:defRPr sz="1200" kern="1200">
+        <a:solidFill>
+          <a:schemeClr val="tx1"/>
+        </a:solidFill>
+        <a:latin typeface="+mn-lt"/>
+        <a:ea typeface="+mn-ea"/>
+        <a:cs typeface="+mn-cs"/>
+      </a:defRPr>
+    </a:lvl1pPr>
+    <a:lvl2pPr marL="457200" algn="l" defTabSz="914400" rtl="0" eaLnBrk="1" latinLnBrk="0" hangingPunct="1">
+      <a:defRPr sz="1200" kern="1200">
+        <a:solidFill>
+          <a:schemeClr val="tx1"/>
+        </a:solidFill>
+        <a:latin typeface="+mn-lt"/>
+        <a:ea typeface="+mn-ea"/>
+        <a:cs typeface="+mn-cs"/>
+      </a:defRPr>
+    </a:lvl2pPr>
+    <a:lvl3pPr marL="914400" algn="l" defTabSz="914400" rtl="0" eaLnBrk="1" latinLnBrk="0" hangingPunct="1">
+      <a:defRPr sz="1200" kern="1200">
+        <a:solidFill>
+          <a:schemeClr val="tx1"/>
+        </a:solidFill>
+        <a:latin typeface="+mn-lt"/>
+        <a:ea typeface="+mn-ea"/>
+        <a:cs typeface="+mn-cs"/>
+      </a:defRPr>
+    </a:lvl3pPr>
+    <a:lvl4pPr marL="1371600" algn="l" defTabSz="914400" rtl="0" eaLnBrk="1" latinLnBrk="0" hangingPunct="1">
+      <a:defRPr sz="1200" kern="1200">
+        <a:solidFill>
+          <a:schemeClr val="tx1"/>
+        </a:solidFill>
+        <a:latin typeface="+mn-lt"/>
+        <a:ea typeface="+mn-ea"/>
+        <a:cs typeface="+mn-cs"/>
+      </a:defRPr>
+    </a:lvl4pPr>
+    <a:lvl5pPr marL="1828800" algn="l" defTabSz="914400" rtl="0" eaLnBrk="1" latinLnBrk="0" hangingPunct="1">
+      <a:defRPr sz="1200" kern="1200">
+        <a:solidFill>
+          <a:schemeClr val="tx1"/>
+        </a:solidFill>
+        <a:latin typeface="+mn-lt"/>
+        <a:ea typeface="+mn-ea"/>
+        <a:cs typeface="+mn-cs"/>
+      </a:defRPr>
+    </a:lvl5pPr>
+    <a:lvl6pPr marL="2286000" algn="l" defTabSz="914400" rtl="0" eaLnBrk="1" latinLnBrk="0" hangingPunct="1">
+      <a:defRPr sz="1200" kern="1200">
+        <a:solidFill>
+          <a:schemeClr val="tx1"/>
+        </a:solidFill>
+        <a:latin typeface="+mn-lt"/>
+        <a:ea typeface="+mn-ea"/>
+        <a:cs typeface="+mn-cs"/>
+      </a:defRPr>
+    </a:lvl6pPr>
+    <a:lvl7pPr marL="2743200" algn="l" defTabSz="914400" rtl="0" eaLnBrk="1" latinLnBrk="0" hangingPunct="1">
+      <a:defRPr sz="1200" kern="1200">
+        <a:solidFill>
+          <a:schemeClr val="tx1"/>
+        </a:solidFill>
+        <a:latin typeface="+mn-lt"/>
+        <a:ea typeface="+mn-ea"/>
+        <a:cs typeface="+mn-cs"/>
+      </a:defRPr>
+    </a:lvl7pPr>
+    <a:lvl8pPr marL="3200400" algn="l" defTabSz="914400" rtl="0" eaLnBrk="1" latinLnBrk="0" hangingPunct="1">
+      <a:defRPr sz="1200" kern="1200">
+        <a:solidFill>
+          <a:schemeClr val="tx1"/>
+        </a:solidFill>
+        <a:latin typeface="+mn-lt"/>
+        <a:ea typeface="+mn-ea"/>
+        <a:cs typeface="+mn-cs"/>
+      </a:defRPr>
+    </a:lvl8pPr>
+    <a:lvl9pPr marL="3657600" algn="l" defTabSz="914400" rtl="0" eaLnBrk="1" latinLnBrk="0" hangingPunct="1">
+      <a:defRPr sz="1200" kern="1200">
+        <a:solidFill>
+          <a:schemeClr val="tx1"/>
+        </a:solidFill>
+        <a:latin typeface="+mn-lt"/>
+        <a:ea typeface="+mn-ea"/>
+        <a:cs typeface="+mn-cs"/>
+      </a:defRPr>
+    </a:lvl9pPr>
+  </p:notesStyle>
+</p:notesMaster>
+</file>
+
+<file path=ppt/notesSlides/notesSlide1.xml><?xml version="1.0" encoding="utf-8"?>
+<p:notes xmlns:a="http://schemas.openxmlformats.org/drawingml/2006/main" xmlns:r="http://schemas.openxmlformats.org/officeDocument/2006/relationships" xmlns:p="http://schemas.openxmlformats.org/presentationml/2006/main">
+  <p:cSld>
+    <p:spTree>
+      <p:nvGrpSpPr>
+        <p:cNvPr id="1" name=""/>
+        <p:cNvGrpSpPr/>
+        <p:nvPr/>
+      </p:nvGrpSpPr>
+      <p:grpSpPr>
+        <a:xfrm>
+          <a:off x="0" y="0"/>
+          <a:ext cx="0" cy="0"/>
+          <a:chOff x="0" y="0"/>
+          <a:chExt cx="0" cy="0"/>
+        </a:xfrm>
+      </p:grpSpPr>
+      <p:sp>
+        <p:nvSpPr>
+          <p:cNvPr id="2" name="Slide Image Placeholder 1"/>
+          <p:cNvSpPr>
+            <a:spLocks noGrp="1" noRot="1" noChangeAspect="1"/>
+          </p:cNvSpPr>
+          <p:nvPr>
+            <p:ph type="sldImg"/>
+          </p:nvPr>
+        </p:nvSpPr>
+        <p:spPr/>
+      </p:sp>
+      <p:sp>
+        <p:nvSpPr>
+          <p:cNvPr id="3" name="Notes Placeholder 2"/>
+          <p:cNvSpPr>
+            <a:spLocks noGrp="1"/>
+          </p:cNvSpPr>
+          <p:nvPr>
+            <p:ph type="body" idx="1"/>
+          </p:nvPr>
+        </p:nvSpPr>
+        <p:spPr/>
+        <p:txBody>
+          <a:bodyPr/>
+          <a:lstStyle/>
+          <a:p>
+            <a:pPr marL="0" marR="0" lvl="0" indent="0" algn="l" defTabSz="914400" rtl="0" eaLnBrk="1" fontAlgn="auto" latinLnBrk="0" hangingPunct="1">
+              <a:lnSpc>
+                <a:spcPct val="100000"/>
+              </a:lnSpc>
+              <a:spcBef>
+                <a:spcPts val="0"/>
+              </a:spcBef>
+              <a:spcAft>
+                <a:spcPts val="0"/>
+              </a:spcAft>
+              <a:buClrTx/>
+              <a:buSzTx/>
+              <a:buFontTx/>
+              <a:buNone/>
+              <a:tabLst/>
+              <a:defRPr/>
+            </a:pPr>
+            <a:r>
+              <a:rPr lang="en-US" dirty="0"/>
+              <a:t>Weaknesses:</a:t>
+            </a:r>
+          </a:p>
+          <a:p>
+            <a:pPr marL="0" marR="0" lvl="0" indent="0" algn="l" defTabSz="914400" rtl="0" eaLnBrk="1" fontAlgn="auto" latinLnBrk="0" hangingPunct="1">
+              <a:lnSpc>
+                <a:spcPct val="100000"/>
+              </a:lnSpc>
+              <a:spcBef>
+                <a:spcPts val="0"/>
+              </a:spcBef>
+              <a:spcAft>
+                <a:spcPts val="0"/>
+              </a:spcAft>
+              <a:buClrTx/>
+              <a:buSzTx/>
+              <a:buFontTx/>
+              <a:buNone/>
+              <a:tabLst/>
+              <a:defRPr/>
+            </a:pPr>
+            <a:r>
+              <a:rPr lang="en-US" dirty="0"/>
+              <a:t>	Time Management: Overconfidence in achieving goals and deadlines</a:t>
+            </a:r>
+          </a:p>
+          <a:p>
+            <a:endParaRPr lang="en-US" dirty="0"/>
+          </a:p>
+        </p:txBody>
+      </p:sp>
+      <p:sp>
+        <p:nvSpPr>
+          <p:cNvPr id="4" name="Slide Number Placeholder 3"/>
+          <p:cNvSpPr>
+            <a:spLocks noGrp="1"/>
+          </p:cNvSpPr>
+          <p:nvPr>
+            <p:ph type="sldNum" sz="quarter" idx="10"/>
+          </p:nvPr>
+        </p:nvSpPr>
+        <p:spPr/>
+        <p:txBody>
+          <a:bodyPr/>
+          <a:lstStyle/>
+          <a:p>
+            <a:fld id="{B621E0F3-BCE5-4552-9E75-AD4D9ACB2A2B}" type="slidenum">
+              <a:rPr lang="en-US" smtClean="0"/>
+              <a:t>4</a:t>
+            </a:fld>
+            <a:endParaRPr lang="en-US"/>
+          </a:p>
+        </p:txBody>
+      </p:sp>
+    </p:spTree>
+    <p:extLst>
+      <p:ext uri="{BB962C8B-B14F-4D97-AF65-F5344CB8AC3E}">
+        <p14:creationId xmlns:p14="http://schemas.microsoft.com/office/powerpoint/2010/main" val="591595140"/>
+      </p:ext>
+    </p:extLst>
+  </p:cSld>
+  <p:clrMapOvr>
+    <a:masterClrMapping/>
+  </p:clrMapOvr>
+</p:notes>
+</file>
+
+<file path=ppt/notesSlides/notesSlide10.xml><?xml version="1.0" encoding="utf-8"?>
+<p:notes xmlns:a="http://schemas.openxmlformats.org/drawingml/2006/main" xmlns:r="http://schemas.openxmlformats.org/officeDocument/2006/relationships" xmlns:p="http://schemas.openxmlformats.org/presentationml/2006/main">
+  <p:cSld>
+    <p:spTree>
+      <p:nvGrpSpPr>
+        <p:cNvPr id="1" name=""/>
+        <p:cNvGrpSpPr/>
+        <p:nvPr/>
+      </p:nvGrpSpPr>
+      <p:grpSpPr>
+        <a:xfrm>
+          <a:off x="0" y="0"/>
+          <a:ext cx="0" cy="0"/>
+          <a:chOff x="0" y="0"/>
+          <a:chExt cx="0" cy="0"/>
+        </a:xfrm>
+      </p:grpSpPr>
+      <p:sp>
+        <p:nvSpPr>
+          <p:cNvPr id="2" name="Slide Image Placeholder 1"/>
+          <p:cNvSpPr>
+            <a:spLocks noGrp="1" noRot="1" noChangeAspect="1"/>
+          </p:cNvSpPr>
+          <p:nvPr>
+            <p:ph type="sldImg"/>
+          </p:nvPr>
+        </p:nvSpPr>
+        <p:spPr/>
+      </p:sp>
+      <p:sp>
+        <p:nvSpPr>
+          <p:cNvPr id="3" name="Notes Placeholder 2"/>
+          <p:cNvSpPr>
+            <a:spLocks noGrp="1"/>
+          </p:cNvSpPr>
+          <p:nvPr>
+            <p:ph type="body" idx="1"/>
+          </p:nvPr>
+        </p:nvSpPr>
+        <p:spPr/>
+        <p:txBody>
+          <a:bodyPr/>
+          <a:lstStyle/>
+          <a:p>
+            <a:pPr marL="0" marR="0" lvl="0" indent="0" algn="l" defTabSz="914400" rtl="0" eaLnBrk="1" fontAlgn="auto" latinLnBrk="0" hangingPunct="1">
+              <a:lnSpc>
+                <a:spcPct val="100000"/>
+              </a:lnSpc>
+              <a:spcBef>
+                <a:spcPts val="0"/>
+              </a:spcBef>
+              <a:spcAft>
+                <a:spcPts val="0"/>
+              </a:spcAft>
+              <a:buClrTx/>
+              <a:buSzTx/>
+              <a:buFontTx/>
+              <a:buNone/>
+              <a:tabLst/>
+              <a:defRPr/>
+            </a:pPr>
+            <a:r>
+              <a:rPr lang="en-US" dirty="0"/>
+              <a:t>A company:</a:t>
+            </a:r>
+            <a:r>
+              <a:rPr lang="en-US" baseline="0" dirty="0"/>
+              <a:t> </a:t>
+            </a:r>
+            <a:r>
+              <a:rPr lang="en-US" dirty="0"/>
+              <a:t>wide sale on a particular item:</a:t>
+            </a:r>
+            <a:r>
+              <a:rPr lang="en-US" baseline="0" dirty="0"/>
+              <a:t> </a:t>
+            </a:r>
+            <a:r>
+              <a:rPr lang="en-US" dirty="0"/>
+              <a:t>when item X gets rung up a discount is applied</a:t>
+            </a:r>
+          </a:p>
+          <a:p>
+            <a:pPr marL="0" marR="0" lvl="0" indent="0" algn="l" defTabSz="914400" rtl="0" eaLnBrk="1" fontAlgn="auto" latinLnBrk="0" hangingPunct="1">
+              <a:lnSpc>
+                <a:spcPct val="100000"/>
+              </a:lnSpc>
+              <a:spcBef>
+                <a:spcPts val="0"/>
+              </a:spcBef>
+              <a:spcAft>
+                <a:spcPts val="0"/>
+              </a:spcAft>
+              <a:buClrTx/>
+              <a:buSzTx/>
+              <a:buFontTx/>
+              <a:buNone/>
+              <a:tabLst/>
+              <a:defRPr/>
+            </a:pPr>
+            <a:endParaRPr lang="en-US" dirty="0"/>
+          </a:p>
+          <a:p>
+            <a:pPr marL="0" marR="0" lvl="0" indent="0" algn="l" defTabSz="914400" rtl="0" eaLnBrk="1" fontAlgn="auto" latinLnBrk="0" hangingPunct="1">
+              <a:lnSpc>
+                <a:spcPct val="100000"/>
+              </a:lnSpc>
+              <a:spcBef>
+                <a:spcPts val="0"/>
+              </a:spcBef>
+              <a:spcAft>
+                <a:spcPts val="0"/>
+              </a:spcAft>
+              <a:buClrTx/>
+              <a:buSzTx/>
+              <a:buFontTx/>
+              <a:buNone/>
+              <a:tabLst/>
+              <a:defRPr/>
+            </a:pPr>
+            <a:endParaRPr lang="en-US" dirty="0"/>
+          </a:p>
+          <a:p>
+            <a:pPr marL="0" marR="0" lvl="0" indent="0" algn="l" defTabSz="914400" rtl="0" eaLnBrk="1" fontAlgn="auto" latinLnBrk="0" hangingPunct="1">
+              <a:lnSpc>
+                <a:spcPct val="100000"/>
+              </a:lnSpc>
+              <a:spcBef>
+                <a:spcPts val="0"/>
+              </a:spcBef>
+              <a:spcAft>
+                <a:spcPts val="0"/>
+              </a:spcAft>
+              <a:buClrTx/>
+              <a:buSzTx/>
+              <a:buFontTx/>
+              <a:buNone/>
+              <a:tabLst/>
+              <a:defRPr/>
+            </a:pPr>
+            <a:r>
+              <a:rPr lang="en-US" dirty="0"/>
+              <a:t>If we run out of stock of an item frequently, have system order more than the default upon reorder, and if we never run out of stock by X units, have system order less than the default. This will be based on an item threshold that has been increased/decreased</a:t>
+            </a:r>
+          </a:p>
+          <a:p>
+            <a:endParaRPr lang="en-US" dirty="0"/>
+          </a:p>
+          <a:p>
+            <a:pPr marL="0" marR="0" lvl="0" indent="0" algn="l" defTabSz="914400" rtl="0" eaLnBrk="1" fontAlgn="auto" latinLnBrk="0" hangingPunct="1">
+              <a:lnSpc>
+                <a:spcPct val="100000"/>
+              </a:lnSpc>
+              <a:spcBef>
+                <a:spcPts val="0"/>
+              </a:spcBef>
+              <a:spcAft>
+                <a:spcPts val="0"/>
+              </a:spcAft>
+              <a:buClrTx/>
+              <a:buSzTx/>
+              <a:buFontTx/>
+              <a:buNone/>
+              <a:tabLst/>
+              <a:defRPr/>
+            </a:pPr>
+            <a:r>
+              <a:rPr lang="en-US" dirty="0"/>
+              <a:t>Coupled items:</a:t>
+            </a:r>
+            <a:r>
+              <a:rPr lang="en-US" baseline="0" dirty="0"/>
+              <a:t> </a:t>
+            </a:r>
+            <a:r>
+              <a:rPr lang="en-US" dirty="0"/>
+              <a:t> If a customer purchases item X and item X and Y are coupled, a message asking if the customer would like to add item Y to their order is displayed so the cashier can ask</a:t>
+            </a:r>
+          </a:p>
+          <a:p>
+            <a:endParaRPr lang="en-US" dirty="0"/>
+          </a:p>
+          <a:p>
+            <a:pPr marL="0" marR="0" lvl="0" indent="0" algn="l" defTabSz="914400" rtl="0" eaLnBrk="1" fontAlgn="auto" latinLnBrk="0" hangingPunct="1">
+              <a:lnSpc>
+                <a:spcPct val="100000"/>
+              </a:lnSpc>
+              <a:spcBef>
+                <a:spcPts val="0"/>
+              </a:spcBef>
+              <a:spcAft>
+                <a:spcPts val="0"/>
+              </a:spcAft>
+              <a:buClrTx/>
+              <a:buSzTx/>
+              <a:buFontTx/>
+              <a:buNone/>
+              <a:tabLst/>
+              <a:defRPr/>
+            </a:pPr>
+            <a:r>
+              <a:rPr lang="en-US" dirty="0"/>
+              <a:t>Based off the refill date of the customer's last order, check all of their prescriptions and see if any are eligible for refill, and if so, display a message to indicate to the cashier to ask the customer if they want that prescription refilled</a:t>
+            </a:r>
+          </a:p>
+          <a:p>
+            <a:endParaRPr lang="en-US" dirty="0"/>
+          </a:p>
+        </p:txBody>
+      </p:sp>
+      <p:sp>
+        <p:nvSpPr>
+          <p:cNvPr id="4" name="Slide Number Placeholder 3"/>
+          <p:cNvSpPr>
+            <a:spLocks noGrp="1"/>
+          </p:cNvSpPr>
+          <p:nvPr>
+            <p:ph type="sldNum" sz="quarter" idx="10"/>
+          </p:nvPr>
+        </p:nvSpPr>
+        <p:spPr/>
+        <p:txBody>
+          <a:bodyPr/>
+          <a:lstStyle/>
+          <a:p>
+            <a:fld id="{B621E0F3-BCE5-4552-9E75-AD4D9ACB2A2B}" type="slidenum">
+              <a:rPr lang="en-US" smtClean="0"/>
+              <a:t>16</a:t>
+            </a:fld>
+            <a:endParaRPr lang="en-US"/>
+          </a:p>
+        </p:txBody>
+      </p:sp>
+    </p:spTree>
+    <p:extLst>
+      <p:ext uri="{BB962C8B-B14F-4D97-AF65-F5344CB8AC3E}">
+        <p14:creationId xmlns:p14="http://schemas.microsoft.com/office/powerpoint/2010/main" val="2424241113"/>
+      </p:ext>
+    </p:extLst>
+  </p:cSld>
+  <p:clrMapOvr>
+    <a:masterClrMapping/>
+  </p:clrMapOvr>
+</p:notes>
+</file>
+
+<file path=ppt/notesSlides/notesSlide2.xml><?xml version="1.0" encoding="utf-8"?>
+<p:notes xmlns:a="http://schemas.openxmlformats.org/drawingml/2006/main" xmlns:r="http://schemas.openxmlformats.org/officeDocument/2006/relationships" xmlns:p="http://schemas.openxmlformats.org/presentationml/2006/main">
+  <p:cSld>
+    <p:spTree>
+      <p:nvGrpSpPr>
+        <p:cNvPr id="1" name=""/>
+        <p:cNvGrpSpPr/>
+        <p:nvPr/>
+      </p:nvGrpSpPr>
+      <p:grpSpPr>
+        <a:xfrm>
+          <a:off x="0" y="0"/>
+          <a:ext cx="0" cy="0"/>
+          <a:chOff x="0" y="0"/>
+          <a:chExt cx="0" cy="0"/>
+        </a:xfrm>
+      </p:grpSpPr>
+      <p:sp>
+        <p:nvSpPr>
+          <p:cNvPr id="2" name="Slide Image Placeholder 1"/>
+          <p:cNvSpPr>
+            <a:spLocks noGrp="1" noRot="1" noChangeAspect="1"/>
+          </p:cNvSpPr>
+          <p:nvPr>
+            <p:ph type="sldImg"/>
+          </p:nvPr>
+        </p:nvSpPr>
+        <p:spPr/>
+      </p:sp>
+      <p:sp>
+        <p:nvSpPr>
+          <p:cNvPr id="3" name="Notes Placeholder 2"/>
+          <p:cNvSpPr>
+            <a:spLocks noGrp="1"/>
+          </p:cNvSpPr>
+          <p:nvPr>
+            <p:ph type="body" idx="1"/>
+          </p:nvPr>
+        </p:nvSpPr>
+        <p:spPr/>
+        <p:txBody>
+          <a:bodyPr/>
+          <a:lstStyle/>
+          <a:p>
+            <a:pPr rtl="0" eaLnBrk="1" fontAlgn="t" latinLnBrk="0" hangingPunct="1"/>
+            <a:r>
+              <a:rPr lang="en-US" sz="1200" b="1" i="0" u="none" strike="noStrike" kern="1200" dirty="0">
+                <a:solidFill>
+                  <a:schemeClr val="tx1"/>
+                </a:solidFill>
+                <a:effectLst/>
+                <a:latin typeface="+mn-lt"/>
+                <a:ea typeface="+mn-ea"/>
+                <a:cs typeface="+mn-cs"/>
+              </a:rPr>
+              <a:t>SPMP Task(s)</a:t>
+            </a:r>
+          </a:p>
+          <a:p>
+            <a:pPr rtl="0" eaLnBrk="1" fontAlgn="t" latinLnBrk="0" hangingPunct="1"/>
+            <a:r>
+              <a:rPr lang="en-US" sz="1200" b="0" i="0" u="none" strike="noStrike" kern="1200" dirty="0">
+                <a:solidFill>
+                  <a:schemeClr val="tx1"/>
+                </a:solidFill>
+                <a:effectLst/>
+                <a:latin typeface="+mn-lt"/>
+                <a:ea typeface="+mn-ea"/>
+                <a:cs typeface="+mn-cs"/>
+              </a:rPr>
+              <a:t>Erik</a:t>
+            </a:r>
+          </a:p>
+          <a:p>
+            <a:pPr rtl="0" eaLnBrk="1" fontAlgn="t" latinLnBrk="0" hangingPunct="1"/>
+            <a:r>
+              <a:rPr lang="en-US" sz="1200" b="0" i="0" u="none" strike="noStrike" kern="1200" baseline="0" dirty="0">
+                <a:solidFill>
+                  <a:schemeClr val="tx1"/>
+                </a:solidFill>
+                <a:effectLst/>
+                <a:latin typeface="+mn-lt"/>
+                <a:ea typeface="+mn-ea"/>
+                <a:cs typeface="+mn-cs"/>
+              </a:rPr>
+              <a:t>1.4 Performance/Behavior Constraints</a:t>
+            </a:r>
+            <a:endParaRPr lang="en-US" sz="1200" b="0" i="0" u="none" strike="noStrike" kern="1200" dirty="0">
+              <a:solidFill>
+                <a:schemeClr val="tx1"/>
+              </a:solidFill>
+              <a:effectLst/>
+              <a:latin typeface="+mn-lt"/>
+              <a:ea typeface="+mn-ea"/>
+              <a:cs typeface="+mn-cs"/>
+            </a:endParaRPr>
+          </a:p>
+          <a:p>
+            <a:pPr rtl="0" eaLnBrk="1" fontAlgn="t" latinLnBrk="0" hangingPunct="1"/>
+            <a:r>
+              <a:rPr lang="en-US" sz="1200" b="0" i="0" u="none" strike="noStrike" kern="1200" baseline="0" dirty="0">
+                <a:solidFill>
+                  <a:schemeClr val="tx1"/>
+                </a:solidFill>
+                <a:effectLst/>
+                <a:latin typeface="+mn-lt"/>
+                <a:ea typeface="+mn-ea"/>
+                <a:cs typeface="+mn-cs"/>
+              </a:rPr>
+              <a:t>2.1 Historical Data Used for Estimates</a:t>
+            </a:r>
+            <a:endParaRPr lang="en-US" sz="1200" b="0" i="0" u="none" strike="noStrike" kern="1200" dirty="0">
+              <a:solidFill>
+                <a:schemeClr val="tx1"/>
+              </a:solidFill>
+              <a:effectLst/>
+              <a:latin typeface="+mn-lt"/>
+              <a:ea typeface="+mn-ea"/>
+              <a:cs typeface="+mn-cs"/>
+            </a:endParaRPr>
+          </a:p>
+          <a:p>
+            <a:pPr rtl="0" eaLnBrk="1" fontAlgn="t" latinLnBrk="0" hangingPunct="1"/>
+            <a:r>
+              <a:rPr lang="en-US" sz="1200" b="0" i="0" u="none" strike="noStrike" kern="1200" baseline="0" dirty="0">
+                <a:solidFill>
+                  <a:schemeClr val="tx1"/>
+                </a:solidFill>
+                <a:effectLst/>
+                <a:latin typeface="+mn-lt"/>
+                <a:ea typeface="+mn-ea"/>
+                <a:cs typeface="+mn-cs"/>
+              </a:rPr>
+              <a:t>2.2.1 SPMP Completion Estimate</a:t>
+            </a:r>
+            <a:endParaRPr lang="en-US" sz="1200" b="0" i="0" u="none" strike="noStrike" kern="1200" dirty="0">
+              <a:solidFill>
+                <a:schemeClr val="tx1"/>
+              </a:solidFill>
+              <a:effectLst/>
+              <a:latin typeface="+mn-lt"/>
+              <a:ea typeface="+mn-ea"/>
+              <a:cs typeface="+mn-cs"/>
+            </a:endParaRPr>
+          </a:p>
+          <a:p>
+            <a:pPr rtl="0" eaLnBrk="1" fontAlgn="t" latinLnBrk="0" hangingPunct="1"/>
+            <a:r>
+              <a:rPr lang="en-US" sz="1200" b="0" i="0" u="none" strike="noStrike" kern="1200" baseline="0" dirty="0">
+                <a:solidFill>
+                  <a:schemeClr val="tx1"/>
+                </a:solidFill>
+                <a:effectLst/>
+                <a:latin typeface="+mn-lt"/>
+                <a:ea typeface="+mn-ea"/>
+                <a:cs typeface="+mn-cs"/>
+              </a:rPr>
+              <a:t>2.2.2.1 Lines-of-Code Estimate</a:t>
+            </a:r>
+            <a:endParaRPr lang="en-US" sz="1200" b="0" i="0" u="none" strike="noStrike" kern="1200" dirty="0">
+              <a:solidFill>
+                <a:schemeClr val="tx1"/>
+              </a:solidFill>
+              <a:effectLst/>
+              <a:latin typeface="+mn-lt"/>
+              <a:ea typeface="+mn-ea"/>
+              <a:cs typeface="+mn-cs"/>
+            </a:endParaRPr>
+          </a:p>
+          <a:p>
+            <a:pPr rtl="0" eaLnBrk="1" fontAlgn="t" latinLnBrk="0" hangingPunct="1"/>
+            <a:r>
+              <a:rPr lang="en-US" sz="1200" b="0" i="0" u="none" strike="noStrike" kern="1200" baseline="0" dirty="0">
+                <a:solidFill>
+                  <a:schemeClr val="tx1"/>
+                </a:solidFill>
+                <a:effectLst/>
+                <a:latin typeface="+mn-lt"/>
+                <a:ea typeface="+mn-ea"/>
+                <a:cs typeface="+mn-cs"/>
+              </a:rPr>
+              <a:t>2.2.2.2 Function Estimate</a:t>
+            </a:r>
+            <a:endParaRPr lang="en-US" sz="1200" b="0" i="0" u="none" strike="noStrike" kern="1200" dirty="0">
+              <a:solidFill>
+                <a:schemeClr val="tx1"/>
+              </a:solidFill>
+              <a:effectLst/>
+              <a:latin typeface="+mn-lt"/>
+              <a:ea typeface="+mn-ea"/>
+              <a:cs typeface="+mn-cs"/>
+            </a:endParaRPr>
+          </a:p>
+          <a:p>
+            <a:pPr rtl="0" eaLnBrk="1" fontAlgn="t" latinLnBrk="0" hangingPunct="1"/>
+            <a:r>
+              <a:rPr lang="en-US" sz="1200" b="0" i="0" u="none" strike="noStrike" kern="1200" baseline="0" dirty="0">
+                <a:solidFill>
+                  <a:schemeClr val="tx1"/>
+                </a:solidFill>
+                <a:effectLst/>
+                <a:latin typeface="+mn-lt"/>
+                <a:ea typeface="+mn-ea"/>
+                <a:cs typeface="+mn-cs"/>
+              </a:rPr>
+              <a:t>5.0 Staff Organization (all)</a:t>
+            </a:r>
+            <a:endParaRPr lang="en-US" sz="1200" b="0" i="0" u="none" strike="noStrike" kern="1200" dirty="0">
+              <a:solidFill>
+                <a:schemeClr val="tx1"/>
+              </a:solidFill>
+              <a:effectLst/>
+              <a:latin typeface="+mn-lt"/>
+              <a:ea typeface="+mn-ea"/>
+              <a:cs typeface="+mn-cs"/>
+            </a:endParaRPr>
+          </a:p>
+          <a:p>
+            <a:pPr rtl="0" eaLnBrk="1" fontAlgn="t" latinLnBrk="0" hangingPunct="1"/>
+            <a:r>
+              <a:rPr lang="en-US" sz="1200" b="0" i="0" u="none" strike="noStrike" kern="1200" baseline="0" dirty="0">
+                <a:solidFill>
+                  <a:schemeClr val="tx1"/>
+                </a:solidFill>
+                <a:effectLst/>
+                <a:latin typeface="+mn-lt"/>
+                <a:ea typeface="+mn-ea"/>
+                <a:cs typeface="+mn-cs"/>
+              </a:rPr>
+              <a:t>Meeting Minutes</a:t>
+            </a:r>
+            <a:endParaRPr lang="en-US" sz="1200" b="0" i="0" u="none" strike="noStrike" kern="1200" dirty="0">
+              <a:solidFill>
+                <a:schemeClr val="tx1"/>
+              </a:solidFill>
+              <a:effectLst/>
+              <a:latin typeface="+mn-lt"/>
+              <a:ea typeface="+mn-ea"/>
+              <a:cs typeface="+mn-cs"/>
+            </a:endParaRPr>
+          </a:p>
+          <a:p>
+            <a:pPr rtl="0" eaLnBrk="1" fontAlgn="t" latinLnBrk="0" hangingPunct="1"/>
+            <a:r>
+              <a:rPr lang="en-US" sz="1200" b="0" i="0" u="none" strike="noStrike" kern="1200" baseline="0" dirty="0">
+                <a:solidFill>
+                  <a:schemeClr val="tx1"/>
+                </a:solidFill>
+                <a:effectLst/>
+                <a:latin typeface="+mn-lt"/>
+                <a:ea typeface="+mn-ea"/>
+                <a:cs typeface="+mn-cs"/>
+              </a:rPr>
+              <a:t>Tool Management</a:t>
+            </a:r>
+          </a:p>
+          <a:p>
+            <a:pPr rtl="0" eaLnBrk="1" fontAlgn="t" latinLnBrk="0" hangingPunct="1"/>
+            <a:endParaRPr lang="en-US" sz="1200" b="0" i="0" u="none" strike="noStrike" kern="1200" dirty="0">
+              <a:solidFill>
+                <a:schemeClr val="tx1"/>
+              </a:solidFill>
+              <a:effectLst/>
+              <a:latin typeface="+mn-lt"/>
+              <a:ea typeface="+mn-ea"/>
+              <a:cs typeface="+mn-cs"/>
+            </a:endParaRPr>
+          </a:p>
+          <a:p>
+            <a:pPr rtl="0" eaLnBrk="1" fontAlgn="t" latinLnBrk="0" hangingPunct="1"/>
+            <a:r>
+              <a:rPr lang="en-US" sz="1200" b="0" i="0" u="none" strike="noStrike" kern="1200" dirty="0" err="1">
+                <a:solidFill>
+                  <a:schemeClr val="tx1"/>
+                </a:solidFill>
+                <a:effectLst/>
+                <a:latin typeface="+mn-lt"/>
+                <a:ea typeface="+mn-ea"/>
+                <a:cs typeface="+mn-cs"/>
+              </a:rPr>
+              <a:t>Durwin</a:t>
+            </a:r>
+            <a:r>
+              <a:rPr lang="en-US" sz="1200" b="0" i="0" u="none" strike="noStrike" kern="1200" dirty="0">
+                <a:solidFill>
+                  <a:schemeClr val="tx1"/>
+                </a:solidFill>
+                <a:effectLst/>
+                <a:latin typeface="+mn-lt"/>
+                <a:ea typeface="+mn-ea"/>
+                <a:cs typeface="+mn-cs"/>
+              </a:rPr>
+              <a:t> </a:t>
+            </a:r>
+          </a:p>
+          <a:p>
+            <a:pPr rtl="0" eaLnBrk="1" fontAlgn="t" latinLnBrk="0" hangingPunct="1"/>
+            <a:r>
+              <a:rPr lang="en-US" sz="1200" b="0" i="0" u="none" strike="noStrike" kern="1200" dirty="0">
+                <a:solidFill>
+                  <a:schemeClr val="tx1"/>
+                </a:solidFill>
+                <a:effectLst/>
+                <a:latin typeface="+mn-lt"/>
+                <a:ea typeface="+mn-ea"/>
+                <a:cs typeface="+mn-cs"/>
+              </a:rPr>
+              <a:t>2.2.2.3 Tasks Estimate</a:t>
+            </a:r>
+          </a:p>
+          <a:p>
+            <a:pPr rtl="0" eaLnBrk="1" fontAlgn="t" latinLnBrk="0" hangingPunct="1"/>
+            <a:r>
+              <a:rPr lang="en-US" sz="1200" b="0" i="0" u="none" strike="noStrike" kern="1200" dirty="0">
+                <a:solidFill>
+                  <a:schemeClr val="tx1"/>
+                </a:solidFill>
+                <a:effectLst/>
+                <a:latin typeface="+mn-lt"/>
+                <a:ea typeface="+mn-ea"/>
+                <a:cs typeface="+mn-cs"/>
+              </a:rPr>
+              <a:t>2.2.2.4 Total Overall Project Time</a:t>
+            </a:r>
+            <a:r>
+              <a:rPr lang="en-US" sz="1200" b="0" i="0" u="none" strike="noStrike" kern="1200" baseline="0" dirty="0">
+                <a:solidFill>
+                  <a:schemeClr val="tx1"/>
+                </a:solidFill>
+                <a:effectLst/>
+                <a:latin typeface="+mn-lt"/>
+                <a:ea typeface="+mn-ea"/>
+                <a:cs typeface="+mn-cs"/>
+              </a:rPr>
+              <a:t> </a:t>
+            </a:r>
+            <a:r>
+              <a:rPr lang="en-US" sz="1200" b="0" i="0" u="none" strike="noStrike" kern="1200" dirty="0">
+                <a:solidFill>
+                  <a:schemeClr val="tx1"/>
+                </a:solidFill>
+                <a:effectLst/>
+                <a:latin typeface="+mn-lt"/>
+                <a:ea typeface="+mn-ea"/>
+                <a:cs typeface="+mn-cs"/>
+              </a:rPr>
+              <a:t>Estimate</a:t>
+            </a:r>
+          </a:p>
+          <a:p>
+            <a:pPr rtl="0" eaLnBrk="1" fontAlgn="t" latinLnBrk="0" hangingPunct="1"/>
+            <a:r>
+              <a:rPr lang="en-US" sz="1200" b="0" i="0" u="none" strike="noStrike" kern="1200" dirty="0">
+                <a:solidFill>
+                  <a:schemeClr val="tx1"/>
+                </a:solidFill>
+                <a:effectLst/>
+                <a:latin typeface="+mn-lt"/>
+                <a:ea typeface="+mn-ea"/>
+                <a:cs typeface="+mn-cs"/>
+              </a:rPr>
+              <a:t>2.5 Project Resource</a:t>
+            </a:r>
+          </a:p>
+          <a:p>
+            <a:pPr rtl="0" eaLnBrk="1" fontAlgn="t" latinLnBrk="0" hangingPunct="1"/>
+            <a:r>
+              <a:rPr lang="en-US" sz="1200" b="0" i="0" u="none" strike="noStrike" kern="1200" dirty="0">
+                <a:solidFill>
+                  <a:schemeClr val="tx1"/>
+                </a:solidFill>
+                <a:effectLst/>
+                <a:latin typeface="+mn-lt"/>
+                <a:ea typeface="+mn-ea"/>
+                <a:cs typeface="+mn-cs"/>
+              </a:rPr>
+              <a:t>4.1 Project Task Set</a:t>
+            </a:r>
+          </a:p>
+          <a:p>
+            <a:pPr rtl="0" eaLnBrk="1" fontAlgn="t" latinLnBrk="0" hangingPunct="1"/>
+            <a:r>
+              <a:rPr lang="en-US" sz="1200" b="0" i="0" u="none" strike="noStrike" kern="1200" dirty="0">
+                <a:solidFill>
+                  <a:schemeClr val="tx1"/>
+                </a:solidFill>
+                <a:effectLst/>
+                <a:latin typeface="+mn-lt"/>
+                <a:ea typeface="+mn-ea"/>
+                <a:cs typeface="+mn-cs"/>
+              </a:rPr>
+              <a:t>4.2 Task Network Diagram</a:t>
+            </a:r>
+          </a:p>
+          <a:p>
+            <a:pPr rtl="0" eaLnBrk="1" fontAlgn="t" latinLnBrk="0" hangingPunct="1"/>
+            <a:r>
+              <a:rPr lang="en-US" sz="1200" b="0" i="0" u="none" strike="noStrike" kern="1200" dirty="0">
+                <a:solidFill>
+                  <a:schemeClr val="tx1"/>
+                </a:solidFill>
+                <a:effectLst/>
+                <a:latin typeface="+mn-lt"/>
+                <a:ea typeface="+mn-ea"/>
+                <a:cs typeface="+mn-cs"/>
+              </a:rPr>
+              <a:t>4.3 Timeline Chart (Milestones)</a:t>
+            </a:r>
+          </a:p>
+          <a:p>
+            <a:pPr rtl="0" eaLnBrk="1" fontAlgn="t" latinLnBrk="0" hangingPunct="1"/>
+            <a:endParaRPr lang="en-US" sz="1200" b="0" i="0" u="none" strike="noStrike" kern="1200" dirty="0">
+              <a:solidFill>
+                <a:schemeClr val="tx1"/>
+              </a:solidFill>
+              <a:effectLst/>
+              <a:latin typeface="+mn-lt"/>
+              <a:ea typeface="+mn-ea"/>
+              <a:cs typeface="+mn-cs"/>
+            </a:endParaRPr>
+          </a:p>
+          <a:p>
+            <a:pPr rtl="0" eaLnBrk="1" fontAlgn="t" latinLnBrk="0" hangingPunct="1"/>
+            <a:r>
+              <a:rPr lang="en-US" sz="1200" b="0" i="0" u="none" strike="noStrike" kern="1200" dirty="0">
+                <a:solidFill>
+                  <a:schemeClr val="tx1"/>
+                </a:solidFill>
+                <a:effectLst/>
+                <a:latin typeface="+mn-lt"/>
+                <a:ea typeface="+mn-ea"/>
+                <a:cs typeface="+mn-cs"/>
+              </a:rPr>
+              <a:t>Alex</a:t>
+            </a:r>
+          </a:p>
+          <a:p>
+            <a:pPr rtl="0" eaLnBrk="1" fontAlgn="t" latinLnBrk="0" hangingPunct="1"/>
+            <a:r>
+              <a:rPr lang="en-US" sz="1200" b="0" i="0" u="none" strike="noStrike" kern="1200" dirty="0">
+                <a:solidFill>
+                  <a:schemeClr val="tx1"/>
+                </a:solidFill>
+                <a:effectLst/>
+                <a:latin typeface="+mn-lt"/>
+                <a:ea typeface="+mn-ea"/>
+                <a:cs typeface="+mn-cs"/>
+              </a:rPr>
+              <a:t>1.2 Project Scope (all)</a:t>
+            </a:r>
+          </a:p>
+          <a:p>
+            <a:pPr rtl="0" eaLnBrk="1" fontAlgn="t" latinLnBrk="0" hangingPunct="1"/>
+            <a:r>
+              <a:rPr lang="en-US" sz="1200" b="0" i="0" u="none" strike="noStrike" kern="1200" dirty="0">
+                <a:solidFill>
+                  <a:schemeClr val="tx1"/>
+                </a:solidFill>
+                <a:effectLst/>
+                <a:latin typeface="+mn-lt"/>
+                <a:ea typeface="+mn-ea"/>
+                <a:cs typeface="+mn-cs"/>
+              </a:rPr>
+              <a:t>1.5 Management and Technical Constraints (all)</a:t>
+            </a:r>
+          </a:p>
+          <a:p>
+            <a:pPr rtl="0" eaLnBrk="1" fontAlgn="t" latinLnBrk="0" hangingPunct="1"/>
+            <a:r>
+              <a:rPr lang="en-US" sz="1200" b="0" i="0" u="none" strike="noStrike" kern="1200" dirty="0">
+                <a:solidFill>
+                  <a:schemeClr val="tx1"/>
+                </a:solidFill>
+                <a:effectLst/>
+                <a:latin typeface="+mn-lt"/>
+                <a:ea typeface="+mn-ea"/>
+                <a:cs typeface="+mn-cs"/>
+              </a:rPr>
+              <a:t>3.0 Risk Management (all)</a:t>
+            </a:r>
+          </a:p>
+          <a:p>
+            <a:pPr rtl="0" eaLnBrk="1" fontAlgn="t" latinLnBrk="0" hangingPunct="1"/>
+            <a:r>
+              <a:rPr lang="en-US" sz="1200" b="0" i="0" u="none" strike="noStrike" kern="1200" dirty="0">
+                <a:solidFill>
+                  <a:schemeClr val="tx1"/>
+                </a:solidFill>
+                <a:effectLst/>
+                <a:latin typeface="+mn-lt"/>
+                <a:ea typeface="+mn-ea"/>
+                <a:cs typeface="+mn-cs"/>
+              </a:rPr>
+              <a:t>2.3 Estimation Techniques Applied Results (all)</a:t>
+            </a:r>
+          </a:p>
+          <a:p>
+            <a:pPr rtl="0" eaLnBrk="1" fontAlgn="t" latinLnBrk="0" hangingPunct="1"/>
+            <a:r>
+              <a:rPr lang="en-US" sz="1200" b="0" i="0" u="none" strike="noStrike" kern="1200" dirty="0">
+                <a:solidFill>
+                  <a:schemeClr val="tx1"/>
+                </a:solidFill>
+                <a:effectLst/>
+                <a:latin typeface="+mn-lt"/>
+                <a:ea typeface="+mn-ea"/>
+                <a:cs typeface="+mn-cs"/>
+              </a:rPr>
+              <a:t>2.4 Reconciled Estimate </a:t>
+            </a:r>
+          </a:p>
+          <a:p>
+            <a:pPr rtl="0" eaLnBrk="1" fontAlgn="t" latinLnBrk="0" hangingPunct="1"/>
+            <a:endParaRPr lang="en-US" sz="1200" b="0" i="0" u="none" strike="noStrike" kern="1200" dirty="0">
+              <a:solidFill>
+                <a:schemeClr val="tx1"/>
+              </a:solidFill>
+              <a:effectLst/>
+              <a:latin typeface="+mn-lt"/>
+              <a:ea typeface="+mn-ea"/>
+              <a:cs typeface="+mn-cs"/>
+            </a:endParaRPr>
+          </a:p>
+          <a:p>
+            <a:pPr rtl="0" eaLnBrk="1" fontAlgn="t" latinLnBrk="0" hangingPunct="1"/>
+            <a:r>
+              <a:rPr lang="en-US" sz="1200" b="0" i="0" u="none" strike="noStrike" kern="1200" dirty="0">
+                <a:solidFill>
+                  <a:schemeClr val="tx1"/>
+                </a:solidFill>
+                <a:effectLst/>
+                <a:latin typeface="+mn-lt"/>
+                <a:ea typeface="+mn-ea"/>
+                <a:cs typeface="+mn-cs"/>
+              </a:rPr>
+              <a:t>Cindy</a:t>
+            </a:r>
+          </a:p>
+          <a:p>
+            <a:pPr rtl="0" eaLnBrk="1" fontAlgn="t" latinLnBrk="0" hangingPunct="1"/>
+            <a:r>
+              <a:rPr lang="en-US" sz="1200" b="0" i="0" u="none" strike="noStrike" kern="1200" dirty="0">
+                <a:solidFill>
+                  <a:schemeClr val="tx1"/>
+                </a:solidFill>
+                <a:effectLst/>
+                <a:latin typeface="+mn-lt"/>
+                <a:ea typeface="+mn-ea"/>
+                <a:cs typeface="+mn-cs"/>
+              </a:rPr>
+              <a:t>Communication</a:t>
+            </a:r>
+            <a:r>
+              <a:rPr lang="en-US" sz="1200" b="0" i="0" u="none" strike="noStrike" kern="1200" baseline="0" dirty="0">
+                <a:solidFill>
+                  <a:schemeClr val="tx1"/>
+                </a:solidFill>
+                <a:effectLst/>
+                <a:latin typeface="+mn-lt"/>
+                <a:ea typeface="+mn-ea"/>
+                <a:cs typeface="+mn-cs"/>
+              </a:rPr>
+              <a:t> plan</a:t>
+            </a:r>
+            <a:endParaRPr lang="en-US" sz="1200" b="0" i="0" u="none" strike="noStrike" kern="1200" dirty="0">
+              <a:solidFill>
+                <a:schemeClr val="tx1"/>
+              </a:solidFill>
+              <a:effectLst/>
+              <a:latin typeface="+mn-lt"/>
+              <a:ea typeface="+mn-ea"/>
+              <a:cs typeface="+mn-cs"/>
+            </a:endParaRPr>
+          </a:p>
+          <a:p>
+            <a:pPr rtl="0" eaLnBrk="1" fontAlgn="t" latinLnBrk="0" hangingPunct="1"/>
+            <a:r>
+              <a:rPr lang="en-US" sz="1200" b="0" i="0" u="none" strike="noStrike" kern="1200" baseline="0" dirty="0">
+                <a:solidFill>
+                  <a:schemeClr val="tx1"/>
+                </a:solidFill>
+                <a:effectLst/>
+                <a:latin typeface="+mn-lt"/>
+                <a:ea typeface="+mn-ea"/>
+                <a:cs typeface="+mn-cs"/>
+              </a:rPr>
+              <a:t>Exception calendar </a:t>
+            </a:r>
+            <a:endParaRPr lang="en-US" sz="1200" b="0" i="0" u="none" strike="noStrike" kern="1200" dirty="0">
+              <a:solidFill>
+                <a:schemeClr val="tx1"/>
+              </a:solidFill>
+              <a:effectLst/>
+              <a:latin typeface="+mn-lt"/>
+              <a:ea typeface="+mn-ea"/>
+              <a:cs typeface="+mn-cs"/>
+            </a:endParaRPr>
+          </a:p>
+          <a:p>
+            <a:pPr rtl="0" eaLnBrk="1" fontAlgn="t" latinLnBrk="0" hangingPunct="1"/>
+            <a:r>
+              <a:rPr lang="en-US" sz="1200" b="0" i="0" u="none" strike="noStrike" kern="1200" baseline="0" dirty="0">
+                <a:solidFill>
+                  <a:schemeClr val="tx1"/>
+                </a:solidFill>
+                <a:effectLst/>
+                <a:latin typeface="+mn-lt"/>
+                <a:ea typeface="+mn-ea"/>
+                <a:cs typeface="+mn-cs"/>
+              </a:rPr>
+              <a:t>Availability sheet</a:t>
+            </a:r>
+            <a:endParaRPr lang="en-US" sz="1200" b="0" i="0" u="none" strike="noStrike" kern="1200" dirty="0">
+              <a:solidFill>
+                <a:schemeClr val="tx1"/>
+              </a:solidFill>
+              <a:effectLst/>
+              <a:latin typeface="+mn-lt"/>
+              <a:ea typeface="+mn-ea"/>
+              <a:cs typeface="+mn-cs"/>
+            </a:endParaRPr>
+          </a:p>
+          <a:p>
+            <a:pPr rtl="0" eaLnBrk="1" fontAlgn="t" latinLnBrk="0" hangingPunct="1"/>
+            <a:r>
+              <a:rPr lang="en-US" sz="1200" b="0" i="0" u="none" strike="noStrike" kern="1200" dirty="0">
+                <a:solidFill>
+                  <a:schemeClr val="tx1"/>
+                </a:solidFill>
+                <a:effectLst/>
+                <a:latin typeface="+mn-lt"/>
+                <a:ea typeface="+mn-ea"/>
+                <a:cs typeface="+mn-cs"/>
+              </a:rPr>
+              <a:t>1.1 Problem Statement</a:t>
+            </a:r>
+          </a:p>
+          <a:p>
+            <a:pPr rtl="0" eaLnBrk="1" fontAlgn="t" latinLnBrk="0" hangingPunct="1"/>
+            <a:r>
+              <a:rPr lang="en-US" sz="1200" b="0" i="0" u="none" strike="noStrike" kern="1200" dirty="0">
+                <a:solidFill>
+                  <a:schemeClr val="tx1"/>
+                </a:solidFill>
+                <a:effectLst/>
+                <a:latin typeface="+mn-lt"/>
+                <a:ea typeface="+mn-ea"/>
+                <a:cs typeface="+mn-cs"/>
+              </a:rPr>
+              <a:t>1.3 Major Software Functions</a:t>
+            </a:r>
+          </a:p>
+          <a:p>
+            <a:pPr rtl="0" eaLnBrk="1" fontAlgn="t" latinLnBrk="0" hangingPunct="1"/>
+            <a:r>
+              <a:rPr lang="en-US" sz="1200" b="0" i="0" u="none" strike="noStrike" kern="1200" dirty="0">
+                <a:solidFill>
+                  <a:schemeClr val="tx1"/>
+                </a:solidFill>
+                <a:effectLst/>
+                <a:latin typeface="+mn-lt"/>
+                <a:ea typeface="+mn-ea"/>
+                <a:cs typeface="+mn-cs"/>
+              </a:rPr>
+              <a:t>6.0 (all)</a:t>
+            </a:r>
+          </a:p>
+          <a:p>
+            <a:pPr rtl="0" eaLnBrk="1" fontAlgn="t" latinLnBrk="0" hangingPunct="1"/>
+            <a:r>
+              <a:rPr lang="en-US" sz="1200" b="0" i="0" u="none" strike="noStrike" kern="1200" dirty="0">
+                <a:solidFill>
+                  <a:schemeClr val="tx1"/>
+                </a:solidFill>
+                <a:effectLst/>
+                <a:latin typeface="+mn-lt"/>
+                <a:ea typeface="+mn-ea"/>
+                <a:cs typeface="+mn-cs"/>
+              </a:rPr>
+              <a:t>SPMP Reformatting</a:t>
+            </a:r>
+          </a:p>
+          <a:p>
+            <a:pPr rtl="0" eaLnBrk="1" fontAlgn="t" latinLnBrk="0" hangingPunct="1"/>
+            <a:r>
+              <a:rPr lang="en-US" sz="1200" b="0" i="0" u="none" strike="noStrike" kern="1200" dirty="0">
+                <a:solidFill>
+                  <a:schemeClr val="tx1"/>
+                </a:solidFill>
+                <a:effectLst/>
+                <a:latin typeface="+mn-lt"/>
+                <a:ea typeface="+mn-ea"/>
+                <a:cs typeface="+mn-cs"/>
+              </a:rPr>
+              <a:t>SPMP Compilation</a:t>
+            </a:r>
+          </a:p>
+          <a:p>
+            <a:pPr rtl="0" eaLnBrk="1" fontAlgn="t" latinLnBrk="0" hangingPunct="1"/>
+            <a:r>
+              <a:rPr lang="en-US" sz="1200" b="0" i="0" u="none" strike="noStrike" kern="1200" dirty="0">
+                <a:solidFill>
+                  <a:schemeClr val="tx1"/>
+                </a:solidFill>
+                <a:effectLst/>
+                <a:latin typeface="+mn-lt"/>
+                <a:ea typeface="+mn-ea"/>
+                <a:cs typeface="+mn-cs"/>
+              </a:rPr>
+              <a:t>Presentation Tasks</a:t>
+            </a:r>
+          </a:p>
+          <a:p>
+            <a:endParaRPr lang="en-US" dirty="0"/>
+          </a:p>
+        </p:txBody>
+      </p:sp>
+      <p:sp>
+        <p:nvSpPr>
+          <p:cNvPr id="4" name="Slide Number Placeholder 3"/>
+          <p:cNvSpPr>
+            <a:spLocks noGrp="1"/>
+          </p:cNvSpPr>
+          <p:nvPr>
+            <p:ph type="sldNum" sz="quarter" idx="10"/>
+          </p:nvPr>
+        </p:nvSpPr>
+        <p:spPr/>
+        <p:txBody>
+          <a:bodyPr/>
+          <a:lstStyle/>
+          <a:p>
+            <a:fld id="{B621E0F3-BCE5-4552-9E75-AD4D9ACB2A2B}" type="slidenum">
+              <a:rPr lang="en-US" smtClean="0"/>
+              <a:t>5</a:t>
+            </a:fld>
+            <a:endParaRPr lang="en-US"/>
+          </a:p>
+        </p:txBody>
+      </p:sp>
+    </p:spTree>
+    <p:extLst>
+      <p:ext uri="{BB962C8B-B14F-4D97-AF65-F5344CB8AC3E}">
+        <p14:creationId xmlns:p14="http://schemas.microsoft.com/office/powerpoint/2010/main" val="3708416072"/>
+      </p:ext>
+    </p:extLst>
+  </p:cSld>
+  <p:clrMapOvr>
+    <a:masterClrMapping/>
+  </p:clrMapOvr>
+</p:notes>
+</file>
+
+<file path=ppt/notesSlides/notesSlide3.xml><?xml version="1.0" encoding="utf-8"?>
+<p:notes xmlns:a="http://schemas.openxmlformats.org/drawingml/2006/main" xmlns:r="http://schemas.openxmlformats.org/officeDocument/2006/relationships" xmlns:p="http://schemas.openxmlformats.org/presentationml/2006/main">
+  <p:cSld>
+    <p:spTree>
+      <p:nvGrpSpPr>
+        <p:cNvPr id="1" name=""/>
+        <p:cNvGrpSpPr/>
+        <p:nvPr/>
+      </p:nvGrpSpPr>
+      <p:grpSpPr>
+        <a:xfrm>
+          <a:off x="0" y="0"/>
+          <a:ext cx="0" cy="0"/>
+          <a:chOff x="0" y="0"/>
+          <a:chExt cx="0" cy="0"/>
+        </a:xfrm>
+      </p:grpSpPr>
+      <p:sp>
+        <p:nvSpPr>
+          <p:cNvPr id="2" name="Slide Image Placeholder 1"/>
+          <p:cNvSpPr>
+            <a:spLocks noGrp="1" noRot="1" noChangeAspect="1"/>
+          </p:cNvSpPr>
+          <p:nvPr>
+            <p:ph type="sldImg"/>
+          </p:nvPr>
+        </p:nvSpPr>
+        <p:spPr/>
+      </p:sp>
+      <p:sp>
+        <p:nvSpPr>
+          <p:cNvPr id="3" name="Notes Placeholder 2"/>
+          <p:cNvSpPr>
+            <a:spLocks noGrp="1"/>
+          </p:cNvSpPr>
+          <p:nvPr>
+            <p:ph type="body" idx="1"/>
+          </p:nvPr>
+        </p:nvSpPr>
+        <p:spPr/>
+        <p:txBody>
+          <a:bodyPr/>
+          <a:lstStyle/>
+          <a:p>
+            <a:endParaRPr lang="en-US" dirty="0"/>
+          </a:p>
+        </p:txBody>
+      </p:sp>
+      <p:sp>
+        <p:nvSpPr>
+          <p:cNvPr id="4" name="Slide Number Placeholder 3"/>
+          <p:cNvSpPr>
+            <a:spLocks noGrp="1"/>
+          </p:cNvSpPr>
+          <p:nvPr>
+            <p:ph type="sldNum" sz="quarter" idx="10"/>
+          </p:nvPr>
+        </p:nvSpPr>
+        <p:spPr/>
+        <p:txBody>
+          <a:bodyPr/>
+          <a:lstStyle/>
+          <a:p>
+            <a:fld id="{B621E0F3-BCE5-4552-9E75-AD4D9ACB2A2B}" type="slidenum">
+              <a:rPr lang="en-US" smtClean="0"/>
+              <a:t>6</a:t>
+            </a:fld>
+            <a:endParaRPr lang="en-US"/>
+          </a:p>
+        </p:txBody>
+      </p:sp>
+    </p:spTree>
+    <p:extLst>
+      <p:ext uri="{BB962C8B-B14F-4D97-AF65-F5344CB8AC3E}">
+        <p14:creationId xmlns:p14="http://schemas.microsoft.com/office/powerpoint/2010/main" val="292177859"/>
+      </p:ext>
+    </p:extLst>
+  </p:cSld>
+  <p:clrMapOvr>
+    <a:masterClrMapping/>
+  </p:clrMapOvr>
+</p:notes>
+</file>
+
+<file path=ppt/notesSlides/notesSlide4.xml><?xml version="1.0" encoding="utf-8"?>
+<p:notes xmlns:a="http://schemas.openxmlformats.org/drawingml/2006/main" xmlns:r="http://schemas.openxmlformats.org/officeDocument/2006/relationships" xmlns:p="http://schemas.openxmlformats.org/presentationml/2006/main">
+  <p:cSld>
+    <p:spTree>
+      <p:nvGrpSpPr>
+        <p:cNvPr id="1" name=""/>
+        <p:cNvGrpSpPr/>
+        <p:nvPr/>
+      </p:nvGrpSpPr>
+      <p:grpSpPr>
+        <a:xfrm>
+          <a:off x="0" y="0"/>
+          <a:ext cx="0" cy="0"/>
+          <a:chOff x="0" y="0"/>
+          <a:chExt cx="0" cy="0"/>
+        </a:xfrm>
+      </p:grpSpPr>
+      <p:sp>
+        <p:nvSpPr>
+          <p:cNvPr id="2" name="Slide Image Placeholder 1"/>
+          <p:cNvSpPr>
+            <a:spLocks noGrp="1" noRot="1" noChangeAspect="1"/>
+          </p:cNvSpPr>
+          <p:nvPr>
+            <p:ph type="sldImg"/>
+          </p:nvPr>
+        </p:nvSpPr>
+        <p:spPr/>
+      </p:sp>
+      <p:sp>
+        <p:nvSpPr>
+          <p:cNvPr id="3" name="Notes Placeholder 2"/>
+          <p:cNvSpPr>
+            <a:spLocks noGrp="1"/>
+          </p:cNvSpPr>
+          <p:nvPr>
+            <p:ph type="body" idx="1"/>
+          </p:nvPr>
+        </p:nvSpPr>
+        <p:spPr/>
+        <p:txBody>
+          <a:bodyPr/>
+          <a:lstStyle/>
+          <a:p>
+            <a:endParaRPr lang="en-US" dirty="0"/>
+          </a:p>
+        </p:txBody>
+      </p:sp>
+      <p:sp>
+        <p:nvSpPr>
+          <p:cNvPr id="4" name="Slide Number Placeholder 3"/>
+          <p:cNvSpPr>
+            <a:spLocks noGrp="1"/>
+          </p:cNvSpPr>
+          <p:nvPr>
+            <p:ph type="sldNum" sz="quarter" idx="10"/>
+          </p:nvPr>
+        </p:nvSpPr>
+        <p:spPr/>
+        <p:txBody>
+          <a:bodyPr/>
+          <a:lstStyle/>
+          <a:p>
+            <a:fld id="{B621E0F3-BCE5-4552-9E75-AD4D9ACB2A2B}" type="slidenum">
+              <a:rPr lang="en-US" smtClean="0"/>
+              <a:t>7</a:t>
+            </a:fld>
+            <a:endParaRPr lang="en-US"/>
+          </a:p>
+        </p:txBody>
+      </p:sp>
+    </p:spTree>
+    <p:extLst>
+      <p:ext uri="{BB962C8B-B14F-4D97-AF65-F5344CB8AC3E}">
+        <p14:creationId xmlns:p14="http://schemas.microsoft.com/office/powerpoint/2010/main" val="3316633356"/>
+      </p:ext>
+    </p:extLst>
+  </p:cSld>
+  <p:clrMapOvr>
+    <a:masterClrMapping/>
+  </p:clrMapOvr>
+</p:notes>
+</file>
+
+<file path=ppt/notesSlides/notesSlide5.xml><?xml version="1.0" encoding="utf-8"?>
+<p:notes xmlns:a="http://schemas.openxmlformats.org/drawingml/2006/main" xmlns:r="http://schemas.openxmlformats.org/officeDocument/2006/relationships" xmlns:p="http://schemas.openxmlformats.org/presentationml/2006/main">
+  <p:cSld>
+    <p:spTree>
+      <p:nvGrpSpPr>
+        <p:cNvPr id="1" name=""/>
+        <p:cNvGrpSpPr/>
+        <p:nvPr/>
+      </p:nvGrpSpPr>
+      <p:grpSpPr>
+        <a:xfrm>
+          <a:off x="0" y="0"/>
+          <a:ext cx="0" cy="0"/>
+          <a:chOff x="0" y="0"/>
+          <a:chExt cx="0" cy="0"/>
+        </a:xfrm>
+      </p:grpSpPr>
+      <p:sp>
+        <p:nvSpPr>
+          <p:cNvPr id="2" name="Slide Image Placeholder 1"/>
+          <p:cNvSpPr>
+            <a:spLocks noGrp="1" noRot="1" noChangeAspect="1"/>
+          </p:cNvSpPr>
+          <p:nvPr>
+            <p:ph type="sldImg"/>
+          </p:nvPr>
+        </p:nvSpPr>
+        <p:spPr/>
+      </p:sp>
+      <p:sp>
+        <p:nvSpPr>
+          <p:cNvPr id="3" name="Notes Placeholder 2"/>
+          <p:cNvSpPr>
+            <a:spLocks noGrp="1"/>
+          </p:cNvSpPr>
+          <p:nvPr>
+            <p:ph type="body" idx="1"/>
+          </p:nvPr>
+        </p:nvSpPr>
+        <p:spPr/>
+        <p:txBody>
+          <a:bodyPr/>
+          <a:lstStyle/>
+          <a:p>
+            <a:r>
+              <a:rPr lang="en-US" dirty="0"/>
+              <a:t>Early</a:t>
+            </a:r>
+            <a:r>
+              <a:rPr lang="en-US" baseline="0" dirty="0"/>
+              <a:t> start:  Before the we chose teams, </a:t>
+            </a:r>
+            <a:r>
+              <a:rPr lang="en-US" baseline="0" dirty="0" err="1"/>
+              <a:t>Durwin</a:t>
+            </a:r>
+            <a:r>
+              <a:rPr lang="en-US" baseline="0" dirty="0"/>
+              <a:t> and Erik had discussed tools. We also had a small meeting the same day teams were chosen and had meetings since then.</a:t>
+            </a:r>
+          </a:p>
+          <a:p>
+            <a:r>
+              <a:rPr lang="en-US" baseline="0" dirty="0"/>
+              <a:t>                   Through these meetings we were able to minimize the time spent deciding on a meeting location and  on the methods of communication before the SPMP was assigned.</a:t>
+            </a:r>
+          </a:p>
+          <a:p>
+            <a:endParaRPr lang="en-US" baseline="0" dirty="0"/>
+          </a:p>
+          <a:p>
+            <a:r>
+              <a:rPr lang="en-US" baseline="0" dirty="0"/>
+              <a:t>Establishing in-person meetings: setting up required in-person meetings allowed us to discuss tools, skillsets and assign any tasks we knew we could expect on the SPMP</a:t>
+            </a:r>
+          </a:p>
+          <a:p>
+            <a:r>
+              <a:rPr lang="en-US" baseline="0" dirty="0"/>
+              <a:t>		     </a:t>
+            </a:r>
+            <a:endParaRPr lang="en-US" dirty="0"/>
+          </a:p>
+          <a:p>
+            <a:r>
+              <a:rPr lang="en-US" dirty="0"/>
+              <a:t>Selection</a:t>
+            </a:r>
+            <a:r>
+              <a:rPr lang="en-US" baseline="0" dirty="0"/>
+              <a:t> of time tracking tool: </a:t>
+            </a:r>
+            <a:r>
+              <a:rPr lang="en-US" dirty="0"/>
+              <a:t>helped</a:t>
+            </a:r>
+            <a:r>
+              <a:rPr lang="en-US" baseline="0" dirty="0"/>
+              <a:t> with determining the estimates. Using the reports generated in Toggl, we were able to see which tasks were taking up the most time and effort and individual times. We were able to assign </a:t>
+            </a:r>
+          </a:p>
+          <a:p>
+            <a:r>
+              <a:rPr lang="en-US" baseline="0" dirty="0"/>
+              <a:t>		 tasks based on each persons individual time.</a:t>
+            </a:r>
+          </a:p>
+          <a:p>
+            <a:endParaRPr lang="en-US" baseline="0" dirty="0"/>
+          </a:p>
+          <a:p>
+            <a:pPr marL="0" marR="0" lvl="0" indent="0" algn="l" defTabSz="914400" rtl="0" eaLnBrk="1" fontAlgn="auto" latinLnBrk="0" hangingPunct="1">
+              <a:lnSpc>
+                <a:spcPct val="100000"/>
+              </a:lnSpc>
+              <a:spcBef>
+                <a:spcPts val="0"/>
+              </a:spcBef>
+              <a:spcAft>
+                <a:spcPts val="0"/>
+              </a:spcAft>
+              <a:buClrTx/>
+              <a:buSzTx/>
+              <a:buFontTx/>
+              <a:buNone/>
+              <a:tabLst/>
+              <a:defRPr/>
+            </a:pPr>
+            <a:r>
+              <a:rPr lang="en-US" baseline="0" dirty="0"/>
+              <a:t>Training tools: Checking out the tools and tracking task time. Since only one team member had prior experience with a majority of the tools, it was necessary that the other team members became acquainted with the tools and understood the 	terminology that came with each one </a:t>
+            </a:r>
+            <a:r>
+              <a:rPr lang="en-US" baseline="0" dirty="0" err="1"/>
+              <a:t>i.e</a:t>
+            </a:r>
+            <a:r>
+              <a:rPr lang="en-US" baseline="0" dirty="0"/>
+              <a:t> committing to master on GitHub</a:t>
+            </a:r>
+          </a:p>
+          <a:p>
+            <a:endParaRPr lang="en-US" baseline="0" dirty="0"/>
+          </a:p>
+          <a:p>
+            <a:r>
+              <a:rPr lang="en-US" baseline="0" dirty="0"/>
+              <a:t>Team communication: All team members were required to sign off on meeting minutes and check slack at least once per day. Whenever a team member had questions or concerns regarding the SPMP, those questions or concerns were always 	            heard and discussed or answered by either another team member, pm or Steiner </a:t>
+            </a:r>
+          </a:p>
+          <a:p>
+            <a:endParaRPr lang="en-US" baseline="0" dirty="0"/>
+          </a:p>
+          <a:p>
+            <a:r>
+              <a:rPr lang="en-US" baseline="0" dirty="0"/>
+              <a:t>Risk Mitigation: When our primary meeting location (the library ) was not open or closed early. Our risk mitigation plan was put into action and told us to met at our secondary meeting location, </a:t>
+            </a:r>
+            <a:r>
+              <a:rPr lang="en-US" baseline="0" dirty="0" err="1"/>
+              <a:t>biggby</a:t>
+            </a:r>
+            <a:r>
+              <a:rPr lang="en-US" baseline="0" dirty="0"/>
+              <a:t>. The </a:t>
+            </a:r>
+            <a:r>
+              <a:rPr lang="en-US" baseline="0" dirty="0" err="1"/>
+              <a:t>biggby</a:t>
+            </a:r>
+            <a:r>
+              <a:rPr lang="en-US" baseline="0" dirty="0"/>
+              <a:t> we chose was the midpoint 	 from where all team members live so it was the obvious choice.</a:t>
+            </a:r>
+          </a:p>
+          <a:p>
+            <a:endParaRPr lang="en-US" baseline="0" dirty="0"/>
+          </a:p>
+          <a:p>
+            <a:r>
+              <a:rPr lang="en-US" baseline="0" dirty="0"/>
+              <a:t>Tracking and control mechanisms:  Reviewing all the documents and artifacts before it in order to validate its accuracy.</a:t>
+            </a:r>
+          </a:p>
+          <a:p>
+            <a:endParaRPr lang="en-US" baseline="0" dirty="0"/>
+          </a:p>
+        </p:txBody>
+      </p:sp>
+      <p:sp>
+        <p:nvSpPr>
+          <p:cNvPr id="4" name="Slide Number Placeholder 3"/>
+          <p:cNvSpPr>
+            <a:spLocks noGrp="1"/>
+          </p:cNvSpPr>
+          <p:nvPr>
+            <p:ph type="sldNum" sz="quarter" idx="10"/>
+          </p:nvPr>
+        </p:nvSpPr>
+        <p:spPr/>
+        <p:txBody>
+          <a:bodyPr/>
+          <a:lstStyle/>
+          <a:p>
+            <a:fld id="{B621E0F3-BCE5-4552-9E75-AD4D9ACB2A2B}" type="slidenum">
+              <a:rPr lang="en-US" smtClean="0"/>
+              <a:t>8</a:t>
+            </a:fld>
+            <a:endParaRPr lang="en-US"/>
+          </a:p>
+        </p:txBody>
+      </p:sp>
+    </p:spTree>
+    <p:extLst>
+      <p:ext uri="{BB962C8B-B14F-4D97-AF65-F5344CB8AC3E}">
+        <p14:creationId xmlns:p14="http://schemas.microsoft.com/office/powerpoint/2010/main" val="1228246"/>
+      </p:ext>
+    </p:extLst>
+  </p:cSld>
+  <p:clrMapOvr>
+    <a:masterClrMapping/>
+  </p:clrMapOvr>
+</p:notes>
+</file>
+
+<file path=ppt/notesSlides/notesSlide6.xml><?xml version="1.0" encoding="utf-8"?>
+<p:notes xmlns:a="http://schemas.openxmlformats.org/drawingml/2006/main" xmlns:r="http://schemas.openxmlformats.org/officeDocument/2006/relationships" xmlns:p="http://schemas.openxmlformats.org/presentationml/2006/main">
+  <p:cSld>
+    <p:spTree>
+      <p:nvGrpSpPr>
+        <p:cNvPr id="1" name=""/>
+        <p:cNvGrpSpPr/>
+        <p:nvPr/>
+      </p:nvGrpSpPr>
+      <p:grpSpPr>
+        <a:xfrm>
+          <a:off x="0" y="0"/>
+          <a:ext cx="0" cy="0"/>
+          <a:chOff x="0" y="0"/>
+          <a:chExt cx="0" cy="0"/>
+        </a:xfrm>
+      </p:grpSpPr>
+      <p:sp>
+        <p:nvSpPr>
+          <p:cNvPr id="2" name="Slide Image Placeholder 1"/>
+          <p:cNvSpPr>
+            <a:spLocks noGrp="1" noRot="1" noChangeAspect="1"/>
+          </p:cNvSpPr>
+          <p:nvPr>
+            <p:ph type="sldImg"/>
+          </p:nvPr>
+        </p:nvSpPr>
+        <p:spPr/>
+      </p:sp>
+      <p:sp>
+        <p:nvSpPr>
+          <p:cNvPr id="3" name="Notes Placeholder 2"/>
+          <p:cNvSpPr>
+            <a:spLocks noGrp="1"/>
+          </p:cNvSpPr>
+          <p:nvPr>
+            <p:ph type="body" idx="1"/>
+          </p:nvPr>
+        </p:nvSpPr>
+        <p:spPr/>
+        <p:txBody>
+          <a:bodyPr/>
+          <a:lstStyle/>
+          <a:p>
+            <a:endParaRPr lang="en-US" dirty="0"/>
+          </a:p>
+        </p:txBody>
+      </p:sp>
+      <p:sp>
+        <p:nvSpPr>
+          <p:cNvPr id="4" name="Slide Number Placeholder 3"/>
+          <p:cNvSpPr>
+            <a:spLocks noGrp="1"/>
+          </p:cNvSpPr>
+          <p:nvPr>
+            <p:ph type="sldNum" sz="quarter" idx="10"/>
+          </p:nvPr>
+        </p:nvSpPr>
+        <p:spPr/>
+        <p:txBody>
+          <a:bodyPr/>
+          <a:lstStyle/>
+          <a:p>
+            <a:fld id="{B621E0F3-BCE5-4552-9E75-AD4D9ACB2A2B}" type="slidenum">
+              <a:rPr lang="en-US" smtClean="0"/>
+              <a:t>9</a:t>
+            </a:fld>
+            <a:endParaRPr lang="en-US"/>
+          </a:p>
+        </p:txBody>
+      </p:sp>
+    </p:spTree>
+    <p:extLst>
+      <p:ext uri="{BB962C8B-B14F-4D97-AF65-F5344CB8AC3E}">
+        <p14:creationId xmlns:p14="http://schemas.microsoft.com/office/powerpoint/2010/main" val="3678601128"/>
+      </p:ext>
+    </p:extLst>
+  </p:cSld>
+  <p:clrMapOvr>
+    <a:masterClrMapping/>
+  </p:clrMapOvr>
+</p:notes>
+</file>
+
+<file path=ppt/notesSlides/notesSlide7.xml><?xml version="1.0" encoding="utf-8"?>
+<p:notes xmlns:a="http://schemas.openxmlformats.org/drawingml/2006/main" xmlns:r="http://schemas.openxmlformats.org/officeDocument/2006/relationships" xmlns:p="http://schemas.openxmlformats.org/presentationml/2006/main">
+  <p:cSld>
+    <p:spTree>
+      <p:nvGrpSpPr>
+        <p:cNvPr id="1" name=""/>
+        <p:cNvGrpSpPr/>
+        <p:nvPr/>
+      </p:nvGrpSpPr>
+      <p:grpSpPr>
+        <a:xfrm>
+          <a:off x="0" y="0"/>
+          <a:ext cx="0" cy="0"/>
+          <a:chOff x="0" y="0"/>
+          <a:chExt cx="0" cy="0"/>
+        </a:xfrm>
+      </p:grpSpPr>
+      <p:sp>
+        <p:nvSpPr>
+          <p:cNvPr id="2" name="Slide Image Placeholder 1"/>
+          <p:cNvSpPr>
+            <a:spLocks noGrp="1" noRot="1" noChangeAspect="1"/>
+          </p:cNvSpPr>
+          <p:nvPr>
+            <p:ph type="sldImg"/>
+          </p:nvPr>
+        </p:nvSpPr>
+        <p:spPr/>
+      </p:sp>
+      <p:sp>
+        <p:nvSpPr>
+          <p:cNvPr id="3" name="Notes Placeholder 2"/>
+          <p:cNvSpPr>
+            <a:spLocks noGrp="1"/>
+          </p:cNvSpPr>
+          <p:nvPr>
+            <p:ph type="body" idx="1"/>
+          </p:nvPr>
+        </p:nvSpPr>
+        <p:spPr/>
+        <p:txBody>
+          <a:bodyPr/>
+          <a:lstStyle/>
+          <a:p>
+            <a:r>
+              <a:rPr lang="en-US" dirty="0"/>
+              <a:t>Since these are the tools we will</a:t>
+            </a:r>
+            <a:r>
+              <a:rPr lang="en-US" baseline="0" dirty="0"/>
+              <a:t> be using throughout the entirety of the project we felt as though we need to justify them:</a:t>
+            </a:r>
+            <a:endParaRPr lang="en-US" dirty="0"/>
+          </a:p>
+        </p:txBody>
+      </p:sp>
+      <p:sp>
+        <p:nvSpPr>
+          <p:cNvPr id="4" name="Slide Number Placeholder 3"/>
+          <p:cNvSpPr>
+            <a:spLocks noGrp="1"/>
+          </p:cNvSpPr>
+          <p:nvPr>
+            <p:ph type="sldNum" sz="quarter" idx="10"/>
+          </p:nvPr>
+        </p:nvSpPr>
+        <p:spPr/>
+        <p:txBody>
+          <a:bodyPr/>
+          <a:lstStyle/>
+          <a:p>
+            <a:fld id="{B621E0F3-BCE5-4552-9E75-AD4D9ACB2A2B}" type="slidenum">
+              <a:rPr lang="en-US" smtClean="0"/>
+              <a:t>11</a:t>
+            </a:fld>
+            <a:endParaRPr lang="en-US"/>
+          </a:p>
+        </p:txBody>
+      </p:sp>
+    </p:spTree>
+    <p:extLst>
+      <p:ext uri="{BB962C8B-B14F-4D97-AF65-F5344CB8AC3E}">
+        <p14:creationId xmlns:p14="http://schemas.microsoft.com/office/powerpoint/2010/main" val="221181007"/>
+      </p:ext>
+    </p:extLst>
+  </p:cSld>
+  <p:clrMapOvr>
+    <a:masterClrMapping/>
+  </p:clrMapOvr>
+</p:notes>
+</file>
+
+<file path=ppt/notesSlides/notesSlide8.xml><?xml version="1.0" encoding="utf-8"?>
+<p:notes xmlns:a="http://schemas.openxmlformats.org/drawingml/2006/main" xmlns:r="http://schemas.openxmlformats.org/officeDocument/2006/relationships" xmlns:p="http://schemas.openxmlformats.org/presentationml/2006/main">
+  <p:cSld>
+    <p:spTree>
+      <p:nvGrpSpPr>
+        <p:cNvPr id="1" name=""/>
+        <p:cNvGrpSpPr/>
+        <p:nvPr/>
+      </p:nvGrpSpPr>
+      <p:grpSpPr>
+        <a:xfrm>
+          <a:off x="0" y="0"/>
+          <a:ext cx="0" cy="0"/>
+          <a:chOff x="0" y="0"/>
+          <a:chExt cx="0" cy="0"/>
+        </a:xfrm>
+      </p:grpSpPr>
+      <p:sp>
+        <p:nvSpPr>
+          <p:cNvPr id="2" name="Slide Image Placeholder 1"/>
+          <p:cNvSpPr>
+            <a:spLocks noGrp="1" noRot="1" noChangeAspect="1"/>
+          </p:cNvSpPr>
+          <p:nvPr>
+            <p:ph type="sldImg"/>
+          </p:nvPr>
+        </p:nvSpPr>
+        <p:spPr/>
+      </p:sp>
+      <p:sp>
+        <p:nvSpPr>
+          <p:cNvPr id="3" name="Notes Placeholder 2"/>
+          <p:cNvSpPr>
+            <a:spLocks noGrp="1"/>
+          </p:cNvSpPr>
+          <p:nvPr>
+            <p:ph type="body" idx="1"/>
+          </p:nvPr>
+        </p:nvSpPr>
+        <p:spPr/>
+        <p:txBody>
+          <a:bodyPr/>
+          <a:lstStyle/>
+          <a:p>
+            <a:r>
+              <a:rPr lang="en-US" dirty="0"/>
+              <a:t>Step one:</a:t>
+            </a:r>
+            <a:r>
+              <a:rPr lang="en-US" baseline="0" dirty="0"/>
+              <a:t> </a:t>
+            </a:r>
+            <a:endParaRPr lang="en-US" dirty="0"/>
+          </a:p>
+        </p:txBody>
+      </p:sp>
+      <p:sp>
+        <p:nvSpPr>
+          <p:cNvPr id="4" name="Slide Number Placeholder 3"/>
+          <p:cNvSpPr>
+            <a:spLocks noGrp="1"/>
+          </p:cNvSpPr>
+          <p:nvPr>
+            <p:ph type="sldNum" sz="quarter" idx="10"/>
+          </p:nvPr>
+        </p:nvSpPr>
+        <p:spPr/>
+        <p:txBody>
+          <a:bodyPr/>
+          <a:lstStyle/>
+          <a:p>
+            <a:fld id="{B621E0F3-BCE5-4552-9E75-AD4D9ACB2A2B}" type="slidenum">
+              <a:rPr lang="en-US" smtClean="0"/>
+              <a:t>12</a:t>
+            </a:fld>
+            <a:endParaRPr lang="en-US"/>
+          </a:p>
+        </p:txBody>
+      </p:sp>
+    </p:spTree>
+    <p:extLst>
+      <p:ext uri="{BB962C8B-B14F-4D97-AF65-F5344CB8AC3E}">
+        <p14:creationId xmlns:p14="http://schemas.microsoft.com/office/powerpoint/2010/main" val="2751988310"/>
+      </p:ext>
+    </p:extLst>
+  </p:cSld>
+  <p:clrMapOvr>
+    <a:masterClrMapping/>
+  </p:clrMapOvr>
+</p:notes>
+</file>
+
+<file path=ppt/notesSlides/notesSlide9.xml><?xml version="1.0" encoding="utf-8"?>
+<p:notes xmlns:a="http://schemas.openxmlformats.org/drawingml/2006/main" xmlns:r="http://schemas.openxmlformats.org/officeDocument/2006/relationships" xmlns:p="http://schemas.openxmlformats.org/presentationml/2006/main">
+  <p:cSld>
+    <p:spTree>
+      <p:nvGrpSpPr>
+        <p:cNvPr id="1" name=""/>
+        <p:cNvGrpSpPr/>
+        <p:nvPr/>
+      </p:nvGrpSpPr>
+      <p:grpSpPr>
+        <a:xfrm>
+          <a:off x="0" y="0"/>
+          <a:ext cx="0" cy="0"/>
+          <a:chOff x="0" y="0"/>
+          <a:chExt cx="0" cy="0"/>
+        </a:xfrm>
+      </p:grpSpPr>
+      <p:sp>
+        <p:nvSpPr>
+          <p:cNvPr id="2" name="Slide Image Placeholder 1"/>
+          <p:cNvSpPr>
+            <a:spLocks noGrp="1" noRot="1" noChangeAspect="1"/>
+          </p:cNvSpPr>
+          <p:nvPr>
+            <p:ph type="sldImg"/>
+          </p:nvPr>
+        </p:nvSpPr>
+        <p:spPr/>
+      </p:sp>
+      <p:sp>
+        <p:nvSpPr>
+          <p:cNvPr id="3" name="Notes Placeholder 2"/>
+          <p:cNvSpPr>
+            <a:spLocks noGrp="1"/>
+          </p:cNvSpPr>
+          <p:nvPr>
+            <p:ph type="body" idx="1"/>
+          </p:nvPr>
+        </p:nvSpPr>
+        <p:spPr/>
+        <p:txBody>
+          <a:bodyPr/>
+          <a:lstStyle/>
+          <a:p>
+            <a:r>
+              <a:rPr lang="en-US" dirty="0"/>
+              <a:t>Based on</a:t>
+            </a:r>
+            <a:r>
+              <a:rPr lang="en-US" baseline="0" dirty="0"/>
+              <a:t> task times on </a:t>
+            </a:r>
+            <a:r>
+              <a:rPr lang="en-US" baseline="0" dirty="0" err="1"/>
+              <a:t>toggl</a:t>
+            </a:r>
+            <a:endParaRPr lang="en-US" dirty="0"/>
+          </a:p>
+        </p:txBody>
+      </p:sp>
+      <p:sp>
+        <p:nvSpPr>
+          <p:cNvPr id="4" name="Slide Number Placeholder 3"/>
+          <p:cNvSpPr>
+            <a:spLocks noGrp="1"/>
+          </p:cNvSpPr>
+          <p:nvPr>
+            <p:ph type="sldNum" sz="quarter" idx="10"/>
+          </p:nvPr>
+        </p:nvSpPr>
+        <p:spPr/>
+        <p:txBody>
+          <a:bodyPr/>
+          <a:lstStyle/>
+          <a:p>
+            <a:fld id="{B621E0F3-BCE5-4552-9E75-AD4D9ACB2A2B}" type="slidenum">
+              <a:rPr lang="en-US" smtClean="0"/>
+              <a:t>14</a:t>
+            </a:fld>
+            <a:endParaRPr lang="en-US"/>
+          </a:p>
+        </p:txBody>
+      </p:sp>
+    </p:spTree>
+    <p:extLst>
+      <p:ext uri="{BB962C8B-B14F-4D97-AF65-F5344CB8AC3E}">
+        <p14:creationId xmlns:p14="http://schemas.microsoft.com/office/powerpoint/2010/main" val="3573805196"/>
+      </p:ext>
+    </p:extLst>
+  </p:cSld>
+  <p:clrMapOvr>
+    <a:masterClrMapping/>
+  </p:clrMapOvr>
+</p:notes>
+</file>
+
 <file path=ppt/slideLayouts/slideLayout1.xml><?xml version="1.0" encoding="utf-8"?>
 <p:sldLayout xmlns:a="http://schemas.openxmlformats.org/drawingml/2006/main" xmlns:r="http://schemas.openxmlformats.org/officeDocument/2006/relationships" xmlns:p="http://schemas.openxmlformats.org/presentationml/2006/main" type="title" preserve="1">
   <p:cSld name="Title Slide">
@@ -321,7 +2562,7 @@
             <a:fld id="{B61BEF0D-F0BB-DE4B-95CE-6DB70DBA9567}" type="datetimeFigureOut">
               <a:rPr lang="en-US" smtClean="0"/>
               <a:pPr/>
-              <a:t>2/28/2017</a:t>
+              <a:t>3/1/2017</a:t>
             </a:fld>
             <a:endParaRPr lang="en-US" dirty="0"/>
           </a:p>
@@ -544,7 +2785,7 @@
             <a:fld id="{B61BEF0D-F0BB-DE4B-95CE-6DB70DBA9567}" type="datetimeFigureOut">
               <a:rPr lang="en-US" smtClean="0"/>
               <a:pPr/>
-              <a:t>2/28/2017</a:t>
+              <a:t>3/1/2017</a:t>
             </a:fld>
             <a:endParaRPr lang="en-US" dirty="0"/>
           </a:p>
@@ -726,7 +2967,7 @@
             <a:fld id="{B61BEF0D-F0BB-DE4B-95CE-6DB70DBA9567}" type="datetimeFigureOut">
               <a:rPr lang="en-US" smtClean="0"/>
               <a:pPr/>
-              <a:t>2/28/2017</a:t>
+              <a:t>3/1/2017</a:t>
             </a:fld>
             <a:endParaRPr lang="en-US" dirty="0"/>
           </a:p>
@@ -898,7 +3139,7 @@
             <a:fld id="{B61BEF0D-F0BB-DE4B-95CE-6DB70DBA9567}" type="datetimeFigureOut">
               <a:rPr lang="en-US" smtClean="0"/>
               <a:pPr/>
-              <a:t>2/28/2017</a:t>
+              <a:t>3/1/2017</a:t>
             </a:fld>
             <a:endParaRPr lang="en-US" dirty="0"/>
           </a:p>
@@ -1151,7 +3392,7 @@
             <a:fld id="{B61BEF0D-F0BB-DE4B-95CE-6DB70DBA9567}" type="datetimeFigureOut">
               <a:rPr lang="en-US" smtClean="0"/>
               <a:pPr/>
-              <a:t>2/28/2017</a:t>
+              <a:t>3/1/2017</a:t>
             </a:fld>
             <a:endParaRPr lang="en-US" dirty="0"/>
           </a:p>
@@ -1476,7 +3717,7 @@
             <a:fld id="{B61BEF0D-F0BB-DE4B-95CE-6DB70DBA9567}" type="datetimeFigureOut">
               <a:rPr lang="en-US" smtClean="0"/>
               <a:pPr/>
-              <a:t>2/28/2017</a:t>
+              <a:t>3/1/2017</a:t>
             </a:fld>
             <a:endParaRPr lang="en-US" dirty="0"/>
           </a:p>
@@ -1902,7 +4143,7 @@
             <a:fld id="{B61BEF0D-F0BB-DE4B-95CE-6DB70DBA9567}" type="datetimeFigureOut">
               <a:rPr lang="en-US" smtClean="0"/>
               <a:pPr/>
-              <a:t>2/28/2017</a:t>
+              <a:t>3/1/2017</a:t>
             </a:fld>
             <a:endParaRPr lang="en-US" dirty="0"/>
           </a:p>
@@ -2022,7 +4263,7 @@
             <a:fld id="{B61BEF0D-F0BB-DE4B-95CE-6DB70DBA9567}" type="datetimeFigureOut">
               <a:rPr lang="en-US" smtClean="0"/>
               <a:pPr/>
-              <a:t>2/28/2017</a:t>
+              <a:t>3/1/2017</a:t>
             </a:fld>
             <a:endParaRPr lang="en-US" dirty="0"/>
           </a:p>
@@ -2119,7 +4360,7 @@
             <a:fld id="{B61BEF0D-F0BB-DE4B-95CE-6DB70DBA9567}" type="datetimeFigureOut">
               <a:rPr lang="en-US" smtClean="0"/>
               <a:pPr/>
-              <a:t>2/28/2017</a:t>
+              <a:t>3/1/2017</a:t>
             </a:fld>
             <a:endParaRPr lang="en-US" dirty="0"/>
           </a:p>
@@ -2411,7 +4652,7 @@
             <a:fld id="{B61BEF0D-F0BB-DE4B-95CE-6DB70DBA9567}" type="datetimeFigureOut">
               <a:rPr lang="en-US" smtClean="0"/>
               <a:pPr/>
-              <a:t>2/28/2017</a:t>
+              <a:t>3/1/2017</a:t>
             </a:fld>
             <a:endParaRPr lang="en-US" dirty="0"/>
           </a:p>
@@ -2685,7 +4926,7 @@
             <a:fld id="{B61BEF0D-F0BB-DE4B-95CE-6DB70DBA9567}" type="datetimeFigureOut">
               <a:rPr lang="en-US" smtClean="0"/>
               <a:pPr/>
-              <a:t>2/28/2017</a:t>
+              <a:t>3/1/2017</a:t>
             </a:fld>
             <a:endParaRPr lang="en-US" dirty="0"/>
           </a:p>
@@ -2940,7 +5181,7 @@
             <a:fld id="{B61BEF0D-F0BB-DE4B-95CE-6DB70DBA9567}" type="datetimeFigureOut">
               <a:rPr lang="en-US" smtClean="0"/>
               <a:pPr/>
-              <a:t>2/28/2017</a:t>
+              <a:t>3/1/2017</a:t>
             </a:fld>
             <a:endParaRPr lang="en-US" dirty="0"/>
           </a:p>
@@ -3415,10 +5656,10 @@
         </p:nvGrpSpPr>
         <p:grpSpPr>
           <a:xfrm>
-            <a:off x="3149601" y="3420418"/>
-            <a:ext cx="7649029" cy="1449004"/>
-            <a:chOff x="3149601" y="3420418"/>
-            <a:chExt cx="7649029" cy="1449004"/>
+            <a:off x="3085433" y="3420418"/>
+            <a:ext cx="7713197" cy="1449004"/>
+            <a:chOff x="3085433" y="3420418"/>
+            <a:chExt cx="7713197" cy="1449004"/>
           </a:xfrm>
         </p:grpSpPr>
         <p:pic>
@@ -3469,7 +5710,7 @@
             <a:p>
               <a:r>
                 <a:rPr lang="en-US" sz="7200" dirty="0"/>
-                <a:t>yman</a:t>
+                <a:t>ynman</a:t>
               </a:r>
             </a:p>
           </p:txBody>
@@ -3482,7 +5723,7 @@
           </p:nvSpPr>
           <p:spPr>
             <a:xfrm>
-              <a:off x="3149601" y="3588297"/>
+              <a:off x="3085433" y="3588297"/>
               <a:ext cx="2348802" cy="1200329"/>
             </a:xfrm>
             <a:prstGeom prst="rect">
@@ -3571,7 +5812,31 @@
           <a:bodyPr/>
           <a:lstStyle/>
           <a:p>
-            <a:endParaRPr lang="en-US"/>
+            <a:r>
+              <a:rPr lang="en-US" dirty="0"/>
+              <a:t>Started off very promising </a:t>
+            </a:r>
+          </a:p>
+          <a:p>
+            <a:r>
+              <a:rPr lang="en-US" dirty="0"/>
+              <a:t>Communication process not well defined</a:t>
+            </a:r>
+          </a:p>
+          <a:p>
+            <a:r>
+              <a:rPr lang="en-US" dirty="0"/>
+              <a:t>Did not properly give feed back. </a:t>
+            </a:r>
+          </a:p>
+          <a:p>
+            <a:endParaRPr lang="en-US" dirty="0"/>
+          </a:p>
+          <a:p>
+            <a:endParaRPr lang="en-US" dirty="0"/>
+          </a:p>
+          <a:p>
+            <a:endParaRPr lang="en-US" dirty="0"/>
           </a:p>
         </p:txBody>
       </p:sp>
@@ -3622,7 +5887,7 @@
           <a:p>
             <a:r>
               <a:rPr lang="en-US" dirty="0"/>
-              <a:t>Justification of Decisions </a:t>
+              <a:t>Justification of Decisions: Overall  </a:t>
             </a:r>
           </a:p>
         </p:txBody>
@@ -3639,10 +5904,39 @@
         </p:nvSpPr>
         <p:spPr/>
         <p:txBody>
-          <a:bodyPr/>
-          <a:lstStyle/>
-          <a:p>
-            <a:endParaRPr lang="en-US"/>
+          <a:bodyPr>
+            <a:normAutofit/>
+          </a:bodyPr>
+          <a:lstStyle/>
+          <a:p>
+            <a:r>
+              <a:rPr lang="en-US" dirty="0"/>
+              <a:t>Slack:  Free, previous experience, intuitive, better organization than a group text, log all conversation, mobile app </a:t>
+            </a:r>
+          </a:p>
+          <a:p>
+            <a:r>
+              <a:rPr lang="en-US" dirty="0"/>
+              <a:t>Wrike: Free, previous experience, easy to assign tasks, keeps you notified, mobile app</a:t>
+            </a:r>
+          </a:p>
+          <a:p>
+            <a:r>
+              <a:rPr lang="en-US" dirty="0"/>
+              <a:t>Toggl: Free, previous experience, mobile app, reports(team functionality depends on this), time collection for team.</a:t>
+            </a:r>
+          </a:p>
+          <a:p>
+            <a:r>
+              <a:rPr lang="en-US" dirty="0"/>
+              <a:t>GitHub: Free, ubiquitous, mature, retention of historical versions of artifacts.</a:t>
+            </a:r>
+          </a:p>
+          <a:p>
+            <a:r>
+              <a:rPr lang="en-US" dirty="0"/>
+              <a:t>Microsoft Project: Most accessible way to build task network diagram.</a:t>
+            </a:r>
           </a:p>
         </p:txBody>
       </p:sp>
@@ -3693,7 +5987,7 @@
           <a:p>
             <a:r>
               <a:rPr lang="en-US" dirty="0"/>
-              <a:t>What to adjust</a:t>
+              <a:t>Justification of Decisions: SPMP Phase 1  </a:t>
             </a:r>
           </a:p>
         </p:txBody>
@@ -3715,13 +6009,48 @@
           <a:p>
             <a:r>
               <a:rPr lang="en-US" dirty="0"/>
-              <a:t>Documentation format </a:t>
-            </a:r>
-          </a:p>
-          <a:p>
-            <a:r>
-              <a:rPr lang="en-US" dirty="0"/>
-              <a:t>Communication with Project Managers</a:t>
+              <a:t>Performance/ Behavior </a:t>
+            </a:r>
+          </a:p>
+          <a:p>
+            <a:pPr lvl="1"/>
+            <a:r>
+              <a:rPr lang="en-US" dirty="0"/>
+              <a:t>Make sure all errors get logged externally to the program to make troubleshooting easy for both developer and customer.</a:t>
+            </a:r>
+          </a:p>
+          <a:p>
+            <a:pPr lvl="1"/>
+            <a:r>
+              <a:rPr lang="en-US" dirty="0"/>
+              <a:t>Technical constraints: </a:t>
+            </a:r>
+          </a:p>
+          <a:p>
+            <a:r>
+              <a:rPr lang="en-US" dirty="0"/>
+              <a:t>Estimations</a:t>
+            </a:r>
+          </a:p>
+          <a:p>
+            <a:pPr lvl="1"/>
+            <a:r>
+              <a:rPr lang="en-US" dirty="0"/>
+              <a:t>Tasks estimate </a:t>
+            </a:r>
+          </a:p>
+          <a:p>
+            <a:pPr lvl="1"/>
+            <a:r>
+              <a:rPr lang="en-US" dirty="0"/>
+              <a:t>Lines of code </a:t>
+            </a:r>
+          </a:p>
+          <a:p>
+            <a:pPr lvl="1"/>
+            <a:r>
+              <a:rPr lang="en-US" dirty="0"/>
+              <a:t>Function point</a:t>
             </a:r>
           </a:p>
         </p:txBody>
@@ -3729,7 +6058,7 @@
     </p:spTree>
     <p:extLst>
       <p:ext uri="{BB962C8B-B14F-4D97-AF65-F5344CB8AC3E}">
-        <p14:creationId xmlns:p14="http://schemas.microsoft.com/office/powerpoint/2010/main" val="2241271766"/>
+        <p14:creationId xmlns:p14="http://schemas.microsoft.com/office/powerpoint/2010/main" val="3023688898"/>
       </p:ext>
     </p:extLst>
   </p:cSld>
@@ -3773,7 +6102,7 @@
           <a:p>
             <a:r>
               <a:rPr lang="en-US" dirty="0"/>
-              <a:t>Lines of Code Functionality</a:t>
+              <a:t>What was easiest</a:t>
             </a:r>
           </a:p>
         </p:txBody>
@@ -3793,14 +6122,302 @@
           <a:bodyPr/>
           <a:lstStyle/>
           <a:p>
-            <a:endParaRPr lang="en-US"/>
+            <a:r>
+              <a:rPr lang="en-US" dirty="0"/>
+              <a:t>Problem statement</a:t>
+            </a:r>
+          </a:p>
+          <a:p>
+            <a:r>
+              <a:rPr lang="en-US" dirty="0"/>
+              <a:t>Risk management</a:t>
+            </a:r>
+          </a:p>
+          <a:p>
+            <a:endParaRPr lang="en-US" dirty="0"/>
           </a:p>
         </p:txBody>
       </p:sp>
     </p:spTree>
     <p:extLst>
       <p:ext uri="{BB962C8B-B14F-4D97-AF65-F5344CB8AC3E}">
-        <p14:creationId xmlns:p14="http://schemas.microsoft.com/office/powerpoint/2010/main" val="1956737946"/>
+        <p14:creationId xmlns:p14="http://schemas.microsoft.com/office/powerpoint/2010/main" val="2528736413"/>
+      </p:ext>
+    </p:extLst>
+  </p:cSld>
+  <p:clrMapOvr>
+    <a:masterClrMapping/>
+  </p:clrMapOvr>
+</p:sld>
+</file>
+
+<file path=ppt/slides/slide14.xml><?xml version="1.0" encoding="utf-8"?>
+<p:sld xmlns:a="http://schemas.openxmlformats.org/drawingml/2006/main" xmlns:r="http://schemas.openxmlformats.org/officeDocument/2006/relationships" xmlns:p="http://schemas.openxmlformats.org/presentationml/2006/main">
+  <p:cSld>
+    <p:spTree>
+      <p:nvGrpSpPr>
+        <p:cNvPr id="1" name=""/>
+        <p:cNvGrpSpPr/>
+        <p:nvPr/>
+      </p:nvGrpSpPr>
+      <p:grpSpPr>
+        <a:xfrm>
+          <a:off x="0" y="0"/>
+          <a:ext cx="0" cy="0"/>
+          <a:chOff x="0" y="0"/>
+          <a:chExt cx="0" cy="0"/>
+        </a:xfrm>
+      </p:grpSpPr>
+      <p:sp>
+        <p:nvSpPr>
+          <p:cNvPr id="2" name="Title 1"/>
+          <p:cNvSpPr>
+            <a:spLocks noGrp="1"/>
+          </p:cNvSpPr>
+          <p:nvPr>
+            <p:ph type="title"/>
+          </p:nvPr>
+        </p:nvSpPr>
+        <p:spPr/>
+        <p:txBody>
+          <a:bodyPr/>
+          <a:lstStyle/>
+          <a:p>
+            <a:r>
+              <a:rPr lang="en-US" dirty="0"/>
+              <a:t>What was hardest</a:t>
+            </a:r>
+          </a:p>
+        </p:txBody>
+      </p:sp>
+      <p:sp>
+        <p:nvSpPr>
+          <p:cNvPr id="3" name="Content Placeholder 2"/>
+          <p:cNvSpPr>
+            <a:spLocks noGrp="1"/>
+          </p:cNvSpPr>
+          <p:nvPr>
+            <p:ph idx="1"/>
+          </p:nvPr>
+        </p:nvSpPr>
+        <p:spPr/>
+        <p:txBody>
+          <a:bodyPr/>
+          <a:lstStyle/>
+          <a:p>
+            <a:r>
+              <a:rPr lang="en-US" dirty="0"/>
+              <a:t>Document merging </a:t>
+            </a:r>
+          </a:p>
+          <a:p>
+            <a:r>
+              <a:rPr lang="en-US" dirty="0"/>
+              <a:t>1.3 functional decomposition: Defining the general functionality not the process.</a:t>
+            </a:r>
+          </a:p>
+          <a:p>
+            <a:r>
+              <a:rPr lang="en-US" dirty="0"/>
+              <a:t>Task network diagram: time consuming.</a:t>
+            </a:r>
+          </a:p>
+          <a:p>
+            <a:r>
+              <a:rPr lang="en-US" dirty="0"/>
+              <a:t>SQA</a:t>
+            </a:r>
+          </a:p>
+        </p:txBody>
+      </p:sp>
+    </p:spTree>
+    <p:extLst>
+      <p:ext uri="{BB962C8B-B14F-4D97-AF65-F5344CB8AC3E}">
+        <p14:creationId xmlns:p14="http://schemas.microsoft.com/office/powerpoint/2010/main" val="3278798143"/>
+      </p:ext>
+    </p:extLst>
+  </p:cSld>
+  <p:clrMapOvr>
+    <a:masterClrMapping/>
+  </p:clrMapOvr>
+</p:sld>
+</file>
+
+<file path=ppt/slides/slide15.xml><?xml version="1.0" encoding="utf-8"?>
+<p:sld xmlns:a="http://schemas.openxmlformats.org/drawingml/2006/main" xmlns:r="http://schemas.openxmlformats.org/officeDocument/2006/relationships" xmlns:p="http://schemas.openxmlformats.org/presentationml/2006/main">
+  <p:cSld>
+    <p:spTree>
+      <p:nvGrpSpPr>
+        <p:cNvPr id="1" name=""/>
+        <p:cNvGrpSpPr/>
+        <p:nvPr/>
+      </p:nvGrpSpPr>
+      <p:grpSpPr>
+        <a:xfrm>
+          <a:off x="0" y="0"/>
+          <a:ext cx="0" cy="0"/>
+          <a:chOff x="0" y="0"/>
+          <a:chExt cx="0" cy="0"/>
+        </a:xfrm>
+      </p:grpSpPr>
+      <p:sp>
+        <p:nvSpPr>
+          <p:cNvPr id="2" name="Title 1"/>
+          <p:cNvSpPr>
+            <a:spLocks noGrp="1"/>
+          </p:cNvSpPr>
+          <p:nvPr>
+            <p:ph type="title"/>
+          </p:nvPr>
+        </p:nvSpPr>
+        <p:spPr/>
+        <p:txBody>
+          <a:bodyPr/>
+          <a:lstStyle/>
+          <a:p>
+            <a:r>
+              <a:rPr lang="en-US" dirty="0"/>
+              <a:t>What to adjust</a:t>
+            </a:r>
+          </a:p>
+        </p:txBody>
+      </p:sp>
+      <p:sp>
+        <p:nvSpPr>
+          <p:cNvPr id="3" name="Content Placeholder 2"/>
+          <p:cNvSpPr>
+            <a:spLocks noGrp="1"/>
+          </p:cNvSpPr>
+          <p:nvPr>
+            <p:ph idx="1"/>
+          </p:nvPr>
+        </p:nvSpPr>
+        <p:spPr/>
+        <p:txBody>
+          <a:bodyPr/>
+          <a:lstStyle/>
+          <a:p>
+            <a:r>
+              <a:rPr lang="en-US" dirty="0"/>
+              <a:t>Documentation method</a:t>
+            </a:r>
+          </a:p>
+          <a:p>
+            <a:r>
+              <a:rPr lang="en-US"/>
+              <a:t>Communication </a:t>
+            </a:r>
+            <a:r>
+              <a:rPr lang="en-US" dirty="0"/>
+              <a:t>with Project Managers</a:t>
+            </a:r>
+          </a:p>
+        </p:txBody>
+      </p:sp>
+    </p:spTree>
+    <p:extLst>
+      <p:ext uri="{BB962C8B-B14F-4D97-AF65-F5344CB8AC3E}">
+        <p14:creationId xmlns:p14="http://schemas.microsoft.com/office/powerpoint/2010/main" val="2241271766"/>
+      </p:ext>
+    </p:extLst>
+  </p:cSld>
+  <p:clrMapOvr>
+    <a:masterClrMapping/>
+  </p:clrMapOvr>
+</p:sld>
+</file>
+
+<file path=ppt/slides/slide16.xml><?xml version="1.0" encoding="utf-8"?>
+<p:sld xmlns:a="http://schemas.openxmlformats.org/drawingml/2006/main" xmlns:r="http://schemas.openxmlformats.org/officeDocument/2006/relationships" xmlns:p="http://schemas.openxmlformats.org/presentationml/2006/main">
+  <p:cSld>
+    <p:spTree>
+      <p:nvGrpSpPr>
+        <p:cNvPr id="1" name=""/>
+        <p:cNvGrpSpPr/>
+        <p:nvPr/>
+      </p:nvGrpSpPr>
+      <p:grpSpPr>
+        <a:xfrm>
+          <a:off x="0" y="0"/>
+          <a:ext cx="0" cy="0"/>
+          <a:chOff x="0" y="0"/>
+          <a:chExt cx="0" cy="0"/>
+        </a:xfrm>
+      </p:grpSpPr>
+      <p:sp>
+        <p:nvSpPr>
+          <p:cNvPr id="2" name="Title 1"/>
+          <p:cNvSpPr>
+            <a:spLocks noGrp="1"/>
+          </p:cNvSpPr>
+          <p:nvPr>
+            <p:ph type="title"/>
+          </p:nvPr>
+        </p:nvSpPr>
+        <p:spPr/>
+        <p:txBody>
+          <a:bodyPr/>
+          <a:lstStyle/>
+          <a:p>
+            <a:r>
+              <a:rPr lang="en-US" dirty="0"/>
+              <a:t>Extra functionality</a:t>
+            </a:r>
+          </a:p>
+        </p:txBody>
+      </p:sp>
+      <p:sp>
+        <p:nvSpPr>
+          <p:cNvPr id="3" name="Content Placeholder 2"/>
+          <p:cNvSpPr>
+            <a:spLocks noGrp="1"/>
+          </p:cNvSpPr>
+          <p:nvPr>
+            <p:ph idx="1"/>
+          </p:nvPr>
+        </p:nvSpPr>
+        <p:spPr/>
+        <p:txBody>
+          <a:bodyPr>
+            <a:normAutofit/>
+          </a:bodyPr>
+          <a:lstStyle/>
+          <a:p>
+            <a:r>
+              <a:rPr lang="en-US" dirty="0"/>
+              <a:t>A company-wide sale on a particular item</a:t>
+            </a:r>
+          </a:p>
+          <a:p>
+            <a:r>
+              <a:rPr lang="en-US" dirty="0"/>
+              <a:t>Frequently out of stock or over stock of an item, have system order more or less, respectively, than the default upon reorder.</a:t>
+            </a:r>
+          </a:p>
+          <a:p>
+            <a:r>
+              <a:rPr lang="en-US" dirty="0"/>
+              <a:t>Coupled items </a:t>
+            </a:r>
+          </a:p>
+          <a:p>
+            <a:r>
+              <a:rPr lang="en-US" dirty="0"/>
+              <a:t>Customer eligibility for refilled on other prescriptions based off refill date.</a:t>
+            </a:r>
+          </a:p>
+          <a:p>
+            <a:r>
+              <a:rPr lang="en-US" dirty="0"/>
+              <a:t>Customer coupons that provide a discount</a:t>
+            </a:r>
+          </a:p>
+        </p:txBody>
+      </p:sp>
+    </p:spTree>
+    <p:extLst>
+      <p:ext uri="{BB962C8B-B14F-4D97-AF65-F5344CB8AC3E}">
+        <p14:creationId xmlns:p14="http://schemas.microsoft.com/office/powerpoint/2010/main" val="1515268198"/>
       </p:ext>
     </p:extLst>
   </p:cSld>
@@ -4287,7 +6904,7 @@
                   <a:schemeClr val="tx1"/>
                 </a:solidFill>
               </a:rPr>
-              <a:t>Team Skillsets and Functionality</a:t>
+              <a:t>Team Skillsets </a:t>
             </a:r>
           </a:p>
         </p:txBody>
@@ -4308,9 +6925,7 @@
           <a:lstStyle/>
           <a:p>
             <a:pPr>
-              <a:buClr>
-                <a:schemeClr val="accent1"/>
-              </a:buClr>
+              <a:buClrTx/>
             </a:pPr>
             <a:r>
               <a:rPr lang="en-US" dirty="0"/>
@@ -4318,14 +6933,75 @@
             </a:r>
           </a:p>
           <a:p>
+            <a:pPr lvl="1">
+              <a:buClrTx/>
+            </a:pPr>
+            <a:r>
+              <a:rPr lang="en-US" dirty="0"/>
+              <a:t>Communication</a:t>
+            </a:r>
+          </a:p>
+          <a:p>
+            <a:pPr lvl="1">
+              <a:buClrTx/>
+            </a:pPr>
+            <a:r>
+              <a:rPr lang="en-US" dirty="0"/>
+              <a:t>Team dynamic: personalities do not clash</a:t>
+            </a:r>
+          </a:p>
+          <a:p>
+            <a:pPr lvl="1">
+              <a:buClrTx/>
+            </a:pPr>
+            <a:r>
+              <a:rPr lang="en-US" dirty="0"/>
+              <a:t>Proactive</a:t>
+            </a:r>
+          </a:p>
+          <a:p>
+            <a:pPr lvl="1">
+              <a:buClrTx/>
+            </a:pPr>
+            <a:r>
+              <a:rPr lang="en-US" dirty="0"/>
+              <a:t>Positive attitude</a:t>
+            </a:r>
+          </a:p>
+          <a:p>
+            <a:pPr lvl="1">
+              <a:buClrTx/>
+            </a:pPr>
+            <a:r>
+              <a:rPr lang="en-US" dirty="0"/>
+              <a:t>Thorough investigation of customer requirements</a:t>
+            </a:r>
+          </a:p>
+          <a:p>
             <a:pPr>
-              <a:buClr>
-                <a:schemeClr val="accent1"/>
-              </a:buClr>
+              <a:buClrTx/>
             </a:pPr>
             <a:r>
               <a:rPr lang="en-US" dirty="0"/>
               <a:t>Weaknesses:</a:t>
+            </a:r>
+          </a:p>
+          <a:p>
+            <a:pPr lvl="1">
+              <a:buClrTx/>
+            </a:pPr>
+            <a:r>
+              <a:rPr lang="en-US" dirty="0"/>
+              <a:t>Time management</a:t>
+            </a:r>
+          </a:p>
+          <a:p>
+            <a:pPr lvl="1">
+              <a:buClrTx/>
+            </a:pPr>
+            <a:r>
+              <a:rPr lang="en-US" dirty="0"/>
+              <a:t>Inexperience </a:t>
             </a:r>
           </a:p>
         </p:txBody>
@@ -4400,14 +7076,14 @@
           <p:nvPr>
             <p:extLst>
               <p:ext uri="{D42A27DB-BD31-4B8C-83A1-F6EECF244321}">
-                <p14:modId xmlns:p14="http://schemas.microsoft.com/office/powerpoint/2010/main" val="3855040185"/>
+                <p14:modId xmlns:p14="http://schemas.microsoft.com/office/powerpoint/2010/main" val="3728602706"/>
               </p:ext>
             </p:extLst>
           </p:nvPr>
         </p:nvGraphicFramePr>
         <p:xfrm>
-          <a:off x="2120" y="909425"/>
-          <a:ext cx="12189880" cy="6704400"/>
+          <a:off x="2111" y="1243253"/>
+          <a:ext cx="12189888" cy="5034454"/>
         </p:xfrm>
         <a:graphic>
           <a:graphicData uri="http://schemas.openxmlformats.org/drawingml/2006/table">
@@ -4416,36 +7092,29 @@
                 <a:tableStyleId>{5C22544A-7EE6-4342-B048-85BDC9FD1C3A}</a:tableStyleId>
               </a:tblPr>
               <a:tblGrid>
-                <a:gridCol w="3047470">
+                <a:gridCol w="4063296">
                   <a:extLst>
                     <a:ext uri="{9D8B030D-6E8A-4147-A177-3AD203B41FA5}">
                       <a16:colId xmlns:a16="http://schemas.microsoft.com/office/drawing/2014/main" val="1152663379"/>
                     </a:ext>
                   </a:extLst>
                 </a:gridCol>
-                <a:gridCol w="3047470">
+                <a:gridCol w="4063296">
                   <a:extLst>
                     <a:ext uri="{9D8B030D-6E8A-4147-A177-3AD203B41FA5}">
                       <a16:colId xmlns:a16="http://schemas.microsoft.com/office/drawing/2014/main" val="4093988358"/>
                     </a:ext>
                   </a:extLst>
                 </a:gridCol>
-                <a:gridCol w="3047470">
+                <a:gridCol w="4063296">
                   <a:extLst>
                     <a:ext uri="{9D8B030D-6E8A-4147-A177-3AD203B41FA5}">
                       <a16:colId xmlns:a16="http://schemas.microsoft.com/office/drawing/2014/main" val="3060563141"/>
                     </a:ext>
                   </a:extLst>
                 </a:gridCol>
-                <a:gridCol w="3047470">
-                  <a:extLst>
-                    <a:ext uri="{9D8B030D-6E8A-4147-A177-3AD203B41FA5}">
-                      <a16:colId xmlns:a16="http://schemas.microsoft.com/office/drawing/2014/main" val="3865399439"/>
-                    </a:ext>
-                  </a:extLst>
-                </a:gridCol>
               </a:tblGrid>
-              <a:tr h="310124">
+              <a:tr h="381874">
                 <a:tc>
                   <a:txBody>
                     <a:bodyPr/>
@@ -4510,30 +7179,13 @@
                   </a:txBody>
                   <a:tcPr/>
                 </a:tc>
-                <a:tc>
-                  <a:txBody>
-                    <a:bodyPr/>
-                    <a:lstStyle/>
-                    <a:p>
-                      <a:r>
-                        <a:rPr lang="en-US" dirty="0">
-                          <a:solidFill>
-                            <a:schemeClr val="tx1"/>
-                          </a:solidFill>
-                        </a:rPr>
-                        <a:t>SPMP Task(s)</a:t>
-                      </a:r>
-                    </a:p>
-                  </a:txBody>
-                  <a:tcPr/>
-                </a:tc>
                 <a:extLst>
                   <a:ext uri="{0D108BD9-81ED-4DB2-BD59-A6C34878D82A}">
                     <a16:rowId xmlns:a16="http://schemas.microsoft.com/office/drawing/2014/main" val="915339384"/>
                   </a:ext>
                 </a:extLst>
               </a:tr>
-              <a:tr h="919301">
+              <a:tr h="1361820">
                 <a:tc>
                   <a:txBody>
                     <a:bodyPr/>
@@ -4562,7 +7214,7 @@
                             <a:schemeClr val="tx1"/>
                           </a:solidFill>
                         </a:rPr>
-                        <a:t>Team Leader and Developer</a:t>
+                        <a:t>Team Lead</a:t>
                       </a:r>
                     </a:p>
                   </a:txBody>
@@ -4578,7 +7230,7 @@
                         <a:buChar char="•"/>
                       </a:pPr>
                       <a:r>
-                        <a:rPr lang="en-US" sz="1000" dirty="0">
+                        <a:rPr lang="en-US" sz="1600" dirty="0">
                           <a:solidFill>
                             <a:schemeClr val="tx1"/>
                           </a:solidFill>
@@ -4586,7 +7238,7 @@
                         <a:t>Coordinating</a:t>
                       </a:r>
                       <a:r>
-                        <a:rPr lang="en-US" sz="1000" baseline="0" dirty="0">
+                        <a:rPr lang="en-US" sz="1600" baseline="0" dirty="0">
                           <a:solidFill>
                             <a:schemeClr val="tx1"/>
                           </a:solidFill>
@@ -4600,7 +7252,7 @@
                         <a:buChar char="•"/>
                       </a:pPr>
                       <a:r>
-                        <a:rPr lang="en-US" sz="1000" baseline="0" dirty="0">
+                        <a:rPr lang="en-US" sz="1600" baseline="0" dirty="0">
                           <a:solidFill>
                             <a:schemeClr val="tx1"/>
                           </a:solidFill>
@@ -4614,7 +7266,7 @@
                         <a:buChar char="•"/>
                       </a:pPr>
                       <a:r>
-                        <a:rPr lang="en-US" sz="1000" baseline="0" dirty="0">
+                        <a:rPr lang="en-US" sz="1600" baseline="0" dirty="0">
                           <a:solidFill>
                             <a:schemeClr val="tx1"/>
                           </a:solidFill>
@@ -4628,131 +7280,12 @@
                         <a:buChar char="•"/>
                       </a:pPr>
                       <a:r>
-                        <a:rPr lang="en-US" sz="1000" baseline="0" dirty="0">
+                        <a:rPr lang="en-US" sz="1600" baseline="0" dirty="0">
                           <a:solidFill>
                             <a:schemeClr val="tx1"/>
                           </a:solidFill>
                         </a:rPr>
                         <a:t>Team signoffs on artifacts.</a:t>
-                      </a:r>
-                    </a:p>
-                  </a:txBody>
-                  <a:tcPr/>
-                </a:tc>
-                <a:tc>
-                  <a:txBody>
-                    <a:bodyPr/>
-                    <a:lstStyle/>
-                    <a:p>
-                      <a:pPr marL="171450" indent="-171450">
-                        <a:buFont typeface="Arial" panose="020B0604020202020204" pitchFamily="34" charset="0"/>
-                        <a:buChar char="•"/>
-                      </a:pPr>
-                      <a:r>
-                        <a:rPr lang="en-US" sz="1000" baseline="0" dirty="0">
-                          <a:solidFill>
-                            <a:schemeClr val="tx1"/>
-                          </a:solidFill>
-                        </a:rPr>
-                        <a:t>1.4 Performance/Behavior Constraints</a:t>
-                      </a:r>
-                    </a:p>
-                    <a:p>
-                      <a:pPr marL="171450" indent="-171450">
-                        <a:buFont typeface="Arial" panose="020B0604020202020204" pitchFamily="34" charset="0"/>
-                        <a:buChar char="•"/>
-                      </a:pPr>
-                      <a:r>
-                        <a:rPr lang="en-US" sz="1000" baseline="0" dirty="0">
-                          <a:solidFill>
-                            <a:schemeClr val="tx1"/>
-                          </a:solidFill>
-                        </a:rPr>
-                        <a:t>2.1 Historical Data Used for Estimates</a:t>
-                      </a:r>
-                    </a:p>
-                    <a:p>
-                      <a:pPr marL="171450" indent="-171450">
-                        <a:buFont typeface="Arial" panose="020B0604020202020204" pitchFamily="34" charset="0"/>
-                        <a:buChar char="•"/>
-                      </a:pPr>
-                      <a:r>
-                        <a:rPr lang="en-US" sz="1000" baseline="0" dirty="0">
-                          <a:solidFill>
-                            <a:schemeClr val="tx1"/>
-                          </a:solidFill>
-                        </a:rPr>
-                        <a:t>2.2.1 SPMP Completion Estimate</a:t>
-                      </a:r>
-                    </a:p>
-                    <a:p>
-                      <a:pPr marL="171450" indent="-171450">
-                        <a:buFont typeface="Arial" panose="020B0604020202020204" pitchFamily="34" charset="0"/>
-                        <a:buChar char="•"/>
-                      </a:pPr>
-                      <a:r>
-                        <a:rPr lang="en-US" sz="1000" baseline="0" dirty="0">
-                          <a:solidFill>
-                            <a:schemeClr val="tx1"/>
-                          </a:solidFill>
-                        </a:rPr>
-                        <a:t>2.2.2.1 Lines-of-Code Estimate</a:t>
-                      </a:r>
-                    </a:p>
-                    <a:p>
-                      <a:pPr marL="171450" indent="-171450">
-                        <a:buFont typeface="Arial" panose="020B0604020202020204" pitchFamily="34" charset="0"/>
-                        <a:buChar char="•"/>
-                      </a:pPr>
-                      <a:r>
-                        <a:rPr lang="en-US" sz="1000" baseline="0" dirty="0">
-                          <a:solidFill>
-                            <a:schemeClr val="tx1"/>
-                          </a:solidFill>
-                        </a:rPr>
-                        <a:t>2.2.2.2 Function Estimate</a:t>
-                      </a:r>
-                    </a:p>
-                    <a:p>
-                      <a:pPr marL="171450" indent="-171450">
-                        <a:buFont typeface="Arial" panose="020B0604020202020204" pitchFamily="34" charset="0"/>
-                        <a:buChar char="•"/>
-                      </a:pPr>
-                      <a:r>
-                        <a:rPr lang="en-US" sz="1000" baseline="0" dirty="0">
-                          <a:solidFill>
-                            <a:schemeClr val="tx1"/>
-                          </a:solidFill>
-                        </a:rPr>
-                        <a:t>5.0 Staff Organization (all)</a:t>
-                      </a:r>
-                    </a:p>
-                    <a:p>
-                      <a:pPr marL="171450" indent="-171450">
-                        <a:buFont typeface="Arial" panose="020B0604020202020204" pitchFamily="34" charset="0"/>
-                        <a:buChar char="•"/>
-                      </a:pPr>
-                      <a:r>
-                        <a:rPr lang="en-US" sz="1000" baseline="0" dirty="0">
-                          <a:solidFill>
-                            <a:schemeClr val="tx1"/>
-                          </a:solidFill>
-                        </a:rPr>
-                        <a:t>Meeting Minutes</a:t>
-                      </a:r>
-                    </a:p>
-                    <a:p>
-                      <a:pPr marL="171450" indent="-171450">
-                        <a:buFont typeface="Arial" panose="020B0604020202020204" pitchFamily="34" charset="0"/>
-                        <a:buChar char="•"/>
-                      </a:pPr>
-                      <a:r>
-                        <a:rPr lang="en-US" sz="1000" baseline="0" dirty="0">
-                          <a:solidFill>
-                            <a:schemeClr val="tx1"/>
-                          </a:solidFill>
-                        </a:rPr>
-                        <a:t>Tool Management</a:t>
                       </a:r>
                     </a:p>
                   </a:txBody>
@@ -4764,7 +7297,7 @@
                   </a:ext>
                 </a:extLst>
               </a:tr>
-              <a:tr h="982058">
+              <a:tr h="523633">
                 <a:tc>
                   <a:txBody>
                     <a:bodyPr/>
@@ -4812,7 +7345,7 @@
                   </a:txBody>
                   <a:tcPr/>
                 </a:tc>
-                <a:tc>
+                <a:tc rowSpan="3">
                   <a:txBody>
                     <a:bodyPr/>
                     <a:lstStyle/>
@@ -4822,7 +7355,7 @@
                         <a:buChar char="•"/>
                       </a:pPr>
                       <a:r>
-                        <a:rPr lang="en-US" sz="1000" dirty="0">
+                        <a:rPr lang="en-US" sz="1600" dirty="0">
                           <a:solidFill>
                             <a:schemeClr val="tx1"/>
                           </a:solidFill>
@@ -4830,7 +7363,7 @@
                         <a:t>Producing</a:t>
                       </a:r>
                       <a:r>
-                        <a:rPr lang="en-US" sz="1000" baseline="0" dirty="0">
+                        <a:rPr lang="en-US" sz="1600" baseline="0" dirty="0">
                           <a:solidFill>
                             <a:schemeClr val="tx1"/>
                           </a:solidFill>
@@ -4844,7 +7377,7 @@
                         <a:buChar char="•"/>
                       </a:pPr>
                       <a:r>
-                        <a:rPr lang="en-US" sz="1000" baseline="0" dirty="0">
+                        <a:rPr lang="en-US" sz="1600" baseline="0" dirty="0">
                           <a:solidFill>
                             <a:schemeClr val="tx1"/>
                           </a:solidFill>
@@ -4858,7 +7391,7 @@
                         <a:buChar char="•"/>
                       </a:pPr>
                       <a:r>
-                        <a:rPr lang="en-US" sz="1000" baseline="0" dirty="0">
+                        <a:rPr lang="en-US" sz="1600" baseline="0" dirty="0">
                           <a:solidFill>
                             <a:schemeClr val="tx1"/>
                           </a:solidFill>
@@ -4872,125 +7405,29 @@
                         <a:buChar char="•"/>
                       </a:pPr>
                       <a:r>
-                        <a:rPr lang="en-US" sz="1000" baseline="0" dirty="0">
+                        <a:rPr lang="en-US" sz="1600" baseline="0" dirty="0">
                           <a:solidFill>
                             <a:schemeClr val="tx1"/>
                           </a:solidFill>
                         </a:rPr>
                         <a:t>Completing tasks assigned by team lead</a:t>
                       </a:r>
+                      <a:endParaRPr lang="en-US" sz="1600" dirty="0">
+                        <a:solidFill>
+                          <a:schemeClr val="tx1"/>
+                        </a:solidFill>
+                      </a:endParaRPr>
+                    </a:p>
+                    <a:p>
+                      <a:pPr marL="0" indent="0">
+                        <a:buFont typeface="Arial" panose="020B0604020202020204" pitchFamily="34" charset="0"/>
+                        <a:buNone/>
+                      </a:pPr>
                       <a:endParaRPr lang="en-US" sz="1000" dirty="0">
                         <a:solidFill>
                           <a:schemeClr val="tx1"/>
                         </a:solidFill>
                       </a:endParaRPr>
-                    </a:p>
-                  </a:txBody>
-                  <a:tcPr/>
-                </a:tc>
-                <a:tc>
-                  <a:txBody>
-                    <a:bodyPr/>
-                    <a:lstStyle/>
-                    <a:p>
-                      <a:pPr marL="171450" indent="-171450">
-                        <a:buFont typeface="Arial" panose="020B0604020202020204" pitchFamily="34" charset="0"/>
-                        <a:buChar char="•"/>
-                      </a:pPr>
-                      <a:r>
-                        <a:rPr lang="en-US" sz="1000" dirty="0">
-                          <a:solidFill>
-                            <a:schemeClr val="tx1"/>
-                          </a:solidFill>
-                        </a:rPr>
-                        <a:t>2.2.2.3 Tasks Estimate</a:t>
-                      </a:r>
-                    </a:p>
-                    <a:p>
-                      <a:pPr marL="171450" indent="-171450">
-                        <a:buFont typeface="Arial" panose="020B0604020202020204" pitchFamily="34" charset="0"/>
-                        <a:buChar char="•"/>
-                      </a:pPr>
-                      <a:r>
-                        <a:rPr lang="en-US" sz="1000" dirty="0">
-                          <a:solidFill>
-                            <a:schemeClr val="tx1"/>
-                          </a:solidFill>
-                        </a:rPr>
-                        <a:t>2.2.2.4 Total Overall Project Time</a:t>
-                      </a:r>
-                      <a:r>
-                        <a:rPr lang="en-US" sz="1000" baseline="0" dirty="0">
-                          <a:solidFill>
-                            <a:schemeClr val="tx1"/>
-                          </a:solidFill>
-                        </a:rPr>
-                        <a:t> </a:t>
-                      </a:r>
-                      <a:r>
-                        <a:rPr lang="en-US" sz="1000" dirty="0">
-                          <a:solidFill>
-                            <a:schemeClr val="tx1"/>
-                          </a:solidFill>
-                        </a:rPr>
-                        <a:t>Estimate</a:t>
-                      </a:r>
-                    </a:p>
-                    <a:p>
-                      <a:pPr marL="171450" indent="-171450">
-                        <a:buFont typeface="Arial" panose="020B0604020202020204" pitchFamily="34" charset="0"/>
-                        <a:buChar char="•"/>
-                      </a:pPr>
-                      <a:r>
-                        <a:rPr lang="en-US" sz="1000" dirty="0">
-                          <a:solidFill>
-                            <a:schemeClr val="tx1"/>
-                          </a:solidFill>
-                        </a:rPr>
-                        <a:t>2.5 Project Resource</a:t>
-                      </a:r>
-                    </a:p>
-                    <a:p>
-                      <a:pPr marL="171450" indent="-171450">
-                        <a:buFont typeface="Arial" panose="020B0604020202020204" pitchFamily="34" charset="0"/>
-                        <a:buChar char="•"/>
-                      </a:pPr>
-                      <a:r>
-                        <a:rPr lang="en-US" sz="1000" dirty="0">
-                          <a:solidFill>
-                            <a:schemeClr val="tx1"/>
-                          </a:solidFill>
-                        </a:rPr>
-                        <a:t>4.1 Project Task Set</a:t>
-                      </a:r>
-                    </a:p>
-                    <a:p>
-                      <a:pPr marL="171450" indent="-171450">
-                        <a:buFont typeface="Arial" panose="020B0604020202020204" pitchFamily="34" charset="0"/>
-                        <a:buChar char="•"/>
-                      </a:pPr>
-                      <a:r>
-                        <a:rPr lang="en-US" sz="1000" dirty="0">
-                          <a:solidFill>
-                            <a:schemeClr val="tx1"/>
-                          </a:solidFill>
-                        </a:rPr>
-                        <a:t>4.2 Task Network Diagram</a:t>
-                      </a:r>
-                    </a:p>
-                    <a:p>
-                      <a:pPr marL="171450" indent="-171450">
-                        <a:buFont typeface="Arial" panose="020B0604020202020204" pitchFamily="34" charset="0"/>
-                        <a:buChar char="•"/>
-                      </a:pPr>
-                      <a:r>
-                        <a:rPr lang="en-US" sz="1000" dirty="0">
-                          <a:solidFill>
-                            <a:schemeClr val="tx1"/>
-                          </a:solidFill>
-                        </a:rPr>
-                        <a:t>4.3 Timeline Chart (Milestones)</a:t>
-                      </a:r>
                     </a:p>
                   </a:txBody>
                   <a:tcPr/>
@@ -5001,7 +7438,7 @@
                   </a:ext>
                 </a:extLst>
               </a:tr>
-              <a:tr h="852840">
+              <a:tr h="542918">
                 <a:tc>
                   <a:txBody>
                     <a:bodyPr/>
@@ -5017,7 +7454,11 @@
                       </a:r>
                     </a:p>
                   </a:txBody>
-                  <a:tcPr/>
+                  <a:tcPr>
+                    <a:solidFill>
+                      <a:srgbClr val="E9EDF4"/>
+                    </a:solidFill>
+                  </a:tcPr>
                 </a:tc>
                 <a:tc>
                   <a:txBody>
@@ -5058,189 +7499,26 @@
                       </a:endParaRPr>
                     </a:p>
                   </a:txBody>
-                  <a:tcPr/>
+                  <a:tcPr>
+                    <a:solidFill>
+                      <a:srgbClr val="E9EDF4"/>
+                    </a:solidFill>
+                  </a:tcPr>
                 </a:tc>
-                <a:tc>
+                <a:tc vMerge="1">
                   <a:txBody>
                     <a:bodyPr/>
                     <a:lstStyle/>
                     <a:p>
-                      <a:pPr marL="171450" indent="-171450">
+                      <a:pPr marL="0" indent="0">
                         <a:buFont typeface="Arial" panose="020B0604020202020204" pitchFamily="34" charset="0"/>
-                        <a:buChar char="•"/>
+                        <a:buNone/>
                       </a:pPr>
-                      <a:r>
-                        <a:rPr lang="en-US" sz="1000" dirty="0">
-                          <a:solidFill>
-                            <a:schemeClr val="tx1"/>
-                          </a:solidFill>
-                        </a:rPr>
-                        <a:t>Producing</a:t>
-                      </a:r>
-                      <a:r>
-                        <a:rPr lang="en-US" sz="1000" baseline="0" dirty="0">
-                          <a:solidFill>
-                            <a:schemeClr val="tx1"/>
-                          </a:solidFill>
-                        </a:rPr>
-                        <a:t> artifacts related to the project</a:t>
-                      </a:r>
-                    </a:p>
-                    <a:p>
-                      <a:pPr marL="171450" indent="-171450">
-                        <a:buFont typeface="Arial" panose="020B0604020202020204" pitchFamily="34" charset="0"/>
-                        <a:buChar char="•"/>
-                      </a:pPr>
-                      <a:r>
-                        <a:rPr lang="en-US" sz="1000" baseline="0" dirty="0">
-                          <a:solidFill>
-                            <a:schemeClr val="tx1"/>
-                          </a:solidFill>
-                        </a:rPr>
-                        <a:t>Communicating with the Project Managers</a:t>
-                      </a:r>
-                    </a:p>
-                    <a:p>
-                      <a:pPr marL="171450" indent="-171450">
-                        <a:buFont typeface="Arial" panose="020B0604020202020204" pitchFamily="34" charset="0"/>
-                        <a:buChar char="•"/>
-                      </a:pPr>
-                      <a:r>
-                        <a:rPr lang="en-US" sz="1000" baseline="0" dirty="0">
-                          <a:solidFill>
-                            <a:schemeClr val="tx1"/>
-                          </a:solidFill>
-                        </a:rPr>
-                        <a:t>Presenting finalized copy of the project</a:t>
-                      </a:r>
-                    </a:p>
-                    <a:p>
-                      <a:pPr marL="171450" marR="0" lvl="0" indent="-171450" algn="l" defTabSz="457200" rtl="0" eaLnBrk="1" fontAlgn="auto" latinLnBrk="0" hangingPunct="1">
-                        <a:lnSpc>
-                          <a:spcPct val="100000"/>
-                        </a:lnSpc>
-                        <a:spcBef>
-                          <a:spcPts val="0"/>
-                        </a:spcBef>
-                        <a:spcAft>
-                          <a:spcPts val="0"/>
-                        </a:spcAft>
-                        <a:buClrTx/>
-                        <a:buSzTx/>
-                        <a:buFont typeface="Arial" panose="020B0604020202020204" pitchFamily="34" charset="0"/>
-                        <a:buChar char="•"/>
-                        <a:tabLst/>
-                        <a:defRPr/>
-                      </a:pPr>
-                      <a:r>
-                        <a:rPr lang="en-US" sz="1000" baseline="0" dirty="0">
-                          <a:solidFill>
-                            <a:schemeClr val="tx1"/>
-                          </a:solidFill>
-                        </a:rPr>
-                        <a:t>Completing tasks assigned by team lead</a:t>
-                      </a:r>
                       <a:endParaRPr lang="en-US" sz="1000" dirty="0">
                         <a:solidFill>
                           <a:schemeClr val="tx1"/>
                         </a:solidFill>
                       </a:endParaRPr>
-                    </a:p>
-                    <a:p>
-                      <a:pPr marL="0" indent="0">
-                        <a:buFont typeface="Arial" panose="020B0604020202020204" pitchFamily="34" charset="0"/>
-                        <a:buNone/>
-                      </a:pPr>
-                      <a:r>
-                        <a:rPr lang="en-US" sz="1000" baseline="0" dirty="0">
-                          <a:solidFill>
-                            <a:schemeClr val="tx1"/>
-                          </a:solidFill>
-                        </a:rPr>
-                        <a:t> </a:t>
-                      </a:r>
-                      <a:endParaRPr lang="en-US" sz="1000" dirty="0">
-                        <a:solidFill>
-                          <a:schemeClr val="tx1"/>
-                        </a:solidFill>
-                      </a:endParaRPr>
-                    </a:p>
-                  </a:txBody>
-                  <a:tcPr/>
-                </a:tc>
-                <a:tc>
-                  <a:txBody>
-                    <a:bodyPr/>
-                    <a:lstStyle/>
-                    <a:p>
-                      <a:pPr marL="171450" indent="-171450">
-                        <a:buFont typeface="Arial" panose="020B0604020202020204" pitchFamily="34" charset="0"/>
-                        <a:buChar char="•"/>
-                      </a:pPr>
-                      <a:r>
-                        <a:rPr lang="en-US" sz="1000" dirty="0">
-                          <a:solidFill>
-                            <a:schemeClr val="tx1"/>
-                          </a:solidFill>
-                        </a:rPr>
-                        <a:t>1.2 Project Scope (all)</a:t>
-                      </a:r>
-                    </a:p>
-                    <a:p>
-                      <a:pPr marL="171450" indent="-171450">
-                        <a:buFont typeface="Arial" panose="020B0604020202020204" pitchFamily="34" charset="0"/>
-                        <a:buChar char="•"/>
-                      </a:pPr>
-                      <a:r>
-                        <a:rPr lang="en-US" sz="1000" dirty="0">
-                          <a:solidFill>
-                            <a:schemeClr val="tx1"/>
-                          </a:solidFill>
-                        </a:rPr>
-                        <a:t>1.5 Management and Technical Constraints (all)</a:t>
-                      </a:r>
-                    </a:p>
-                    <a:p>
-                      <a:pPr marL="171450" indent="-171450">
-                        <a:buFont typeface="Arial" panose="020B0604020202020204" pitchFamily="34" charset="0"/>
-                        <a:buChar char="•"/>
-                      </a:pPr>
-                      <a:r>
-                        <a:rPr lang="en-US" sz="1000" dirty="0">
-                          <a:solidFill>
-                            <a:schemeClr val="tx1"/>
-                          </a:solidFill>
-                        </a:rPr>
-                        <a:t>3.0 Risk Management (all)</a:t>
-                      </a:r>
-                    </a:p>
-                    <a:p>
-                      <a:pPr marL="171450" indent="-171450">
-                        <a:buFont typeface="Arial" panose="020B0604020202020204" pitchFamily="34" charset="0"/>
-                        <a:buChar char="•"/>
-                      </a:pPr>
-                      <a:r>
-                        <a:rPr lang="en-US" sz="1000" dirty="0">
-                          <a:solidFill>
-                            <a:schemeClr val="tx1"/>
-                          </a:solidFill>
-                        </a:rPr>
-                        <a:t>2.3 Estimation Techniques Applied Results (all)</a:t>
-                      </a:r>
-                    </a:p>
-                    <a:p>
-                      <a:pPr marL="171450" indent="-171450">
-                        <a:buFont typeface="Arial" panose="020B0604020202020204" pitchFamily="34" charset="0"/>
-                        <a:buChar char="•"/>
-                      </a:pPr>
-                      <a:r>
-                        <a:rPr lang="en-US" sz="1000" dirty="0">
-                          <a:solidFill>
-                            <a:schemeClr val="tx1"/>
-                          </a:solidFill>
-                        </a:rPr>
-                        <a:t>2.4 Reconciled Estimate </a:t>
-                      </a:r>
                     </a:p>
                   </a:txBody>
                   <a:tcPr/>
@@ -5251,7 +7529,7 @@
                   </a:ext>
                 </a:extLst>
               </a:tr>
-              <a:tr h="852840">
+              <a:tr h="443383">
                 <a:tc>
                   <a:txBody>
                     <a:bodyPr/>
@@ -5310,251 +7588,20 @@
                   </a:txBody>
                   <a:tcPr/>
                 </a:tc>
-                <a:tc>
+                <a:tc vMerge="1">
                   <a:txBody>
                     <a:bodyPr/>
                     <a:lstStyle/>
                     <a:p>
-                      <a:pPr marL="171450" indent="-171450">
+                      <a:pPr marL="0" indent="0">
                         <a:buFont typeface="Arial" panose="020B0604020202020204" pitchFamily="34" charset="0"/>
-                        <a:buChar char="•"/>
+                        <a:buNone/>
                       </a:pPr>
-                      <a:r>
-                        <a:rPr lang="en-US" sz="1000" dirty="0">
-                          <a:solidFill>
-                            <a:schemeClr val="tx1"/>
-                          </a:solidFill>
-                        </a:rPr>
-                        <a:t>Producing</a:t>
-                      </a:r>
-                      <a:r>
-                        <a:rPr lang="en-US" sz="1000" baseline="0" dirty="0">
-                          <a:solidFill>
-                            <a:schemeClr val="tx1"/>
-                          </a:solidFill>
-                        </a:rPr>
-                        <a:t> artifacts related to the project</a:t>
-                      </a:r>
-                    </a:p>
-                    <a:p>
-                      <a:pPr marL="171450" indent="-171450">
-                        <a:buFont typeface="Arial" panose="020B0604020202020204" pitchFamily="34" charset="0"/>
-                        <a:buChar char="•"/>
-                      </a:pPr>
-                      <a:r>
-                        <a:rPr lang="en-US" sz="1000" baseline="0" dirty="0">
-                          <a:solidFill>
-                            <a:schemeClr val="tx1"/>
-                          </a:solidFill>
-                        </a:rPr>
-                        <a:t>Communicating with the Project Managers</a:t>
-                      </a:r>
-                    </a:p>
-                    <a:p>
-                      <a:pPr marL="171450" indent="-171450">
-                        <a:buFont typeface="Arial" panose="020B0604020202020204" pitchFamily="34" charset="0"/>
-                        <a:buChar char="•"/>
-                      </a:pPr>
-                      <a:r>
-                        <a:rPr lang="en-US" sz="1000" baseline="0" dirty="0">
-                          <a:solidFill>
-                            <a:schemeClr val="tx1"/>
-                          </a:solidFill>
-                        </a:rPr>
-                        <a:t>Presenting finalized copy of the project</a:t>
-                      </a:r>
-                    </a:p>
-                    <a:p>
-                      <a:pPr marL="171450" marR="0" lvl="0" indent="-171450" algn="l" defTabSz="457200" rtl="0" eaLnBrk="1" fontAlgn="auto" latinLnBrk="0" hangingPunct="1">
-                        <a:lnSpc>
-                          <a:spcPct val="100000"/>
-                        </a:lnSpc>
-                        <a:spcBef>
-                          <a:spcPts val="0"/>
-                        </a:spcBef>
-                        <a:spcAft>
-                          <a:spcPts val="0"/>
-                        </a:spcAft>
-                        <a:buClrTx/>
-                        <a:buSzTx/>
-                        <a:buFont typeface="Arial" panose="020B0604020202020204" pitchFamily="34" charset="0"/>
-                        <a:buChar char="•"/>
-                        <a:tabLst/>
-                        <a:defRPr/>
-                      </a:pPr>
-                      <a:r>
-                        <a:rPr lang="en-US" sz="1000" baseline="0" dirty="0">
-                          <a:solidFill>
-                            <a:schemeClr val="tx1"/>
-                          </a:solidFill>
-                        </a:rPr>
-                        <a:t>Completing tasks assigned by team lead</a:t>
-                      </a:r>
                       <a:endParaRPr lang="en-US" sz="1000" dirty="0">
                         <a:solidFill>
                           <a:schemeClr val="tx1"/>
                         </a:solidFill>
                       </a:endParaRPr>
-                    </a:p>
-                    <a:p>
-                      <a:pPr marL="0" indent="0">
-                        <a:buFont typeface="Arial" panose="020B0604020202020204" pitchFamily="34" charset="0"/>
-                        <a:buNone/>
-                      </a:pPr>
-                      <a:r>
-                        <a:rPr lang="en-US" sz="1000" baseline="0" dirty="0">
-                          <a:solidFill>
-                            <a:schemeClr val="tx1"/>
-                          </a:solidFill>
-                        </a:rPr>
-                        <a:t> </a:t>
-                      </a:r>
-                      <a:endParaRPr lang="en-US" sz="1000" dirty="0">
-                        <a:solidFill>
-                          <a:schemeClr val="tx1"/>
-                        </a:solidFill>
-                      </a:endParaRPr>
-                    </a:p>
-                  </a:txBody>
-                  <a:tcPr/>
-                </a:tc>
-                <a:tc>
-                  <a:txBody>
-                    <a:bodyPr/>
-                    <a:lstStyle/>
-                    <a:p>
-                      <a:pPr marL="171450" indent="-171450">
-                        <a:buFont typeface="Arial" panose="020B0604020202020204" pitchFamily="34" charset="0"/>
-                        <a:buChar char="•"/>
-                      </a:pPr>
-                      <a:r>
-                        <a:rPr lang="en-US" sz="1000" dirty="0">
-                          <a:solidFill>
-                            <a:schemeClr val="tx1"/>
-                          </a:solidFill>
-                        </a:rPr>
-                        <a:t>Communication</a:t>
-                      </a:r>
-                      <a:r>
-                        <a:rPr lang="en-US" sz="1000" baseline="0" dirty="0">
-                          <a:solidFill>
-                            <a:schemeClr val="tx1"/>
-                          </a:solidFill>
-                        </a:rPr>
-                        <a:t> plan</a:t>
-                      </a:r>
-                    </a:p>
-                    <a:p>
-                      <a:pPr marL="171450" indent="-171450">
-                        <a:buFont typeface="Arial" panose="020B0604020202020204" pitchFamily="34" charset="0"/>
-                        <a:buChar char="•"/>
-                      </a:pPr>
-                      <a:r>
-                        <a:rPr lang="en-US" sz="1000" baseline="0" dirty="0">
-                          <a:solidFill>
-                            <a:schemeClr val="tx1"/>
-                          </a:solidFill>
-                        </a:rPr>
-                        <a:t>Exception calendar </a:t>
-                      </a:r>
-                    </a:p>
-                    <a:p>
-                      <a:pPr marL="171450" indent="-171450">
-                        <a:buFont typeface="Arial" panose="020B0604020202020204" pitchFamily="34" charset="0"/>
-                        <a:buChar char="•"/>
-                      </a:pPr>
-                      <a:r>
-                        <a:rPr lang="en-US" sz="1000" baseline="0" dirty="0">
-                          <a:solidFill>
-                            <a:schemeClr val="tx1"/>
-                          </a:solidFill>
-                        </a:rPr>
-                        <a:t>Availability sheet</a:t>
-                      </a:r>
-                    </a:p>
-                    <a:p>
-                      <a:pPr marL="171450" indent="-171450">
-                        <a:buFont typeface="Arial" panose="020B0604020202020204" pitchFamily="34" charset="0"/>
-                        <a:buChar char="•"/>
-                      </a:pPr>
-                      <a:r>
-                        <a:rPr lang="en-US" sz="1000" dirty="0">
-                          <a:solidFill>
-                            <a:schemeClr val="tx1"/>
-                          </a:solidFill>
-                        </a:rPr>
-                        <a:t>1.1 Problem Statement</a:t>
-                      </a:r>
-                    </a:p>
-                    <a:p>
-                      <a:pPr marL="171450" indent="-171450">
-                        <a:buFont typeface="Arial" panose="020B0604020202020204" pitchFamily="34" charset="0"/>
-                        <a:buChar char="•"/>
-                      </a:pPr>
-                      <a:r>
-                        <a:rPr lang="en-US" sz="1000" dirty="0">
-                          <a:solidFill>
-                            <a:schemeClr val="tx1"/>
-                          </a:solidFill>
-                        </a:rPr>
-                        <a:t>1.3 Major Software Functions</a:t>
-                      </a:r>
-                    </a:p>
-                    <a:p>
-                      <a:pPr marL="171450" indent="-171450">
-                        <a:buFont typeface="Arial" panose="020B0604020202020204" pitchFamily="34" charset="0"/>
-                        <a:buChar char="•"/>
-                      </a:pPr>
-                      <a:r>
-                        <a:rPr lang="en-US" sz="1000" dirty="0">
-                          <a:solidFill>
-                            <a:schemeClr val="tx1"/>
-                          </a:solidFill>
-                        </a:rPr>
-                        <a:t>6.0 (all)</a:t>
-                      </a:r>
-                    </a:p>
-                    <a:p>
-                      <a:pPr marL="171450" indent="-171450">
-                        <a:buFont typeface="Arial" panose="020B0604020202020204" pitchFamily="34" charset="0"/>
-                        <a:buChar char="•"/>
-                      </a:pPr>
-                      <a:r>
-                        <a:rPr lang="en-US" sz="1000" dirty="0">
-                          <a:solidFill>
-                            <a:schemeClr val="tx1"/>
-                          </a:solidFill>
-                        </a:rPr>
-                        <a:t> SPMP Reformatting</a:t>
-                      </a:r>
-                    </a:p>
-                    <a:p>
-                      <a:pPr marL="171450" indent="-171450">
-                        <a:buFont typeface="Arial" panose="020B0604020202020204" pitchFamily="34" charset="0"/>
-                        <a:buChar char="•"/>
-                      </a:pPr>
-                      <a:r>
-                        <a:rPr lang="en-US" sz="1000" dirty="0">
-                          <a:solidFill>
-                            <a:schemeClr val="tx1"/>
-                          </a:solidFill>
-                        </a:rPr>
-                        <a:t> SPMP Compilation</a:t>
-                      </a:r>
-                    </a:p>
-                    <a:p>
-                      <a:pPr marL="171450" indent="-171450">
-                        <a:buFont typeface="Arial" panose="020B0604020202020204" pitchFamily="34" charset="0"/>
-                        <a:buChar char="•"/>
-                      </a:pPr>
-                      <a:r>
-                        <a:rPr lang="en-US" sz="1000" dirty="0">
-                          <a:solidFill>
-                            <a:schemeClr val="tx1"/>
-                          </a:solidFill>
-                        </a:rPr>
-                        <a:t>Presentation Tasks</a:t>
-                      </a:r>
                     </a:p>
                   </a:txBody>
                   <a:tcPr/>
@@ -5565,7 +7612,7 @@
                   </a:ext>
                 </a:extLst>
               </a:tr>
-              <a:tr h="852840">
+              <a:tr h="890413">
                 <a:tc>
                   <a:txBody>
                     <a:bodyPr/>
@@ -5637,7 +7684,7 @@
                   </a:txBody>
                   <a:tcPr/>
                 </a:tc>
-                <a:tc>
+                <a:tc rowSpan="2">
                   <a:txBody>
                     <a:bodyPr/>
                     <a:lstStyle/>
@@ -5647,7 +7694,7 @@
                         <a:buChar char="•"/>
                       </a:pPr>
                       <a:r>
-                        <a:rPr lang="en-US" sz="1000" dirty="0">
+                        <a:rPr lang="en-US" sz="1600" dirty="0">
                           <a:solidFill>
                             <a:schemeClr val="tx1"/>
                           </a:solidFill>
@@ -5655,7 +7702,7 @@
                         <a:t>Review and sign off</a:t>
                       </a:r>
                       <a:r>
-                        <a:rPr lang="en-US" sz="1000" baseline="0" dirty="0">
+                        <a:rPr lang="en-US" sz="1600" baseline="0" dirty="0">
                           <a:solidFill>
                             <a:schemeClr val="tx1"/>
                           </a:solidFill>
@@ -5669,7 +7716,7 @@
                         <a:buChar char="•"/>
                       </a:pPr>
                       <a:r>
-                        <a:rPr lang="en-US" sz="1000" baseline="0" dirty="0">
+                        <a:rPr lang="en-US" sz="1600" baseline="0" dirty="0">
                           <a:solidFill>
                             <a:schemeClr val="tx1"/>
                           </a:solidFill>
@@ -5683,28 +7730,14 @@
                         <a:buChar char="•"/>
                       </a:pPr>
                       <a:r>
-                        <a:rPr lang="en-US" sz="1000" baseline="0" dirty="0">
+                        <a:rPr lang="en-US" sz="1600" baseline="0" dirty="0">
                           <a:solidFill>
                             <a:schemeClr val="tx1"/>
                           </a:solidFill>
                         </a:rPr>
                         <a:t>Provide guidance and recommendations with all aspects of project.</a:t>
                       </a:r>
-                      <a:endParaRPr lang="en-US" sz="1000" dirty="0">
-                        <a:solidFill>
-                          <a:schemeClr val="tx1"/>
-                        </a:solidFill>
-                      </a:endParaRPr>
-                    </a:p>
-                  </a:txBody>
-                  <a:tcPr/>
-                </a:tc>
-                <a:tc>
-                  <a:txBody>
-                    <a:bodyPr/>
-                    <a:lstStyle/>
-                    <a:p>
-                      <a:endParaRPr lang="en-US" dirty="0">
+                      <a:endParaRPr lang="en-US" sz="1600" dirty="0">
                         <a:solidFill>
                           <a:schemeClr val="tx1"/>
                         </a:solidFill>
@@ -5719,7 +7752,7 @@
                   </a:ext>
                 </a:extLst>
               </a:tr>
-              <a:tr h="852840">
+              <a:tr h="890413">
                 <a:tc>
                   <a:txBody>
                     <a:bodyPr/>
@@ -5760,7 +7793,11 @@
                       </a:r>
                     </a:p>
                   </a:txBody>
-                  <a:tcPr/>
+                  <a:tcPr>
+                    <a:solidFill>
+                      <a:srgbClr val="D0D8E8"/>
+                    </a:solidFill>
+                  </a:tcPr>
                 </a:tc>
                 <a:tc>
                   <a:txBody>
@@ -5777,105 +7814,22 @@
                       </a:r>
                     </a:p>
                   </a:txBody>
-                  <a:tcPr/>
+                  <a:tcPr>
+                    <a:solidFill>
+                      <a:srgbClr val="D0D8E8"/>
+                    </a:solidFill>
+                  </a:tcPr>
                 </a:tc>
-                <a:tc>
+                <a:tc vMerge="1">
                   <a:txBody>
                     <a:bodyPr/>
                     <a:lstStyle/>
                     <a:p>
-                      <a:pPr marL="171450" indent="-171450">
+                      <a:pPr marL="0" indent="0">
                         <a:buFont typeface="Arial" panose="020B0604020202020204" pitchFamily="34" charset="0"/>
-                        <a:buChar char="•"/>
+                        <a:buNone/>
                       </a:pPr>
-                      <a:r>
-                        <a:rPr lang="en-US" sz="1000" dirty="0">
-                          <a:solidFill>
-                            <a:schemeClr val="tx1"/>
-                          </a:solidFill>
-                        </a:rPr>
-                        <a:t>Review</a:t>
-                      </a:r>
-                      <a:r>
-                        <a:rPr lang="en-US" sz="1000" baseline="0" dirty="0">
-                          <a:solidFill>
-                            <a:schemeClr val="tx1"/>
-                          </a:solidFill>
-                        </a:rPr>
-                        <a:t> and sign off</a:t>
-                      </a:r>
-                      <a:r>
-                        <a:rPr lang="en-US" sz="1000" dirty="0">
-                          <a:solidFill>
-                            <a:schemeClr val="tx1"/>
-                          </a:solidFill>
-                        </a:rPr>
-                        <a:t> on SPMP artifacts</a:t>
-                      </a:r>
-                    </a:p>
-                    <a:p>
-                      <a:pPr marL="171450" indent="-171450">
-                        <a:buFont typeface="Arial" panose="020B0604020202020204" pitchFamily="34" charset="0"/>
-                        <a:buChar char="•"/>
-                      </a:pPr>
-                      <a:r>
-                        <a:rPr lang="en-US" sz="1000" dirty="0">
-                          <a:solidFill>
-                            <a:schemeClr val="tx1"/>
-                          </a:solidFill>
-                        </a:rPr>
-                        <a:t>Sign off</a:t>
-                      </a:r>
-                      <a:r>
-                        <a:rPr lang="en-US" sz="1000" baseline="0" dirty="0">
-                          <a:solidFill>
-                            <a:schemeClr val="tx1"/>
-                          </a:solidFill>
-                        </a:rPr>
-                        <a:t> on progress reports </a:t>
-                      </a:r>
-                    </a:p>
-                    <a:p>
-                      <a:pPr marL="171450" marR="0" lvl="0" indent="-171450" algn="l" defTabSz="457200" rtl="0" eaLnBrk="1" fontAlgn="auto" latinLnBrk="0" hangingPunct="1">
-                        <a:lnSpc>
-                          <a:spcPct val="100000"/>
-                        </a:lnSpc>
-                        <a:spcBef>
-                          <a:spcPts val="0"/>
-                        </a:spcBef>
-                        <a:spcAft>
-                          <a:spcPts val="0"/>
-                        </a:spcAft>
-                        <a:buClrTx/>
-                        <a:buSzTx/>
-                        <a:buFont typeface="Arial" panose="020B0604020202020204" pitchFamily="34" charset="0"/>
-                        <a:buChar char="•"/>
-                        <a:tabLst/>
-                        <a:defRPr/>
-                      </a:pPr>
-                      <a:r>
-                        <a:rPr lang="en-US" sz="1000" baseline="0" dirty="0">
-                          <a:solidFill>
-                            <a:schemeClr val="tx1"/>
-                          </a:solidFill>
-                        </a:rPr>
-                        <a:t>Provide guidance and recommendations with all aspects of project.</a:t>
-                      </a:r>
                       <a:endParaRPr lang="en-US" sz="1000" dirty="0">
-                        <a:solidFill>
-                          <a:schemeClr val="tx1"/>
-                        </a:solidFill>
-                      </a:endParaRPr>
-                    </a:p>
-                  </a:txBody>
-                  <a:tcPr/>
-                </a:tc>
-                <a:tc>
-                  <a:txBody>
-                    <a:bodyPr/>
-                    <a:lstStyle/>
-                    <a:p>
-                      <a:endParaRPr lang="en-US" dirty="0">
                         <a:solidFill>
                           <a:schemeClr val="tx1"/>
                         </a:solidFill>
@@ -6003,21 +7957,21 @@
             <a:pPr lvl="1"/>
             <a:r>
               <a:rPr lang="en-US" dirty="0"/>
-              <a:t>Wrike Project Management</a:t>
+              <a:t>Wrike Project Management: Used to assign tasks to both team members and Project Managers.</a:t>
             </a:r>
           </a:p>
           <a:p>
             <a:pPr lvl="1"/>
             <a:r>
               <a:rPr lang="en-US" dirty="0"/>
-              <a:t>Microsoft project</a:t>
+              <a:t>Microsoft project: Used to create the network diagram and timeline chart.</a:t>
             </a:r>
           </a:p>
           <a:p>
             <a:pPr lvl="1"/>
             <a:r>
               <a:rPr lang="en-US" dirty="0"/>
-              <a:t>GitHub</a:t>
+              <a:t>GitHub: Used for versioning of documents.</a:t>
             </a:r>
           </a:p>
           <a:p>
@@ -6033,7 +7987,7 @@
             <a:pPr lvl="1"/>
             <a:r>
               <a:rPr lang="en-US" dirty="0"/>
-              <a:t>Toggl</a:t>
+              <a:t>Toggl: Used to keep track of time on tasks and meetings.</a:t>
             </a:r>
           </a:p>
         </p:txBody>
@@ -6262,13 +8216,25 @@
           <a:p>
             <a:r>
               <a:rPr lang="en-US" dirty="0"/>
-              <a:t>In-person meetings</a:t>
-            </a:r>
-          </a:p>
-          <a:p>
-            <a:r>
-              <a:rPr lang="en-US" dirty="0"/>
-              <a:t>Team structure</a:t>
+              <a:t>Early start</a:t>
+            </a:r>
+          </a:p>
+          <a:p>
+            <a:r>
+              <a:rPr lang="en-US" dirty="0"/>
+              <a:t>Establishing in-person meetings</a:t>
+            </a:r>
+          </a:p>
+          <a:p>
+            <a:r>
+              <a:rPr lang="en-US" dirty="0"/>
+              <a:t>Selection of time tracking tool: Toggl</a:t>
+            </a:r>
+          </a:p>
+          <a:p>
+            <a:r>
+              <a:rPr lang="en-US" dirty="0"/>
+              <a:t>Training for tools</a:t>
             </a:r>
           </a:p>
           <a:p>
@@ -6357,6 +8323,42 @@
         <p:txBody>
           <a:bodyPr/>
           <a:lstStyle/>
+          <a:p>
+            <a:r>
+              <a:rPr lang="en-US" dirty="0"/>
+              <a:t>Estimating the amount of work tasks would take</a:t>
+            </a:r>
+          </a:p>
+          <a:p>
+            <a:r>
+              <a:rPr lang="en-US" dirty="0"/>
+              <a:t>Compilation and Formatting Method of SPMP.</a:t>
+            </a:r>
+          </a:p>
+          <a:p>
+            <a:r>
+              <a:rPr lang="en-US" dirty="0"/>
+              <a:t>Setting way too early deadlines and milestones for ourselves.</a:t>
+            </a:r>
+          </a:p>
+          <a:p>
+            <a:r>
+              <a:rPr lang="en-US" dirty="0"/>
+              <a:t>Not realizing dependencies. </a:t>
+            </a:r>
+          </a:p>
+          <a:p>
+            <a:r>
+              <a:rPr lang="en-US" dirty="0"/>
+              <a:t>Assigning equal amounts of work.</a:t>
+            </a:r>
+          </a:p>
+          <a:p>
+            <a:r>
+              <a:rPr lang="en-US" dirty="0"/>
+              <a:t>Communication with Project Managers</a:t>
+            </a:r>
+          </a:p>
           <a:p>
             <a:endParaRPr lang="en-US" dirty="0"/>
           </a:p>
@@ -6610,4 +8612,299 @@
     </a:ext>
   </a:extLst>
 </a:theme>
+</file>
+
+<file path=ppt/theme/theme2.xml><?xml version="1.0" encoding="utf-8"?>
+<a:theme xmlns:a="http://schemas.openxmlformats.org/drawingml/2006/main" name="Office Theme">
+  <a:themeElements>
+    <a:clrScheme name="Office">
+      <a:dk1>
+        <a:sysClr val="windowText" lastClr="000000"/>
+      </a:dk1>
+      <a:lt1>
+        <a:sysClr val="window" lastClr="FFFFFF"/>
+      </a:lt1>
+      <a:dk2>
+        <a:srgbClr val="44546A"/>
+      </a:dk2>
+      <a:lt2>
+        <a:srgbClr val="E7E6E6"/>
+      </a:lt2>
+      <a:accent1>
+        <a:srgbClr val="5B9BD5"/>
+      </a:accent1>
+      <a:accent2>
+        <a:srgbClr val="ED7D31"/>
+      </a:accent2>
+      <a:accent3>
+        <a:srgbClr val="A5A5A5"/>
+      </a:accent3>
+      <a:accent4>
+        <a:srgbClr val="FFC000"/>
+      </a:accent4>
+      <a:accent5>
+        <a:srgbClr val="4472C4"/>
+      </a:accent5>
+      <a:accent6>
+        <a:srgbClr val="70AD47"/>
+      </a:accent6>
+      <a:hlink>
+        <a:srgbClr val="0563C1"/>
+      </a:hlink>
+      <a:folHlink>
+        <a:srgbClr val="954F72"/>
+      </a:folHlink>
+    </a:clrScheme>
+    <a:fontScheme name="Office">
+      <a:majorFont>
+        <a:latin typeface="Calibri Light" panose="020F0302020204030204"/>
+        <a:ea typeface=""/>
+        <a:cs typeface=""/>
+        <a:font script="Jpan" typeface="游ゴシック Light"/>
+        <a:font script="Hang" typeface="맑은 고딕"/>
+        <a:font script="Hans" typeface="等线 Light"/>
+        <a:font script="Hant" typeface="新細明體"/>
+        <a:font script="Arab" typeface="Times New Roman"/>
+        <a:font script="Hebr" typeface="Times New Roman"/>
+        <a:font script="Thai" typeface="Angsana New"/>
+        <a:font script="Ethi" typeface="Nyala"/>
+        <a:font script="Beng" typeface="Vrinda"/>
+        <a:font script="Gujr" typeface="Shruti"/>
+        <a:font script="Khmr" typeface="MoolBoran"/>
+        <a:font script="Knda" typeface="Tunga"/>
+        <a:font script="Guru" typeface="Raavi"/>
+        <a:font script="Cans" typeface="Euphemia"/>
+        <a:font script="Cher" typeface="Plantagenet Cherokee"/>
+        <a:font script="Yiii" typeface="Microsoft Yi Baiti"/>
+        <a:font script="Tibt" typeface="Microsoft Himalaya"/>
+        <a:font script="Thaa" typeface="MV Boli"/>
+        <a:font script="Deva" typeface="Mangal"/>
+        <a:font script="Telu" typeface="Gautami"/>
+        <a:font script="Taml" typeface="Latha"/>
+        <a:font script="Syrc" typeface="Estrangelo Edessa"/>
+        <a:font script="Orya" typeface="Kalinga"/>
+        <a:font script="Mlym" typeface="Kartika"/>
+        <a:font script="Laoo" typeface="DokChampa"/>
+        <a:font script="Sinh" typeface="Iskoola Pota"/>
+        <a:font script="Mong" typeface="Mongolian Baiti"/>
+        <a:font script="Viet" typeface="Times New Roman"/>
+        <a:font script="Uigh" typeface="Microsoft Uighur"/>
+        <a:font script="Geor" typeface="Sylfaen"/>
+        <a:font script="Armn" typeface="Arial"/>
+        <a:font script="Bugi" typeface="Leelawadee UI"/>
+        <a:font script="Bopo" typeface="Microsoft JhengHei"/>
+        <a:font script="Java" typeface="Javanese Text"/>
+        <a:font script="Lisu" typeface="Segoe UI"/>
+        <a:font script="Mymr" typeface="Myanmar Text"/>
+        <a:font script="Nkoo" typeface="Ebrima"/>
+        <a:font script="Olck" typeface="Nirmala UI"/>
+        <a:font script="Osma" typeface="Ebrima"/>
+        <a:font script="Phag" typeface="Phagspa"/>
+        <a:font script="Syrn" typeface="Estrangelo Edessa"/>
+        <a:font script="Syrj" typeface="Estrangelo Edessa"/>
+        <a:font script="Syre" typeface="Estrangelo Edessa"/>
+        <a:font script="Sora" typeface="Nirmala UI"/>
+        <a:font script="Tale" typeface="Microsoft Tai Le"/>
+        <a:font script="Talu" typeface="Microsoft New Tai Lue"/>
+        <a:font script="Tfng" typeface="Ebrima"/>
+      </a:majorFont>
+      <a:minorFont>
+        <a:latin typeface="Calibri" panose="020F0502020204030204"/>
+        <a:ea typeface=""/>
+        <a:cs typeface=""/>
+        <a:font script="Jpan" typeface="游ゴシック"/>
+        <a:font script="Hang" typeface="맑은 고딕"/>
+        <a:font script="Hans" typeface="等线"/>
+        <a:font script="Hant" typeface="新細明體"/>
+        <a:font script="Arab" typeface="Arial"/>
+        <a:font script="Hebr" typeface="Arial"/>
+        <a:font script="Thai" typeface="Cordia New"/>
+        <a:font script="Ethi" typeface="Nyala"/>
+        <a:font script="Beng" typeface="Vrinda"/>
+        <a:font script="Gujr" typeface="Shruti"/>
+        <a:font script="Khmr" typeface="DaunPenh"/>
+        <a:font script="Knda" typeface="Tunga"/>
+        <a:font script="Guru" typeface="Raavi"/>
+        <a:font script="Cans" typeface="Euphemia"/>
+        <a:font script="Cher" typeface="Plantagenet Cherokee"/>
+        <a:font script="Yiii" typeface="Microsoft Yi Baiti"/>
+        <a:font script="Tibt" typeface="Microsoft Himalaya"/>
+        <a:font script="Thaa" typeface="MV Boli"/>
+        <a:font script="Deva" typeface="Mangal"/>
+        <a:font script="Telu" typeface="Gautami"/>
+        <a:font script="Taml" typeface="Latha"/>
+        <a:font script="Syrc" typeface="Estrangelo Edessa"/>
+        <a:font script="Orya" typeface="Kalinga"/>
+        <a:font script="Mlym" typeface="Kartika"/>
+        <a:font script="Laoo" typeface="DokChampa"/>
+        <a:font script="Sinh" typeface="Iskoola Pota"/>
+        <a:font script="Mong" typeface="Mongolian Baiti"/>
+        <a:font script="Viet" typeface="Arial"/>
+        <a:font script="Uigh" typeface="Microsoft Uighur"/>
+        <a:font script="Geor" typeface="Sylfaen"/>
+        <a:font script="Armn" typeface="Arial"/>
+        <a:font script="Bugi" typeface="Leelawadee UI"/>
+        <a:font script="Bopo" typeface="Microsoft JhengHei"/>
+        <a:font script="Java" typeface="Javanese Text"/>
+        <a:font script="Lisu" typeface="Segoe UI"/>
+        <a:font script="Mymr" typeface="Myanmar Text"/>
+        <a:font script="Nkoo" typeface="Ebrima"/>
+        <a:font script="Olck" typeface="Nirmala UI"/>
+        <a:font script="Osma" typeface="Ebrima"/>
+        <a:font script="Phag" typeface="Phagspa"/>
+        <a:font script="Syrn" typeface="Estrangelo Edessa"/>
+        <a:font script="Syrj" typeface="Estrangelo Edessa"/>
+        <a:font script="Syre" typeface="Estrangelo Edessa"/>
+        <a:font script="Sora" typeface="Nirmala UI"/>
+        <a:font script="Tale" typeface="Microsoft Tai Le"/>
+        <a:font script="Talu" typeface="Microsoft New Tai Lue"/>
+        <a:font script="Tfng" typeface="Ebrima"/>
+      </a:minorFont>
+    </a:fontScheme>
+    <a:fmtScheme name="Office">
+      <a:fillStyleLst>
+        <a:solidFill>
+          <a:schemeClr val="phClr"/>
+        </a:solidFill>
+        <a:gradFill rotWithShape="1">
+          <a:gsLst>
+            <a:gs pos="0">
+              <a:schemeClr val="phClr">
+                <a:lumMod val="110000"/>
+                <a:satMod val="105000"/>
+                <a:tint val="67000"/>
+              </a:schemeClr>
+            </a:gs>
+            <a:gs pos="50000">
+              <a:schemeClr val="phClr">
+                <a:lumMod val="105000"/>
+                <a:satMod val="103000"/>
+                <a:tint val="73000"/>
+              </a:schemeClr>
+            </a:gs>
+            <a:gs pos="100000">
+              <a:schemeClr val="phClr">
+                <a:lumMod val="105000"/>
+                <a:satMod val="109000"/>
+                <a:tint val="81000"/>
+              </a:schemeClr>
+            </a:gs>
+          </a:gsLst>
+          <a:lin ang="5400000" scaled="0"/>
+        </a:gradFill>
+        <a:gradFill rotWithShape="1">
+          <a:gsLst>
+            <a:gs pos="0">
+              <a:schemeClr val="phClr">
+                <a:satMod val="103000"/>
+                <a:lumMod val="102000"/>
+                <a:tint val="94000"/>
+              </a:schemeClr>
+            </a:gs>
+            <a:gs pos="50000">
+              <a:schemeClr val="phClr">
+                <a:satMod val="110000"/>
+                <a:lumMod val="100000"/>
+                <a:shade val="100000"/>
+              </a:schemeClr>
+            </a:gs>
+            <a:gs pos="100000">
+              <a:schemeClr val="phClr">
+                <a:lumMod val="99000"/>
+                <a:satMod val="120000"/>
+                <a:shade val="78000"/>
+              </a:schemeClr>
+            </a:gs>
+          </a:gsLst>
+          <a:lin ang="5400000" scaled="0"/>
+        </a:gradFill>
+      </a:fillStyleLst>
+      <a:lnStyleLst>
+        <a:ln w="6350" cap="flat" cmpd="sng" algn="ctr">
+          <a:solidFill>
+            <a:schemeClr val="phClr"/>
+          </a:solidFill>
+          <a:prstDash val="solid"/>
+          <a:miter lim="800000"/>
+        </a:ln>
+        <a:ln w="12700" cap="flat" cmpd="sng" algn="ctr">
+          <a:solidFill>
+            <a:schemeClr val="phClr"/>
+          </a:solidFill>
+          <a:prstDash val="solid"/>
+          <a:miter lim="800000"/>
+        </a:ln>
+        <a:ln w="19050" cap="flat" cmpd="sng" algn="ctr">
+          <a:solidFill>
+            <a:schemeClr val="phClr"/>
+          </a:solidFill>
+          <a:prstDash val="solid"/>
+          <a:miter lim="800000"/>
+        </a:ln>
+      </a:lnStyleLst>
+      <a:effectStyleLst>
+        <a:effectStyle>
+          <a:effectLst/>
+        </a:effectStyle>
+        <a:effectStyle>
+          <a:effectLst/>
+        </a:effectStyle>
+        <a:effectStyle>
+          <a:effectLst>
+            <a:outerShdw blurRad="57150" dist="19050" dir="5400000" algn="ctr" rotWithShape="0">
+              <a:srgbClr val="000000">
+                <a:alpha val="63000"/>
+              </a:srgbClr>
+            </a:outerShdw>
+          </a:effectLst>
+        </a:effectStyle>
+      </a:effectStyleLst>
+      <a:bgFillStyleLst>
+        <a:solidFill>
+          <a:schemeClr val="phClr"/>
+        </a:solidFill>
+        <a:solidFill>
+          <a:schemeClr val="phClr">
+            <a:tint val="95000"/>
+            <a:satMod val="170000"/>
+          </a:schemeClr>
+        </a:solidFill>
+        <a:gradFill rotWithShape="1">
+          <a:gsLst>
+            <a:gs pos="0">
+              <a:schemeClr val="phClr">
+                <a:tint val="93000"/>
+                <a:satMod val="150000"/>
+                <a:shade val="98000"/>
+                <a:lumMod val="102000"/>
+              </a:schemeClr>
+            </a:gs>
+            <a:gs pos="50000">
+              <a:schemeClr val="phClr">
+                <a:tint val="98000"/>
+                <a:satMod val="130000"/>
+                <a:shade val="90000"/>
+                <a:lumMod val="103000"/>
+              </a:schemeClr>
+            </a:gs>
+            <a:gs pos="100000">
+              <a:schemeClr val="phClr">
+                <a:shade val="63000"/>
+                <a:satMod val="120000"/>
+              </a:schemeClr>
+            </a:gs>
+          </a:gsLst>
+          <a:lin ang="5400000" scaled="0"/>
+        </a:gradFill>
+      </a:bgFillStyleLst>
+    </a:fmtScheme>
+  </a:themeElements>
+  <a:objectDefaults/>
+  <a:extraClrSchemeLst/>
+  <a:extLst>
+    <a:ext uri="{05A4C25C-085E-4340-85A3-A5531E510DB2}">
+      <thm15:themeFamily xmlns:thm15="http://schemas.microsoft.com/office/thememl/2012/main" name="Office Theme" id="{62F939B6-93AF-4DB8-9C6B-D6C7DFDC589F}" vid="{4A3C46E8-61CC-4603-A589-7422A47A8E4A}"/>
+    </a:ext>
+  </a:extLst>
+</a:theme>
 </file>
--- a/Work_In_Progress/CS/SPMP_Presentation.pptx
+++ b/Work_In_Progress/CS/SPMP_Presentation.pptx
@@ -5,7 +5,7 @@
     <p:sldMasterId id="2147483731" r:id="rId1"/>
   </p:sldMasterIdLst>
   <p:notesMasterIdLst>
-    <p:notesMasterId r:id="rId18"/>
+    <p:notesMasterId r:id="rId24"/>
   </p:notesMasterIdLst>
   <p:sldIdLst>
     <p:sldId id="256" r:id="rId2"/>
@@ -13,17 +13,23 @@
     <p:sldId id="266" r:id="rId4"/>
     <p:sldId id="265" r:id="rId5"/>
     <p:sldId id="257" r:id="rId6"/>
-    <p:sldId id="264" r:id="rId7"/>
-    <p:sldId id="270" r:id="rId8"/>
-    <p:sldId id="260" r:id="rId9"/>
-    <p:sldId id="261" r:id="rId10"/>
-    <p:sldId id="268" r:id="rId11"/>
-    <p:sldId id="259" r:id="rId12"/>
-    <p:sldId id="272" r:id="rId13"/>
-    <p:sldId id="273" r:id="rId14"/>
-    <p:sldId id="274" r:id="rId15"/>
-    <p:sldId id="269" r:id="rId16"/>
-    <p:sldId id="275" r:id="rId17"/>
+    <p:sldId id="275" r:id="rId7"/>
+    <p:sldId id="277" r:id="rId8"/>
+    <p:sldId id="264" r:id="rId9"/>
+    <p:sldId id="259" r:id="rId10"/>
+    <p:sldId id="281" r:id="rId11"/>
+    <p:sldId id="276" r:id="rId12"/>
+    <p:sldId id="278" r:id="rId13"/>
+    <p:sldId id="279" r:id="rId14"/>
+    <p:sldId id="280" r:id="rId15"/>
+    <p:sldId id="273" r:id="rId16"/>
+    <p:sldId id="274" r:id="rId17"/>
+    <p:sldId id="270" r:id="rId18"/>
+    <p:sldId id="282" r:id="rId19"/>
+    <p:sldId id="260" r:id="rId20"/>
+    <p:sldId id="261" r:id="rId21"/>
+    <p:sldId id="268" r:id="rId22"/>
+    <p:sldId id="269" r:id="rId23"/>
   </p:sldIdLst>
   <p:sldSz cx="12192000" cy="6858000"/>
   <p:notesSz cx="6858000" cy="9144000"/>
@@ -212,7 +218,7 @@
           <a:p>
             <a:fld id="{ADE42F8C-8B25-4C7D-B938-A4924DE58183}" type="datetimeFigureOut">
               <a:rPr lang="en-US" smtClean="0"/>
-              <a:t>3/1/2017</a:t>
+              <a:t>3/2/2017</a:t>
             </a:fld>
             <a:endParaRPr lang="en-US"/>
           </a:p>
@@ -541,12 +547,12 @@
               <a:defRPr/>
             </a:pPr>
             <a:r>
-              <a:rPr lang="en-US" dirty="0"/>
+              <a:rPr lang="en-US" b="1" u="sng" dirty="0"/>
               <a:t>Weaknesses:</a:t>
             </a:r>
           </a:p>
           <a:p>
-            <a:pPr marL="0" marR="0" lvl="0" indent="0" algn="l" defTabSz="914400" rtl="0" eaLnBrk="1" fontAlgn="auto" latinLnBrk="0" hangingPunct="1">
+            <a:pPr marL="171450" marR="0" lvl="0" indent="-171450" algn="l" defTabSz="914400" rtl="0" eaLnBrk="1" fontAlgn="auto" latinLnBrk="0" hangingPunct="1">
               <a:lnSpc>
                 <a:spcPct val="100000"/>
               </a:lnSpc>
@@ -558,15 +564,47 @@
               </a:spcAft>
               <a:buClrTx/>
               <a:buSzTx/>
-              <a:buFontTx/>
-              <a:buNone/>
+              <a:buFont typeface="Arial" panose="020B0604020202020204" pitchFamily="34" charset="0"/>
+              <a:buChar char="•"/>
               <a:tabLst/>
               <a:defRPr/>
             </a:pPr>
             <a:r>
-              <a:rPr lang="en-US" dirty="0"/>
-              <a:t>	Time Management: Overconfidence in achieving goals and deadlines</a:t>
-            </a:r>
+              <a:rPr lang="en-US" b="1" dirty="0"/>
+              <a:t>Time Management: </a:t>
+            </a:r>
+            <a:r>
+              <a:rPr lang="en-US" dirty="0"/>
+              <a:t>Overconfidence in achieving goals and deadlines</a:t>
+            </a:r>
+          </a:p>
+          <a:p>
+            <a:pPr marL="171450" marR="0" lvl="0" indent="-171450" algn="l" defTabSz="914400" rtl="0" eaLnBrk="1" fontAlgn="auto" latinLnBrk="0" hangingPunct="1">
+              <a:lnSpc>
+                <a:spcPct val="100000"/>
+              </a:lnSpc>
+              <a:spcBef>
+                <a:spcPts val="0"/>
+              </a:spcBef>
+              <a:spcAft>
+                <a:spcPts val="0"/>
+              </a:spcAft>
+              <a:buClrTx/>
+              <a:buSzTx/>
+              <a:buFont typeface="Arial" panose="020B0604020202020204" pitchFamily="34" charset="0"/>
+              <a:buChar char="•"/>
+              <a:tabLst/>
+              <a:defRPr/>
+            </a:pPr>
+            <a:r>
+              <a:rPr lang="en-US" b="1" dirty="0"/>
+              <a:t>Inexperience:</a:t>
+            </a:r>
+            <a:r>
+              <a:rPr lang="en-US" b="1" baseline="0" dirty="0"/>
+              <a:t> </a:t>
+            </a:r>
+            <a:endParaRPr lang="en-US" b="1" dirty="0"/>
           </a:p>
           <a:p>
             <a:endParaRPr lang="en-US" dirty="0"/>
@@ -672,23 +710,19 @@
             </a:pPr>
             <a:r>
               <a:rPr lang="en-US" dirty="0"/>
-              <a:t>A company:</a:t>
+              <a:t>Tasks</a:t>
             </a:r>
             <a:r>
               <a:rPr lang="en-US" baseline="0" dirty="0"/>
-              <a:t> </a:t>
-            </a:r>
-            <a:r>
-              <a:rPr lang="en-US" dirty="0"/>
-              <a:t>wide sale on a particular item:</a:t>
+              <a:t> that were hard will be tasks that took the less amount of time to complete based on reports from </a:t>
+            </a:r>
+            <a:r>
+              <a:rPr lang="en-US" baseline="0" dirty="0" err="1"/>
+              <a:t>toggl</a:t>
             </a:r>
             <a:r>
               <a:rPr lang="en-US" baseline="0" dirty="0"/>
-              <a:t> </a:t>
-            </a:r>
-            <a:r>
-              <a:rPr lang="en-US" dirty="0"/>
-              <a:t>when item X gets rung up a discount is applied</a:t>
+              <a:t>:</a:t>
             </a:r>
           </a:p>
           <a:p>
@@ -709,8 +743,448 @@
               <a:tabLst/>
               <a:defRPr/>
             </a:pPr>
+            <a:r>
+              <a:rPr lang="en-US" b="1" u="sng" dirty="0"/>
+              <a:t>Document merging and formatting </a:t>
+            </a:r>
+          </a:p>
+          <a:p>
+            <a:pPr marL="171450" marR="0" lvl="0" indent="-171450" algn="l" defTabSz="914400" rtl="0" eaLnBrk="1" fontAlgn="auto" latinLnBrk="0" hangingPunct="1">
+              <a:lnSpc>
+                <a:spcPct val="100000"/>
+              </a:lnSpc>
+              <a:spcBef>
+                <a:spcPts val="0"/>
+              </a:spcBef>
+              <a:spcAft>
+                <a:spcPts val="0"/>
+              </a:spcAft>
+              <a:buClrTx/>
+              <a:buSzTx/>
+              <a:buFont typeface="Arial" panose="020B0604020202020204" pitchFamily="34" charset="0"/>
+              <a:buChar char="•"/>
+              <a:tabLst/>
+              <a:defRPr/>
+            </a:pPr>
+            <a:r>
+              <a:rPr lang="en-US" b="0" u="none" dirty="0"/>
+              <a:t>There</a:t>
+            </a:r>
+            <a:r>
+              <a:rPr lang="en-US" b="0" u="none" baseline="0" dirty="0"/>
+              <a:t> was no style template or discussed format of how the final SPMP would look. So everyone end up using different formats, fonts and bullet points making it harder and a waste of time when we had to put all the documents together.</a:t>
+            </a:r>
+          </a:p>
+          <a:p>
+            <a:pPr marL="0" marR="0" lvl="0" indent="0" algn="l" defTabSz="914400" rtl="0" eaLnBrk="1" fontAlgn="auto" latinLnBrk="0" hangingPunct="1">
+              <a:lnSpc>
+                <a:spcPct val="100000"/>
+              </a:lnSpc>
+              <a:spcBef>
+                <a:spcPts val="0"/>
+              </a:spcBef>
+              <a:spcAft>
+                <a:spcPts val="0"/>
+              </a:spcAft>
+              <a:buClrTx/>
+              <a:buSzTx/>
+              <a:buFont typeface="Arial" panose="020B0604020202020204" pitchFamily="34" charset="0"/>
+              <a:buNone/>
+              <a:tabLst/>
+              <a:defRPr/>
+            </a:pPr>
+            <a:endParaRPr lang="en-US" b="1" u="sng" baseline="0" dirty="0"/>
+          </a:p>
+          <a:p>
+            <a:pPr marL="0" marR="0" lvl="0" indent="0" algn="l" defTabSz="914400" rtl="0" eaLnBrk="1" fontAlgn="auto" latinLnBrk="0" hangingPunct="1">
+              <a:lnSpc>
+                <a:spcPct val="100000"/>
+              </a:lnSpc>
+              <a:spcBef>
+                <a:spcPts val="0"/>
+              </a:spcBef>
+              <a:spcAft>
+                <a:spcPts val="0"/>
+              </a:spcAft>
+              <a:buClrTx/>
+              <a:buSzTx/>
+              <a:buFont typeface="Arial" panose="020B0604020202020204" pitchFamily="34" charset="0"/>
+              <a:buNone/>
+              <a:tabLst/>
+              <a:defRPr/>
+            </a:pPr>
+            <a:r>
+              <a:rPr lang="en-US" b="1" u="sng" baseline="0" dirty="0"/>
+              <a:t>1.3 Functional Decomposition</a:t>
+            </a:r>
+          </a:p>
+          <a:p>
+            <a:pPr marL="171450" marR="0" lvl="0" indent="-171450" algn="l" defTabSz="914400" rtl="0" eaLnBrk="1" fontAlgn="auto" latinLnBrk="0" hangingPunct="1">
+              <a:lnSpc>
+                <a:spcPct val="100000"/>
+              </a:lnSpc>
+              <a:spcBef>
+                <a:spcPts val="0"/>
+              </a:spcBef>
+              <a:spcAft>
+                <a:spcPts val="0"/>
+              </a:spcAft>
+              <a:buClrTx/>
+              <a:buSzTx/>
+              <a:buFont typeface="Arial" panose="020B0604020202020204" pitchFamily="34" charset="0"/>
+              <a:buChar char="•"/>
+              <a:tabLst/>
+              <a:defRPr/>
+            </a:pPr>
+            <a:r>
+              <a:rPr lang="en-US" dirty="0"/>
+              <a:t>Defining the general functionality not the process. Thinking in at</a:t>
+            </a:r>
+            <a:r>
+              <a:rPr lang="en-US" baseline="0" dirty="0"/>
+              <a:t> a high enough level that did not discuss implementation details. This took some discussion to be able to grasp that concept.</a:t>
+            </a:r>
+          </a:p>
+          <a:p>
+            <a:pPr marL="0" marR="0" lvl="0" indent="0" algn="l" defTabSz="914400" rtl="0" eaLnBrk="1" fontAlgn="auto" latinLnBrk="0" hangingPunct="1">
+              <a:lnSpc>
+                <a:spcPct val="100000"/>
+              </a:lnSpc>
+              <a:spcBef>
+                <a:spcPts val="0"/>
+              </a:spcBef>
+              <a:spcAft>
+                <a:spcPts val="0"/>
+              </a:spcAft>
+              <a:buClrTx/>
+              <a:buSzTx/>
+              <a:buFont typeface="Arial" panose="020B0604020202020204" pitchFamily="34" charset="0"/>
+              <a:buNone/>
+              <a:tabLst/>
+              <a:defRPr/>
+            </a:pPr>
+            <a:endParaRPr lang="en-US" baseline="0" dirty="0"/>
+          </a:p>
+          <a:p>
+            <a:pPr marL="0" marR="0" lvl="0" indent="0" algn="l" defTabSz="914400" rtl="0" eaLnBrk="1" fontAlgn="auto" latinLnBrk="0" hangingPunct="1">
+              <a:lnSpc>
+                <a:spcPct val="100000"/>
+              </a:lnSpc>
+              <a:spcBef>
+                <a:spcPts val="0"/>
+              </a:spcBef>
+              <a:spcAft>
+                <a:spcPts val="0"/>
+              </a:spcAft>
+              <a:buClrTx/>
+              <a:buSzTx/>
+              <a:buFont typeface="Arial" panose="020B0604020202020204" pitchFamily="34" charset="0"/>
+              <a:buNone/>
+              <a:tabLst/>
+              <a:defRPr/>
+            </a:pPr>
+            <a:r>
+              <a:rPr lang="en-US" b="1" u="sng" baseline="0" dirty="0"/>
+              <a:t>2.2.2 Overall Project Estimate</a:t>
+            </a:r>
+          </a:p>
+          <a:p>
+            <a:pPr marL="0" marR="0" lvl="0" indent="0" algn="l" defTabSz="914400" rtl="0" eaLnBrk="1" fontAlgn="auto" latinLnBrk="0" hangingPunct="1">
+              <a:lnSpc>
+                <a:spcPct val="100000"/>
+              </a:lnSpc>
+              <a:spcBef>
+                <a:spcPts val="0"/>
+              </a:spcBef>
+              <a:spcAft>
+                <a:spcPts val="0"/>
+              </a:spcAft>
+              <a:buClrTx/>
+              <a:buSzTx/>
+              <a:buFont typeface="Arial" panose="020B0604020202020204" pitchFamily="34" charset="0"/>
+              <a:buNone/>
+              <a:tabLst/>
+              <a:defRPr/>
+            </a:pPr>
+            <a:endParaRPr lang="en-US" b="1" u="sng" dirty="0"/>
+          </a:p>
+          <a:p>
+            <a:pPr marL="0" marR="0" lvl="0" indent="0" algn="l" defTabSz="914400" rtl="0" eaLnBrk="1" fontAlgn="auto" latinLnBrk="0" hangingPunct="1">
+              <a:lnSpc>
+                <a:spcPct val="100000"/>
+              </a:lnSpc>
+              <a:spcBef>
+                <a:spcPts val="0"/>
+              </a:spcBef>
+              <a:spcAft>
+                <a:spcPts val="0"/>
+              </a:spcAft>
+              <a:buClrTx/>
+              <a:buSzTx/>
+              <a:buFont typeface="Arial" panose="020B0604020202020204" pitchFamily="34" charset="0"/>
+              <a:buNone/>
+              <a:tabLst/>
+              <a:defRPr/>
+            </a:pPr>
+            <a:endParaRPr lang="en-US" b="1" u="sng" baseline="0" dirty="0"/>
+          </a:p>
+        </p:txBody>
+      </p:sp>
+      <p:sp>
+        <p:nvSpPr>
+          <p:cNvPr id="4" name="Slide Number Placeholder 3"/>
+          <p:cNvSpPr>
+            <a:spLocks noGrp="1"/>
+          </p:cNvSpPr>
+          <p:nvPr>
+            <p:ph type="sldNum" sz="quarter" idx="10"/>
+          </p:nvPr>
+        </p:nvSpPr>
+        <p:spPr/>
+        <p:txBody>
+          <a:bodyPr/>
+          <a:lstStyle/>
+          <a:p>
+            <a:fld id="{B621E0F3-BCE5-4552-9E75-AD4D9ACB2A2B}" type="slidenum">
+              <a:rPr lang="en-US" smtClean="0"/>
+              <a:t>16</a:t>
+            </a:fld>
+            <a:endParaRPr lang="en-US"/>
+          </a:p>
+        </p:txBody>
+      </p:sp>
+    </p:spTree>
+    <p:extLst>
+      <p:ext uri="{BB962C8B-B14F-4D97-AF65-F5344CB8AC3E}">
+        <p14:creationId xmlns:p14="http://schemas.microsoft.com/office/powerpoint/2010/main" val="3573805196"/>
+      </p:ext>
+    </p:extLst>
+  </p:cSld>
+  <p:clrMapOvr>
+    <a:masterClrMapping/>
+  </p:clrMapOvr>
+</p:notes>
+</file>
+
+<file path=ppt/notesSlides/notesSlide11.xml><?xml version="1.0" encoding="utf-8"?>
+<p:notes xmlns:a="http://schemas.openxmlformats.org/drawingml/2006/main" xmlns:r="http://schemas.openxmlformats.org/officeDocument/2006/relationships" xmlns:p="http://schemas.openxmlformats.org/presentationml/2006/main">
+  <p:cSld>
+    <p:spTree>
+      <p:nvGrpSpPr>
+        <p:cNvPr id="1" name=""/>
+        <p:cNvGrpSpPr/>
+        <p:nvPr/>
+      </p:nvGrpSpPr>
+      <p:grpSpPr>
+        <a:xfrm>
+          <a:off x="0" y="0"/>
+          <a:ext cx="0" cy="0"/>
+          <a:chOff x="0" y="0"/>
+          <a:chExt cx="0" cy="0"/>
+        </a:xfrm>
+      </p:grpSpPr>
+      <p:sp>
+        <p:nvSpPr>
+          <p:cNvPr id="2" name="Slide Image Placeholder 1"/>
+          <p:cNvSpPr>
+            <a:spLocks noGrp="1" noRot="1" noChangeAspect="1"/>
+          </p:cNvSpPr>
+          <p:nvPr>
+            <p:ph type="sldImg"/>
+          </p:nvPr>
+        </p:nvSpPr>
+        <p:spPr/>
+      </p:sp>
+      <p:sp>
+        <p:nvSpPr>
+          <p:cNvPr id="3" name="Notes Placeholder 2"/>
+          <p:cNvSpPr>
+            <a:spLocks noGrp="1"/>
+          </p:cNvSpPr>
+          <p:nvPr>
+            <p:ph type="body" idx="1"/>
+          </p:nvPr>
+        </p:nvSpPr>
+        <p:spPr/>
+        <p:txBody>
+          <a:bodyPr/>
+          <a:lstStyle/>
+          <a:p>
+            <a:pPr marL="0" indent="0">
+              <a:buNone/>
+            </a:pPr>
+            <a:r>
+              <a:rPr lang="en-US" b="1" u="sng" dirty="0"/>
+              <a:t>Checking Slack once a day:</a:t>
+            </a:r>
+          </a:p>
+          <a:p>
+            <a:pPr marL="628650" lvl="1" indent="-171450">
+              <a:buFont typeface="Arial" panose="020B0604020202020204" pitchFamily="34" charset="0"/>
+              <a:buChar char="•"/>
+            </a:pPr>
+            <a:r>
+              <a:rPr lang="en-US" dirty="0"/>
+              <a:t>Requiring Team members to check Slack at least once per day to stay up to date with project discussions.</a:t>
+            </a:r>
+          </a:p>
+          <a:p>
+            <a:pPr marL="0" indent="0">
+              <a:buNone/>
+            </a:pPr>
+            <a:r>
+              <a:rPr lang="en-US" b="1" u="sng" dirty="0"/>
+              <a:t>Establish meeting dates: </a:t>
+            </a:r>
+            <a:r>
+              <a:rPr lang="en-US" dirty="0"/>
+              <a:t>Recurring in-person meetings on Sundays</a:t>
+            </a:r>
+          </a:p>
+          <a:p>
+            <a:pPr marL="628650" lvl="1" indent="-171450">
+              <a:buFont typeface="Arial" panose="020B0604020202020204" pitchFamily="34" charset="0"/>
+              <a:buChar char="•"/>
+            </a:pPr>
+            <a:r>
+              <a:rPr lang="en-US" dirty="0"/>
+              <a:t>Slack channel “</a:t>
+            </a:r>
+            <a:r>
+              <a:rPr lang="en-US" dirty="0" err="1"/>
+              <a:t>meeting_minutes</a:t>
+            </a:r>
+            <a:r>
+              <a:rPr lang="en-US" dirty="0"/>
+              <a:t>” contained an overview of the discussions from in-person meetings.</a:t>
+            </a:r>
+          </a:p>
+          <a:p>
+            <a:pPr marL="0" indent="0">
+              <a:buNone/>
+            </a:pPr>
+            <a:r>
+              <a:rPr lang="en-US" b="1" u="sng" dirty="0"/>
+              <a:t>General Availability Doc</a:t>
+            </a:r>
+            <a:r>
+              <a:rPr lang="en-US" dirty="0"/>
+              <a:t>:</a:t>
+            </a:r>
+          </a:p>
+          <a:p>
+            <a:pPr marL="628650" lvl="1" indent="-171450">
+              <a:buFont typeface="Arial" panose="020B0604020202020204" pitchFamily="34" charset="0"/>
+              <a:buChar char="•"/>
+            </a:pPr>
+            <a:r>
+              <a:rPr lang="en-US" dirty="0"/>
+              <a:t>Requiring team members to fill in their general availability during the week.</a:t>
+            </a:r>
+          </a:p>
+          <a:p>
+            <a:pPr marL="0" indent="0">
+              <a:buNone/>
+            </a:pPr>
+            <a:r>
+              <a:rPr lang="en-US" b="1" u="sng" dirty="0"/>
+              <a:t>Exceptions Calendar:</a:t>
+            </a:r>
+          </a:p>
+          <a:p>
+            <a:pPr marL="628650" lvl="1" indent="-171450">
+              <a:buFont typeface="Arial" panose="020B0604020202020204" pitchFamily="34" charset="0"/>
+              <a:buChar char="•"/>
+            </a:pPr>
+            <a:r>
+              <a:rPr lang="en-US" dirty="0"/>
+              <a:t>If team member had a change to their general availability and were not available on a specific say, they has to report it to this calendar.</a:t>
+            </a:r>
+          </a:p>
+          <a:p>
             <a:endParaRPr lang="en-US" dirty="0"/>
           </a:p>
+        </p:txBody>
+      </p:sp>
+      <p:sp>
+        <p:nvSpPr>
+          <p:cNvPr id="4" name="Slide Number Placeholder 3"/>
+          <p:cNvSpPr>
+            <a:spLocks noGrp="1"/>
+          </p:cNvSpPr>
+          <p:nvPr>
+            <p:ph type="sldNum" sz="quarter" idx="10"/>
+          </p:nvPr>
+        </p:nvSpPr>
+        <p:spPr/>
+        <p:txBody>
+          <a:bodyPr/>
+          <a:lstStyle/>
+          <a:p>
+            <a:fld id="{B621E0F3-BCE5-4552-9E75-AD4D9ACB2A2B}" type="slidenum">
+              <a:rPr lang="en-US" smtClean="0"/>
+              <a:t>17</a:t>
+            </a:fld>
+            <a:endParaRPr lang="en-US"/>
+          </a:p>
+        </p:txBody>
+      </p:sp>
+    </p:spTree>
+    <p:extLst>
+      <p:ext uri="{BB962C8B-B14F-4D97-AF65-F5344CB8AC3E}">
+        <p14:creationId xmlns:p14="http://schemas.microsoft.com/office/powerpoint/2010/main" val="3316633356"/>
+      </p:ext>
+    </p:extLst>
+  </p:cSld>
+  <p:clrMapOvr>
+    <a:masterClrMapping/>
+  </p:clrMapOvr>
+</p:notes>
+</file>
+
+<file path=ppt/notesSlides/notesSlide12.xml><?xml version="1.0" encoding="utf-8"?>
+<p:notes xmlns:a="http://schemas.openxmlformats.org/drawingml/2006/main" xmlns:r="http://schemas.openxmlformats.org/officeDocument/2006/relationships" xmlns:p="http://schemas.openxmlformats.org/presentationml/2006/main">
+  <p:cSld>
+    <p:spTree>
+      <p:nvGrpSpPr>
+        <p:cNvPr id="1" name=""/>
+        <p:cNvGrpSpPr/>
+        <p:nvPr/>
+      </p:nvGrpSpPr>
+      <p:grpSpPr>
+        <a:xfrm>
+          <a:off x="0" y="0"/>
+          <a:ext cx="0" cy="0"/>
+          <a:chOff x="0" y="0"/>
+          <a:chExt cx="0" cy="0"/>
+        </a:xfrm>
+      </p:grpSpPr>
+      <p:sp>
+        <p:nvSpPr>
+          <p:cNvPr id="2" name="Slide Image Placeholder 1"/>
+          <p:cNvSpPr>
+            <a:spLocks noGrp="1" noRot="1" noChangeAspect="1"/>
+          </p:cNvSpPr>
+          <p:nvPr>
+            <p:ph type="sldImg"/>
+          </p:nvPr>
+        </p:nvSpPr>
+        <p:spPr/>
+      </p:sp>
+      <p:sp>
+        <p:nvSpPr>
+          <p:cNvPr id="3" name="Notes Placeholder 2"/>
+          <p:cNvSpPr>
+            <a:spLocks noGrp="1"/>
+          </p:cNvSpPr>
+          <p:nvPr>
+            <p:ph type="body" idx="1"/>
+          </p:nvPr>
+        </p:nvSpPr>
+        <p:spPr/>
+        <p:txBody>
+          <a:bodyPr/>
+          <a:lstStyle/>
           <a:p>
             <a:pPr marL="0" marR="0" lvl="0" indent="0" algn="l" defTabSz="914400" rtl="0" eaLnBrk="1" fontAlgn="auto" latinLnBrk="0" hangingPunct="1">
               <a:lnSpc>
@@ -729,7 +1203,26 @@
               <a:tabLst/>
               <a:defRPr/>
             </a:pPr>
-            <a:endParaRPr lang="en-US" dirty="0"/>
+            <a:r>
+              <a:rPr lang="en-US" b="1" u="sng" dirty="0"/>
+              <a:t>Slack:</a:t>
+            </a:r>
+            <a:r>
+              <a:rPr lang="en-US" b="1" u="sng" baseline="0" dirty="0"/>
+              <a:t> </a:t>
+            </a:r>
+            <a:r>
+              <a:rPr lang="en-US" u="none" dirty="0"/>
+              <a:t>Notification</a:t>
+            </a:r>
+            <a:r>
+              <a:rPr lang="en-US" dirty="0"/>
+              <a:t> of a change to either non-source  code or source code files must be communicated to the other team members through Slack.  During</a:t>
+            </a:r>
+            <a:r>
+              <a:rPr lang="en-US" baseline="0" dirty="0"/>
+              <a:t> part one, pull requests where not necessary to commit a change into the repository. Any changed files were uploaded directly to the master in a specific “Documents” folder</a:t>
+            </a:r>
           </a:p>
           <a:p>
             <a:pPr marL="0" marR="0" lvl="0" indent="0" algn="l" defTabSz="914400" rtl="0" eaLnBrk="1" fontAlgn="auto" latinLnBrk="0" hangingPunct="1">
@@ -749,13 +1242,186 @@
               <a:tabLst/>
               <a:defRPr/>
             </a:pPr>
-            <a:r>
-              <a:rPr lang="en-US" dirty="0"/>
-              <a:t>If we run out of stock of an item frequently, have system order more than the default upon reorder, and if we never run out of stock by X units, have system order less than the default. This will be based on an item threshold that has been increased/decreased</a:t>
-            </a:r>
-          </a:p>
-          <a:p>
             <a:endParaRPr lang="en-US" dirty="0"/>
+          </a:p>
+          <a:p>
+            <a:endParaRPr lang="en-US" dirty="0"/>
+          </a:p>
+        </p:txBody>
+      </p:sp>
+      <p:sp>
+        <p:nvSpPr>
+          <p:cNvPr id="4" name="Slide Number Placeholder 3"/>
+          <p:cNvSpPr>
+            <a:spLocks noGrp="1"/>
+          </p:cNvSpPr>
+          <p:nvPr>
+            <p:ph type="sldNum" sz="quarter" idx="10"/>
+          </p:nvPr>
+        </p:nvSpPr>
+        <p:spPr/>
+        <p:txBody>
+          <a:bodyPr/>
+          <a:lstStyle/>
+          <a:p>
+            <a:fld id="{B621E0F3-BCE5-4552-9E75-AD4D9ACB2A2B}" type="slidenum">
+              <a:rPr lang="en-US" smtClean="0"/>
+              <a:t>18</a:t>
+            </a:fld>
+            <a:endParaRPr lang="en-US"/>
+          </a:p>
+        </p:txBody>
+      </p:sp>
+    </p:spTree>
+    <p:extLst>
+      <p:ext uri="{BB962C8B-B14F-4D97-AF65-F5344CB8AC3E}">
+        <p14:creationId xmlns:p14="http://schemas.microsoft.com/office/powerpoint/2010/main" val="2185845843"/>
+      </p:ext>
+    </p:extLst>
+  </p:cSld>
+  <p:clrMapOvr>
+    <a:masterClrMapping/>
+  </p:clrMapOvr>
+</p:notes>
+</file>
+
+<file path=ppt/notesSlides/notesSlide13.xml><?xml version="1.0" encoding="utf-8"?>
+<p:notes xmlns:a="http://schemas.openxmlformats.org/drawingml/2006/main" xmlns:r="http://schemas.openxmlformats.org/officeDocument/2006/relationships" xmlns:p="http://schemas.openxmlformats.org/presentationml/2006/main">
+  <p:cSld>
+    <p:spTree>
+      <p:nvGrpSpPr>
+        <p:cNvPr id="1" name=""/>
+        <p:cNvGrpSpPr/>
+        <p:nvPr/>
+      </p:nvGrpSpPr>
+      <p:grpSpPr>
+        <a:xfrm>
+          <a:off x="0" y="0"/>
+          <a:ext cx="0" cy="0"/>
+          <a:chOff x="0" y="0"/>
+          <a:chExt cx="0" cy="0"/>
+        </a:xfrm>
+      </p:grpSpPr>
+      <p:sp>
+        <p:nvSpPr>
+          <p:cNvPr id="2" name="Slide Image Placeholder 1"/>
+          <p:cNvSpPr>
+            <a:spLocks noGrp="1" noRot="1" noChangeAspect="1"/>
+          </p:cNvSpPr>
+          <p:nvPr>
+            <p:ph type="sldImg"/>
+          </p:nvPr>
+        </p:nvSpPr>
+        <p:spPr/>
+      </p:sp>
+      <p:sp>
+        <p:nvSpPr>
+          <p:cNvPr id="3" name="Notes Placeholder 2"/>
+          <p:cNvSpPr>
+            <a:spLocks noGrp="1"/>
+          </p:cNvSpPr>
+          <p:nvPr>
+            <p:ph type="body" idx="1"/>
+          </p:nvPr>
+        </p:nvSpPr>
+        <p:spPr/>
+        <p:txBody>
+          <a:bodyPr/>
+          <a:lstStyle/>
+          <a:p>
+            <a:r>
+              <a:rPr lang="en-US" b="1" u="sng" dirty="0"/>
+              <a:t>Early</a:t>
+            </a:r>
+            <a:r>
+              <a:rPr lang="en-US" b="1" u="sng" baseline="0" dirty="0"/>
+              <a:t> start:  </a:t>
+            </a:r>
+          </a:p>
+          <a:p>
+            <a:pPr marL="171450" indent="-171450">
+              <a:buFont typeface="Arial" panose="020B0604020202020204" pitchFamily="34" charset="0"/>
+              <a:buChar char="•"/>
+            </a:pPr>
+            <a:r>
+              <a:rPr lang="en-US" baseline="0" dirty="0"/>
+              <a:t>Before the we chose teams, </a:t>
+            </a:r>
+            <a:r>
+              <a:rPr lang="en-US" baseline="0" dirty="0" err="1"/>
+              <a:t>Durwin</a:t>
+            </a:r>
+            <a:r>
+              <a:rPr lang="en-US" baseline="0" dirty="0"/>
+              <a:t> and Erik had discussed tools. We also had a small meeting the same day teams were chosen and had meetings since then.</a:t>
+            </a:r>
+          </a:p>
+          <a:p>
+            <a:pPr marL="171450" indent="-171450">
+              <a:buFont typeface="Arial" panose="020B0604020202020204" pitchFamily="34" charset="0"/>
+              <a:buChar char="•"/>
+            </a:pPr>
+            <a:r>
+              <a:rPr lang="en-US" baseline="0" dirty="0"/>
+              <a:t>Through these meetings we were able to minimize the time spent deciding on a meeting location and  on the methods of communication before the SPMP was assigned.</a:t>
+            </a:r>
+          </a:p>
+          <a:p>
+            <a:endParaRPr lang="en-US" baseline="0" dirty="0"/>
+          </a:p>
+          <a:p>
+            <a:r>
+              <a:rPr lang="en-US" b="1" u="sng" baseline="0" dirty="0"/>
+              <a:t>Establishing in-person meetings: </a:t>
+            </a:r>
+          </a:p>
+          <a:p>
+            <a:pPr marL="171450" indent="-171450">
+              <a:buFont typeface="Arial" panose="020B0604020202020204" pitchFamily="34" charset="0"/>
+              <a:buChar char="•"/>
+            </a:pPr>
+            <a:r>
+              <a:rPr lang="en-US" baseline="0" dirty="0"/>
+              <a:t>Setting up required in-person meetings allowed us to discuss tools, skillsets and assign any tasks we knew we could expect on the SPMP</a:t>
+            </a:r>
+          </a:p>
+          <a:p>
+            <a:r>
+              <a:rPr lang="en-US" baseline="0" dirty="0"/>
+              <a:t>		     </a:t>
+            </a:r>
+            <a:endParaRPr lang="en-US" dirty="0"/>
+          </a:p>
+          <a:p>
+            <a:r>
+              <a:rPr lang="en-US" b="1" u="sng" dirty="0"/>
+              <a:t>Selection</a:t>
+            </a:r>
+            <a:r>
+              <a:rPr lang="en-US" b="1" u="sng" baseline="0" dirty="0"/>
+              <a:t> of time tracking tool: </a:t>
+            </a:r>
+          </a:p>
+          <a:p>
+            <a:pPr marL="171450" indent="-171450">
+              <a:buFont typeface="Arial" panose="020B0604020202020204" pitchFamily="34" charset="0"/>
+              <a:buChar char="•"/>
+            </a:pPr>
+            <a:r>
+              <a:rPr lang="en-US" b="0" u="none" baseline="0" dirty="0"/>
+              <a:t>H</a:t>
+            </a:r>
+            <a:r>
+              <a:rPr lang="en-US" dirty="0"/>
+              <a:t>elped</a:t>
+            </a:r>
+            <a:r>
+              <a:rPr lang="en-US" baseline="0" dirty="0"/>
+              <a:t> with determining the estimates. Using the reports generated in Toggl, we were able to see which tasks were taking up the most time and effort and individual times. We were able to assign tasks based on each persons individual time.</a:t>
+            </a:r>
+          </a:p>
+          <a:p>
+            <a:endParaRPr lang="en-US" baseline="0" dirty="0"/>
           </a:p>
           <a:p>
             <a:pPr marL="0" marR="0" lvl="0" indent="0" algn="l" defTabSz="914400" rtl="0" eaLnBrk="1" fontAlgn="auto" latinLnBrk="0" hangingPunct="1">
@@ -776,23 +1442,12 @@
               <a:defRPr/>
             </a:pPr>
             <a:r>
-              <a:rPr lang="en-US" dirty="0"/>
-              <a:t>Coupled items:</a:t>
-            </a:r>
-            <a:r>
-              <a:rPr lang="en-US" baseline="0" dirty="0"/>
-              <a:t> </a:t>
-            </a:r>
-            <a:r>
-              <a:rPr lang="en-US" dirty="0"/>
-              <a:t> If a customer purchases item X and item X and Y are coupled, a message asking if the customer would like to add item Y to their order is displayed so the cashier can ask</a:t>
-            </a:r>
-          </a:p>
-          <a:p>
-            <a:endParaRPr lang="en-US" dirty="0"/>
-          </a:p>
-          <a:p>
-            <a:pPr marL="0" marR="0" lvl="0" indent="0" algn="l" defTabSz="914400" rtl="0" eaLnBrk="1" fontAlgn="auto" latinLnBrk="0" hangingPunct="1">
+              <a:rPr lang="en-US" b="1" u="sng" baseline="0" dirty="0"/>
+              <a:t>Training tools: </a:t>
+            </a:r>
+          </a:p>
+          <a:p>
+            <a:pPr marL="171450" marR="0" lvl="0" indent="-171450" algn="l" defTabSz="914400" rtl="0" eaLnBrk="1" fontAlgn="auto" latinLnBrk="0" hangingPunct="1">
               <a:lnSpc>
                 <a:spcPct val="100000"/>
               </a:lnSpc>
@@ -804,18 +1459,99 @@
               </a:spcAft>
               <a:buClrTx/>
               <a:buSzTx/>
-              <a:buFontTx/>
-              <a:buNone/>
+              <a:buFont typeface="Arial" panose="020B0604020202020204" pitchFamily="34" charset="0"/>
+              <a:buChar char="•"/>
               <a:tabLst/>
               <a:defRPr/>
             </a:pPr>
             <a:r>
-              <a:rPr lang="en-US" dirty="0"/>
-              <a:t>Based off the refill date of the customer's last order, check all of their prescriptions and see if any are eligible for refill, and if so, display a message to indicate to the cashier to ask the customer if they want that prescription refilled</a:t>
-            </a:r>
-          </a:p>
-          <a:p>
-            <a:endParaRPr lang="en-US" dirty="0"/>
+              <a:rPr lang="en-US" baseline="0" dirty="0"/>
+              <a:t>Checking out the tools and tracking task time. Since only one team member had prior experience with a majority of the tools, it was necessary that the other team members became acquainted with the tools and understood the terminology that came with each one </a:t>
+            </a:r>
+            <a:r>
+              <a:rPr lang="en-US" baseline="0" dirty="0" err="1"/>
+              <a:t>i.e</a:t>
+            </a:r>
+            <a:r>
+              <a:rPr lang="en-US" baseline="0" dirty="0"/>
+              <a:t> committing to master on GitHub</a:t>
+            </a:r>
+          </a:p>
+          <a:p>
+            <a:endParaRPr lang="en-US" baseline="0" dirty="0"/>
+          </a:p>
+          <a:p>
+            <a:r>
+              <a:rPr lang="en-US" b="1" u="sng" baseline="0" dirty="0"/>
+              <a:t>Team communication: </a:t>
+            </a:r>
+          </a:p>
+          <a:p>
+            <a:pPr marL="171450" indent="-171450">
+              <a:buFont typeface="Arial" panose="020B0604020202020204" pitchFamily="34" charset="0"/>
+              <a:buChar char="•"/>
+            </a:pPr>
+            <a:r>
+              <a:rPr lang="en-US" baseline="0" dirty="0"/>
+              <a:t>All team members were required to sign off on meeting minutes and check slack at least once per day. Whenever a team member had questions or concerns regarding the SPMP, those questions or concerns were always heard and discussed or answered by either another team member, pm or Steiner </a:t>
+            </a:r>
+          </a:p>
+          <a:p>
+            <a:endParaRPr lang="en-US" baseline="0" dirty="0"/>
+          </a:p>
+          <a:p>
+            <a:r>
+              <a:rPr lang="en-US" b="1" u="sng" baseline="0" dirty="0"/>
+              <a:t>Risk Mitigation: </a:t>
+            </a:r>
+          </a:p>
+          <a:p>
+            <a:pPr marL="171450" indent="-171450">
+              <a:buFont typeface="Arial" panose="020B0604020202020204" pitchFamily="34" charset="0"/>
+              <a:buChar char="•"/>
+            </a:pPr>
+            <a:r>
+              <a:rPr lang="en-US" baseline="0" dirty="0"/>
+              <a:t>When our primary meeting location (the library ) was not open or closed early. Our risk mitigation plan was put into action and told us to met at our secondary meeting location, </a:t>
+            </a:r>
+            <a:r>
+              <a:rPr lang="en-US" baseline="0" dirty="0" err="1"/>
+              <a:t>biggby</a:t>
+            </a:r>
+            <a:r>
+              <a:rPr lang="en-US" baseline="0" dirty="0"/>
+              <a:t>. The </a:t>
+            </a:r>
+            <a:r>
+              <a:rPr lang="en-US" baseline="0" dirty="0" err="1"/>
+              <a:t>biggby</a:t>
+            </a:r>
+            <a:r>
+              <a:rPr lang="en-US" baseline="0" dirty="0"/>
+              <a:t> we chose was the midpoint from where all team members live so it was the obvious choice.</a:t>
+            </a:r>
+          </a:p>
+          <a:p>
+            <a:endParaRPr lang="en-US" baseline="0" dirty="0"/>
+          </a:p>
+          <a:p>
+            <a:r>
+              <a:rPr lang="en-US" b="1" u="sng" baseline="0" dirty="0"/>
+              <a:t>Tracking and control mechanisms:  </a:t>
+            </a:r>
+          </a:p>
+          <a:p>
+            <a:pPr marL="171450" indent="-171450">
+              <a:buFont typeface="Arial" panose="020B0604020202020204" pitchFamily="34" charset="0"/>
+              <a:buChar char="•"/>
+            </a:pPr>
+            <a:r>
+              <a:rPr lang="en-US" baseline="0" dirty="0"/>
+              <a:t>Reviewing all the documents and artifacts before it in order to validate its accuracy.</a:t>
+            </a:r>
+          </a:p>
+          <a:p>
+            <a:endParaRPr lang="en-US" baseline="0" dirty="0"/>
           </a:p>
         </p:txBody>
       </p:sp>
@@ -836,7 +1572,7 @@
           <a:p>
             <a:fld id="{B621E0F3-BCE5-4552-9E75-AD4D9ACB2A2B}" type="slidenum">
               <a:rPr lang="en-US" smtClean="0"/>
-              <a:t>16</a:t>
+              <a:t>19</a:t>
             </a:fld>
             <a:endParaRPr lang="en-US"/>
           </a:p>
@@ -845,7 +1581,91 @@
     </p:spTree>
     <p:extLst>
       <p:ext uri="{BB962C8B-B14F-4D97-AF65-F5344CB8AC3E}">
-        <p14:creationId xmlns:p14="http://schemas.microsoft.com/office/powerpoint/2010/main" val="2424241113"/>
+        <p14:creationId xmlns:p14="http://schemas.microsoft.com/office/powerpoint/2010/main" val="1228246"/>
+      </p:ext>
+    </p:extLst>
+  </p:cSld>
+  <p:clrMapOvr>
+    <a:masterClrMapping/>
+  </p:clrMapOvr>
+</p:notes>
+</file>
+
+<file path=ppt/notesSlides/notesSlide14.xml><?xml version="1.0" encoding="utf-8"?>
+<p:notes xmlns:a="http://schemas.openxmlformats.org/drawingml/2006/main" xmlns:r="http://schemas.openxmlformats.org/officeDocument/2006/relationships" xmlns:p="http://schemas.openxmlformats.org/presentationml/2006/main">
+  <p:cSld>
+    <p:spTree>
+      <p:nvGrpSpPr>
+        <p:cNvPr id="1" name=""/>
+        <p:cNvGrpSpPr/>
+        <p:nvPr/>
+      </p:nvGrpSpPr>
+      <p:grpSpPr>
+        <a:xfrm>
+          <a:off x="0" y="0"/>
+          <a:ext cx="0" cy="0"/>
+          <a:chOff x="0" y="0"/>
+          <a:chExt cx="0" cy="0"/>
+        </a:xfrm>
+      </p:grpSpPr>
+      <p:sp>
+        <p:nvSpPr>
+          <p:cNvPr id="2" name="Slide Image Placeholder 1"/>
+          <p:cNvSpPr>
+            <a:spLocks noGrp="1" noRot="1" noChangeAspect="1"/>
+          </p:cNvSpPr>
+          <p:nvPr>
+            <p:ph type="sldImg"/>
+          </p:nvPr>
+        </p:nvSpPr>
+        <p:spPr/>
+      </p:sp>
+      <p:sp>
+        <p:nvSpPr>
+          <p:cNvPr id="3" name="Notes Placeholder 2"/>
+          <p:cNvSpPr>
+            <a:spLocks noGrp="1"/>
+          </p:cNvSpPr>
+          <p:nvPr>
+            <p:ph type="body" idx="1"/>
+          </p:nvPr>
+        </p:nvSpPr>
+        <p:spPr/>
+        <p:txBody>
+          <a:bodyPr/>
+          <a:lstStyle/>
+          <a:p>
+            <a:endParaRPr lang="en-US" dirty="0"/>
+          </a:p>
+        </p:txBody>
+      </p:sp>
+      <p:sp>
+        <p:nvSpPr>
+          <p:cNvPr id="4" name="Slide Number Placeholder 3"/>
+          <p:cNvSpPr>
+            <a:spLocks noGrp="1"/>
+          </p:cNvSpPr>
+          <p:nvPr>
+            <p:ph type="sldNum" sz="quarter" idx="10"/>
+          </p:nvPr>
+        </p:nvSpPr>
+        <p:spPr/>
+        <p:txBody>
+          <a:bodyPr/>
+          <a:lstStyle/>
+          <a:p>
+            <a:fld id="{B621E0F3-BCE5-4552-9E75-AD4D9ACB2A2B}" type="slidenum">
+              <a:rPr lang="en-US" smtClean="0"/>
+              <a:t>20</a:t>
+            </a:fld>
+            <a:endParaRPr lang="en-US"/>
+          </a:p>
+        </p:txBody>
+      </p:sp>
+    </p:spTree>
+    <p:extLst>
+      <p:ext uri="{BB962C8B-B14F-4D97-AF65-F5344CB8AC3E}">
+        <p14:creationId xmlns:p14="http://schemas.microsoft.com/office/powerpoint/2010/main" val="3678601128"/>
       </p:ext>
     </p:extLst>
   </p:cSld>
@@ -916,7 +1736,7 @@
           <a:p>
             <a:pPr rtl="0" eaLnBrk="1" fontAlgn="t" latinLnBrk="0" hangingPunct="1"/>
             <a:r>
-              <a:rPr lang="en-US" sz="1200" b="0" i="0" u="none" strike="noStrike" kern="1200" dirty="0">
+              <a:rPr lang="en-US" sz="1200" b="1" i="0" u="sng" strike="noStrike" kern="1200" dirty="0">
                 <a:solidFill>
                   <a:schemeClr val="tx1"/>
                 </a:solidFill>
@@ -929,7 +1749,10 @@
             </a:r>
           </a:p>
           <a:p>
-            <a:pPr rtl="0" eaLnBrk="1" fontAlgn="t" latinLnBrk="0" hangingPunct="1"/>
+            <a:pPr marL="171450" indent="-171450" rtl="0" eaLnBrk="1" fontAlgn="t" latinLnBrk="0" hangingPunct="1">
+              <a:buFont typeface="Arial" panose="020B0604020202020204" pitchFamily="34" charset="0"/>
+              <a:buChar char="•"/>
+            </a:pPr>
             <a:r>
               <a:rPr lang="en-US" sz="1200" b="0" i="0" u="none" strike="noStrike" kern="1200" baseline="0" dirty="0">
                 <a:solidFill>
@@ -953,7 +1776,10 @@
             </a:endParaRPr>
           </a:p>
           <a:p>
-            <a:pPr rtl="0" eaLnBrk="1" fontAlgn="t" latinLnBrk="0" hangingPunct="1"/>
+            <a:pPr marL="171450" indent="-171450" rtl="0" eaLnBrk="1" fontAlgn="t" latinLnBrk="0" hangingPunct="1">
+              <a:buFont typeface="Arial" panose="020B0604020202020204" pitchFamily="34" charset="0"/>
+              <a:buChar char="•"/>
+            </a:pPr>
             <a:r>
               <a:rPr lang="en-US" sz="1200" b="0" i="0" u="none" strike="noStrike" kern="1200" baseline="0" dirty="0">
                 <a:solidFill>
@@ -977,7 +1803,10 @@
             </a:endParaRPr>
           </a:p>
           <a:p>
-            <a:pPr rtl="0" eaLnBrk="1" fontAlgn="t" latinLnBrk="0" hangingPunct="1"/>
+            <a:pPr marL="171450" indent="-171450" rtl="0" eaLnBrk="1" fontAlgn="t" latinLnBrk="0" hangingPunct="1">
+              <a:buFont typeface="Arial" panose="020B0604020202020204" pitchFamily="34" charset="0"/>
+              <a:buChar char="•"/>
+            </a:pPr>
             <a:r>
               <a:rPr lang="en-US" sz="1200" b="0" i="0" u="none" strike="noStrike" kern="1200" baseline="0" dirty="0">
                 <a:solidFill>
@@ -1001,7 +1830,10 @@
             </a:endParaRPr>
           </a:p>
           <a:p>
-            <a:pPr rtl="0" eaLnBrk="1" fontAlgn="t" latinLnBrk="0" hangingPunct="1"/>
+            <a:pPr marL="171450" indent="-171450" rtl="0" eaLnBrk="1" fontAlgn="t" latinLnBrk="0" hangingPunct="1">
+              <a:buFont typeface="Arial" panose="020B0604020202020204" pitchFamily="34" charset="0"/>
+              <a:buChar char="•"/>
+            </a:pPr>
             <a:r>
               <a:rPr lang="en-US" sz="1200" b="0" i="0" u="none" strike="noStrike" kern="1200" baseline="0" dirty="0">
                 <a:solidFill>
@@ -1025,7 +1857,10 @@
             </a:endParaRPr>
           </a:p>
           <a:p>
-            <a:pPr rtl="0" eaLnBrk="1" fontAlgn="t" latinLnBrk="0" hangingPunct="1"/>
+            <a:pPr marL="171450" indent="-171450" rtl="0" eaLnBrk="1" fontAlgn="t" latinLnBrk="0" hangingPunct="1">
+              <a:buFont typeface="Arial" panose="020B0604020202020204" pitchFamily="34" charset="0"/>
+              <a:buChar char="•"/>
+            </a:pPr>
             <a:r>
               <a:rPr lang="en-US" sz="1200" b="0" i="0" u="none" strike="noStrike" kern="1200" baseline="0" dirty="0">
                 <a:solidFill>
@@ -1049,7 +1884,10 @@
             </a:endParaRPr>
           </a:p>
           <a:p>
-            <a:pPr rtl="0" eaLnBrk="1" fontAlgn="t" latinLnBrk="0" hangingPunct="1"/>
+            <a:pPr marL="171450" indent="-171450" rtl="0" eaLnBrk="1" fontAlgn="t" latinLnBrk="0" hangingPunct="1">
+              <a:buFont typeface="Arial" panose="020B0604020202020204" pitchFamily="34" charset="0"/>
+              <a:buChar char="•"/>
+            </a:pPr>
             <a:r>
               <a:rPr lang="en-US" sz="1200" b="0" i="0" u="none" strike="noStrike" kern="1200" baseline="0" dirty="0">
                 <a:solidFill>
@@ -1073,7 +1911,10 @@
             </a:endParaRPr>
           </a:p>
           <a:p>
-            <a:pPr rtl="0" eaLnBrk="1" fontAlgn="t" latinLnBrk="0" hangingPunct="1"/>
+            <a:pPr marL="171450" indent="-171450" rtl="0" eaLnBrk="1" fontAlgn="t" latinLnBrk="0" hangingPunct="1">
+              <a:buFont typeface="Arial" panose="020B0604020202020204" pitchFamily="34" charset="0"/>
+              <a:buChar char="•"/>
+            </a:pPr>
             <a:r>
               <a:rPr lang="en-US" sz="1200" b="0" i="0" u="none" strike="noStrike" kern="1200" baseline="0" dirty="0">
                 <a:solidFill>
@@ -1097,7 +1938,10 @@
             </a:endParaRPr>
           </a:p>
           <a:p>
-            <a:pPr rtl="0" eaLnBrk="1" fontAlgn="t" latinLnBrk="0" hangingPunct="1"/>
+            <a:pPr marL="171450" indent="-171450" rtl="0" eaLnBrk="1" fontAlgn="t" latinLnBrk="0" hangingPunct="1">
+              <a:buFont typeface="Arial" panose="020B0604020202020204" pitchFamily="34" charset="0"/>
+              <a:buChar char="•"/>
+            </a:pPr>
             <a:r>
               <a:rPr lang="en-US" sz="1200" b="0" i="0" u="none" strike="noStrike" kern="1200" baseline="0" dirty="0">
                 <a:solidFill>
@@ -1126,7 +1970,7 @@
           <a:p>
             <a:pPr rtl="0" eaLnBrk="1" fontAlgn="t" latinLnBrk="0" hangingPunct="1"/>
             <a:r>
-              <a:rPr lang="en-US" sz="1200" b="0" i="0" u="none" strike="noStrike" kern="1200" dirty="0" err="1">
+              <a:rPr lang="en-US" sz="1200" b="1" i="0" u="sng" strike="noStrike" kern="1200" dirty="0" err="1">
                 <a:solidFill>
                   <a:schemeClr val="tx1"/>
                 </a:solidFill>
@@ -1138,7 +1982,7 @@
               <a:t>Durwin</a:t>
             </a:r>
             <a:r>
-              <a:rPr lang="en-US" sz="1200" b="0" i="0" u="none" strike="noStrike" kern="1200" dirty="0">
+              <a:rPr lang="en-US" sz="1200" b="1" i="0" u="sng" strike="noStrike" kern="1200" dirty="0">
                 <a:solidFill>
                   <a:schemeClr val="tx1"/>
                 </a:solidFill>
@@ -1151,7 +1995,10 @@
             </a:r>
           </a:p>
           <a:p>
-            <a:pPr rtl="0" eaLnBrk="1" fontAlgn="t" latinLnBrk="0" hangingPunct="1"/>
+            <a:pPr marL="171450" indent="-171450" rtl="0" eaLnBrk="1" fontAlgn="t" latinLnBrk="0" hangingPunct="1">
+              <a:buFont typeface="Arial" panose="020B0604020202020204" pitchFamily="34" charset="0"/>
+              <a:buChar char="•"/>
+            </a:pPr>
             <a:r>
               <a:rPr lang="en-US" sz="1200" b="0" i="0" u="none" strike="noStrike" kern="1200" dirty="0">
                 <a:solidFill>
@@ -1166,7 +2013,10 @@
             </a:r>
           </a:p>
           <a:p>
-            <a:pPr rtl="0" eaLnBrk="1" fontAlgn="t" latinLnBrk="0" hangingPunct="1"/>
+            <a:pPr marL="171450" indent="-171450" rtl="0" eaLnBrk="1" fontAlgn="t" latinLnBrk="0" hangingPunct="1">
+              <a:buFont typeface="Arial" panose="020B0604020202020204" pitchFamily="34" charset="0"/>
+              <a:buChar char="•"/>
+            </a:pPr>
             <a:r>
               <a:rPr lang="en-US" sz="1200" b="0" i="0" u="none" strike="noStrike" kern="1200" dirty="0">
                 <a:solidFill>
@@ -1205,7 +2055,10 @@
             </a:r>
           </a:p>
           <a:p>
-            <a:pPr rtl="0" eaLnBrk="1" fontAlgn="t" latinLnBrk="0" hangingPunct="1"/>
+            <a:pPr marL="171450" indent="-171450" rtl="0" eaLnBrk="1" fontAlgn="t" latinLnBrk="0" hangingPunct="1">
+              <a:buFont typeface="Arial" panose="020B0604020202020204" pitchFamily="34" charset="0"/>
+              <a:buChar char="•"/>
+            </a:pPr>
             <a:r>
               <a:rPr lang="en-US" sz="1200" b="0" i="0" u="none" strike="noStrike" kern="1200" dirty="0">
                 <a:solidFill>
@@ -1220,7 +2073,10 @@
             </a:r>
           </a:p>
           <a:p>
-            <a:pPr rtl="0" eaLnBrk="1" fontAlgn="t" latinLnBrk="0" hangingPunct="1"/>
+            <a:pPr marL="171450" indent="-171450" rtl="0" eaLnBrk="1" fontAlgn="t" latinLnBrk="0" hangingPunct="1">
+              <a:buFont typeface="Arial" panose="020B0604020202020204" pitchFamily="34" charset="0"/>
+              <a:buChar char="•"/>
+            </a:pPr>
             <a:r>
               <a:rPr lang="en-US" sz="1200" b="0" i="0" u="none" strike="noStrike" kern="1200" dirty="0">
                 <a:solidFill>
@@ -1235,7 +2091,10 @@
             </a:r>
           </a:p>
           <a:p>
-            <a:pPr rtl="0" eaLnBrk="1" fontAlgn="t" latinLnBrk="0" hangingPunct="1"/>
+            <a:pPr marL="171450" indent="-171450" rtl="0" eaLnBrk="1" fontAlgn="t" latinLnBrk="0" hangingPunct="1">
+              <a:buFont typeface="Arial" panose="020B0604020202020204" pitchFamily="34" charset="0"/>
+              <a:buChar char="•"/>
+            </a:pPr>
             <a:r>
               <a:rPr lang="en-US" sz="1200" b="0" i="0" u="none" strike="noStrike" kern="1200" dirty="0">
                 <a:solidFill>
@@ -1250,7 +2109,10 @@
             </a:r>
           </a:p>
           <a:p>
-            <a:pPr rtl="0" eaLnBrk="1" fontAlgn="t" latinLnBrk="0" hangingPunct="1"/>
+            <a:pPr marL="171450" indent="-171450" rtl="0" eaLnBrk="1" fontAlgn="t" latinLnBrk="0" hangingPunct="1">
+              <a:buFont typeface="Arial" panose="020B0604020202020204" pitchFamily="34" charset="0"/>
+              <a:buChar char="•"/>
+            </a:pPr>
             <a:r>
               <a:rPr lang="en-US" sz="1200" b="0" i="0" u="none" strike="noStrike" kern="1200" dirty="0">
                 <a:solidFill>
@@ -1265,6 +2127,126 @@
             </a:r>
           </a:p>
           <a:p>
+            <a:pPr marL="171450" indent="-171450" rtl="0" eaLnBrk="1" fontAlgn="t" latinLnBrk="0" hangingPunct="1">
+              <a:buFont typeface="Arial" panose="020B0604020202020204" pitchFamily="34" charset="0"/>
+              <a:buChar char="•"/>
+            </a:pPr>
+            <a:endParaRPr lang="en-US" sz="1200" b="0" i="0" u="none" strike="noStrike" kern="1200" dirty="0">
+              <a:solidFill>
+                <a:schemeClr val="tx1"/>
+              </a:solidFill>
+              <a:effectLst/>
+              <a:latin typeface="+mn-lt"/>
+              <a:ea typeface="+mn-ea"/>
+              <a:cs typeface="+mn-cs"/>
+            </a:endParaRPr>
+          </a:p>
+          <a:p>
+            <a:pPr rtl="0" eaLnBrk="1" fontAlgn="t" latinLnBrk="0" hangingPunct="1"/>
+            <a:r>
+              <a:rPr lang="en-US" sz="1200" b="1" i="0" u="sng" strike="noStrike" kern="1200" dirty="0">
+                <a:solidFill>
+                  <a:schemeClr val="tx1"/>
+                </a:solidFill>
+                <a:effectLst/>
+                <a:latin typeface="+mn-lt"/>
+                <a:ea typeface="+mn-ea"/>
+                <a:cs typeface="+mn-cs"/>
+              </a:rPr>
+              <a:t>Alex</a:t>
+            </a:r>
+          </a:p>
+          <a:p>
+            <a:pPr marL="171450" indent="-171450" rtl="0" eaLnBrk="1" fontAlgn="t" latinLnBrk="0" hangingPunct="1">
+              <a:buFont typeface="Arial" panose="020B0604020202020204" pitchFamily="34" charset="0"/>
+              <a:buChar char="•"/>
+            </a:pPr>
+            <a:r>
+              <a:rPr lang="en-US" sz="1200" b="0" i="0" u="none" strike="noStrike" kern="1200" dirty="0">
+                <a:solidFill>
+                  <a:schemeClr val="tx1"/>
+                </a:solidFill>
+                <a:effectLst/>
+                <a:latin typeface="+mn-lt"/>
+                <a:ea typeface="+mn-ea"/>
+                <a:cs typeface="+mn-cs"/>
+              </a:rPr>
+              <a:t>1.2 Project Scope (all)</a:t>
+            </a:r>
+          </a:p>
+          <a:p>
+            <a:pPr marL="171450" indent="-171450" rtl="0" eaLnBrk="1" fontAlgn="t" latinLnBrk="0" hangingPunct="1">
+              <a:buFont typeface="Arial" panose="020B0604020202020204" pitchFamily="34" charset="0"/>
+              <a:buChar char="•"/>
+            </a:pPr>
+            <a:r>
+              <a:rPr lang="en-US" sz="1200" b="0" i="0" u="none" strike="noStrike" kern="1200" dirty="0">
+                <a:solidFill>
+                  <a:schemeClr val="tx1"/>
+                </a:solidFill>
+                <a:effectLst/>
+                <a:latin typeface="+mn-lt"/>
+                <a:ea typeface="+mn-ea"/>
+                <a:cs typeface="+mn-cs"/>
+              </a:rPr>
+              <a:t>1.5 Management and Technical Constraints (all)</a:t>
+            </a:r>
+          </a:p>
+          <a:p>
+            <a:pPr marL="171450" indent="-171450" rtl="0" eaLnBrk="1" fontAlgn="t" latinLnBrk="0" hangingPunct="1">
+              <a:buFont typeface="Arial" panose="020B0604020202020204" pitchFamily="34" charset="0"/>
+              <a:buChar char="•"/>
+            </a:pPr>
+            <a:r>
+              <a:rPr lang="en-US" sz="1200" b="0" i="0" u="none" strike="noStrike" kern="1200" dirty="0">
+                <a:solidFill>
+                  <a:schemeClr val="tx1"/>
+                </a:solidFill>
+                <a:effectLst/>
+                <a:latin typeface="+mn-lt"/>
+                <a:ea typeface="+mn-ea"/>
+                <a:cs typeface="+mn-cs"/>
+              </a:rPr>
+              <a:t>3.0 Risk Management (all)</a:t>
+            </a:r>
+          </a:p>
+          <a:p>
+            <a:pPr marL="171450" indent="-171450" rtl="0" eaLnBrk="1" fontAlgn="t" latinLnBrk="0" hangingPunct="1">
+              <a:buFont typeface="Arial" panose="020B0604020202020204" pitchFamily="34" charset="0"/>
+              <a:buChar char="•"/>
+            </a:pPr>
+            <a:r>
+              <a:rPr lang="en-US" sz="1200" b="0" i="0" u="none" strike="noStrike" kern="1200" dirty="0">
+                <a:solidFill>
+                  <a:schemeClr val="tx1"/>
+                </a:solidFill>
+                <a:effectLst/>
+                <a:latin typeface="+mn-lt"/>
+                <a:ea typeface="+mn-ea"/>
+                <a:cs typeface="+mn-cs"/>
+              </a:rPr>
+              <a:t>2.3 Estimation Techniques Applied Results (all)</a:t>
+            </a:r>
+          </a:p>
+          <a:p>
+            <a:pPr marL="171450" indent="-171450" rtl="0" eaLnBrk="1" fontAlgn="t" latinLnBrk="0" hangingPunct="1">
+              <a:buFont typeface="Arial" panose="020B0604020202020204" pitchFamily="34" charset="0"/>
+              <a:buChar char="•"/>
+            </a:pPr>
+            <a:r>
+              <a:rPr lang="en-US" sz="1200" b="0" i="0" u="none" strike="noStrike" kern="1200" dirty="0">
+                <a:solidFill>
+                  <a:schemeClr val="tx1"/>
+                </a:solidFill>
+                <a:effectLst/>
+                <a:latin typeface="+mn-lt"/>
+                <a:ea typeface="+mn-ea"/>
+                <a:cs typeface="+mn-cs"/>
+              </a:rPr>
+              <a:t>2.4 Reconciled Estimate </a:t>
+            </a:r>
+          </a:p>
+          <a:p>
             <a:pPr rtl="0" eaLnBrk="1" fontAlgn="t" latinLnBrk="0" hangingPunct="1"/>
             <a:endParaRPr lang="en-US" sz="1200" b="0" i="0" u="none" strike="noStrike" kern="1200" dirty="0">
               <a:solidFill>
@@ -1279,109 +2261,7 @@
           <a:p>
             <a:pPr rtl="0" eaLnBrk="1" fontAlgn="t" latinLnBrk="0" hangingPunct="1"/>
             <a:r>
-              <a:rPr lang="en-US" sz="1200" b="0" i="0" u="none" strike="noStrike" kern="1200" dirty="0">
-                <a:solidFill>
-                  <a:schemeClr val="tx1"/>
-                </a:solidFill>
-                <a:effectLst/>
-                <a:latin typeface="+mn-lt"/>
-                <a:ea typeface="+mn-ea"/>
-                <a:cs typeface="+mn-cs"/>
-              </a:rPr>
-              <a:t>Alex</a:t>
-            </a:r>
-          </a:p>
-          <a:p>
-            <a:pPr rtl="0" eaLnBrk="1" fontAlgn="t" latinLnBrk="0" hangingPunct="1"/>
-            <a:r>
-              <a:rPr lang="en-US" sz="1200" b="0" i="0" u="none" strike="noStrike" kern="1200" dirty="0">
-                <a:solidFill>
-                  <a:schemeClr val="tx1"/>
-                </a:solidFill>
-                <a:effectLst/>
-                <a:latin typeface="+mn-lt"/>
-                <a:ea typeface="+mn-ea"/>
-                <a:cs typeface="+mn-cs"/>
-              </a:rPr>
-              <a:t>1.2 Project Scope (all)</a:t>
-            </a:r>
-          </a:p>
-          <a:p>
-            <a:pPr rtl="0" eaLnBrk="1" fontAlgn="t" latinLnBrk="0" hangingPunct="1"/>
-            <a:r>
-              <a:rPr lang="en-US" sz="1200" b="0" i="0" u="none" strike="noStrike" kern="1200" dirty="0">
-                <a:solidFill>
-                  <a:schemeClr val="tx1"/>
-                </a:solidFill>
-                <a:effectLst/>
-                <a:latin typeface="+mn-lt"/>
-                <a:ea typeface="+mn-ea"/>
-                <a:cs typeface="+mn-cs"/>
-              </a:rPr>
-              <a:t>1.5 Management and Technical Constraints (all)</a:t>
-            </a:r>
-          </a:p>
-          <a:p>
-            <a:pPr rtl="0" eaLnBrk="1" fontAlgn="t" latinLnBrk="0" hangingPunct="1"/>
-            <a:r>
-              <a:rPr lang="en-US" sz="1200" b="0" i="0" u="none" strike="noStrike" kern="1200" dirty="0">
-                <a:solidFill>
-                  <a:schemeClr val="tx1"/>
-                </a:solidFill>
-                <a:effectLst/>
-                <a:latin typeface="+mn-lt"/>
-                <a:ea typeface="+mn-ea"/>
-                <a:cs typeface="+mn-cs"/>
-              </a:rPr>
-              <a:t>3.0 Risk Management (all)</a:t>
-            </a:r>
-          </a:p>
-          <a:p>
-            <a:pPr rtl="0" eaLnBrk="1" fontAlgn="t" latinLnBrk="0" hangingPunct="1"/>
-            <a:r>
-              <a:rPr lang="en-US" sz="1200" b="0" i="0" u="none" strike="noStrike" kern="1200" dirty="0">
-                <a:solidFill>
-                  <a:schemeClr val="tx1"/>
-                </a:solidFill>
-                <a:effectLst/>
-                <a:latin typeface="+mn-lt"/>
-                <a:ea typeface="+mn-ea"/>
-                <a:cs typeface="+mn-cs"/>
-              </a:rPr>
-              <a:t>2.3 Estimation Techniques Applied Results (all)</a:t>
-            </a:r>
-          </a:p>
-          <a:p>
-            <a:pPr rtl="0" eaLnBrk="1" fontAlgn="t" latinLnBrk="0" hangingPunct="1"/>
-            <a:r>
-              <a:rPr lang="en-US" sz="1200" b="0" i="0" u="none" strike="noStrike" kern="1200" dirty="0">
-                <a:solidFill>
-                  <a:schemeClr val="tx1"/>
-                </a:solidFill>
-                <a:effectLst/>
-                <a:latin typeface="+mn-lt"/>
-                <a:ea typeface="+mn-ea"/>
-                <a:cs typeface="+mn-cs"/>
-              </a:rPr>
-              <a:t>2.4 Reconciled Estimate </a:t>
-            </a:r>
-          </a:p>
-          <a:p>
-            <a:pPr rtl="0" eaLnBrk="1" fontAlgn="t" latinLnBrk="0" hangingPunct="1"/>
-            <a:endParaRPr lang="en-US" sz="1200" b="0" i="0" u="none" strike="noStrike" kern="1200" dirty="0">
-              <a:solidFill>
-                <a:schemeClr val="tx1"/>
-              </a:solidFill>
-              <a:effectLst/>
-              <a:latin typeface="+mn-lt"/>
-              <a:ea typeface="+mn-ea"/>
-              <a:cs typeface="+mn-cs"/>
-            </a:endParaRPr>
-          </a:p>
-          <a:p>
-            <a:pPr rtl="0" eaLnBrk="1" fontAlgn="t" latinLnBrk="0" hangingPunct="1"/>
-            <a:r>
-              <a:rPr lang="en-US" sz="1200" b="0" i="0" u="none" strike="noStrike" kern="1200" dirty="0">
+              <a:rPr lang="en-US" sz="1200" b="1" i="0" u="sng" strike="noStrike" kern="1200" dirty="0">
                 <a:solidFill>
                   <a:schemeClr val="tx1"/>
                 </a:solidFill>
@@ -1394,7 +2274,10 @@
             </a:r>
           </a:p>
           <a:p>
-            <a:pPr rtl="0" eaLnBrk="1" fontAlgn="t" latinLnBrk="0" hangingPunct="1"/>
+            <a:pPr marL="171450" indent="-171450" rtl="0" eaLnBrk="1" fontAlgn="t" latinLnBrk="0" hangingPunct="1">
+              <a:buFont typeface="Arial" panose="020B0604020202020204" pitchFamily="34" charset="0"/>
+              <a:buChar char="•"/>
+            </a:pPr>
             <a:r>
               <a:rPr lang="en-US" sz="1200" b="0" i="0" u="none" strike="noStrike" kern="1200" dirty="0">
                 <a:solidFill>
@@ -1430,7 +2313,10 @@
             </a:endParaRPr>
           </a:p>
           <a:p>
-            <a:pPr rtl="0" eaLnBrk="1" fontAlgn="t" latinLnBrk="0" hangingPunct="1"/>
+            <a:pPr marL="171450" indent="-171450" rtl="0" eaLnBrk="1" fontAlgn="t" latinLnBrk="0" hangingPunct="1">
+              <a:buFont typeface="Arial" panose="020B0604020202020204" pitchFamily="34" charset="0"/>
+              <a:buChar char="•"/>
+            </a:pPr>
             <a:r>
               <a:rPr lang="en-US" sz="1200" b="0" i="0" u="none" strike="noStrike" kern="1200" baseline="0" dirty="0">
                 <a:solidFill>
@@ -1454,7 +2340,10 @@
             </a:endParaRPr>
           </a:p>
           <a:p>
-            <a:pPr rtl="0" eaLnBrk="1" fontAlgn="t" latinLnBrk="0" hangingPunct="1"/>
+            <a:pPr marL="171450" indent="-171450" rtl="0" eaLnBrk="1" fontAlgn="t" latinLnBrk="0" hangingPunct="1">
+              <a:buFont typeface="Arial" panose="020B0604020202020204" pitchFamily="34" charset="0"/>
+              <a:buChar char="•"/>
+            </a:pPr>
             <a:r>
               <a:rPr lang="en-US" sz="1200" b="0" i="0" u="none" strike="noStrike" kern="1200" baseline="0" dirty="0">
                 <a:solidFill>
@@ -1478,7 +2367,10 @@
             </a:endParaRPr>
           </a:p>
           <a:p>
-            <a:pPr rtl="0" eaLnBrk="1" fontAlgn="t" latinLnBrk="0" hangingPunct="1"/>
+            <a:pPr marL="171450" indent="-171450" rtl="0" eaLnBrk="1" fontAlgn="t" latinLnBrk="0" hangingPunct="1">
+              <a:buFont typeface="Arial" panose="020B0604020202020204" pitchFamily="34" charset="0"/>
+              <a:buChar char="•"/>
+            </a:pPr>
             <a:r>
               <a:rPr lang="en-US" sz="1200" b="0" i="0" u="none" strike="noStrike" kern="1200" dirty="0">
                 <a:solidFill>
@@ -1493,7 +2385,10 @@
             </a:r>
           </a:p>
           <a:p>
-            <a:pPr rtl="0" eaLnBrk="1" fontAlgn="t" latinLnBrk="0" hangingPunct="1"/>
+            <a:pPr marL="171450" indent="-171450" rtl="0" eaLnBrk="1" fontAlgn="t" latinLnBrk="0" hangingPunct="1">
+              <a:buFont typeface="Arial" panose="020B0604020202020204" pitchFamily="34" charset="0"/>
+              <a:buChar char="•"/>
+            </a:pPr>
             <a:r>
               <a:rPr lang="en-US" sz="1200" b="0" i="0" u="none" strike="noStrike" kern="1200" dirty="0">
                 <a:solidFill>
@@ -1508,7 +2403,10 @@
             </a:r>
           </a:p>
           <a:p>
-            <a:pPr rtl="0" eaLnBrk="1" fontAlgn="t" latinLnBrk="0" hangingPunct="1"/>
+            <a:pPr marL="171450" indent="-171450" rtl="0" eaLnBrk="1" fontAlgn="t" latinLnBrk="0" hangingPunct="1">
+              <a:buFont typeface="Arial" panose="020B0604020202020204" pitchFamily="34" charset="0"/>
+              <a:buChar char="•"/>
+            </a:pPr>
             <a:r>
               <a:rPr lang="en-US" sz="1200" b="0" i="0" u="none" strike="noStrike" kern="1200" dirty="0">
                 <a:solidFill>
@@ -1523,7 +2421,10 @@
             </a:r>
           </a:p>
           <a:p>
-            <a:pPr rtl="0" eaLnBrk="1" fontAlgn="t" latinLnBrk="0" hangingPunct="1"/>
+            <a:pPr marL="171450" indent="-171450" rtl="0" eaLnBrk="1" fontAlgn="t" latinLnBrk="0" hangingPunct="1">
+              <a:buFont typeface="Arial" panose="020B0604020202020204" pitchFamily="34" charset="0"/>
+              <a:buChar char="•"/>
+            </a:pPr>
             <a:r>
               <a:rPr lang="en-US" sz="1200" b="0" i="0" u="none" strike="noStrike" kern="1200" dirty="0">
                 <a:solidFill>
@@ -1538,7 +2439,10 @@
             </a:r>
           </a:p>
           <a:p>
-            <a:pPr rtl="0" eaLnBrk="1" fontAlgn="t" latinLnBrk="0" hangingPunct="1"/>
+            <a:pPr marL="171450" indent="-171450" rtl="0" eaLnBrk="1" fontAlgn="t" latinLnBrk="0" hangingPunct="1">
+              <a:buFont typeface="Arial" panose="020B0604020202020204" pitchFamily="34" charset="0"/>
+              <a:buChar char="•"/>
+            </a:pPr>
             <a:r>
               <a:rPr lang="en-US" sz="1200" b="0" i="0" u="none" strike="noStrike" kern="1200" dirty="0">
                 <a:solidFill>
@@ -1553,7 +2457,10 @@
             </a:r>
           </a:p>
           <a:p>
-            <a:pPr rtl="0" eaLnBrk="1" fontAlgn="t" latinLnBrk="0" hangingPunct="1"/>
+            <a:pPr marL="171450" indent="-171450" rtl="0" eaLnBrk="1" fontAlgn="t" latinLnBrk="0" hangingPunct="1">
+              <a:buFont typeface="Arial" panose="020B0604020202020204" pitchFamily="34" charset="0"/>
+              <a:buChar char="•"/>
+            </a:pPr>
             <a:r>
               <a:rPr lang="en-US" sz="1200" b="0" i="0" u="none" strike="noStrike" kern="1200" dirty="0">
                 <a:solidFill>
@@ -1652,6 +2559,168 @@
           <a:bodyPr/>
           <a:lstStyle/>
           <a:p>
+            <a:pPr marL="0" marR="0" lvl="0" indent="0" algn="l" defTabSz="914400" rtl="0" eaLnBrk="1" fontAlgn="auto" latinLnBrk="0" hangingPunct="1">
+              <a:lnSpc>
+                <a:spcPct val="100000"/>
+              </a:lnSpc>
+              <a:spcBef>
+                <a:spcPts val="0"/>
+              </a:spcBef>
+              <a:spcAft>
+                <a:spcPts val="0"/>
+              </a:spcAft>
+              <a:buClrTx/>
+              <a:buSzTx/>
+              <a:buFontTx/>
+              <a:buNone/>
+              <a:tabLst/>
+              <a:defRPr/>
+            </a:pPr>
+            <a:r>
+              <a:rPr lang="en-US" b="1" u="sng" dirty="0"/>
+              <a:t>A company:</a:t>
+            </a:r>
+            <a:r>
+              <a:rPr lang="en-US" b="1" u="sng" baseline="0" dirty="0"/>
+              <a:t> </a:t>
+            </a:r>
+            <a:r>
+              <a:rPr lang="en-US" dirty="0"/>
+              <a:t>wide sale on a particular item:</a:t>
+            </a:r>
+            <a:r>
+              <a:rPr lang="en-US" baseline="0" dirty="0"/>
+              <a:t> </a:t>
+            </a:r>
+            <a:r>
+              <a:rPr lang="en-US" dirty="0"/>
+              <a:t>when item X gets rung up a discount is applied</a:t>
+            </a:r>
+          </a:p>
+          <a:p>
+            <a:pPr marL="0" marR="0" lvl="0" indent="0" algn="l" defTabSz="914400" rtl="0" eaLnBrk="1" fontAlgn="auto" latinLnBrk="0" hangingPunct="1">
+              <a:lnSpc>
+                <a:spcPct val="100000"/>
+              </a:lnSpc>
+              <a:spcBef>
+                <a:spcPts val="0"/>
+              </a:spcBef>
+              <a:spcAft>
+                <a:spcPts val="0"/>
+              </a:spcAft>
+              <a:buClrTx/>
+              <a:buSzTx/>
+              <a:buFontTx/>
+              <a:buNone/>
+              <a:tabLst/>
+              <a:defRPr/>
+            </a:pPr>
+            <a:endParaRPr lang="en-US" dirty="0"/>
+          </a:p>
+          <a:p>
+            <a:pPr marL="0" marR="0" lvl="0" indent="0" algn="l" defTabSz="914400" rtl="0" eaLnBrk="1" fontAlgn="auto" latinLnBrk="0" hangingPunct="1">
+              <a:lnSpc>
+                <a:spcPct val="100000"/>
+              </a:lnSpc>
+              <a:spcBef>
+                <a:spcPts val="0"/>
+              </a:spcBef>
+              <a:spcAft>
+                <a:spcPts val="0"/>
+              </a:spcAft>
+              <a:buClrTx/>
+              <a:buSzTx/>
+              <a:buFontTx/>
+              <a:buNone/>
+              <a:tabLst/>
+              <a:defRPr/>
+            </a:pPr>
+            <a:r>
+              <a:rPr lang="en-US" b="1" u="sng" dirty="0"/>
+              <a:t>Frequently</a:t>
+            </a:r>
+            <a:r>
+              <a:rPr lang="en-US" b="1" u="sng" baseline="0" dirty="0"/>
+              <a:t> out of stock or over </a:t>
+            </a:r>
+            <a:r>
+              <a:rPr lang="en-US" b="0" u="none" baseline="0" dirty="0"/>
+              <a:t>stock: </a:t>
+            </a:r>
+            <a:r>
+              <a:rPr lang="en-US" b="0" u="none" dirty="0"/>
+              <a:t>If</a:t>
+            </a:r>
+            <a:r>
+              <a:rPr lang="en-US" dirty="0"/>
+              <a:t> we run out of stock of an item frequently, have system order more than the default upon reorder, and if we never run out of stock by X units, have system order less than the default. This will be based on an item threshold that has been increased/decreased</a:t>
+            </a:r>
+          </a:p>
+          <a:p>
+            <a:endParaRPr lang="en-US" dirty="0"/>
+          </a:p>
+          <a:p>
+            <a:pPr marL="0" marR="0" lvl="0" indent="0" algn="l" defTabSz="914400" rtl="0" eaLnBrk="1" fontAlgn="auto" latinLnBrk="0" hangingPunct="1">
+              <a:lnSpc>
+                <a:spcPct val="100000"/>
+              </a:lnSpc>
+              <a:spcBef>
+                <a:spcPts val="0"/>
+              </a:spcBef>
+              <a:spcAft>
+                <a:spcPts val="0"/>
+              </a:spcAft>
+              <a:buClrTx/>
+              <a:buSzTx/>
+              <a:buFontTx/>
+              <a:buNone/>
+              <a:tabLst/>
+              <a:defRPr/>
+            </a:pPr>
+            <a:r>
+              <a:rPr lang="en-US" b="1" u="sng" dirty="0"/>
+              <a:t>Coupled items:</a:t>
+            </a:r>
+            <a:r>
+              <a:rPr lang="en-US" b="1" u="sng" baseline="0" dirty="0"/>
+              <a:t> </a:t>
+            </a:r>
+            <a:r>
+              <a:rPr lang="en-US" b="1" u="sng" dirty="0"/>
+              <a:t> </a:t>
+            </a:r>
+            <a:r>
+              <a:rPr lang="en-US" dirty="0"/>
+              <a:t>If a customer purchases item X and item X and Y are coupled, a message asking if the customer would like to add item Y to their order is displayed so the cashier can ask</a:t>
+            </a:r>
+          </a:p>
+          <a:p>
+            <a:endParaRPr lang="en-US" dirty="0"/>
+          </a:p>
+          <a:p>
+            <a:pPr marL="0" marR="0" lvl="0" indent="0" algn="l" defTabSz="914400" rtl="0" eaLnBrk="1" fontAlgn="auto" latinLnBrk="0" hangingPunct="1">
+              <a:lnSpc>
+                <a:spcPct val="100000"/>
+              </a:lnSpc>
+              <a:spcBef>
+                <a:spcPts val="0"/>
+              </a:spcBef>
+              <a:spcAft>
+                <a:spcPts val="0"/>
+              </a:spcAft>
+              <a:buClrTx/>
+              <a:buSzTx/>
+              <a:buFontTx/>
+              <a:buNone/>
+              <a:tabLst/>
+              <a:defRPr/>
+            </a:pPr>
+            <a:r>
+              <a:rPr lang="en-US" dirty="0"/>
+              <a:t>Based off the refill date of the customer's last order, check all of their prescriptions and see if any are eligible for refill, and if so, display a message to indicate to the cashier to ask the customer if they want that prescription refilled</a:t>
+            </a:r>
+          </a:p>
+          <a:p>
             <a:endParaRPr lang="en-US" dirty="0"/>
           </a:p>
         </p:txBody>
@@ -1682,7 +2751,7 @@
     </p:spTree>
     <p:extLst>
       <p:ext uri="{BB962C8B-B14F-4D97-AF65-F5344CB8AC3E}">
-        <p14:creationId xmlns:p14="http://schemas.microsoft.com/office/powerpoint/2010/main" val="292177859"/>
+        <p14:creationId xmlns:p14="http://schemas.microsoft.com/office/powerpoint/2010/main" val="2424241113"/>
       </p:ext>
     </p:extLst>
   </p:cSld>
@@ -1736,6 +2805,44 @@
           <a:bodyPr/>
           <a:lstStyle/>
           <a:p>
+            <a:pPr marL="171450" indent="-171450">
+              <a:buFont typeface="Arial" panose="020B0604020202020204" pitchFamily="34" charset="0"/>
+              <a:buChar char="•"/>
+            </a:pPr>
+            <a:r>
+              <a:rPr lang="en-US" dirty="0"/>
+              <a:t>The team is most familiar with C++.</a:t>
+            </a:r>
+          </a:p>
+          <a:p>
+            <a:pPr marL="171450" indent="-171450">
+              <a:buFont typeface="Arial" panose="020B0604020202020204" pitchFamily="34" charset="0"/>
+              <a:buChar char="•"/>
+            </a:pPr>
+            <a:r>
+              <a:rPr lang="en-US" baseline="0" dirty="0"/>
+              <a:t>Since we will be building with visual studio the program will be limited to machines that are compatible with visual studio</a:t>
+            </a:r>
+          </a:p>
+          <a:p>
+            <a:pPr marL="171450" indent="-171450">
+              <a:buFont typeface="Arial" panose="020B0604020202020204" pitchFamily="34" charset="0"/>
+              <a:buChar char="•"/>
+            </a:pPr>
+            <a:r>
+              <a:rPr lang="en-US" sz="1200" kern="1200" dirty="0">
+                <a:solidFill>
+                  <a:schemeClr val="tx1"/>
+                </a:solidFill>
+                <a:effectLst/>
+                <a:latin typeface="+mn-lt"/>
+                <a:ea typeface="+mn-ea"/>
+                <a:cs typeface="+mn-cs"/>
+              </a:rPr>
+              <a:t>The program will use a command window as its input/output source due to our skill set limitations as well. </a:t>
+            </a:r>
+          </a:p>
+          <a:p>
             <a:endParaRPr lang="en-US" dirty="0"/>
           </a:p>
         </p:txBody>
@@ -1766,7 +2873,7 @@
     </p:spTree>
     <p:extLst>
       <p:ext uri="{BB962C8B-B14F-4D97-AF65-F5344CB8AC3E}">
-        <p14:creationId xmlns:p14="http://schemas.microsoft.com/office/powerpoint/2010/main" val="3316633356"/>
+        <p14:creationId xmlns:p14="http://schemas.microsoft.com/office/powerpoint/2010/main" val="1543956532"/>
       </p:ext>
     </p:extLst>
   </p:cSld>
@@ -1820,148 +2927,94 @@
           <a:bodyPr/>
           <a:lstStyle/>
           <a:p>
-            <a:r>
-              <a:rPr lang="en-US" dirty="0"/>
-              <a:t>Early</a:t>
-            </a:r>
-            <a:r>
-              <a:rPr lang="en-US" baseline="0" dirty="0"/>
-              <a:t> start:  Before the we chose teams, </a:t>
-            </a:r>
-            <a:r>
-              <a:rPr lang="en-US" baseline="0" dirty="0" err="1"/>
-              <a:t>Durwin</a:t>
-            </a:r>
-            <a:r>
-              <a:rPr lang="en-US" baseline="0" dirty="0"/>
-              <a:t> and Erik had discussed tools. We also had a small meeting the same day teams were chosen and had meetings since then.</a:t>
-            </a:r>
-          </a:p>
-          <a:p>
-            <a:r>
-              <a:rPr lang="en-US" baseline="0" dirty="0"/>
-              <a:t>                   Through these meetings we were able to minimize the time spent deciding on a meeting location and  on the methods of communication before the SPMP was assigned.</a:t>
-            </a:r>
-          </a:p>
-          <a:p>
-            <a:endParaRPr lang="en-US" baseline="0" dirty="0"/>
-          </a:p>
-          <a:p>
-            <a:r>
-              <a:rPr lang="en-US" baseline="0" dirty="0"/>
-              <a:t>Establishing in-person meetings: setting up required in-person meetings allowed us to discuss tools, skillsets and assign any tasks we knew we could expect on the SPMP</a:t>
-            </a:r>
-          </a:p>
-          <a:p>
-            <a:r>
-              <a:rPr lang="en-US" baseline="0" dirty="0"/>
-              <a:t>		     </a:t>
-            </a:r>
+            <a:pPr marL="0" indent="0">
+              <a:buNone/>
+            </a:pPr>
+            <a:r>
+              <a:rPr lang="en-US" b="1" u="sng" dirty="0"/>
+              <a:t>Communication tools:</a:t>
+            </a:r>
+          </a:p>
+          <a:p>
+            <a:pPr marL="628650" lvl="1" indent="-171450">
+              <a:buFont typeface="Arial" panose="020B0604020202020204" pitchFamily="34" charset="0"/>
+              <a:buChar char="•"/>
+            </a:pPr>
+            <a:r>
+              <a:rPr lang="en-US" dirty="0"/>
+              <a:t>Slack: Main method of communication between team members.</a:t>
+            </a:r>
+          </a:p>
+          <a:p>
+            <a:pPr marL="628650" lvl="1" indent="-171450">
+              <a:buFont typeface="Arial" panose="020B0604020202020204" pitchFamily="34" charset="0"/>
+              <a:buChar char="•"/>
+            </a:pPr>
+            <a:r>
+              <a:rPr lang="en-US" dirty="0"/>
+              <a:t>Google Docs and Google Calendar</a:t>
+            </a:r>
+          </a:p>
+          <a:p>
+            <a:pPr marL="0" indent="0">
+              <a:buNone/>
+            </a:pPr>
+            <a:r>
+              <a:rPr lang="en-US" b="1" u="sng" dirty="0"/>
+              <a:t>Organization tools:</a:t>
+            </a:r>
+          </a:p>
+          <a:p>
+            <a:pPr marL="628650" lvl="1" indent="-171450">
+              <a:buFont typeface="Arial" panose="020B0604020202020204" pitchFamily="34" charset="0"/>
+              <a:buChar char="•"/>
+            </a:pPr>
+            <a:r>
+              <a:rPr lang="en-US" dirty="0"/>
+              <a:t>Wrike Project Management: Used to assign tasks to both team members and Project Managers.</a:t>
+            </a:r>
+          </a:p>
+          <a:p>
+            <a:pPr marL="628650" lvl="1" indent="-171450">
+              <a:buFont typeface="Arial" panose="020B0604020202020204" pitchFamily="34" charset="0"/>
+              <a:buChar char="•"/>
+            </a:pPr>
+            <a:r>
+              <a:rPr lang="en-US" dirty="0"/>
+              <a:t>Microsoft project: Used to create the network diagram and timeline chart.</a:t>
+            </a:r>
+          </a:p>
+          <a:p>
+            <a:pPr marL="628650" lvl="1" indent="-171450">
+              <a:buFont typeface="Arial" panose="020B0604020202020204" pitchFamily="34" charset="0"/>
+              <a:buChar char="•"/>
+            </a:pPr>
+            <a:r>
+              <a:rPr lang="en-US" dirty="0"/>
+              <a:t>GitHub: Used for versioning of documents.</a:t>
+            </a:r>
+          </a:p>
+          <a:p>
+            <a:pPr marL="0" indent="0">
+              <a:buNone/>
+            </a:pPr>
+            <a:r>
+              <a:rPr lang="en-US" b="1" u="sng" dirty="0"/>
+              <a:t>Time Tracking tool:</a:t>
+            </a:r>
+          </a:p>
+          <a:p>
+            <a:pPr marL="628650" lvl="1" indent="-171450">
+              <a:buFont typeface="Arial" panose="020B0604020202020204" pitchFamily="34" charset="0"/>
+              <a:buChar char="•"/>
+            </a:pPr>
+            <a:r>
+              <a:rPr lang="en-US" dirty="0"/>
+              <a:t>Toggl: Used to keep track of time on tasks and meetings.</a:t>
+            </a:r>
+          </a:p>
+          <a:p>
             <a:endParaRPr lang="en-US" dirty="0"/>
-          </a:p>
-          <a:p>
-            <a:r>
-              <a:rPr lang="en-US" dirty="0"/>
-              <a:t>Selection</a:t>
-            </a:r>
-            <a:r>
-              <a:rPr lang="en-US" baseline="0" dirty="0"/>
-              <a:t> of time tracking tool: </a:t>
-            </a:r>
-            <a:r>
-              <a:rPr lang="en-US" dirty="0"/>
-              <a:t>helped</a:t>
-            </a:r>
-            <a:r>
-              <a:rPr lang="en-US" baseline="0" dirty="0"/>
-              <a:t> with determining the estimates. Using the reports generated in Toggl, we were able to see which tasks were taking up the most time and effort and individual times. We were able to assign </a:t>
-            </a:r>
-          </a:p>
-          <a:p>
-            <a:r>
-              <a:rPr lang="en-US" baseline="0" dirty="0"/>
-              <a:t>		 tasks based on each persons individual time.</a:t>
-            </a:r>
-          </a:p>
-          <a:p>
-            <a:endParaRPr lang="en-US" baseline="0" dirty="0"/>
-          </a:p>
-          <a:p>
-            <a:pPr marL="0" marR="0" lvl="0" indent="0" algn="l" defTabSz="914400" rtl="0" eaLnBrk="1" fontAlgn="auto" latinLnBrk="0" hangingPunct="1">
-              <a:lnSpc>
-                <a:spcPct val="100000"/>
-              </a:lnSpc>
-              <a:spcBef>
-                <a:spcPts val="0"/>
-              </a:spcBef>
-              <a:spcAft>
-                <a:spcPts val="0"/>
-              </a:spcAft>
-              <a:buClrTx/>
-              <a:buSzTx/>
-              <a:buFontTx/>
-              <a:buNone/>
-              <a:tabLst/>
-              <a:defRPr/>
-            </a:pPr>
-            <a:r>
-              <a:rPr lang="en-US" baseline="0" dirty="0"/>
-              <a:t>Training tools: Checking out the tools and tracking task time. Since only one team member had prior experience with a majority of the tools, it was necessary that the other team members became acquainted with the tools and understood the 	terminology that came with each one </a:t>
-            </a:r>
-            <a:r>
-              <a:rPr lang="en-US" baseline="0" dirty="0" err="1"/>
-              <a:t>i.e</a:t>
-            </a:r>
-            <a:r>
-              <a:rPr lang="en-US" baseline="0" dirty="0"/>
-              <a:t> committing to master on GitHub</a:t>
-            </a:r>
-          </a:p>
-          <a:p>
-            <a:endParaRPr lang="en-US" baseline="0" dirty="0"/>
-          </a:p>
-          <a:p>
-            <a:r>
-              <a:rPr lang="en-US" baseline="0" dirty="0"/>
-              <a:t>Team communication: All team members were required to sign off on meeting minutes and check slack at least once per day. Whenever a team member had questions or concerns regarding the SPMP, those questions or concerns were always 	            heard and discussed or answered by either another team member, pm or Steiner </a:t>
-            </a:r>
-          </a:p>
-          <a:p>
-            <a:endParaRPr lang="en-US" baseline="0" dirty="0"/>
-          </a:p>
-          <a:p>
-            <a:r>
-              <a:rPr lang="en-US" baseline="0" dirty="0"/>
-              <a:t>Risk Mitigation: When our primary meeting location (the library ) was not open or closed early. Our risk mitigation plan was put into action and told us to met at our secondary meeting location, </a:t>
-            </a:r>
-            <a:r>
-              <a:rPr lang="en-US" baseline="0" dirty="0" err="1"/>
-              <a:t>biggby</a:t>
-            </a:r>
-            <a:r>
-              <a:rPr lang="en-US" baseline="0" dirty="0"/>
-              <a:t>. The </a:t>
-            </a:r>
-            <a:r>
-              <a:rPr lang="en-US" baseline="0" dirty="0" err="1"/>
-              <a:t>biggby</a:t>
-            </a:r>
-            <a:r>
-              <a:rPr lang="en-US" baseline="0" dirty="0"/>
-              <a:t> we chose was the midpoint 	 from where all team members live so it was the obvious choice.</a:t>
-            </a:r>
-          </a:p>
-          <a:p>
-            <a:endParaRPr lang="en-US" baseline="0" dirty="0"/>
-          </a:p>
-          <a:p>
-            <a:r>
-              <a:rPr lang="en-US" baseline="0" dirty="0"/>
-              <a:t>Tracking and control mechanisms:  Reviewing all the documents and artifacts before it in order to validate its accuracy.</a:t>
-            </a:r>
-          </a:p>
-          <a:p>
-            <a:endParaRPr lang="en-US" baseline="0" dirty="0"/>
           </a:p>
         </p:txBody>
       </p:sp>
@@ -1991,7 +3044,7 @@
     </p:spTree>
     <p:extLst>
       <p:ext uri="{BB962C8B-B14F-4D97-AF65-F5344CB8AC3E}">
-        <p14:creationId xmlns:p14="http://schemas.microsoft.com/office/powerpoint/2010/main" val="1228246"/>
+        <p14:creationId xmlns:p14="http://schemas.microsoft.com/office/powerpoint/2010/main" val="292177859"/>
       </p:ext>
     </p:extLst>
   </p:cSld>
@@ -2045,6 +3098,14 @@
           <a:bodyPr/>
           <a:lstStyle/>
           <a:p>
+            <a:r>
+              <a:rPr lang="en-US" dirty="0"/>
+              <a:t>Since these are the tools we will</a:t>
+            </a:r>
+            <a:r>
+              <a:rPr lang="en-US" baseline="0" dirty="0"/>
+              <a:t> be using throughout the entirety of the project we felt as though we need to justify them:</a:t>
+            </a:r>
             <a:endParaRPr lang="en-US" dirty="0"/>
           </a:p>
         </p:txBody>
@@ -2075,7 +3136,7 @@
     </p:spTree>
     <p:extLst>
       <p:ext uri="{BB962C8B-B14F-4D97-AF65-F5344CB8AC3E}">
-        <p14:creationId xmlns:p14="http://schemas.microsoft.com/office/powerpoint/2010/main" val="3678601128"/>
+        <p14:creationId xmlns:p14="http://schemas.microsoft.com/office/powerpoint/2010/main" val="221181007"/>
       </p:ext>
     </p:extLst>
   </p:cSld>
@@ -2130,14 +3191,468 @@
           <a:lstStyle/>
           <a:p>
             <a:r>
-              <a:rPr lang="en-US" dirty="0"/>
-              <a:t>Since these are the tools we will</a:t>
-            </a:r>
-            <a:r>
-              <a:rPr lang="en-US" baseline="0" dirty="0"/>
-              <a:t> be using throughout the entirety of the project we felt as though we need to justify them:</a:t>
-            </a:r>
-            <a:endParaRPr lang="en-US" dirty="0"/>
+              <a:rPr lang="en-US" sz="1200" b="1" u="sng" kern="1200" dirty="0">
+                <a:solidFill>
+                  <a:schemeClr val="tx1"/>
+                </a:solidFill>
+                <a:effectLst/>
+                <a:latin typeface="+mn-lt"/>
+                <a:ea typeface="+mn-ea"/>
+                <a:cs typeface="+mn-cs"/>
+              </a:rPr>
+              <a:t>Initial</a:t>
+            </a:r>
+            <a:r>
+              <a:rPr lang="en-US" sz="1200" b="1" u="sng" kern="1200" baseline="0" dirty="0">
+                <a:solidFill>
+                  <a:schemeClr val="tx1"/>
+                </a:solidFill>
+                <a:effectLst/>
+                <a:latin typeface="+mn-lt"/>
+                <a:ea typeface="+mn-ea"/>
+                <a:cs typeface="+mn-cs"/>
+              </a:rPr>
+              <a:t> project estimates: </a:t>
+            </a:r>
+            <a:endParaRPr lang="en-US" sz="1200" kern="1200" baseline="0" dirty="0">
+              <a:solidFill>
+                <a:schemeClr val="tx1"/>
+              </a:solidFill>
+              <a:effectLst/>
+              <a:latin typeface="+mn-lt"/>
+              <a:ea typeface="+mn-ea"/>
+              <a:cs typeface="+mn-cs"/>
+            </a:endParaRPr>
+          </a:p>
+          <a:p>
+            <a:pPr marL="171450" marR="0" lvl="0" indent="-171450" algn="l" defTabSz="914400" rtl="0" eaLnBrk="1" fontAlgn="auto" latinLnBrk="0" hangingPunct="1">
+              <a:lnSpc>
+                <a:spcPct val="100000"/>
+              </a:lnSpc>
+              <a:spcBef>
+                <a:spcPts val="0"/>
+              </a:spcBef>
+              <a:spcAft>
+                <a:spcPts val="0"/>
+              </a:spcAft>
+              <a:buClrTx/>
+              <a:buSzTx/>
+              <a:buFont typeface="Arial" panose="020B0604020202020204" pitchFamily="34" charset="0"/>
+              <a:buChar char="•"/>
+              <a:tabLst/>
+              <a:defRPr/>
+            </a:pPr>
+            <a:r>
+              <a:rPr lang="en-US" sz="1200" kern="1200" dirty="0">
+                <a:solidFill>
+                  <a:schemeClr val="tx1"/>
+                </a:solidFill>
+                <a:effectLst/>
+                <a:latin typeface="+mn-lt"/>
+                <a:ea typeface="+mn-ea"/>
+                <a:cs typeface="+mn-cs"/>
+              </a:rPr>
+              <a:t>As a basis for our estimates we drew</a:t>
+            </a:r>
+            <a:r>
+              <a:rPr lang="en-US" sz="1200" kern="1200" baseline="0" dirty="0">
+                <a:solidFill>
+                  <a:schemeClr val="tx1"/>
+                </a:solidFill>
+                <a:effectLst/>
+                <a:latin typeface="+mn-lt"/>
+                <a:ea typeface="+mn-ea"/>
+                <a:cs typeface="+mn-cs"/>
+              </a:rPr>
+              <a:t> </a:t>
+            </a:r>
+            <a:r>
+              <a:rPr lang="en-US" sz="1200" kern="1200" dirty="0">
+                <a:solidFill>
+                  <a:schemeClr val="tx1"/>
+                </a:solidFill>
+                <a:effectLst/>
+                <a:latin typeface="+mn-lt"/>
+                <a:ea typeface="+mn-ea"/>
+                <a:cs typeface="+mn-cs"/>
+              </a:rPr>
+              <a:t>upon on Erik’s current work experience, a lines of code per hour formula, and sampling of previous projects. Sampling previous projects allowed</a:t>
+            </a:r>
+            <a:r>
+              <a:rPr lang="en-US" sz="1200" kern="1200" baseline="0" dirty="0">
+                <a:solidFill>
+                  <a:schemeClr val="tx1"/>
+                </a:solidFill>
+                <a:effectLst/>
+                <a:latin typeface="+mn-lt"/>
+                <a:ea typeface="+mn-ea"/>
+                <a:cs typeface="+mn-cs"/>
+              </a:rPr>
+              <a:t> </a:t>
+            </a:r>
+            <a:r>
+              <a:rPr lang="en-US" sz="1200" kern="1200" dirty="0">
+                <a:solidFill>
+                  <a:schemeClr val="tx1"/>
+                </a:solidFill>
+                <a:effectLst/>
+                <a:latin typeface="+mn-lt"/>
+                <a:ea typeface="+mn-ea"/>
+                <a:cs typeface="+mn-cs"/>
+              </a:rPr>
+              <a:t>us to determine which projects are significant enough to be included in the lines of code per hour formula. Erik’s current work experience will give us insight into how much time and effort it will actually take to complete the project. A lines of code per hour formula was applied to major programming projects from CIS 200 and up for each team member. </a:t>
+            </a:r>
+          </a:p>
+          <a:p>
+            <a:pPr lvl="0"/>
+            <a:r>
+              <a:rPr lang="en-US" sz="1200" kern="1200" dirty="0">
+                <a:solidFill>
+                  <a:schemeClr val="tx1"/>
+                </a:solidFill>
+                <a:effectLst/>
+                <a:latin typeface="+mn-lt"/>
+                <a:ea typeface="+mn-ea"/>
+                <a:cs typeface="+mn-cs"/>
+              </a:rPr>
+              <a:t>	</a:t>
+            </a:r>
+            <a:r>
+              <a:rPr lang="en-US" sz="1200" kern="1200" baseline="0" dirty="0">
+                <a:solidFill>
+                  <a:schemeClr val="tx1"/>
+                </a:solidFill>
+                <a:effectLst/>
+                <a:latin typeface="+mn-lt"/>
+                <a:ea typeface="+mn-ea"/>
+                <a:cs typeface="+mn-cs"/>
+              </a:rPr>
+              <a:t>              </a:t>
+            </a:r>
+          </a:p>
+          <a:p>
+            <a:pPr marL="628650" lvl="1" indent="-171450">
+              <a:buFont typeface="Arial" panose="020B0604020202020204" pitchFamily="34" charset="0"/>
+              <a:buChar char="•"/>
+            </a:pPr>
+            <a:r>
+              <a:rPr lang="en-US" sz="1200" b="1" u="sng" kern="1200" baseline="0" dirty="0">
+                <a:solidFill>
+                  <a:schemeClr val="tx1"/>
+                </a:solidFill>
+                <a:effectLst/>
+                <a:latin typeface="+mn-lt"/>
+                <a:ea typeface="+mn-ea"/>
+                <a:cs typeface="+mn-cs"/>
+              </a:rPr>
+              <a:t>Lines of code:</a:t>
+            </a:r>
+            <a:r>
+              <a:rPr lang="en-US" sz="1200" b="1" u="none" kern="1200" baseline="0" dirty="0">
+                <a:solidFill>
+                  <a:schemeClr val="tx1"/>
+                </a:solidFill>
+                <a:effectLst/>
+                <a:latin typeface="+mn-lt"/>
+                <a:ea typeface="+mn-ea"/>
+                <a:cs typeface="+mn-cs"/>
+              </a:rPr>
+              <a:t>  </a:t>
+            </a:r>
+            <a:r>
+              <a:rPr lang="en-US" sz="1200" kern="1200" dirty="0">
+                <a:solidFill>
+                  <a:schemeClr val="tx1"/>
+                </a:solidFill>
+                <a:effectLst/>
+                <a:latin typeface="+mn-lt"/>
+                <a:ea typeface="+mn-ea"/>
+                <a:cs typeface="+mn-cs"/>
+              </a:rPr>
+              <a:t>Based on prior experience with previous computer science projects, we estimate this project to require 5000 lines of code. 5000 total lines divided by the team average of 49 lines of code per hour</a:t>
+            </a:r>
+            <a:r>
+              <a:rPr lang="en-US" sz="1200" kern="1200" baseline="0" dirty="0">
+                <a:solidFill>
+                  <a:schemeClr val="tx1"/>
+                </a:solidFill>
+                <a:effectLst/>
+                <a:latin typeface="+mn-lt"/>
+                <a:ea typeface="+mn-ea"/>
+                <a:cs typeface="+mn-cs"/>
+              </a:rPr>
+              <a:t> giving us102 hours</a:t>
+            </a:r>
+            <a:endParaRPr lang="en-US" sz="1200" kern="1200" dirty="0">
+              <a:solidFill>
+                <a:schemeClr val="tx1"/>
+              </a:solidFill>
+              <a:effectLst/>
+              <a:latin typeface="+mn-lt"/>
+              <a:ea typeface="+mn-ea"/>
+              <a:cs typeface="+mn-cs"/>
+            </a:endParaRPr>
+          </a:p>
+          <a:p>
+            <a:pPr marL="0" marR="0" lvl="0" indent="0" algn="l" defTabSz="914400" rtl="0" eaLnBrk="1" fontAlgn="auto" latinLnBrk="0" hangingPunct="1">
+              <a:lnSpc>
+                <a:spcPct val="100000"/>
+              </a:lnSpc>
+              <a:spcBef>
+                <a:spcPts val="0"/>
+              </a:spcBef>
+              <a:spcAft>
+                <a:spcPts val="0"/>
+              </a:spcAft>
+              <a:buClrTx/>
+              <a:buSzTx/>
+              <a:buFont typeface="Arial" panose="020B0604020202020204" pitchFamily="34" charset="0"/>
+              <a:buNone/>
+              <a:tabLst/>
+              <a:defRPr/>
+            </a:pPr>
+            <a:endParaRPr lang="en-US" sz="1200" kern="1200" dirty="0">
+              <a:solidFill>
+                <a:schemeClr val="tx1"/>
+              </a:solidFill>
+              <a:effectLst/>
+              <a:latin typeface="+mn-lt"/>
+              <a:ea typeface="+mn-ea"/>
+              <a:cs typeface="+mn-cs"/>
+            </a:endParaRPr>
+          </a:p>
+          <a:p>
+            <a:pPr marL="628650" marR="0" lvl="1" indent="-171450" algn="l" defTabSz="914400" rtl="0" eaLnBrk="1" fontAlgn="auto" latinLnBrk="0" hangingPunct="1">
+              <a:lnSpc>
+                <a:spcPct val="100000"/>
+              </a:lnSpc>
+              <a:spcBef>
+                <a:spcPts val="0"/>
+              </a:spcBef>
+              <a:spcAft>
+                <a:spcPts val="0"/>
+              </a:spcAft>
+              <a:buClrTx/>
+              <a:buSzTx/>
+              <a:buFont typeface="Arial" panose="020B0604020202020204" pitchFamily="34" charset="0"/>
+              <a:buChar char="•"/>
+              <a:tabLst/>
+              <a:defRPr/>
+            </a:pPr>
+            <a:r>
+              <a:rPr lang="en-US" sz="1200" b="1" u="sng" kern="1200" dirty="0">
+                <a:solidFill>
+                  <a:schemeClr val="tx1"/>
+                </a:solidFill>
+                <a:effectLst/>
+                <a:latin typeface="+mn-lt"/>
+                <a:ea typeface="+mn-ea"/>
+                <a:cs typeface="+mn-cs"/>
+              </a:rPr>
+              <a:t>Function estimate: </a:t>
+            </a:r>
+            <a:r>
+              <a:rPr lang="en-US" sz="1200" b="0" u="none" kern="1200" dirty="0">
+                <a:solidFill>
+                  <a:schemeClr val="tx1"/>
+                </a:solidFill>
+                <a:effectLst/>
+                <a:latin typeface="+mn-lt"/>
+                <a:ea typeface="+mn-ea"/>
+                <a:cs typeface="+mn-cs"/>
+              </a:rPr>
+              <a:t> We c</a:t>
+            </a:r>
+            <a:r>
+              <a:rPr lang="en-US" sz="1200" kern="1200" dirty="0">
+                <a:solidFill>
+                  <a:schemeClr val="tx1"/>
+                </a:solidFill>
+                <a:effectLst/>
+                <a:latin typeface="+mn-lt"/>
+                <a:ea typeface="+mn-ea"/>
+                <a:cs typeface="+mn-cs"/>
+              </a:rPr>
+              <a:t>ounted the functions present in 1.3, the Major Software Functions, and</a:t>
+            </a:r>
+            <a:r>
+              <a:rPr lang="en-US" sz="1200" kern="1200" baseline="0" dirty="0">
+                <a:solidFill>
+                  <a:schemeClr val="tx1"/>
+                </a:solidFill>
+                <a:effectLst/>
+                <a:latin typeface="+mn-lt"/>
+                <a:ea typeface="+mn-ea"/>
+                <a:cs typeface="+mn-cs"/>
+              </a:rPr>
+              <a:t> used them for the </a:t>
+            </a:r>
+            <a:r>
+              <a:rPr lang="en-US" sz="1200" kern="1200" dirty="0">
+                <a:solidFill>
+                  <a:schemeClr val="tx1"/>
+                </a:solidFill>
+                <a:effectLst/>
+                <a:latin typeface="+mn-lt"/>
+                <a:ea typeface="+mn-ea"/>
+                <a:cs typeface="+mn-cs"/>
+              </a:rPr>
+              <a:t>function point estimation.  The lowest-level functionality in 1.3 is counted and added up. Totaling 18 functions </a:t>
+            </a:r>
+          </a:p>
+          <a:p>
+            <a:pPr marL="628650" marR="0" lvl="1" indent="-171450" algn="l" defTabSz="914400" rtl="0" eaLnBrk="1" fontAlgn="auto" latinLnBrk="0" hangingPunct="1">
+              <a:lnSpc>
+                <a:spcPct val="100000"/>
+              </a:lnSpc>
+              <a:spcBef>
+                <a:spcPts val="0"/>
+              </a:spcBef>
+              <a:spcAft>
+                <a:spcPts val="0"/>
+              </a:spcAft>
+              <a:buClrTx/>
+              <a:buSzTx/>
+              <a:buFont typeface="Arial" panose="020B0604020202020204" pitchFamily="34" charset="0"/>
+              <a:buChar char="•"/>
+              <a:tabLst/>
+              <a:defRPr/>
+            </a:pPr>
+            <a:endParaRPr lang="en-US" sz="1200" kern="1200" dirty="0">
+              <a:solidFill>
+                <a:schemeClr val="tx1"/>
+              </a:solidFill>
+              <a:effectLst/>
+              <a:latin typeface="+mn-lt"/>
+              <a:ea typeface="+mn-ea"/>
+              <a:cs typeface="+mn-cs"/>
+            </a:endParaRPr>
+          </a:p>
+          <a:p>
+            <a:pPr marL="628650" marR="0" lvl="1" indent="-171450" algn="l" defTabSz="914400" rtl="0" eaLnBrk="1" fontAlgn="auto" latinLnBrk="0" hangingPunct="1">
+              <a:lnSpc>
+                <a:spcPct val="100000"/>
+              </a:lnSpc>
+              <a:spcBef>
+                <a:spcPts val="0"/>
+              </a:spcBef>
+              <a:spcAft>
+                <a:spcPts val="0"/>
+              </a:spcAft>
+              <a:buClrTx/>
+              <a:buSzTx/>
+              <a:buFont typeface="Arial" panose="020B0604020202020204" pitchFamily="34" charset="0"/>
+              <a:buChar char="•"/>
+              <a:tabLst/>
+              <a:defRPr/>
+            </a:pPr>
+            <a:r>
+              <a:rPr lang="en-US" sz="1200" b="1" u="sng" kern="1200" dirty="0">
+                <a:solidFill>
+                  <a:schemeClr val="tx1"/>
+                </a:solidFill>
+                <a:effectLst/>
+                <a:latin typeface="+mn-lt"/>
+                <a:ea typeface="+mn-ea"/>
+                <a:cs typeface="+mn-cs"/>
+              </a:rPr>
+              <a:t>Task</a:t>
+            </a:r>
+            <a:r>
+              <a:rPr lang="en-US" sz="1200" b="1" u="sng" kern="1200" baseline="0" dirty="0">
+                <a:solidFill>
+                  <a:schemeClr val="tx1"/>
+                </a:solidFill>
+                <a:effectLst/>
+                <a:latin typeface="+mn-lt"/>
+                <a:ea typeface="+mn-ea"/>
+                <a:cs typeface="+mn-cs"/>
+              </a:rPr>
+              <a:t> estimate:</a:t>
+            </a:r>
+            <a:r>
+              <a:rPr lang="en-US" sz="1200" b="0" u="none" kern="1200" baseline="0" dirty="0">
+                <a:solidFill>
+                  <a:schemeClr val="tx1"/>
+                </a:solidFill>
+                <a:effectLst/>
+                <a:latin typeface="+mn-lt"/>
+                <a:ea typeface="+mn-ea"/>
+                <a:cs typeface="+mn-cs"/>
+              </a:rPr>
+              <a:t>  Breaking down the project into high level tasks and estimating the time in which we believed it would take to complete each task. 46hours/person , total 184 hours</a:t>
+            </a:r>
+            <a:endParaRPr lang="en-US" b="1" u="sng" dirty="0">
+              <a:effectLst/>
+            </a:endParaRPr>
+          </a:p>
+          <a:p>
+            <a:pPr marL="0" lvl="0" indent="0">
+              <a:buFont typeface="Arial" panose="020B0604020202020204" pitchFamily="34" charset="0"/>
+              <a:buNone/>
+            </a:pPr>
+            <a:endParaRPr lang="en-US" sz="1200" kern="1200" dirty="0">
+              <a:solidFill>
+                <a:schemeClr val="tx1"/>
+              </a:solidFill>
+              <a:effectLst/>
+              <a:latin typeface="+mn-lt"/>
+              <a:ea typeface="+mn-ea"/>
+              <a:cs typeface="+mn-cs"/>
+            </a:endParaRPr>
+          </a:p>
+          <a:p>
+            <a:pPr marL="628650" lvl="1" indent="-171450">
+              <a:buFont typeface="Arial" panose="020B0604020202020204" pitchFamily="34" charset="0"/>
+              <a:buChar char="•"/>
+            </a:pPr>
+            <a:r>
+              <a:rPr lang="en-US" sz="1200" b="1" u="sng" kern="1200" dirty="0">
+                <a:solidFill>
+                  <a:schemeClr val="tx1"/>
+                </a:solidFill>
+                <a:effectLst/>
+                <a:latin typeface="+mn-lt"/>
+                <a:ea typeface="+mn-ea"/>
+                <a:cs typeface="+mn-cs"/>
+              </a:rPr>
+              <a:t>SPMP</a:t>
+            </a:r>
+            <a:r>
+              <a:rPr lang="en-US" sz="1200" b="1" u="sng" kern="1200" baseline="0" dirty="0">
+                <a:solidFill>
+                  <a:schemeClr val="tx1"/>
+                </a:solidFill>
+                <a:effectLst/>
+                <a:latin typeface="+mn-lt"/>
+                <a:ea typeface="+mn-ea"/>
+                <a:cs typeface="+mn-cs"/>
+              </a:rPr>
+              <a:t> Completion: </a:t>
+            </a:r>
+            <a:r>
+              <a:rPr lang="en-US" sz="1200" kern="1200" dirty="0">
+                <a:solidFill>
+                  <a:schemeClr val="tx1"/>
+                </a:solidFill>
+                <a:effectLst/>
+                <a:latin typeface="+mn-lt"/>
+                <a:ea typeface="+mn-ea"/>
+                <a:cs typeface="+mn-cs"/>
+              </a:rPr>
+              <a:t>Based on previous experience with similar but smaller templates from past Computer Science classes, we estimate the SPMP will take approximately 60 Hours to complete.</a:t>
+            </a:r>
+          </a:p>
+          <a:p>
+            <a:endParaRPr lang="en-US" sz="1200" kern="1200" dirty="0">
+              <a:solidFill>
+                <a:schemeClr val="tx1"/>
+              </a:solidFill>
+              <a:effectLst/>
+              <a:latin typeface="+mn-lt"/>
+              <a:ea typeface="+mn-ea"/>
+              <a:cs typeface="+mn-cs"/>
+            </a:endParaRPr>
           </a:p>
         </p:txBody>
       </p:sp>
@@ -2167,7 +3682,7 @@
     </p:spTree>
     <p:extLst>
       <p:ext uri="{BB962C8B-B14F-4D97-AF65-F5344CB8AC3E}">
-        <p14:creationId xmlns:p14="http://schemas.microsoft.com/office/powerpoint/2010/main" val="221181007"/>
+        <p14:creationId xmlns:p14="http://schemas.microsoft.com/office/powerpoint/2010/main" val="1248189161"/>
       </p:ext>
     </p:extLst>
   </p:cSld>
@@ -2222,14 +3737,191 @@
           <a:lstStyle/>
           <a:p>
             <a:r>
-              <a:rPr lang="en-US" dirty="0"/>
-              <a:t>Step one:</a:t>
-            </a:r>
-            <a:r>
-              <a:rPr lang="en-US" baseline="0" dirty="0"/>
-              <a:t> </a:t>
-            </a:r>
-            <a:endParaRPr lang="en-US" dirty="0"/>
+              <a:rPr lang="en-US" sz="1200" b="1" u="sng" kern="1200" baseline="0" dirty="0">
+                <a:solidFill>
+                  <a:schemeClr val="tx1"/>
+                </a:solidFill>
+                <a:effectLst/>
+                <a:latin typeface="+mn-lt"/>
+                <a:ea typeface="+mn-ea"/>
+                <a:cs typeface="+mn-cs"/>
+              </a:rPr>
+              <a:t>Actual Part 1 project estimates: </a:t>
+            </a:r>
+          </a:p>
+          <a:p>
+            <a:r>
+              <a:rPr lang="en-US" sz="1200" kern="1200" baseline="0" dirty="0">
+                <a:solidFill>
+                  <a:schemeClr val="tx1"/>
+                </a:solidFill>
+                <a:effectLst/>
+                <a:latin typeface="+mn-lt"/>
+                <a:ea typeface="+mn-ea"/>
+                <a:cs typeface="+mn-cs"/>
+              </a:rPr>
+              <a:t>	</a:t>
+            </a:r>
+          </a:p>
+          <a:p>
+            <a:pPr lvl="0"/>
+            <a:r>
+              <a:rPr lang="en-US" sz="1200" kern="1200" dirty="0">
+                <a:solidFill>
+                  <a:schemeClr val="tx1"/>
+                </a:solidFill>
+                <a:effectLst/>
+                <a:latin typeface="+mn-lt"/>
+                <a:ea typeface="+mn-ea"/>
+                <a:cs typeface="+mn-cs"/>
+              </a:rPr>
+              <a:t>	</a:t>
+            </a:r>
+            <a:r>
+              <a:rPr lang="en-US" sz="1200" kern="1200" baseline="0" dirty="0">
+                <a:solidFill>
+                  <a:schemeClr val="tx1"/>
+                </a:solidFill>
+                <a:effectLst/>
+                <a:latin typeface="+mn-lt"/>
+                <a:ea typeface="+mn-ea"/>
+                <a:cs typeface="+mn-cs"/>
+              </a:rPr>
+              <a:t>              </a:t>
+            </a:r>
+          </a:p>
+          <a:p>
+            <a:pPr marL="628650" lvl="1" indent="-171450">
+              <a:buFont typeface="Arial" panose="020B0604020202020204" pitchFamily="34" charset="0"/>
+              <a:buChar char="•"/>
+            </a:pPr>
+            <a:r>
+              <a:rPr lang="en-US" sz="1200" b="1" u="sng" kern="1200" baseline="0" dirty="0">
+                <a:solidFill>
+                  <a:schemeClr val="tx1"/>
+                </a:solidFill>
+                <a:effectLst/>
+                <a:latin typeface="+mn-lt"/>
+                <a:ea typeface="+mn-ea"/>
+                <a:cs typeface="+mn-cs"/>
+              </a:rPr>
+              <a:t>Lines of code:</a:t>
+            </a:r>
+            <a:endParaRPr lang="en-US" sz="1200" kern="1200" dirty="0">
+              <a:solidFill>
+                <a:schemeClr val="tx1"/>
+              </a:solidFill>
+              <a:effectLst/>
+              <a:latin typeface="+mn-lt"/>
+              <a:ea typeface="+mn-ea"/>
+              <a:cs typeface="+mn-cs"/>
+            </a:endParaRPr>
+          </a:p>
+          <a:p>
+            <a:pPr marL="628650" marR="0" lvl="1" indent="-171450" algn="l" defTabSz="914400" rtl="0" eaLnBrk="1" fontAlgn="auto" latinLnBrk="0" hangingPunct="1">
+              <a:lnSpc>
+                <a:spcPct val="100000"/>
+              </a:lnSpc>
+              <a:spcBef>
+                <a:spcPts val="0"/>
+              </a:spcBef>
+              <a:spcAft>
+                <a:spcPts val="0"/>
+              </a:spcAft>
+              <a:buClrTx/>
+              <a:buSzTx/>
+              <a:buFont typeface="Arial" panose="020B0604020202020204" pitchFamily="34" charset="0"/>
+              <a:buChar char="•"/>
+              <a:tabLst/>
+              <a:defRPr/>
+            </a:pPr>
+            <a:r>
+              <a:rPr lang="en-US" sz="1200" b="1" u="sng" kern="1200" dirty="0">
+                <a:solidFill>
+                  <a:schemeClr val="tx1"/>
+                </a:solidFill>
+                <a:effectLst/>
+                <a:latin typeface="+mn-lt"/>
+                <a:ea typeface="+mn-ea"/>
+                <a:cs typeface="+mn-cs"/>
+              </a:rPr>
+              <a:t>Function estimate:</a:t>
+            </a:r>
+            <a:endParaRPr lang="en-US" sz="1200" kern="1200" dirty="0">
+              <a:solidFill>
+                <a:schemeClr val="tx1"/>
+              </a:solidFill>
+              <a:effectLst/>
+              <a:latin typeface="+mn-lt"/>
+              <a:ea typeface="+mn-ea"/>
+              <a:cs typeface="+mn-cs"/>
+            </a:endParaRPr>
+          </a:p>
+          <a:p>
+            <a:pPr marL="628650" lvl="1" indent="-171450">
+              <a:buFont typeface="Arial" panose="020B0604020202020204" pitchFamily="34" charset="0"/>
+              <a:buChar char="•"/>
+            </a:pPr>
+            <a:r>
+              <a:rPr lang="en-US" sz="1200" b="1" u="sng" kern="1200" baseline="0" dirty="0">
+                <a:solidFill>
+                  <a:schemeClr val="tx1"/>
+                </a:solidFill>
+                <a:effectLst/>
+                <a:latin typeface="+mn-lt"/>
+                <a:ea typeface="+mn-ea"/>
+                <a:cs typeface="+mn-cs"/>
+              </a:rPr>
+              <a:t>Task estimate:</a:t>
+            </a:r>
+          </a:p>
+          <a:p>
+            <a:pPr marL="457200" lvl="1" indent="0">
+              <a:buFont typeface="Arial" panose="020B0604020202020204" pitchFamily="34" charset="0"/>
+              <a:buNone/>
+            </a:pPr>
+            <a:endParaRPr lang="en-US" sz="1200" b="1" u="sng" kern="1200" baseline="0" dirty="0">
+              <a:solidFill>
+                <a:schemeClr val="tx1"/>
+              </a:solidFill>
+              <a:effectLst/>
+              <a:latin typeface="+mn-lt"/>
+              <a:ea typeface="+mn-ea"/>
+              <a:cs typeface="+mn-cs"/>
+            </a:endParaRPr>
+          </a:p>
+          <a:p>
+            <a:pPr marL="457200" lvl="1" indent="0">
+              <a:buFont typeface="Arial" panose="020B0604020202020204" pitchFamily="34" charset="0"/>
+              <a:buNone/>
+            </a:pPr>
+            <a:r>
+              <a:rPr lang="en-US" sz="1200" b="1" u="sng" kern="1200" dirty="0">
+                <a:solidFill>
+                  <a:schemeClr val="tx1"/>
+                </a:solidFill>
+                <a:effectLst/>
+                <a:latin typeface="+mn-lt"/>
+                <a:ea typeface="+mn-ea"/>
+                <a:cs typeface="+mn-cs"/>
+              </a:rPr>
+              <a:t>Estimation Selection Rationale</a:t>
+            </a:r>
+          </a:p>
+          <a:p>
+            <a:pPr marL="457200" lvl="1" indent="0">
+              <a:buFont typeface="Arial" panose="020B0604020202020204" pitchFamily="34" charset="0"/>
+              <a:buNone/>
+            </a:pPr>
+            <a:endParaRPr lang="en-US" sz="1200" b="1" u="sng" kern="1200" baseline="0" dirty="0">
+              <a:solidFill>
+                <a:schemeClr val="tx1"/>
+              </a:solidFill>
+              <a:effectLst/>
+              <a:latin typeface="+mn-lt"/>
+              <a:ea typeface="+mn-ea"/>
+              <a:cs typeface="+mn-cs"/>
+            </a:endParaRPr>
           </a:p>
         </p:txBody>
       </p:sp>
@@ -2259,7 +3951,7 @@
     </p:spTree>
     <p:extLst>
       <p:ext uri="{BB962C8B-B14F-4D97-AF65-F5344CB8AC3E}">
-        <p14:creationId xmlns:p14="http://schemas.microsoft.com/office/powerpoint/2010/main" val="2751988310"/>
+        <p14:creationId xmlns:p14="http://schemas.microsoft.com/office/powerpoint/2010/main" val="860756360"/>
       </p:ext>
     </p:extLst>
   </p:cSld>
@@ -2315,17 +4007,141 @@
           <a:p>
             <a:r>
               <a:rPr lang="en-US" dirty="0"/>
-              <a:t>Based on</a:t>
+              <a:t>Tasks</a:t>
             </a:r>
             <a:r>
               <a:rPr lang="en-US" baseline="0" dirty="0"/>
-              <a:t> task times on </a:t>
+              <a:t> that were easy will be tasks that took the less amount of time to complete based on reports from </a:t>
             </a:r>
             <a:r>
               <a:rPr lang="en-US" baseline="0" dirty="0" err="1"/>
               <a:t>toggl</a:t>
             </a:r>
-            <a:endParaRPr lang="en-US" dirty="0"/>
+            <a:r>
+              <a:rPr lang="en-US" baseline="0" dirty="0"/>
+              <a:t>:</a:t>
+            </a:r>
+          </a:p>
+          <a:p>
+            <a:endParaRPr lang="en-US" baseline="0" dirty="0"/>
+          </a:p>
+          <a:p>
+            <a:r>
+              <a:rPr lang="en-US" b="1" u="sng" baseline="0" dirty="0"/>
+              <a:t>1.2 Project Scope: </a:t>
+            </a:r>
+            <a:r>
+              <a:rPr lang="en-US" b="0" u="none" baseline="0" dirty="0"/>
+              <a:t>Laying out the team skillsets helped to identify exclusions such as using a flat-file system vs a database</a:t>
+            </a:r>
+            <a:endParaRPr lang="en-US" b="1" u="sng" baseline="0" dirty="0"/>
+          </a:p>
+          <a:p>
+            <a:endParaRPr lang="en-US" baseline="0" dirty="0"/>
+          </a:p>
+          <a:p>
+            <a:r>
+              <a:rPr lang="en-US" b="1" u="sng" baseline="0" dirty="0"/>
+              <a:t>1.4 Performance/Behavior Constraints: </a:t>
+            </a:r>
+            <a:r>
+              <a:rPr lang="en-US" b="0" u="none" baseline="0" dirty="0"/>
+              <a:t>Thinking about reasonable expectations of functionality </a:t>
+            </a:r>
+          </a:p>
+          <a:p>
+            <a:endParaRPr lang="en-US" b="0" u="none" baseline="0" dirty="0"/>
+          </a:p>
+          <a:p>
+            <a:r>
+              <a:rPr lang="en-US" b="1" u="sng" baseline="0" dirty="0"/>
+              <a:t>1.5 Management and Technical Constraints:</a:t>
+            </a:r>
+            <a:r>
+              <a:rPr lang="en-US" b="0" u="none" baseline="0" dirty="0"/>
+              <a:t> </a:t>
+            </a:r>
+          </a:p>
+          <a:p>
+            <a:r>
+              <a:rPr lang="en-US" b="1" u="sng" baseline="0" dirty="0"/>
+              <a:t>Management constraints: </a:t>
+            </a:r>
+            <a:r>
+              <a:rPr lang="en-US" b="0" u="none" baseline="0" dirty="0"/>
+              <a:t>Based on individual schedules and exceptions to team members availability. </a:t>
+            </a:r>
+          </a:p>
+          <a:p>
+            <a:r>
+              <a:rPr lang="en-US" b="1" u="sng" baseline="0" dirty="0"/>
+              <a:t>Technical constraints: </a:t>
+            </a:r>
+            <a:r>
+              <a:rPr lang="en-US" b="0" u="none" baseline="0" dirty="0"/>
+              <a:t>Knowing the kinds of language we will be programming in and based on team skillset.</a:t>
+            </a:r>
+          </a:p>
+          <a:p>
+            <a:endParaRPr lang="en-US" b="0" u="none" baseline="0" dirty="0"/>
+          </a:p>
+          <a:p>
+            <a:r>
+              <a:rPr lang="en-US" b="1" u="sng" baseline="0" dirty="0"/>
+              <a:t>2.0 Historical Data for estimates: </a:t>
+            </a:r>
+            <a:r>
+              <a:rPr lang="en-US" b="0" u="none" baseline="0" dirty="0"/>
+              <a:t>Deciding what sources to use as historical data </a:t>
+            </a:r>
+            <a:r>
+              <a:rPr lang="en-US" b="0" u="none" baseline="0" dirty="0" err="1"/>
+              <a:t>Ii.e</a:t>
+            </a:r>
+            <a:r>
+              <a:rPr lang="en-US" b="0" u="none" baseline="0" dirty="0"/>
+              <a:t> Erik’s current job, programs that are from CIS 200 and up (excluding labs b/c we did not feel they were very representative of an individuals work)</a:t>
+            </a:r>
+          </a:p>
+          <a:p>
+            <a:endParaRPr lang="en-US" b="0" u="none" baseline="0" dirty="0"/>
+          </a:p>
+          <a:p>
+            <a:r>
+              <a:rPr lang="en-US" b="1" u="sng" baseline="0" dirty="0"/>
+              <a:t>2.5 Project Resources:</a:t>
+            </a:r>
+            <a:r>
+              <a:rPr lang="en-US" b="0" u="none" baseline="0" dirty="0"/>
+              <a:t> Because we started having team meetings as earlier as possible we were able to have tools established before the SPMP was assigned.</a:t>
+            </a:r>
+          </a:p>
+          <a:p>
+            <a:endParaRPr lang="en-US" b="0" u="none" baseline="0" dirty="0"/>
+          </a:p>
+          <a:p>
+            <a:r>
+              <a:rPr lang="en-US" b="1" u="sng" baseline="0" dirty="0"/>
+              <a:t>4.1 Project task set: </a:t>
+            </a:r>
+            <a:r>
+              <a:rPr lang="en-US" b="0" u="none" baseline="0" dirty="0"/>
+              <a:t>A communication plan was already in action by the time the SPMP was assigned making it easier to decide what the next steps of action would be.</a:t>
+            </a:r>
+          </a:p>
+          <a:p>
+            <a:endParaRPr lang="en-US" b="0" u="none" baseline="0" dirty="0"/>
+          </a:p>
+          <a:p>
+            <a:r>
+              <a:rPr lang="en-US" b="1" u="sng" baseline="0" dirty="0"/>
+              <a:t>5.O Staff Organization: </a:t>
+            </a:r>
+            <a:r>
+              <a:rPr lang="en-US" b="0" u="none" baseline="0" dirty="0"/>
+              <a:t>Establishing communication tools early on. Establishing team member and Project Manager expectations. Establishing meetings times.</a:t>
+            </a:r>
+            <a:endParaRPr lang="en-US" b="1" u="sng" dirty="0"/>
           </a:p>
         </p:txBody>
       </p:sp>
@@ -2346,7 +4162,7 @@
           <a:p>
             <a:fld id="{B621E0F3-BCE5-4552-9E75-AD4D9ACB2A2B}" type="slidenum">
               <a:rPr lang="en-US" smtClean="0"/>
-              <a:t>14</a:t>
+              <a:t>15</a:t>
             </a:fld>
             <a:endParaRPr lang="en-US"/>
           </a:p>
@@ -2355,7 +4171,7 @@
     </p:spTree>
     <p:extLst>
       <p:ext uri="{BB962C8B-B14F-4D97-AF65-F5344CB8AC3E}">
-        <p14:creationId xmlns:p14="http://schemas.microsoft.com/office/powerpoint/2010/main" val="3573805196"/>
+        <p14:creationId xmlns:p14="http://schemas.microsoft.com/office/powerpoint/2010/main" val="3402795072"/>
       </p:ext>
     </p:extLst>
   </p:cSld>
@@ -2562,7 +4378,7 @@
             <a:fld id="{B61BEF0D-F0BB-DE4B-95CE-6DB70DBA9567}" type="datetimeFigureOut">
               <a:rPr lang="en-US" smtClean="0"/>
               <a:pPr/>
-              <a:t>3/1/2017</a:t>
+              <a:t>3/2/2017</a:t>
             </a:fld>
             <a:endParaRPr lang="en-US" dirty="0"/>
           </a:p>
@@ -2785,7 +4601,7 @@
             <a:fld id="{B61BEF0D-F0BB-DE4B-95CE-6DB70DBA9567}" type="datetimeFigureOut">
               <a:rPr lang="en-US" smtClean="0"/>
               <a:pPr/>
-              <a:t>3/1/2017</a:t>
+              <a:t>3/2/2017</a:t>
             </a:fld>
             <a:endParaRPr lang="en-US" dirty="0"/>
           </a:p>
@@ -2967,7 +4783,7 @@
             <a:fld id="{B61BEF0D-F0BB-DE4B-95CE-6DB70DBA9567}" type="datetimeFigureOut">
               <a:rPr lang="en-US" smtClean="0"/>
               <a:pPr/>
-              <a:t>3/1/2017</a:t>
+              <a:t>3/2/2017</a:t>
             </a:fld>
             <a:endParaRPr lang="en-US" dirty="0"/>
           </a:p>
@@ -3139,7 +4955,7 @@
             <a:fld id="{B61BEF0D-F0BB-DE4B-95CE-6DB70DBA9567}" type="datetimeFigureOut">
               <a:rPr lang="en-US" smtClean="0"/>
               <a:pPr/>
-              <a:t>3/1/2017</a:t>
+              <a:t>3/2/2017</a:t>
             </a:fld>
             <a:endParaRPr lang="en-US" dirty="0"/>
           </a:p>
@@ -3392,7 +5208,7 @@
             <a:fld id="{B61BEF0D-F0BB-DE4B-95CE-6DB70DBA9567}" type="datetimeFigureOut">
               <a:rPr lang="en-US" smtClean="0"/>
               <a:pPr/>
-              <a:t>3/1/2017</a:t>
+              <a:t>3/2/2017</a:t>
             </a:fld>
             <a:endParaRPr lang="en-US" dirty="0"/>
           </a:p>
@@ -3717,7 +5533,7 @@
             <a:fld id="{B61BEF0D-F0BB-DE4B-95CE-6DB70DBA9567}" type="datetimeFigureOut">
               <a:rPr lang="en-US" smtClean="0"/>
               <a:pPr/>
-              <a:t>3/1/2017</a:t>
+              <a:t>3/2/2017</a:t>
             </a:fld>
             <a:endParaRPr lang="en-US" dirty="0"/>
           </a:p>
@@ -4143,7 +5959,7 @@
             <a:fld id="{B61BEF0D-F0BB-DE4B-95CE-6DB70DBA9567}" type="datetimeFigureOut">
               <a:rPr lang="en-US" smtClean="0"/>
               <a:pPr/>
-              <a:t>3/1/2017</a:t>
+              <a:t>3/2/2017</a:t>
             </a:fld>
             <a:endParaRPr lang="en-US" dirty="0"/>
           </a:p>
@@ -4263,7 +6079,7 @@
             <a:fld id="{B61BEF0D-F0BB-DE4B-95CE-6DB70DBA9567}" type="datetimeFigureOut">
               <a:rPr lang="en-US" smtClean="0"/>
               <a:pPr/>
-              <a:t>3/1/2017</a:t>
+              <a:t>3/2/2017</a:t>
             </a:fld>
             <a:endParaRPr lang="en-US" dirty="0"/>
           </a:p>
@@ -4360,7 +6176,7 @@
             <a:fld id="{B61BEF0D-F0BB-DE4B-95CE-6DB70DBA9567}" type="datetimeFigureOut">
               <a:rPr lang="en-US" smtClean="0"/>
               <a:pPr/>
-              <a:t>3/1/2017</a:t>
+              <a:t>3/2/2017</a:t>
             </a:fld>
             <a:endParaRPr lang="en-US" dirty="0"/>
           </a:p>
@@ -4652,7 +6468,7 @@
             <a:fld id="{B61BEF0D-F0BB-DE4B-95CE-6DB70DBA9567}" type="datetimeFigureOut">
               <a:rPr lang="en-US" smtClean="0"/>
               <a:pPr/>
-              <a:t>3/1/2017</a:t>
+              <a:t>3/2/2017</a:t>
             </a:fld>
             <a:endParaRPr lang="en-US" dirty="0"/>
           </a:p>
@@ -4926,7 +6742,7 @@
             <a:fld id="{B61BEF0D-F0BB-DE4B-95CE-6DB70DBA9567}" type="datetimeFigureOut">
               <a:rPr lang="en-US" smtClean="0"/>
               <a:pPr/>
-              <a:t>3/1/2017</a:t>
+              <a:t>3/2/2017</a:t>
             </a:fld>
             <a:endParaRPr lang="en-US" dirty="0"/>
           </a:p>
@@ -5181,7 +6997,7 @@
             <a:fld id="{B61BEF0D-F0BB-DE4B-95CE-6DB70DBA9567}" type="datetimeFigureOut">
               <a:rPr lang="en-US" smtClean="0"/>
               <a:pPr/>
-              <a:t>3/1/2017</a:t>
+              <a:t>3/2/2017</a:t>
             </a:fld>
             <a:endParaRPr lang="en-US" dirty="0"/>
           </a:p>
@@ -5792,7 +7608,14 @@
           <a:p>
             <a:r>
               <a:rPr lang="en-US" dirty="0"/>
-              <a:t>Relationship with Project Managers</a:t>
+              <a:t>Estimates</a:t>
+            </a:r>
+            <a:br>
+              <a:rPr lang="en-US" dirty="0"/>
+            </a:br>
+            <a:r>
+              <a:rPr lang="en-US" sz="2800" dirty="0"/>
+              <a:t>Part 1 estimate</a:t>
             </a:r>
           </a:p>
         </p:txBody>
@@ -5811,30 +7634,6 @@
         <p:txBody>
           <a:bodyPr/>
           <a:lstStyle/>
-          <a:p>
-            <a:r>
-              <a:rPr lang="en-US" dirty="0"/>
-              <a:t>Started off very promising </a:t>
-            </a:r>
-          </a:p>
-          <a:p>
-            <a:r>
-              <a:rPr lang="en-US" dirty="0"/>
-              <a:t>Communication process not well defined</a:t>
-            </a:r>
-          </a:p>
-          <a:p>
-            <a:r>
-              <a:rPr lang="en-US" dirty="0"/>
-              <a:t>Did not properly give feed back. </a:t>
-            </a:r>
-          </a:p>
-          <a:p>
-            <a:endParaRPr lang="en-US" dirty="0"/>
-          </a:p>
-          <a:p>
-            <a:endParaRPr lang="en-US" dirty="0"/>
-          </a:p>
           <a:p>
             <a:endParaRPr lang="en-US" dirty="0"/>
           </a:p>
@@ -5843,7 +7642,7 @@
     </p:spTree>
     <p:extLst>
       <p:ext uri="{BB962C8B-B14F-4D97-AF65-F5344CB8AC3E}">
-        <p14:creationId xmlns:p14="http://schemas.microsoft.com/office/powerpoint/2010/main" val="3037143174"/>
+        <p14:creationId xmlns:p14="http://schemas.microsoft.com/office/powerpoint/2010/main" val="1864266370"/>
       </p:ext>
     </p:extLst>
   </p:cSld>
@@ -5887,7 +7686,14 @@
           <a:p>
             <a:r>
               <a:rPr lang="en-US" dirty="0"/>
-              <a:t>Justification of Decisions: Overall  </a:t>
+              <a:t>Estimates </a:t>
+            </a:r>
+            <a:br>
+              <a:rPr lang="en-US" dirty="0"/>
+            </a:br>
+            <a:r>
+              <a:rPr lang="en-US" sz="2800" dirty="0"/>
+              <a:t>Overall Project initial </a:t>
             </a:r>
           </a:p>
         </p:txBody>
@@ -5909,41 +7715,63 @@
           </a:bodyPr>
           <a:lstStyle/>
           <a:p>
-            <a:r>
-              <a:rPr lang="en-US" dirty="0"/>
-              <a:t>Slack:  Free, previous experience, intuitive, better organization than a group text, log all conversation, mobile app </a:t>
-            </a:r>
-          </a:p>
-          <a:p>
-            <a:r>
-              <a:rPr lang="en-US" dirty="0"/>
-              <a:t>Wrike: Free, previous experience, easy to assign tasks, keeps you notified, mobile app</a:t>
-            </a:r>
-          </a:p>
-          <a:p>
-            <a:r>
-              <a:rPr lang="en-US" dirty="0"/>
-              <a:t>Toggl: Free, previous experience, mobile app, reports(team functionality depends on this), time collection for team.</a:t>
-            </a:r>
-          </a:p>
-          <a:p>
-            <a:r>
-              <a:rPr lang="en-US" dirty="0"/>
-              <a:t>GitHub: Free, ubiquitous, mature, retention of historical versions of artifacts.</a:t>
-            </a:r>
-          </a:p>
-          <a:p>
-            <a:r>
-              <a:rPr lang="en-US" dirty="0"/>
-              <a:t>Microsoft Project: Most accessible way to build task network diagram.</a:t>
-            </a:r>
+            <a:pPr marL="45720" indent="0">
+              <a:buNone/>
+            </a:pPr>
+            <a:r>
+              <a:rPr lang="en-US" dirty="0"/>
+              <a:t>Overall Project initial</a:t>
+            </a:r>
+          </a:p>
+          <a:p>
+            <a:pPr lvl="1"/>
+            <a:r>
+              <a:rPr lang="en-US" dirty="0"/>
+              <a:t>Lines of code: 5000 lines of code, 102 Hours </a:t>
+            </a:r>
+          </a:p>
+          <a:p>
+            <a:pPr lvl="1"/>
+            <a:r>
+              <a:rPr lang="en-US" dirty="0"/>
+              <a:t>Function estimate: 18 functions </a:t>
+            </a:r>
+          </a:p>
+          <a:p>
+            <a:pPr lvl="1"/>
+            <a:r>
+              <a:rPr lang="en-US" dirty="0"/>
+              <a:t>Task estimate: 46 Hours per person, 184 Hours total</a:t>
+            </a:r>
+          </a:p>
+          <a:p>
+            <a:pPr lvl="1"/>
+            <a:r>
+              <a:rPr lang="en-US" dirty="0"/>
+              <a:t>SPMP completion estimate: 60 Hours</a:t>
+            </a:r>
+          </a:p>
+          <a:p>
+            <a:pPr marL="45720" indent="0">
+              <a:buNone/>
+            </a:pPr>
+            <a:r>
+              <a:rPr lang="en-US" dirty="0"/>
+              <a:t>Total Overall Project time Estimate: 162 Hours</a:t>
+            </a:r>
+          </a:p>
+          <a:p>
+            <a:pPr marL="274320" lvl="1" indent="0">
+              <a:buNone/>
+            </a:pPr>
+            <a:endParaRPr lang="en-US" dirty="0"/>
           </a:p>
         </p:txBody>
       </p:sp>
     </p:spTree>
     <p:extLst>
       <p:ext uri="{BB962C8B-B14F-4D97-AF65-F5344CB8AC3E}">
-        <p14:creationId xmlns:p14="http://schemas.microsoft.com/office/powerpoint/2010/main" val="1833733067"/>
+        <p14:creationId xmlns:p14="http://schemas.microsoft.com/office/powerpoint/2010/main" val="2167422120"/>
       </p:ext>
     </p:extLst>
   </p:cSld>
@@ -5987,7 +7815,14 @@
           <a:p>
             <a:r>
               <a:rPr lang="en-US" dirty="0"/>
-              <a:t>Justification of Decisions: SPMP Phase 1  </a:t>
+              <a:t>Estimates </a:t>
+            </a:r>
+            <a:br>
+              <a:rPr lang="en-US" dirty="0"/>
+            </a:br>
+            <a:r>
+              <a:rPr lang="en-US" sz="2800" dirty="0"/>
+              <a:t>Actual Part 1 </a:t>
             </a:r>
           </a:p>
         </p:txBody>
@@ -6004,61 +7839,74 @@
         </p:nvSpPr>
         <p:spPr/>
         <p:txBody>
-          <a:bodyPr/>
+          <a:bodyPr>
+            <a:normAutofit/>
+          </a:bodyPr>
           <a:lstStyle/>
           <a:p>
-            <a:r>
-              <a:rPr lang="en-US" dirty="0"/>
-              <a:t>Performance/ Behavior </a:t>
+            <a:pPr marL="45720" indent="0">
+              <a:buNone/>
+            </a:pPr>
+            <a:r>
+              <a:rPr lang="en-US" dirty="0"/>
+              <a:t>Overall Project initial</a:t>
             </a:r>
           </a:p>
           <a:p>
             <a:pPr lvl="1"/>
             <a:r>
               <a:rPr lang="en-US" dirty="0"/>
-              <a:t>Make sure all errors get logged externally to the program to make troubleshooting easy for both developer and customer.</a:t>
+              <a:t>Lines of code: 117 Hours</a:t>
             </a:r>
           </a:p>
           <a:p>
             <a:pPr lvl="1"/>
             <a:r>
               <a:rPr lang="en-US" dirty="0"/>
-              <a:t>Technical constraints: </a:t>
-            </a:r>
-          </a:p>
-          <a:p>
-            <a:r>
-              <a:rPr lang="en-US" dirty="0"/>
-              <a:t>Estimations</a:t>
+              <a:t>Function estimate: 936 Hours</a:t>
             </a:r>
           </a:p>
           <a:p>
             <a:pPr lvl="1"/>
             <a:r>
               <a:rPr lang="en-US" dirty="0"/>
-              <a:t>Tasks estimate </a:t>
+              <a:t>Task estimate: 399 Hours</a:t>
             </a:r>
           </a:p>
           <a:p>
             <a:pPr lvl="1"/>
             <a:r>
               <a:rPr lang="en-US" dirty="0"/>
-              <a:t>Lines of code </a:t>
-            </a:r>
-          </a:p>
-          <a:p>
-            <a:pPr lvl="1"/>
-            <a:r>
-              <a:rPr lang="en-US" dirty="0"/>
-              <a:t>Function point</a:t>
-            </a:r>
+              <a:t>Person-Hours spent so far: 116 Hours</a:t>
+            </a:r>
+          </a:p>
+          <a:p>
+            <a:pPr marL="45720" indent="0">
+              <a:buNone/>
+            </a:pPr>
+            <a:r>
+              <a:rPr lang="en-US" dirty="0"/>
+              <a:t>Estimation Selection: 525.5 Person-Hours </a:t>
+            </a:r>
+          </a:p>
+          <a:p>
+            <a:pPr marL="45720" indent="0">
+              <a:buNone/>
+            </a:pPr>
+            <a:endParaRPr lang="en-US" dirty="0"/>
+          </a:p>
+          <a:p>
+            <a:pPr marL="274320" lvl="1" indent="0">
+              <a:buNone/>
+            </a:pPr>
+            <a:endParaRPr lang="en-US" dirty="0"/>
           </a:p>
         </p:txBody>
       </p:sp>
     </p:spTree>
     <p:extLst>
       <p:ext uri="{BB962C8B-B14F-4D97-AF65-F5344CB8AC3E}">
-        <p14:creationId xmlns:p14="http://schemas.microsoft.com/office/powerpoint/2010/main" val="3023688898"/>
+        <p14:creationId xmlns:p14="http://schemas.microsoft.com/office/powerpoint/2010/main" val="659889106"/>
       </p:ext>
     </p:extLst>
   </p:cSld>
@@ -6102,7 +7950,14 @@
           <a:p>
             <a:r>
               <a:rPr lang="en-US" dirty="0"/>
-              <a:t>What was easiest</a:t>
+              <a:t>Estimates</a:t>
+            </a:r>
+            <a:br>
+              <a:rPr lang="en-US" dirty="0"/>
+            </a:br>
+            <a:r>
+              <a:rPr lang="en-US" sz="2800" dirty="0"/>
+              <a:t>Part 2 estimate</a:t>
             </a:r>
           </a:p>
         </p:txBody>
@@ -6121,18 +7976,6 @@
         <p:txBody>
           <a:bodyPr/>
           <a:lstStyle/>
-          <a:p>
-            <a:r>
-              <a:rPr lang="en-US" dirty="0"/>
-              <a:t>Problem statement</a:t>
-            </a:r>
-          </a:p>
-          <a:p>
-            <a:r>
-              <a:rPr lang="en-US" dirty="0"/>
-              <a:t>Risk management</a:t>
-            </a:r>
-          </a:p>
           <a:p>
             <a:endParaRPr lang="en-US" dirty="0"/>
           </a:p>
@@ -6141,7 +7984,7 @@
     </p:spTree>
     <p:extLst>
       <p:ext uri="{BB962C8B-B14F-4D97-AF65-F5344CB8AC3E}">
-        <p14:creationId xmlns:p14="http://schemas.microsoft.com/office/powerpoint/2010/main" val="2528736413"/>
+        <p14:creationId xmlns:p14="http://schemas.microsoft.com/office/powerpoint/2010/main" val="3381177137"/>
       </p:ext>
     </p:extLst>
   </p:cSld>
@@ -6185,7 +8028,14 @@
           <a:p>
             <a:r>
               <a:rPr lang="en-US" dirty="0"/>
-              <a:t>What was hardest</a:t>
+              <a:t>Estimates</a:t>
+            </a:r>
+            <a:br>
+              <a:rPr lang="en-US" dirty="0"/>
+            </a:br>
+            <a:r>
+              <a:rPr lang="en-US" sz="2800" dirty="0"/>
+              <a:t>New Overall project estimate </a:t>
             </a:r>
           </a:p>
         </p:txBody>
@@ -6205,35 +8055,14 @@
           <a:bodyPr/>
           <a:lstStyle/>
           <a:p>
-            <a:r>
-              <a:rPr lang="en-US" dirty="0"/>
-              <a:t>Document merging </a:t>
-            </a:r>
-          </a:p>
-          <a:p>
-            <a:r>
-              <a:rPr lang="en-US" dirty="0"/>
-              <a:t>1.3 functional decomposition: Defining the general functionality not the process.</a:t>
-            </a:r>
-          </a:p>
-          <a:p>
-            <a:r>
-              <a:rPr lang="en-US" dirty="0"/>
-              <a:t>Task network diagram: time consuming.</a:t>
-            </a:r>
-          </a:p>
-          <a:p>
-            <a:r>
-              <a:rPr lang="en-US" dirty="0"/>
-              <a:t>SQA</a:t>
-            </a:r>
+            <a:endParaRPr lang="en-US"/>
           </a:p>
         </p:txBody>
       </p:sp>
     </p:spTree>
     <p:extLst>
       <p:ext uri="{BB962C8B-B14F-4D97-AF65-F5344CB8AC3E}">
-        <p14:creationId xmlns:p14="http://schemas.microsoft.com/office/powerpoint/2010/main" val="3278798143"/>
+        <p14:creationId xmlns:p14="http://schemas.microsoft.com/office/powerpoint/2010/main" val="3895379939"/>
       </p:ext>
     </p:extLst>
   </p:cSld>
@@ -6277,7 +8106,14 @@
           <a:p>
             <a:r>
               <a:rPr lang="en-US" dirty="0"/>
-              <a:t>What to adjust</a:t>
+              <a:t>SPMP</a:t>
+            </a:r>
+            <a:br>
+              <a:rPr lang="en-US" dirty="0"/>
+            </a:br>
+            <a:r>
+              <a:rPr lang="en-US" sz="2800" dirty="0"/>
+              <a:t>What was easiest</a:t>
             </a:r>
           </a:p>
         </p:txBody>
@@ -6294,22 +8130,57 @@
         </p:nvSpPr>
         <p:spPr/>
         <p:txBody>
-          <a:bodyPr/>
+          <a:bodyPr>
+            <a:normAutofit/>
+          </a:bodyPr>
           <a:lstStyle/>
           <a:p>
             <a:r>
               <a:rPr lang="en-US" dirty="0"/>
-              <a:t>Documentation method</a:t>
-            </a:r>
-          </a:p>
-          <a:p>
-            <a:r>
-              <a:rPr lang="en-US"/>
-              <a:t>Communication </a:t>
-            </a:r>
-            <a:r>
-              <a:rPr lang="en-US" dirty="0"/>
-              <a:t>with Project Managers</a:t>
+              <a:t>1.2 Project scope</a:t>
+            </a:r>
+          </a:p>
+          <a:p>
+            <a:pPr lvl="1"/>
+            <a:r>
+              <a:rPr lang="en-US" dirty="0"/>
+              <a:t>Inclusions and exclusions</a:t>
+            </a:r>
+          </a:p>
+          <a:p>
+            <a:r>
+              <a:rPr lang="en-US" dirty="0"/>
+              <a:t>1.4 Performance/Behavior Constraints</a:t>
+            </a:r>
+          </a:p>
+          <a:p>
+            <a:r>
+              <a:rPr lang="en-US" dirty="0"/>
+              <a:t>1.5 Management and Technical Constraints </a:t>
+            </a:r>
+          </a:p>
+          <a:p>
+            <a:r>
+              <a:rPr lang="en-US" dirty="0"/>
+              <a:t>2.1 Historical Data for Estimates</a:t>
+            </a:r>
+          </a:p>
+          <a:p>
+            <a:r>
+              <a:rPr lang="en-US" dirty="0"/>
+              <a:t>2.5 Project Resources </a:t>
+            </a:r>
+          </a:p>
+          <a:p>
+            <a:r>
+              <a:rPr lang="en-US" dirty="0"/>
+              <a:t>4.1 Project task set</a:t>
+            </a:r>
+          </a:p>
+          <a:p>
+            <a:r>
+              <a:rPr lang="en-US" dirty="0"/>
+              <a:t>5.0 Staff organization</a:t>
             </a:r>
           </a:p>
         </p:txBody>
@@ -6317,7 +8188,7 @@
     </p:spTree>
     <p:extLst>
       <p:ext uri="{BB962C8B-B14F-4D97-AF65-F5344CB8AC3E}">
-        <p14:creationId xmlns:p14="http://schemas.microsoft.com/office/powerpoint/2010/main" val="2241271766"/>
+        <p14:creationId xmlns:p14="http://schemas.microsoft.com/office/powerpoint/2010/main" val="2528736413"/>
       </p:ext>
     </p:extLst>
   </p:cSld>
@@ -6361,7 +8232,14 @@
           <a:p>
             <a:r>
               <a:rPr lang="en-US" dirty="0"/>
-              <a:t>Extra functionality</a:t>
+              <a:t>SPMP</a:t>
+            </a:r>
+            <a:br>
+              <a:rPr lang="en-US" dirty="0"/>
+            </a:br>
+            <a:r>
+              <a:rPr lang="en-US" sz="2800" dirty="0"/>
+              <a:t>What was hardest</a:t>
             </a:r>
           </a:p>
         </p:txBody>
@@ -6378,38 +8256,48 @@
         </p:nvSpPr>
         <p:spPr/>
         <p:txBody>
-          <a:bodyPr>
-            <a:normAutofit/>
-          </a:bodyPr>
+          <a:bodyPr/>
           <a:lstStyle/>
           <a:p>
             <a:r>
               <a:rPr lang="en-US" dirty="0"/>
-              <a:t>A company-wide sale on a particular item</a:t>
-            </a:r>
-          </a:p>
-          <a:p>
-            <a:r>
-              <a:rPr lang="en-US" dirty="0"/>
-              <a:t>Frequently out of stock or over stock of an item, have system order more or less, respectively, than the default upon reorder.</a:t>
-            </a:r>
-          </a:p>
-          <a:p>
-            <a:r>
-              <a:rPr lang="en-US" dirty="0"/>
-              <a:t>Coupled items </a:t>
-            </a:r>
-          </a:p>
-          <a:p>
-            <a:r>
-              <a:rPr lang="en-US" dirty="0"/>
-              <a:t>Customer eligibility for refilled on other prescriptions based off refill date.</a:t>
-            </a:r>
-          </a:p>
-          <a:p>
-            <a:r>
-              <a:rPr lang="en-US" dirty="0"/>
-              <a:t>Customer coupons that provide a discount</a:t>
+              <a:t>Document merging and formatting </a:t>
+            </a:r>
+          </a:p>
+          <a:p>
+            <a:r>
+              <a:rPr lang="en-US" dirty="0"/>
+              <a:t>1.3 Functional Decomposition</a:t>
+            </a:r>
+          </a:p>
+          <a:p>
+            <a:r>
+              <a:rPr lang="en-US" dirty="0"/>
+              <a:t>2.2.2 Overall Project Estimate</a:t>
+            </a:r>
+          </a:p>
+          <a:p>
+            <a:r>
+              <a:rPr lang="en-US" dirty="0"/>
+              <a:t>2.3 Estimation Techniques Applied and Results</a:t>
+            </a:r>
+          </a:p>
+          <a:p>
+            <a:r>
+              <a:rPr lang="en-US" dirty="0"/>
+              <a:t>4.2 Task network diagram: time consuming.</a:t>
+            </a:r>
+          </a:p>
+          <a:p>
+            <a:r>
+              <a:rPr lang="en-US" dirty="0"/>
+              <a:t>Risk management</a:t>
+            </a:r>
+          </a:p>
+          <a:p>
+            <a:r>
+              <a:rPr lang="en-US" dirty="0"/>
+              <a:t>SQA</a:t>
             </a:r>
           </a:p>
         </p:txBody>
@@ -6417,7 +8305,355 @@
     </p:spTree>
     <p:extLst>
       <p:ext uri="{BB962C8B-B14F-4D97-AF65-F5344CB8AC3E}">
-        <p14:creationId xmlns:p14="http://schemas.microsoft.com/office/powerpoint/2010/main" val="1515268198"/>
+        <p14:creationId xmlns:p14="http://schemas.microsoft.com/office/powerpoint/2010/main" val="3278798143"/>
+      </p:ext>
+    </p:extLst>
+  </p:cSld>
+  <p:clrMapOvr>
+    <a:masterClrMapping/>
+  </p:clrMapOvr>
+</p:sld>
+</file>
+
+<file path=ppt/slides/slide17.xml><?xml version="1.0" encoding="utf-8"?>
+<p:sld xmlns:a="http://schemas.openxmlformats.org/drawingml/2006/main" xmlns:r="http://schemas.openxmlformats.org/officeDocument/2006/relationships" xmlns:p="http://schemas.openxmlformats.org/presentationml/2006/main">
+  <p:cSld>
+    <p:spTree>
+      <p:nvGrpSpPr>
+        <p:cNvPr id="1" name=""/>
+        <p:cNvGrpSpPr/>
+        <p:nvPr/>
+      </p:nvGrpSpPr>
+      <p:grpSpPr>
+        <a:xfrm>
+          <a:off x="0" y="0"/>
+          <a:ext cx="0" cy="0"/>
+          <a:chOff x="0" y="0"/>
+          <a:chExt cx="0" cy="0"/>
+        </a:xfrm>
+      </p:grpSpPr>
+      <p:sp>
+        <p:nvSpPr>
+          <p:cNvPr id="2" name="Title 1"/>
+          <p:cNvSpPr>
+            <a:spLocks noGrp="1"/>
+          </p:cNvSpPr>
+          <p:nvPr>
+            <p:ph type="title"/>
+          </p:nvPr>
+        </p:nvSpPr>
+        <p:spPr/>
+        <p:txBody>
+          <a:bodyPr/>
+          <a:lstStyle/>
+          <a:p>
+            <a:r>
+              <a:rPr lang="en-US" dirty="0"/>
+              <a:t>Communication Plan</a:t>
+            </a:r>
+            <a:br>
+              <a:rPr lang="en-US" dirty="0"/>
+            </a:br>
+            <a:endParaRPr lang="en-US" sz="2800" dirty="0"/>
+          </a:p>
+        </p:txBody>
+      </p:sp>
+      <p:sp>
+        <p:nvSpPr>
+          <p:cNvPr id="3" name="Content Placeholder 2"/>
+          <p:cNvSpPr>
+            <a:spLocks noGrp="1"/>
+          </p:cNvSpPr>
+          <p:nvPr>
+            <p:ph idx="1"/>
+          </p:nvPr>
+        </p:nvSpPr>
+        <p:spPr/>
+        <p:txBody>
+          <a:bodyPr>
+            <a:normAutofit lnSpcReduction="10000"/>
+          </a:bodyPr>
+          <a:lstStyle/>
+          <a:p>
+            <a:pPr marL="0" indent="0">
+              <a:buNone/>
+            </a:pPr>
+            <a:r>
+              <a:rPr lang="en-US" dirty="0"/>
+              <a:t>Checking Slack once a day:</a:t>
+            </a:r>
+          </a:p>
+          <a:p>
+            <a:pPr lvl="1"/>
+            <a:r>
+              <a:rPr lang="en-US" dirty="0"/>
+              <a:t>Requiring Team members to check Slack at least once per day to stay up to date with project discussions.</a:t>
+            </a:r>
+          </a:p>
+          <a:p>
+            <a:pPr marL="0" indent="0">
+              <a:buNone/>
+            </a:pPr>
+            <a:r>
+              <a:rPr lang="en-US" dirty="0"/>
+              <a:t>Establish meeting dates: Recurring in-person meetings on Sundays</a:t>
+            </a:r>
+          </a:p>
+          <a:p>
+            <a:pPr lvl="1"/>
+            <a:r>
+              <a:rPr lang="en-US" dirty="0"/>
+              <a:t>Slack channel “</a:t>
+            </a:r>
+            <a:r>
+              <a:rPr lang="en-US" dirty="0" err="1"/>
+              <a:t>meeting_minutes</a:t>
+            </a:r>
+            <a:r>
+              <a:rPr lang="en-US" dirty="0"/>
+              <a:t>” contained an overview of the discussions from in-person meetings.</a:t>
+            </a:r>
+          </a:p>
+          <a:p>
+            <a:pPr marL="0" indent="0">
+              <a:buNone/>
+            </a:pPr>
+            <a:r>
+              <a:rPr lang="en-US" dirty="0"/>
+              <a:t>General Availability Doc:</a:t>
+            </a:r>
+          </a:p>
+          <a:p>
+            <a:pPr lvl="1"/>
+            <a:r>
+              <a:rPr lang="en-US" dirty="0"/>
+              <a:t>Requiring team members to fill in their general availability during the week.</a:t>
+            </a:r>
+          </a:p>
+          <a:p>
+            <a:pPr marL="0" indent="0">
+              <a:buNone/>
+            </a:pPr>
+            <a:r>
+              <a:rPr lang="en-US" dirty="0"/>
+              <a:t>Exceptions Calendar:</a:t>
+            </a:r>
+          </a:p>
+          <a:p>
+            <a:pPr lvl="1"/>
+            <a:r>
+              <a:rPr lang="en-US" dirty="0"/>
+              <a:t>If team member had a change to their general availability and were not available on a specific say, they has to report it to this calendar.</a:t>
+            </a:r>
+          </a:p>
+          <a:p>
+            <a:pPr marL="0" indent="0">
+              <a:buNone/>
+            </a:pPr>
+            <a:endParaRPr lang="en-US" dirty="0"/>
+          </a:p>
+        </p:txBody>
+      </p:sp>
+    </p:spTree>
+    <p:extLst>
+      <p:ext uri="{BB962C8B-B14F-4D97-AF65-F5344CB8AC3E}">
+        <p14:creationId xmlns:p14="http://schemas.microsoft.com/office/powerpoint/2010/main" val="169307868"/>
+      </p:ext>
+    </p:extLst>
+  </p:cSld>
+  <p:clrMapOvr>
+    <a:masterClrMapping/>
+  </p:clrMapOvr>
+</p:sld>
+</file>
+
+<file path=ppt/slides/slide18.xml><?xml version="1.0" encoding="utf-8"?>
+<p:sld xmlns:a="http://schemas.openxmlformats.org/drawingml/2006/main" xmlns:r="http://schemas.openxmlformats.org/officeDocument/2006/relationships" xmlns:p="http://schemas.openxmlformats.org/presentationml/2006/main">
+  <p:cSld>
+    <p:spTree>
+      <p:nvGrpSpPr>
+        <p:cNvPr id="1" name=""/>
+        <p:cNvGrpSpPr/>
+        <p:nvPr/>
+      </p:nvGrpSpPr>
+      <p:grpSpPr>
+        <a:xfrm>
+          <a:off x="0" y="0"/>
+          <a:ext cx="0" cy="0"/>
+          <a:chOff x="0" y="0"/>
+          <a:chExt cx="0" cy="0"/>
+        </a:xfrm>
+      </p:grpSpPr>
+      <p:sp>
+        <p:nvSpPr>
+          <p:cNvPr id="2" name="Title 1"/>
+          <p:cNvSpPr>
+            <a:spLocks noGrp="1"/>
+          </p:cNvSpPr>
+          <p:nvPr>
+            <p:ph type="title"/>
+          </p:nvPr>
+        </p:nvSpPr>
+        <p:spPr/>
+        <p:txBody>
+          <a:bodyPr/>
+          <a:lstStyle/>
+          <a:p>
+            <a:r>
+              <a:rPr lang="en-US" dirty="0"/>
+              <a:t>SCM Plan</a:t>
+            </a:r>
+          </a:p>
+        </p:txBody>
+      </p:sp>
+      <p:sp>
+        <p:nvSpPr>
+          <p:cNvPr id="3" name="Content Placeholder 2"/>
+          <p:cNvSpPr>
+            <a:spLocks noGrp="1"/>
+          </p:cNvSpPr>
+          <p:nvPr>
+            <p:ph idx="1"/>
+          </p:nvPr>
+        </p:nvSpPr>
+        <p:spPr/>
+        <p:txBody>
+          <a:bodyPr/>
+          <a:lstStyle/>
+          <a:p>
+            <a:r>
+              <a:rPr lang="en-US" dirty="0"/>
+              <a:t>Notify team members of changes to the repository through Slack. </a:t>
+            </a:r>
+          </a:p>
+          <a:p>
+            <a:pPr lvl="1"/>
+            <a:r>
+              <a:rPr lang="en-US" b="1" dirty="0"/>
+              <a:t>Source code: </a:t>
+            </a:r>
+            <a:r>
+              <a:rPr lang="en-US" dirty="0"/>
+              <a:t>Will require one administrator review from either Cindy or Erik in order to commit to the master branch. </a:t>
+            </a:r>
+            <a:endParaRPr lang="en-US" b="1" dirty="0"/>
+          </a:p>
+        </p:txBody>
+      </p:sp>
+    </p:spTree>
+    <p:extLst>
+      <p:ext uri="{BB962C8B-B14F-4D97-AF65-F5344CB8AC3E}">
+        <p14:creationId xmlns:p14="http://schemas.microsoft.com/office/powerpoint/2010/main" val="830225128"/>
+      </p:ext>
+    </p:extLst>
+  </p:cSld>
+  <p:clrMapOvr>
+    <a:masterClrMapping/>
+  </p:clrMapOvr>
+</p:sld>
+</file>
+
+<file path=ppt/slides/slide19.xml><?xml version="1.0" encoding="utf-8"?>
+<p:sld xmlns:a="http://schemas.openxmlformats.org/drawingml/2006/main" xmlns:r="http://schemas.openxmlformats.org/officeDocument/2006/relationships" xmlns:p="http://schemas.openxmlformats.org/presentationml/2006/main">
+  <p:cSld>
+    <p:spTree>
+      <p:nvGrpSpPr>
+        <p:cNvPr id="1" name=""/>
+        <p:cNvGrpSpPr/>
+        <p:nvPr/>
+      </p:nvGrpSpPr>
+      <p:grpSpPr>
+        <a:xfrm>
+          <a:off x="0" y="0"/>
+          <a:ext cx="0" cy="0"/>
+          <a:chOff x="0" y="0"/>
+          <a:chExt cx="0" cy="0"/>
+        </a:xfrm>
+      </p:grpSpPr>
+      <p:sp>
+        <p:nvSpPr>
+          <p:cNvPr id="2" name="Title 1"/>
+          <p:cNvSpPr>
+            <a:spLocks noGrp="1"/>
+          </p:cNvSpPr>
+          <p:nvPr>
+            <p:ph type="title"/>
+          </p:nvPr>
+        </p:nvSpPr>
+        <p:spPr/>
+        <p:txBody>
+          <a:bodyPr/>
+          <a:lstStyle/>
+          <a:p>
+            <a:r>
+              <a:rPr lang="en-US" dirty="0"/>
+              <a:t>What worked</a:t>
+            </a:r>
+          </a:p>
+        </p:txBody>
+      </p:sp>
+      <p:sp>
+        <p:nvSpPr>
+          <p:cNvPr id="3" name="Content Placeholder 2"/>
+          <p:cNvSpPr>
+            <a:spLocks noGrp="1"/>
+          </p:cNvSpPr>
+          <p:nvPr>
+            <p:ph idx="1"/>
+          </p:nvPr>
+        </p:nvSpPr>
+        <p:spPr/>
+        <p:txBody>
+          <a:bodyPr/>
+          <a:lstStyle/>
+          <a:p>
+            <a:r>
+              <a:rPr lang="en-US" dirty="0"/>
+              <a:t>Early start</a:t>
+            </a:r>
+          </a:p>
+          <a:p>
+            <a:r>
+              <a:rPr lang="en-US" dirty="0"/>
+              <a:t>Establishing in-person meetings</a:t>
+            </a:r>
+          </a:p>
+          <a:p>
+            <a:r>
+              <a:rPr lang="en-US" dirty="0"/>
+              <a:t>Selection of time tracking tool: Toggl</a:t>
+            </a:r>
+          </a:p>
+          <a:p>
+            <a:r>
+              <a:rPr lang="en-US" dirty="0"/>
+              <a:t>Training for tools</a:t>
+            </a:r>
+          </a:p>
+          <a:p>
+            <a:r>
+              <a:rPr lang="en-US" dirty="0"/>
+              <a:t>Team communication (excluding Project Managers)</a:t>
+            </a:r>
+          </a:p>
+          <a:p>
+            <a:r>
+              <a:rPr lang="en-US" dirty="0"/>
+              <a:t>Risk management</a:t>
+            </a:r>
+          </a:p>
+          <a:p>
+            <a:r>
+              <a:rPr lang="en-US" dirty="0"/>
+              <a:t>Tracking and Control Mechanisms</a:t>
+            </a:r>
+          </a:p>
+        </p:txBody>
+      </p:sp>
+    </p:spTree>
+    <p:extLst>
+      <p:ext uri="{BB962C8B-B14F-4D97-AF65-F5344CB8AC3E}">
+        <p14:creationId xmlns:p14="http://schemas.microsoft.com/office/powerpoint/2010/main" val="1878087913"/>
       </p:ext>
     </p:extLst>
   </p:cSld>
@@ -6701,6 +8937,288 @@
 </p:sld>
 </file>
 
+<file path=ppt/slides/slide20.xml><?xml version="1.0" encoding="utf-8"?>
+<p:sld xmlns:a="http://schemas.openxmlformats.org/drawingml/2006/main" xmlns:r="http://schemas.openxmlformats.org/officeDocument/2006/relationships" xmlns:p="http://schemas.openxmlformats.org/presentationml/2006/main">
+  <p:cSld>
+    <p:spTree>
+      <p:nvGrpSpPr>
+        <p:cNvPr id="1" name=""/>
+        <p:cNvGrpSpPr/>
+        <p:nvPr/>
+      </p:nvGrpSpPr>
+      <p:grpSpPr>
+        <a:xfrm>
+          <a:off x="0" y="0"/>
+          <a:ext cx="0" cy="0"/>
+          <a:chOff x="0" y="0"/>
+          <a:chExt cx="0" cy="0"/>
+        </a:xfrm>
+      </p:grpSpPr>
+      <p:sp>
+        <p:nvSpPr>
+          <p:cNvPr id="2" name="Title 1"/>
+          <p:cNvSpPr>
+            <a:spLocks noGrp="1"/>
+          </p:cNvSpPr>
+          <p:nvPr>
+            <p:ph type="title"/>
+          </p:nvPr>
+        </p:nvSpPr>
+        <p:spPr/>
+        <p:txBody>
+          <a:bodyPr/>
+          <a:lstStyle/>
+          <a:p>
+            <a:r>
+              <a:rPr lang="en-US" dirty="0"/>
+              <a:t>What did not work</a:t>
+            </a:r>
+          </a:p>
+        </p:txBody>
+      </p:sp>
+      <p:sp>
+        <p:nvSpPr>
+          <p:cNvPr id="3" name="Content Placeholder 2"/>
+          <p:cNvSpPr>
+            <a:spLocks noGrp="1"/>
+          </p:cNvSpPr>
+          <p:nvPr>
+            <p:ph idx="1"/>
+          </p:nvPr>
+        </p:nvSpPr>
+        <p:spPr/>
+        <p:txBody>
+          <a:bodyPr/>
+          <a:lstStyle/>
+          <a:p>
+            <a:r>
+              <a:rPr lang="en-US" dirty="0"/>
+              <a:t>Estimating the amount of work tasks would take</a:t>
+            </a:r>
+          </a:p>
+          <a:p>
+            <a:r>
+              <a:rPr lang="en-US" dirty="0"/>
+              <a:t>Compilation and Formatting Method of SPMP.</a:t>
+            </a:r>
+          </a:p>
+          <a:p>
+            <a:r>
+              <a:rPr lang="en-US" dirty="0"/>
+              <a:t>Setting way too early deadlines and milestones for ourselves.</a:t>
+            </a:r>
+          </a:p>
+          <a:p>
+            <a:r>
+              <a:rPr lang="en-US" dirty="0"/>
+              <a:t>Not realizing dependencies. </a:t>
+            </a:r>
+          </a:p>
+          <a:p>
+            <a:r>
+              <a:rPr lang="en-US" dirty="0"/>
+              <a:t>Assigning equal amounts of work.</a:t>
+            </a:r>
+          </a:p>
+          <a:p>
+            <a:r>
+              <a:rPr lang="en-US" dirty="0"/>
+              <a:t>Communication with Project Managers</a:t>
+            </a:r>
+          </a:p>
+          <a:p>
+            <a:endParaRPr lang="en-US" dirty="0"/>
+          </a:p>
+        </p:txBody>
+      </p:sp>
+    </p:spTree>
+    <p:extLst>
+      <p:ext uri="{BB962C8B-B14F-4D97-AF65-F5344CB8AC3E}">
+        <p14:creationId xmlns:p14="http://schemas.microsoft.com/office/powerpoint/2010/main" val="4030846354"/>
+      </p:ext>
+    </p:extLst>
+  </p:cSld>
+  <p:clrMapOvr>
+    <a:masterClrMapping/>
+  </p:clrMapOvr>
+</p:sld>
+</file>
+
+<file path=ppt/slides/slide21.xml><?xml version="1.0" encoding="utf-8"?>
+<p:sld xmlns:a="http://schemas.openxmlformats.org/drawingml/2006/main" xmlns:r="http://schemas.openxmlformats.org/officeDocument/2006/relationships" xmlns:p="http://schemas.openxmlformats.org/presentationml/2006/main">
+  <p:cSld>
+    <p:spTree>
+      <p:nvGrpSpPr>
+        <p:cNvPr id="1" name=""/>
+        <p:cNvGrpSpPr/>
+        <p:nvPr/>
+      </p:nvGrpSpPr>
+      <p:grpSpPr>
+        <a:xfrm>
+          <a:off x="0" y="0"/>
+          <a:ext cx="0" cy="0"/>
+          <a:chOff x="0" y="0"/>
+          <a:chExt cx="0" cy="0"/>
+        </a:xfrm>
+      </p:grpSpPr>
+      <p:sp>
+        <p:nvSpPr>
+          <p:cNvPr id="2" name="Title 1"/>
+          <p:cNvSpPr>
+            <a:spLocks noGrp="1"/>
+          </p:cNvSpPr>
+          <p:nvPr>
+            <p:ph type="title"/>
+          </p:nvPr>
+        </p:nvSpPr>
+        <p:spPr/>
+        <p:txBody>
+          <a:bodyPr/>
+          <a:lstStyle/>
+          <a:p>
+            <a:r>
+              <a:rPr lang="en-US" dirty="0"/>
+              <a:t>Relationship with Project Managers</a:t>
+            </a:r>
+          </a:p>
+        </p:txBody>
+      </p:sp>
+      <p:sp>
+        <p:nvSpPr>
+          <p:cNvPr id="3" name="Content Placeholder 2"/>
+          <p:cNvSpPr>
+            <a:spLocks noGrp="1"/>
+          </p:cNvSpPr>
+          <p:nvPr>
+            <p:ph idx="1"/>
+          </p:nvPr>
+        </p:nvSpPr>
+        <p:spPr/>
+        <p:txBody>
+          <a:bodyPr/>
+          <a:lstStyle/>
+          <a:p>
+            <a:r>
+              <a:rPr lang="en-US" dirty="0"/>
+              <a:t>Started off very promising </a:t>
+            </a:r>
+          </a:p>
+          <a:p>
+            <a:r>
+              <a:rPr lang="en-US" dirty="0"/>
+              <a:t>Communication process was not well defined</a:t>
+            </a:r>
+          </a:p>
+          <a:p>
+            <a:r>
+              <a:rPr lang="en-US" dirty="0"/>
+              <a:t>Did not properly give feed back. </a:t>
+            </a:r>
+          </a:p>
+          <a:p>
+            <a:endParaRPr lang="en-US" dirty="0"/>
+          </a:p>
+          <a:p>
+            <a:endParaRPr lang="en-US" dirty="0"/>
+          </a:p>
+          <a:p>
+            <a:endParaRPr lang="en-US" dirty="0"/>
+          </a:p>
+        </p:txBody>
+      </p:sp>
+    </p:spTree>
+    <p:extLst>
+      <p:ext uri="{BB962C8B-B14F-4D97-AF65-F5344CB8AC3E}">
+        <p14:creationId xmlns:p14="http://schemas.microsoft.com/office/powerpoint/2010/main" val="3037143174"/>
+      </p:ext>
+    </p:extLst>
+  </p:cSld>
+  <p:clrMapOvr>
+    <a:masterClrMapping/>
+  </p:clrMapOvr>
+</p:sld>
+</file>
+
+<file path=ppt/slides/slide22.xml><?xml version="1.0" encoding="utf-8"?>
+<p:sld xmlns:a="http://schemas.openxmlformats.org/drawingml/2006/main" xmlns:r="http://schemas.openxmlformats.org/officeDocument/2006/relationships" xmlns:p="http://schemas.openxmlformats.org/presentationml/2006/main">
+  <p:cSld>
+    <p:spTree>
+      <p:nvGrpSpPr>
+        <p:cNvPr id="1" name=""/>
+        <p:cNvGrpSpPr/>
+        <p:nvPr/>
+      </p:nvGrpSpPr>
+      <p:grpSpPr>
+        <a:xfrm>
+          <a:off x="0" y="0"/>
+          <a:ext cx="0" cy="0"/>
+          <a:chOff x="0" y="0"/>
+          <a:chExt cx="0" cy="0"/>
+        </a:xfrm>
+      </p:grpSpPr>
+      <p:sp>
+        <p:nvSpPr>
+          <p:cNvPr id="2" name="Title 1"/>
+          <p:cNvSpPr>
+            <a:spLocks noGrp="1"/>
+          </p:cNvSpPr>
+          <p:nvPr>
+            <p:ph type="title"/>
+          </p:nvPr>
+        </p:nvSpPr>
+        <p:spPr/>
+        <p:txBody>
+          <a:bodyPr/>
+          <a:lstStyle/>
+          <a:p>
+            <a:r>
+              <a:rPr lang="en-US" dirty="0"/>
+              <a:t>What to adjust</a:t>
+            </a:r>
+          </a:p>
+        </p:txBody>
+      </p:sp>
+      <p:sp>
+        <p:nvSpPr>
+          <p:cNvPr id="3" name="Content Placeholder 2"/>
+          <p:cNvSpPr>
+            <a:spLocks noGrp="1"/>
+          </p:cNvSpPr>
+          <p:nvPr>
+            <p:ph idx="1"/>
+          </p:nvPr>
+        </p:nvSpPr>
+        <p:spPr/>
+        <p:txBody>
+          <a:bodyPr/>
+          <a:lstStyle/>
+          <a:p>
+            <a:r>
+              <a:rPr lang="en-US" dirty="0"/>
+              <a:t>Documentation method – Style template </a:t>
+            </a:r>
+          </a:p>
+          <a:p>
+            <a:r>
+              <a:rPr lang="en-US" dirty="0"/>
+              <a:t>Communication with Project Managers</a:t>
+            </a:r>
+          </a:p>
+        </p:txBody>
+      </p:sp>
+    </p:spTree>
+    <p:extLst>
+      <p:ext uri="{BB962C8B-B14F-4D97-AF65-F5344CB8AC3E}">
+        <p14:creationId xmlns:p14="http://schemas.microsoft.com/office/powerpoint/2010/main" val="2241271766"/>
+      </p:ext>
+    </p:extLst>
+  </p:cSld>
+  <p:clrMapOvr>
+    <a:masterClrMapping/>
+  </p:clrMapOvr>
+</p:sld>
+</file>
+
 <file path=ppt/slides/slide3.xml><?xml version="1.0" encoding="utf-8"?>
 <p:sld xmlns:a="http://schemas.openxmlformats.org/drawingml/2006/main" xmlns:r="http://schemas.openxmlformats.org/officeDocument/2006/relationships" xmlns:p="http://schemas.openxmlformats.org/presentationml/2006/main">
   <p:cSld>
@@ -6938,7 +9456,25 @@
             </a:pPr>
             <a:r>
               <a:rPr lang="en-US" dirty="0"/>
-              <a:t>Communication</a:t>
+              <a:t>Experience with flat-files</a:t>
+            </a:r>
+          </a:p>
+          <a:p>
+            <a:pPr lvl="1">
+              <a:buClrTx/>
+            </a:pPr>
+            <a:r>
+              <a:rPr lang="en-US" dirty="0"/>
+              <a:t>Know C++ programming language</a:t>
+            </a:r>
+          </a:p>
+          <a:p>
+            <a:pPr lvl="1">
+              <a:buClrTx/>
+            </a:pPr>
+            <a:r>
+              <a:rPr lang="en-US" dirty="0"/>
+              <a:t>Communicative</a:t>
             </a:r>
           </a:p>
           <a:p>
@@ -7076,14 +9612,14 @@
           <p:nvPr>
             <p:extLst>
               <p:ext uri="{D42A27DB-BD31-4B8C-83A1-F6EECF244321}">
-                <p14:modId xmlns:p14="http://schemas.microsoft.com/office/powerpoint/2010/main" val="3728602706"/>
+                <p14:modId xmlns:p14="http://schemas.microsoft.com/office/powerpoint/2010/main" val="3090152501"/>
               </p:ext>
             </p:extLst>
           </p:nvPr>
         </p:nvGraphicFramePr>
         <p:xfrm>
           <a:off x="2111" y="1243253"/>
-          <a:ext cx="12189888" cy="5034454"/>
+          <a:ext cx="12189888" cy="5206393"/>
         </p:xfrm>
         <a:graphic>
           <a:graphicData uri="http://schemas.openxmlformats.org/drawingml/2006/table">
@@ -7192,7 +9728,7 @@
                     <a:lstStyle/>
                     <a:p>
                       <a:r>
-                        <a:rPr lang="en-US" sz="1400" dirty="0">
+                        <a:rPr lang="en-US" sz="1600" dirty="0">
                           <a:solidFill>
                             <a:schemeClr val="tx1"/>
                           </a:solidFill>
@@ -7209,7 +9745,7 @@
                     <a:lstStyle/>
                     <a:p>
                       <a:r>
-                        <a:rPr lang="en-US" sz="1100" dirty="0">
+                        <a:rPr lang="en-US" sz="1600" dirty="0">
                           <a:solidFill>
                             <a:schemeClr val="tx1"/>
                           </a:solidFill>
@@ -7304,7 +9840,7 @@
                     <a:lstStyle/>
                     <a:p>
                       <a:r>
-                        <a:rPr lang="en-US" sz="1400" dirty="0" err="1">
+                        <a:rPr lang="en-US" sz="1600" dirty="0" err="1">
                           <a:solidFill>
                             <a:schemeClr val="tx1"/>
                           </a:solidFill>
@@ -7312,14 +9848,14 @@
                         <a:t>Durwin</a:t>
                       </a:r>
                       <a:r>
-                        <a:rPr lang="en-US" sz="1400" baseline="0" dirty="0">
+                        <a:rPr lang="en-US" sz="1600" baseline="0" dirty="0">
                           <a:solidFill>
                             <a:schemeClr val="tx1"/>
                           </a:solidFill>
                         </a:rPr>
                         <a:t> Johnson</a:t>
                       </a:r>
-                      <a:endParaRPr lang="en-US" sz="1400" dirty="0">
+                      <a:endParaRPr lang="en-US" sz="1600" dirty="0">
                         <a:solidFill>
                           <a:schemeClr val="tx1"/>
                         </a:solidFill>
@@ -7334,7 +9870,7 @@
                     <a:lstStyle/>
                     <a:p>
                       <a:r>
-                        <a:rPr lang="en-US" sz="1100" dirty="0">
+                        <a:rPr lang="en-US" sz="1600" dirty="0">
                           <a:solidFill>
                             <a:schemeClr val="tx1"/>
                           </a:solidFill>
@@ -7350,7 +9886,7 @@
                     <a:bodyPr/>
                     <a:lstStyle/>
                     <a:p>
-                      <a:pPr marL="171450" indent="-171450">
+                      <a:pPr marL="285750" indent="-285750">
                         <a:buFont typeface="Arial" panose="020B0604020202020204" pitchFamily="34" charset="0"/>
                         <a:buChar char="•"/>
                       </a:pPr>
@@ -7372,7 +9908,7 @@
                       </a:r>
                     </a:p>
                     <a:p>
-                      <a:pPr marL="171450" indent="-171450">
+                      <a:pPr marL="285750" indent="-285750">
                         <a:buFont typeface="Arial" panose="020B0604020202020204" pitchFamily="34" charset="0"/>
                         <a:buChar char="•"/>
                       </a:pPr>
@@ -7386,7 +9922,7 @@
                       </a:r>
                     </a:p>
                     <a:p>
-                      <a:pPr marL="171450" indent="-171450">
+                      <a:pPr marL="285750" indent="-285750">
                         <a:buFont typeface="Arial" panose="020B0604020202020204" pitchFamily="34" charset="0"/>
                         <a:buChar char="•"/>
                       </a:pPr>
@@ -7400,7 +9936,7 @@
                       </a:r>
                     </a:p>
                     <a:p>
-                      <a:pPr marL="171450" indent="-171450">
+                      <a:pPr marL="285750" indent="-285750">
                         <a:buFont typeface="Arial" panose="020B0604020202020204" pitchFamily="34" charset="0"/>
                         <a:buChar char="•"/>
                       </a:pPr>
@@ -7445,7 +9981,7 @@
                     <a:lstStyle/>
                     <a:p>
                       <a:r>
-                        <a:rPr lang="en-US" sz="1400" dirty="0">
+                        <a:rPr lang="en-US" sz="1600" dirty="0">
                           <a:solidFill>
                             <a:schemeClr val="tx1"/>
                           </a:solidFill>
@@ -7483,7 +10019,7 @@
                         <a:defRPr/>
                       </a:pPr>
                       <a:r>
-                        <a:rPr lang="en-US" sz="1100" dirty="0">
+                        <a:rPr lang="en-US" sz="1600" dirty="0">
                           <a:solidFill>
                             <a:schemeClr val="tx1"/>
                           </a:solidFill>
@@ -7492,7 +10028,7 @@
                       </a:r>
                     </a:p>
                     <a:p>
-                      <a:endParaRPr lang="en-US" sz="1100" dirty="0">
+                      <a:endParaRPr lang="en-US" sz="1600" dirty="0">
                         <a:solidFill>
                           <a:schemeClr val="tx1"/>
                         </a:solidFill>
@@ -7536,7 +10072,7 @@
                     <a:lstStyle/>
                     <a:p>
                       <a:r>
-                        <a:rPr lang="en-US" sz="1400" dirty="0">
+                        <a:rPr lang="en-US" sz="1600" dirty="0">
                           <a:solidFill>
                             <a:schemeClr val="tx1"/>
                           </a:solidFill>
@@ -7570,7 +10106,7 @@
                         <a:defRPr/>
                       </a:pPr>
                       <a:r>
-                        <a:rPr lang="en-US" sz="1100" dirty="0">
+                        <a:rPr lang="en-US" sz="1600" dirty="0">
                           <a:solidFill>
                             <a:schemeClr val="tx1"/>
                           </a:solidFill>
@@ -7579,7 +10115,7 @@
                       </a:r>
                     </a:p>
                     <a:p>
-                      <a:endParaRPr lang="en-US" sz="1100" dirty="0">
+                      <a:endParaRPr lang="en-US" sz="1600" dirty="0">
                         <a:solidFill>
                           <a:schemeClr val="tx1"/>
                         </a:solidFill>
@@ -7636,7 +10172,7 @@
                         <a:defRPr/>
                       </a:pPr>
                       <a:r>
-                        <a:rPr lang="en-US" sz="1400" dirty="0">
+                        <a:rPr lang="en-US" sz="1600" dirty="0">
                           <a:solidFill>
                             <a:schemeClr val="tx1"/>
                           </a:solidFill>
@@ -7644,21 +10180,21 @@
                         <a:t>Reggie </a:t>
                       </a:r>
                       <a:r>
-                        <a:rPr lang="en-US" sz="1400" dirty="0" err="1">
+                        <a:rPr lang="en-US" sz="1600" dirty="0" err="1">
                           <a:solidFill>
                             <a:schemeClr val="tx1"/>
                           </a:solidFill>
                         </a:rPr>
                         <a:t>Jirigesu</a:t>
                       </a:r>
-                      <a:endParaRPr lang="en-US" sz="1400" dirty="0">
+                      <a:endParaRPr lang="en-US" sz="1600" dirty="0">
                         <a:solidFill>
                           <a:schemeClr val="tx1"/>
                         </a:solidFill>
                       </a:endParaRPr>
                     </a:p>
                     <a:p>
-                      <a:endParaRPr lang="en-US" sz="1100" dirty="0">
+                      <a:endParaRPr lang="en-US" sz="1600" dirty="0">
                         <a:solidFill>
                           <a:schemeClr val="tx1"/>
                         </a:solidFill>
@@ -7673,7 +10209,7 @@
                     <a:lstStyle/>
                     <a:p>
                       <a:r>
-                        <a:rPr lang="en-US" sz="1100" dirty="0">
+                        <a:rPr lang="en-US" sz="1600" dirty="0">
                           <a:solidFill>
                             <a:schemeClr val="tx1"/>
                           </a:solidFill>
@@ -7689,7 +10225,7 @@
                     <a:bodyPr/>
                     <a:lstStyle/>
                     <a:p>
-                      <a:pPr marL="171450" indent="-171450">
+                      <a:pPr marL="285750" indent="-285750">
                         <a:buFont typeface="Arial" panose="020B0604020202020204" pitchFamily="34" charset="0"/>
                         <a:buChar char="•"/>
                       </a:pPr>
@@ -7711,7 +10247,7 @@
                       </a:r>
                     </a:p>
                     <a:p>
-                      <a:pPr marL="171450" indent="-171450">
+                      <a:pPr marL="285750" indent="-285750">
                         <a:buFont typeface="Arial" panose="020B0604020202020204" pitchFamily="34" charset="0"/>
                         <a:buChar char="•"/>
                       </a:pPr>
@@ -7725,7 +10261,7 @@
                       </a:r>
                     </a:p>
                     <a:p>
-                      <a:pPr marL="171450" indent="-171450">
+                      <a:pPr marL="285750" indent="-285750">
                         <a:buFont typeface="Arial" panose="020B0604020202020204" pitchFamily="34" charset="0"/>
                         <a:buChar char="•"/>
                       </a:pPr>
@@ -7776,7 +10312,7 @@
                         <a:defRPr/>
                       </a:pPr>
                       <a:r>
-                        <a:rPr lang="en-US" sz="1400" dirty="0" err="1">
+                        <a:rPr lang="en-US" sz="1600" dirty="0" err="1">
                           <a:solidFill>
                             <a:schemeClr val="tx1"/>
                           </a:solidFill>
@@ -7784,7 +10320,7 @@
                         <a:t>Wenhao</a:t>
                       </a:r>
                       <a:r>
-                        <a:rPr lang="en-US" sz="1400" dirty="0">
+                        <a:rPr lang="en-US" sz="1600" dirty="0">
                           <a:solidFill>
                             <a:schemeClr val="tx1"/>
                           </a:solidFill>
@@ -7805,7 +10341,7 @@
                     <a:lstStyle/>
                     <a:p>
                       <a:r>
-                        <a:rPr lang="en-US" sz="1100" dirty="0">
+                        <a:rPr lang="en-US" sz="1600" dirty="0">
                           <a:solidFill>
                             <a:schemeClr val="tx1"/>
                           </a:solidFill>
@@ -7895,14 +10431,7 @@
           <a:p>
             <a:r>
               <a:rPr lang="en-US" dirty="0"/>
-              <a:t>How we did it:</a:t>
-            </a:r>
-            <a:br>
-              <a:rPr lang="en-US" dirty="0"/>
-            </a:br>
-            <a:r>
-              <a:rPr lang="en-US" sz="2800" dirty="0"/>
-              <a:t>Tools used</a:t>
+              <a:t>Additional functionality</a:t>
             </a:r>
           </a:p>
         </p:txBody>
@@ -7919,75 +10448,38 @@
         </p:nvSpPr>
         <p:spPr/>
         <p:txBody>
-          <a:bodyPr/>
+          <a:bodyPr>
+            <a:normAutofit/>
+          </a:bodyPr>
           <a:lstStyle/>
           <a:p>
-            <a:pPr marL="0" indent="0">
-              <a:buNone/>
-            </a:pPr>
-            <a:r>
-              <a:rPr lang="en-US" dirty="0"/>
-              <a:t>Communication tools:</a:t>
-            </a:r>
-          </a:p>
-          <a:p>
-            <a:pPr lvl="1"/>
-            <a:r>
-              <a:rPr lang="en-US" dirty="0"/>
-              <a:t>Slack: Main method of communication between team members.</a:t>
-            </a:r>
-          </a:p>
-          <a:p>
-            <a:pPr lvl="1"/>
-            <a:r>
-              <a:rPr lang="en-US" dirty="0"/>
-              <a:t>Google Docs and Google Calendar</a:t>
-            </a:r>
-          </a:p>
-          <a:p>
-            <a:pPr marL="0" indent="0">
-              <a:buNone/>
-            </a:pPr>
-            <a:r>
-              <a:rPr lang="en-US" dirty="0"/>
-              <a:t>Organization tools:</a:t>
-            </a:r>
-          </a:p>
-          <a:p>
-            <a:pPr lvl="1"/>
-            <a:r>
-              <a:rPr lang="en-US" dirty="0"/>
-              <a:t>Wrike Project Management: Used to assign tasks to both team members and Project Managers.</a:t>
-            </a:r>
-          </a:p>
-          <a:p>
-            <a:pPr lvl="1"/>
-            <a:r>
-              <a:rPr lang="en-US" dirty="0"/>
-              <a:t>Microsoft project: Used to create the network diagram and timeline chart.</a:t>
-            </a:r>
-          </a:p>
-          <a:p>
-            <a:pPr lvl="1"/>
-            <a:r>
-              <a:rPr lang="en-US" dirty="0"/>
-              <a:t>GitHub: Used for versioning of documents.</a:t>
-            </a:r>
-          </a:p>
-          <a:p>
-            <a:pPr marL="0" indent="0">
-              <a:buNone/>
-            </a:pPr>
-            <a:r>
-              <a:rPr lang="en-US" dirty="0"/>
-              <a:t>Time Tracking tool:</a:t>
-            </a:r>
-          </a:p>
-          <a:p>
-            <a:pPr lvl="1"/>
-            <a:r>
-              <a:rPr lang="en-US" dirty="0"/>
-              <a:t>Toggl: Used to keep track of time on tasks and meetings.</a:t>
+            <a:r>
+              <a:rPr lang="en-US" dirty="0"/>
+              <a:t>A company-wide sale on a particular item</a:t>
+            </a:r>
+          </a:p>
+          <a:p>
+            <a:r>
+              <a:rPr lang="en-US" dirty="0"/>
+              <a:t>Frequently out of stock or over stock of an item, have system order more or less, respectively, than the default upon reorder.</a:t>
+            </a:r>
+          </a:p>
+          <a:p>
+            <a:r>
+              <a:rPr lang="en-US" dirty="0"/>
+              <a:t>Coupled items </a:t>
+            </a:r>
+          </a:p>
+          <a:p>
+            <a:r>
+              <a:rPr lang="en-US" dirty="0"/>
+              <a:t>Customer eligibility for refilled on other prescriptions based off refill date.</a:t>
+            </a:r>
+          </a:p>
+          <a:p>
+            <a:r>
+              <a:rPr lang="en-US" dirty="0"/>
+              <a:t>Customer coupons that provide a discount</a:t>
             </a:r>
           </a:p>
         </p:txBody>
@@ -7995,7 +10487,7 @@
     </p:spTree>
     <p:extLst>
       <p:ext uri="{BB962C8B-B14F-4D97-AF65-F5344CB8AC3E}">
-        <p14:creationId xmlns:p14="http://schemas.microsoft.com/office/powerpoint/2010/main" val="1086206551"/>
+        <p14:creationId xmlns:p14="http://schemas.microsoft.com/office/powerpoint/2010/main" val="1515268198"/>
       </p:ext>
     </p:extLst>
   </p:cSld>
@@ -8039,14 +10531,7 @@
           <a:p>
             <a:r>
               <a:rPr lang="en-US" dirty="0"/>
-              <a:t>How we did it:</a:t>
-            </a:r>
-            <a:br>
-              <a:rPr lang="en-US" dirty="0"/>
-            </a:br>
-            <a:r>
-              <a:rPr lang="en-US" sz="2800" dirty="0"/>
-              <a:t>Communication Plan</a:t>
+              <a:t>Technology We Plan to Use</a:t>
             </a:r>
           </a:p>
         </p:txBody>
@@ -8063,94 +10548,32 @@
         </p:nvSpPr>
         <p:spPr/>
         <p:txBody>
-          <a:bodyPr>
-            <a:normAutofit lnSpcReduction="10000"/>
-          </a:bodyPr>
+          <a:bodyPr/>
           <a:lstStyle/>
           <a:p>
-            <a:pPr marL="0" indent="0">
-              <a:buNone/>
-            </a:pPr>
-            <a:r>
-              <a:rPr lang="en-US" dirty="0"/>
-              <a:t>Checking Slack once a day:</a:t>
-            </a:r>
-          </a:p>
-          <a:p>
-            <a:pPr lvl="1"/>
-            <a:r>
-              <a:rPr lang="en-US" dirty="0"/>
-              <a:t>Requiring Team members to check Slack at least once per day to stay up to date with project discussions.</a:t>
-            </a:r>
-          </a:p>
-          <a:p>
-            <a:pPr marL="0" indent="0">
-              <a:buNone/>
-            </a:pPr>
-            <a:r>
-              <a:rPr lang="en-US" dirty="0"/>
-              <a:t>Establish meeting dates: Recurring in-person meetings on Sundays</a:t>
-            </a:r>
-          </a:p>
-          <a:p>
-            <a:pPr lvl="1"/>
-            <a:r>
-              <a:rPr lang="en-US" dirty="0"/>
-              <a:t>Slack channel “</a:t>
-            </a:r>
-            <a:r>
-              <a:rPr lang="en-US" dirty="0" err="1"/>
-              <a:t>meeting_minutes</a:t>
-            </a:r>
-            <a:r>
-              <a:rPr lang="en-US" dirty="0"/>
-              <a:t>” contained an overview of the discussions from in-person meetings.</a:t>
-            </a:r>
-          </a:p>
-          <a:p>
-            <a:pPr marL="0" indent="0">
-              <a:buNone/>
-            </a:pPr>
-            <a:r>
-              <a:rPr lang="en-US" dirty="0"/>
-              <a:t>General Availability Doc:</a:t>
-            </a:r>
-          </a:p>
-          <a:p>
-            <a:pPr lvl="1"/>
-            <a:r>
-              <a:rPr lang="en-US" dirty="0"/>
-              <a:t>Requiring team members to fill in their general availability during the week.</a:t>
-            </a:r>
-          </a:p>
-          <a:p>
-            <a:pPr marL="0" indent="0">
-              <a:buNone/>
-            </a:pPr>
-            <a:r>
-              <a:rPr lang="en-US" dirty="0"/>
-              <a:t>Exceptions Calendar:</a:t>
-            </a:r>
-          </a:p>
-          <a:p>
-            <a:pPr lvl="1"/>
-            <a:r>
-              <a:rPr lang="en-US" dirty="0"/>
-              <a:t>If team member had a change to their general availability and were not available on a specific say, they has to report it to this calendar.</a:t>
-            </a:r>
-          </a:p>
-          <a:p>
-            <a:pPr marL="0" indent="0">
-              <a:buNone/>
-            </a:pPr>
-            <a:endParaRPr lang="en-US" dirty="0"/>
+            <a:r>
+              <a:rPr lang="en-US" dirty="0"/>
+              <a:t>Programming language: C++</a:t>
+            </a:r>
+          </a:p>
+          <a:p>
+            <a:r>
+              <a:rPr lang="en-US" dirty="0"/>
+              <a:t>Complier: Visual Studio </a:t>
+            </a:r>
+          </a:p>
+          <a:p>
+            <a:r>
+              <a:rPr lang="en-US" dirty="0"/>
+              <a:t>The program will use command line interface</a:t>
+            </a:r>
           </a:p>
         </p:txBody>
       </p:sp>
     </p:spTree>
     <p:extLst>
       <p:ext uri="{BB962C8B-B14F-4D97-AF65-F5344CB8AC3E}">
-        <p14:creationId xmlns:p14="http://schemas.microsoft.com/office/powerpoint/2010/main" val="169307868"/>
+        <p14:creationId xmlns:p14="http://schemas.microsoft.com/office/powerpoint/2010/main" val="3263457039"/>
       </p:ext>
     </p:extLst>
   </p:cSld>
@@ -8194,7 +10617,14 @@
           <a:p>
             <a:r>
               <a:rPr lang="en-US" dirty="0"/>
-              <a:t>What worked</a:t>
+              <a:t>Technology We Plan to Use</a:t>
+            </a:r>
+            <a:br>
+              <a:rPr lang="en-US" dirty="0"/>
+            </a:br>
+            <a:r>
+              <a:rPr lang="en-US" sz="2800" dirty="0"/>
+              <a:t>Tools used</a:t>
             </a:r>
           </a:p>
         </p:txBody>
@@ -8214,45 +10644,72 @@
           <a:bodyPr/>
           <a:lstStyle/>
           <a:p>
-            <a:r>
-              <a:rPr lang="en-US" dirty="0"/>
-              <a:t>Early start</a:t>
-            </a:r>
-          </a:p>
-          <a:p>
-            <a:r>
-              <a:rPr lang="en-US" dirty="0"/>
-              <a:t>Establishing in-person meetings</a:t>
-            </a:r>
-          </a:p>
-          <a:p>
-            <a:r>
-              <a:rPr lang="en-US" dirty="0"/>
-              <a:t>Selection of time tracking tool: Toggl</a:t>
-            </a:r>
-          </a:p>
-          <a:p>
-            <a:r>
-              <a:rPr lang="en-US" dirty="0"/>
-              <a:t>Training for tools</a:t>
-            </a:r>
-          </a:p>
-          <a:p>
-            <a:r>
-              <a:rPr lang="en-US" dirty="0"/>
-              <a:t>Team communication (excluding Project Managers)</a:t>
-            </a:r>
-          </a:p>
-          <a:p>
-            <a:r>
-              <a:rPr lang="en-US" dirty="0"/>
-              <a:t>Risk management</a:t>
-            </a:r>
-          </a:p>
-          <a:p>
-            <a:r>
-              <a:rPr lang="en-US" dirty="0"/>
-              <a:t>Tracking and Control Mechanisms</a:t>
+            <a:pPr marL="0" indent="0">
+              <a:buNone/>
+            </a:pPr>
+            <a:r>
+              <a:rPr lang="en-US" dirty="0"/>
+              <a:t>Communication tools:</a:t>
+            </a:r>
+          </a:p>
+          <a:p>
+            <a:pPr lvl="1"/>
+            <a:r>
+              <a:rPr lang="en-US" dirty="0"/>
+              <a:t>Slack: Main method of communication between team members.</a:t>
+            </a:r>
+          </a:p>
+          <a:p>
+            <a:pPr lvl="1"/>
+            <a:r>
+              <a:rPr lang="en-US" dirty="0"/>
+              <a:t>Google Docs and Google Calendar</a:t>
+            </a:r>
+          </a:p>
+          <a:p>
+            <a:pPr marL="0" indent="0">
+              <a:buNone/>
+            </a:pPr>
+            <a:r>
+              <a:rPr lang="en-US" dirty="0"/>
+              <a:t>Organization tools:</a:t>
+            </a:r>
+          </a:p>
+          <a:p>
+            <a:pPr lvl="1"/>
+            <a:r>
+              <a:rPr lang="en-US" dirty="0"/>
+              <a:t>Wrike Project Management: Used to assign tasks to both team members and Project Managers.</a:t>
+            </a:r>
+          </a:p>
+          <a:p>
+            <a:pPr lvl="1"/>
+            <a:r>
+              <a:rPr lang="en-US" dirty="0"/>
+              <a:t>Microsoft project: Used to create the network diagram and timeline chart.</a:t>
+            </a:r>
+          </a:p>
+          <a:p>
+            <a:pPr lvl="1"/>
+            <a:r>
+              <a:rPr lang="en-US" dirty="0"/>
+              <a:t>GitHub: Used for versioning of documents.</a:t>
+            </a:r>
+          </a:p>
+          <a:p>
+            <a:pPr marL="0" indent="0">
+              <a:buNone/>
+            </a:pPr>
+            <a:r>
+              <a:rPr lang="en-US" dirty="0"/>
+              <a:t>Time Tracking tool:</a:t>
+            </a:r>
+          </a:p>
+          <a:p>
+            <a:pPr lvl="1"/>
+            <a:r>
+              <a:rPr lang="en-US" dirty="0"/>
+              <a:t>Toggl: Used to keep track of time on tasks and meetings.</a:t>
             </a:r>
           </a:p>
         </p:txBody>
@@ -8260,7 +10717,7 @@
     </p:spTree>
     <p:extLst>
       <p:ext uri="{BB962C8B-B14F-4D97-AF65-F5344CB8AC3E}">
-        <p14:creationId xmlns:p14="http://schemas.microsoft.com/office/powerpoint/2010/main" val="1878087913"/>
+        <p14:creationId xmlns:p14="http://schemas.microsoft.com/office/powerpoint/2010/main" val="1086206551"/>
       </p:ext>
     </p:extLst>
   </p:cSld>
@@ -8304,7 +10761,14 @@
           <a:p>
             <a:r>
               <a:rPr lang="en-US" dirty="0"/>
-              <a:t>What did not work</a:t>
+              <a:t>Technology We Plan to Use</a:t>
+            </a:r>
+            <a:br>
+              <a:rPr lang="en-US" dirty="0"/>
+            </a:br>
+            <a:r>
+              <a:rPr lang="en-US" sz="2800" dirty="0"/>
+              <a:t>Justification</a:t>
             </a:r>
           </a:p>
         </p:txBody>
@@ -8321,53 +10785,46 @@
         </p:nvSpPr>
         <p:spPr/>
         <p:txBody>
-          <a:bodyPr/>
+          <a:bodyPr>
+            <a:normAutofit/>
+          </a:bodyPr>
           <a:lstStyle/>
           <a:p>
             <a:r>
               <a:rPr lang="en-US" dirty="0"/>
-              <a:t>Estimating the amount of work tasks would take</a:t>
-            </a:r>
-          </a:p>
-          <a:p>
-            <a:r>
-              <a:rPr lang="en-US" dirty="0"/>
-              <a:t>Compilation and Formatting Method of SPMP.</a:t>
-            </a:r>
-          </a:p>
-          <a:p>
-            <a:r>
-              <a:rPr lang="en-US" dirty="0"/>
-              <a:t>Setting way too early deadlines and milestones for ourselves.</a:t>
-            </a:r>
-          </a:p>
-          <a:p>
-            <a:r>
-              <a:rPr lang="en-US" dirty="0"/>
-              <a:t>Not realizing dependencies. </a:t>
-            </a:r>
-          </a:p>
-          <a:p>
-            <a:r>
-              <a:rPr lang="en-US" dirty="0"/>
-              <a:t>Assigning equal amounts of work.</a:t>
-            </a:r>
-          </a:p>
-          <a:p>
-            <a:r>
-              <a:rPr lang="en-US" dirty="0"/>
-              <a:t>Communication with Project Managers</a:t>
-            </a:r>
-          </a:p>
-          <a:p>
-            <a:endParaRPr lang="en-US" dirty="0"/>
+              <a:t>Slack:  Free, previous experience, intuitive, better organization than a group text, log all conversation, mobile app </a:t>
+            </a:r>
+          </a:p>
+          <a:p>
+            <a:r>
+              <a:rPr lang="en-US" dirty="0"/>
+              <a:t>Wrike: Free, previous experience, easy to assign tasks, keeps you notified, mobile app</a:t>
+            </a:r>
+          </a:p>
+          <a:p>
+            <a:r>
+              <a:rPr lang="en-US" dirty="0"/>
+              <a:t>Toggl: Free, previous experience, mobile app, reports(team functionality depends on this), time collection for team.</a:t>
+            </a:r>
+          </a:p>
+          <a:p>
+            <a:r>
+              <a:rPr lang="en-US" dirty="0"/>
+              <a:t>GitHub: Free, ubiquitous, mature, retention of historical versions of artifacts.</a:t>
+            </a:r>
+          </a:p>
+          <a:p>
+            <a:r>
+              <a:rPr lang="en-US" dirty="0"/>
+              <a:t>Microsoft Project: Most accessible way to build task network diagram.</a:t>
+            </a:r>
           </a:p>
         </p:txBody>
       </p:sp>
     </p:spTree>
     <p:extLst>
       <p:ext uri="{BB962C8B-B14F-4D97-AF65-F5344CB8AC3E}">
-        <p14:creationId xmlns:p14="http://schemas.microsoft.com/office/powerpoint/2010/main" val="4030846354"/>
+        <p14:creationId xmlns:p14="http://schemas.microsoft.com/office/powerpoint/2010/main" val="1833733067"/>
       </p:ext>
     </p:extLst>
   </p:cSld>

--- a/Work_In_Progress/CS/SPMP_Presentation.pptx
+++ b/Work_In_Progress/CS/SPMP_Presentation.pptx
@@ -218,7 +218,7 @@
           <a:p>
             <a:fld id="{ADE42F8C-8B25-4C7D-B938-A4924DE58183}" type="datetimeFigureOut">
               <a:rPr lang="en-US" smtClean="0"/>
-              <a:t>3/2/2017</a:t>
+              <a:t>3/3/2017</a:t>
             </a:fld>
             <a:endParaRPr lang="en-US"/>
           </a:p>
@@ -1217,7 +1217,7 @@
             </a:r>
             <a:r>
               <a:rPr lang="en-US" dirty="0"/>
-              <a:t> of a change to either non-source  code or source code files must be communicated to the other team members through Slack.  During</a:t>
+              <a:t> of a change to the repository of either non-source  code or source code files must be communicated to the other team members through Slack.  During</a:t>
             </a:r>
             <a:r>
               <a:rPr lang="en-US" baseline="0" dirty="0"/>
@@ -2641,11 +2641,7 @@
             </a:r>
             <a:r>
               <a:rPr lang="en-US" b="1" u="sng" baseline="0" dirty="0"/>
-              <a:t> out of stock or over </a:t>
-            </a:r>
-            <a:r>
-              <a:rPr lang="en-US" b="0" u="none" baseline="0" dirty="0"/>
-              <a:t>stock: </a:t>
+              <a:t> out of stock or over stock: </a:t>
             </a:r>
             <a:r>
               <a:rPr lang="en-US" b="0" u="none" dirty="0"/>
@@ -3746,12 +3742,10 @@
                 <a:ea typeface="+mn-ea"/>
                 <a:cs typeface="+mn-cs"/>
               </a:rPr>
-              <a:t>Actual Part 1 project estimates: </a:t>
-            </a:r>
-          </a:p>
-          <a:p>
-            <a:r>
-              <a:rPr lang="en-US" sz="1200" kern="1200" baseline="0" dirty="0">
+              <a:t>Actual Part 1 project estimates:</a:t>
+            </a:r>
+            <a:br>
+              <a:rPr lang="en-US" sz="1200" b="1" u="sng" kern="1200" baseline="0" dirty="0">
                 <a:solidFill>
                   <a:schemeClr val="tx1"/>
                 </a:solidFill>
@@ -3760,41 +3754,7 @@
                 <a:ea typeface="+mn-ea"/>
                 <a:cs typeface="+mn-cs"/>
               </a:rPr>
-              <a:t>	</a:t>
-            </a:r>
-          </a:p>
-          <a:p>
-            <a:pPr lvl="0"/>
-            <a:r>
-              <a:rPr lang="en-US" sz="1200" kern="1200" dirty="0">
-                <a:solidFill>
-                  <a:schemeClr val="tx1"/>
-                </a:solidFill>
-                <a:effectLst/>
-                <a:latin typeface="+mn-lt"/>
-                <a:ea typeface="+mn-ea"/>
-                <a:cs typeface="+mn-cs"/>
-              </a:rPr>
-              <a:t>	</a:t>
-            </a:r>
-            <a:r>
-              <a:rPr lang="en-US" sz="1200" kern="1200" baseline="0" dirty="0">
-                <a:solidFill>
-                  <a:schemeClr val="tx1"/>
-                </a:solidFill>
-                <a:effectLst/>
-                <a:latin typeface="+mn-lt"/>
-                <a:ea typeface="+mn-ea"/>
-                <a:cs typeface="+mn-cs"/>
-              </a:rPr>
-              <a:t>              </a:t>
-            </a:r>
-          </a:p>
-          <a:p>
-            <a:pPr marL="628650" lvl="1" indent="-171450">
-              <a:buFont typeface="Arial" panose="020B0604020202020204" pitchFamily="34" charset="0"/>
-              <a:buChar char="•"/>
-            </a:pPr>
+            </a:br>
             <a:r>
               <a:rPr lang="en-US" sz="1200" b="1" u="sng" kern="1200" baseline="0" dirty="0">
                 <a:solidFill>
@@ -3807,7 +3767,7 @@
               </a:rPr>
               <a:t>Lines of code:</a:t>
             </a:r>
-            <a:endParaRPr lang="en-US" sz="1200" kern="1200" dirty="0">
+            <a:endParaRPr lang="en-US" sz="1200" b="0" u="none" kern="1200" baseline="0" dirty="0">
               <a:solidFill>
                 <a:schemeClr val="tx1"/>
               </a:solidFill>
@@ -3818,23 +3778,6 @@
             </a:endParaRPr>
           </a:p>
           <a:p>
-            <a:pPr marL="628650" marR="0" lvl="1" indent="-171450" algn="l" defTabSz="914400" rtl="0" eaLnBrk="1" fontAlgn="auto" latinLnBrk="0" hangingPunct="1">
-              <a:lnSpc>
-                <a:spcPct val="100000"/>
-              </a:lnSpc>
-              <a:spcBef>
-                <a:spcPts val="0"/>
-              </a:spcBef>
-              <a:spcAft>
-                <a:spcPts val="0"/>
-              </a:spcAft>
-              <a:buClrTx/>
-              <a:buSzTx/>
-              <a:buFont typeface="Arial" panose="020B0604020202020204" pitchFamily="34" charset="0"/>
-              <a:buChar char="•"/>
-              <a:tabLst/>
-              <a:defRPr/>
-            </a:pPr>
             <a:r>
               <a:rPr lang="en-US" sz="1200" b="1" u="sng" kern="1200" dirty="0">
                 <a:solidFill>
@@ -3847,7 +3790,7 @@
               </a:rPr>
               <a:t>Function estimate:</a:t>
             </a:r>
-            <a:endParaRPr lang="en-US" sz="1200" kern="1200" dirty="0">
+            <a:endParaRPr lang="en-US" sz="1200" b="0" u="none" kern="1200" dirty="0">
               <a:solidFill>
                 <a:schemeClr val="tx1"/>
               </a:solidFill>
@@ -3858,10 +3801,6 @@
             </a:endParaRPr>
           </a:p>
           <a:p>
-            <a:pPr marL="628650" lvl="1" indent="-171450">
-              <a:buFont typeface="Arial" panose="020B0604020202020204" pitchFamily="34" charset="0"/>
-              <a:buChar char="•"/>
-            </a:pPr>
             <a:r>
               <a:rPr lang="en-US" sz="1200" b="1" u="sng" kern="1200" baseline="0" dirty="0">
                 <a:solidFill>
@@ -3876,10 +3815,6 @@
             </a:r>
           </a:p>
           <a:p>
-            <a:pPr marL="457200" lvl="1" indent="0">
-              <a:buFont typeface="Arial" panose="020B0604020202020204" pitchFamily="34" charset="0"/>
-              <a:buNone/>
-            </a:pPr>
             <a:endParaRPr lang="en-US" sz="1200" b="1" u="sng" kern="1200" baseline="0" dirty="0">
               <a:solidFill>
                 <a:schemeClr val="tx1"/>
@@ -3891,10 +3826,6 @@
             </a:endParaRPr>
           </a:p>
           <a:p>
-            <a:pPr marL="457200" lvl="1" indent="0">
-              <a:buFont typeface="Arial" panose="020B0604020202020204" pitchFamily="34" charset="0"/>
-              <a:buNone/>
-            </a:pPr>
             <a:r>
               <a:rPr lang="en-US" sz="1200" b="1" u="sng" kern="1200" dirty="0">
                 <a:solidFill>
@@ -3907,6 +3838,34 @@
               </a:rPr>
               <a:t>Estimation Selection Rationale</a:t>
             </a:r>
+          </a:p>
+          <a:p>
+            <a:r>
+              <a:rPr lang="en-US" sz="1200" b="0" i="0" kern="1200" dirty="0">
+                <a:solidFill>
+                  <a:schemeClr val="tx1"/>
+                </a:solidFill>
+                <a:effectLst/>
+                <a:latin typeface="+mn-lt"/>
+                <a:ea typeface="+mn-ea"/>
+                <a:cs typeface="+mn-cs"/>
+              </a:rPr>
+              <a:t>We determined that we had spent 116 hours thus far within the time that we began working together up until today's date (2/6/2017 – 2/24/2017).  We then determined the number of days left until the final project is due – 4 days left in February, 31 days in March, due on the 28th of April = 63 days.  We then divided the total number of days left by the number of days we had been working on the project:  63 / 18, to arrive at 3.5.  We then multiplied this number by 117, to arrive at 409.5 hours.  We added 116 to this number (the amount of time spent so far) and arrived at 525.5 hours.  The closest to this number was the Task Estimate, which is still off by 126.5 hours.  Therefore, we rejected the other estimates and went with 525.5 person-hours.</a:t>
+            </a:r>
+          </a:p>
+          <a:p>
+            <a:br>
+              <a:rPr lang="en-US" dirty="0"/>
+            </a:br>
+            <a:endParaRPr lang="en-US" sz="1200" b="1" u="sng" kern="1200" dirty="0">
+              <a:solidFill>
+                <a:schemeClr val="tx1"/>
+              </a:solidFill>
+              <a:effectLst/>
+              <a:latin typeface="+mn-lt"/>
+              <a:ea typeface="+mn-ea"/>
+              <a:cs typeface="+mn-cs"/>
+            </a:endParaRPr>
           </a:p>
           <a:p>
             <a:pPr marL="457200" lvl="1" indent="0">
@@ -4378,7 +4337,7 @@
             <a:fld id="{B61BEF0D-F0BB-DE4B-95CE-6DB70DBA9567}" type="datetimeFigureOut">
               <a:rPr lang="en-US" smtClean="0"/>
               <a:pPr/>
-              <a:t>3/2/2017</a:t>
+              <a:t>3/3/2017</a:t>
             </a:fld>
             <a:endParaRPr lang="en-US" dirty="0"/>
           </a:p>
@@ -4601,7 +4560,7 @@
             <a:fld id="{B61BEF0D-F0BB-DE4B-95CE-6DB70DBA9567}" type="datetimeFigureOut">
               <a:rPr lang="en-US" smtClean="0"/>
               <a:pPr/>
-              <a:t>3/2/2017</a:t>
+              <a:t>3/3/2017</a:t>
             </a:fld>
             <a:endParaRPr lang="en-US" dirty="0"/>
           </a:p>
@@ -4783,7 +4742,7 @@
             <a:fld id="{B61BEF0D-F0BB-DE4B-95CE-6DB70DBA9567}" type="datetimeFigureOut">
               <a:rPr lang="en-US" smtClean="0"/>
               <a:pPr/>
-              <a:t>3/2/2017</a:t>
+              <a:t>3/3/2017</a:t>
             </a:fld>
             <a:endParaRPr lang="en-US" dirty="0"/>
           </a:p>
@@ -4955,7 +4914,7 @@
             <a:fld id="{B61BEF0D-F0BB-DE4B-95CE-6DB70DBA9567}" type="datetimeFigureOut">
               <a:rPr lang="en-US" smtClean="0"/>
               <a:pPr/>
-              <a:t>3/2/2017</a:t>
+              <a:t>3/3/2017</a:t>
             </a:fld>
             <a:endParaRPr lang="en-US" dirty="0"/>
           </a:p>
@@ -5208,7 +5167,7 @@
             <a:fld id="{B61BEF0D-F0BB-DE4B-95CE-6DB70DBA9567}" type="datetimeFigureOut">
               <a:rPr lang="en-US" smtClean="0"/>
               <a:pPr/>
-              <a:t>3/2/2017</a:t>
+              <a:t>3/3/2017</a:t>
             </a:fld>
             <a:endParaRPr lang="en-US" dirty="0"/>
           </a:p>
@@ -5533,7 +5492,7 @@
             <a:fld id="{B61BEF0D-F0BB-DE4B-95CE-6DB70DBA9567}" type="datetimeFigureOut">
               <a:rPr lang="en-US" smtClean="0"/>
               <a:pPr/>
-              <a:t>3/2/2017</a:t>
+              <a:t>3/3/2017</a:t>
             </a:fld>
             <a:endParaRPr lang="en-US" dirty="0"/>
           </a:p>
@@ -5959,7 +5918,7 @@
             <a:fld id="{B61BEF0D-F0BB-DE4B-95CE-6DB70DBA9567}" type="datetimeFigureOut">
               <a:rPr lang="en-US" smtClean="0"/>
               <a:pPr/>
-              <a:t>3/2/2017</a:t>
+              <a:t>3/3/2017</a:t>
             </a:fld>
             <a:endParaRPr lang="en-US" dirty="0"/>
           </a:p>
@@ -6079,7 +6038,7 @@
             <a:fld id="{B61BEF0D-F0BB-DE4B-95CE-6DB70DBA9567}" type="datetimeFigureOut">
               <a:rPr lang="en-US" smtClean="0"/>
               <a:pPr/>
-              <a:t>3/2/2017</a:t>
+              <a:t>3/3/2017</a:t>
             </a:fld>
             <a:endParaRPr lang="en-US" dirty="0"/>
           </a:p>
@@ -6176,7 +6135,7 @@
             <a:fld id="{B61BEF0D-F0BB-DE4B-95CE-6DB70DBA9567}" type="datetimeFigureOut">
               <a:rPr lang="en-US" smtClean="0"/>
               <a:pPr/>
-              <a:t>3/2/2017</a:t>
+              <a:t>3/3/2017</a:t>
             </a:fld>
             <a:endParaRPr lang="en-US" dirty="0"/>
           </a:p>
@@ -6468,7 +6427,7 @@
             <a:fld id="{B61BEF0D-F0BB-DE4B-95CE-6DB70DBA9567}" type="datetimeFigureOut">
               <a:rPr lang="en-US" smtClean="0"/>
               <a:pPr/>
-              <a:t>3/2/2017</a:t>
+              <a:t>3/3/2017</a:t>
             </a:fld>
             <a:endParaRPr lang="en-US" dirty="0"/>
           </a:p>
@@ -6742,7 +6701,7 @@
             <a:fld id="{B61BEF0D-F0BB-DE4B-95CE-6DB70DBA9567}" type="datetimeFigureOut">
               <a:rPr lang="en-US" smtClean="0"/>
               <a:pPr/>
-              <a:t>3/2/2017</a:t>
+              <a:t>3/3/2017</a:t>
             </a:fld>
             <a:endParaRPr lang="en-US" dirty="0"/>
           </a:p>
@@ -6997,7 +6956,7 @@
             <a:fld id="{B61BEF0D-F0BB-DE4B-95CE-6DB70DBA9567}" type="datetimeFigureOut">
               <a:rPr lang="en-US" smtClean="0"/>
               <a:pPr/>
-              <a:t>3/2/2017</a:t>
+              <a:t>3/3/2017</a:t>
             </a:fld>
             <a:endParaRPr lang="en-US" dirty="0"/>
           </a:p>
@@ -8521,6 +8480,16 @@
           <a:bodyPr/>
           <a:lstStyle/>
           <a:p>
+            <a:pPr marL="45720" indent="0">
+              <a:buNone/>
+            </a:pPr>
+            <a:r>
+              <a:rPr lang="en-US" b="1" u="sng" dirty="0"/>
+              <a:t>Slack: </a:t>
+            </a:r>
+          </a:p>
+          <a:p>
+            <a:pPr lvl="1"/>
             <a:r>
               <a:rPr lang="en-US" dirty="0"/>
               <a:t>Notify team members of changes to the repository through Slack. </a:t>
@@ -8528,6 +8497,37 @@
           </a:p>
           <a:p>
             <a:pPr lvl="1"/>
+            <a:r>
+              <a:rPr lang="en-US" b="1" dirty="0" err="1"/>
+              <a:t>Meeting_minutes</a:t>
+            </a:r>
+            <a:r>
+              <a:rPr lang="en-US" b="1" dirty="0"/>
+              <a:t> channel: </a:t>
+            </a:r>
+            <a:r>
+              <a:rPr lang="en-US" dirty="0"/>
+              <a:t>Any changes discussed during in person meetings will be transcribed into </a:t>
+            </a:r>
+            <a:r>
+              <a:rPr lang="en-US" dirty="0" err="1"/>
+              <a:t>meeting_minutes</a:t>
+            </a:r>
+            <a:r>
+              <a:rPr lang="en-US" dirty="0"/>
+              <a:t> and posted onto Slack.</a:t>
+            </a:r>
+          </a:p>
+          <a:p>
+            <a:pPr marL="45720" indent="0">
+              <a:buNone/>
+            </a:pPr>
+            <a:r>
+              <a:rPr lang="en-US" b="1" u="sng" dirty="0"/>
+              <a:t>GitHub:</a:t>
+            </a:r>
+          </a:p>
+          <a:p>
             <a:r>
               <a:rPr lang="en-US" b="1" dirty="0"/>
               <a:t>Source code: </a:t>
@@ -8535,6 +8535,16 @@
             <a:r>
               <a:rPr lang="en-US" dirty="0"/>
               <a:t>Will require one administrator review from either Cindy or Erik in order to commit to the master branch. </a:t>
+            </a:r>
+          </a:p>
+          <a:p>
+            <a:r>
+              <a:rPr lang="en-US" b="1" dirty="0"/>
+              <a:t>Non-source code(documents): </a:t>
+            </a:r>
+            <a:r>
+              <a:rPr lang="en-US" dirty="0"/>
+              <a:t>Non-source code files will be located on the master branch and will not require review from administrator during part 1 of the SPMP.</a:t>
             </a:r>
             <a:endParaRPr lang="en-US" b="1" dirty="0"/>
           </a:p>

--- a/Work_In_Progress/CS/SPMP_Presentation.pptx
+++ b/Work_In_Progress/CS/SPMP_Presentation.pptx
@@ -28,8 +28,8 @@
     <p:sldId id="282" r:id="rId19"/>
     <p:sldId id="260" r:id="rId20"/>
     <p:sldId id="261" r:id="rId21"/>
-    <p:sldId id="268" r:id="rId22"/>
-    <p:sldId id="269" r:id="rId23"/>
+    <p:sldId id="269" r:id="rId22"/>
+    <p:sldId id="283" r:id="rId23"/>
   </p:sldIdLst>
   <p:sldSz cx="12192000" cy="6858000"/>
   <p:notesSz cx="6858000" cy="9144000"/>
@@ -714,15 +714,7 @@
             </a:r>
             <a:r>
               <a:rPr lang="en-US" baseline="0" dirty="0"/>
-              <a:t> that were hard will be tasks that took the less amount of time to complete based on reports from </a:t>
-            </a:r>
-            <a:r>
-              <a:rPr lang="en-US" baseline="0" dirty="0" err="1"/>
-              <a:t>toggl</a:t>
-            </a:r>
-            <a:r>
-              <a:rPr lang="en-US" baseline="0" dirty="0"/>
-              <a:t>:</a:t>
+              <a:t> that were hard will be tasks that took the less amount of time to complete based on reports from Toggl:</a:t>
             </a:r>
           </a:p>
           <a:p>
@@ -743,13 +735,10 @@
               <a:tabLst/>
               <a:defRPr/>
             </a:pPr>
-            <a:r>
-              <a:rPr lang="en-US" b="1" u="sng" dirty="0"/>
-              <a:t>Document merging and formatting </a:t>
-            </a:r>
-          </a:p>
-          <a:p>
-            <a:pPr marL="171450" marR="0" lvl="0" indent="-171450" algn="l" defTabSz="914400" rtl="0" eaLnBrk="1" fontAlgn="auto" latinLnBrk="0" hangingPunct="1">
+            <a:endParaRPr lang="en-US" baseline="0" dirty="0"/>
+          </a:p>
+          <a:p>
+            <a:pPr marL="0" marR="0" lvl="0" indent="0" algn="l" defTabSz="914400" rtl="0" eaLnBrk="1" fontAlgn="auto" latinLnBrk="0" hangingPunct="1">
               <a:lnSpc>
                 <a:spcPct val="100000"/>
               </a:lnSpc>
@@ -761,18 +750,14 @@
               </a:spcAft>
               <a:buClrTx/>
               <a:buSzTx/>
-              <a:buFont typeface="Arial" panose="020B0604020202020204" pitchFamily="34" charset="0"/>
-              <a:buChar char="•"/>
+              <a:buFontTx/>
+              <a:buNone/>
               <a:tabLst/>
               <a:defRPr/>
             </a:pPr>
             <a:r>
-              <a:rPr lang="en-US" b="0" u="none" dirty="0"/>
-              <a:t>There</a:t>
-            </a:r>
-            <a:r>
-              <a:rPr lang="en-US" b="0" u="none" baseline="0" dirty="0"/>
-              <a:t> was no style template or discussed format of how the final SPMP would look. So everyone end up using different formats, fonts and bullet points making it harder and a waste of time when we had to put all the documents together.</a:t>
+              <a:rPr lang="en-US" b="1" u="sng" dirty="0"/>
+              <a:t>Document merging and formatting </a:t>
             </a:r>
           </a:p>
           <a:p>
@@ -793,7 +778,14 @@
               <a:tabLst/>
               <a:defRPr/>
             </a:pPr>
-            <a:endParaRPr lang="en-US" b="1" u="sng" baseline="0" dirty="0"/>
+            <a:r>
+              <a:rPr lang="en-US" b="0" u="none" dirty="0"/>
+              <a:t>There</a:t>
+            </a:r>
+            <a:r>
+              <a:rPr lang="en-US" b="0" u="none" baseline="0" dirty="0"/>
+              <a:t> was no style template or discussed format of how the final SPMP would look. So everyone end up using different formats, fonts and bullet points making it harder and a waste of time when we had to put all the documents together.</a:t>
+            </a:r>
           </a:p>
           <a:p>
             <a:pPr marL="0" marR="0" lvl="0" indent="0" algn="l" defTabSz="914400" rtl="0" eaLnBrk="1" fontAlgn="auto" latinLnBrk="0" hangingPunct="1">
@@ -813,37 +805,7 @@
               <a:tabLst/>
               <a:defRPr/>
             </a:pPr>
-            <a:r>
-              <a:rPr lang="en-US" b="1" u="sng" baseline="0" dirty="0"/>
-              <a:t>1.3 Functional Decomposition</a:t>
-            </a:r>
-          </a:p>
-          <a:p>
-            <a:pPr marL="171450" marR="0" lvl="0" indent="-171450" algn="l" defTabSz="914400" rtl="0" eaLnBrk="1" fontAlgn="auto" latinLnBrk="0" hangingPunct="1">
-              <a:lnSpc>
-                <a:spcPct val="100000"/>
-              </a:lnSpc>
-              <a:spcBef>
-                <a:spcPts val="0"/>
-              </a:spcBef>
-              <a:spcAft>
-                <a:spcPts val="0"/>
-              </a:spcAft>
-              <a:buClrTx/>
-              <a:buSzTx/>
-              <a:buFont typeface="Arial" panose="020B0604020202020204" pitchFamily="34" charset="0"/>
-              <a:buChar char="•"/>
-              <a:tabLst/>
-              <a:defRPr/>
-            </a:pPr>
-            <a:r>
-              <a:rPr lang="en-US" dirty="0"/>
-              <a:t>Defining the general functionality not the process. Thinking in at</a:t>
-            </a:r>
-            <a:r>
-              <a:rPr lang="en-US" baseline="0" dirty="0"/>
-              <a:t> a high enough level that did not discuss implementation details. This took some discussion to be able to grasp that concept.</a:t>
-            </a:r>
+            <a:endParaRPr lang="en-US" b="1" u="sng" baseline="0" dirty="0"/>
           </a:p>
           <a:p>
             <a:pPr marL="0" marR="0" lvl="0" indent="0" algn="l" defTabSz="914400" rtl="0" eaLnBrk="1" fontAlgn="auto" latinLnBrk="0" hangingPunct="1">
@@ -863,7 +825,10 @@
               <a:tabLst/>
               <a:defRPr/>
             </a:pPr>
-            <a:endParaRPr lang="en-US" baseline="0" dirty="0"/>
+            <a:r>
+              <a:rPr lang="en-US" b="1" u="sng" baseline="0" dirty="0"/>
+              <a:t>1.3 Functional Decomposition</a:t>
+            </a:r>
           </a:p>
           <a:p>
             <a:pPr marL="0" marR="0" lvl="0" indent="0" algn="l" defTabSz="914400" rtl="0" eaLnBrk="1" fontAlgn="auto" latinLnBrk="0" hangingPunct="1">
@@ -884,8 +849,20 @@
               <a:defRPr/>
             </a:pPr>
             <a:r>
-              <a:rPr lang="en-US" b="1" u="sng" baseline="0" dirty="0"/>
-              <a:t>2.2.2 Overall Project Estimate</a:t>
+              <a:rPr lang="en-US" dirty="0"/>
+              <a:t>Defining the general functionality not the process. Thinking of</a:t>
+            </a:r>
+            <a:r>
+              <a:rPr lang="en-US" baseline="0" dirty="0"/>
+              <a:t> it</a:t>
+            </a:r>
+            <a:r>
+              <a:rPr lang="en-US" dirty="0"/>
+              <a:t> at</a:t>
+            </a:r>
+            <a:r>
+              <a:rPr lang="en-US" baseline="0" dirty="0"/>
+              <a:t> a high enough level that did not discuss implementation details. This took some discussion to be able to grasp that concept. Also involved some emails to Steiner </a:t>
             </a:r>
           </a:p>
           <a:p>
@@ -906,7 +883,7 @@
               <a:tabLst/>
               <a:defRPr/>
             </a:pPr>
-            <a:endParaRPr lang="en-US" b="1" u="sng" dirty="0"/>
+            <a:endParaRPr lang="en-US" baseline="0" dirty="0"/>
           </a:p>
           <a:p>
             <a:pPr marL="0" marR="0" lvl="0" indent="0" algn="l" defTabSz="914400" rtl="0" eaLnBrk="1" fontAlgn="auto" latinLnBrk="0" hangingPunct="1">
@@ -926,7 +903,330 @@
               <a:tabLst/>
               <a:defRPr/>
             </a:pPr>
-            <a:endParaRPr lang="en-US" b="1" u="sng" baseline="0" dirty="0"/>
+            <a:r>
+              <a:rPr lang="en-US" b="1" u="sng" baseline="0" dirty="0"/>
+              <a:t>2.3 Overall Project Estimate</a:t>
+            </a:r>
+          </a:p>
+          <a:p>
+            <a:pPr marL="0" marR="0" lvl="0" indent="0" algn="l" defTabSz="914400" rtl="0" eaLnBrk="1" fontAlgn="auto" latinLnBrk="0" hangingPunct="1">
+              <a:lnSpc>
+                <a:spcPct val="100000"/>
+              </a:lnSpc>
+              <a:spcBef>
+                <a:spcPts val="0"/>
+              </a:spcBef>
+              <a:spcAft>
+                <a:spcPts val="0"/>
+              </a:spcAft>
+              <a:buClrTx/>
+              <a:buSzTx/>
+              <a:buFont typeface="Arial" panose="020B0604020202020204" pitchFamily="34" charset="0"/>
+              <a:buNone/>
+              <a:tabLst/>
+              <a:defRPr/>
+            </a:pPr>
+            <a:r>
+              <a:rPr lang="en-US" b="0" u="none" baseline="0" dirty="0"/>
+              <a:t>Lines of code: Deciding on the methodology. We spent time discussing which individual projects we would include in our individual LOC Estimates. Then how we would get our teams average LOC/hour from that.</a:t>
+            </a:r>
+          </a:p>
+          <a:p>
+            <a:pPr marL="0" marR="0" lvl="0" indent="0" algn="l" defTabSz="914400" rtl="0" eaLnBrk="1" fontAlgn="auto" latinLnBrk="0" hangingPunct="1">
+              <a:lnSpc>
+                <a:spcPct val="100000"/>
+              </a:lnSpc>
+              <a:spcBef>
+                <a:spcPts val="0"/>
+              </a:spcBef>
+              <a:spcAft>
+                <a:spcPts val="0"/>
+              </a:spcAft>
+              <a:buClrTx/>
+              <a:buSzTx/>
+              <a:buFont typeface="Arial" panose="020B0604020202020204" pitchFamily="34" charset="0"/>
+              <a:buNone/>
+              <a:tabLst/>
+              <a:defRPr/>
+            </a:pPr>
+            <a:endParaRPr lang="en-US" b="0" u="none" baseline="0" dirty="0"/>
+          </a:p>
+          <a:p>
+            <a:pPr marL="0" marR="0" lvl="0" indent="0" algn="l" defTabSz="914400" rtl="0" eaLnBrk="1" fontAlgn="auto" latinLnBrk="0" hangingPunct="1">
+              <a:lnSpc>
+                <a:spcPct val="100000"/>
+              </a:lnSpc>
+              <a:spcBef>
+                <a:spcPts val="0"/>
+              </a:spcBef>
+              <a:spcAft>
+                <a:spcPts val="0"/>
+              </a:spcAft>
+              <a:buClrTx/>
+              <a:buSzTx/>
+              <a:buFont typeface="Arial" panose="020B0604020202020204" pitchFamily="34" charset="0"/>
+              <a:buNone/>
+              <a:tabLst/>
+              <a:defRPr/>
+            </a:pPr>
+            <a:r>
+              <a:rPr lang="en-US" b="1" u="sng" baseline="0" dirty="0"/>
+              <a:t>2.4 Reconciled Estimate</a:t>
+            </a:r>
+          </a:p>
+          <a:p>
+            <a:pPr marL="0" marR="0" lvl="0" indent="0" algn="l" defTabSz="914400" rtl="0" eaLnBrk="1" fontAlgn="auto" latinLnBrk="0" hangingPunct="1">
+              <a:lnSpc>
+                <a:spcPct val="100000"/>
+              </a:lnSpc>
+              <a:spcBef>
+                <a:spcPts val="0"/>
+              </a:spcBef>
+              <a:spcAft>
+                <a:spcPts val="0"/>
+              </a:spcAft>
+              <a:buClrTx/>
+              <a:buSzTx/>
+              <a:buFont typeface="Arial" panose="020B0604020202020204" pitchFamily="34" charset="0"/>
+              <a:buNone/>
+              <a:tabLst/>
+              <a:defRPr/>
+            </a:pPr>
+            <a:r>
+              <a:rPr lang="en-US" b="0" u="none" baseline="0" dirty="0"/>
+              <a:t>Deciding on which estimate (LOC, FP, Task) would be the final estimation for how long we think the project would take. Then deciding not to use any of them because we did not feel they where represented of the time we feel it would take.</a:t>
+            </a:r>
+          </a:p>
+          <a:p>
+            <a:pPr marL="0" marR="0" lvl="0" indent="0" algn="l" defTabSz="914400" rtl="0" eaLnBrk="1" fontAlgn="auto" latinLnBrk="0" hangingPunct="1">
+              <a:lnSpc>
+                <a:spcPct val="100000"/>
+              </a:lnSpc>
+              <a:spcBef>
+                <a:spcPts val="0"/>
+              </a:spcBef>
+              <a:spcAft>
+                <a:spcPts val="0"/>
+              </a:spcAft>
+              <a:buClrTx/>
+              <a:buSzTx/>
+              <a:buFont typeface="Arial" panose="020B0604020202020204" pitchFamily="34" charset="0"/>
+              <a:buNone/>
+              <a:tabLst/>
+              <a:defRPr/>
+            </a:pPr>
+            <a:endParaRPr lang="en-US" b="0" u="none" baseline="0" dirty="0"/>
+          </a:p>
+          <a:p>
+            <a:pPr marL="0" marR="0" lvl="0" indent="0" algn="l" defTabSz="914400" rtl="0" eaLnBrk="1" fontAlgn="auto" latinLnBrk="0" hangingPunct="1">
+              <a:lnSpc>
+                <a:spcPct val="100000"/>
+              </a:lnSpc>
+              <a:spcBef>
+                <a:spcPts val="0"/>
+              </a:spcBef>
+              <a:spcAft>
+                <a:spcPts val="0"/>
+              </a:spcAft>
+              <a:buClrTx/>
+              <a:buSzTx/>
+              <a:buFont typeface="Arial" panose="020B0604020202020204" pitchFamily="34" charset="0"/>
+              <a:buNone/>
+              <a:tabLst/>
+              <a:defRPr/>
+            </a:pPr>
+            <a:r>
+              <a:rPr lang="en-US" b="1" u="sng" baseline="0" dirty="0"/>
+              <a:t>4.2 Task Network Diagram</a:t>
+            </a:r>
+            <a:endParaRPr lang="en-US" b="0" u="none" baseline="0" dirty="0"/>
+          </a:p>
+          <a:p>
+            <a:pPr marL="0" marR="0" lvl="0" indent="0" algn="l" defTabSz="914400" rtl="0" eaLnBrk="1" fontAlgn="auto" latinLnBrk="0" hangingPunct="1">
+              <a:lnSpc>
+                <a:spcPct val="100000"/>
+              </a:lnSpc>
+              <a:spcBef>
+                <a:spcPts val="0"/>
+              </a:spcBef>
+              <a:spcAft>
+                <a:spcPts val="0"/>
+              </a:spcAft>
+              <a:buClrTx/>
+              <a:buSzTx/>
+              <a:buFont typeface="Arial" panose="020B0604020202020204" pitchFamily="34" charset="0"/>
+              <a:buNone/>
+              <a:tabLst/>
+              <a:defRPr/>
+            </a:pPr>
+            <a:r>
+              <a:rPr lang="en-US" b="0" u="none" baseline="0" dirty="0"/>
+              <a:t>Deciding if </a:t>
+            </a:r>
+            <a:r>
+              <a:rPr lang="en-US" b="0" u="none" baseline="0" dirty="0" err="1"/>
+              <a:t>wrike</a:t>
+            </a:r>
+            <a:r>
+              <a:rPr lang="en-US" b="0" u="none" baseline="0" dirty="0"/>
+              <a:t> would be the best tool to display the TND. Upon further discussion and investigation of </a:t>
+            </a:r>
+            <a:r>
+              <a:rPr lang="en-US" b="0" u="none" baseline="0" dirty="0" err="1"/>
+              <a:t>wrike</a:t>
+            </a:r>
+            <a:r>
+              <a:rPr lang="en-US" b="0" u="none" baseline="0" dirty="0"/>
+              <a:t> it was decided we would assign task to team members through </a:t>
+            </a:r>
+            <a:r>
+              <a:rPr lang="en-US" b="0" u="none" baseline="0" dirty="0" err="1"/>
+              <a:t>wrike</a:t>
+            </a:r>
+            <a:r>
+              <a:rPr lang="en-US" b="0" u="none" baseline="0" dirty="0"/>
+              <a:t> but we will copy that same data into Microsoft Project in order to be able to display the TND and Timeline chart. Doing so was tedious and took a large amount of time.</a:t>
+            </a:r>
+          </a:p>
+          <a:p>
+            <a:pPr marL="0" marR="0" lvl="0" indent="0" algn="l" defTabSz="914400" rtl="0" eaLnBrk="1" fontAlgn="auto" latinLnBrk="0" hangingPunct="1">
+              <a:lnSpc>
+                <a:spcPct val="100000"/>
+              </a:lnSpc>
+              <a:spcBef>
+                <a:spcPts val="0"/>
+              </a:spcBef>
+              <a:spcAft>
+                <a:spcPts val="0"/>
+              </a:spcAft>
+              <a:buClrTx/>
+              <a:buSzTx/>
+              <a:buFont typeface="Arial" panose="020B0604020202020204" pitchFamily="34" charset="0"/>
+              <a:buNone/>
+              <a:tabLst/>
+              <a:defRPr/>
+            </a:pPr>
+            <a:endParaRPr lang="en-US" b="0" u="none" baseline="0" dirty="0"/>
+          </a:p>
+          <a:p>
+            <a:pPr marL="0" marR="0" lvl="0" indent="0" algn="l" defTabSz="914400" rtl="0" eaLnBrk="1" fontAlgn="auto" latinLnBrk="0" hangingPunct="1">
+              <a:lnSpc>
+                <a:spcPct val="100000"/>
+              </a:lnSpc>
+              <a:spcBef>
+                <a:spcPts val="0"/>
+              </a:spcBef>
+              <a:spcAft>
+                <a:spcPts val="0"/>
+              </a:spcAft>
+              <a:buClrTx/>
+              <a:buSzTx/>
+              <a:buFont typeface="Arial" panose="020B0604020202020204" pitchFamily="34" charset="0"/>
+              <a:buNone/>
+              <a:tabLst/>
+              <a:defRPr/>
+            </a:pPr>
+            <a:r>
+              <a:rPr lang="en-US" b="1" u="sng" baseline="0" dirty="0"/>
+              <a:t>3.0 Risk Mitigation</a:t>
+            </a:r>
+          </a:p>
+          <a:p>
+            <a:pPr marL="0" marR="0" lvl="0" indent="0" algn="l" defTabSz="914400" rtl="0" eaLnBrk="1" fontAlgn="auto" latinLnBrk="0" hangingPunct="1">
+              <a:lnSpc>
+                <a:spcPct val="100000"/>
+              </a:lnSpc>
+              <a:spcBef>
+                <a:spcPts val="0"/>
+              </a:spcBef>
+              <a:spcAft>
+                <a:spcPts val="0"/>
+              </a:spcAft>
+              <a:buClrTx/>
+              <a:buSzTx/>
+              <a:buFont typeface="Arial" panose="020B0604020202020204" pitchFamily="34" charset="0"/>
+              <a:buNone/>
+              <a:tabLst/>
+              <a:defRPr/>
+            </a:pPr>
+            <a:r>
+              <a:rPr lang="en-US" b="0" u="none" baseline="0" dirty="0"/>
+              <a:t>Discussion of possible risks and how to mitigate those risks took about an 1 hour to come to agreed upon decisions.</a:t>
+            </a:r>
+          </a:p>
+          <a:p>
+            <a:pPr marL="0" marR="0" lvl="0" indent="0" algn="l" defTabSz="914400" rtl="0" eaLnBrk="1" fontAlgn="auto" latinLnBrk="0" hangingPunct="1">
+              <a:lnSpc>
+                <a:spcPct val="100000"/>
+              </a:lnSpc>
+              <a:spcBef>
+                <a:spcPts val="0"/>
+              </a:spcBef>
+              <a:spcAft>
+                <a:spcPts val="0"/>
+              </a:spcAft>
+              <a:buClrTx/>
+              <a:buSzTx/>
+              <a:buFont typeface="Arial" panose="020B0604020202020204" pitchFamily="34" charset="0"/>
+              <a:buNone/>
+              <a:tabLst/>
+              <a:defRPr/>
+            </a:pPr>
+            <a:endParaRPr lang="en-US" b="0" u="none" baseline="0" dirty="0"/>
+          </a:p>
+          <a:p>
+            <a:pPr marL="0" marR="0" lvl="0" indent="0" algn="l" defTabSz="914400" rtl="0" eaLnBrk="1" fontAlgn="auto" latinLnBrk="0" hangingPunct="1">
+              <a:lnSpc>
+                <a:spcPct val="100000"/>
+              </a:lnSpc>
+              <a:spcBef>
+                <a:spcPts val="0"/>
+              </a:spcBef>
+              <a:spcAft>
+                <a:spcPts val="0"/>
+              </a:spcAft>
+              <a:buClrTx/>
+              <a:buSzTx/>
+              <a:buFont typeface="Arial" panose="020B0604020202020204" pitchFamily="34" charset="0"/>
+              <a:buNone/>
+              <a:tabLst/>
+              <a:defRPr/>
+            </a:pPr>
+            <a:r>
+              <a:rPr lang="en-US" b="1" u="sng" baseline="0" dirty="0"/>
+              <a:t>SQA</a:t>
+            </a:r>
+          </a:p>
+          <a:p>
+            <a:pPr marL="0" marR="0" lvl="0" indent="0" algn="l" defTabSz="914400" rtl="0" eaLnBrk="1" fontAlgn="auto" latinLnBrk="0" hangingPunct="1">
+              <a:lnSpc>
+                <a:spcPct val="100000"/>
+              </a:lnSpc>
+              <a:spcBef>
+                <a:spcPts val="0"/>
+              </a:spcBef>
+              <a:spcAft>
+                <a:spcPts val="0"/>
+              </a:spcAft>
+              <a:buClrTx/>
+              <a:buSzTx/>
+              <a:buFont typeface="Arial" panose="020B0604020202020204" pitchFamily="34" charset="0"/>
+              <a:buNone/>
+              <a:tabLst/>
+              <a:defRPr/>
+            </a:pPr>
+            <a:r>
+              <a:rPr lang="en-US" b="0" u="none" baseline="0" dirty="0"/>
+              <a:t>Because it was the last section of the SPMP, this required a lot of reviewing and cross checking across all other documents to make sure the contents within it were accurate and </a:t>
+            </a:r>
+            <a:r>
+              <a:rPr lang="en-US" b="0" u="none" baseline="0" dirty="0" err="1"/>
+              <a:t>vailidated</a:t>
+            </a:r>
+            <a:r>
+              <a:rPr lang="en-US" b="0" u="none" baseline="0" dirty="0"/>
+              <a:t>.</a:t>
+            </a:r>
           </a:p>
         </p:txBody>
       </p:sp>
@@ -1211,17 +1511,71 @@
               <a:rPr lang="en-US" b="1" u="sng" baseline="0" dirty="0"/>
               <a:t> </a:t>
             </a:r>
+          </a:p>
+          <a:p>
+            <a:pPr marL="171450" marR="0" lvl="0" indent="-171450" algn="l" defTabSz="914400" rtl="0" eaLnBrk="1" fontAlgn="auto" latinLnBrk="0" hangingPunct="1">
+              <a:lnSpc>
+                <a:spcPct val="100000"/>
+              </a:lnSpc>
+              <a:spcBef>
+                <a:spcPts val="0"/>
+              </a:spcBef>
+              <a:spcAft>
+                <a:spcPts val="0"/>
+              </a:spcAft>
+              <a:buClrTx/>
+              <a:buSzTx/>
+              <a:buFont typeface="Arial" panose="020B0604020202020204" pitchFamily="34" charset="0"/>
+              <a:buChar char="•"/>
+              <a:tabLst/>
+              <a:defRPr/>
+            </a:pPr>
             <a:r>
               <a:rPr lang="en-US" u="none" dirty="0"/>
               <a:t>Notification</a:t>
             </a:r>
             <a:r>
               <a:rPr lang="en-US" dirty="0"/>
-              <a:t> of a change to the repository of either non-source  code or source code files must be communicated to the other team members through Slack.  During</a:t>
-            </a:r>
-            <a:r>
-              <a:rPr lang="en-US" baseline="0" dirty="0"/>
-              <a:t> part one, pull requests where not necessary to commit a change into the repository. Any changed files were uploaded directly to the master in a specific “Documents” folder</a:t>
+              <a:t> of a change to the repository of either non-source  code or source code files must be communicated to the other team members through Slack.  </a:t>
+            </a:r>
+          </a:p>
+          <a:p>
+            <a:pPr marL="171450" marR="0" lvl="0" indent="-171450" algn="l" defTabSz="914400" rtl="0" eaLnBrk="1" fontAlgn="auto" latinLnBrk="0" hangingPunct="1">
+              <a:lnSpc>
+                <a:spcPct val="100000"/>
+              </a:lnSpc>
+              <a:spcBef>
+                <a:spcPts val="0"/>
+              </a:spcBef>
+              <a:spcAft>
+                <a:spcPts val="0"/>
+              </a:spcAft>
+              <a:buClrTx/>
+              <a:buSzTx/>
+              <a:buFont typeface="Arial" panose="020B0604020202020204" pitchFamily="34" charset="0"/>
+              <a:buChar char="•"/>
+              <a:tabLst/>
+              <a:defRPr/>
+            </a:pPr>
+            <a:r>
+              <a:rPr lang="en-US" b="1" dirty="0" err="1"/>
+              <a:t>Meeting_minutes</a:t>
+            </a:r>
+            <a:r>
+              <a:rPr lang="en-US" b="1" dirty="0"/>
+              <a:t> channel: </a:t>
+            </a:r>
+            <a:r>
+              <a:rPr lang="en-US" dirty="0"/>
+              <a:t>Any changes discussed during in person meetings will be transcribed into </a:t>
+            </a:r>
+            <a:r>
+              <a:rPr lang="en-US" dirty="0" err="1"/>
+              <a:t>meeting_minutes</a:t>
+            </a:r>
+            <a:r>
+              <a:rPr lang="en-US" dirty="0"/>
+              <a:t> and posted onto Slack.</a:t>
             </a:r>
           </a:p>
           <a:p>
@@ -1245,6 +1599,167 @@
             <a:endParaRPr lang="en-US" dirty="0"/>
           </a:p>
           <a:p>
+            <a:pPr marL="0" marR="0" lvl="0" indent="0" algn="l" defTabSz="914400" rtl="0" eaLnBrk="1" fontAlgn="auto" latinLnBrk="0" hangingPunct="1">
+              <a:lnSpc>
+                <a:spcPct val="100000"/>
+              </a:lnSpc>
+              <a:spcBef>
+                <a:spcPts val="0"/>
+              </a:spcBef>
+              <a:spcAft>
+                <a:spcPts val="0"/>
+              </a:spcAft>
+              <a:buClrTx/>
+              <a:buSzTx/>
+              <a:buFontTx/>
+              <a:buNone/>
+              <a:tabLst/>
+              <a:defRPr/>
+            </a:pPr>
+            <a:r>
+              <a:rPr lang="en-US" b="1" u="sng" dirty="0"/>
+              <a:t>Source</a:t>
+            </a:r>
+            <a:r>
+              <a:rPr lang="en-US" b="1" u="sng" baseline="0" dirty="0"/>
+              <a:t> code: </a:t>
+            </a:r>
+          </a:p>
+          <a:p>
+            <a:pPr marL="0" marR="0" lvl="0" indent="0" algn="l" defTabSz="914400" rtl="0" eaLnBrk="1" fontAlgn="auto" latinLnBrk="0" hangingPunct="1">
+              <a:lnSpc>
+                <a:spcPct val="100000"/>
+              </a:lnSpc>
+              <a:spcBef>
+                <a:spcPts val="0"/>
+              </a:spcBef>
+              <a:spcAft>
+                <a:spcPts val="0"/>
+              </a:spcAft>
+              <a:buClrTx/>
+              <a:buSzTx/>
+              <a:buFontTx/>
+              <a:buNone/>
+              <a:tabLst/>
+              <a:defRPr/>
+            </a:pPr>
+            <a:r>
+              <a:rPr lang="en-US" b="0" u="none" baseline="0" dirty="0"/>
+              <a:t>W</a:t>
+            </a:r>
+            <a:r>
+              <a:rPr lang="en-US" baseline="0" dirty="0"/>
+              <a:t>ill require one administrator review in order to commit to master branch. When uploading new source code files it will be uploaded to a separate protected branch.  In this separate branch team members will be able to upload changed files without having to worry about affecting the master branch. The master branch will act as the baseline for all artifacts. Protected branches by default require at least one review before committing to the master.</a:t>
+            </a:r>
+          </a:p>
+          <a:p>
+            <a:pPr marL="0" marR="0" lvl="0" indent="0" algn="l" defTabSz="914400" rtl="0" eaLnBrk="1" fontAlgn="auto" latinLnBrk="0" hangingPunct="1">
+              <a:lnSpc>
+                <a:spcPct val="100000"/>
+              </a:lnSpc>
+              <a:spcBef>
+                <a:spcPts val="0"/>
+              </a:spcBef>
+              <a:spcAft>
+                <a:spcPts val="0"/>
+              </a:spcAft>
+              <a:buClrTx/>
+              <a:buSzTx/>
+              <a:buFontTx/>
+              <a:buNone/>
+              <a:tabLst/>
+              <a:defRPr/>
+            </a:pPr>
+            <a:endParaRPr lang="en-US" baseline="0" dirty="0"/>
+          </a:p>
+          <a:p>
+            <a:pPr marL="0" marR="0" lvl="0" indent="0" algn="l" defTabSz="914400" rtl="0" eaLnBrk="1" fontAlgn="auto" latinLnBrk="0" hangingPunct="1">
+              <a:lnSpc>
+                <a:spcPct val="100000"/>
+              </a:lnSpc>
+              <a:spcBef>
+                <a:spcPts val="0"/>
+              </a:spcBef>
+              <a:spcAft>
+                <a:spcPts val="0"/>
+              </a:spcAft>
+              <a:buClrTx/>
+              <a:buSzTx/>
+              <a:buFontTx/>
+              <a:buNone/>
+              <a:tabLst/>
+              <a:defRPr/>
+            </a:pPr>
+            <a:r>
+              <a:rPr lang="en-US" b="1" u="sng" baseline="0" dirty="0"/>
+              <a:t>Non-source code: </a:t>
+            </a:r>
+          </a:p>
+          <a:p>
+            <a:pPr marL="0" marR="0" lvl="0" indent="0" algn="l" defTabSz="914400" rtl="0" eaLnBrk="1" fontAlgn="auto" latinLnBrk="0" hangingPunct="1">
+              <a:lnSpc>
+                <a:spcPct val="100000"/>
+              </a:lnSpc>
+              <a:spcBef>
+                <a:spcPts val="0"/>
+              </a:spcBef>
+              <a:spcAft>
+                <a:spcPts val="0"/>
+              </a:spcAft>
+              <a:buClrTx/>
+              <a:buSzTx/>
+              <a:buFontTx/>
+              <a:buNone/>
+              <a:tabLst/>
+              <a:defRPr/>
+            </a:pPr>
+            <a:r>
+              <a:rPr lang="en-US" b="0" u="none" baseline="0" dirty="0"/>
+              <a:t>Files that are non-source code can be uploaded directly to the master branch without review. Files that are still in progress will have an _ in the title.  Those without a “_” will be assumed to be 100% complete.</a:t>
+            </a:r>
+          </a:p>
+          <a:p>
+            <a:pPr marL="0" marR="0" lvl="0" indent="0" algn="l" defTabSz="914400" rtl="0" eaLnBrk="1" fontAlgn="auto" latinLnBrk="0" hangingPunct="1">
+              <a:lnSpc>
+                <a:spcPct val="100000"/>
+              </a:lnSpc>
+              <a:spcBef>
+                <a:spcPts val="0"/>
+              </a:spcBef>
+              <a:spcAft>
+                <a:spcPts val="0"/>
+              </a:spcAft>
+              <a:buClrTx/>
+              <a:buSzTx/>
+              <a:buFontTx/>
+              <a:buNone/>
+              <a:tabLst/>
+              <a:defRPr/>
+            </a:pPr>
+            <a:endParaRPr lang="en-US" b="0" u="none" baseline="0" dirty="0"/>
+          </a:p>
+          <a:p>
+            <a:pPr marL="0" marR="0" lvl="0" indent="0" algn="l" defTabSz="914400" rtl="0" eaLnBrk="1" fontAlgn="auto" latinLnBrk="0" hangingPunct="1">
+              <a:lnSpc>
+                <a:spcPct val="100000"/>
+              </a:lnSpc>
+              <a:spcBef>
+                <a:spcPts val="0"/>
+              </a:spcBef>
+              <a:spcAft>
+                <a:spcPts val="0"/>
+              </a:spcAft>
+              <a:buClrTx/>
+              <a:buSzTx/>
+              <a:buFontTx/>
+              <a:buNone/>
+              <a:tabLst/>
+              <a:defRPr/>
+            </a:pPr>
+            <a:r>
+              <a:rPr lang="en-US" b="0" u="none" baseline="0" dirty="0"/>
+              <a:t>As far as the non-source code part, that method has been working and we did notify each other on slack whenever there was a new file uploaded. There were problems  that were brought to our attention because of this, but the method it’s self is a good starting place </a:t>
+            </a:r>
             <a:endParaRPr lang="en-US" dirty="0"/>
           </a:p>
         </p:txBody>
@@ -1417,7 +1932,7 @@
             </a:r>
             <a:r>
               <a:rPr lang="en-US" baseline="0" dirty="0"/>
-              <a:t> with determining the estimates. Using the reports generated in Toggl, we were able to see which tasks were taking up the most time and effort and individual times. We were able to assign tasks based on each persons individual time.</a:t>
+              <a:t> with determining the Estimates. Using the reports generated in Toggl, we were able to see which tasks were taking up the most time and effort and individual times. We were able to assign tasks based on each persons individual time.</a:t>
             </a:r>
           </a:p>
           <a:p>
@@ -1493,7 +2008,7 @@
             </a:pPr>
             <a:r>
               <a:rPr lang="en-US" baseline="0" dirty="0"/>
-              <a:t>All team members were required to sign off on meeting minutes and check slack at least once per day. Whenever a team member had questions or concerns regarding the SPMP, those questions or concerns were always heard and discussed or answered by either another team member, pm or Steiner </a:t>
+              <a:t>All team members were required to sign off on meeting minutes and check slack at least once per day. Whenever a team member had questions or concerns regarding the SPMP, those questions or concerns were always heard and discussed or answered by either another team member, Project Manager or Steiner </a:t>
             </a:r>
           </a:p>
           <a:p>
@@ -1532,12 +2047,20 @@
             </a:r>
           </a:p>
           <a:p>
+            <a:pPr marL="0" indent="0">
+              <a:buFont typeface="Arial" panose="020B0604020202020204" pitchFamily="34" charset="0"/>
+              <a:buNone/>
+            </a:pPr>
             <a:endParaRPr lang="en-US" baseline="0" dirty="0"/>
           </a:p>
           <a:p>
+            <a:pPr marL="0" indent="0">
+              <a:buFont typeface="Arial" panose="020B0604020202020204" pitchFamily="34" charset="0"/>
+              <a:buNone/>
+            </a:pPr>
             <a:r>
               <a:rPr lang="en-US" b="1" u="sng" baseline="0" dirty="0"/>
-              <a:t>Tracking and control mechanisms:  </a:t>
+              <a:t>Setting milestones for ourselves</a:t>
             </a:r>
           </a:p>
           <a:p>
@@ -1546,9 +2069,22 @@
               <a:buChar char="•"/>
             </a:pPr>
             <a:r>
-              <a:rPr lang="en-US" baseline="0" dirty="0"/>
-              <a:t>Reviewing all the documents and artifacts before it in order to validate its accuracy.</a:t>
-            </a:r>
+              <a:rPr lang="en-US" b="0" u="none" baseline="0" dirty="0"/>
+              <a:t>Motivated us to start working but we all started working on assigned task the night before our “self-set” milestone </a:t>
+            </a:r>
+          </a:p>
+          <a:p>
+            <a:pPr marL="1371600" lvl="3" indent="0">
+              <a:buFont typeface="Arial" panose="020B0604020202020204" pitchFamily="34" charset="0"/>
+              <a:buNone/>
+            </a:pPr>
+            <a:r>
+              <a:rPr lang="en-US" b="0" u="none" baseline="0" dirty="0"/>
+              <a:t>This last point will transition into the next slide </a:t>
+            </a:r>
+          </a:p>
+          <a:p>
+            <a:endParaRPr lang="en-US" baseline="0" dirty="0"/>
           </a:p>
           <a:p>
             <a:endParaRPr lang="en-US" baseline="0" dirty="0"/>
@@ -1635,7 +2171,308 @@
           <a:bodyPr/>
           <a:lstStyle/>
           <a:p>
-            <a:endParaRPr lang="en-US" dirty="0"/>
+            <a:pPr marL="0" marR="0" lvl="0" indent="0" algn="l" defTabSz="914400" rtl="0" eaLnBrk="1" fontAlgn="auto" latinLnBrk="0" hangingPunct="1">
+              <a:lnSpc>
+                <a:spcPct val="100000"/>
+              </a:lnSpc>
+              <a:spcBef>
+                <a:spcPts val="0"/>
+              </a:spcBef>
+              <a:spcAft>
+                <a:spcPts val="0"/>
+              </a:spcAft>
+              <a:buClrTx/>
+              <a:buSzTx/>
+              <a:buFontTx/>
+              <a:buNone/>
+              <a:tabLst/>
+              <a:defRPr/>
+            </a:pPr>
+            <a:r>
+              <a:rPr lang="en-US" b="1" u="sng" dirty="0"/>
+              <a:t>Documentation and Formatting Method of SPMP</a:t>
+            </a:r>
+          </a:p>
+          <a:p>
+            <a:pPr marL="0" marR="0" lvl="0" indent="0" algn="l" defTabSz="914400" rtl="0" eaLnBrk="1" fontAlgn="auto" latinLnBrk="0" hangingPunct="1">
+              <a:lnSpc>
+                <a:spcPct val="100000"/>
+              </a:lnSpc>
+              <a:spcBef>
+                <a:spcPts val="0"/>
+              </a:spcBef>
+              <a:spcAft>
+                <a:spcPts val="0"/>
+              </a:spcAft>
+              <a:buClrTx/>
+              <a:buSzTx/>
+              <a:buFontTx/>
+              <a:buNone/>
+              <a:tabLst/>
+              <a:defRPr/>
+            </a:pPr>
+            <a:r>
+              <a:rPr lang="en-US" b="0" u="none" baseline="0" dirty="0"/>
+              <a:t>Not deciding on a format style earlier.</a:t>
+            </a:r>
+          </a:p>
+          <a:p>
+            <a:pPr marL="0" marR="0" lvl="0" indent="0" algn="l" defTabSz="914400" rtl="0" eaLnBrk="1" fontAlgn="auto" latinLnBrk="0" hangingPunct="1">
+              <a:lnSpc>
+                <a:spcPct val="100000"/>
+              </a:lnSpc>
+              <a:spcBef>
+                <a:spcPts val="0"/>
+              </a:spcBef>
+              <a:spcAft>
+                <a:spcPts val="0"/>
+              </a:spcAft>
+              <a:buClrTx/>
+              <a:buSzTx/>
+              <a:buFontTx/>
+              <a:buNone/>
+              <a:tabLst/>
+              <a:defRPr/>
+            </a:pPr>
+            <a:endParaRPr lang="en-US" b="1" u="sng" dirty="0"/>
+          </a:p>
+          <a:p>
+            <a:pPr marL="0" marR="0" lvl="0" indent="0" algn="l" defTabSz="914400" rtl="0" eaLnBrk="1" fontAlgn="auto" latinLnBrk="0" hangingPunct="1">
+              <a:lnSpc>
+                <a:spcPct val="100000"/>
+              </a:lnSpc>
+              <a:spcBef>
+                <a:spcPts val="0"/>
+              </a:spcBef>
+              <a:spcAft>
+                <a:spcPts val="0"/>
+              </a:spcAft>
+              <a:buClrTx/>
+              <a:buSzTx/>
+              <a:buFontTx/>
+              <a:buNone/>
+              <a:tabLst/>
+              <a:defRPr/>
+            </a:pPr>
+            <a:r>
+              <a:rPr lang="en-US" b="1" u="sng" dirty="0"/>
+              <a:t>Reviewing method</a:t>
+            </a:r>
+          </a:p>
+          <a:p>
+            <a:pPr marL="0" marR="0" lvl="0" indent="0" algn="l" defTabSz="914400" rtl="0" eaLnBrk="1" fontAlgn="auto" latinLnBrk="0" hangingPunct="1">
+              <a:lnSpc>
+                <a:spcPct val="100000"/>
+              </a:lnSpc>
+              <a:spcBef>
+                <a:spcPts val="0"/>
+              </a:spcBef>
+              <a:spcAft>
+                <a:spcPts val="0"/>
+              </a:spcAft>
+              <a:buClrTx/>
+              <a:buSzTx/>
+              <a:buFontTx/>
+              <a:buNone/>
+              <a:tabLst/>
+              <a:defRPr/>
+            </a:pPr>
+            <a:r>
+              <a:rPr lang="en-US" b="0" u="none" dirty="0"/>
+              <a:t>Asking other team member</a:t>
+            </a:r>
+            <a:r>
+              <a:rPr lang="en-US" b="0" u="none" baseline="0" dirty="0"/>
+              <a:t>s to review things but not knowing which document to review first based on dependencies and priority</a:t>
+            </a:r>
+          </a:p>
+          <a:p>
+            <a:pPr marL="0" marR="0" lvl="0" indent="0" algn="l" defTabSz="914400" rtl="0" eaLnBrk="1" fontAlgn="auto" latinLnBrk="0" hangingPunct="1">
+              <a:lnSpc>
+                <a:spcPct val="100000"/>
+              </a:lnSpc>
+              <a:spcBef>
+                <a:spcPts val="0"/>
+              </a:spcBef>
+              <a:spcAft>
+                <a:spcPts val="0"/>
+              </a:spcAft>
+              <a:buClrTx/>
+              <a:buSzTx/>
+              <a:buFontTx/>
+              <a:buNone/>
+              <a:tabLst/>
+              <a:defRPr/>
+            </a:pPr>
+            <a:endParaRPr lang="en-US" b="0" u="none" baseline="0" dirty="0"/>
+          </a:p>
+          <a:p>
+            <a:pPr marL="0" marR="0" lvl="0" indent="0" algn="l" defTabSz="914400" rtl="0" eaLnBrk="1" fontAlgn="auto" latinLnBrk="0" hangingPunct="1">
+              <a:lnSpc>
+                <a:spcPct val="100000"/>
+              </a:lnSpc>
+              <a:spcBef>
+                <a:spcPts val="0"/>
+              </a:spcBef>
+              <a:spcAft>
+                <a:spcPts val="0"/>
+              </a:spcAft>
+              <a:buClrTx/>
+              <a:buSzTx/>
+              <a:buFontTx/>
+              <a:buNone/>
+              <a:tabLst/>
+              <a:defRPr/>
+            </a:pPr>
+            <a:r>
+              <a:rPr lang="en-US" b="1" u="sng" dirty="0"/>
+              <a:t>Assigning tasks without checking dependences </a:t>
+            </a:r>
+          </a:p>
+          <a:p>
+            <a:pPr marL="0" marR="0" lvl="0" indent="0" algn="l" defTabSz="914400" rtl="0" eaLnBrk="1" fontAlgn="auto" latinLnBrk="0" hangingPunct="1">
+              <a:lnSpc>
+                <a:spcPct val="100000"/>
+              </a:lnSpc>
+              <a:spcBef>
+                <a:spcPts val="0"/>
+              </a:spcBef>
+              <a:spcAft>
+                <a:spcPts val="0"/>
+              </a:spcAft>
+              <a:buClrTx/>
+              <a:buSzTx/>
+              <a:buFontTx/>
+              <a:buNone/>
+              <a:tabLst/>
+              <a:defRPr/>
+            </a:pPr>
+            <a:r>
+              <a:rPr lang="en-US" b="0" u="none" dirty="0"/>
+              <a:t>Not properly</a:t>
+            </a:r>
+            <a:r>
+              <a:rPr lang="en-US" b="0" u="none" baseline="0" dirty="0"/>
+              <a:t> checking the dependency of one task to another, put other people behind and cased a shift in work load for one person.</a:t>
+            </a:r>
+          </a:p>
+          <a:p>
+            <a:pPr marL="0" marR="0" lvl="0" indent="0" algn="l" defTabSz="914400" rtl="0" eaLnBrk="1" fontAlgn="auto" latinLnBrk="0" hangingPunct="1">
+              <a:lnSpc>
+                <a:spcPct val="100000"/>
+              </a:lnSpc>
+              <a:spcBef>
+                <a:spcPts val="0"/>
+              </a:spcBef>
+              <a:spcAft>
+                <a:spcPts val="0"/>
+              </a:spcAft>
+              <a:buClrTx/>
+              <a:buSzTx/>
+              <a:buFontTx/>
+              <a:buNone/>
+              <a:tabLst/>
+              <a:defRPr/>
+            </a:pPr>
+            <a:endParaRPr lang="en-US" b="0" u="none" baseline="0" dirty="0"/>
+          </a:p>
+          <a:p>
+            <a:pPr marL="0" marR="0" lvl="0" indent="0" algn="l" defTabSz="914400" rtl="0" eaLnBrk="1" fontAlgn="auto" latinLnBrk="0" hangingPunct="1">
+              <a:lnSpc>
+                <a:spcPct val="100000"/>
+              </a:lnSpc>
+              <a:spcBef>
+                <a:spcPts val="0"/>
+              </a:spcBef>
+              <a:spcAft>
+                <a:spcPts val="0"/>
+              </a:spcAft>
+              <a:buClrTx/>
+              <a:buSzTx/>
+              <a:buFontTx/>
+              <a:buNone/>
+              <a:tabLst/>
+              <a:defRPr/>
+            </a:pPr>
+            <a:r>
+              <a:rPr lang="en-US" b="1" u="sng" baseline="0" dirty="0"/>
+              <a:t>Communication With Project Managers</a:t>
+            </a:r>
+          </a:p>
+          <a:p>
+            <a:pPr marL="0" marR="0" lvl="0" indent="0" algn="l" defTabSz="914400" rtl="0" eaLnBrk="1" fontAlgn="auto" latinLnBrk="0" hangingPunct="1">
+              <a:lnSpc>
+                <a:spcPct val="100000"/>
+              </a:lnSpc>
+              <a:spcBef>
+                <a:spcPts val="0"/>
+              </a:spcBef>
+              <a:spcAft>
+                <a:spcPts val="0"/>
+              </a:spcAft>
+              <a:buClrTx/>
+              <a:buSzTx/>
+              <a:buFontTx/>
+              <a:buNone/>
+              <a:tabLst/>
+              <a:defRPr/>
+            </a:pPr>
+            <a:r>
+              <a:rPr lang="en-US" b="0" u="none" baseline="0" dirty="0"/>
+              <a:t>We added them onto all our communication tools( slack, </a:t>
+            </a:r>
+            <a:r>
+              <a:rPr lang="en-US" b="0" u="none" baseline="0" dirty="0" err="1"/>
+              <a:t>wrike</a:t>
+            </a:r>
+            <a:r>
+              <a:rPr lang="en-US" b="0" u="none" baseline="0" dirty="0"/>
+              <a:t>, </a:t>
+            </a:r>
+            <a:r>
+              <a:rPr lang="en-US" b="0" u="none" baseline="0" dirty="0" err="1"/>
+              <a:t>github</a:t>
+            </a:r>
+            <a:r>
+              <a:rPr lang="en-US" b="0" u="none" baseline="0" dirty="0"/>
+              <a:t>) and allowed them read and write access to all. We did not add them to the general availability or exception calendar. But we asked them if they would be able to join us for our weekly Sunday meetings and they said that for the most part yes. During out first meeting we already had drafts of the SPMP ready and we asked them to take a look at them through GitHub. They were a bit slow with the reviews and they did not give much detailed feedback. At the end of Part1 we realized that the c</a:t>
+            </a:r>
+            <a:r>
+              <a:rPr lang="en-US" dirty="0"/>
+              <a:t>ommunication process may</a:t>
+            </a:r>
+            <a:r>
+              <a:rPr lang="en-US" baseline="0" dirty="0"/>
+              <a:t> have not been w</a:t>
+            </a:r>
+            <a:r>
+              <a:rPr lang="en-US" dirty="0"/>
+              <a:t>ell defined.</a:t>
+            </a:r>
+            <a:endParaRPr lang="en-US" b="0" u="none" dirty="0"/>
+          </a:p>
+          <a:p>
+            <a:pPr marL="0" marR="0" lvl="0" indent="0" algn="l" defTabSz="914400" rtl="0" eaLnBrk="1" fontAlgn="auto" latinLnBrk="0" hangingPunct="1">
+              <a:lnSpc>
+                <a:spcPct val="100000"/>
+              </a:lnSpc>
+              <a:spcBef>
+                <a:spcPts val="0"/>
+              </a:spcBef>
+              <a:spcAft>
+                <a:spcPts val="0"/>
+              </a:spcAft>
+              <a:buClrTx/>
+              <a:buSzTx/>
+              <a:buFontTx/>
+              <a:buNone/>
+              <a:tabLst/>
+              <a:defRPr/>
+            </a:pPr>
+            <a:endParaRPr lang="en-US" b="0" u="none" dirty="0"/>
+          </a:p>
+          <a:p>
+            <a:endParaRPr lang="en-US" b="1" dirty="0"/>
           </a:p>
         </p:txBody>
       </p:sp>
@@ -2585,8 +3422,12 @@
               <a:t> </a:t>
             </a:r>
             <a:r>
-              <a:rPr lang="en-US" dirty="0"/>
-              <a:t>wide sale on a particular item:</a:t>
+              <a:rPr lang="en-US" b="0" u="none" baseline="0" dirty="0"/>
+              <a:t>W</a:t>
+            </a:r>
+            <a:r>
+              <a:rPr lang="en-US" dirty="0"/>
+              <a:t>ide sale on a particular item:</a:t>
             </a:r>
             <a:r>
               <a:rPr lang="en-US" baseline="0" dirty="0"/>
@@ -3208,7 +4049,7 @@
                 <a:ea typeface="+mn-ea"/>
                 <a:cs typeface="+mn-cs"/>
               </a:rPr>
-              <a:t> project estimates: </a:t>
+              <a:t> project Estimates: </a:t>
             </a:r>
             <a:endParaRPr lang="en-US" sz="1200" kern="1200" baseline="0" dirty="0">
               <a:solidFill>
@@ -3248,7 +4089,7 @@
                 <a:ea typeface="+mn-ea"/>
                 <a:cs typeface="+mn-cs"/>
               </a:rPr>
-              <a:t>As a basis for our estimates we drew</a:t>
+              <a:t>As a basis for our Estimates we drew</a:t>
             </a:r>
             <a:r>
               <a:rPr lang="en-US" sz="1200" kern="1200" baseline="0" dirty="0">
@@ -3365,7 +4206,7 @@
                 <a:ea typeface="+mn-ea"/>
                 <a:cs typeface="+mn-cs"/>
               </a:rPr>
-              <a:t>Based on prior experience with previous computer science projects, we estimate this project to require 5000 lines of code. 5000 total lines divided by the team average of 49 lines of code per hour</a:t>
+              <a:t>Based on prior experience with previous computer science projects, we Estimate this project to require 5000 lines of code. 5000 total lines divided by the team average of 49 lines of code per hour</a:t>
             </a:r>
             <a:r>
               <a:rPr lang="en-US" sz="1200" kern="1200" baseline="0" dirty="0">
@@ -3445,7 +4286,7 @@
                 <a:ea typeface="+mn-ea"/>
                 <a:cs typeface="+mn-cs"/>
               </a:rPr>
-              <a:t>Function estimate: </a:t>
+              <a:t>Function Estimate: </a:t>
             </a:r>
             <a:r>
               <a:rPr lang="en-US" sz="1200" b="0" u="none" kern="1200" dirty="0">
@@ -3564,7 +4405,7 @@
                 <a:ea typeface="+mn-ea"/>
                 <a:cs typeface="+mn-cs"/>
               </a:rPr>
-              <a:t> estimate:</a:t>
+              <a:t> Estimate:</a:t>
             </a:r>
             <a:r>
               <a:rPr lang="en-US" sz="1200" b="0" u="none" kern="1200" baseline="0" dirty="0">
@@ -3636,7 +4477,7 @@
                 <a:ea typeface="+mn-ea"/>
                 <a:cs typeface="+mn-cs"/>
               </a:rPr>
-              <a:t>Based on previous experience with similar but smaller templates from past Computer Science classes, we estimate the SPMP will take approximately 60 Hours to complete.</a:t>
+              <a:t>Based on previous experience with similar but smaller templates from past Computer Science classes, we Estimate the SPMP will take approximately 60 Hours to complete.</a:t>
             </a:r>
           </a:p>
           <a:p>
@@ -3742,7 +4583,7 @@
                 <a:ea typeface="+mn-ea"/>
                 <a:cs typeface="+mn-cs"/>
               </a:rPr>
-              <a:t>Actual Part 1 project estimates:</a:t>
+              <a:t>Actual Part 1 project Estimates:</a:t>
             </a:r>
             <a:br>
               <a:rPr lang="en-US" sz="1200" b="1" u="sng" kern="1200" baseline="0" dirty="0">
@@ -3788,7 +4629,7 @@
                 <a:ea typeface="+mn-ea"/>
                 <a:cs typeface="+mn-cs"/>
               </a:rPr>
-              <a:t>Function estimate:</a:t>
+              <a:t>Function Estimate:</a:t>
             </a:r>
             <a:endParaRPr lang="en-US" sz="1200" b="0" u="none" kern="1200" dirty="0">
               <a:solidFill>
@@ -3811,7 +4652,7 @@
                 <a:ea typeface="+mn-ea"/>
                 <a:cs typeface="+mn-cs"/>
               </a:rPr>
-              <a:t>Task estimate:</a:t>
+              <a:t>Task Estimate:</a:t>
             </a:r>
           </a:p>
           <a:p>
@@ -3850,7 +4691,7 @@
                 <a:ea typeface="+mn-ea"/>
                 <a:cs typeface="+mn-cs"/>
               </a:rPr>
-              <a:t>We determined that we had spent 116 hours thus far within the time that we began working together up until today's date (2/6/2017 – 2/24/2017).  We then determined the number of days left until the final project is due – 4 days left in February, 31 days in March, due on the 28th of April = 63 days.  We then divided the total number of days left by the number of days we had been working on the project:  63 / 18, to arrive at 3.5.  We then multiplied this number by 117, to arrive at 409.5 hours.  We added 116 to this number (the amount of time spent so far) and arrived at 525.5 hours.  The closest to this number was the Task Estimate, which is still off by 126.5 hours.  Therefore, we rejected the other estimates and went with 525.5 person-hours.</a:t>
+              <a:t>We determined that we had spent 116 hours thus far within the time that we began working together up until today's date (2/6/2017 – 2/24/2017).  We then determined the number of days left until the final project is due – 4 days left in February, 31 days in March, due on the 28th of April = 63 days.  We then divided the total number of days left by the number of days we had been working on the project:  63 / 18, to arrive at 3.5.  We then multiplied this number by 117, to arrive at 409.5 hours.  We added 116 to this number (the amount of time spent so far) and arrived at 525.5 hours.  The closest to this number was the Task Estimate, which is still off by 126.5 hours.  Therefore, we rejected the other Estimates and went with 525.5 person-hours.</a:t>
             </a:r>
           </a:p>
           <a:p>
@@ -4028,7 +4869,7 @@
             </a:r>
             <a:r>
               <a:rPr lang="en-US" b="0" u="none" baseline="0" dirty="0"/>
-              <a:t>Based on individual schedules and exceptions to team members availability. </a:t>
+              <a:t>Constraints are based on individual schedules and exceptions to team members availability. </a:t>
             </a:r>
           </a:p>
           <a:p>
@@ -4047,7 +4888,7 @@
           <a:p>
             <a:r>
               <a:rPr lang="en-US" b="1" u="sng" baseline="0" dirty="0"/>
-              <a:t>2.0 Historical Data for estimates: </a:t>
+              <a:t>2.0 Historical Data for Estimates: </a:t>
             </a:r>
             <a:r>
               <a:rPr lang="en-US" b="0" u="none" baseline="0" dirty="0"/>
@@ -4055,7 +4896,7 @@
             </a:r>
             <a:r>
               <a:rPr lang="en-US" b="0" u="none" baseline="0" dirty="0" err="1"/>
-              <a:t>Ii.e</a:t>
+              <a:t>i.e</a:t>
             </a:r>
             <a:r>
               <a:rPr lang="en-US" b="0" u="none" baseline="0" dirty="0"/>
@@ -7574,7 +8415,7 @@
             </a:br>
             <a:r>
               <a:rPr lang="en-US" sz="2800" dirty="0"/>
-              <a:t>Part 1 estimate</a:t>
+              <a:t>Part 1 Estimate</a:t>
             </a:r>
           </a:p>
         </p:txBody>
@@ -7693,21 +8534,21 @@
             <a:pPr lvl="1"/>
             <a:r>
               <a:rPr lang="en-US" dirty="0"/>
-              <a:t>Function estimate: 18 functions </a:t>
+              <a:t>Function Estimate: 18 functions </a:t>
             </a:r>
           </a:p>
           <a:p>
             <a:pPr lvl="1"/>
             <a:r>
               <a:rPr lang="en-US" dirty="0"/>
-              <a:t>Task estimate: 46 Hours per person, 184 Hours total</a:t>
+              <a:t>Task Estimate: 46 Hours per person, 184 Hours total</a:t>
             </a:r>
           </a:p>
           <a:p>
             <a:pPr lvl="1"/>
             <a:r>
               <a:rPr lang="en-US" dirty="0"/>
-              <a:t>SPMP completion estimate: 60 Hours</a:t>
+              <a:t>SPMP completion Estimate: 60 Hours</a:t>
             </a:r>
           </a:p>
           <a:p>
@@ -7822,14 +8663,14 @@
             <a:pPr lvl="1"/>
             <a:r>
               <a:rPr lang="en-US" dirty="0"/>
-              <a:t>Function estimate: 936 Hours</a:t>
+              <a:t>Function Estimate: 936 Hours</a:t>
             </a:r>
           </a:p>
           <a:p>
             <a:pPr lvl="1"/>
             <a:r>
               <a:rPr lang="en-US" dirty="0"/>
-              <a:t>Task estimate: 399 Hours</a:t>
+              <a:t>Task Estimate: 399 Hours</a:t>
             </a:r>
           </a:p>
           <a:p>
@@ -7916,7 +8757,7 @@
             </a:br>
             <a:r>
               <a:rPr lang="en-US" sz="2800" dirty="0"/>
-              <a:t>Part 2 estimate</a:t>
+              <a:t>Part 2 Estimate</a:t>
             </a:r>
           </a:p>
         </p:txBody>
@@ -7994,7 +8835,7 @@
             </a:br>
             <a:r>
               <a:rPr lang="en-US" sz="2800" dirty="0"/>
-              <a:t>New Overall project estimate </a:t>
+              <a:t>New Overall project Estimate </a:t>
             </a:r>
           </a:p>
         </p:txBody>
@@ -8232,13 +9073,13 @@
           <a:p>
             <a:r>
               <a:rPr lang="en-US" dirty="0"/>
-              <a:t>2.2.2 Overall Project Estimate</a:t>
-            </a:r>
-          </a:p>
-          <a:p>
-            <a:r>
-              <a:rPr lang="en-US" dirty="0"/>
               <a:t>2.3 Estimation Techniques Applied and Results</a:t>
+            </a:r>
+          </a:p>
+          <a:p>
+            <a:r>
+              <a:rPr lang="en-US" dirty="0"/>
+              <a:t>2.4 Reconciled Estimate</a:t>
             </a:r>
           </a:p>
           <a:p>
@@ -8655,7 +9496,7 @@
           <a:p>
             <a:r>
               <a:rPr lang="en-US" dirty="0"/>
-              <a:t>Tracking and Control Mechanisms</a:t>
+              <a:t>Setting milestones for ourselves </a:t>
             </a:r>
           </a:p>
         </p:txBody>
@@ -8763,7 +9604,7 @@
           <a:p>
             <a:pPr lvl="0"/>
             <a:r>
-              <a:rPr lang="en-US" sz="3500" dirty="0"/>
+              <a:rPr lang="en-US" sz="3800" dirty="0"/>
               <a:t>Erik Johnson</a:t>
             </a:r>
           </a:p>
@@ -8774,7 +9615,7 @@
               </a:buClr>
             </a:pPr>
             <a:r>
-              <a:rPr lang="en-US" sz="3500" dirty="0"/>
+              <a:rPr lang="en-US" sz="3800" dirty="0"/>
               <a:t>Language of choice: C++ </a:t>
             </a:r>
           </a:p>
@@ -8785,15 +9626,15 @@
               </a:buClr>
             </a:pPr>
             <a:r>
-              <a:rPr lang="en-US" sz="3500" dirty="0"/>
+              <a:rPr lang="en-US" sz="3800" dirty="0"/>
               <a:t>Other languages: VBScript, Bash, Windows Batch, </a:t>
             </a:r>
             <a:r>
-              <a:rPr lang="en-US" sz="3500" dirty="0" err="1"/>
+              <a:rPr lang="en-US" sz="3800" dirty="0" err="1"/>
               <a:t>Javascript</a:t>
             </a:r>
             <a:r>
-              <a:rPr lang="en-US" sz="3500" dirty="0"/>
+              <a:rPr lang="en-US" sz="3800" dirty="0"/>
               <a:t>, C#</a:t>
             </a:r>
           </a:p>
@@ -8804,7 +9645,7 @@
               </a:buClr>
             </a:pPr>
             <a:r>
-              <a:rPr lang="en-US" sz="3500" dirty="0"/>
+              <a:rPr lang="en-US" sz="3800" dirty="0"/>
               <a:t>Strengths: Project management experience, CS research experience, detail-oriented.</a:t>
             </a:r>
           </a:p>
@@ -8815,11 +9656,11 @@
               </a:buClr>
             </a:pPr>
             <a:r>
-              <a:rPr lang="en-US" sz="3500" dirty="0" err="1"/>
+              <a:rPr lang="en-US" sz="3800" dirty="0" err="1"/>
               <a:t>Durwin</a:t>
             </a:r>
             <a:r>
-              <a:rPr lang="en-US" sz="3500" dirty="0"/>
+              <a:rPr lang="en-US" sz="3800" dirty="0"/>
               <a:t> Johnson</a:t>
             </a:r>
           </a:p>
@@ -8830,7 +9671,7 @@
               </a:buClr>
             </a:pPr>
             <a:r>
-              <a:rPr lang="en-US" sz="3500" dirty="0"/>
+              <a:rPr lang="en-US" sz="3800" dirty="0"/>
               <a:t>Language of choice: C++</a:t>
             </a:r>
           </a:p>
@@ -8841,7 +9682,7 @@
               </a:buClr>
             </a:pPr>
             <a:r>
-              <a:rPr lang="en-US" sz="3500" dirty="0"/>
+              <a:rPr lang="en-US" sz="3800" dirty="0"/>
               <a:t>Other languages:  lesser degrees of c#, visual basic, and Java</a:t>
             </a:r>
           </a:p>
@@ -8852,7 +9693,7 @@
               </a:buClr>
             </a:pPr>
             <a:r>
-              <a:rPr lang="en-US" sz="3500" dirty="0"/>
+              <a:rPr lang="en-US" sz="3800" dirty="0"/>
               <a:t>Strengths:</a:t>
             </a:r>
           </a:p>
@@ -8863,28 +9704,28 @@
               </a:buClr>
             </a:pPr>
             <a:r>
-              <a:rPr lang="en-US" sz="3500" dirty="0"/>
+              <a:rPr lang="en-US" sz="3800" dirty="0"/>
               <a:t>Alex Pope </a:t>
             </a:r>
           </a:p>
           <a:p>
             <a:pPr lvl="1"/>
             <a:r>
-              <a:rPr lang="en-US" sz="3500" dirty="0"/>
+              <a:rPr lang="en-US" sz="3800" dirty="0"/>
               <a:t>Language of choice: C++</a:t>
             </a:r>
           </a:p>
           <a:p>
             <a:pPr lvl="1"/>
             <a:r>
-              <a:rPr lang="en-US" sz="3500" dirty="0"/>
+              <a:rPr lang="en-US" sz="3800" dirty="0"/>
               <a:t>Other languages:</a:t>
             </a:r>
           </a:p>
           <a:p>
             <a:pPr lvl="1"/>
             <a:r>
-              <a:rPr lang="en-US" sz="3500" dirty="0"/>
+              <a:rPr lang="en-US" sz="3800" dirty="0"/>
               <a:t>Strengths: Organization </a:t>
             </a:r>
           </a:p>
@@ -8895,28 +9736,28 @@
               </a:buClr>
             </a:pPr>
             <a:r>
-              <a:rPr lang="en-US" sz="3500" dirty="0"/>
+              <a:rPr lang="en-US" sz="3800" dirty="0"/>
               <a:t>Cindy Samano</a:t>
             </a:r>
           </a:p>
           <a:p>
             <a:pPr lvl="1"/>
             <a:r>
-              <a:rPr lang="en-US" sz="3500" dirty="0"/>
+              <a:rPr lang="en-US" sz="3800" dirty="0"/>
               <a:t>Language of choice: C++</a:t>
             </a:r>
           </a:p>
           <a:p>
             <a:pPr lvl="1"/>
             <a:r>
-              <a:rPr lang="en-US" sz="3500" dirty="0"/>
+              <a:rPr lang="en-US" sz="3800" dirty="0"/>
               <a:t>Other languages:</a:t>
             </a:r>
           </a:p>
           <a:p>
             <a:pPr lvl="1"/>
             <a:r>
-              <a:rPr lang="en-US" sz="3500" dirty="0"/>
+              <a:rPr lang="en-US" sz="3800" dirty="0"/>
               <a:t>Strengths: Communication, methodical, goal-oriented.</a:t>
             </a:r>
           </a:p>
@@ -9003,31 +9844,19 @@
           <a:p>
             <a:r>
               <a:rPr lang="en-US" dirty="0"/>
-              <a:t>Estimating the amount of work tasks would take</a:t>
-            </a:r>
-          </a:p>
-          <a:p>
-            <a:r>
-              <a:rPr lang="en-US" dirty="0"/>
-              <a:t>Compilation and Formatting Method of SPMP.</a:t>
-            </a:r>
-          </a:p>
-          <a:p>
-            <a:r>
-              <a:rPr lang="en-US" dirty="0"/>
-              <a:t>Setting way too early deadlines and milestones for ourselves.</a:t>
-            </a:r>
-          </a:p>
-          <a:p>
-            <a:r>
-              <a:rPr lang="en-US" dirty="0"/>
-              <a:t>Not realizing dependencies. </a:t>
-            </a:r>
-          </a:p>
-          <a:p>
-            <a:r>
-              <a:rPr lang="en-US" dirty="0"/>
-              <a:t>Assigning equal amounts of work.</a:t>
+              <a:t>Documentation and Formatting Method of SPMP</a:t>
+            </a:r>
+          </a:p>
+          <a:p>
+            <a:r>
+              <a:rPr lang="en-US" dirty="0"/>
+              <a:t>Reviewing method</a:t>
+            </a:r>
+          </a:p>
+          <a:p>
+            <a:r>
+              <a:rPr lang="en-US" dirty="0"/>
+              <a:t>Assigning tasks without checking dependences </a:t>
             </a:r>
           </a:p>
           <a:p>
@@ -9088,7 +9917,7 @@
           <a:p>
             <a:r>
               <a:rPr lang="en-US" dirty="0"/>
-              <a:t>Relationship with Project Managers</a:t>
+              <a:t>Changes for Part 2</a:t>
             </a:r>
           </a:p>
         </p:txBody>
@@ -9110,36 +9939,21 @@
           <a:p>
             <a:r>
               <a:rPr lang="en-US" dirty="0"/>
-              <a:t>Started off very promising </a:t>
-            </a:r>
-          </a:p>
-          <a:p>
-            <a:r>
-              <a:rPr lang="en-US" dirty="0"/>
-              <a:t>Communication process was not well defined</a:t>
-            </a:r>
-          </a:p>
-          <a:p>
-            <a:r>
-              <a:rPr lang="en-US" dirty="0"/>
-              <a:t>Did not properly give feed back. </a:t>
-            </a:r>
-          </a:p>
-          <a:p>
-            <a:endParaRPr lang="en-US" dirty="0"/>
-          </a:p>
-          <a:p>
-            <a:endParaRPr lang="en-US" dirty="0"/>
-          </a:p>
-          <a:p>
-            <a:endParaRPr lang="en-US" dirty="0"/>
+              <a:t>Documentation method – Style template </a:t>
+            </a:r>
+          </a:p>
+          <a:p>
+            <a:r>
+              <a:rPr lang="en-US" dirty="0"/>
+              <a:t>Communication with Project Managers</a:t>
+            </a:r>
           </a:p>
         </p:txBody>
       </p:sp>
     </p:spTree>
     <p:extLst>
       <p:ext uri="{BB962C8B-B14F-4D97-AF65-F5344CB8AC3E}">
-        <p14:creationId xmlns:p14="http://schemas.microsoft.com/office/powerpoint/2010/main" val="3037143174"/>
+        <p14:creationId xmlns:p14="http://schemas.microsoft.com/office/powerpoint/2010/main" val="2241271766"/>
       </p:ext>
     </p:extLst>
   </p:cSld>
@@ -9183,8 +9997,12 @@
           <a:p>
             <a:r>
               <a:rPr lang="en-US" dirty="0"/>
-              <a:t>What to adjust</a:t>
-            </a:r>
+              <a:t>Do differently in Part 1</a:t>
+            </a:r>
+            <a:br>
+              <a:rPr lang="en-US" dirty="0"/>
+            </a:br>
+            <a:endParaRPr lang="en-US" dirty="0"/>
           </a:p>
         </p:txBody>
       </p:sp>
@@ -9203,23 +10021,14 @@
           <a:bodyPr/>
           <a:lstStyle/>
           <a:p>
-            <a:r>
-              <a:rPr lang="en-US" dirty="0"/>
-              <a:t>Documentation method – Style template </a:t>
-            </a:r>
-          </a:p>
-          <a:p>
-            <a:r>
-              <a:rPr lang="en-US" dirty="0"/>
-              <a:t>Communication with Project Managers</a:t>
-            </a:r>
+            <a:endParaRPr lang="en-US"/>
           </a:p>
         </p:txBody>
       </p:sp>
     </p:spTree>
     <p:extLst>
       <p:ext uri="{BB962C8B-B14F-4D97-AF65-F5344CB8AC3E}">
-        <p14:creationId xmlns:p14="http://schemas.microsoft.com/office/powerpoint/2010/main" val="2241271766"/>
+        <p14:creationId xmlns:p14="http://schemas.microsoft.com/office/powerpoint/2010/main" val="484422941"/>
       </p:ext>
     </p:extLst>
   </p:cSld>
@@ -10778,7 +11587,7 @@
             </a:br>
             <a:r>
               <a:rPr lang="en-US" sz="2800" dirty="0"/>
-              <a:t>Justification</a:t>
+              <a:t>Justification of Tools</a:t>
             </a:r>
           </a:p>
         </p:txBody>

--- a/Work_In_Progress/CS/SPMP_Presentation.pptx
+++ b/Work_In_Progress/CS/SPMP_Presentation.pptx
@@ -218,7 +218,7 @@
           <a:p>
             <a:fld id="{ADE42F8C-8B25-4C7D-B938-A4924DE58183}" type="datetimeFigureOut">
               <a:rPr lang="en-US" smtClean="0"/>
-              <a:t>3/3/2017</a:t>
+              <a:t>3/4/2017</a:t>
             </a:fld>
             <a:endParaRPr lang="en-US"/>
           </a:p>
@@ -691,542 +691,146 @@
           <a:bodyPr/>
           <a:lstStyle/>
           <a:p>
-            <a:pPr marL="0" marR="0" lvl="0" indent="0" algn="l" defTabSz="914400" rtl="0" eaLnBrk="1" fontAlgn="auto" latinLnBrk="0" hangingPunct="1">
-              <a:lnSpc>
-                <a:spcPct val="100000"/>
-              </a:lnSpc>
-              <a:spcBef>
-                <a:spcPts val="0"/>
-              </a:spcBef>
-              <a:spcAft>
-                <a:spcPts val="0"/>
-              </a:spcAft>
-              <a:buClrTx/>
-              <a:buSzTx/>
-              <a:buFontTx/>
-              <a:buNone/>
-              <a:tabLst/>
-              <a:defRPr/>
-            </a:pPr>
             <a:r>
               <a:rPr lang="en-US" dirty="0"/>
               <a:t>Tasks</a:t>
             </a:r>
             <a:r>
               <a:rPr lang="en-US" baseline="0" dirty="0"/>
-              <a:t> that were hard will be tasks that took the less amount of time to complete based on reports from Toggl:</a:t>
-            </a:r>
-          </a:p>
-          <a:p>
-            <a:pPr marL="0" marR="0" lvl="0" indent="0" algn="l" defTabSz="914400" rtl="0" eaLnBrk="1" fontAlgn="auto" latinLnBrk="0" hangingPunct="1">
-              <a:lnSpc>
-                <a:spcPct val="100000"/>
-              </a:lnSpc>
-              <a:spcBef>
-                <a:spcPts val="0"/>
-              </a:spcBef>
-              <a:spcAft>
-                <a:spcPts val="0"/>
-              </a:spcAft>
-              <a:buClrTx/>
-              <a:buSzTx/>
-              <a:buFontTx/>
-              <a:buNone/>
-              <a:tabLst/>
-              <a:defRPr/>
-            </a:pPr>
+              <a:t> that were easy will be tasks that took the less amount of time to complete based on reports from </a:t>
+            </a:r>
+            <a:r>
+              <a:rPr lang="en-US" baseline="0" dirty="0" err="1"/>
+              <a:t>toggl</a:t>
+            </a:r>
+            <a:r>
+              <a:rPr lang="en-US" baseline="0" dirty="0"/>
+              <a:t>:</a:t>
+            </a:r>
+          </a:p>
+          <a:p>
             <a:endParaRPr lang="en-US" baseline="0" dirty="0"/>
           </a:p>
           <a:p>
-            <a:pPr marL="0" marR="0" lvl="0" indent="0" algn="l" defTabSz="914400" rtl="0" eaLnBrk="1" fontAlgn="auto" latinLnBrk="0" hangingPunct="1">
-              <a:lnSpc>
-                <a:spcPct val="100000"/>
-              </a:lnSpc>
-              <a:spcBef>
-                <a:spcPts val="0"/>
-              </a:spcBef>
-              <a:spcAft>
-                <a:spcPts val="0"/>
-              </a:spcAft>
-              <a:buClrTx/>
-              <a:buSzTx/>
-              <a:buFontTx/>
-              <a:buNone/>
-              <a:tabLst/>
-              <a:defRPr/>
-            </a:pPr>
-            <a:r>
-              <a:rPr lang="en-US" b="1" u="sng" dirty="0"/>
-              <a:t>Document merging and formatting </a:t>
-            </a:r>
-          </a:p>
-          <a:p>
-            <a:pPr marL="0" marR="0" lvl="0" indent="0" algn="l" defTabSz="914400" rtl="0" eaLnBrk="1" fontAlgn="auto" latinLnBrk="0" hangingPunct="1">
-              <a:lnSpc>
-                <a:spcPct val="100000"/>
-              </a:lnSpc>
-              <a:spcBef>
-                <a:spcPts val="0"/>
-              </a:spcBef>
-              <a:spcAft>
-                <a:spcPts val="0"/>
-              </a:spcAft>
-              <a:buClrTx/>
-              <a:buSzTx/>
-              <a:buFont typeface="Arial" panose="020B0604020202020204" pitchFamily="34" charset="0"/>
-              <a:buNone/>
-              <a:tabLst/>
-              <a:defRPr/>
-            </a:pPr>
-            <a:r>
-              <a:rPr lang="en-US" b="0" u="none" dirty="0"/>
-              <a:t>There</a:t>
+            <a:r>
+              <a:rPr lang="en-US" b="1" u="sng" baseline="0" dirty="0"/>
+              <a:t>1.2 Project Scope: </a:t>
             </a:r>
             <a:r>
               <a:rPr lang="en-US" b="0" u="none" baseline="0" dirty="0"/>
-              <a:t> was no style template or discussed format of how the final SPMP would look. So everyone end up using different formats, fonts and bullet points making it harder and a waste of time when we had to put all the documents together.</a:t>
-            </a:r>
-          </a:p>
-          <a:p>
-            <a:pPr marL="0" marR="0" lvl="0" indent="0" algn="l" defTabSz="914400" rtl="0" eaLnBrk="1" fontAlgn="auto" latinLnBrk="0" hangingPunct="1">
-              <a:lnSpc>
-                <a:spcPct val="100000"/>
-              </a:lnSpc>
-              <a:spcBef>
-                <a:spcPts val="0"/>
-              </a:spcBef>
-              <a:spcAft>
-                <a:spcPts val="0"/>
-              </a:spcAft>
-              <a:buClrTx/>
-              <a:buSzTx/>
-              <a:buFont typeface="Arial" panose="020B0604020202020204" pitchFamily="34" charset="0"/>
-              <a:buNone/>
-              <a:tabLst/>
-              <a:defRPr/>
-            </a:pPr>
+              <a:t>Laying out the team skillsets helped to identify exclusions such as using a flat-file system vs a database</a:t>
+            </a:r>
             <a:endParaRPr lang="en-US" b="1" u="sng" baseline="0" dirty="0"/>
           </a:p>
           <a:p>
-            <a:pPr marL="0" marR="0" lvl="0" indent="0" algn="l" defTabSz="914400" rtl="0" eaLnBrk="1" fontAlgn="auto" latinLnBrk="0" hangingPunct="1">
-              <a:lnSpc>
-                <a:spcPct val="100000"/>
-              </a:lnSpc>
-              <a:spcBef>
-                <a:spcPts val="0"/>
-              </a:spcBef>
-              <a:spcAft>
-                <a:spcPts val="0"/>
-              </a:spcAft>
-              <a:buClrTx/>
-              <a:buSzTx/>
-              <a:buFont typeface="Arial" panose="020B0604020202020204" pitchFamily="34" charset="0"/>
-              <a:buNone/>
-              <a:tabLst/>
-              <a:defRPr/>
-            </a:pPr>
+            <a:endParaRPr lang="en-US" baseline="0" dirty="0"/>
+          </a:p>
+          <a:p>
             <a:r>
               <a:rPr lang="en-US" b="1" u="sng" baseline="0" dirty="0"/>
-              <a:t>1.3 Functional Decomposition</a:t>
-            </a:r>
-          </a:p>
-          <a:p>
-            <a:pPr marL="0" marR="0" lvl="0" indent="0" algn="l" defTabSz="914400" rtl="0" eaLnBrk="1" fontAlgn="auto" latinLnBrk="0" hangingPunct="1">
-              <a:lnSpc>
-                <a:spcPct val="100000"/>
-              </a:lnSpc>
-              <a:spcBef>
-                <a:spcPts val="0"/>
-              </a:spcBef>
-              <a:spcAft>
-                <a:spcPts val="0"/>
-              </a:spcAft>
-              <a:buClrTx/>
-              <a:buSzTx/>
-              <a:buFont typeface="Arial" panose="020B0604020202020204" pitchFamily="34" charset="0"/>
-              <a:buNone/>
-              <a:tabLst/>
-              <a:defRPr/>
-            </a:pPr>
-            <a:r>
-              <a:rPr lang="en-US" dirty="0"/>
-              <a:t>Defining the general functionality not the process. Thinking of</a:t>
-            </a:r>
-            <a:r>
-              <a:rPr lang="en-US" baseline="0" dirty="0"/>
-              <a:t> it</a:t>
-            </a:r>
-            <a:r>
-              <a:rPr lang="en-US" dirty="0"/>
-              <a:t> at</a:t>
-            </a:r>
-            <a:r>
-              <a:rPr lang="en-US" baseline="0" dirty="0"/>
-              <a:t> a high enough level that did not discuss implementation details. This took some discussion to be able to grasp that concept. Also involved some emails to Steiner </a:t>
-            </a:r>
-          </a:p>
-          <a:p>
-            <a:pPr marL="0" marR="0" lvl="0" indent="0" algn="l" defTabSz="914400" rtl="0" eaLnBrk="1" fontAlgn="auto" latinLnBrk="0" hangingPunct="1">
-              <a:lnSpc>
-                <a:spcPct val="100000"/>
-              </a:lnSpc>
-              <a:spcBef>
-                <a:spcPts val="0"/>
-              </a:spcBef>
-              <a:spcAft>
-                <a:spcPts val="0"/>
-              </a:spcAft>
-              <a:buClrTx/>
-              <a:buSzTx/>
-              <a:buFont typeface="Arial" panose="020B0604020202020204" pitchFamily="34" charset="0"/>
-              <a:buNone/>
-              <a:tabLst/>
-              <a:defRPr/>
-            </a:pPr>
-            <a:endParaRPr lang="en-US" baseline="0" dirty="0"/>
-          </a:p>
-          <a:p>
-            <a:pPr marL="0" marR="0" lvl="0" indent="0" algn="l" defTabSz="914400" rtl="0" eaLnBrk="1" fontAlgn="auto" latinLnBrk="0" hangingPunct="1">
-              <a:lnSpc>
-                <a:spcPct val="100000"/>
-              </a:lnSpc>
-              <a:spcBef>
-                <a:spcPts val="0"/>
-              </a:spcBef>
-              <a:spcAft>
-                <a:spcPts val="0"/>
-              </a:spcAft>
-              <a:buClrTx/>
-              <a:buSzTx/>
-              <a:buFont typeface="Arial" panose="020B0604020202020204" pitchFamily="34" charset="0"/>
-              <a:buNone/>
-              <a:tabLst/>
-              <a:defRPr/>
-            </a:pPr>
+              <a:t>1.4 Performance/Behavior Constraints: </a:t>
+            </a:r>
+            <a:r>
+              <a:rPr lang="en-US" b="0" u="none" baseline="0" dirty="0"/>
+              <a:t>Thinking about reasonable expectations of functionality </a:t>
+            </a:r>
+          </a:p>
+          <a:p>
+            <a:endParaRPr lang="en-US" b="0" u="none" baseline="0" dirty="0"/>
+          </a:p>
+          <a:p>
             <a:r>
               <a:rPr lang="en-US" b="1" u="sng" baseline="0" dirty="0"/>
-              <a:t>2.3 Overall Project Estimate</a:t>
-            </a:r>
-          </a:p>
-          <a:p>
-            <a:pPr marL="0" marR="0" lvl="0" indent="0" algn="l" defTabSz="914400" rtl="0" eaLnBrk="1" fontAlgn="auto" latinLnBrk="0" hangingPunct="1">
-              <a:lnSpc>
-                <a:spcPct val="100000"/>
-              </a:lnSpc>
-              <a:spcBef>
-                <a:spcPts val="0"/>
-              </a:spcBef>
-              <a:spcAft>
-                <a:spcPts val="0"/>
-              </a:spcAft>
-              <a:buClrTx/>
-              <a:buSzTx/>
-              <a:buFont typeface="Arial" panose="020B0604020202020204" pitchFamily="34" charset="0"/>
-              <a:buNone/>
-              <a:tabLst/>
-              <a:defRPr/>
-            </a:pPr>
+              <a:t>1.5 Management and Technical Constraints:</a:t>
+            </a:r>
             <a:r>
               <a:rPr lang="en-US" b="0" u="none" baseline="0" dirty="0"/>
-              <a:t>Lines of code: Deciding on the methodology. We spent time discussing which individual projects we would include in our individual LOC Estimates. Then how we would get our teams average LOC/hour from that.</a:t>
-            </a:r>
-          </a:p>
-          <a:p>
-            <a:pPr marL="0" marR="0" lvl="0" indent="0" algn="l" defTabSz="914400" rtl="0" eaLnBrk="1" fontAlgn="auto" latinLnBrk="0" hangingPunct="1">
-              <a:lnSpc>
-                <a:spcPct val="100000"/>
-              </a:lnSpc>
-              <a:spcBef>
-                <a:spcPts val="0"/>
-              </a:spcBef>
-              <a:spcAft>
-                <a:spcPts val="0"/>
-              </a:spcAft>
-              <a:buClrTx/>
-              <a:buSzTx/>
-              <a:buFont typeface="Arial" panose="020B0604020202020204" pitchFamily="34" charset="0"/>
-              <a:buNone/>
-              <a:tabLst/>
-              <a:defRPr/>
-            </a:pPr>
+              <a:t> </a:t>
+            </a:r>
+          </a:p>
+          <a:p>
+            <a:r>
+              <a:rPr lang="en-US" b="1" u="sng" baseline="0" dirty="0"/>
+              <a:t>Management constraints: </a:t>
+            </a:r>
+            <a:r>
+              <a:rPr lang="en-US" b="0" u="none" baseline="0" dirty="0"/>
+              <a:t>Constraints are based on individual schedules and exceptions to team members availability.</a:t>
+            </a:r>
+          </a:p>
+          <a:p>
+            <a:r>
+              <a:rPr lang="en-US" b="0" u="none" baseline="0" dirty="0"/>
+              <a:t>Compared to the technical </a:t>
+            </a:r>
+            <a:r>
+              <a:rPr lang="en-US" b="0" u="none" baseline="0" dirty="0" err="1"/>
+              <a:t>constaints</a:t>
+            </a:r>
+            <a:r>
+              <a:rPr lang="en-US" b="0" u="none" baseline="0" dirty="0"/>
+              <a:t> </a:t>
+            </a:r>
+          </a:p>
+          <a:p>
+            <a:r>
+              <a:rPr lang="en-US" b="1" u="sng" baseline="0" dirty="0"/>
+              <a:t>Technical constraints: </a:t>
+            </a:r>
+            <a:r>
+              <a:rPr lang="en-US" b="0" u="none" baseline="0" dirty="0"/>
+              <a:t>Knowing the kinds of language we will be programming in and based on team skillset.</a:t>
+            </a:r>
+          </a:p>
+          <a:p>
             <a:endParaRPr lang="en-US" b="0" u="none" baseline="0" dirty="0"/>
           </a:p>
           <a:p>
-            <a:pPr marL="0" marR="0" lvl="0" indent="0" algn="l" defTabSz="914400" rtl="0" eaLnBrk="1" fontAlgn="auto" latinLnBrk="0" hangingPunct="1">
-              <a:lnSpc>
-                <a:spcPct val="100000"/>
-              </a:lnSpc>
-              <a:spcBef>
-                <a:spcPts val="0"/>
-              </a:spcBef>
-              <a:spcAft>
-                <a:spcPts val="0"/>
-              </a:spcAft>
-              <a:buClrTx/>
-              <a:buSzTx/>
-              <a:buFont typeface="Arial" panose="020B0604020202020204" pitchFamily="34" charset="0"/>
-              <a:buNone/>
-              <a:tabLst/>
-              <a:defRPr/>
-            </a:pPr>
             <a:r>
               <a:rPr lang="en-US" b="1" u="sng" baseline="0" dirty="0"/>
-              <a:t>2.4 Reconciled Estimate</a:t>
-            </a:r>
-          </a:p>
-          <a:p>
-            <a:pPr marL="0" marR="0" lvl="0" indent="0" algn="l" defTabSz="914400" rtl="0" eaLnBrk="1" fontAlgn="auto" latinLnBrk="0" hangingPunct="1">
-              <a:lnSpc>
-                <a:spcPct val="100000"/>
-              </a:lnSpc>
-              <a:spcBef>
-                <a:spcPts val="0"/>
-              </a:spcBef>
-              <a:spcAft>
-                <a:spcPts val="0"/>
-              </a:spcAft>
-              <a:buClrTx/>
-              <a:buSzTx/>
-              <a:buFont typeface="Arial" panose="020B0604020202020204" pitchFamily="34" charset="0"/>
-              <a:buNone/>
-              <a:tabLst/>
-              <a:defRPr/>
-            </a:pPr>
+              <a:t>2.1 Historical Data for Estimates: </a:t>
+            </a:r>
             <a:r>
               <a:rPr lang="en-US" b="0" u="none" baseline="0" dirty="0"/>
-              <a:t>Deciding on which estimate (LOC, FP, Task) would be the final estimation for how long we think the project would take. Then deciding not to use any of them because we did not feel they where represented of the time we feel it would take.</a:t>
-            </a:r>
-          </a:p>
-          <a:p>
-            <a:pPr marL="0" marR="0" lvl="0" indent="0" algn="l" defTabSz="914400" rtl="0" eaLnBrk="1" fontAlgn="auto" latinLnBrk="0" hangingPunct="1">
-              <a:lnSpc>
-                <a:spcPct val="100000"/>
-              </a:lnSpc>
-              <a:spcBef>
-                <a:spcPts val="0"/>
-              </a:spcBef>
-              <a:spcAft>
-                <a:spcPts val="0"/>
-              </a:spcAft>
-              <a:buClrTx/>
-              <a:buSzTx/>
-              <a:buFont typeface="Arial" panose="020B0604020202020204" pitchFamily="34" charset="0"/>
-              <a:buNone/>
-              <a:tabLst/>
-              <a:defRPr/>
-            </a:pPr>
+              <a:t>Deciding what sources to use as historical data </a:t>
+            </a:r>
+            <a:r>
+              <a:rPr lang="en-US" b="0" u="none" baseline="0" dirty="0" err="1"/>
+              <a:t>i.e</a:t>
+            </a:r>
+            <a:r>
+              <a:rPr lang="en-US" b="0" u="none" baseline="0" dirty="0"/>
+              <a:t> Erik’s current job, programs that are from CIS 200 and up (excluding labs b/c we did not feel they were very representative of an individuals work)</a:t>
+            </a:r>
+          </a:p>
+          <a:p>
             <a:endParaRPr lang="en-US" b="0" u="none" baseline="0" dirty="0"/>
           </a:p>
           <a:p>
-            <a:pPr marL="0" marR="0" lvl="0" indent="0" algn="l" defTabSz="914400" rtl="0" eaLnBrk="1" fontAlgn="auto" latinLnBrk="0" hangingPunct="1">
-              <a:lnSpc>
-                <a:spcPct val="100000"/>
-              </a:lnSpc>
-              <a:spcBef>
-                <a:spcPts val="0"/>
-              </a:spcBef>
-              <a:spcAft>
-                <a:spcPts val="0"/>
-              </a:spcAft>
-              <a:buClrTx/>
-              <a:buSzTx/>
-              <a:buFont typeface="Arial" panose="020B0604020202020204" pitchFamily="34" charset="0"/>
-              <a:buNone/>
-              <a:tabLst/>
-              <a:defRPr/>
-            </a:pPr>
             <a:r>
               <a:rPr lang="en-US" b="1" u="sng" baseline="0" dirty="0"/>
-              <a:t>4.2 Task Network Diagram</a:t>
-            </a:r>
+              <a:t>2.5 Project Resources:</a:t>
+            </a:r>
+            <a:r>
+              <a:rPr lang="en-US" b="0" u="none" baseline="0" dirty="0"/>
+              <a:t> Because we started having team meetings as earlier as possible we were able to have tools established before the SPMP was assigned.  Something that was hard to establish but worked well for us.</a:t>
+            </a:r>
+          </a:p>
+          <a:p>
             <a:endParaRPr lang="en-US" b="0" u="none" baseline="0" dirty="0"/>
           </a:p>
           <a:p>
-            <a:pPr marL="0" marR="0" lvl="0" indent="0" algn="l" defTabSz="914400" rtl="0" eaLnBrk="1" fontAlgn="auto" latinLnBrk="0" hangingPunct="1">
-              <a:lnSpc>
-                <a:spcPct val="100000"/>
-              </a:lnSpc>
-              <a:spcBef>
-                <a:spcPts val="0"/>
-              </a:spcBef>
-              <a:spcAft>
-                <a:spcPts val="0"/>
-              </a:spcAft>
-              <a:buClrTx/>
-              <a:buSzTx/>
-              <a:buFont typeface="Arial" panose="020B0604020202020204" pitchFamily="34" charset="0"/>
-              <a:buNone/>
-              <a:tabLst/>
-              <a:defRPr/>
-            </a:pPr>
+            <a:r>
+              <a:rPr lang="en-US" b="1" u="sng" baseline="0" dirty="0"/>
+              <a:t>4.1 Project task set: </a:t>
+            </a:r>
             <a:r>
               <a:rPr lang="en-US" b="0" u="none" baseline="0" dirty="0"/>
-              <a:t>Deciding if </a:t>
-            </a:r>
-            <a:r>
-              <a:rPr lang="en-US" b="0" u="none" baseline="0" dirty="0" err="1"/>
-              <a:t>wrike</a:t>
-            </a:r>
-            <a:r>
-              <a:rPr lang="en-US" b="0" u="none" baseline="0" dirty="0"/>
-              <a:t> would be the best tool to display the TND. Upon further discussion and investigation of </a:t>
-            </a:r>
-            <a:r>
-              <a:rPr lang="en-US" b="0" u="none" baseline="0" dirty="0" err="1"/>
-              <a:t>wrike</a:t>
-            </a:r>
-            <a:r>
-              <a:rPr lang="en-US" b="0" u="none" baseline="0" dirty="0"/>
-              <a:t> it was decided we would assign task to team members through </a:t>
-            </a:r>
-            <a:r>
-              <a:rPr lang="en-US" b="0" u="none" baseline="0" dirty="0" err="1"/>
-              <a:t>wrike</a:t>
-            </a:r>
-            <a:r>
-              <a:rPr lang="en-US" b="0" u="none" baseline="0" dirty="0"/>
-              <a:t> but we will copy that same data into Microsoft Project in order to be able to display the TND and Timeline chart. Doing so was tedious and took a large amount of time.</a:t>
-            </a:r>
-          </a:p>
-          <a:p>
-            <a:pPr marL="0" marR="0" lvl="0" indent="0" algn="l" defTabSz="914400" rtl="0" eaLnBrk="1" fontAlgn="auto" latinLnBrk="0" hangingPunct="1">
-              <a:lnSpc>
-                <a:spcPct val="100000"/>
-              </a:lnSpc>
-              <a:spcBef>
-                <a:spcPts val="0"/>
-              </a:spcBef>
-              <a:spcAft>
-                <a:spcPts val="0"/>
-              </a:spcAft>
-              <a:buClrTx/>
-              <a:buSzTx/>
-              <a:buFont typeface="Arial" panose="020B0604020202020204" pitchFamily="34" charset="0"/>
-              <a:buNone/>
-              <a:tabLst/>
-              <a:defRPr/>
-            </a:pPr>
+              <a:t>A communication plan was already in action by the time the SPMP was assigned making it easier to decide what the next steps of action would be. </a:t>
+            </a:r>
+          </a:p>
+          <a:p>
             <a:endParaRPr lang="en-US" b="0" u="none" baseline="0" dirty="0"/>
-          </a:p>
-          <a:p>
-            <a:pPr marL="0" marR="0" lvl="0" indent="0" algn="l" defTabSz="914400" rtl="0" eaLnBrk="1" fontAlgn="auto" latinLnBrk="0" hangingPunct="1">
-              <a:lnSpc>
-                <a:spcPct val="100000"/>
-              </a:lnSpc>
-              <a:spcBef>
-                <a:spcPts val="0"/>
-              </a:spcBef>
-              <a:spcAft>
-                <a:spcPts val="0"/>
-              </a:spcAft>
-              <a:buClrTx/>
-              <a:buSzTx/>
-              <a:buFont typeface="Arial" panose="020B0604020202020204" pitchFamily="34" charset="0"/>
-              <a:buNone/>
-              <a:tabLst/>
-              <a:defRPr/>
-            </a:pPr>
-            <a:r>
-              <a:rPr lang="en-US" b="1" u="sng" baseline="0" dirty="0"/>
-              <a:t>3.0 Risk Mitigation</a:t>
-            </a:r>
-          </a:p>
-          <a:p>
-            <a:pPr marL="0" marR="0" lvl="0" indent="0" algn="l" defTabSz="914400" rtl="0" eaLnBrk="1" fontAlgn="auto" latinLnBrk="0" hangingPunct="1">
-              <a:lnSpc>
-                <a:spcPct val="100000"/>
-              </a:lnSpc>
-              <a:spcBef>
-                <a:spcPts val="0"/>
-              </a:spcBef>
-              <a:spcAft>
-                <a:spcPts val="0"/>
-              </a:spcAft>
-              <a:buClrTx/>
-              <a:buSzTx/>
-              <a:buFont typeface="Arial" panose="020B0604020202020204" pitchFamily="34" charset="0"/>
-              <a:buNone/>
-              <a:tabLst/>
-              <a:defRPr/>
-            </a:pPr>
-            <a:r>
-              <a:rPr lang="en-US" b="0" u="none" baseline="0" dirty="0"/>
-              <a:t>Discussion of possible risks and how to mitigate those risks took about an 1 hour to come to agreed upon decisions.</a:t>
-            </a:r>
-          </a:p>
-          <a:p>
-            <a:pPr marL="0" marR="0" lvl="0" indent="0" algn="l" defTabSz="914400" rtl="0" eaLnBrk="1" fontAlgn="auto" latinLnBrk="0" hangingPunct="1">
-              <a:lnSpc>
-                <a:spcPct val="100000"/>
-              </a:lnSpc>
-              <a:spcBef>
-                <a:spcPts val="0"/>
-              </a:spcBef>
-              <a:spcAft>
-                <a:spcPts val="0"/>
-              </a:spcAft>
-              <a:buClrTx/>
-              <a:buSzTx/>
-              <a:buFont typeface="Arial" panose="020B0604020202020204" pitchFamily="34" charset="0"/>
-              <a:buNone/>
-              <a:tabLst/>
-              <a:defRPr/>
-            </a:pPr>
-            <a:endParaRPr lang="en-US" b="0" u="none" baseline="0" dirty="0"/>
-          </a:p>
-          <a:p>
-            <a:pPr marL="0" marR="0" lvl="0" indent="0" algn="l" defTabSz="914400" rtl="0" eaLnBrk="1" fontAlgn="auto" latinLnBrk="0" hangingPunct="1">
-              <a:lnSpc>
-                <a:spcPct val="100000"/>
-              </a:lnSpc>
-              <a:spcBef>
-                <a:spcPts val="0"/>
-              </a:spcBef>
-              <a:spcAft>
-                <a:spcPts val="0"/>
-              </a:spcAft>
-              <a:buClrTx/>
-              <a:buSzTx/>
-              <a:buFont typeface="Arial" panose="020B0604020202020204" pitchFamily="34" charset="0"/>
-              <a:buNone/>
-              <a:tabLst/>
-              <a:defRPr/>
-            </a:pPr>
-            <a:r>
-              <a:rPr lang="en-US" b="1" u="sng" baseline="0" dirty="0"/>
-              <a:t>SQA</a:t>
-            </a:r>
-          </a:p>
-          <a:p>
-            <a:pPr marL="0" marR="0" lvl="0" indent="0" algn="l" defTabSz="914400" rtl="0" eaLnBrk="1" fontAlgn="auto" latinLnBrk="0" hangingPunct="1">
-              <a:lnSpc>
-                <a:spcPct val="100000"/>
-              </a:lnSpc>
-              <a:spcBef>
-                <a:spcPts val="0"/>
-              </a:spcBef>
-              <a:spcAft>
-                <a:spcPts val="0"/>
-              </a:spcAft>
-              <a:buClrTx/>
-              <a:buSzTx/>
-              <a:buFont typeface="Arial" panose="020B0604020202020204" pitchFamily="34" charset="0"/>
-              <a:buNone/>
-              <a:tabLst/>
-              <a:defRPr/>
-            </a:pPr>
-            <a:r>
-              <a:rPr lang="en-US" b="0" u="none" baseline="0" dirty="0"/>
-              <a:t>Because it was the last section of the SPMP, this required a lot of reviewing and cross checking across all other documents to make sure the contents within it were accurate and </a:t>
-            </a:r>
-            <a:r>
-              <a:rPr lang="en-US" b="0" u="none" baseline="0" dirty="0" err="1"/>
-              <a:t>vailidated</a:t>
-            </a:r>
-            <a:r>
-              <a:rPr lang="en-US" b="0" u="none" baseline="0" dirty="0"/>
-              <a:t>.</a:t>
-            </a:r>
           </a:p>
         </p:txBody>
       </p:sp>
@@ -1247,7 +851,7 @@
           <a:p>
             <a:fld id="{B621E0F3-BCE5-4552-9E75-AD4D9ACB2A2B}" type="slidenum">
               <a:rPr lang="en-US" smtClean="0"/>
-              <a:t>16</a:t>
+              <a:t>15</a:t>
             </a:fld>
             <a:endParaRPr lang="en-US"/>
           </a:p>
@@ -1256,7 +860,7 @@
     </p:spTree>
     <p:extLst>
       <p:ext uri="{BB962C8B-B14F-4D97-AF65-F5344CB8AC3E}">
-        <p14:creationId xmlns:p14="http://schemas.microsoft.com/office/powerpoint/2010/main" val="3573805196"/>
+        <p14:creationId xmlns:p14="http://schemas.microsoft.com/office/powerpoint/2010/main" val="3402795072"/>
       </p:ext>
     </p:extLst>
   </p:cSld>
@@ -1310,99 +914,534 @@
           <a:bodyPr/>
           <a:lstStyle/>
           <a:p>
-            <a:pPr marL="0" indent="0">
-              <a:buNone/>
+            <a:pPr marL="0" marR="0" lvl="0" indent="0" algn="l" defTabSz="914400" rtl="0" eaLnBrk="1" fontAlgn="auto" latinLnBrk="0" hangingPunct="1">
+              <a:lnSpc>
+                <a:spcPct val="100000"/>
+              </a:lnSpc>
+              <a:spcBef>
+                <a:spcPts val="0"/>
+              </a:spcBef>
+              <a:spcAft>
+                <a:spcPts val="0"/>
+              </a:spcAft>
+              <a:buClrTx/>
+              <a:buSzTx/>
+              <a:buFontTx/>
+              <a:buNone/>
+              <a:tabLst/>
+              <a:defRPr/>
+            </a:pPr>
+            <a:r>
+              <a:rPr lang="en-US" dirty="0"/>
+              <a:t>Tasks</a:t>
+            </a:r>
+            <a:r>
+              <a:rPr lang="en-US" baseline="0" dirty="0"/>
+              <a:t> that were hard will be tasks that took the less amount of time to complete based on reports from Toggl:</a:t>
+            </a:r>
+          </a:p>
+          <a:p>
+            <a:pPr marL="0" marR="0" lvl="0" indent="0" algn="l" defTabSz="914400" rtl="0" eaLnBrk="1" fontAlgn="auto" latinLnBrk="0" hangingPunct="1">
+              <a:lnSpc>
+                <a:spcPct val="100000"/>
+              </a:lnSpc>
+              <a:spcBef>
+                <a:spcPts val="0"/>
+              </a:spcBef>
+              <a:spcAft>
+                <a:spcPts val="0"/>
+              </a:spcAft>
+              <a:buClrTx/>
+              <a:buSzTx/>
+              <a:buFontTx/>
+              <a:buNone/>
+              <a:tabLst/>
+              <a:defRPr/>
+            </a:pPr>
+            <a:endParaRPr lang="en-US" baseline="0" dirty="0"/>
+          </a:p>
+          <a:p>
+            <a:pPr marL="0" marR="0" lvl="0" indent="0" algn="l" defTabSz="914400" rtl="0" eaLnBrk="1" fontAlgn="auto" latinLnBrk="0" hangingPunct="1">
+              <a:lnSpc>
+                <a:spcPct val="100000"/>
+              </a:lnSpc>
+              <a:spcBef>
+                <a:spcPts val="0"/>
+              </a:spcBef>
+              <a:spcAft>
+                <a:spcPts val="0"/>
+              </a:spcAft>
+              <a:buClrTx/>
+              <a:buSzTx/>
+              <a:buFontTx/>
+              <a:buNone/>
+              <a:tabLst/>
+              <a:defRPr/>
             </a:pPr>
             <a:r>
               <a:rPr lang="en-US" b="1" u="sng" dirty="0"/>
-              <a:t>Checking Slack once a day:</a:t>
-            </a:r>
-          </a:p>
-          <a:p>
-            <a:pPr marL="628650" lvl="1" indent="-171450">
+              <a:t>Document merging and formatting </a:t>
+            </a:r>
+          </a:p>
+          <a:p>
+            <a:pPr marL="0" marR="0" lvl="0" indent="0" algn="l" defTabSz="914400" rtl="0" eaLnBrk="1" fontAlgn="auto" latinLnBrk="0" hangingPunct="1">
+              <a:lnSpc>
+                <a:spcPct val="100000"/>
+              </a:lnSpc>
+              <a:spcBef>
+                <a:spcPts val="0"/>
+              </a:spcBef>
+              <a:spcAft>
+                <a:spcPts val="0"/>
+              </a:spcAft>
+              <a:buClrTx/>
+              <a:buSzTx/>
               <a:buFont typeface="Arial" panose="020B0604020202020204" pitchFamily="34" charset="0"/>
-              <a:buChar char="•"/>
-            </a:pPr>
-            <a:r>
-              <a:rPr lang="en-US" dirty="0"/>
-              <a:t>Requiring Team members to check Slack at least once per day to stay up to date with project discussions.</a:t>
-            </a:r>
-          </a:p>
-          <a:p>
-            <a:pPr marL="0" indent="0">
-              <a:buNone/>
-            </a:pPr>
-            <a:r>
-              <a:rPr lang="en-US" b="1" u="sng" dirty="0"/>
-              <a:t>Establish meeting dates: </a:t>
-            </a:r>
-            <a:r>
-              <a:rPr lang="en-US" dirty="0"/>
-              <a:t>Recurring in-person meetings on Sundays</a:t>
-            </a:r>
-          </a:p>
-          <a:p>
-            <a:pPr marL="628650" lvl="1" indent="-171450">
+              <a:buNone/>
+              <a:tabLst/>
+              <a:defRPr/>
+            </a:pPr>
+            <a:r>
+              <a:rPr lang="en-US" b="0" u="none" dirty="0"/>
+              <a:t>There</a:t>
+            </a:r>
+            <a:r>
+              <a:rPr lang="en-US" b="0" u="none" baseline="0" dirty="0"/>
+              <a:t> was no style template or discussed format of how the final SPMP would look. So everyone end up using different formats, fonts and bullet points making it harder and a waste of time when we had to put all the documents together.</a:t>
+            </a:r>
+          </a:p>
+          <a:p>
+            <a:pPr marL="0" marR="0" lvl="0" indent="0" algn="l" defTabSz="914400" rtl="0" eaLnBrk="1" fontAlgn="auto" latinLnBrk="0" hangingPunct="1">
+              <a:lnSpc>
+                <a:spcPct val="100000"/>
+              </a:lnSpc>
+              <a:spcBef>
+                <a:spcPts val="0"/>
+              </a:spcBef>
+              <a:spcAft>
+                <a:spcPts val="0"/>
+              </a:spcAft>
+              <a:buClrTx/>
+              <a:buSzTx/>
               <a:buFont typeface="Arial" panose="020B0604020202020204" pitchFamily="34" charset="0"/>
-              <a:buChar char="•"/>
-            </a:pPr>
-            <a:r>
-              <a:rPr lang="en-US" dirty="0"/>
-              <a:t>Slack channel “</a:t>
-            </a:r>
-            <a:r>
-              <a:rPr lang="en-US" dirty="0" err="1"/>
-              <a:t>meeting_minutes</a:t>
-            </a:r>
-            <a:r>
-              <a:rPr lang="en-US" dirty="0"/>
-              <a:t>” contained an overview of the discussions from in-person meetings.</a:t>
-            </a:r>
-          </a:p>
-          <a:p>
-            <a:pPr marL="0" indent="0">
-              <a:buNone/>
-            </a:pPr>
-            <a:r>
-              <a:rPr lang="en-US" b="1" u="sng" dirty="0"/>
-              <a:t>General Availability Doc</a:t>
-            </a:r>
-            <a:r>
-              <a:rPr lang="en-US" dirty="0"/>
-              <a:t>:</a:t>
-            </a:r>
-          </a:p>
-          <a:p>
-            <a:pPr marL="628650" lvl="1" indent="-171450">
+              <a:buNone/>
+              <a:tabLst/>
+              <a:defRPr/>
+            </a:pPr>
+            <a:endParaRPr lang="en-US" b="1" u="sng" baseline="0" dirty="0"/>
+          </a:p>
+          <a:p>
+            <a:pPr marL="0" marR="0" lvl="0" indent="0" algn="l" defTabSz="914400" rtl="0" eaLnBrk="1" fontAlgn="auto" latinLnBrk="0" hangingPunct="1">
+              <a:lnSpc>
+                <a:spcPct val="100000"/>
+              </a:lnSpc>
+              <a:spcBef>
+                <a:spcPts val="0"/>
+              </a:spcBef>
+              <a:spcAft>
+                <a:spcPts val="0"/>
+              </a:spcAft>
+              <a:buClrTx/>
+              <a:buSzTx/>
               <a:buFont typeface="Arial" panose="020B0604020202020204" pitchFamily="34" charset="0"/>
-              <a:buChar char="•"/>
-            </a:pPr>
-            <a:r>
-              <a:rPr lang="en-US" dirty="0"/>
-              <a:t>Requiring team members to fill in their general availability during the week.</a:t>
-            </a:r>
-          </a:p>
-          <a:p>
-            <a:pPr marL="0" indent="0">
-              <a:buNone/>
-            </a:pPr>
-            <a:r>
-              <a:rPr lang="en-US" b="1" u="sng" dirty="0"/>
-              <a:t>Exceptions Calendar:</a:t>
-            </a:r>
-          </a:p>
-          <a:p>
-            <a:pPr marL="628650" lvl="1" indent="-171450">
+              <a:buNone/>
+              <a:tabLst/>
+              <a:defRPr/>
+            </a:pPr>
+            <a:r>
+              <a:rPr lang="en-US" b="1" u="sng" baseline="0" dirty="0"/>
+              <a:t>1.3 Functional Decomposition</a:t>
+            </a:r>
+          </a:p>
+          <a:p>
+            <a:pPr marL="0" marR="0" lvl="0" indent="0" algn="l" defTabSz="914400" rtl="0" eaLnBrk="1" fontAlgn="auto" latinLnBrk="0" hangingPunct="1">
+              <a:lnSpc>
+                <a:spcPct val="100000"/>
+              </a:lnSpc>
+              <a:spcBef>
+                <a:spcPts val="0"/>
+              </a:spcBef>
+              <a:spcAft>
+                <a:spcPts val="0"/>
+              </a:spcAft>
+              <a:buClrTx/>
+              <a:buSzTx/>
               <a:buFont typeface="Arial" panose="020B0604020202020204" pitchFamily="34" charset="0"/>
-              <a:buChar char="•"/>
-            </a:pPr>
-            <a:r>
-              <a:rPr lang="en-US" dirty="0"/>
-              <a:t>If team member had a change to their general availability and were not available on a specific say, they has to report it to this calendar.</a:t>
-            </a:r>
-          </a:p>
-          <a:p>
-            <a:endParaRPr lang="en-US" dirty="0"/>
+              <a:buNone/>
+              <a:tabLst/>
+              <a:defRPr/>
+            </a:pPr>
+            <a:r>
+              <a:rPr lang="en-US" dirty="0"/>
+              <a:t>Defining the general functionality not the process. Thinking of</a:t>
+            </a:r>
+            <a:r>
+              <a:rPr lang="en-US" baseline="0" dirty="0"/>
+              <a:t> it</a:t>
+            </a:r>
+            <a:r>
+              <a:rPr lang="en-US" dirty="0"/>
+              <a:t> at</a:t>
+            </a:r>
+            <a:r>
+              <a:rPr lang="en-US" baseline="0" dirty="0"/>
+              <a:t> a high enough level that did not discuss implementation details. This took some discussion to be able to grasp that concept. Also involved some emails to Steiner </a:t>
+            </a:r>
+          </a:p>
+          <a:p>
+            <a:pPr marL="0" marR="0" lvl="0" indent="0" algn="l" defTabSz="914400" rtl="0" eaLnBrk="1" fontAlgn="auto" latinLnBrk="0" hangingPunct="1">
+              <a:lnSpc>
+                <a:spcPct val="100000"/>
+              </a:lnSpc>
+              <a:spcBef>
+                <a:spcPts val="0"/>
+              </a:spcBef>
+              <a:spcAft>
+                <a:spcPts val="0"/>
+              </a:spcAft>
+              <a:buClrTx/>
+              <a:buSzTx/>
+              <a:buFont typeface="Arial" panose="020B0604020202020204" pitchFamily="34" charset="0"/>
+              <a:buNone/>
+              <a:tabLst/>
+              <a:defRPr/>
+            </a:pPr>
+            <a:endParaRPr lang="en-US" baseline="0" dirty="0"/>
+          </a:p>
+          <a:p>
+            <a:pPr marL="0" marR="0" lvl="0" indent="0" algn="l" defTabSz="914400" rtl="0" eaLnBrk="1" fontAlgn="auto" latinLnBrk="0" hangingPunct="1">
+              <a:lnSpc>
+                <a:spcPct val="100000"/>
+              </a:lnSpc>
+              <a:spcBef>
+                <a:spcPts val="0"/>
+              </a:spcBef>
+              <a:spcAft>
+                <a:spcPts val="0"/>
+              </a:spcAft>
+              <a:buClrTx/>
+              <a:buSzTx/>
+              <a:buFont typeface="Arial" panose="020B0604020202020204" pitchFamily="34" charset="0"/>
+              <a:buNone/>
+              <a:tabLst/>
+              <a:defRPr/>
+            </a:pPr>
+            <a:r>
+              <a:rPr lang="en-US" b="1" u="sng" baseline="0" dirty="0"/>
+              <a:t>2.3 Overall Project Estimate</a:t>
+            </a:r>
+          </a:p>
+          <a:p>
+            <a:pPr marL="0" marR="0" lvl="0" indent="0" algn="l" defTabSz="914400" rtl="0" eaLnBrk="1" fontAlgn="auto" latinLnBrk="0" hangingPunct="1">
+              <a:lnSpc>
+                <a:spcPct val="100000"/>
+              </a:lnSpc>
+              <a:spcBef>
+                <a:spcPts val="0"/>
+              </a:spcBef>
+              <a:spcAft>
+                <a:spcPts val="0"/>
+              </a:spcAft>
+              <a:buClrTx/>
+              <a:buSzTx/>
+              <a:buFont typeface="Arial" panose="020B0604020202020204" pitchFamily="34" charset="0"/>
+              <a:buNone/>
+              <a:tabLst/>
+              <a:defRPr/>
+            </a:pPr>
+            <a:r>
+              <a:rPr lang="en-US" b="0" u="none" baseline="0" dirty="0"/>
+              <a:t>Lines of code: Deciding on the methodology. We spent time discussing which individual projects we would include in our individual LOC Estimates. Then how we would get our teams average LOC/hour from that. We determined a way to find estimates for each method but it turned out to be harder than anticipated.</a:t>
+            </a:r>
+          </a:p>
+          <a:p>
+            <a:pPr marL="0" marR="0" lvl="0" indent="0" algn="l" defTabSz="914400" rtl="0" eaLnBrk="1" fontAlgn="auto" latinLnBrk="0" hangingPunct="1">
+              <a:lnSpc>
+                <a:spcPct val="100000"/>
+              </a:lnSpc>
+              <a:spcBef>
+                <a:spcPts val="0"/>
+              </a:spcBef>
+              <a:spcAft>
+                <a:spcPts val="0"/>
+              </a:spcAft>
+              <a:buClrTx/>
+              <a:buSzTx/>
+              <a:buFont typeface="Arial" panose="020B0604020202020204" pitchFamily="34" charset="0"/>
+              <a:buNone/>
+              <a:tabLst/>
+              <a:defRPr/>
+            </a:pPr>
+            <a:endParaRPr lang="en-US" b="0" u="none" baseline="0" dirty="0"/>
+          </a:p>
+          <a:p>
+            <a:pPr marL="0" marR="0" lvl="0" indent="0" algn="l" defTabSz="914400" rtl="0" eaLnBrk="1" fontAlgn="auto" latinLnBrk="0" hangingPunct="1">
+              <a:lnSpc>
+                <a:spcPct val="100000"/>
+              </a:lnSpc>
+              <a:spcBef>
+                <a:spcPts val="0"/>
+              </a:spcBef>
+              <a:spcAft>
+                <a:spcPts val="0"/>
+              </a:spcAft>
+              <a:buClrTx/>
+              <a:buSzTx/>
+              <a:buFont typeface="Arial" panose="020B0604020202020204" pitchFamily="34" charset="0"/>
+              <a:buNone/>
+              <a:tabLst/>
+              <a:defRPr/>
+            </a:pPr>
+            <a:r>
+              <a:rPr lang="en-US" b="1" u="sng" baseline="0" dirty="0"/>
+              <a:t>2.4 Reconciled Estimate</a:t>
+            </a:r>
+          </a:p>
+          <a:p>
+            <a:pPr marL="0" marR="0" lvl="0" indent="0" algn="l" defTabSz="914400" rtl="0" eaLnBrk="1" fontAlgn="auto" latinLnBrk="0" hangingPunct="1">
+              <a:lnSpc>
+                <a:spcPct val="100000"/>
+              </a:lnSpc>
+              <a:spcBef>
+                <a:spcPts val="0"/>
+              </a:spcBef>
+              <a:spcAft>
+                <a:spcPts val="0"/>
+              </a:spcAft>
+              <a:buClrTx/>
+              <a:buSzTx/>
+              <a:buFont typeface="Arial" panose="020B0604020202020204" pitchFamily="34" charset="0"/>
+              <a:buNone/>
+              <a:tabLst/>
+              <a:defRPr/>
+            </a:pPr>
+            <a:r>
+              <a:rPr lang="en-US" b="0" u="none" baseline="0" dirty="0"/>
+              <a:t>Deciding on which estimate (LOC, FP, Task) would be the final estimation for how long we think the project would take. Then deciding not to use any of them because we did not feel they where represented of the time we feel it would take.</a:t>
+            </a:r>
+          </a:p>
+          <a:p>
+            <a:pPr marL="0" marR="0" lvl="0" indent="0" algn="l" defTabSz="914400" rtl="0" eaLnBrk="1" fontAlgn="auto" latinLnBrk="0" hangingPunct="1">
+              <a:lnSpc>
+                <a:spcPct val="100000"/>
+              </a:lnSpc>
+              <a:spcBef>
+                <a:spcPts val="0"/>
+              </a:spcBef>
+              <a:spcAft>
+                <a:spcPts val="0"/>
+              </a:spcAft>
+              <a:buClrTx/>
+              <a:buSzTx/>
+              <a:buFont typeface="Arial" panose="020B0604020202020204" pitchFamily="34" charset="0"/>
+              <a:buNone/>
+              <a:tabLst/>
+              <a:defRPr/>
+            </a:pPr>
+            <a:endParaRPr lang="en-US" b="0" u="none" baseline="0" dirty="0"/>
+          </a:p>
+          <a:p>
+            <a:pPr marL="0" marR="0" lvl="0" indent="0" algn="l" defTabSz="914400" rtl="0" eaLnBrk="1" fontAlgn="auto" latinLnBrk="0" hangingPunct="1">
+              <a:lnSpc>
+                <a:spcPct val="100000"/>
+              </a:lnSpc>
+              <a:spcBef>
+                <a:spcPts val="0"/>
+              </a:spcBef>
+              <a:spcAft>
+                <a:spcPts val="0"/>
+              </a:spcAft>
+              <a:buClrTx/>
+              <a:buSzTx/>
+              <a:buFont typeface="Arial" panose="020B0604020202020204" pitchFamily="34" charset="0"/>
+              <a:buNone/>
+              <a:tabLst/>
+              <a:defRPr/>
+            </a:pPr>
+            <a:r>
+              <a:rPr lang="en-US" b="1" u="sng" baseline="0" dirty="0"/>
+              <a:t>4.2 Task Network Diagram</a:t>
+            </a:r>
+            <a:endParaRPr lang="en-US" b="0" u="none" baseline="0" dirty="0"/>
+          </a:p>
+          <a:p>
+            <a:pPr marL="0" marR="0" lvl="0" indent="0" algn="l" defTabSz="914400" rtl="0" eaLnBrk="1" fontAlgn="auto" latinLnBrk="0" hangingPunct="1">
+              <a:lnSpc>
+                <a:spcPct val="100000"/>
+              </a:lnSpc>
+              <a:spcBef>
+                <a:spcPts val="0"/>
+              </a:spcBef>
+              <a:spcAft>
+                <a:spcPts val="0"/>
+              </a:spcAft>
+              <a:buClrTx/>
+              <a:buSzTx/>
+              <a:buFont typeface="Arial" panose="020B0604020202020204" pitchFamily="34" charset="0"/>
+              <a:buNone/>
+              <a:tabLst/>
+              <a:defRPr/>
+            </a:pPr>
+            <a:r>
+              <a:rPr lang="en-US" b="0" u="none" baseline="0" dirty="0"/>
+              <a:t>Deciding if </a:t>
+            </a:r>
+            <a:r>
+              <a:rPr lang="en-US" b="0" u="none" baseline="0" dirty="0" err="1"/>
+              <a:t>wrike</a:t>
+            </a:r>
+            <a:r>
+              <a:rPr lang="en-US" b="0" u="none" baseline="0" dirty="0"/>
+              <a:t> would be the best tool to display the TND. Upon further discussion and investigation of </a:t>
+            </a:r>
+            <a:r>
+              <a:rPr lang="en-US" b="0" u="none" baseline="0" dirty="0" err="1"/>
+              <a:t>wrike</a:t>
+            </a:r>
+            <a:r>
+              <a:rPr lang="en-US" b="0" u="none" baseline="0" dirty="0"/>
+              <a:t> it was decided we would assign task to team members through </a:t>
+            </a:r>
+            <a:r>
+              <a:rPr lang="en-US" b="0" u="none" baseline="0" dirty="0" err="1"/>
+              <a:t>wrike</a:t>
+            </a:r>
+            <a:r>
+              <a:rPr lang="en-US" b="0" u="none" baseline="0" dirty="0"/>
+              <a:t> but we will copy that same data into Microsoft Project in order to be able to display the TND and Timeline chart. Doing so was tedious and took a large amount of time.</a:t>
+            </a:r>
+          </a:p>
+          <a:p>
+            <a:pPr marL="0" marR="0" lvl="0" indent="0" algn="l" defTabSz="914400" rtl="0" eaLnBrk="1" fontAlgn="auto" latinLnBrk="0" hangingPunct="1">
+              <a:lnSpc>
+                <a:spcPct val="100000"/>
+              </a:lnSpc>
+              <a:spcBef>
+                <a:spcPts val="0"/>
+              </a:spcBef>
+              <a:spcAft>
+                <a:spcPts val="0"/>
+              </a:spcAft>
+              <a:buClrTx/>
+              <a:buSzTx/>
+              <a:buFont typeface="Arial" panose="020B0604020202020204" pitchFamily="34" charset="0"/>
+              <a:buNone/>
+              <a:tabLst/>
+              <a:defRPr/>
+            </a:pPr>
+            <a:endParaRPr lang="en-US" b="0" u="none" baseline="0" dirty="0"/>
+          </a:p>
+          <a:p>
+            <a:pPr marL="0" marR="0" lvl="0" indent="0" algn="l" defTabSz="914400" rtl="0" eaLnBrk="1" fontAlgn="auto" latinLnBrk="0" hangingPunct="1">
+              <a:lnSpc>
+                <a:spcPct val="100000"/>
+              </a:lnSpc>
+              <a:spcBef>
+                <a:spcPts val="0"/>
+              </a:spcBef>
+              <a:spcAft>
+                <a:spcPts val="0"/>
+              </a:spcAft>
+              <a:buClrTx/>
+              <a:buSzTx/>
+              <a:buFont typeface="Arial" panose="020B0604020202020204" pitchFamily="34" charset="0"/>
+              <a:buNone/>
+              <a:tabLst/>
+              <a:defRPr/>
+            </a:pPr>
+            <a:r>
+              <a:rPr lang="en-US" b="1" u="sng" baseline="0" dirty="0"/>
+              <a:t>3.0 Risk Mitigation</a:t>
+            </a:r>
+          </a:p>
+          <a:p>
+            <a:pPr marL="0" marR="0" lvl="0" indent="0" algn="l" defTabSz="914400" rtl="0" eaLnBrk="1" fontAlgn="auto" latinLnBrk="0" hangingPunct="1">
+              <a:lnSpc>
+                <a:spcPct val="100000"/>
+              </a:lnSpc>
+              <a:spcBef>
+                <a:spcPts val="0"/>
+              </a:spcBef>
+              <a:spcAft>
+                <a:spcPts val="0"/>
+              </a:spcAft>
+              <a:buClrTx/>
+              <a:buSzTx/>
+              <a:buFont typeface="Arial" panose="020B0604020202020204" pitchFamily="34" charset="0"/>
+              <a:buNone/>
+              <a:tabLst/>
+              <a:defRPr/>
+            </a:pPr>
+            <a:r>
+              <a:rPr lang="en-US" b="0" u="none" baseline="0" dirty="0"/>
+              <a:t>Discussion of possible risks and how to mitigate those risks took about an 1 hour to come to agreed upon decisions. There have also been recent events such as weather, when people are sick. </a:t>
+            </a:r>
+          </a:p>
+          <a:p>
+            <a:pPr marL="0" marR="0" lvl="0" indent="0" algn="l" defTabSz="914400" rtl="0" eaLnBrk="1" fontAlgn="auto" latinLnBrk="0" hangingPunct="1">
+              <a:lnSpc>
+                <a:spcPct val="100000"/>
+              </a:lnSpc>
+              <a:spcBef>
+                <a:spcPts val="0"/>
+              </a:spcBef>
+              <a:spcAft>
+                <a:spcPts val="0"/>
+              </a:spcAft>
+              <a:buClrTx/>
+              <a:buSzTx/>
+              <a:buFont typeface="Arial" panose="020B0604020202020204" pitchFamily="34" charset="0"/>
+              <a:buNone/>
+              <a:tabLst/>
+              <a:defRPr/>
+            </a:pPr>
+            <a:endParaRPr lang="en-US" b="0" u="none" baseline="0" dirty="0"/>
+          </a:p>
+          <a:p>
+            <a:pPr marL="0" marR="0" lvl="0" indent="0" algn="l" defTabSz="914400" rtl="0" eaLnBrk="1" fontAlgn="auto" latinLnBrk="0" hangingPunct="1">
+              <a:lnSpc>
+                <a:spcPct val="100000"/>
+              </a:lnSpc>
+              <a:spcBef>
+                <a:spcPts val="0"/>
+              </a:spcBef>
+              <a:spcAft>
+                <a:spcPts val="0"/>
+              </a:spcAft>
+              <a:buClrTx/>
+              <a:buSzTx/>
+              <a:buFont typeface="Arial" panose="020B0604020202020204" pitchFamily="34" charset="0"/>
+              <a:buNone/>
+              <a:tabLst/>
+              <a:defRPr/>
+            </a:pPr>
+            <a:r>
+              <a:rPr lang="en-US" b="1" u="sng" baseline="0" dirty="0"/>
+              <a:t>SQA</a:t>
+            </a:r>
+          </a:p>
+          <a:p>
+            <a:pPr marL="0" marR="0" lvl="0" indent="0" algn="l" defTabSz="914400" rtl="0" eaLnBrk="1" fontAlgn="auto" latinLnBrk="0" hangingPunct="1">
+              <a:lnSpc>
+                <a:spcPct val="100000"/>
+              </a:lnSpc>
+              <a:spcBef>
+                <a:spcPts val="0"/>
+              </a:spcBef>
+              <a:spcAft>
+                <a:spcPts val="0"/>
+              </a:spcAft>
+              <a:buClrTx/>
+              <a:buSzTx/>
+              <a:buFont typeface="Arial" panose="020B0604020202020204" pitchFamily="34" charset="0"/>
+              <a:buNone/>
+              <a:tabLst/>
+              <a:defRPr/>
+            </a:pPr>
+            <a:r>
+              <a:rPr lang="en-US" b="0" u="none" baseline="0" dirty="0"/>
+              <a:t>Because it was the last section of the SPMP, this required a lot of reviewing and cross checking across all other documents to make sure the contents within it were accurate and valid. Traceability. </a:t>
+            </a:r>
           </a:p>
         </p:txBody>
       </p:sp>
@@ -1423,7 +1462,7 @@
           <a:p>
             <a:fld id="{B621E0F3-BCE5-4552-9E75-AD4D9ACB2A2B}" type="slidenum">
               <a:rPr lang="en-US" smtClean="0"/>
-              <a:t>17</a:t>
+              <a:t>16</a:t>
             </a:fld>
             <a:endParaRPr lang="en-US"/>
           </a:p>
@@ -1432,7 +1471,7 @@
     </p:spTree>
     <p:extLst>
       <p:ext uri="{BB962C8B-B14F-4D97-AF65-F5344CB8AC3E}">
-        <p14:creationId xmlns:p14="http://schemas.microsoft.com/office/powerpoint/2010/main" val="3316633356"/>
+        <p14:creationId xmlns:p14="http://schemas.microsoft.com/office/powerpoint/2010/main" val="3573805196"/>
       </p:ext>
     </p:extLst>
   </p:cSld>
@@ -1486,88 +1525,45 @@
           <a:bodyPr/>
           <a:lstStyle/>
           <a:p>
-            <a:pPr marL="0" marR="0" lvl="0" indent="0" algn="l" defTabSz="914400" rtl="0" eaLnBrk="1" fontAlgn="auto" latinLnBrk="0" hangingPunct="1">
-              <a:lnSpc>
-                <a:spcPct val="100000"/>
-              </a:lnSpc>
-              <a:spcBef>
-                <a:spcPts val="0"/>
-              </a:spcBef>
-              <a:spcAft>
-                <a:spcPts val="0"/>
-              </a:spcAft>
-              <a:buClrTx/>
-              <a:buSzTx/>
-              <a:buFontTx/>
-              <a:buNone/>
-              <a:tabLst/>
-              <a:defRPr/>
+            <a:pPr marL="0" indent="0">
+              <a:buNone/>
             </a:pPr>
             <a:r>
               <a:rPr lang="en-US" b="1" u="sng" dirty="0"/>
-              <a:t>Slack:</a:t>
-            </a:r>
-            <a:r>
-              <a:rPr lang="en-US" b="1" u="sng" baseline="0" dirty="0"/>
-              <a:t> </a:t>
-            </a:r>
-          </a:p>
-          <a:p>
-            <a:pPr marL="171450" marR="0" lvl="0" indent="-171450" algn="l" defTabSz="914400" rtl="0" eaLnBrk="1" fontAlgn="auto" latinLnBrk="0" hangingPunct="1">
-              <a:lnSpc>
-                <a:spcPct val="100000"/>
-              </a:lnSpc>
-              <a:spcBef>
-                <a:spcPts val="0"/>
-              </a:spcBef>
-              <a:spcAft>
-                <a:spcPts val="0"/>
-              </a:spcAft>
-              <a:buClrTx/>
-              <a:buSzTx/>
+              <a:t>Checking Slack once a day:</a:t>
+            </a:r>
+          </a:p>
+          <a:p>
+            <a:pPr marL="628650" lvl="1" indent="-171450">
               <a:buFont typeface="Arial" panose="020B0604020202020204" pitchFamily="34" charset="0"/>
               <a:buChar char="•"/>
-              <a:tabLst/>
-              <a:defRPr/>
-            </a:pPr>
-            <a:r>
-              <a:rPr lang="en-US" u="none" dirty="0"/>
-              <a:t>Notification</a:t>
-            </a:r>
-            <a:r>
-              <a:rPr lang="en-US" dirty="0"/>
-              <a:t> of a change to the repository of either non-source  code or source code files must be communicated to the other team members through Slack.  </a:t>
-            </a:r>
-          </a:p>
-          <a:p>
-            <a:pPr marL="171450" marR="0" lvl="0" indent="-171450" algn="l" defTabSz="914400" rtl="0" eaLnBrk="1" fontAlgn="auto" latinLnBrk="0" hangingPunct="1">
-              <a:lnSpc>
-                <a:spcPct val="100000"/>
-              </a:lnSpc>
-              <a:spcBef>
-                <a:spcPts val="0"/>
-              </a:spcBef>
-              <a:spcAft>
-                <a:spcPts val="0"/>
-              </a:spcAft>
-              <a:buClrTx/>
-              <a:buSzTx/>
+            </a:pPr>
+            <a:r>
+              <a:rPr lang="en-US" dirty="0"/>
+              <a:t>Requiring Team members to check Slack at least once per day to stay up to date with project discussions.</a:t>
+            </a:r>
+          </a:p>
+          <a:p>
+            <a:pPr marL="0" indent="0">
+              <a:buNone/>
+            </a:pPr>
+            <a:r>
+              <a:rPr lang="en-US" b="1" u="sng" dirty="0"/>
+              <a:t>Establish meeting dates: </a:t>
+            </a:r>
+            <a:r>
+              <a:rPr lang="en-US" dirty="0"/>
+              <a:t>Recurring in-person meetings on Sundays</a:t>
+            </a:r>
+          </a:p>
+          <a:p>
+            <a:pPr marL="628650" lvl="1" indent="-171450">
               <a:buFont typeface="Arial" panose="020B0604020202020204" pitchFamily="34" charset="0"/>
               <a:buChar char="•"/>
-              <a:tabLst/>
-              <a:defRPr/>
-            </a:pPr>
-            <a:r>
-              <a:rPr lang="en-US" b="1" dirty="0" err="1"/>
-              <a:t>Meeting_minutes</a:t>
-            </a:r>
-            <a:r>
-              <a:rPr lang="en-US" b="1" dirty="0"/>
-              <a:t> channel: </a:t>
-            </a:r>
-            <a:r>
-              <a:rPr lang="en-US" dirty="0"/>
-              <a:t>Any changes discussed during in person meetings will be transcribed into </a:t>
+            </a:pPr>
+            <a:r>
+              <a:rPr lang="en-US" dirty="0"/>
+              <a:t>Slack channel “</a:t>
             </a:r>
             <a:r>
               <a:rPr lang="en-US" dirty="0" err="1"/>
@@ -1575,191 +1571,52 @@
             </a:r>
             <a:r>
               <a:rPr lang="en-US" dirty="0"/>
-              <a:t> and posted onto Slack.</a:t>
-            </a:r>
-          </a:p>
-          <a:p>
-            <a:pPr marL="0" marR="0" lvl="0" indent="0" algn="l" defTabSz="914400" rtl="0" eaLnBrk="1" fontAlgn="auto" latinLnBrk="0" hangingPunct="1">
-              <a:lnSpc>
-                <a:spcPct val="100000"/>
-              </a:lnSpc>
-              <a:spcBef>
-                <a:spcPts val="0"/>
-              </a:spcBef>
-              <a:spcAft>
-                <a:spcPts val="0"/>
-              </a:spcAft>
-              <a:buClrTx/>
-              <a:buSzTx/>
-              <a:buFontTx/>
-              <a:buNone/>
-              <a:tabLst/>
-              <a:defRPr/>
-            </a:pPr>
-            <a:endParaRPr lang="en-US" dirty="0"/>
-          </a:p>
-          <a:p>
-            <a:pPr marL="0" marR="0" lvl="0" indent="0" algn="l" defTabSz="914400" rtl="0" eaLnBrk="1" fontAlgn="auto" latinLnBrk="0" hangingPunct="1">
-              <a:lnSpc>
-                <a:spcPct val="100000"/>
-              </a:lnSpc>
-              <a:spcBef>
-                <a:spcPts val="0"/>
-              </a:spcBef>
-              <a:spcAft>
-                <a:spcPts val="0"/>
-              </a:spcAft>
-              <a:buClrTx/>
-              <a:buSzTx/>
-              <a:buFontTx/>
-              <a:buNone/>
-              <a:tabLst/>
-              <a:defRPr/>
+              <a:t>” contained an overview of the discussions from in-person meetings.</a:t>
+            </a:r>
+          </a:p>
+          <a:p>
+            <a:pPr marL="0" indent="0">
+              <a:buNone/>
             </a:pPr>
             <a:r>
               <a:rPr lang="en-US" b="1" u="sng" dirty="0"/>
-              <a:t>Source</a:t>
-            </a:r>
-            <a:r>
-              <a:rPr lang="en-US" b="1" u="sng" baseline="0" dirty="0"/>
-              <a:t> code: </a:t>
-            </a:r>
-          </a:p>
-          <a:p>
-            <a:pPr marL="0" marR="0" lvl="0" indent="0" algn="l" defTabSz="914400" rtl="0" eaLnBrk="1" fontAlgn="auto" latinLnBrk="0" hangingPunct="1">
-              <a:lnSpc>
-                <a:spcPct val="100000"/>
-              </a:lnSpc>
-              <a:spcBef>
-                <a:spcPts val="0"/>
-              </a:spcBef>
-              <a:spcAft>
-                <a:spcPts val="0"/>
-              </a:spcAft>
-              <a:buClrTx/>
-              <a:buSzTx/>
-              <a:buFontTx/>
-              <a:buNone/>
-              <a:tabLst/>
-              <a:defRPr/>
-            </a:pPr>
-            <a:r>
-              <a:rPr lang="en-US" b="0" u="none" baseline="0" dirty="0"/>
-              <a:t>W</a:t>
-            </a:r>
-            <a:r>
-              <a:rPr lang="en-US" baseline="0" dirty="0"/>
-              <a:t>ill require one administrator review in order to commit to master branch. When uploading new source code files it will be uploaded to a separate protected branch.  In this separate branch team members will be able to upload changed files without having to worry about affecting the master branch. The master branch will act as the baseline for all artifacts. Protected branches by default require at least one review before committing to the master.</a:t>
-            </a:r>
-          </a:p>
-          <a:p>
-            <a:pPr marL="0" marR="0" lvl="0" indent="0" algn="l" defTabSz="914400" rtl="0" eaLnBrk="1" fontAlgn="auto" latinLnBrk="0" hangingPunct="1">
-              <a:lnSpc>
-                <a:spcPct val="100000"/>
-              </a:lnSpc>
-              <a:spcBef>
-                <a:spcPts val="0"/>
-              </a:spcBef>
-              <a:spcAft>
-                <a:spcPts val="0"/>
-              </a:spcAft>
-              <a:buClrTx/>
-              <a:buSzTx/>
-              <a:buFontTx/>
-              <a:buNone/>
-              <a:tabLst/>
-              <a:defRPr/>
-            </a:pPr>
-            <a:endParaRPr lang="en-US" baseline="0" dirty="0"/>
-          </a:p>
-          <a:p>
-            <a:pPr marL="0" marR="0" lvl="0" indent="0" algn="l" defTabSz="914400" rtl="0" eaLnBrk="1" fontAlgn="auto" latinLnBrk="0" hangingPunct="1">
-              <a:lnSpc>
-                <a:spcPct val="100000"/>
-              </a:lnSpc>
-              <a:spcBef>
-                <a:spcPts val="0"/>
-              </a:spcBef>
-              <a:spcAft>
-                <a:spcPts val="0"/>
-              </a:spcAft>
-              <a:buClrTx/>
-              <a:buSzTx/>
-              <a:buFontTx/>
-              <a:buNone/>
-              <a:tabLst/>
-              <a:defRPr/>
-            </a:pPr>
-            <a:r>
-              <a:rPr lang="en-US" b="1" u="sng" baseline="0" dirty="0"/>
-              <a:t>Non-source code: </a:t>
-            </a:r>
-          </a:p>
-          <a:p>
-            <a:pPr marL="0" marR="0" lvl="0" indent="0" algn="l" defTabSz="914400" rtl="0" eaLnBrk="1" fontAlgn="auto" latinLnBrk="0" hangingPunct="1">
-              <a:lnSpc>
-                <a:spcPct val="100000"/>
-              </a:lnSpc>
-              <a:spcBef>
-                <a:spcPts val="0"/>
-              </a:spcBef>
-              <a:spcAft>
-                <a:spcPts val="0"/>
-              </a:spcAft>
-              <a:buClrTx/>
-              <a:buSzTx/>
-              <a:buFontTx/>
-              <a:buNone/>
-              <a:tabLst/>
-              <a:defRPr/>
-            </a:pPr>
-            <a:r>
-              <a:rPr lang="en-US" b="0" u="none" baseline="0" dirty="0"/>
-              <a:t>Files that are non-source code can be uploaded directly to the master branch without review. Files that are still in progress will have an _ in the title.  Those without a “_” will be assumed to be 100% complete.</a:t>
-            </a:r>
-          </a:p>
-          <a:p>
-            <a:pPr marL="0" marR="0" lvl="0" indent="0" algn="l" defTabSz="914400" rtl="0" eaLnBrk="1" fontAlgn="auto" latinLnBrk="0" hangingPunct="1">
-              <a:lnSpc>
-                <a:spcPct val="100000"/>
-              </a:lnSpc>
-              <a:spcBef>
-                <a:spcPts val="0"/>
-              </a:spcBef>
-              <a:spcAft>
-                <a:spcPts val="0"/>
-              </a:spcAft>
-              <a:buClrTx/>
-              <a:buSzTx/>
-              <a:buFontTx/>
-              <a:buNone/>
-              <a:tabLst/>
-              <a:defRPr/>
-            </a:pPr>
-            <a:endParaRPr lang="en-US" b="0" u="none" baseline="0" dirty="0"/>
-          </a:p>
-          <a:p>
-            <a:pPr marL="0" marR="0" lvl="0" indent="0" algn="l" defTabSz="914400" rtl="0" eaLnBrk="1" fontAlgn="auto" latinLnBrk="0" hangingPunct="1">
-              <a:lnSpc>
-                <a:spcPct val="100000"/>
-              </a:lnSpc>
-              <a:spcBef>
-                <a:spcPts val="0"/>
-              </a:spcBef>
-              <a:spcAft>
-                <a:spcPts val="0"/>
-              </a:spcAft>
-              <a:buClrTx/>
-              <a:buSzTx/>
-              <a:buFontTx/>
-              <a:buNone/>
-              <a:tabLst/>
-              <a:defRPr/>
-            </a:pPr>
-            <a:r>
-              <a:rPr lang="en-US" b="0" u="none" baseline="0" dirty="0"/>
-              <a:t>As far as the non-source code part, that method has been working and we did notify each other on slack whenever there was a new file uploaded. There were problems  that were brought to our attention because of this, but the method it’s self is a good starting place </a:t>
-            </a:r>
+              <a:t>General Availability Doc</a:t>
+            </a:r>
+            <a:r>
+              <a:rPr lang="en-US" dirty="0"/>
+              <a:t>:</a:t>
+            </a:r>
+          </a:p>
+          <a:p>
+            <a:pPr marL="628650" lvl="1" indent="-171450">
+              <a:buFont typeface="Arial" panose="020B0604020202020204" pitchFamily="34" charset="0"/>
+              <a:buChar char="•"/>
+            </a:pPr>
+            <a:r>
+              <a:rPr lang="en-US" dirty="0"/>
+              <a:t>Requiring team members to fill in their general availability during the week.</a:t>
+            </a:r>
+          </a:p>
+          <a:p>
+            <a:pPr marL="0" indent="0">
+              <a:buNone/>
+            </a:pPr>
+            <a:r>
+              <a:rPr lang="en-US" b="1" u="sng" dirty="0"/>
+              <a:t>Exceptions Calendar:</a:t>
+            </a:r>
+          </a:p>
+          <a:p>
+            <a:pPr marL="628650" lvl="1" indent="-171450">
+              <a:buFont typeface="Arial" panose="020B0604020202020204" pitchFamily="34" charset="0"/>
+              <a:buChar char="•"/>
+            </a:pPr>
+            <a:r>
+              <a:rPr lang="en-US" dirty="0"/>
+              <a:t>If team member had a change to their general availability and were not available on a specific say, they has to report it to this calendar.</a:t>
+            </a:r>
+          </a:p>
+          <a:p>
             <a:endParaRPr lang="en-US" dirty="0"/>
           </a:p>
         </p:txBody>
@@ -1781,7 +1638,7 @@
           <a:p>
             <a:fld id="{B621E0F3-BCE5-4552-9E75-AD4D9ACB2A2B}" type="slidenum">
               <a:rPr lang="en-US" smtClean="0"/>
-              <a:t>18</a:t>
+              <a:t>17</a:t>
             </a:fld>
             <a:endParaRPr lang="en-US"/>
           </a:p>
@@ -1790,7 +1647,7 @@
     </p:spTree>
     <p:extLst>
       <p:ext uri="{BB962C8B-B14F-4D97-AF65-F5344CB8AC3E}">
-        <p14:creationId xmlns:p14="http://schemas.microsoft.com/office/powerpoint/2010/main" val="2185845843"/>
+        <p14:creationId xmlns:p14="http://schemas.microsoft.com/office/powerpoint/2010/main" val="3316633356"/>
       </p:ext>
     </p:extLst>
   </p:cSld>
@@ -1844,101 +1701,6 @@
           <a:bodyPr/>
           <a:lstStyle/>
           <a:p>
-            <a:r>
-              <a:rPr lang="en-US" b="1" u="sng" dirty="0"/>
-              <a:t>Early</a:t>
-            </a:r>
-            <a:r>
-              <a:rPr lang="en-US" b="1" u="sng" baseline="0" dirty="0"/>
-              <a:t> start:  </a:t>
-            </a:r>
-          </a:p>
-          <a:p>
-            <a:pPr marL="171450" indent="-171450">
-              <a:buFont typeface="Arial" panose="020B0604020202020204" pitchFamily="34" charset="0"/>
-              <a:buChar char="•"/>
-            </a:pPr>
-            <a:r>
-              <a:rPr lang="en-US" baseline="0" dirty="0"/>
-              <a:t>Before the we chose teams, </a:t>
-            </a:r>
-            <a:r>
-              <a:rPr lang="en-US" baseline="0" dirty="0" err="1"/>
-              <a:t>Durwin</a:t>
-            </a:r>
-            <a:r>
-              <a:rPr lang="en-US" baseline="0" dirty="0"/>
-              <a:t> and Erik had discussed tools. We also had a small meeting the same day teams were chosen and had meetings since then.</a:t>
-            </a:r>
-          </a:p>
-          <a:p>
-            <a:pPr marL="171450" indent="-171450">
-              <a:buFont typeface="Arial" panose="020B0604020202020204" pitchFamily="34" charset="0"/>
-              <a:buChar char="•"/>
-            </a:pPr>
-            <a:r>
-              <a:rPr lang="en-US" baseline="0" dirty="0"/>
-              <a:t>Through these meetings we were able to minimize the time spent deciding on a meeting location and  on the methods of communication before the SPMP was assigned.</a:t>
-            </a:r>
-          </a:p>
-          <a:p>
-            <a:endParaRPr lang="en-US" baseline="0" dirty="0"/>
-          </a:p>
-          <a:p>
-            <a:r>
-              <a:rPr lang="en-US" b="1" u="sng" baseline="0" dirty="0"/>
-              <a:t>Establishing in-person meetings: </a:t>
-            </a:r>
-          </a:p>
-          <a:p>
-            <a:pPr marL="171450" indent="-171450">
-              <a:buFont typeface="Arial" panose="020B0604020202020204" pitchFamily="34" charset="0"/>
-              <a:buChar char="•"/>
-            </a:pPr>
-            <a:r>
-              <a:rPr lang="en-US" baseline="0" dirty="0"/>
-              <a:t>Setting up required in-person meetings allowed us to discuss tools, skillsets and assign any tasks we knew we could expect on the SPMP</a:t>
-            </a:r>
-          </a:p>
-          <a:p>
-            <a:r>
-              <a:rPr lang="en-US" baseline="0" dirty="0"/>
-              <a:t>		     </a:t>
-            </a:r>
-            <a:endParaRPr lang="en-US" dirty="0"/>
-          </a:p>
-          <a:p>
-            <a:r>
-              <a:rPr lang="en-US" b="1" u="sng" dirty="0"/>
-              <a:t>Selection</a:t>
-            </a:r>
-            <a:r>
-              <a:rPr lang="en-US" b="1" u="sng" baseline="0" dirty="0"/>
-              <a:t> of time tracking tool: </a:t>
-            </a:r>
-          </a:p>
-          <a:p>
-            <a:pPr marL="171450" indent="-171450">
-              <a:buFont typeface="Arial" panose="020B0604020202020204" pitchFamily="34" charset="0"/>
-              <a:buChar char="•"/>
-            </a:pPr>
-            <a:r>
-              <a:rPr lang="en-US" b="0" u="none" baseline="0" dirty="0"/>
-              <a:t>H</a:t>
-            </a:r>
-            <a:r>
-              <a:rPr lang="en-US" dirty="0"/>
-              <a:t>elped</a:t>
-            </a:r>
-            <a:r>
-              <a:rPr lang="en-US" baseline="0" dirty="0"/>
-              <a:t> with determining the Estimates. Using the reports generated in Toggl, we were able to see which tasks were taking up the most time and effort and individual times. We were able to assign tasks based on each persons individual time.</a:t>
-            </a:r>
-          </a:p>
-          <a:p>
-            <a:endParaRPr lang="en-US" baseline="0" dirty="0"/>
-          </a:p>
-          <a:p>
             <a:pPr marL="0" marR="0" lvl="0" indent="0" algn="l" defTabSz="914400" rtl="0" eaLnBrk="1" fontAlgn="auto" latinLnBrk="0" hangingPunct="1">
               <a:lnSpc>
                 <a:spcPct val="100000"/>
@@ -1957,8 +1719,12 @@
               <a:defRPr/>
             </a:pPr>
             <a:r>
+              <a:rPr lang="en-US" b="1" u="sng" dirty="0"/>
+              <a:t>Slack:</a:t>
+            </a:r>
+            <a:r>
               <a:rPr lang="en-US" b="1" u="sng" baseline="0" dirty="0"/>
-              <a:t>Training tools: </a:t>
+              <a:t> </a:t>
             </a:r>
           </a:p>
           <a:p>
@@ -1980,114 +1746,236 @@
               <a:defRPr/>
             </a:pPr>
             <a:r>
-              <a:rPr lang="en-US" baseline="0" dirty="0"/>
-              <a:t>Checking out the tools and tracking task time. Since only one team member had prior experience with a majority of the tools, it was necessary that the other team members became acquainted with the tools and understood the terminology that came with each one </a:t>
-            </a:r>
-            <a:r>
-              <a:rPr lang="en-US" baseline="0" dirty="0" err="1"/>
-              <a:t>i.e</a:t>
-            </a:r>
-            <a:r>
-              <a:rPr lang="en-US" baseline="0" dirty="0"/>
-              <a:t> committing to master on GitHub</a:t>
-            </a:r>
-          </a:p>
-          <a:p>
-            <a:endParaRPr lang="en-US" baseline="0" dirty="0"/>
-          </a:p>
-          <a:p>
-            <a:r>
-              <a:rPr lang="en-US" b="1" u="sng" baseline="0" dirty="0"/>
-              <a:t>Team communication: </a:t>
-            </a:r>
-          </a:p>
-          <a:p>
-            <a:pPr marL="171450" indent="-171450">
+              <a:rPr lang="en-US" u="none" dirty="0"/>
+              <a:t>Notification</a:t>
+            </a:r>
+            <a:r>
+              <a:rPr lang="en-US" dirty="0"/>
+              <a:t> of a change to the repository of either non-source  code or source code files must be communicated to the other team members through Slack.  </a:t>
+            </a:r>
+          </a:p>
+          <a:p>
+            <a:pPr marL="171450" marR="0" lvl="0" indent="-171450" algn="l" defTabSz="914400" rtl="0" eaLnBrk="1" fontAlgn="auto" latinLnBrk="0" hangingPunct="1">
+              <a:lnSpc>
+                <a:spcPct val="100000"/>
+              </a:lnSpc>
+              <a:spcBef>
+                <a:spcPts val="0"/>
+              </a:spcBef>
+              <a:spcAft>
+                <a:spcPts val="0"/>
+              </a:spcAft>
+              <a:buClrTx/>
+              <a:buSzTx/>
               <a:buFont typeface="Arial" panose="020B0604020202020204" pitchFamily="34" charset="0"/>
               <a:buChar char="•"/>
-            </a:pPr>
+              <a:tabLst/>
+              <a:defRPr/>
+            </a:pPr>
+            <a:r>
+              <a:rPr lang="en-US" b="1" dirty="0" err="1"/>
+              <a:t>Meeting_minutes</a:t>
+            </a:r>
+            <a:r>
+              <a:rPr lang="en-US" b="1" dirty="0"/>
+              <a:t> channel: </a:t>
+            </a:r>
+            <a:r>
+              <a:rPr lang="en-US" dirty="0"/>
+              <a:t>Any changes discussed during in person meetings will be transcribed into </a:t>
+            </a:r>
+            <a:r>
+              <a:rPr lang="en-US" dirty="0" err="1"/>
+              <a:t>meeting_minutes</a:t>
+            </a:r>
+            <a:r>
+              <a:rPr lang="en-US" dirty="0"/>
+              <a:t> and posted onto Slack.</a:t>
+            </a:r>
+          </a:p>
+          <a:p>
+            <a:pPr marL="0" marR="0" lvl="0" indent="0" algn="l" defTabSz="914400" rtl="0" eaLnBrk="1" fontAlgn="auto" latinLnBrk="0" hangingPunct="1">
+              <a:lnSpc>
+                <a:spcPct val="100000"/>
+              </a:lnSpc>
+              <a:spcBef>
+                <a:spcPts val="0"/>
+              </a:spcBef>
+              <a:spcAft>
+                <a:spcPts val="0"/>
+              </a:spcAft>
+              <a:buClrTx/>
+              <a:buSzTx/>
+              <a:buFontTx/>
+              <a:buNone/>
+              <a:tabLst/>
+              <a:defRPr/>
+            </a:pPr>
+            <a:endParaRPr lang="en-US" dirty="0"/>
+          </a:p>
+          <a:p>
+            <a:pPr marL="0" marR="0" lvl="0" indent="0" algn="l" defTabSz="914400" rtl="0" eaLnBrk="1" fontAlgn="auto" latinLnBrk="0" hangingPunct="1">
+              <a:lnSpc>
+                <a:spcPct val="100000"/>
+              </a:lnSpc>
+              <a:spcBef>
+                <a:spcPts val="0"/>
+              </a:spcBef>
+              <a:spcAft>
+                <a:spcPts val="0"/>
+              </a:spcAft>
+              <a:buClrTx/>
+              <a:buSzTx/>
+              <a:buFontTx/>
+              <a:buNone/>
+              <a:tabLst/>
+              <a:defRPr/>
+            </a:pPr>
+            <a:r>
+              <a:rPr lang="en-US" b="1" u="sng" dirty="0"/>
+              <a:t>Source</a:t>
+            </a:r>
+            <a:r>
+              <a:rPr lang="en-US" b="1" u="sng" baseline="0" dirty="0"/>
+              <a:t> code: </a:t>
+            </a:r>
+          </a:p>
+          <a:p>
+            <a:pPr marL="0" marR="0" lvl="0" indent="0" algn="l" defTabSz="914400" rtl="0" eaLnBrk="1" fontAlgn="auto" latinLnBrk="0" hangingPunct="1">
+              <a:lnSpc>
+                <a:spcPct val="100000"/>
+              </a:lnSpc>
+              <a:spcBef>
+                <a:spcPts val="0"/>
+              </a:spcBef>
+              <a:spcAft>
+                <a:spcPts val="0"/>
+              </a:spcAft>
+              <a:buClrTx/>
+              <a:buSzTx/>
+              <a:buFontTx/>
+              <a:buNone/>
+              <a:tabLst/>
+              <a:defRPr/>
+            </a:pPr>
+            <a:r>
+              <a:rPr lang="en-US" b="0" u="none" baseline="0" dirty="0"/>
+              <a:t>W</a:t>
+            </a:r>
             <a:r>
               <a:rPr lang="en-US" baseline="0" dirty="0"/>
-              <a:t>All team members were required to sign off on meeting minutes and check slack at least once per day. Whenever a team member had questions or concerns regarding the SPMP, those questions or concerns were always heard and discussed or answered by either another team member, Project Manager or Steiner </a:t>
-            </a:r>
-          </a:p>
-          <a:p>
+              <a:t>ill require one administrator review in order to commit to master branch. When uploading new source code files it will be uploaded to a separate protected branch.  In this separate branch team members will be able to upload changed files without having to worry about affecting the master branch. The master branch will act as the baseline for all artifacts. Protected branches by default require at least one review before committing to the master.</a:t>
+            </a:r>
+          </a:p>
+          <a:p>
+            <a:pPr marL="0" marR="0" lvl="0" indent="0" algn="l" defTabSz="914400" rtl="0" eaLnBrk="1" fontAlgn="auto" latinLnBrk="0" hangingPunct="1">
+              <a:lnSpc>
+                <a:spcPct val="100000"/>
+              </a:lnSpc>
+              <a:spcBef>
+                <a:spcPts val="0"/>
+              </a:spcBef>
+              <a:spcAft>
+                <a:spcPts val="0"/>
+              </a:spcAft>
+              <a:buClrTx/>
+              <a:buSzTx/>
+              <a:buFontTx/>
+              <a:buNone/>
+              <a:tabLst/>
+              <a:defRPr/>
+            </a:pPr>
             <a:endParaRPr lang="en-US" baseline="0" dirty="0"/>
           </a:p>
           <a:p>
+            <a:pPr marL="0" marR="0" lvl="0" indent="0" algn="l" defTabSz="914400" rtl="0" eaLnBrk="1" fontAlgn="auto" latinLnBrk="0" hangingPunct="1">
+              <a:lnSpc>
+                <a:spcPct val="100000"/>
+              </a:lnSpc>
+              <a:spcBef>
+                <a:spcPts val="0"/>
+              </a:spcBef>
+              <a:spcAft>
+                <a:spcPts val="0"/>
+              </a:spcAft>
+              <a:buClrTx/>
+              <a:buSzTx/>
+              <a:buFontTx/>
+              <a:buNone/>
+              <a:tabLst/>
+              <a:defRPr/>
+            </a:pPr>
             <a:r>
               <a:rPr lang="en-US" b="1" u="sng" baseline="0" dirty="0"/>
-              <a:t>Risk Mitigation: </a:t>
-            </a:r>
-          </a:p>
-          <a:p>
-            <a:pPr marL="171450" indent="-171450">
-              <a:buFont typeface="Arial" panose="020B0604020202020204" pitchFamily="34" charset="0"/>
-              <a:buChar char="•"/>
-            </a:pPr>
-            <a:r>
-              <a:rPr lang="en-US" baseline="0" dirty="0"/>
-              <a:t>When our primary meeting location (the library ) was not open or closed early. Our risk mitigation plan was put into action and told us to met at our secondary meeting location, </a:t>
-            </a:r>
-            <a:r>
-              <a:rPr lang="en-US" baseline="0" dirty="0" err="1"/>
-              <a:t>biggby</a:t>
-            </a:r>
-            <a:r>
-              <a:rPr lang="en-US" baseline="0" dirty="0"/>
-              <a:t>. The </a:t>
-            </a:r>
-            <a:r>
-              <a:rPr lang="en-US" baseline="0" dirty="0" err="1"/>
-              <a:t>biggby</a:t>
-            </a:r>
-            <a:r>
-              <a:rPr lang="en-US" baseline="0" dirty="0"/>
-              <a:t> we chose was the midpoint from where all team members live so it was the obvious choice.</a:t>
-            </a:r>
-          </a:p>
-          <a:p>
-            <a:pPr marL="0" indent="0">
-              <a:buFont typeface="Arial" panose="020B0604020202020204" pitchFamily="34" charset="0"/>
-              <a:buNone/>
-            </a:pPr>
-            <a:endParaRPr lang="en-US" baseline="0" dirty="0"/>
-          </a:p>
-          <a:p>
-            <a:pPr marL="0" indent="0">
-              <a:buFont typeface="Arial" panose="020B0604020202020204" pitchFamily="34" charset="0"/>
-              <a:buNone/>
-            </a:pPr>
-            <a:r>
-              <a:rPr lang="en-US" b="1" u="sng" baseline="0" dirty="0"/>
-              <a:t>Setting milestones for ourselves</a:t>
-            </a:r>
-          </a:p>
-          <a:p>
-            <a:pPr marL="171450" indent="-171450">
-              <a:buFont typeface="Arial" panose="020B0604020202020204" pitchFamily="34" charset="0"/>
-              <a:buChar char="•"/>
+              <a:t>Non-source code: </a:t>
+            </a:r>
+          </a:p>
+          <a:p>
+            <a:pPr marL="0" marR="0" lvl="0" indent="0" algn="l" defTabSz="914400" rtl="0" eaLnBrk="1" fontAlgn="auto" latinLnBrk="0" hangingPunct="1">
+              <a:lnSpc>
+                <a:spcPct val="100000"/>
+              </a:lnSpc>
+              <a:spcBef>
+                <a:spcPts val="0"/>
+              </a:spcBef>
+              <a:spcAft>
+                <a:spcPts val="0"/>
+              </a:spcAft>
+              <a:buClrTx/>
+              <a:buSzTx/>
+              <a:buFontTx/>
+              <a:buNone/>
+              <a:tabLst/>
+              <a:defRPr/>
             </a:pPr>
             <a:r>
               <a:rPr lang="en-US" b="0" u="none" baseline="0" dirty="0"/>
-              <a:t>Motivated us to start working but we all started working on assigned task the night before our “self-set” milestone </a:t>
-            </a:r>
-          </a:p>
-          <a:p>
-            <a:pPr marL="1371600" lvl="3" indent="0">
-              <a:buFont typeface="Arial" panose="020B0604020202020204" pitchFamily="34" charset="0"/>
-              <a:buNone/>
+              <a:t>Files that are non-source code can be uploaded directly to the master branch without review. Files that are still in progress will have an _ in the title.  Those without a “_” will be assumed to be 100% complete.</a:t>
+            </a:r>
+          </a:p>
+          <a:p>
+            <a:pPr marL="0" marR="0" lvl="0" indent="0" algn="l" defTabSz="914400" rtl="0" eaLnBrk="1" fontAlgn="auto" latinLnBrk="0" hangingPunct="1">
+              <a:lnSpc>
+                <a:spcPct val="100000"/>
+              </a:lnSpc>
+              <a:spcBef>
+                <a:spcPts val="0"/>
+              </a:spcBef>
+              <a:spcAft>
+                <a:spcPts val="0"/>
+              </a:spcAft>
+              <a:buClrTx/>
+              <a:buSzTx/>
+              <a:buFontTx/>
+              <a:buNone/>
+              <a:tabLst/>
+              <a:defRPr/>
+            </a:pPr>
+            <a:endParaRPr lang="en-US" b="0" u="none" baseline="0" dirty="0"/>
+          </a:p>
+          <a:p>
+            <a:pPr marL="0" marR="0" lvl="0" indent="0" algn="l" defTabSz="914400" rtl="0" eaLnBrk="1" fontAlgn="auto" latinLnBrk="0" hangingPunct="1">
+              <a:lnSpc>
+                <a:spcPct val="100000"/>
+              </a:lnSpc>
+              <a:spcBef>
+                <a:spcPts val="0"/>
+              </a:spcBef>
+              <a:spcAft>
+                <a:spcPts val="0"/>
+              </a:spcAft>
+              <a:buClrTx/>
+              <a:buSzTx/>
+              <a:buFontTx/>
+              <a:buNone/>
+              <a:tabLst/>
+              <a:defRPr/>
             </a:pPr>
             <a:r>
               <a:rPr lang="en-US" b="0" u="none" baseline="0" dirty="0"/>
-              <a:t>This last point will transition into the next slide </a:t>
-            </a:r>
-          </a:p>
-          <a:p>
-            <a:endParaRPr lang="en-US" baseline="0" dirty="0"/>
-          </a:p>
-          <a:p>
-            <a:endParaRPr lang="en-US" baseline="0" dirty="0"/>
+              <a:t>As far as the non-source code part, that method has been working and we did notify each other on slack whenever there was a new file uploaded. There were problems such as the formatting, that were brought to our attention because of this, but the method it’s self is a good starting place </a:t>
+            </a:r>
+            <a:endParaRPr lang="en-US" dirty="0"/>
           </a:p>
         </p:txBody>
       </p:sp>
@@ -2108,7 +1996,7 @@
           <a:p>
             <a:fld id="{B621E0F3-BCE5-4552-9E75-AD4D9ACB2A2B}" type="slidenum">
               <a:rPr lang="en-US" smtClean="0"/>
-              <a:t>19</a:t>
+              <a:t>18</a:t>
             </a:fld>
             <a:endParaRPr lang="en-US"/>
           </a:p>
@@ -2117,7 +2005,7 @@
     </p:spTree>
     <p:extLst>
       <p:ext uri="{BB962C8B-B14F-4D97-AF65-F5344CB8AC3E}">
-        <p14:creationId xmlns:p14="http://schemas.microsoft.com/office/powerpoint/2010/main" val="1228246"/>
+        <p14:creationId xmlns:p14="http://schemas.microsoft.com/office/powerpoint/2010/main" val="2185845843"/>
       </p:ext>
     </p:extLst>
   </p:cSld>
@@ -2171,6 +2059,101 @@
           <a:bodyPr/>
           <a:lstStyle/>
           <a:p>
+            <a:r>
+              <a:rPr lang="en-US" b="1" u="sng" dirty="0"/>
+              <a:t>Early</a:t>
+            </a:r>
+            <a:r>
+              <a:rPr lang="en-US" b="1" u="sng" baseline="0" dirty="0"/>
+              <a:t> start:  </a:t>
+            </a:r>
+          </a:p>
+          <a:p>
+            <a:pPr marL="171450" indent="-171450">
+              <a:buFont typeface="Arial" panose="020B0604020202020204" pitchFamily="34" charset="0"/>
+              <a:buChar char="•"/>
+            </a:pPr>
+            <a:r>
+              <a:rPr lang="en-US" baseline="0" dirty="0"/>
+              <a:t>Before the we chose teams, </a:t>
+            </a:r>
+            <a:r>
+              <a:rPr lang="en-US" baseline="0" dirty="0" err="1"/>
+              <a:t>Durwin</a:t>
+            </a:r>
+            <a:r>
+              <a:rPr lang="en-US" baseline="0" dirty="0"/>
+              <a:t> and Erik had discussed tools. We also had a small meeting the same day teams were chosen and had meetings since then.</a:t>
+            </a:r>
+          </a:p>
+          <a:p>
+            <a:pPr marL="171450" indent="-171450">
+              <a:buFont typeface="Arial" panose="020B0604020202020204" pitchFamily="34" charset="0"/>
+              <a:buChar char="•"/>
+            </a:pPr>
+            <a:r>
+              <a:rPr lang="en-US" baseline="0" dirty="0"/>
+              <a:t>Through these meetings we were able to minimize the time spent deciding on a meeting location and  on the methods of communication before the SPMP was assigned.</a:t>
+            </a:r>
+          </a:p>
+          <a:p>
+            <a:endParaRPr lang="en-US" baseline="0" dirty="0"/>
+          </a:p>
+          <a:p>
+            <a:r>
+              <a:rPr lang="en-US" b="1" u="sng" baseline="0" dirty="0"/>
+              <a:t>Establishing in-person meetings: </a:t>
+            </a:r>
+          </a:p>
+          <a:p>
+            <a:pPr marL="171450" indent="-171450">
+              <a:buFont typeface="Arial" panose="020B0604020202020204" pitchFamily="34" charset="0"/>
+              <a:buChar char="•"/>
+            </a:pPr>
+            <a:r>
+              <a:rPr lang="en-US" baseline="0" dirty="0"/>
+              <a:t>Setting up required in-person meetings allowed us to discuss tools, skillsets and assign any tasks we knew we could expect on the SPMP</a:t>
+            </a:r>
+          </a:p>
+          <a:p>
+            <a:r>
+              <a:rPr lang="en-US" baseline="0" dirty="0"/>
+              <a:t>		     </a:t>
+            </a:r>
+            <a:endParaRPr lang="en-US" dirty="0"/>
+          </a:p>
+          <a:p>
+            <a:r>
+              <a:rPr lang="en-US" b="1" u="sng" dirty="0"/>
+              <a:t>Selection</a:t>
+            </a:r>
+            <a:r>
+              <a:rPr lang="en-US" b="1" u="sng" baseline="0" dirty="0"/>
+              <a:t> of time tracking tool: </a:t>
+            </a:r>
+          </a:p>
+          <a:p>
+            <a:pPr marL="171450" indent="-171450">
+              <a:buFont typeface="Arial" panose="020B0604020202020204" pitchFamily="34" charset="0"/>
+              <a:buChar char="•"/>
+            </a:pPr>
+            <a:r>
+              <a:rPr lang="en-US" b="0" u="none" baseline="0" dirty="0"/>
+              <a:t>H</a:t>
+            </a:r>
+            <a:r>
+              <a:rPr lang="en-US" dirty="0"/>
+              <a:t>elped</a:t>
+            </a:r>
+            <a:r>
+              <a:rPr lang="en-US" baseline="0" dirty="0"/>
+              <a:t> with determining the Estimates. Using the reports generated in Toggl, we were able to see which tasks were taking up the most time and effort and individual times. We were able to assign tasks based on each persons individual time.</a:t>
+            </a:r>
+          </a:p>
+          <a:p>
+            <a:endParaRPr lang="en-US" baseline="0" dirty="0"/>
+          </a:p>
+          <a:p>
             <a:pPr marL="0" marR="0" lvl="0" indent="0" algn="l" defTabSz="914400" rtl="0" eaLnBrk="1" fontAlgn="auto" latinLnBrk="0" hangingPunct="1">
               <a:lnSpc>
                 <a:spcPct val="100000"/>
@@ -2189,10 +2172,219 @@
               <a:defRPr/>
             </a:pPr>
             <a:r>
-              <a:rPr lang="en-US" b="1" u="sng" dirty="0"/>
-              <a:t>Documentation and Formatting Method of SPMP</a:t>
-            </a:r>
-          </a:p>
+              <a:rPr lang="en-US" b="1" u="sng" baseline="0" dirty="0"/>
+              <a:t>Training tools: </a:t>
+            </a:r>
+          </a:p>
+          <a:p>
+            <a:pPr marL="171450" marR="0" lvl="0" indent="-171450" algn="l" defTabSz="914400" rtl="0" eaLnBrk="1" fontAlgn="auto" latinLnBrk="0" hangingPunct="1">
+              <a:lnSpc>
+                <a:spcPct val="100000"/>
+              </a:lnSpc>
+              <a:spcBef>
+                <a:spcPts val="0"/>
+              </a:spcBef>
+              <a:spcAft>
+                <a:spcPts val="0"/>
+              </a:spcAft>
+              <a:buClrTx/>
+              <a:buSzTx/>
+              <a:buFont typeface="Arial" panose="020B0604020202020204" pitchFamily="34" charset="0"/>
+              <a:buChar char="•"/>
+              <a:tabLst/>
+              <a:defRPr/>
+            </a:pPr>
+            <a:r>
+              <a:rPr lang="en-US" baseline="0" dirty="0"/>
+              <a:t>Checking out the tools and tracking task time. Since only one team member had prior experience with a majority of the tools, it was necessary that the other team members became acquainted with the tools and understood the terminology that came with each one </a:t>
+            </a:r>
+            <a:r>
+              <a:rPr lang="en-US" baseline="0" dirty="0" err="1"/>
+              <a:t>i.e</a:t>
+            </a:r>
+            <a:r>
+              <a:rPr lang="en-US" baseline="0" dirty="0"/>
+              <a:t> committing to master on GitHub</a:t>
+            </a:r>
+          </a:p>
+          <a:p>
+            <a:endParaRPr lang="en-US" baseline="0" dirty="0"/>
+          </a:p>
+          <a:p>
+            <a:r>
+              <a:rPr lang="en-US" b="1" u="sng" baseline="0" dirty="0"/>
+              <a:t>Team communication: </a:t>
+            </a:r>
+          </a:p>
+          <a:p>
+            <a:pPr marL="171450" indent="-171450">
+              <a:buFont typeface="Arial" panose="020B0604020202020204" pitchFamily="34" charset="0"/>
+              <a:buChar char="•"/>
+            </a:pPr>
+            <a:r>
+              <a:rPr lang="en-US" baseline="0" dirty="0"/>
+              <a:t>All team members were required to sign off on meeting minutes and check slack at least once per day. Whenever a team member had questions or concerns regarding the SPMP, those questions or concerns were always heard and discussed or answered by either another team member, Project Manager or Steiner </a:t>
+            </a:r>
+          </a:p>
+          <a:p>
+            <a:endParaRPr lang="en-US" baseline="0" dirty="0"/>
+          </a:p>
+          <a:p>
+            <a:r>
+              <a:rPr lang="en-US" b="1" u="sng" baseline="0" dirty="0"/>
+              <a:t>Risk Mitigation: </a:t>
+            </a:r>
+          </a:p>
+          <a:p>
+            <a:pPr marL="171450" indent="-171450">
+              <a:buFont typeface="Arial" panose="020B0604020202020204" pitchFamily="34" charset="0"/>
+              <a:buChar char="•"/>
+            </a:pPr>
+            <a:r>
+              <a:rPr lang="en-US" baseline="0" dirty="0"/>
+              <a:t>When our primary meeting location (the library ) was not open or closed early. Our risk mitigation plan was put into action and told us to met at our secondary meeting location, </a:t>
+            </a:r>
+            <a:r>
+              <a:rPr lang="en-US" baseline="0" dirty="0" err="1"/>
+              <a:t>biggby</a:t>
+            </a:r>
+            <a:r>
+              <a:rPr lang="en-US" baseline="0" dirty="0"/>
+              <a:t>. The </a:t>
+            </a:r>
+            <a:r>
+              <a:rPr lang="en-US" baseline="0" dirty="0" err="1"/>
+              <a:t>biggby</a:t>
+            </a:r>
+            <a:r>
+              <a:rPr lang="en-US" baseline="0" dirty="0"/>
+              <a:t> we chose was the midpoint from where all team members live so it was the obvious choice.</a:t>
+            </a:r>
+          </a:p>
+          <a:p>
+            <a:pPr marL="0" indent="0">
+              <a:buFont typeface="Arial" panose="020B0604020202020204" pitchFamily="34" charset="0"/>
+              <a:buNone/>
+            </a:pPr>
+            <a:endParaRPr lang="en-US" baseline="0" dirty="0"/>
+          </a:p>
+          <a:p>
+            <a:pPr marL="0" indent="0">
+              <a:buFont typeface="Arial" panose="020B0604020202020204" pitchFamily="34" charset="0"/>
+              <a:buNone/>
+            </a:pPr>
+            <a:r>
+              <a:rPr lang="en-US" b="1" u="sng" baseline="0" dirty="0"/>
+              <a:t>Setting milestones for ourselves</a:t>
+            </a:r>
+          </a:p>
+          <a:p>
+            <a:pPr marL="171450" indent="-171450">
+              <a:buFont typeface="Arial" panose="020B0604020202020204" pitchFamily="34" charset="0"/>
+              <a:buChar char="•"/>
+            </a:pPr>
+            <a:r>
+              <a:rPr lang="en-US" b="0" u="none" baseline="0" dirty="0"/>
+              <a:t>Motivated us to start working but we all started working on assigned task the night before our “self-set” milestone </a:t>
+            </a:r>
+          </a:p>
+          <a:p>
+            <a:pPr marL="1371600" lvl="3" indent="0">
+              <a:buFont typeface="Arial" panose="020B0604020202020204" pitchFamily="34" charset="0"/>
+              <a:buNone/>
+            </a:pPr>
+            <a:r>
+              <a:rPr lang="en-US" b="0" u="none" baseline="0" dirty="0"/>
+              <a:t>This last point will transition into the next slide </a:t>
+            </a:r>
+          </a:p>
+          <a:p>
+            <a:endParaRPr lang="en-US" baseline="0" dirty="0"/>
+          </a:p>
+          <a:p>
+            <a:endParaRPr lang="en-US" baseline="0" dirty="0"/>
+          </a:p>
+        </p:txBody>
+      </p:sp>
+      <p:sp>
+        <p:nvSpPr>
+          <p:cNvPr id="4" name="Slide Number Placeholder 3"/>
+          <p:cNvSpPr>
+            <a:spLocks noGrp="1"/>
+          </p:cNvSpPr>
+          <p:nvPr>
+            <p:ph type="sldNum" sz="quarter" idx="10"/>
+          </p:nvPr>
+        </p:nvSpPr>
+        <p:spPr/>
+        <p:txBody>
+          <a:bodyPr/>
+          <a:lstStyle/>
+          <a:p>
+            <a:fld id="{B621E0F3-BCE5-4552-9E75-AD4D9ACB2A2B}" type="slidenum">
+              <a:rPr lang="en-US" smtClean="0"/>
+              <a:t>19</a:t>
+            </a:fld>
+            <a:endParaRPr lang="en-US"/>
+          </a:p>
+        </p:txBody>
+      </p:sp>
+    </p:spTree>
+    <p:extLst>
+      <p:ext uri="{BB962C8B-B14F-4D97-AF65-F5344CB8AC3E}">
+        <p14:creationId xmlns:p14="http://schemas.microsoft.com/office/powerpoint/2010/main" val="1228246"/>
+      </p:ext>
+    </p:extLst>
+  </p:cSld>
+  <p:clrMapOvr>
+    <a:masterClrMapping/>
+  </p:clrMapOvr>
+</p:notes>
+</file>
+
+<file path=ppt/notesSlides/notesSlide15.xml><?xml version="1.0" encoding="utf-8"?>
+<p:notes xmlns:a="http://schemas.openxmlformats.org/drawingml/2006/main" xmlns:r="http://schemas.openxmlformats.org/officeDocument/2006/relationships" xmlns:p="http://schemas.openxmlformats.org/presentationml/2006/main">
+  <p:cSld>
+    <p:spTree>
+      <p:nvGrpSpPr>
+        <p:cNvPr id="1" name=""/>
+        <p:cNvGrpSpPr/>
+        <p:nvPr/>
+      </p:nvGrpSpPr>
+      <p:grpSpPr>
+        <a:xfrm>
+          <a:off x="0" y="0"/>
+          <a:ext cx="0" cy="0"/>
+          <a:chOff x="0" y="0"/>
+          <a:chExt cx="0" cy="0"/>
+        </a:xfrm>
+      </p:grpSpPr>
+      <p:sp>
+        <p:nvSpPr>
+          <p:cNvPr id="2" name="Slide Image Placeholder 1"/>
+          <p:cNvSpPr>
+            <a:spLocks noGrp="1" noRot="1" noChangeAspect="1"/>
+          </p:cNvSpPr>
+          <p:nvPr>
+            <p:ph type="sldImg"/>
+          </p:nvPr>
+        </p:nvSpPr>
+        <p:spPr/>
+      </p:sp>
+      <p:sp>
+        <p:nvSpPr>
+          <p:cNvPr id="3" name="Notes Placeholder 2"/>
+          <p:cNvSpPr>
+            <a:spLocks noGrp="1"/>
+          </p:cNvSpPr>
+          <p:nvPr>
+            <p:ph type="body" idx="1"/>
+          </p:nvPr>
+        </p:nvSpPr>
+        <p:spPr/>
+        <p:txBody>
+          <a:bodyPr/>
+          <a:lstStyle/>
           <a:p>
             <a:pPr marL="0" marR="0" lvl="0" indent="0" algn="l" defTabSz="914400" rtl="0" eaLnBrk="1" fontAlgn="auto" latinLnBrk="0" hangingPunct="1">
               <a:lnSpc>
@@ -2212,8 +2404,8 @@
               <a:defRPr/>
             </a:pPr>
             <a:r>
-              <a:rPr lang="en-US" b="0" u="none" baseline="0" dirty="0"/>
-              <a:t>Not deciding on a format style earlier.</a:t>
+              <a:rPr lang="en-US" b="1" u="sng" dirty="0"/>
+              <a:t>Documentation and Formatting Method of SPMP</a:t>
             </a:r>
           </a:p>
           <a:p>
@@ -2234,7 +2426,10 @@
               <a:tabLst/>
               <a:defRPr/>
             </a:pPr>
-            <a:endParaRPr lang="en-US" b="1" u="sng" dirty="0"/>
+            <a:r>
+              <a:rPr lang="en-US" b="0" u="none" baseline="0" dirty="0"/>
+              <a:t>Not deciding on a format style earlier.</a:t>
+            </a:r>
           </a:p>
           <a:p>
             <a:pPr marL="0" marR="0" lvl="0" indent="0" algn="l" defTabSz="914400" rtl="0" eaLnBrk="1" fontAlgn="auto" latinLnBrk="0" hangingPunct="1">
@@ -2254,10 +2449,7 @@
               <a:tabLst/>
               <a:defRPr/>
             </a:pPr>
-            <a:r>
-              <a:rPr lang="en-US" b="1" u="sng" dirty="0"/>
-              <a:t>Reviewing method</a:t>
-            </a:r>
+            <a:endParaRPr lang="en-US" b="1" u="sng" dirty="0"/>
           </a:p>
           <a:p>
             <a:pPr marL="0" marR="0" lvl="0" indent="0" algn="l" defTabSz="914400" rtl="0" eaLnBrk="1" fontAlgn="auto" latinLnBrk="0" hangingPunct="1">
@@ -2278,12 +2470,8 @@
               <a:defRPr/>
             </a:pPr>
             <a:r>
-              <a:rPr lang="en-US" b="0" u="none" dirty="0"/>
-              <a:t>Asking other team member</a:t>
-            </a:r>
-            <a:r>
-              <a:rPr lang="en-US" b="0" u="none" baseline="0" dirty="0"/>
-              <a:t>s to review things but not knowing which document to review first based on dependencies and priority</a:t>
+              <a:rPr lang="en-US" b="1" u="sng" dirty="0"/>
+              <a:t>Reviewing method</a:t>
             </a:r>
           </a:p>
           <a:p>
@@ -2304,7 +2492,14 @@
               <a:tabLst/>
               <a:defRPr/>
             </a:pPr>
-            <a:endParaRPr lang="en-US" b="0" u="none" baseline="0" dirty="0"/>
+            <a:r>
+              <a:rPr lang="en-US" b="0" u="none" dirty="0"/>
+              <a:t>Asking other team member</a:t>
+            </a:r>
+            <a:r>
+              <a:rPr lang="en-US" b="0" u="none" baseline="0" dirty="0"/>
+              <a:t>s to review things but not knowing which document to review first based on dependencies and priority</a:t>
+            </a:r>
           </a:p>
           <a:p>
             <a:pPr marL="0" marR="0" lvl="0" indent="0" algn="l" defTabSz="914400" rtl="0" eaLnBrk="1" fontAlgn="auto" latinLnBrk="0" hangingPunct="1">
@@ -2324,10 +2519,7 @@
               <a:tabLst/>
               <a:defRPr/>
             </a:pPr>
-            <a:r>
-              <a:rPr lang="en-US" b="1" u="sng" dirty="0"/>
-              <a:t>Assigning tasks without checking dependences </a:t>
-            </a:r>
+            <a:endParaRPr lang="en-US" b="0" u="none" baseline="0" dirty="0"/>
           </a:p>
           <a:p>
             <a:pPr marL="0" marR="0" lvl="0" indent="0" algn="l" defTabSz="914400" rtl="0" eaLnBrk="1" fontAlgn="auto" latinLnBrk="0" hangingPunct="1">
@@ -2348,12 +2540,8 @@
               <a:defRPr/>
             </a:pPr>
             <a:r>
-              <a:rPr lang="en-US" b="0" u="none" dirty="0"/>
-              <a:t>Not properly</a:t>
-            </a:r>
-            <a:r>
-              <a:rPr lang="en-US" b="0" u="none" baseline="0" dirty="0"/>
-              <a:t> checking the dependency of one task to another, put other people behind and cased a shift in work load for one person.</a:t>
+              <a:rPr lang="en-US" b="1" u="sng" baseline="0" dirty="0"/>
+              <a:t>Wrike</a:t>
             </a:r>
           </a:p>
           <a:p>
@@ -2374,7 +2562,18 @@
               <a:tabLst/>
               <a:defRPr/>
             </a:pPr>
-            <a:endParaRPr lang="en-US" b="0" u="none" baseline="0" dirty="0"/>
+            <a:r>
+              <a:rPr lang="en-US" b="0" u="none" baseline="0" dirty="0"/>
+              <a:t>We intended to use Wrike as a replacement tool for Microsoft Project because not all team member were accessible to it. The point of Wrike was to assign tasks to team members. For the first half of the project, that functionality of Wrike was not utilized because instead team members would just check meeting minutes (where assigned tasks were also mentioned because tasks were usually assigned during in-person meetings) Wrike only contained the SPMP tasks but not the little tasks in between such as sending emails, uploading </a:t>
+            </a:r>
+            <a:r>
+              <a:rPr lang="en-US" b="0" u="none" baseline="0" dirty="0" err="1"/>
+              <a:t>meeting_minutes</a:t>
+            </a:r>
+            <a:r>
+              <a:rPr lang="en-US" b="0" u="none" baseline="0" dirty="0"/>
+              <a:t> or progress reports.</a:t>
+            </a:r>
           </a:p>
           <a:p>
             <a:pPr marL="0" marR="0" lvl="0" indent="0" algn="l" defTabSz="914400" rtl="0" eaLnBrk="1" fontAlgn="auto" latinLnBrk="0" hangingPunct="1">
@@ -2394,10 +2593,7 @@
               <a:tabLst/>
               <a:defRPr/>
             </a:pPr>
-            <a:r>
-              <a:rPr lang="en-US" b="1" u="sng" baseline="0" dirty="0"/>
-              <a:t>Communication With Project Managers</a:t>
-            </a:r>
+            <a:endParaRPr lang="en-US" b="0" u="none" baseline="0" dirty="0"/>
           </a:p>
           <a:p>
             <a:pPr marL="0" marR="0" lvl="0" indent="0" algn="l" defTabSz="914400" rtl="0" eaLnBrk="1" fontAlgn="auto" latinLnBrk="0" hangingPunct="1">
@@ -2418,38 +2614,9 @@
               <a:defRPr/>
             </a:pPr>
             <a:r>
-              <a:rPr lang="en-US" b="0" u="none" baseline="0" dirty="0"/>
-              <a:t>We added them onto all our communication tools( slack, </a:t>
-            </a:r>
-            <a:r>
-              <a:rPr lang="en-US" b="0" u="none" baseline="0" dirty="0" err="1"/>
-              <a:t>wrike</a:t>
-            </a:r>
-            <a:r>
-              <a:rPr lang="en-US" b="0" u="none" baseline="0" dirty="0"/>
-              <a:t>, </a:t>
-            </a:r>
-            <a:r>
-              <a:rPr lang="en-US" b="0" u="none" baseline="0" dirty="0" err="1"/>
-              <a:t>github</a:t>
-            </a:r>
-            <a:r>
-              <a:rPr lang="en-US" b="0" u="none" baseline="0" dirty="0"/>
-              <a:t>) and allowed them read and write access to all. We did not add them to the general availability or exception calendar. But we asked them if they would be able to join us for our weekly Sunday meetings and they said that for the most part yes. During out first meeting we already had drafts of the SPMP ready and we asked them to take a look at them through GitHub. They were a bit slow with the reviews and they did not give much detailed feedback. At the end of Part1 we realized that the c</a:t>
-            </a:r>
-            <a:r>
-              <a:rPr lang="en-US" dirty="0"/>
-              <a:t>ommunication process may</a:t>
-            </a:r>
-            <a:r>
-              <a:rPr lang="en-US" baseline="0" dirty="0"/>
-              <a:t> have not been w</a:t>
-            </a:r>
-            <a:r>
-              <a:rPr lang="en-US" dirty="0"/>
-              <a:t>ell defined.</a:t>
-            </a:r>
-            <a:endParaRPr lang="en-US" b="0" u="none" dirty="0"/>
+              <a:rPr lang="en-US" b="1" u="sng" dirty="0"/>
+              <a:t>Assigning tasks without checking dependences </a:t>
+            </a:r>
           </a:p>
           <a:p>
             <a:pPr marL="0" marR="0" lvl="0" indent="0" algn="l" defTabSz="914400" rtl="0" eaLnBrk="1" fontAlgn="auto" latinLnBrk="0" hangingPunct="1">
@@ -2469,6 +2636,116 @@
               <a:tabLst/>
               <a:defRPr/>
             </a:pPr>
+            <a:r>
+              <a:rPr lang="en-US" b="0" u="none" dirty="0"/>
+              <a:t>Not properly</a:t>
+            </a:r>
+            <a:r>
+              <a:rPr lang="en-US" b="0" u="none" baseline="0" dirty="0"/>
+              <a:t> checking the dependency of one task to another, put other people behind and cased a shift in work load for one person.</a:t>
+            </a:r>
+          </a:p>
+          <a:p>
+            <a:pPr marL="0" marR="0" lvl="0" indent="0" algn="l" defTabSz="914400" rtl="0" eaLnBrk="1" fontAlgn="auto" latinLnBrk="0" hangingPunct="1">
+              <a:lnSpc>
+                <a:spcPct val="100000"/>
+              </a:lnSpc>
+              <a:spcBef>
+                <a:spcPts val="0"/>
+              </a:spcBef>
+              <a:spcAft>
+                <a:spcPts val="0"/>
+              </a:spcAft>
+              <a:buClrTx/>
+              <a:buSzTx/>
+              <a:buFontTx/>
+              <a:buNone/>
+              <a:tabLst/>
+              <a:defRPr/>
+            </a:pPr>
+            <a:endParaRPr lang="en-US" b="0" u="none" baseline="0" dirty="0"/>
+          </a:p>
+          <a:p>
+            <a:pPr marL="0" marR="0" lvl="0" indent="0" algn="l" defTabSz="914400" rtl="0" eaLnBrk="1" fontAlgn="auto" latinLnBrk="0" hangingPunct="1">
+              <a:lnSpc>
+                <a:spcPct val="100000"/>
+              </a:lnSpc>
+              <a:spcBef>
+                <a:spcPts val="0"/>
+              </a:spcBef>
+              <a:spcAft>
+                <a:spcPts val="0"/>
+              </a:spcAft>
+              <a:buClrTx/>
+              <a:buSzTx/>
+              <a:buFontTx/>
+              <a:buNone/>
+              <a:tabLst/>
+              <a:defRPr/>
+            </a:pPr>
+            <a:r>
+              <a:rPr lang="en-US" b="1" u="sng" baseline="0" dirty="0"/>
+              <a:t>Communication With Project Managers</a:t>
+            </a:r>
+          </a:p>
+          <a:p>
+            <a:pPr marL="0" marR="0" lvl="0" indent="0" algn="l" defTabSz="914400" rtl="0" eaLnBrk="1" fontAlgn="auto" latinLnBrk="0" hangingPunct="1">
+              <a:lnSpc>
+                <a:spcPct val="100000"/>
+              </a:lnSpc>
+              <a:spcBef>
+                <a:spcPts val="0"/>
+              </a:spcBef>
+              <a:spcAft>
+                <a:spcPts val="0"/>
+              </a:spcAft>
+              <a:buClrTx/>
+              <a:buSzTx/>
+              <a:buFontTx/>
+              <a:buNone/>
+              <a:tabLst/>
+              <a:defRPr/>
+            </a:pPr>
+            <a:r>
+              <a:rPr lang="en-US" b="0" u="none" baseline="0" dirty="0"/>
+              <a:t>We added them onto our groups on Slack, Wrike, and GitHub. We did not add them to the general availability or exception calendar. But we asked them if they would be able to join us for our weekly Sunday meetings and they said that for the most part yes. We had drafts of the SPMP ready and we asked them to take a look at them through GitHub. They were a bit slow with the reviews and they did not give detailed feedback. At the end of Part1 we realized that the c</a:t>
+            </a:r>
+            <a:r>
+              <a:rPr lang="en-US" dirty="0"/>
+              <a:t>ommunication process was</a:t>
+            </a:r>
+            <a:r>
+              <a:rPr lang="en-US" baseline="0" dirty="0"/>
+              <a:t> not w</a:t>
+            </a:r>
+            <a:r>
+              <a:rPr lang="en-US" dirty="0"/>
+              <a:t>ell defined.</a:t>
+            </a:r>
+            <a:r>
+              <a:rPr lang="en-US" baseline="0" dirty="0"/>
+              <a:t> We did not assign specific tasks to them and they did not know when or which parts of the SPMP to check first, they also were not told where to leave comments and feedback which in turn could be the reason why we felt we did not received adequate feedback.</a:t>
+            </a:r>
+            <a:endParaRPr lang="en-US" b="0" u="none" dirty="0"/>
+          </a:p>
+          <a:p>
+            <a:pPr marL="0" marR="0" lvl="0" indent="0" algn="l" defTabSz="914400" rtl="0" eaLnBrk="1" fontAlgn="auto" latinLnBrk="0" hangingPunct="1">
+              <a:lnSpc>
+                <a:spcPct val="100000"/>
+              </a:lnSpc>
+              <a:spcBef>
+                <a:spcPts val="0"/>
+              </a:spcBef>
+              <a:spcAft>
+                <a:spcPts val="0"/>
+              </a:spcAft>
+              <a:buClrTx/>
+              <a:buSzTx/>
+              <a:buFontTx/>
+              <a:buNone/>
+              <a:tabLst/>
+              <a:defRPr/>
+            </a:pPr>
             <a:endParaRPr lang="en-US" b="0" u="none" dirty="0"/>
           </a:p>
           <a:p>
@@ -2503,6 +2780,325 @@
     <p:extLst>
       <p:ext uri="{BB962C8B-B14F-4D97-AF65-F5344CB8AC3E}">
         <p14:creationId xmlns:p14="http://schemas.microsoft.com/office/powerpoint/2010/main" val="3678601128"/>
+      </p:ext>
+    </p:extLst>
+  </p:cSld>
+  <p:clrMapOvr>
+    <a:masterClrMapping/>
+  </p:clrMapOvr>
+</p:notes>
+</file>
+
+<file path=ppt/notesSlides/notesSlide16.xml><?xml version="1.0" encoding="utf-8"?>
+<p:notes xmlns:a="http://schemas.openxmlformats.org/drawingml/2006/main" xmlns:r="http://schemas.openxmlformats.org/officeDocument/2006/relationships" xmlns:p="http://schemas.openxmlformats.org/presentationml/2006/main">
+  <p:cSld>
+    <p:spTree>
+      <p:nvGrpSpPr>
+        <p:cNvPr id="1" name=""/>
+        <p:cNvGrpSpPr/>
+        <p:nvPr/>
+      </p:nvGrpSpPr>
+      <p:grpSpPr>
+        <a:xfrm>
+          <a:off x="0" y="0"/>
+          <a:ext cx="0" cy="0"/>
+          <a:chOff x="0" y="0"/>
+          <a:chExt cx="0" cy="0"/>
+        </a:xfrm>
+      </p:grpSpPr>
+      <p:sp>
+        <p:nvSpPr>
+          <p:cNvPr id="2" name="Slide Image Placeholder 1"/>
+          <p:cNvSpPr>
+            <a:spLocks noGrp="1" noRot="1" noChangeAspect="1"/>
+          </p:cNvSpPr>
+          <p:nvPr>
+            <p:ph type="sldImg"/>
+          </p:nvPr>
+        </p:nvSpPr>
+        <p:spPr/>
+      </p:sp>
+      <p:sp>
+        <p:nvSpPr>
+          <p:cNvPr id="3" name="Notes Placeholder 2"/>
+          <p:cNvSpPr>
+            <a:spLocks noGrp="1"/>
+          </p:cNvSpPr>
+          <p:nvPr>
+            <p:ph type="body" idx="1"/>
+          </p:nvPr>
+        </p:nvSpPr>
+        <p:spPr/>
+        <p:txBody>
+          <a:bodyPr/>
+          <a:lstStyle/>
+          <a:p>
+            <a:r>
+              <a:rPr lang="en-US" b="1" u="sng" dirty="0"/>
+              <a:t>Documentation</a:t>
+            </a:r>
+            <a:r>
+              <a:rPr lang="en-US" b="1" u="sng" baseline="0" dirty="0"/>
+              <a:t> method</a:t>
+            </a:r>
+            <a:endParaRPr lang="en-US" b="0" u="none" baseline="0" dirty="0"/>
+          </a:p>
+          <a:p>
+            <a:r>
+              <a:rPr lang="en-US" b="0" u="none" dirty="0"/>
+              <a:t>Deciding</a:t>
+            </a:r>
+            <a:r>
+              <a:rPr lang="en-US" b="0" u="none" baseline="0" dirty="0"/>
+              <a:t> on a format for documents i.e. what type of bullet points are we going to use, layout of page. </a:t>
+            </a:r>
+          </a:p>
+          <a:p>
+            <a:endParaRPr lang="en-US" b="0" u="none" baseline="0" dirty="0"/>
+          </a:p>
+          <a:p>
+            <a:r>
+              <a:rPr lang="en-US" b="1" u="sng" baseline="0" dirty="0"/>
+              <a:t>Organize Repository </a:t>
+            </a:r>
+          </a:p>
+          <a:p>
+            <a:pPr marL="171450" indent="-171450">
+              <a:buFont typeface="Arial" panose="020B0604020202020204" pitchFamily="34" charset="0"/>
+              <a:buChar char="•"/>
+            </a:pPr>
+            <a:r>
+              <a:rPr lang="en-US" b="0" u="none" baseline="0" dirty="0"/>
+              <a:t>Moved all documents dealing with Phase 1 into Phase_1 folder</a:t>
+            </a:r>
+          </a:p>
+          <a:p>
+            <a:pPr marL="171450" indent="-171450">
+              <a:buFont typeface="Arial" panose="020B0604020202020204" pitchFamily="34" charset="0"/>
+              <a:buChar char="•"/>
+            </a:pPr>
+            <a:r>
+              <a:rPr lang="en-US" b="0" u="none" baseline="0" dirty="0"/>
+              <a:t>Created a folder "Phase 1" inside Documentation for Phase 1 items </a:t>
+            </a:r>
+          </a:p>
+          <a:p>
+            <a:pPr marL="171450" indent="-171450">
+              <a:buFont typeface="Arial" panose="020B0604020202020204" pitchFamily="34" charset="0"/>
+              <a:buChar char="•"/>
+            </a:pPr>
+            <a:r>
+              <a:rPr lang="en-US" b="0" u="none" baseline="0" dirty="0"/>
+              <a:t>Within Phase 1, moved individual components of the SPMP to </a:t>
+            </a:r>
+            <a:r>
+              <a:rPr lang="en-US" b="0" u="none" baseline="0" dirty="0" err="1"/>
+              <a:t>Individual_Components</a:t>
+            </a:r>
+            <a:r>
+              <a:rPr lang="en-US" b="0" u="none" baseline="0" dirty="0"/>
+              <a:t> and left the SPMP directly inside Phase_1 </a:t>
+            </a:r>
+          </a:p>
+          <a:p>
+            <a:pPr marL="171450" indent="-171450">
+              <a:buFont typeface="Arial" panose="020B0604020202020204" pitchFamily="34" charset="0"/>
+              <a:buChar char="•"/>
+            </a:pPr>
+            <a:r>
+              <a:rPr lang="en-US" b="0" u="none" baseline="0" dirty="0"/>
+              <a:t>Created "</a:t>
+            </a:r>
+            <a:r>
+              <a:rPr lang="en-US" b="0" u="none" baseline="0" dirty="0" err="1"/>
+              <a:t>Work_In_Progress</a:t>
+            </a:r>
+            <a:r>
+              <a:rPr lang="en-US" b="0" u="none" baseline="0" dirty="0"/>
+              <a:t>" folder to be used for documentation and source you are presently working on</a:t>
+            </a:r>
+          </a:p>
+          <a:p>
+            <a:pPr marL="171450" indent="-171450">
+              <a:buFont typeface="Arial" panose="020B0604020202020204" pitchFamily="34" charset="0"/>
+              <a:buChar char="•"/>
+            </a:pPr>
+            <a:r>
+              <a:rPr lang="en-US" b="0" u="none" baseline="0" dirty="0"/>
+              <a:t>Created a folder for each team member by their initials inside "</a:t>
+            </a:r>
+            <a:r>
+              <a:rPr lang="en-US" b="0" u="none" baseline="0" dirty="0" err="1"/>
+              <a:t>Work_In_Progress</a:t>
+            </a:r>
+            <a:r>
+              <a:rPr lang="en-US" b="0" u="none" baseline="0" dirty="0"/>
+              <a:t>"</a:t>
+            </a:r>
+          </a:p>
+          <a:p>
+            <a:endParaRPr lang="en-US" b="0" u="sng" dirty="0"/>
+          </a:p>
+          <a:p>
+            <a:r>
+              <a:rPr lang="en-US" b="1" u="sng" dirty="0"/>
+              <a:t>Review</a:t>
+            </a:r>
+            <a:r>
+              <a:rPr lang="en-US" b="1" u="sng" baseline="0" dirty="0"/>
+              <a:t> Method</a:t>
+            </a:r>
+          </a:p>
+          <a:p>
+            <a:r>
+              <a:rPr lang="en-US" b="0" u="none" baseline="0" dirty="0"/>
+              <a:t>The team has voted on using the “review” functionality on Microsoft Word to provide critiques on documents of other team members. To avoid overwriting the original, team members must make sure to save their document that contains critiques to a different name. If the document has a major dependency then the document should be reviewed first by the successor and the Project Managers.</a:t>
+            </a:r>
+          </a:p>
+          <a:p>
+            <a:endParaRPr lang="en-US" b="0" u="none" baseline="0" dirty="0"/>
+          </a:p>
+          <a:p>
+            <a:r>
+              <a:rPr lang="en-US" b="1" u="sng" baseline="0" dirty="0"/>
+              <a:t>Communication with Project Managers</a:t>
+            </a:r>
+          </a:p>
+          <a:p>
+            <a:r>
+              <a:rPr lang="en-US" b="0" u="none" baseline="0" dirty="0"/>
+              <a:t>Assign the Project Managers task on Wrike. Sending reminder messages about the tasks they were assigned. Add them to the general availability sheet to be aware of when they are free. Also include them in the Expectation Calendar so they can add in days they know they will not be available. </a:t>
+            </a:r>
+          </a:p>
+          <a:p>
+            <a:endParaRPr lang="en-US" b="0" u="none" baseline="0" dirty="0"/>
+          </a:p>
+          <a:p>
+            <a:r>
+              <a:rPr lang="en-US" b="1" u="sng" baseline="0" dirty="0"/>
+              <a:t>Utilize Wrike More</a:t>
+            </a:r>
+          </a:p>
+          <a:p>
+            <a:r>
+              <a:rPr lang="en-US" b="0" u="none" baseline="0" dirty="0"/>
+              <a:t>Assign tasks for every task that was assigned during in-person meetings. Add in due dates and approximate time due. Set tasks as completed once they are completed. </a:t>
+            </a:r>
+            <a:endParaRPr lang="en-US" b="0" u="none" dirty="0"/>
+          </a:p>
+        </p:txBody>
+      </p:sp>
+      <p:sp>
+        <p:nvSpPr>
+          <p:cNvPr id="4" name="Slide Number Placeholder 3"/>
+          <p:cNvSpPr>
+            <a:spLocks noGrp="1"/>
+          </p:cNvSpPr>
+          <p:nvPr>
+            <p:ph type="sldNum" sz="quarter" idx="10"/>
+          </p:nvPr>
+        </p:nvSpPr>
+        <p:spPr/>
+        <p:txBody>
+          <a:bodyPr/>
+          <a:lstStyle/>
+          <a:p>
+            <a:fld id="{B621E0F3-BCE5-4552-9E75-AD4D9ACB2A2B}" type="slidenum">
+              <a:rPr lang="en-US" smtClean="0"/>
+              <a:t>21</a:t>
+            </a:fld>
+            <a:endParaRPr lang="en-US"/>
+          </a:p>
+        </p:txBody>
+      </p:sp>
+    </p:spTree>
+    <p:extLst>
+      <p:ext uri="{BB962C8B-B14F-4D97-AF65-F5344CB8AC3E}">
+        <p14:creationId xmlns:p14="http://schemas.microsoft.com/office/powerpoint/2010/main" val="3815410767"/>
+      </p:ext>
+    </p:extLst>
+  </p:cSld>
+  <p:clrMapOvr>
+    <a:masterClrMapping/>
+  </p:clrMapOvr>
+</p:notes>
+</file>
+
+<file path=ppt/notesSlides/notesSlide17.xml><?xml version="1.0" encoding="utf-8"?>
+<p:notes xmlns:a="http://schemas.openxmlformats.org/drawingml/2006/main" xmlns:r="http://schemas.openxmlformats.org/officeDocument/2006/relationships" xmlns:p="http://schemas.openxmlformats.org/presentationml/2006/main">
+  <p:cSld>
+    <p:spTree>
+      <p:nvGrpSpPr>
+        <p:cNvPr id="1" name=""/>
+        <p:cNvGrpSpPr/>
+        <p:nvPr/>
+      </p:nvGrpSpPr>
+      <p:grpSpPr>
+        <a:xfrm>
+          <a:off x="0" y="0"/>
+          <a:ext cx="0" cy="0"/>
+          <a:chOff x="0" y="0"/>
+          <a:chExt cx="0" cy="0"/>
+        </a:xfrm>
+      </p:grpSpPr>
+      <p:sp>
+        <p:nvSpPr>
+          <p:cNvPr id="2" name="Slide Image Placeholder 1"/>
+          <p:cNvSpPr>
+            <a:spLocks noGrp="1" noRot="1" noChangeAspect="1"/>
+          </p:cNvSpPr>
+          <p:nvPr>
+            <p:ph type="sldImg"/>
+          </p:nvPr>
+        </p:nvSpPr>
+        <p:spPr/>
+      </p:sp>
+      <p:sp>
+        <p:nvSpPr>
+          <p:cNvPr id="3" name="Notes Placeholder 2"/>
+          <p:cNvSpPr>
+            <a:spLocks noGrp="1"/>
+          </p:cNvSpPr>
+          <p:nvPr>
+            <p:ph type="body" idx="1"/>
+          </p:nvPr>
+        </p:nvSpPr>
+        <p:spPr/>
+        <p:txBody>
+          <a:bodyPr/>
+          <a:lstStyle/>
+          <a:p>
+            <a:endParaRPr lang="en-US" dirty="0"/>
+          </a:p>
+        </p:txBody>
+      </p:sp>
+      <p:sp>
+        <p:nvSpPr>
+          <p:cNvPr id="4" name="Slide Number Placeholder 3"/>
+          <p:cNvSpPr>
+            <a:spLocks noGrp="1"/>
+          </p:cNvSpPr>
+          <p:nvPr>
+            <p:ph type="sldNum" sz="quarter" idx="10"/>
+          </p:nvPr>
+        </p:nvSpPr>
+        <p:spPr/>
+        <p:txBody>
+          <a:bodyPr/>
+          <a:lstStyle/>
+          <a:p>
+            <a:fld id="{B621E0F3-BCE5-4552-9E75-AD4D9ACB2A2B}" type="slidenum">
+              <a:rPr lang="en-US" smtClean="0"/>
+              <a:t>22</a:t>
+            </a:fld>
+            <a:endParaRPr lang="en-US"/>
+          </a:p>
+        </p:txBody>
+      </p:sp>
+    </p:spTree>
+    <p:extLst>
+      <p:ext uri="{BB962C8B-B14F-4D97-AF65-F5344CB8AC3E}">
+        <p14:creationId xmlns:p14="http://schemas.microsoft.com/office/powerpoint/2010/main" val="93332220"/>
       </p:ext>
     </p:extLst>
   </p:cSld>
@@ -4027,210 +4623,6 @@
           <a:bodyPr/>
           <a:lstStyle/>
           <a:p>
-            <a:r>
-              <a:rPr lang="en-US" sz="1200" b="1" u="sng" kern="1200" dirty="0">
-                <a:solidFill>
-                  <a:schemeClr val="tx1"/>
-                </a:solidFill>
-                <a:effectLst/>
-                <a:latin typeface="+mn-lt"/>
-                <a:ea typeface="+mn-ea"/>
-                <a:cs typeface="+mn-cs"/>
-              </a:rPr>
-              <a:t>Initial</a:t>
-            </a:r>
-            <a:r>
-              <a:rPr lang="en-US" sz="1200" b="1" u="sng" kern="1200" baseline="0" dirty="0">
-                <a:solidFill>
-                  <a:schemeClr val="tx1"/>
-                </a:solidFill>
-                <a:effectLst/>
-                <a:latin typeface="+mn-lt"/>
-                <a:ea typeface="+mn-ea"/>
-                <a:cs typeface="+mn-cs"/>
-              </a:rPr>
-              <a:t> project Estimates: </a:t>
-            </a:r>
-            <a:endParaRPr lang="en-US" sz="1200" kern="1200" baseline="0" dirty="0">
-              <a:solidFill>
-                <a:schemeClr val="tx1"/>
-              </a:solidFill>
-              <a:effectLst/>
-              <a:latin typeface="+mn-lt"/>
-              <a:ea typeface="+mn-ea"/>
-              <a:cs typeface="+mn-cs"/>
-            </a:endParaRPr>
-          </a:p>
-          <a:p>
-            <a:pPr marL="171450" marR="0" lvl="0" indent="-171450" algn="l" defTabSz="914400" rtl="0" eaLnBrk="1" fontAlgn="auto" latinLnBrk="0" hangingPunct="1">
-              <a:lnSpc>
-                <a:spcPct val="100000"/>
-              </a:lnSpc>
-              <a:spcBef>
-                <a:spcPts val="0"/>
-              </a:spcBef>
-              <a:spcAft>
-                <a:spcPts val="0"/>
-              </a:spcAft>
-              <a:buClrTx/>
-              <a:buSzTx/>
-              <a:buFont typeface="Arial" panose="020B0604020202020204" pitchFamily="34" charset="0"/>
-              <a:buChar char="•"/>
-              <a:tabLst/>
-              <a:defRPr/>
-            </a:pPr>
-            <a:r>
-              <a:rPr lang="en-US" sz="1200" kern="1200" dirty="0">
-                <a:solidFill>
-                  <a:schemeClr val="tx1"/>
-                </a:solidFill>
-                <a:effectLst/>
-                <a:latin typeface="+mn-lt"/>
-                <a:ea typeface="+mn-ea"/>
-                <a:cs typeface="+mn-cs"/>
-              </a:rPr>
-              <a:t>As a basis for our Estimates we drew</a:t>
-            </a:r>
-            <a:r>
-              <a:rPr lang="en-US" sz="1200" kern="1200" baseline="0" dirty="0">
-                <a:solidFill>
-                  <a:schemeClr val="tx1"/>
-                </a:solidFill>
-                <a:effectLst/>
-                <a:latin typeface="+mn-lt"/>
-                <a:ea typeface="+mn-ea"/>
-                <a:cs typeface="+mn-cs"/>
-              </a:rPr>
-              <a:t> </a:t>
-            </a:r>
-            <a:r>
-              <a:rPr lang="en-US" sz="1200" kern="1200" dirty="0">
-                <a:solidFill>
-                  <a:schemeClr val="tx1"/>
-                </a:solidFill>
-                <a:effectLst/>
-                <a:latin typeface="+mn-lt"/>
-                <a:ea typeface="+mn-ea"/>
-                <a:cs typeface="+mn-cs"/>
-              </a:rPr>
-              <a:t>upon on Erik’s current work experience, a lines of code per hour formula, and sampling of previous projects. Sampling previous projects allowed</a:t>
-            </a:r>
-            <a:r>
-              <a:rPr lang="en-US" sz="1200" kern="1200" baseline="0" dirty="0">
-                <a:solidFill>
-                  <a:schemeClr val="tx1"/>
-                </a:solidFill>
-                <a:effectLst/>
-                <a:latin typeface="+mn-lt"/>
-                <a:ea typeface="+mn-ea"/>
-                <a:cs typeface="+mn-cs"/>
-              </a:rPr>
-              <a:t> </a:t>
-            </a:r>
-            <a:r>
-              <a:rPr lang="en-US" sz="1200" kern="1200" dirty="0">
-                <a:solidFill>
-                  <a:schemeClr val="tx1"/>
-                </a:solidFill>
-                <a:effectLst/>
-                <a:latin typeface="+mn-lt"/>
-                <a:ea typeface="+mn-ea"/>
-                <a:cs typeface="+mn-cs"/>
-              </a:rPr>
-              <a:t>us to determine which projects are significant enough to be included in the lines of code per hour formula. Erik’s current work experience will give us insight into how much time and effort it will actually take to complete the project. A lines of code per hour formula was applied to major programming projects from CIS 200 and up for each team member. </a:t>
-            </a:r>
-          </a:p>
-          <a:p>
-            <a:pPr lvl="0"/>
-            <a:r>
-              <a:rPr lang="en-US" sz="1200" kern="1200" dirty="0">
-                <a:solidFill>
-                  <a:schemeClr val="tx1"/>
-                </a:solidFill>
-                <a:effectLst/>
-                <a:latin typeface="+mn-lt"/>
-                <a:ea typeface="+mn-ea"/>
-                <a:cs typeface="+mn-cs"/>
-              </a:rPr>
-              <a:t>	</a:t>
-            </a:r>
-            <a:r>
-              <a:rPr lang="en-US" sz="1200" kern="1200" baseline="0" dirty="0">
-                <a:solidFill>
-                  <a:schemeClr val="tx1"/>
-                </a:solidFill>
-                <a:effectLst/>
-                <a:latin typeface="+mn-lt"/>
-                <a:ea typeface="+mn-ea"/>
-                <a:cs typeface="+mn-cs"/>
-              </a:rPr>
-              <a:t>              </a:t>
-            </a:r>
-          </a:p>
-          <a:p>
-            <a:pPr marL="628650" lvl="1" indent="-171450">
-              <a:buFont typeface="Arial" panose="020B0604020202020204" pitchFamily="34" charset="0"/>
-              <a:buChar char="•"/>
-            </a:pPr>
-            <a:r>
-              <a:rPr lang="en-US" sz="1200" b="1" u="sng" kern="1200" baseline="0" dirty="0">
-                <a:solidFill>
-                  <a:schemeClr val="tx1"/>
-                </a:solidFill>
-                <a:effectLst/>
-                <a:latin typeface="+mn-lt"/>
-                <a:ea typeface="+mn-ea"/>
-                <a:cs typeface="+mn-cs"/>
-              </a:rPr>
-              <a:t>Lines of code:</a:t>
-            </a:r>
-            <a:r>
-              <a:rPr lang="en-US" sz="1200" b="1" u="none" kern="1200" baseline="0" dirty="0">
-                <a:solidFill>
-                  <a:schemeClr val="tx1"/>
-                </a:solidFill>
-                <a:effectLst/>
-                <a:latin typeface="+mn-lt"/>
-                <a:ea typeface="+mn-ea"/>
-                <a:cs typeface="+mn-cs"/>
-              </a:rPr>
-              <a:t>  </a:t>
-            </a:r>
-            <a:r>
-              <a:rPr lang="en-US" sz="1200" kern="1200" dirty="0">
-                <a:solidFill>
-                  <a:schemeClr val="tx1"/>
-                </a:solidFill>
-                <a:effectLst/>
-                <a:latin typeface="+mn-lt"/>
-                <a:ea typeface="+mn-ea"/>
-                <a:cs typeface="+mn-cs"/>
-              </a:rPr>
-              <a:t>Based on prior experience with previous computer science projects, we Estimate this project to require 5000 lines of code. 5000 total lines divided by the team average of 49 lines of code per hour</a:t>
-            </a:r>
-            <a:r>
-              <a:rPr lang="en-US" sz="1200" kern="1200" baseline="0" dirty="0">
-                <a:solidFill>
-                  <a:schemeClr val="tx1"/>
-                </a:solidFill>
-                <a:effectLst/>
-                <a:latin typeface="+mn-lt"/>
-                <a:ea typeface="+mn-ea"/>
-                <a:cs typeface="+mn-cs"/>
-              </a:rPr>
-              <a:t> giving us102 hours</a:t>
-            </a:r>
-            <a:endParaRPr lang="en-US" sz="1200" kern="1200" dirty="0">
-              <a:solidFill>
-                <a:schemeClr val="tx1"/>
-              </a:solidFill>
-              <a:effectLst/>
-              <a:latin typeface="+mn-lt"/>
-              <a:ea typeface="+mn-ea"/>
-              <a:cs typeface="+mn-cs"/>
-            </a:endParaRPr>
-          </a:p>
-          <a:p>
             <a:pPr marL="0" marR="0" lvl="0" indent="0" algn="l" defTabSz="914400" rtl="0" eaLnBrk="1" fontAlgn="auto" latinLnBrk="0" hangingPunct="1">
               <a:lnSpc>
                 <a:spcPct val="100000"/>
@@ -4243,205 +4635,10 @@
               </a:spcAft>
               <a:buClrTx/>
               <a:buSzTx/>
-              <a:buFont typeface="Arial" panose="020B0604020202020204" pitchFamily="34" charset="0"/>
+              <a:buFontTx/>
               <a:buNone/>
               <a:tabLst/>
               <a:defRPr/>
-            </a:pPr>
-            <a:endParaRPr lang="en-US" sz="1200" kern="1200" dirty="0">
-              <a:solidFill>
-                <a:schemeClr val="tx1"/>
-              </a:solidFill>
-              <a:effectLst/>
-              <a:latin typeface="+mn-lt"/>
-              <a:ea typeface="+mn-ea"/>
-              <a:cs typeface="+mn-cs"/>
-            </a:endParaRPr>
-          </a:p>
-          <a:p>
-            <a:pPr marL="628650" marR="0" lvl="1" indent="-171450" algn="l" defTabSz="914400" rtl="0" eaLnBrk="1" fontAlgn="auto" latinLnBrk="0" hangingPunct="1">
-              <a:lnSpc>
-                <a:spcPct val="100000"/>
-              </a:lnSpc>
-              <a:spcBef>
-                <a:spcPts val="0"/>
-              </a:spcBef>
-              <a:spcAft>
-                <a:spcPts val="0"/>
-              </a:spcAft>
-              <a:buClrTx/>
-              <a:buSzTx/>
-              <a:buFont typeface="Arial" panose="020B0604020202020204" pitchFamily="34" charset="0"/>
-              <a:buChar char="•"/>
-              <a:tabLst/>
-              <a:defRPr/>
-            </a:pPr>
-            <a:r>
-              <a:rPr lang="en-US" sz="1200" b="1" u="sng" kern="1200" dirty="0">
-                <a:solidFill>
-                  <a:schemeClr val="tx1"/>
-                </a:solidFill>
-                <a:effectLst/>
-                <a:latin typeface="+mn-lt"/>
-                <a:ea typeface="+mn-ea"/>
-                <a:cs typeface="+mn-cs"/>
-              </a:rPr>
-              <a:t>Function Estimate: </a:t>
-            </a:r>
-            <a:r>
-              <a:rPr lang="en-US" sz="1200" b="0" u="none" kern="1200" dirty="0">
-                <a:solidFill>
-                  <a:schemeClr val="tx1"/>
-                </a:solidFill>
-                <a:effectLst/>
-                <a:latin typeface="+mn-lt"/>
-                <a:ea typeface="+mn-ea"/>
-                <a:cs typeface="+mn-cs"/>
-              </a:rPr>
-              <a:t> We c</a:t>
-            </a:r>
-            <a:r>
-              <a:rPr lang="en-US" sz="1200" kern="1200" dirty="0">
-                <a:solidFill>
-                  <a:schemeClr val="tx1"/>
-                </a:solidFill>
-                <a:effectLst/>
-                <a:latin typeface="+mn-lt"/>
-                <a:ea typeface="+mn-ea"/>
-                <a:cs typeface="+mn-cs"/>
-              </a:rPr>
-              <a:t>ounted the functions present in 1.3, the Major Software Functions, and</a:t>
-            </a:r>
-            <a:r>
-              <a:rPr lang="en-US" sz="1200" kern="1200" baseline="0" dirty="0">
-                <a:solidFill>
-                  <a:schemeClr val="tx1"/>
-                </a:solidFill>
-                <a:effectLst/>
-                <a:latin typeface="+mn-lt"/>
-                <a:ea typeface="+mn-ea"/>
-                <a:cs typeface="+mn-cs"/>
-              </a:rPr>
-              <a:t> used them for the </a:t>
-            </a:r>
-            <a:r>
-              <a:rPr lang="en-US" sz="1200" kern="1200" dirty="0">
-                <a:solidFill>
-                  <a:schemeClr val="tx1"/>
-                </a:solidFill>
-                <a:effectLst/>
-                <a:latin typeface="+mn-lt"/>
-                <a:ea typeface="+mn-ea"/>
-                <a:cs typeface="+mn-cs"/>
-              </a:rPr>
-              <a:t>function point estimation.  The lowest-level functionality in 1.3 is counted and added up. Totaling 18 functions </a:t>
-            </a:r>
-          </a:p>
-          <a:p>
-            <a:pPr marL="628650" marR="0" lvl="1" indent="-171450" algn="l" defTabSz="914400" rtl="0" eaLnBrk="1" fontAlgn="auto" latinLnBrk="0" hangingPunct="1">
-              <a:lnSpc>
-                <a:spcPct val="100000"/>
-              </a:lnSpc>
-              <a:spcBef>
-                <a:spcPts val="0"/>
-              </a:spcBef>
-              <a:spcAft>
-                <a:spcPts val="0"/>
-              </a:spcAft>
-              <a:buClrTx/>
-              <a:buSzTx/>
-              <a:buFont typeface="Arial" panose="020B0604020202020204" pitchFamily="34" charset="0"/>
-              <a:buChar char="•"/>
-              <a:tabLst/>
-              <a:defRPr/>
-            </a:pPr>
-            <a:endParaRPr lang="en-US" sz="1200" kern="1200" dirty="0">
-              <a:solidFill>
-                <a:schemeClr val="tx1"/>
-              </a:solidFill>
-              <a:effectLst/>
-              <a:latin typeface="+mn-lt"/>
-              <a:ea typeface="+mn-ea"/>
-              <a:cs typeface="+mn-cs"/>
-            </a:endParaRPr>
-          </a:p>
-          <a:p>
-            <a:pPr marL="628650" marR="0" lvl="1" indent="-171450" algn="l" defTabSz="914400" rtl="0" eaLnBrk="1" fontAlgn="auto" latinLnBrk="0" hangingPunct="1">
-              <a:lnSpc>
-                <a:spcPct val="100000"/>
-              </a:lnSpc>
-              <a:spcBef>
-                <a:spcPts val="0"/>
-              </a:spcBef>
-              <a:spcAft>
-                <a:spcPts val="0"/>
-              </a:spcAft>
-              <a:buClrTx/>
-              <a:buSzTx/>
-              <a:buFont typeface="Arial" panose="020B0604020202020204" pitchFamily="34" charset="0"/>
-              <a:buChar char="•"/>
-              <a:tabLst/>
-              <a:defRPr/>
-            </a:pPr>
-            <a:r>
-              <a:rPr lang="en-US" sz="1200" b="1" u="sng" kern="1200" dirty="0">
-                <a:solidFill>
-                  <a:schemeClr val="tx1"/>
-                </a:solidFill>
-                <a:effectLst/>
-                <a:latin typeface="+mn-lt"/>
-                <a:ea typeface="+mn-ea"/>
-                <a:cs typeface="+mn-cs"/>
-              </a:rPr>
-              <a:t>Task</a:t>
-            </a:r>
-            <a:r>
-              <a:rPr lang="en-US" sz="1200" b="1" u="sng" kern="1200" baseline="0" dirty="0">
-                <a:solidFill>
-                  <a:schemeClr val="tx1"/>
-                </a:solidFill>
-                <a:effectLst/>
-                <a:latin typeface="+mn-lt"/>
-                <a:ea typeface="+mn-ea"/>
-                <a:cs typeface="+mn-cs"/>
-              </a:rPr>
-              <a:t> Estimate:</a:t>
-            </a:r>
-            <a:r>
-              <a:rPr lang="en-US" sz="1200" b="0" u="none" kern="1200" baseline="0" dirty="0">
-                <a:solidFill>
-                  <a:schemeClr val="tx1"/>
-                </a:solidFill>
-                <a:effectLst/>
-                <a:latin typeface="+mn-lt"/>
-                <a:ea typeface="+mn-ea"/>
-                <a:cs typeface="+mn-cs"/>
-              </a:rPr>
-              <a:t>  Breaking down the project into high level tasks and estimating the time in which we believed it would take to complete each task. 46hours/person , total 184 hours</a:t>
-            </a:r>
-            <a:endParaRPr lang="en-US" b="1" u="sng" dirty="0">
-              <a:effectLst/>
-            </a:endParaRPr>
-          </a:p>
-          <a:p>
-            <a:pPr marL="0" lvl="0" indent="0">
-              <a:buFont typeface="Arial" panose="020B0604020202020204" pitchFamily="34" charset="0"/>
-              <a:buNone/>
-            </a:pPr>
-            <a:endParaRPr lang="en-US" sz="1200" kern="1200" dirty="0">
-              <a:solidFill>
-                <a:schemeClr val="tx1"/>
-              </a:solidFill>
-              <a:effectLst/>
-              <a:latin typeface="+mn-lt"/>
-              <a:ea typeface="+mn-ea"/>
-              <a:cs typeface="+mn-cs"/>
-            </a:endParaRPr>
-          </a:p>
-          <a:p>
-            <a:pPr marL="628650" lvl="1" indent="-171450">
-              <a:buFont typeface="Arial" panose="020B0604020202020204" pitchFamily="34" charset="0"/>
-              <a:buChar char="•"/>
             </a:pPr>
             <a:r>
               <a:rPr lang="en-US" sz="1200" b="1" u="sng" kern="1200" dirty="0">
@@ -4481,15 +4678,7 @@
             </a:r>
           </a:p>
           <a:p>
-            <a:endParaRPr lang="en-US" sz="1200" kern="1200" dirty="0">
-              <a:solidFill>
-                <a:schemeClr val="tx1"/>
-              </a:solidFill>
-              <a:effectLst/>
-              <a:latin typeface="+mn-lt"/>
-              <a:ea typeface="+mn-ea"/>
-              <a:cs typeface="+mn-cs"/>
-            </a:endParaRPr>
+            <a:endParaRPr lang="en-US" dirty="0"/>
           </a:p>
         </p:txBody>
       </p:sp>
@@ -4510,7 +4699,7 @@
           <a:p>
             <a:fld id="{B621E0F3-BCE5-4552-9E75-AD4D9ACB2A2B}" type="slidenum">
               <a:rPr lang="en-US" smtClean="0"/>
-              <a:t>11</a:t>
+              <a:t>10</a:t>
             </a:fld>
             <a:endParaRPr lang="en-US"/>
           </a:p>
@@ -4519,7 +4708,7 @@
     </p:spTree>
     <p:extLst>
       <p:ext uri="{BB962C8B-B14F-4D97-AF65-F5344CB8AC3E}">
-        <p14:creationId xmlns:p14="http://schemas.microsoft.com/office/powerpoint/2010/main" val="1248189161"/>
+        <p14:creationId xmlns:p14="http://schemas.microsoft.com/office/powerpoint/2010/main" val="1918682050"/>
       </p:ext>
     </p:extLst>
   </p:cSld>
@@ -4574,6 +4763,18 @@
           <a:lstStyle/>
           <a:p>
             <a:r>
+              <a:rPr lang="en-US" sz="1200" b="1" u="sng" kern="1200" dirty="0">
+                <a:solidFill>
+                  <a:schemeClr val="tx1"/>
+                </a:solidFill>
+                <a:effectLst/>
+                <a:latin typeface="+mn-lt"/>
+                <a:ea typeface="+mn-ea"/>
+                <a:cs typeface="+mn-cs"/>
+              </a:rPr>
+              <a:t>Initial</a:t>
+            </a:r>
+            <a:r>
               <a:rPr lang="en-US" sz="1200" b="1" u="sng" kern="1200" baseline="0" dirty="0">
                 <a:solidFill>
                   <a:schemeClr val="tx1"/>
@@ -4583,10 +4784,38 @@
                 <a:ea typeface="+mn-ea"/>
                 <a:cs typeface="+mn-cs"/>
               </a:rPr>
-              <a:t>Actual Part 1 project Estimates:</a:t>
-            </a:r>
-            <a:br>
-              <a:rPr lang="en-US" sz="1200" b="1" u="sng" kern="1200" baseline="0" dirty="0">
+              <a:t> project Estimates: </a:t>
+            </a:r>
+            <a:endParaRPr lang="en-US" sz="1200" kern="1200" baseline="0" dirty="0">
+              <a:solidFill>
+                <a:schemeClr val="tx1"/>
+              </a:solidFill>
+              <a:effectLst/>
+              <a:latin typeface="+mn-lt"/>
+              <a:ea typeface="+mn-ea"/>
+              <a:cs typeface="+mn-cs"/>
+            </a:endParaRPr>
+          </a:p>
+          <a:p>
+            <a:pPr marL="171450" marR="0" lvl="0" indent="-171450" algn="l" defTabSz="914400" rtl="0" eaLnBrk="1" fontAlgn="auto" latinLnBrk="0" hangingPunct="1">
+              <a:lnSpc>
+                <a:spcPct val="100000"/>
+              </a:lnSpc>
+              <a:spcBef>
+                <a:spcPts val="0"/>
+              </a:spcBef>
+              <a:spcAft>
+                <a:spcPts val="0"/>
+              </a:spcAft>
+              <a:buClrTx/>
+              <a:buSzTx/>
+              <a:buFont typeface="Arial" panose="020B0604020202020204" pitchFamily="34" charset="0"/>
+              <a:buChar char="•"/>
+              <a:tabLst/>
+              <a:defRPr/>
+            </a:pPr>
+            <a:r>
+              <a:rPr lang="en-US" sz="1200" kern="1200" dirty="0">
                 <a:solidFill>
                   <a:schemeClr val="tx1"/>
                 </a:solidFill>
@@ -4595,7 +4824,89 @@
                 <a:ea typeface="+mn-ea"/>
                 <a:cs typeface="+mn-cs"/>
               </a:rPr>
-            </a:br>
+              <a:t>As a basis for our Estimates we drew</a:t>
+            </a:r>
+            <a:r>
+              <a:rPr lang="en-US" sz="1200" kern="1200" baseline="0" dirty="0">
+                <a:solidFill>
+                  <a:schemeClr val="tx1"/>
+                </a:solidFill>
+                <a:effectLst/>
+                <a:latin typeface="+mn-lt"/>
+                <a:ea typeface="+mn-ea"/>
+                <a:cs typeface="+mn-cs"/>
+              </a:rPr>
+              <a:t> </a:t>
+            </a:r>
+            <a:r>
+              <a:rPr lang="en-US" sz="1200" kern="1200" dirty="0">
+                <a:solidFill>
+                  <a:schemeClr val="tx1"/>
+                </a:solidFill>
+                <a:effectLst/>
+                <a:latin typeface="+mn-lt"/>
+                <a:ea typeface="+mn-ea"/>
+                <a:cs typeface="+mn-cs"/>
+              </a:rPr>
+              <a:t>upon on Erik’s current work experience, a lines of code per hour formula, and sampling of previous projects. Sampling previous projects allowed</a:t>
+            </a:r>
+            <a:r>
+              <a:rPr lang="en-US" sz="1200" kern="1200" baseline="0" dirty="0">
+                <a:solidFill>
+                  <a:schemeClr val="tx1"/>
+                </a:solidFill>
+                <a:effectLst/>
+                <a:latin typeface="+mn-lt"/>
+                <a:ea typeface="+mn-ea"/>
+                <a:cs typeface="+mn-cs"/>
+              </a:rPr>
+              <a:t> </a:t>
+            </a:r>
+            <a:r>
+              <a:rPr lang="en-US" sz="1200" kern="1200" dirty="0">
+                <a:solidFill>
+                  <a:schemeClr val="tx1"/>
+                </a:solidFill>
+                <a:effectLst/>
+                <a:latin typeface="+mn-lt"/>
+                <a:ea typeface="+mn-ea"/>
+                <a:cs typeface="+mn-cs"/>
+              </a:rPr>
+              <a:t>us to determine which projects are significant enough to be included in the lines of code per hour formula. Erik’s current work experience will give us insight into how much time and effort it will actually take to complete the project. A lines of code per hour formula was applied to major programming projects from CIS 200 and up for each team member. </a:t>
+            </a:r>
+          </a:p>
+          <a:p>
+            <a:pPr lvl="0"/>
+            <a:r>
+              <a:rPr lang="en-US" sz="1200" kern="1200" dirty="0">
+                <a:solidFill>
+                  <a:schemeClr val="tx1"/>
+                </a:solidFill>
+                <a:effectLst/>
+                <a:latin typeface="+mn-lt"/>
+                <a:ea typeface="+mn-ea"/>
+                <a:cs typeface="+mn-cs"/>
+              </a:rPr>
+              <a:t>	</a:t>
+            </a:r>
+            <a:r>
+              <a:rPr lang="en-US" sz="1200" kern="1200" baseline="0" dirty="0">
+                <a:solidFill>
+                  <a:schemeClr val="tx1"/>
+                </a:solidFill>
+                <a:effectLst/>
+                <a:latin typeface="+mn-lt"/>
+                <a:ea typeface="+mn-ea"/>
+                <a:cs typeface="+mn-cs"/>
+              </a:rPr>
+              <a:t>              </a:t>
+            </a:r>
+          </a:p>
+          <a:p>
+            <a:pPr marL="628650" lvl="1" indent="-171450">
+              <a:buFont typeface="Arial" panose="020B0604020202020204" pitchFamily="34" charset="0"/>
+              <a:buChar char="•"/>
+            </a:pPr>
             <a:r>
               <a:rPr lang="en-US" sz="1200" b="1" u="sng" kern="1200" baseline="0" dirty="0">
                 <a:solidFill>
@@ -4608,7 +4919,43 @@
               </a:rPr>
               <a:t>Lines of code:</a:t>
             </a:r>
-            <a:endParaRPr lang="en-US" sz="1200" b="0" u="none" kern="1200" baseline="0" dirty="0">
+            <a:r>
+              <a:rPr lang="en-US" sz="1200" b="1" u="none" kern="1200" baseline="0" dirty="0">
+                <a:solidFill>
+                  <a:schemeClr val="tx1"/>
+                </a:solidFill>
+                <a:effectLst/>
+                <a:latin typeface="+mn-lt"/>
+                <a:ea typeface="+mn-ea"/>
+                <a:cs typeface="+mn-cs"/>
+              </a:rPr>
+              <a:t>  </a:t>
+            </a:r>
+            <a:r>
+              <a:rPr lang="en-US" sz="1200" kern="1200" dirty="0">
+                <a:solidFill>
+                  <a:schemeClr val="tx1"/>
+                </a:solidFill>
+                <a:effectLst/>
+                <a:latin typeface="+mn-lt"/>
+                <a:ea typeface="+mn-ea"/>
+                <a:cs typeface="+mn-cs"/>
+              </a:rPr>
+              <a:t>Based on prior experience with previous computer science projects, we Estimate this project to require 5000 lines of code. 5000 total lines divided by the team average of 49 lines of code per hour</a:t>
+            </a:r>
+            <a:r>
+              <a:rPr lang="en-US" sz="1200" kern="1200" baseline="0" dirty="0">
+                <a:solidFill>
+                  <a:schemeClr val="tx1"/>
+                </a:solidFill>
+                <a:effectLst/>
+                <a:latin typeface="+mn-lt"/>
+                <a:ea typeface="+mn-ea"/>
+                <a:cs typeface="+mn-cs"/>
+              </a:rPr>
+              <a:t> giving us102 hours</a:t>
+            </a:r>
+            <a:endParaRPr lang="en-US" sz="1200" kern="1200" dirty="0">
               <a:solidFill>
                 <a:schemeClr val="tx1"/>
               </a:solidFill>
@@ -4619,6 +4966,51 @@
             </a:endParaRPr>
           </a:p>
           <a:p>
+            <a:pPr marL="0" marR="0" lvl="0" indent="0" algn="l" defTabSz="914400" rtl="0" eaLnBrk="1" fontAlgn="auto" latinLnBrk="0" hangingPunct="1">
+              <a:lnSpc>
+                <a:spcPct val="100000"/>
+              </a:lnSpc>
+              <a:spcBef>
+                <a:spcPts val="0"/>
+              </a:spcBef>
+              <a:spcAft>
+                <a:spcPts val="0"/>
+              </a:spcAft>
+              <a:buClrTx/>
+              <a:buSzTx/>
+              <a:buFont typeface="Arial" panose="020B0604020202020204" pitchFamily="34" charset="0"/>
+              <a:buNone/>
+              <a:tabLst/>
+              <a:defRPr/>
+            </a:pPr>
+            <a:endParaRPr lang="en-US" sz="1200" kern="1200" dirty="0">
+              <a:solidFill>
+                <a:schemeClr val="tx1"/>
+              </a:solidFill>
+              <a:effectLst/>
+              <a:latin typeface="+mn-lt"/>
+              <a:ea typeface="+mn-ea"/>
+              <a:cs typeface="+mn-cs"/>
+            </a:endParaRPr>
+          </a:p>
+          <a:p>
+            <a:pPr marL="628650" marR="0" lvl="1" indent="-171450" algn="l" defTabSz="914400" rtl="0" eaLnBrk="1" fontAlgn="auto" latinLnBrk="0" hangingPunct="1">
+              <a:lnSpc>
+                <a:spcPct val="100000"/>
+              </a:lnSpc>
+              <a:spcBef>
+                <a:spcPts val="0"/>
+              </a:spcBef>
+              <a:spcAft>
+                <a:spcPts val="0"/>
+              </a:spcAft>
+              <a:buClrTx/>
+              <a:buSzTx/>
+              <a:buFont typeface="Arial" panose="020B0604020202020204" pitchFamily="34" charset="0"/>
+              <a:buChar char="•"/>
+              <a:tabLst/>
+              <a:defRPr/>
+            </a:pPr>
             <a:r>
               <a:rPr lang="en-US" sz="1200" b="1" u="sng" kern="1200" dirty="0">
                 <a:solidFill>
@@ -4629,9 +5021,76 @@
                 <a:ea typeface="+mn-ea"/>
                 <a:cs typeface="+mn-cs"/>
               </a:rPr>
-              <a:t>Function Estimate:</a:t>
-            </a:r>
-            <a:endParaRPr lang="en-US" sz="1200" b="0" u="none" kern="1200" dirty="0">
+              <a:t>Function Estimate: </a:t>
+            </a:r>
+            <a:r>
+              <a:rPr lang="en-US" sz="1200" b="0" u="none" kern="1200" dirty="0">
+                <a:solidFill>
+                  <a:schemeClr val="tx1"/>
+                </a:solidFill>
+                <a:effectLst/>
+                <a:latin typeface="+mn-lt"/>
+                <a:ea typeface="+mn-ea"/>
+                <a:cs typeface="+mn-cs"/>
+              </a:rPr>
+              <a:t> We c</a:t>
+            </a:r>
+            <a:r>
+              <a:rPr lang="en-US" sz="1200" kern="1200" dirty="0">
+                <a:solidFill>
+                  <a:schemeClr val="tx1"/>
+                </a:solidFill>
+                <a:effectLst/>
+                <a:latin typeface="+mn-lt"/>
+                <a:ea typeface="+mn-ea"/>
+                <a:cs typeface="+mn-cs"/>
+              </a:rPr>
+              <a:t>ounted the functions present in 1.3, the Major Software Functions, and</a:t>
+            </a:r>
+            <a:r>
+              <a:rPr lang="en-US" sz="1200" kern="1200" baseline="0" dirty="0">
+                <a:solidFill>
+                  <a:schemeClr val="tx1"/>
+                </a:solidFill>
+                <a:effectLst/>
+                <a:latin typeface="+mn-lt"/>
+                <a:ea typeface="+mn-ea"/>
+                <a:cs typeface="+mn-cs"/>
+              </a:rPr>
+              <a:t> used them for the </a:t>
+            </a:r>
+            <a:r>
+              <a:rPr lang="en-US" sz="1200" kern="1200" dirty="0">
+                <a:solidFill>
+                  <a:schemeClr val="tx1"/>
+                </a:solidFill>
+                <a:effectLst/>
+                <a:latin typeface="+mn-lt"/>
+                <a:ea typeface="+mn-ea"/>
+                <a:cs typeface="+mn-cs"/>
+              </a:rPr>
+              <a:t>function point estimation.  The lowest-level functionality in 1.3 is counted and added up. Totaling 18 functions </a:t>
+            </a:r>
+          </a:p>
+          <a:p>
+            <a:pPr marL="628650" marR="0" lvl="1" indent="-171450" algn="l" defTabSz="914400" rtl="0" eaLnBrk="1" fontAlgn="auto" latinLnBrk="0" hangingPunct="1">
+              <a:lnSpc>
+                <a:spcPct val="100000"/>
+              </a:lnSpc>
+              <a:spcBef>
+                <a:spcPts val="0"/>
+              </a:spcBef>
+              <a:spcAft>
+                <a:spcPts val="0"/>
+              </a:spcAft>
+              <a:buClrTx/>
+              <a:buSzTx/>
+              <a:buFont typeface="Arial" panose="020B0604020202020204" pitchFamily="34" charset="0"/>
+              <a:buChar char="•"/>
+              <a:tabLst/>
+              <a:defRPr/>
+            </a:pPr>
+            <a:endParaRPr lang="en-US" sz="1200" kern="1200" dirty="0">
               <a:solidFill>
                 <a:schemeClr val="tx1"/>
               </a:solidFill>
@@ -4642,6 +5101,35 @@
             </a:endParaRPr>
           </a:p>
           <a:p>
+            <a:pPr marL="628650" marR="0" lvl="1" indent="-171450" algn="l" defTabSz="914400" rtl="0" eaLnBrk="1" fontAlgn="auto" latinLnBrk="0" hangingPunct="1">
+              <a:lnSpc>
+                <a:spcPct val="100000"/>
+              </a:lnSpc>
+              <a:spcBef>
+                <a:spcPts val="0"/>
+              </a:spcBef>
+              <a:spcAft>
+                <a:spcPts val="0"/>
+              </a:spcAft>
+              <a:buClrTx/>
+              <a:buSzTx/>
+              <a:buFont typeface="Arial" panose="020B0604020202020204" pitchFamily="34" charset="0"/>
+              <a:buChar char="•"/>
+              <a:tabLst/>
+              <a:defRPr/>
+            </a:pPr>
+            <a:r>
+              <a:rPr lang="en-US" sz="1200" b="1" u="sng" kern="1200" dirty="0">
+                <a:solidFill>
+                  <a:schemeClr val="tx1"/>
+                </a:solidFill>
+                <a:effectLst/>
+                <a:latin typeface="+mn-lt"/>
+                <a:ea typeface="+mn-ea"/>
+                <a:cs typeface="+mn-cs"/>
+              </a:rPr>
+              <a:t>Task</a:t>
+            </a:r>
             <a:r>
               <a:rPr lang="en-US" sz="1200" b="1" u="sng" kern="1200" baseline="0" dirty="0">
                 <a:solidFill>
@@ -4652,11 +5140,30 @@
                 <a:ea typeface="+mn-ea"/>
                 <a:cs typeface="+mn-cs"/>
               </a:rPr>
-              <a:t>Task Estimate:</a:t>
-            </a:r>
-          </a:p>
-          <a:p>
-            <a:endParaRPr lang="en-US" sz="1200" b="1" u="sng" kern="1200" baseline="0" dirty="0">
+              <a:t> Estimate:</a:t>
+            </a:r>
+            <a:r>
+              <a:rPr lang="en-US" sz="1200" b="0" u="none" kern="1200" baseline="0" dirty="0">
+                <a:solidFill>
+                  <a:schemeClr val="tx1"/>
+                </a:solidFill>
+                <a:effectLst/>
+                <a:latin typeface="+mn-lt"/>
+                <a:ea typeface="+mn-ea"/>
+                <a:cs typeface="+mn-cs"/>
+              </a:rPr>
+              <a:t>  Breaking down the project into high level tasks and estimating the time in which we believed it would take to complete each task. 46hours/person , total 184 hours</a:t>
+            </a:r>
+            <a:endParaRPr lang="en-US" b="1" u="sng" dirty="0">
+              <a:effectLst/>
+            </a:endParaRPr>
+          </a:p>
+          <a:p>
+            <a:pPr marL="0" lvl="0" indent="0">
+              <a:buFont typeface="Arial" panose="020B0604020202020204" pitchFamily="34" charset="0"/>
+              <a:buNone/>
+            </a:pPr>
+            <a:endParaRPr lang="en-US" sz="1200" kern="1200" dirty="0">
               <a:solidFill>
                 <a:schemeClr val="tx1"/>
               </a:solidFill>
@@ -4667,6 +5174,10 @@
             </a:endParaRPr>
           </a:p>
           <a:p>
+            <a:pPr marL="628650" lvl="1" indent="-171450">
+              <a:buFont typeface="Arial" panose="020B0604020202020204" pitchFamily="34" charset="0"/>
+              <a:buChar char="•"/>
+            </a:pPr>
             <a:r>
               <a:rPr lang="en-US" sz="1200" b="1" u="sng" kern="1200" dirty="0">
                 <a:solidFill>
@@ -4677,12 +5188,10 @@
                 <a:ea typeface="+mn-ea"/>
                 <a:cs typeface="+mn-cs"/>
               </a:rPr>
-              <a:t>Estimation Selection Rationale</a:t>
-            </a:r>
-          </a:p>
-          <a:p>
-            <a:r>
-              <a:rPr lang="en-US" sz="1200" b="0" i="0" kern="1200" dirty="0">
+              <a:t>SPMP</a:t>
+            </a:r>
+            <a:r>
+              <a:rPr lang="en-US" sz="1200" b="1" u="sng" kern="1200" baseline="0" dirty="0">
                 <a:solidFill>
                   <a:schemeClr val="tx1"/>
                 </a:solidFill>
@@ -4691,14 +5200,23 @@
                 <a:ea typeface="+mn-ea"/>
                 <a:cs typeface="+mn-cs"/>
               </a:rPr>
-              <a:t>We determined that we had spent 116 hours thus far within the time that we began working together up until today's date (2/6/2017 – 2/24/2017).  We then determined the number of days left until the final project is due – 4 days left in February, 31 days in March, due on the 28th of April = 63 days.  We then divided the total number of days left by the number of days we had been working on the project:  63 / 18, to arrive at 3.5.  We then multiplied this number by 117, to arrive at 409.5 hours.  We added 116 to this number (the amount of time spent so far) and arrived at 525.5 hours.  The closest to this number was the Task Estimate, which is still off by 126.5 hours.  Therefore, we rejected the other Estimates and went with 525.5 person-hours.</a:t>
-            </a:r>
-          </a:p>
-          <a:p>
-            <a:br>
-              <a:rPr lang="en-US" dirty="0"/>
-            </a:br>
-            <a:endParaRPr lang="en-US" sz="1200" b="1" u="sng" kern="1200" dirty="0">
+              <a:t> Completion: </a:t>
+            </a:r>
+            <a:r>
+              <a:rPr lang="en-US" sz="1200" kern="1200" dirty="0">
+                <a:solidFill>
+                  <a:schemeClr val="tx1"/>
+                </a:solidFill>
+                <a:effectLst/>
+                <a:latin typeface="+mn-lt"/>
+                <a:ea typeface="+mn-ea"/>
+                <a:cs typeface="+mn-cs"/>
+              </a:rPr>
+              <a:t>Based on previous experience with similar but smaller templates from past Computer Science classes, we estimate the SPMP will take approximately 60 Hours to complete.</a:t>
+            </a:r>
+          </a:p>
+          <a:p>
+            <a:endParaRPr lang="en-US" sz="1200" kern="1200" dirty="0">
               <a:solidFill>
                 <a:schemeClr val="tx1"/>
               </a:solidFill>
@@ -4708,21 +5226,6 @@
               <a:cs typeface="+mn-cs"/>
             </a:endParaRPr>
           </a:p>
-          <a:p>
-            <a:pPr marL="457200" lvl="1" indent="0">
-              <a:buFont typeface="Arial" panose="020B0604020202020204" pitchFamily="34" charset="0"/>
-              <a:buNone/>
-            </a:pPr>
-            <a:endParaRPr lang="en-US" sz="1200" b="1" u="sng" kern="1200" baseline="0" dirty="0">
-              <a:solidFill>
-                <a:schemeClr val="tx1"/>
-              </a:solidFill>
-              <a:effectLst/>
-              <a:latin typeface="+mn-lt"/>
-              <a:ea typeface="+mn-ea"/>
-              <a:cs typeface="+mn-cs"/>
-            </a:endParaRPr>
-          </a:p>
         </p:txBody>
       </p:sp>
       <p:sp>
@@ -4742,7 +5245,7 @@
           <a:p>
             <a:fld id="{B621E0F3-BCE5-4552-9E75-AD4D9ACB2A2B}" type="slidenum">
               <a:rPr lang="en-US" smtClean="0"/>
-              <a:t>12</a:t>
+              <a:t>11</a:t>
             </a:fld>
             <a:endParaRPr lang="en-US"/>
           </a:p>
@@ -4751,7 +5254,7 @@
     </p:spTree>
     <p:extLst>
       <p:ext uri="{BB962C8B-B14F-4D97-AF65-F5344CB8AC3E}">
-        <p14:creationId xmlns:p14="http://schemas.microsoft.com/office/powerpoint/2010/main" val="860756360"/>
+        <p14:creationId xmlns:p14="http://schemas.microsoft.com/office/powerpoint/2010/main" val="1248189161"/>
       </p:ext>
     </p:extLst>
   </p:cSld>
@@ -4805,143 +5308,72 @@
           <a:bodyPr/>
           <a:lstStyle/>
           <a:p>
-            <a:r>
-              <a:rPr lang="en-US" dirty="0"/>
-              <a:t>Tasks</a:t>
-            </a:r>
-            <a:r>
-              <a:rPr lang="en-US" baseline="0" dirty="0"/>
-              <a:t> that were easy will be tasks that took the less amount of time to complete based on reports from </a:t>
-            </a:r>
-            <a:r>
-              <a:rPr lang="en-US" baseline="0" dirty="0" err="1"/>
-              <a:t>toggl</a:t>
-            </a:r>
-            <a:r>
-              <a:rPr lang="en-US" baseline="0" dirty="0"/>
-              <a:t>:</a:t>
-            </a:r>
-          </a:p>
-          <a:p>
-            <a:endParaRPr lang="en-US" baseline="0" dirty="0"/>
-          </a:p>
-          <a:p>
-            <a:r>
-              <a:rPr lang="en-US" b="1" u="sng" baseline="0" dirty="0"/>
-              <a:t>1.2 Project Scope: </a:t>
-            </a:r>
-            <a:r>
-              <a:rPr lang="en-US" b="0" u="none" baseline="0" dirty="0"/>
-              <a:t>Laying out the team skillsets helped to identify exclusions such as using a flat-file system vs a database</a:t>
-            </a:r>
-            <a:endParaRPr lang="en-US" b="1" u="sng" baseline="0" dirty="0"/>
-          </a:p>
-          <a:p>
-            <a:endParaRPr lang="en-US" baseline="0" dirty="0"/>
-          </a:p>
-          <a:p>
-            <a:r>
-              <a:rPr lang="en-US" b="1" u="sng" baseline="0" dirty="0"/>
-              <a:t>1.4 Performance/Behavior Constraints: </a:t>
-            </a:r>
-            <a:r>
-              <a:rPr lang="en-US" b="0" u="none" baseline="0" dirty="0"/>
-              <a:t>Thinking about reasonable expectations of functionality </a:t>
-            </a:r>
-          </a:p>
-          <a:p>
-            <a:endParaRPr lang="en-US" b="0" u="none" baseline="0" dirty="0"/>
-          </a:p>
-          <a:p>
-            <a:r>
-              <a:rPr lang="en-US" b="1" u="sng" baseline="0" dirty="0"/>
-              <a:t>1.5 Management and Technical Constraints:</a:t>
-            </a:r>
-            <a:r>
-              <a:rPr lang="en-US" b="0" u="none" baseline="0" dirty="0"/>
-              <a:t> </a:t>
-            </a:r>
-          </a:p>
-          <a:p>
-            <a:r>
-              <a:rPr lang="en-US" b="1" u="sng" baseline="0" dirty="0"/>
-              <a:t>Management constraints: </a:t>
-            </a:r>
-            <a:r>
-              <a:rPr lang="en-US" b="0" u="none" baseline="0" dirty="0"/>
-              <a:t>Constraints are based on individual schedules and exceptions to team members availability. </a:t>
-            </a:r>
-          </a:p>
-          <a:p>
-            <a:r>
-              <a:rPr lang="en-US" b="1" u="sng" baseline="0" dirty="0"/>
-              <a:t>Technical constraints: </a:t>
-            </a:r>
-            <a:r>
-              <a:rPr lang="en-US" b="0" u="none" baseline="0" dirty="0"/>
-              <a:t>Knowing the kinds of language we will be programming in and based on team skillset.</a:t>
-            </a:r>
-          </a:p>
-          <a:p>
-            <a:endParaRPr lang="en-US" b="0" u="none" baseline="0" dirty="0"/>
-          </a:p>
-          <a:p>
-            <a:r>
-              <a:rPr lang="en-US" b="1" u="sng" baseline="0" dirty="0"/>
-              <a:t>2.0 Historical Data for Estimates: </a:t>
-            </a:r>
-            <a:r>
-              <a:rPr lang="en-US" b="0" u="none" baseline="0" dirty="0"/>
-              <a:t>Deciding what sources to use as historical data </a:t>
-            </a:r>
-            <a:r>
-              <a:rPr lang="en-US" b="0" u="none" baseline="0" dirty="0" err="1"/>
-              <a:t>i.e</a:t>
-            </a:r>
-            <a:r>
-              <a:rPr lang="en-US" b="0" u="none" baseline="0" dirty="0"/>
-              <a:t> Erik’s current job, programs that are from CIS 200 and up (excluding labs b/c we did not feel they were very representative of an individuals work)</a:t>
-            </a:r>
-          </a:p>
-          <a:p>
-            <a:endParaRPr lang="en-US" b="0" u="none" baseline="0" dirty="0"/>
-          </a:p>
-          <a:p>
-            <a:r>
-              <a:rPr lang="en-US" b="1" u="sng" baseline="0" dirty="0"/>
-              <a:t>2.5 Project Resources:</a:t>
-            </a:r>
-            <a:r>
-              <a:rPr lang="en-US" b="0" u="none" baseline="0" dirty="0"/>
-              <a:t> Because we started having team meetings as earlier as possible we were able to have tools established before the SPMP was assigned.</a:t>
-            </a:r>
-          </a:p>
-          <a:p>
-            <a:endParaRPr lang="en-US" b="0" u="none" baseline="0" dirty="0"/>
-          </a:p>
-          <a:p>
-            <a:r>
-              <a:rPr lang="en-US" b="1" u="sng" baseline="0" dirty="0"/>
-              <a:t>4.1 Project task set: </a:t>
-            </a:r>
-            <a:r>
-              <a:rPr lang="en-US" b="0" u="none" baseline="0" dirty="0"/>
-              <a:t>A communication plan was already in action by the time the SPMP was assigned making it easier to decide what the next steps of action would be.</a:t>
-            </a:r>
-          </a:p>
-          <a:p>
-            <a:endParaRPr lang="en-US" b="0" u="none" baseline="0" dirty="0"/>
-          </a:p>
-          <a:p>
-            <a:r>
-              <a:rPr lang="en-US" b="1" u="sng" baseline="0" dirty="0"/>
-              <a:t>5.O Staff Organization: </a:t>
-            </a:r>
-            <a:r>
-              <a:rPr lang="en-US" b="0" u="none" baseline="0" dirty="0"/>
-              <a:t>Establishing communication tools early on. Establishing team member and Project Manager expectations. Establishing meetings times.</a:t>
-            </a:r>
-            <a:endParaRPr lang="en-US" b="1" u="sng" dirty="0"/>
+            <a:endParaRPr lang="en-US" sz="1200" b="1" u="sng" kern="1200" baseline="0" dirty="0">
+              <a:solidFill>
+                <a:schemeClr val="tx1"/>
+              </a:solidFill>
+              <a:effectLst/>
+              <a:latin typeface="+mn-lt"/>
+              <a:ea typeface="+mn-ea"/>
+              <a:cs typeface="+mn-cs"/>
+            </a:endParaRPr>
+          </a:p>
+          <a:p>
+            <a:r>
+              <a:rPr lang="en-US" sz="1200" b="1" u="sng" kern="1200" dirty="0">
+                <a:solidFill>
+                  <a:schemeClr val="tx1"/>
+                </a:solidFill>
+                <a:effectLst/>
+                <a:latin typeface="+mn-lt"/>
+                <a:ea typeface="+mn-ea"/>
+                <a:cs typeface="+mn-cs"/>
+              </a:rPr>
+              <a:t>Estimation Selection Rationale</a:t>
+            </a:r>
+          </a:p>
+          <a:p>
+            <a:r>
+              <a:rPr lang="en-US" sz="1200" b="0" i="0" kern="1200" dirty="0">
+                <a:solidFill>
+                  <a:schemeClr val="tx1"/>
+                </a:solidFill>
+                <a:effectLst/>
+                <a:latin typeface="+mn-lt"/>
+                <a:ea typeface="+mn-ea"/>
+                <a:cs typeface="+mn-cs"/>
+              </a:rPr>
+              <a:t>We determined that we had spent 116 hours thus far within the time that we began working together up until today's date (2/6/2017 – 2/24/2017).  We then determined the number of days left until the final project is due – 4 days left in February, 31 days in March, due on the 28th of April = 63 days.  We then divided the total number of days left by the number of days we had been working on the project:  63 / 18, to arrive at 3.5.  We then multiplied this number by 117, to arrive at 409.5 hours.  We added 116 to this number (the amount of time spent so far) and arrived at 525.5 hours.  The closest to this number was the Task Estimate, which is still off by 126.5 hours.  Therefore, we rejected the other Estimates and went with 525.5 person-hours.</a:t>
+            </a:r>
+          </a:p>
+          <a:p>
+            <a:br>
+              <a:rPr lang="en-US" dirty="0"/>
+            </a:br>
+            <a:endParaRPr lang="en-US" sz="1200" b="1" u="sng" kern="1200" dirty="0">
+              <a:solidFill>
+                <a:schemeClr val="tx1"/>
+              </a:solidFill>
+              <a:effectLst/>
+              <a:latin typeface="+mn-lt"/>
+              <a:ea typeface="+mn-ea"/>
+              <a:cs typeface="+mn-cs"/>
+            </a:endParaRPr>
+          </a:p>
+          <a:p>
+            <a:pPr marL="457200" lvl="1" indent="0">
+              <a:buFont typeface="Arial" panose="020B0604020202020204" pitchFamily="34" charset="0"/>
+              <a:buNone/>
+            </a:pPr>
+            <a:endParaRPr lang="en-US" sz="1200" b="1" u="sng" kern="1200" baseline="0" dirty="0">
+              <a:solidFill>
+                <a:schemeClr val="tx1"/>
+              </a:solidFill>
+              <a:effectLst/>
+              <a:latin typeface="+mn-lt"/>
+              <a:ea typeface="+mn-ea"/>
+              <a:cs typeface="+mn-cs"/>
+            </a:endParaRPr>
           </a:p>
         </p:txBody>
       </p:sp>
@@ -4962,7 +5394,7 @@
           <a:p>
             <a:fld id="{B621E0F3-BCE5-4552-9E75-AD4D9ACB2A2B}" type="slidenum">
               <a:rPr lang="en-US" smtClean="0"/>
-              <a:t>15</a:t>
+              <a:t>12</a:t>
             </a:fld>
             <a:endParaRPr lang="en-US"/>
           </a:p>
@@ -4971,7 +5403,7 @@
     </p:spTree>
     <p:extLst>
       <p:ext uri="{BB962C8B-B14F-4D97-AF65-F5344CB8AC3E}">
-        <p14:creationId xmlns:p14="http://schemas.microsoft.com/office/powerpoint/2010/main" val="3402795072"/>
+        <p14:creationId xmlns:p14="http://schemas.microsoft.com/office/powerpoint/2010/main" val="860756360"/>
       </p:ext>
     </p:extLst>
   </p:cSld>
@@ -5178,7 +5610,7 @@
             <a:fld id="{B61BEF0D-F0BB-DE4B-95CE-6DB70DBA9567}" type="datetimeFigureOut">
               <a:rPr lang="en-US" smtClean="0"/>
               <a:pPr/>
-              <a:t>3/3/2017</a:t>
+              <a:t>3/4/2017</a:t>
             </a:fld>
             <a:endParaRPr lang="en-US" dirty="0"/>
           </a:p>
@@ -5401,7 +5833,7 @@
             <a:fld id="{B61BEF0D-F0BB-DE4B-95CE-6DB70DBA9567}" type="datetimeFigureOut">
               <a:rPr lang="en-US" smtClean="0"/>
               <a:pPr/>
-              <a:t>3/3/2017</a:t>
+              <a:t>3/4/2017</a:t>
             </a:fld>
             <a:endParaRPr lang="en-US" dirty="0"/>
           </a:p>
@@ -5583,7 +6015,7 @@
             <a:fld id="{B61BEF0D-F0BB-DE4B-95CE-6DB70DBA9567}" type="datetimeFigureOut">
               <a:rPr lang="en-US" smtClean="0"/>
               <a:pPr/>
-              <a:t>3/3/2017</a:t>
+              <a:t>3/4/2017</a:t>
             </a:fld>
             <a:endParaRPr lang="en-US" dirty="0"/>
           </a:p>
@@ -5755,7 +6187,7 @@
             <a:fld id="{B61BEF0D-F0BB-DE4B-95CE-6DB70DBA9567}" type="datetimeFigureOut">
               <a:rPr lang="en-US" smtClean="0"/>
               <a:pPr/>
-              <a:t>3/3/2017</a:t>
+              <a:t>3/4/2017</a:t>
             </a:fld>
             <a:endParaRPr lang="en-US" dirty="0"/>
           </a:p>
@@ -6008,7 +6440,7 @@
             <a:fld id="{B61BEF0D-F0BB-DE4B-95CE-6DB70DBA9567}" type="datetimeFigureOut">
               <a:rPr lang="en-US" smtClean="0"/>
               <a:pPr/>
-              <a:t>3/3/2017</a:t>
+              <a:t>3/4/2017</a:t>
             </a:fld>
             <a:endParaRPr lang="en-US" dirty="0"/>
           </a:p>
@@ -6333,7 +6765,7 @@
             <a:fld id="{B61BEF0D-F0BB-DE4B-95CE-6DB70DBA9567}" type="datetimeFigureOut">
               <a:rPr lang="en-US" smtClean="0"/>
               <a:pPr/>
-              <a:t>3/3/2017</a:t>
+              <a:t>3/4/2017</a:t>
             </a:fld>
             <a:endParaRPr lang="en-US" dirty="0"/>
           </a:p>
@@ -6759,7 +7191,7 @@
             <a:fld id="{B61BEF0D-F0BB-DE4B-95CE-6DB70DBA9567}" type="datetimeFigureOut">
               <a:rPr lang="en-US" smtClean="0"/>
               <a:pPr/>
-              <a:t>3/3/2017</a:t>
+              <a:t>3/4/2017</a:t>
             </a:fld>
             <a:endParaRPr lang="en-US" dirty="0"/>
           </a:p>
@@ -6879,7 +7311,7 @@
             <a:fld id="{B61BEF0D-F0BB-DE4B-95CE-6DB70DBA9567}" type="datetimeFigureOut">
               <a:rPr lang="en-US" smtClean="0"/>
               <a:pPr/>
-              <a:t>3/3/2017</a:t>
+              <a:t>3/4/2017</a:t>
             </a:fld>
             <a:endParaRPr lang="en-US" dirty="0"/>
           </a:p>
@@ -6976,7 +7408,7 @@
             <a:fld id="{B61BEF0D-F0BB-DE4B-95CE-6DB70DBA9567}" type="datetimeFigureOut">
               <a:rPr lang="en-US" smtClean="0"/>
               <a:pPr/>
-              <a:t>3/3/2017</a:t>
+              <a:t>3/4/2017</a:t>
             </a:fld>
             <a:endParaRPr lang="en-US" dirty="0"/>
           </a:p>
@@ -7268,7 +7700,7 @@
             <a:fld id="{B61BEF0D-F0BB-DE4B-95CE-6DB70DBA9567}" type="datetimeFigureOut">
               <a:rPr lang="en-US" smtClean="0"/>
               <a:pPr/>
-              <a:t>3/3/2017</a:t>
+              <a:t>3/4/2017</a:t>
             </a:fld>
             <a:endParaRPr lang="en-US" dirty="0"/>
           </a:p>
@@ -7542,7 +7974,7 @@
             <a:fld id="{B61BEF0D-F0BB-DE4B-95CE-6DB70DBA9567}" type="datetimeFigureOut">
               <a:rPr lang="en-US" smtClean="0"/>
               <a:pPr/>
-              <a:t>3/3/2017</a:t>
+              <a:t>3/4/2017</a:t>
             </a:fld>
             <a:endParaRPr lang="en-US" dirty="0"/>
           </a:p>
@@ -7797,7 +8229,7 @@
             <a:fld id="{B61BEF0D-F0BB-DE4B-95CE-6DB70DBA9567}" type="datetimeFigureOut">
               <a:rPr lang="en-US" smtClean="0"/>
               <a:pPr/>
-              <a:t>3/3/2017</a:t>
+              <a:t>3/4/2017</a:t>
             </a:fld>
             <a:endParaRPr lang="en-US" dirty="0"/>
           </a:p>
@@ -8435,6 +8867,12 @@
           <a:bodyPr/>
           <a:lstStyle/>
           <a:p>
+            <a:r>
+              <a:rPr lang="en-US" dirty="0"/>
+              <a:t>SPMP completion Estimate: 60 Hours</a:t>
+            </a:r>
+          </a:p>
+          <a:p>
             <a:endParaRPr lang="en-US" dirty="0"/>
           </a:p>
         </p:txBody>
@@ -8644,49 +9082,12 @@
           </a:bodyPr>
           <a:lstStyle/>
           <a:p>
-            <a:pPr marL="45720" indent="0">
-              <a:buNone/>
-            </a:pPr>
-            <a:r>
-              <a:rPr lang="en-US" dirty="0"/>
-              <a:t>Overall Project initial</a:t>
-            </a:r>
-          </a:p>
-          <a:p>
-            <a:pPr lvl="1"/>
-            <a:r>
-              <a:rPr lang="en-US" dirty="0"/>
-              <a:t>Lines of code: 117 Hours</a:t>
-            </a:r>
-          </a:p>
-          <a:p>
-            <a:pPr lvl="1"/>
-            <a:r>
-              <a:rPr lang="en-US" dirty="0"/>
-              <a:t>Function Estimate: 936 Hours</a:t>
-            </a:r>
-          </a:p>
-          <a:p>
-            <a:pPr lvl="1"/>
-            <a:r>
-              <a:rPr lang="en-US" dirty="0"/>
-              <a:t>Task Estimate: 399 Hours</a:t>
-            </a:r>
-          </a:p>
-          <a:p>
-            <a:pPr lvl="1"/>
+            <a:pPr marL="274320" lvl="1" indent="0">
+              <a:buNone/>
+            </a:pPr>
             <a:r>
               <a:rPr lang="en-US" dirty="0"/>
               <a:t>Person-Hours spent so far: 116 Hours</a:t>
-            </a:r>
-          </a:p>
-          <a:p>
-            <a:pPr marL="45720" indent="0">
-              <a:buNone/>
-            </a:pPr>
-            <a:r>
-              <a:rPr lang="en-US" dirty="0"/>
-              <a:t>Estimation Selection: 525.5 Person-Hours </a:t>
             </a:r>
           </a:p>
           <a:p>
@@ -8777,7 +9178,16 @@
           <a:bodyPr/>
           <a:lstStyle/>
           <a:p>
-            <a:endParaRPr lang="en-US" dirty="0"/>
+            <a:r>
+              <a:rPr lang="en-US" dirty="0"/>
+              <a:t>Switch to tasks estimate and tweak it based on findings and calculations based on findings from task one.</a:t>
+            </a:r>
+          </a:p>
+          <a:p>
+            <a:r>
+              <a:rPr lang="en-US" dirty="0"/>
+              <a:t>Tasks are more adjustable based on new information</a:t>
+            </a:r>
           </a:p>
         </p:txBody>
       </p:sp>
@@ -8977,12 +9387,6 @@
               <a:t>4.1 Project task set</a:t>
             </a:r>
           </a:p>
-          <a:p>
-            <a:r>
-              <a:rPr lang="en-US" dirty="0"/>
-              <a:t>5.0 Staff organization</a:t>
-            </a:r>
-          </a:p>
         </p:txBody>
       </p:sp>
     </p:spTree>
@@ -9171,86 +9575,36 @@
         <p:spPr/>
         <p:txBody>
           <a:bodyPr>
-            <a:normAutofit lnSpcReduction="10000"/>
+            <a:normAutofit/>
           </a:bodyPr>
           <a:lstStyle/>
           <a:p>
-            <a:pPr marL="0" indent="0">
-              <a:buNone/>
-            </a:pPr>
-            <a:r>
-              <a:rPr lang="en-US" dirty="0"/>
-              <a:t>Checking Slack once a day:</a:t>
-            </a:r>
-          </a:p>
-          <a:p>
-            <a:pPr lvl="1"/>
-            <a:r>
-              <a:rPr lang="en-US" dirty="0"/>
-              <a:t>Requiring Team members to check Slack at least once per day to stay up to date with project discussions.</a:t>
-            </a:r>
-          </a:p>
-          <a:p>
-            <a:pPr marL="0" indent="0">
-              <a:buNone/>
-            </a:pPr>
+            <a:pPr marL="342900" indent="-342900"/>
+            <a:r>
+              <a:rPr lang="en-US" dirty="0"/>
+              <a:t>Checking Slack once a day</a:t>
+            </a:r>
+          </a:p>
+          <a:p>
+            <a:pPr marL="342900" indent="-342900"/>
             <a:r>
               <a:rPr lang="en-US" dirty="0"/>
               <a:t>Establish meeting dates: Recurring in-person meetings on Sundays</a:t>
             </a:r>
           </a:p>
           <a:p>
-            <a:pPr lvl="1"/>
-            <a:r>
-              <a:rPr lang="en-US" dirty="0"/>
-              <a:t>Slack channel “</a:t>
-            </a:r>
-            <a:r>
-              <a:rPr lang="en-US" dirty="0" err="1"/>
-              <a:t>meeting_minutes</a:t>
-            </a:r>
-            <a:r>
-              <a:rPr lang="en-US" dirty="0"/>
-              <a:t>” contained an overview of the discussions from in-person meetings.</a:t>
-            </a:r>
-          </a:p>
-          <a:p>
-            <a:pPr marL="0" indent="0">
-              <a:buNone/>
-            </a:pPr>
-            <a:r>
-              <a:rPr lang="en-US" dirty="0"/>
-              <a:t>General Availability Doc:</a:t>
-            </a:r>
-          </a:p>
-          <a:p>
-            <a:pPr lvl="1"/>
-            <a:r>
-              <a:rPr lang="en-US" dirty="0"/>
-              <a:t>Requiring team members to fill in their general availability during the week.</a:t>
-            </a:r>
-          </a:p>
-          <a:p>
-            <a:pPr marL="0" indent="0">
-              <a:buNone/>
-            </a:pPr>
-            <a:r>
-              <a:rPr lang="en-US" dirty="0"/>
-              <a:t>Exceptions Calendar:</a:t>
-            </a:r>
-          </a:p>
-          <a:p>
-            <a:pPr lvl="1"/>
-            <a:r>
-              <a:rPr lang="en-US" dirty="0"/>
-              <a:t>If team member had a change to their general availability and were not available on a specific say, they has to report it to this calendar.</a:t>
-            </a:r>
-          </a:p>
-          <a:p>
-            <a:pPr marL="0" indent="0">
-              <a:buNone/>
-            </a:pPr>
-            <a:endParaRPr lang="en-US" dirty="0"/>
+            <a:pPr marL="342900" indent="-342900"/>
+            <a:r>
+              <a:rPr lang="en-US" dirty="0"/>
+              <a:t>General Availability Doc</a:t>
+            </a:r>
+          </a:p>
+          <a:p>
+            <a:pPr marL="342900" indent="-342900"/>
+            <a:r>
+              <a:rPr lang="en-US" dirty="0"/>
+              <a:t>Exceptions Calendar</a:t>
+            </a:r>
           </a:p>
         </p:txBody>
       </p:sp>
@@ -9856,6 +10210,12 @@
           <a:p>
             <a:r>
               <a:rPr lang="en-US" dirty="0"/>
+              <a:t>Wrike </a:t>
+            </a:r>
+          </a:p>
+          <a:p>
+            <a:r>
+              <a:rPr lang="en-US" dirty="0"/>
               <a:t>Assigning tasks without checking dependences </a:t>
             </a:r>
           </a:p>
@@ -9939,13 +10299,31 @@
           <a:p>
             <a:r>
               <a:rPr lang="en-US" dirty="0"/>
-              <a:t>Documentation method – Style template </a:t>
+              <a:t>Documentation method</a:t>
+            </a:r>
+          </a:p>
+          <a:p>
+            <a:r>
+              <a:rPr lang="en-US" dirty="0"/>
+              <a:t>Organize Repository </a:t>
+            </a:r>
+          </a:p>
+          <a:p>
+            <a:r>
+              <a:rPr lang="en-US" dirty="0"/>
+              <a:t>Review method</a:t>
             </a:r>
           </a:p>
           <a:p>
             <a:r>
               <a:rPr lang="en-US" dirty="0"/>
               <a:t>Communication with Project Managers</a:t>
+            </a:r>
+          </a:p>
+          <a:p>
+            <a:r>
+              <a:rPr lang="en-US" dirty="0"/>
+              <a:t>Utilize Wrike more</a:t>
             </a:r>
           </a:p>
         </p:txBody>
@@ -10021,7 +10399,13 @@
           <a:bodyPr/>
           <a:lstStyle/>
           <a:p>
-            <a:endParaRPr lang="en-US"/>
+            <a:pPr marL="45720" indent="0">
+              <a:buNone/>
+            </a:pPr>
+            <a:r>
+              <a:rPr lang="en-US" dirty="0"/>
+              <a:t>Assign tasks quicker</a:t>
+            </a:r>
           </a:p>
         </p:txBody>
       </p:sp>
@@ -10303,15 +10687,6 @@
             <a:r>
               <a:rPr lang="en-US" dirty="0"/>
               <a:t>Team dynamic: personalities do not clash</a:t>
-            </a:r>
-          </a:p>
-          <a:p>
-            <a:pPr lvl="1">
-              <a:buClrTx/>
-            </a:pPr>
-            <a:r>
-              <a:rPr lang="en-US" dirty="0"/>
-              <a:t>Proactive</a:t>
             </a:r>
           </a:p>
           <a:p>
@@ -11286,7 +11661,7 @@
           <a:p>
             <a:r>
               <a:rPr lang="en-US" dirty="0"/>
-              <a:t>Coupled items </a:t>
+              <a:t>Coupled (related) items </a:t>
             </a:r>
           </a:p>
           <a:p>

--- a/Work_In_Progress/CS/SPMP_Presentation.pptx
+++ b/Work_In_Progress/CS/SPMP_Presentation.pptx
@@ -218,7 +218,7 @@
           <a:p>
             <a:fld id="{ADE42F8C-8B25-4C7D-B938-A4924DE58183}" type="datetimeFigureOut">
               <a:rPr lang="en-US" smtClean="0"/>
-              <a:t>3/4/2017</a:t>
+              <a:t>3/5/2017</a:t>
             </a:fld>
             <a:endParaRPr lang="en-US"/>
           </a:p>
@@ -2708,7 +2708,15 @@
             </a:pPr>
             <a:r>
               <a:rPr lang="en-US" b="0" u="none" baseline="0" dirty="0"/>
-              <a:t>We added them onto our groups on Slack, Wrike, and GitHub. We did not add them to the general availability or exception calendar. But we asked them if they would be able to join us for our weekly Sunday meetings and they said that for the most part yes. We had drafts of the SPMP ready and we asked them to take a look at them through GitHub. They were a bit slow with the reviews and they did not give detailed feedback. At the end of Part1 we realized that the c</a:t>
+              <a:t>We added them onto our groups on Slack, Wrike, and GitHub. We did not add them to the general availability or exception calendar. But we asked them if they would be able to join us for our weekly Sunday meetings and they said that for the most part yes</a:t>
+            </a:r>
+            <a:r>
+              <a:rPr lang="en-US" b="0" u="none" baseline="0"/>
+              <a:t>. At </a:t>
+            </a:r>
+            <a:r>
+              <a:rPr lang="en-US" b="0" u="none" baseline="0" dirty="0"/>
+              <a:t>the end of Part1 we realized that the c</a:t>
             </a:r>
             <a:r>
               <a:rPr lang="en-US" dirty="0"/>
@@ -4149,12 +4157,37 @@
               <a:defRPr/>
             </a:pPr>
             <a:r>
+              <a:rPr lang="en-US" b="1" u="sng" dirty="0"/>
+              <a:t>Eligibility:</a:t>
+            </a:r>
+            <a:r>
+              <a:rPr lang="en-US" b="1" u="sng" baseline="0" dirty="0"/>
+              <a:t> </a:t>
+            </a:r>
+            <a:r>
               <a:rPr lang="en-US" dirty="0"/>
               <a:t>Based off the refill date of the customer's last order, check all of their prescriptions and see if any are eligible for refill, and if so, display a message to indicate to the cashier to ask the customer if they want that prescription refilled</a:t>
             </a:r>
           </a:p>
           <a:p>
             <a:endParaRPr lang="en-US" dirty="0"/>
+          </a:p>
+          <a:p>
+            <a:r>
+              <a:rPr lang="en-US" b="1" u="sng" dirty="0"/>
+              <a:t>Coupons:</a:t>
+            </a:r>
+            <a:r>
+              <a:rPr lang="en-US" b="1" u="sng" baseline="0" dirty="0"/>
+              <a:t> </a:t>
+            </a:r>
+            <a:r>
+              <a:rPr lang="en-US" dirty="0"/>
+              <a:t>Customer coupons that provide a discount</a:t>
+            </a:r>
+          </a:p>
+          <a:p>
+            <a:endParaRPr lang="en-US" b="1" dirty="0"/>
           </a:p>
         </p:txBody>
       </p:sp>
@@ -5610,7 +5643,7 @@
             <a:fld id="{B61BEF0D-F0BB-DE4B-95CE-6DB70DBA9567}" type="datetimeFigureOut">
               <a:rPr lang="en-US" smtClean="0"/>
               <a:pPr/>
-              <a:t>3/4/2017</a:t>
+              <a:t>3/5/2017</a:t>
             </a:fld>
             <a:endParaRPr lang="en-US" dirty="0"/>
           </a:p>
@@ -5833,7 +5866,7 @@
             <a:fld id="{B61BEF0D-F0BB-DE4B-95CE-6DB70DBA9567}" type="datetimeFigureOut">
               <a:rPr lang="en-US" smtClean="0"/>
               <a:pPr/>
-              <a:t>3/4/2017</a:t>
+              <a:t>3/5/2017</a:t>
             </a:fld>
             <a:endParaRPr lang="en-US" dirty="0"/>
           </a:p>
@@ -6015,7 +6048,7 @@
             <a:fld id="{B61BEF0D-F0BB-DE4B-95CE-6DB70DBA9567}" type="datetimeFigureOut">
               <a:rPr lang="en-US" smtClean="0"/>
               <a:pPr/>
-              <a:t>3/4/2017</a:t>
+              <a:t>3/5/2017</a:t>
             </a:fld>
             <a:endParaRPr lang="en-US" dirty="0"/>
           </a:p>
@@ -6187,7 +6220,7 @@
             <a:fld id="{B61BEF0D-F0BB-DE4B-95CE-6DB70DBA9567}" type="datetimeFigureOut">
               <a:rPr lang="en-US" smtClean="0"/>
               <a:pPr/>
-              <a:t>3/4/2017</a:t>
+              <a:t>3/5/2017</a:t>
             </a:fld>
             <a:endParaRPr lang="en-US" dirty="0"/>
           </a:p>
@@ -6440,7 +6473,7 @@
             <a:fld id="{B61BEF0D-F0BB-DE4B-95CE-6DB70DBA9567}" type="datetimeFigureOut">
               <a:rPr lang="en-US" smtClean="0"/>
               <a:pPr/>
-              <a:t>3/4/2017</a:t>
+              <a:t>3/5/2017</a:t>
             </a:fld>
             <a:endParaRPr lang="en-US" dirty="0"/>
           </a:p>
@@ -6765,7 +6798,7 @@
             <a:fld id="{B61BEF0D-F0BB-DE4B-95CE-6DB70DBA9567}" type="datetimeFigureOut">
               <a:rPr lang="en-US" smtClean="0"/>
               <a:pPr/>
-              <a:t>3/4/2017</a:t>
+              <a:t>3/5/2017</a:t>
             </a:fld>
             <a:endParaRPr lang="en-US" dirty="0"/>
           </a:p>
@@ -7191,7 +7224,7 @@
             <a:fld id="{B61BEF0D-F0BB-DE4B-95CE-6DB70DBA9567}" type="datetimeFigureOut">
               <a:rPr lang="en-US" smtClean="0"/>
               <a:pPr/>
-              <a:t>3/4/2017</a:t>
+              <a:t>3/5/2017</a:t>
             </a:fld>
             <a:endParaRPr lang="en-US" dirty="0"/>
           </a:p>
@@ -7311,7 +7344,7 @@
             <a:fld id="{B61BEF0D-F0BB-DE4B-95CE-6DB70DBA9567}" type="datetimeFigureOut">
               <a:rPr lang="en-US" smtClean="0"/>
               <a:pPr/>
-              <a:t>3/4/2017</a:t>
+              <a:t>3/5/2017</a:t>
             </a:fld>
             <a:endParaRPr lang="en-US" dirty="0"/>
           </a:p>
@@ -7408,7 +7441,7 @@
             <a:fld id="{B61BEF0D-F0BB-DE4B-95CE-6DB70DBA9567}" type="datetimeFigureOut">
               <a:rPr lang="en-US" smtClean="0"/>
               <a:pPr/>
-              <a:t>3/4/2017</a:t>
+              <a:t>3/5/2017</a:t>
             </a:fld>
             <a:endParaRPr lang="en-US" dirty="0"/>
           </a:p>
@@ -7700,7 +7733,7 @@
             <a:fld id="{B61BEF0D-F0BB-DE4B-95CE-6DB70DBA9567}" type="datetimeFigureOut">
               <a:rPr lang="en-US" smtClean="0"/>
               <a:pPr/>
-              <a:t>3/4/2017</a:t>
+              <a:t>3/5/2017</a:t>
             </a:fld>
             <a:endParaRPr lang="en-US" dirty="0"/>
           </a:p>
@@ -7974,7 +8007,7 @@
             <a:fld id="{B61BEF0D-F0BB-DE4B-95CE-6DB70DBA9567}" type="datetimeFigureOut">
               <a:rPr lang="en-US" smtClean="0"/>
               <a:pPr/>
-              <a:t>3/4/2017</a:t>
+              <a:t>3/5/2017</a:t>
             </a:fld>
             <a:endParaRPr lang="en-US" dirty="0"/>
           </a:p>
@@ -8229,7 +8262,7 @@
             <a:fld id="{B61BEF0D-F0BB-DE4B-95CE-6DB70DBA9567}" type="datetimeFigureOut">
               <a:rPr lang="en-US" smtClean="0"/>
               <a:pPr/>
-              <a:t>3/4/2017</a:t>
+              <a:t>3/5/2017</a:t>
             </a:fld>
             <a:endParaRPr lang="en-US" dirty="0"/>
           </a:p>
@@ -9471,8 +9504,13 @@
           <a:p>
             <a:r>
               <a:rPr lang="en-US" dirty="0"/>
-              <a:t>1.3 Functional Decomposition</a:t>
-            </a:r>
+              <a:t>1.3 Functional Decomposition (add in before </a:t>
+            </a:r>
+            <a:r>
+              <a:rPr lang="en-US"/>
+              <a:t>and after )</a:t>
+            </a:r>
+            <a:endParaRPr lang="en-US" dirty="0"/>
           </a:p>
           <a:p>
             <a:r>
@@ -11647,15 +11685,33 @@
           </a:bodyPr>
           <a:lstStyle/>
           <a:p>
+            <a:pPr marL="45720" indent="0">
+              <a:buNone/>
+            </a:pPr>
+            <a:r>
+              <a:rPr lang="en-US" dirty="0"/>
+              <a:t>Team Functionality</a:t>
+            </a:r>
+          </a:p>
+          <a:p>
+            <a:r>
+              <a:rPr lang="en-US" dirty="0"/>
+              <a:t>Frequently out of stock or over stock of an item, have system order more or less, respectively, than the default upon reorder.</a:t>
+            </a:r>
+          </a:p>
+          <a:p>
+            <a:pPr marL="45720" indent="0">
+              <a:buNone/>
+            </a:pPr>
+            <a:r>
+              <a:rPr lang="en-US" dirty="0"/>
+              <a:t>Individual Functionality</a:t>
+            </a:r>
+          </a:p>
+          <a:p>
             <a:r>
               <a:rPr lang="en-US" dirty="0"/>
               <a:t>A company-wide sale on a particular item</a:t>
-            </a:r>
-          </a:p>
-          <a:p>
-            <a:r>
-              <a:rPr lang="en-US" dirty="0"/>
-              <a:t>Frequently out of stock or over stock of an item, have system order more or less, respectively, than the default upon reorder.</a:t>
             </a:r>
           </a:p>
           <a:p>
@@ -11760,6 +11816,12 @@
             <a:r>
               <a:rPr lang="en-US" dirty="0"/>
               <a:t>The program will use command line interface</a:t>
+            </a:r>
+          </a:p>
+          <a:p>
+            <a:r>
+              <a:rPr lang="en-US" dirty="0"/>
+              <a:t>Will not be using a database, will be using flat-files.</a:t>
             </a:r>
           </a:p>
         </p:txBody>
